--- a/Products/AW_fin.pptx
+++ b/Products/AW_fin.pptx
@@ -13,7 +13,6 @@
     <p:sldId id="269" r:id="rId7"/>
     <p:sldId id="271" r:id="rId8"/>
     <p:sldId id="270" r:id="rId9"/>
-    <p:sldId id="261" r:id="rId10"/>
   </p:sldIdLst>
   <p:sldSz cx="12192000" cy="6858000"/>
   <p:notesSz cx="6858000" cy="9144000"/>
@@ -267,7 +266,7 @@
           <a:p>
             <a:fld id="{F60B097C-15D3-4C10-907C-9D6BDD5AB733}" type="datetimeFigureOut">
               <a:rPr lang="en-US" smtClean="0"/>
-              <a:t>5/20/2019</a:t>
+              <a:t>5/22/2019</a:t>
             </a:fld>
             <a:endParaRPr lang="en-US"/>
           </a:p>
@@ -465,7 +464,7 @@
           <a:p>
             <a:fld id="{F60B097C-15D3-4C10-907C-9D6BDD5AB733}" type="datetimeFigureOut">
               <a:rPr lang="en-US" smtClean="0"/>
-              <a:t>5/20/2019</a:t>
+              <a:t>5/22/2019</a:t>
             </a:fld>
             <a:endParaRPr lang="en-US"/>
           </a:p>
@@ -673,7 +672,7 @@
           <a:p>
             <a:fld id="{F60B097C-15D3-4C10-907C-9D6BDD5AB733}" type="datetimeFigureOut">
               <a:rPr lang="en-US" smtClean="0"/>
-              <a:t>5/20/2019</a:t>
+              <a:t>5/22/2019</a:t>
             </a:fld>
             <a:endParaRPr lang="en-US"/>
           </a:p>
@@ -871,7 +870,7 @@
           <a:p>
             <a:fld id="{F60B097C-15D3-4C10-907C-9D6BDD5AB733}" type="datetimeFigureOut">
               <a:rPr lang="en-US" smtClean="0"/>
-              <a:t>5/20/2019</a:t>
+              <a:t>5/22/2019</a:t>
             </a:fld>
             <a:endParaRPr lang="en-US"/>
           </a:p>
@@ -1146,7 +1145,7 @@
           <a:p>
             <a:fld id="{F60B097C-15D3-4C10-907C-9D6BDD5AB733}" type="datetimeFigureOut">
               <a:rPr lang="en-US" smtClean="0"/>
-              <a:t>5/20/2019</a:t>
+              <a:t>5/22/2019</a:t>
             </a:fld>
             <a:endParaRPr lang="en-US"/>
           </a:p>
@@ -1411,7 +1410,7 @@
           <a:p>
             <a:fld id="{F60B097C-15D3-4C10-907C-9D6BDD5AB733}" type="datetimeFigureOut">
               <a:rPr lang="en-US" smtClean="0"/>
-              <a:t>5/20/2019</a:t>
+              <a:t>5/22/2019</a:t>
             </a:fld>
             <a:endParaRPr lang="en-US"/>
           </a:p>
@@ -1823,7 +1822,7 @@
           <a:p>
             <a:fld id="{F60B097C-15D3-4C10-907C-9D6BDD5AB733}" type="datetimeFigureOut">
               <a:rPr lang="en-US" smtClean="0"/>
-              <a:t>5/20/2019</a:t>
+              <a:t>5/22/2019</a:t>
             </a:fld>
             <a:endParaRPr lang="en-US"/>
           </a:p>
@@ -1964,7 +1963,7 @@
           <a:p>
             <a:fld id="{F60B097C-15D3-4C10-907C-9D6BDD5AB733}" type="datetimeFigureOut">
               <a:rPr lang="en-US" smtClean="0"/>
-              <a:t>5/20/2019</a:t>
+              <a:t>5/22/2019</a:t>
             </a:fld>
             <a:endParaRPr lang="en-US"/>
           </a:p>
@@ -2077,7 +2076,7 @@
           <a:p>
             <a:fld id="{F60B097C-15D3-4C10-907C-9D6BDD5AB733}" type="datetimeFigureOut">
               <a:rPr lang="en-US" smtClean="0"/>
-              <a:t>5/20/2019</a:t>
+              <a:t>5/22/2019</a:t>
             </a:fld>
             <a:endParaRPr lang="en-US"/>
           </a:p>
@@ -2388,7 +2387,7 @@
           <a:p>
             <a:fld id="{F60B097C-15D3-4C10-907C-9D6BDD5AB733}" type="datetimeFigureOut">
               <a:rPr lang="en-US" smtClean="0"/>
-              <a:t>5/20/2019</a:t>
+              <a:t>5/22/2019</a:t>
             </a:fld>
             <a:endParaRPr lang="en-US"/>
           </a:p>
@@ -2676,7 +2675,7 @@
           <a:p>
             <a:fld id="{F60B097C-15D3-4C10-907C-9D6BDD5AB733}" type="datetimeFigureOut">
               <a:rPr lang="en-US" smtClean="0"/>
-              <a:t>5/20/2019</a:t>
+              <a:t>5/22/2019</a:t>
             </a:fld>
             <a:endParaRPr lang="en-US"/>
           </a:p>
@@ -2917,7 +2916,7 @@
           <a:p>
             <a:fld id="{F60B097C-15D3-4C10-907C-9D6BDD5AB733}" type="datetimeFigureOut">
               <a:rPr lang="en-US" smtClean="0"/>
-              <a:t>5/20/2019</a:t>
+              <a:t>5/22/2019</a:t>
             </a:fld>
             <a:endParaRPr lang="en-US"/>
           </a:p>
@@ -9205,6 +9204,232 @@
           </a:p>
         </p:txBody>
       </p:sp>
+      <mc:AlternateContent xmlns:mc="http://schemas.openxmlformats.org/markup-compatibility/2006">
+        <mc:Choice xmlns:a14="http://schemas.microsoft.com/office/drawing/2010/main" Requires="a14">
+          <p:sp>
+            <p:nvSpPr>
+              <p:cNvPr id="2" name="TextBox 1">
+                <a:extLst>
+                  <a:ext uri="{FF2B5EF4-FFF2-40B4-BE49-F238E27FC236}">
+                    <a16:creationId xmlns:a16="http://schemas.microsoft.com/office/drawing/2014/main" id="{14086DAB-715F-4472-A179-C941C2F2049F}"/>
+                  </a:ext>
+                </a:extLst>
+              </p:cNvPr>
+              <p:cNvSpPr txBox="1"/>
+              <p:nvPr/>
+            </p:nvSpPr>
+            <p:spPr>
+              <a:xfrm>
+                <a:off x="6969416" y="4856159"/>
+                <a:ext cx="3778620" cy="646331"/>
+              </a:xfrm>
+              <a:prstGeom prst="rect">
+                <a:avLst/>
+              </a:prstGeom>
+              <a:noFill/>
+            </p:spPr>
+            <p:txBody>
+              <a:bodyPr wrap="square" rtlCol="0">
+                <a:spAutoFit/>
+              </a:bodyPr>
+              <a:lstStyle/>
+              <a:p>
+                <a14:m>
+                  <m:oMathPara xmlns:m="http://schemas.openxmlformats.org/officeDocument/2006/math">
+                    <m:oMathParaPr>
+                      <m:jc m:val="centerGroup"/>
+                    </m:oMathParaPr>
+                    <m:oMath xmlns:m="http://schemas.openxmlformats.org/officeDocument/2006/math">
+                      <m:r>
+                        <a:rPr lang="en-US" b="0" i="1" smtClean="0">
+                          <a:latin typeface="Cambria Math" panose="02040503050406030204" pitchFamily="18" charset="0"/>
+                        </a:rPr>
+                        <m:t>𝑓</m:t>
+                      </m:r>
+                      <m:d>
+                        <m:dPr>
+                          <m:ctrlPr>
+                            <a:rPr lang="en-US" b="0" i="1" smtClean="0">
+                              <a:latin typeface="Cambria Math" panose="02040503050406030204" pitchFamily="18" charset="0"/>
+                            </a:rPr>
+                          </m:ctrlPr>
+                        </m:dPr>
+                        <m:e>
+                          <m:r>
+                            <a:rPr lang="en-US" b="0" i="1" smtClean="0">
+                              <a:latin typeface="Cambria Math" panose="02040503050406030204" pitchFamily="18" charset="0"/>
+                            </a:rPr>
+                            <m:t>𝑠</m:t>
+                          </m:r>
+                          <m:r>
+                            <a:rPr lang="en-US" b="0" i="1" smtClean="0">
+                              <a:latin typeface="Cambria Math" panose="02040503050406030204" pitchFamily="18" charset="0"/>
+                            </a:rPr>
+                            <m:t>,</m:t>
+                          </m:r>
+                          <m:r>
+                            <a:rPr lang="en-US" b="0" i="1" smtClean="0">
+                              <a:latin typeface="Cambria Math" panose="02040503050406030204" pitchFamily="18" charset="0"/>
+                            </a:rPr>
+                            <m:t>𝑒</m:t>
+                          </m:r>
+                        </m:e>
+                      </m:d>
+                      <m:r>
+                        <a:rPr lang="en-US" b="0" i="1" smtClean="0">
+                          <a:latin typeface="Cambria Math" panose="02040503050406030204" pitchFamily="18" charset="0"/>
+                        </a:rPr>
+                        <m:t>&gt;0 ∀</m:t>
+                      </m:r>
+                      <m:r>
+                        <a:rPr lang="en-US" b="0" i="1" smtClean="0">
+                          <a:latin typeface="Cambria Math" panose="02040503050406030204" pitchFamily="18" charset="0"/>
+                        </a:rPr>
+                        <m:t>𝑠</m:t>
+                      </m:r>
+                      <m:r>
+                        <a:rPr lang="en-US" b="0" i="1" smtClean="0">
+                          <a:latin typeface="Cambria Math" panose="02040503050406030204" pitchFamily="18" charset="0"/>
+                        </a:rPr>
+                        <m:t>,</m:t>
+                      </m:r>
+                      <m:r>
+                        <a:rPr lang="en-US" b="0" i="1" smtClean="0">
+                          <a:latin typeface="Cambria Math" panose="02040503050406030204" pitchFamily="18" charset="0"/>
+                        </a:rPr>
+                        <m:t>𝑒</m:t>
+                      </m:r>
+                      <m:r>
+                        <a:rPr lang="en-US" b="0" i="1" smtClean="0">
+                          <a:latin typeface="Cambria Math" panose="02040503050406030204" pitchFamily="18" charset="0"/>
+                        </a:rPr>
+                        <m:t>&gt;0</m:t>
+                      </m:r>
+                    </m:oMath>
+                    <m:oMath xmlns:m="http://schemas.openxmlformats.org/officeDocument/2006/math">
+                      <m:r>
+                        <a:rPr lang="en-US" b="0" i="1" smtClean="0">
+                          <a:latin typeface="Cambria Math" panose="02040503050406030204" pitchFamily="18" charset="0"/>
+                        </a:rPr>
+                        <m:t>𝑓</m:t>
+                      </m:r>
+                      <m:d>
+                        <m:dPr>
+                          <m:ctrlPr>
+                            <a:rPr lang="en-US" b="0" i="1" smtClean="0">
+                              <a:latin typeface="Cambria Math" panose="02040503050406030204" pitchFamily="18" charset="0"/>
+                            </a:rPr>
+                          </m:ctrlPr>
+                        </m:dPr>
+                        <m:e>
+                          <m:r>
+                            <a:rPr lang="en-US" b="0" i="1" smtClean="0">
+                              <a:latin typeface="Cambria Math" panose="02040503050406030204" pitchFamily="18" charset="0"/>
+                            </a:rPr>
+                            <m:t>0,</m:t>
+                          </m:r>
+                          <m:r>
+                            <a:rPr lang="en-US" b="0" i="1" smtClean="0">
+                              <a:latin typeface="Cambria Math" panose="02040503050406030204" pitchFamily="18" charset="0"/>
+                            </a:rPr>
+                            <m:t>𝑒</m:t>
+                          </m:r>
+                        </m:e>
+                      </m:d>
+                      <m:r>
+                        <a:rPr lang="en-US" b="0" i="1" smtClean="0">
+                          <a:latin typeface="Cambria Math" panose="02040503050406030204" pitchFamily="18" charset="0"/>
+                        </a:rPr>
+                        <m:t>=</m:t>
+                      </m:r>
+                      <m:r>
+                        <a:rPr lang="en-US" b="0" i="1" smtClean="0">
+                          <a:latin typeface="Cambria Math" panose="02040503050406030204" pitchFamily="18" charset="0"/>
+                        </a:rPr>
+                        <m:t>𝑓</m:t>
+                      </m:r>
+                      <m:d>
+                        <m:dPr>
+                          <m:ctrlPr>
+                            <a:rPr lang="en-US" b="0" i="1" smtClean="0">
+                              <a:latin typeface="Cambria Math" panose="02040503050406030204" pitchFamily="18" charset="0"/>
+                            </a:rPr>
+                          </m:ctrlPr>
+                        </m:dPr>
+                        <m:e>
+                          <m:r>
+                            <a:rPr lang="en-US" b="0" i="1" smtClean="0">
+                              <a:latin typeface="Cambria Math" panose="02040503050406030204" pitchFamily="18" charset="0"/>
+                            </a:rPr>
+                            <m:t>𝑠</m:t>
+                          </m:r>
+                          <m:r>
+                            <a:rPr lang="en-US" b="0" i="1" smtClean="0">
+                              <a:latin typeface="Cambria Math" panose="02040503050406030204" pitchFamily="18" charset="0"/>
+                            </a:rPr>
+                            <m:t>,0</m:t>
+                          </m:r>
+                        </m:e>
+                      </m:d>
+                      <m:r>
+                        <a:rPr lang="en-US" b="0" i="1" smtClean="0">
+                          <a:latin typeface="Cambria Math" panose="02040503050406030204" pitchFamily="18" charset="0"/>
+                        </a:rPr>
+                        <m:t>=0</m:t>
+                      </m:r>
+                    </m:oMath>
+                  </m:oMathPara>
+                </a14:m>
+                <a:endParaRPr lang="en-US" dirty="0"/>
+              </a:p>
+            </p:txBody>
+          </p:sp>
+        </mc:Choice>
+        <mc:Fallback>
+          <p:sp>
+            <p:nvSpPr>
+              <p:cNvPr id="2" name="TextBox 1">
+                <a:extLst>
+                  <a:ext uri="{FF2B5EF4-FFF2-40B4-BE49-F238E27FC236}">
+                    <a16:creationId xmlns:a16="http://schemas.microsoft.com/office/drawing/2014/main" id="{14086DAB-715F-4472-A179-C941C2F2049F}"/>
+                  </a:ext>
+                </a:extLst>
+              </p:cNvPr>
+              <p:cNvSpPr txBox="1">
+                <a:spLocks noRot="1" noChangeAspect="1" noMove="1" noResize="1" noEditPoints="1" noAdjustHandles="1" noChangeArrowheads="1" noChangeShapeType="1" noTextEdit="1"/>
+              </p:cNvSpPr>
+              <p:nvPr/>
+            </p:nvSpPr>
+            <p:spPr>
+              <a:xfrm>
+                <a:off x="6969416" y="4856159"/>
+                <a:ext cx="3778620" cy="646331"/>
+              </a:xfrm>
+              <a:prstGeom prst="rect">
+                <a:avLst/>
+              </a:prstGeom>
+              <a:blipFill>
+                <a:blip r:embed="rId8"/>
+                <a:stretch>
+                  <a:fillRect b="-6604"/>
+                </a:stretch>
+              </a:blipFill>
+            </p:spPr>
+            <p:txBody>
+              <a:bodyPr/>
+              <a:lstStyle/>
+              <a:p>
+                <a:r>
+                  <a:rPr lang="en-US">
+                    <a:noFill/>
+                  </a:rPr>
+                  <a:t> </a:t>
+                </a:r>
+              </a:p>
+            </p:txBody>
+          </p:sp>
+        </mc:Fallback>
+      </mc:AlternateContent>
     </p:spTree>
     <p:extLst>
       <p:ext uri="{BB962C8B-B14F-4D97-AF65-F5344CB8AC3E}">
@@ -10298,8 +10523,8 @@
           </p:sp>
         </mc:Fallback>
       </mc:AlternateContent>
-      <mc:AlternateContent xmlns:mc="http://schemas.openxmlformats.org/markup-compatibility/2006" xmlns:a14="http://schemas.microsoft.com/office/drawing/2010/main">
-        <mc:Choice Requires="a14">
+      <mc:AlternateContent xmlns:mc="http://schemas.openxmlformats.org/markup-compatibility/2006">
+        <mc:Choice xmlns:a14="http://schemas.microsoft.com/office/drawing/2010/main" Requires="a14">
           <p:sp>
             <p:nvSpPr>
               <p:cNvPr id="23" name="TextBox 22">
@@ -10314,8 +10539,8 @@
             </p:nvSpPr>
             <p:spPr>
               <a:xfrm>
-                <a:off x="897911" y="3595561"/>
-                <a:ext cx="2975430" cy="1938992"/>
+                <a:off x="897910" y="3595561"/>
+                <a:ext cx="3768357" cy="1938992"/>
               </a:xfrm>
               <a:prstGeom prst="rect">
                 <a:avLst/>
@@ -10337,111 +10562,120 @@
                   <a:rPr lang="en-US" b="0" dirty="0">
                     <a:latin typeface="Cambria Math" panose="02040503050406030204" pitchFamily="18" charset="0"/>
                   </a:rPr>
-                  <a:t> Analysis says: </a:t>
+                  <a:t> Analysis says,  </a:t>
                 </a:r>
+                <a14:m>
+                  <m:oMath xmlns:m="http://schemas.openxmlformats.org/officeDocument/2006/math">
+                    <m:sSub>
+                      <m:sSubPr>
+                        <m:ctrlPr>
+                          <a:rPr lang="en-US" b="0" i="1" smtClean="0">
+                            <a:latin typeface="Cambria Math" panose="02040503050406030204" pitchFamily="18" charset="0"/>
+                          </a:rPr>
+                        </m:ctrlPr>
+                      </m:sSubPr>
+                      <m:e>
+                        <m:r>
+                          <a:rPr lang="en-US" b="0" i="1" smtClean="0">
+                            <a:latin typeface="Cambria Math" panose="02040503050406030204" pitchFamily="18" charset="0"/>
+                          </a:rPr>
+                          <m:t>𝑥</m:t>
+                        </m:r>
+                      </m:e>
+                      <m:sub>
+                        <m:r>
+                          <a:rPr lang="en-US" b="0" i="1" smtClean="0">
+                            <a:latin typeface="Cambria Math" panose="02040503050406030204" pitchFamily="18" charset="0"/>
+                          </a:rPr>
+                          <m:t>2</m:t>
+                        </m:r>
+                      </m:sub>
+                    </m:sSub>
+                    <m:r>
+                      <a:rPr lang="en-US" b="0" i="1" smtClean="0">
+                        <a:latin typeface="Cambria Math" panose="02040503050406030204" pitchFamily="18" charset="0"/>
+                      </a:rPr>
+                      <m:t>&gt;0, </m:t>
+                    </m:r>
+                    <m:sSub>
+                      <m:sSubPr>
+                        <m:ctrlPr>
+                          <a:rPr lang="en-US" b="0" i="1" smtClean="0">
+                            <a:latin typeface="Cambria Math" panose="02040503050406030204" pitchFamily="18" charset="0"/>
+                          </a:rPr>
+                        </m:ctrlPr>
+                      </m:sSubPr>
+                      <m:e>
+                        <m:r>
+                          <a:rPr lang="en-US" b="0" i="1" smtClean="0">
+                            <a:latin typeface="Cambria Math" panose="02040503050406030204" pitchFamily="18" charset="0"/>
+                          </a:rPr>
+                          <m:t>𝑥</m:t>
+                        </m:r>
+                      </m:e>
+                      <m:sub>
+                        <m:r>
+                          <a:rPr lang="en-US" b="0" i="1" smtClean="0">
+                            <a:latin typeface="Cambria Math" panose="02040503050406030204" pitchFamily="18" charset="0"/>
+                          </a:rPr>
+                          <m:t>1</m:t>
+                        </m:r>
+                      </m:sub>
+                    </m:sSub>
+                    <m:r>
+                      <a:rPr lang="en-US" b="0" i="1" smtClean="0">
+                        <a:latin typeface="Cambria Math" panose="02040503050406030204" pitchFamily="18" charset="0"/>
+                      </a:rPr>
+                      <m:t>=</m:t>
+                    </m:r>
+                    <m:sSub>
+                      <m:sSubPr>
+                        <m:ctrlPr>
+                          <a:rPr lang="en-US" b="0" i="1" smtClean="0">
+                            <a:latin typeface="Cambria Math" panose="02040503050406030204" pitchFamily="18" charset="0"/>
+                          </a:rPr>
+                        </m:ctrlPr>
+                      </m:sSubPr>
+                      <m:e>
+                        <m:r>
+                          <a:rPr lang="en-US" b="0" i="1" smtClean="0">
+                            <a:latin typeface="Cambria Math" panose="02040503050406030204" pitchFamily="18" charset="0"/>
+                          </a:rPr>
+                          <m:t>𝑥</m:t>
+                        </m:r>
+                      </m:e>
+                      <m:sub>
+                        <m:r>
+                          <a:rPr lang="en-US" b="0" i="1" smtClean="0">
+                            <a:latin typeface="Cambria Math" panose="02040503050406030204" pitchFamily="18" charset="0"/>
+                          </a:rPr>
+                          <m:t>3</m:t>
+                        </m:r>
+                      </m:sub>
+                    </m:sSub>
+                    <m:r>
+                      <a:rPr lang="en-US" b="0" i="1" smtClean="0">
+                        <a:latin typeface="Cambria Math" panose="02040503050406030204" pitchFamily="18" charset="0"/>
+                      </a:rPr>
+                      <m:t>=0:</m:t>
+                    </m:r>
+                  </m:oMath>
+                </a14:m>
+                <a:br>
+                  <a:rPr lang="en-US" b="0" i="1" dirty="0">
+                    <a:latin typeface="Cambria Math" panose="02040503050406030204" pitchFamily="18" charset="0"/>
+                  </a:rPr>
+                </a:br>
+                <a:endParaRPr lang="en-US" b="0" i="1" dirty="0">
+                  <a:latin typeface="Cambria Math" panose="02040503050406030204" pitchFamily="18" charset="0"/>
+                </a:endParaRPr>
               </a:p>
               <a:p>
-                <a:pPr/>
                 <a14:m>
                   <m:oMathPara xmlns:m="http://schemas.openxmlformats.org/officeDocument/2006/math">
                     <m:oMathParaPr>
                       <m:jc m:val="centerGroup"/>
                     </m:oMathParaPr>
-                    <m:oMath xmlns:m="http://schemas.openxmlformats.org/officeDocument/2006/math">
-                      <m:sSub>
-                        <m:sSubPr>
-                          <m:ctrlPr>
-                            <a:rPr lang="en-US" b="0" i="1" smtClean="0">
-                              <a:latin typeface="Cambria Math" panose="02040503050406030204" pitchFamily="18" charset="0"/>
-                            </a:rPr>
-                          </m:ctrlPr>
-                        </m:sSubPr>
-                        <m:e>
-                          <m:r>
-                            <a:rPr lang="en-US" b="0" i="1" smtClean="0">
-                              <a:latin typeface="Cambria Math" panose="02040503050406030204" pitchFamily="18" charset="0"/>
-                            </a:rPr>
-                            <m:t>𝑥</m:t>
-                          </m:r>
-                        </m:e>
-                        <m:sub>
-                          <m:r>
-                            <a:rPr lang="en-US" b="0" i="1" smtClean="0">
-                              <a:latin typeface="Cambria Math" panose="02040503050406030204" pitchFamily="18" charset="0"/>
-                            </a:rPr>
-                            <m:t>2</m:t>
-                          </m:r>
-                        </m:sub>
-                      </m:sSub>
-                      <m:r>
-                        <a:rPr lang="en-US" b="0" i="1" smtClean="0">
-                          <a:latin typeface="Cambria Math" panose="02040503050406030204" pitchFamily="18" charset="0"/>
-                        </a:rPr>
-                        <m:t>&gt;0, </m:t>
-                      </m:r>
-                      <m:sSub>
-                        <m:sSubPr>
-                          <m:ctrlPr>
-                            <a:rPr lang="en-US" b="0" i="1" smtClean="0">
-                              <a:latin typeface="Cambria Math" panose="02040503050406030204" pitchFamily="18" charset="0"/>
-                            </a:rPr>
-                          </m:ctrlPr>
-                        </m:sSubPr>
-                        <m:e>
-                          <m:r>
-                            <a:rPr lang="en-US" b="0" i="1" smtClean="0">
-                              <a:latin typeface="Cambria Math" panose="02040503050406030204" pitchFamily="18" charset="0"/>
-                            </a:rPr>
-                            <m:t>𝑥</m:t>
-                          </m:r>
-                        </m:e>
-                        <m:sub>
-                          <m:r>
-                            <a:rPr lang="en-US" b="0" i="1" smtClean="0">
-                              <a:latin typeface="Cambria Math" panose="02040503050406030204" pitchFamily="18" charset="0"/>
-                            </a:rPr>
-                            <m:t>1</m:t>
-                          </m:r>
-                        </m:sub>
-                      </m:sSub>
-                      <m:r>
-                        <a:rPr lang="en-US" b="0" i="1" smtClean="0">
-                          <a:latin typeface="Cambria Math" panose="02040503050406030204" pitchFamily="18" charset="0"/>
-                        </a:rPr>
-                        <m:t>=</m:t>
-                      </m:r>
-                      <m:sSub>
-                        <m:sSubPr>
-                          <m:ctrlPr>
-                            <a:rPr lang="en-US" b="0" i="1" smtClean="0">
-                              <a:latin typeface="Cambria Math" panose="02040503050406030204" pitchFamily="18" charset="0"/>
-                            </a:rPr>
-                          </m:ctrlPr>
-                        </m:sSubPr>
-                        <m:e>
-                          <m:r>
-                            <a:rPr lang="en-US" b="0" i="1" smtClean="0">
-                              <a:latin typeface="Cambria Math" panose="02040503050406030204" pitchFamily="18" charset="0"/>
-                            </a:rPr>
-                            <m:t>𝑥</m:t>
-                          </m:r>
-                        </m:e>
-                        <m:sub>
-                          <m:r>
-                            <a:rPr lang="en-US" b="0" i="1" smtClean="0">
-                              <a:latin typeface="Cambria Math" panose="02040503050406030204" pitchFamily="18" charset="0"/>
-                            </a:rPr>
-                            <m:t>3</m:t>
-                          </m:r>
-                        </m:sub>
-                      </m:sSub>
-                      <m:r>
-                        <a:rPr lang="en-US" b="0" i="1" smtClean="0">
-                          <a:latin typeface="Cambria Math" panose="02040503050406030204" pitchFamily="18" charset="0"/>
-                        </a:rPr>
-                        <m:t>=0:</m:t>
-                      </m:r>
-                    </m:oMath>
                     <m:oMath xmlns:m="http://schemas.openxmlformats.org/officeDocument/2006/math">
                       <m:sSub>
                         <m:sSubPr>
@@ -10555,7 +10789,7 @@
             </p:txBody>
           </p:sp>
         </mc:Choice>
-        <mc:Fallback xmlns="">
+        <mc:Fallback>
           <p:sp>
             <p:nvSpPr>
               <p:cNvPr id="23" name="TextBox 22">
@@ -10572,8 +10806,8 @@
             </p:nvSpPr>
             <p:spPr>
               <a:xfrm>
-                <a:off x="897911" y="3595561"/>
-                <a:ext cx="2975430" cy="1938992"/>
+                <a:off x="897910" y="3595561"/>
+                <a:ext cx="3768357" cy="1938992"/>
               </a:xfrm>
               <a:prstGeom prst="rect">
                 <a:avLst/>
@@ -10581,7 +10815,7 @@
               <a:blipFill>
                 <a:blip r:embed="rId6"/>
                 <a:stretch>
-                  <a:fillRect l="-2857" t="-4063" b="-5938"/>
+                  <a:fillRect l="-2258" t="-4063" b="-5938"/>
                 </a:stretch>
               </a:blipFill>
               <a:ln>
@@ -10704,8 +10938,8 @@
           </a:p>
         </p:txBody>
       </p:sp>
-      <mc:AlternateContent xmlns:mc="http://schemas.openxmlformats.org/markup-compatibility/2006" xmlns:a14="http://schemas.microsoft.com/office/drawing/2010/main">
-        <mc:Choice Requires="a14">
+      <mc:AlternateContent xmlns:mc="http://schemas.openxmlformats.org/markup-compatibility/2006">
+        <mc:Choice xmlns:a14="http://schemas.microsoft.com/office/drawing/2010/main" Requires="a14">
           <p:sp>
             <p:nvSpPr>
               <p:cNvPr id="23" name="TextBox 22">
@@ -10721,7 +10955,7 @@
             <p:spPr>
               <a:xfrm>
                 <a:off x="897911" y="3595561"/>
-                <a:ext cx="2975430" cy="1938992"/>
+                <a:ext cx="3711796" cy="1938992"/>
               </a:xfrm>
               <a:prstGeom prst="rect">
                 <a:avLst/>
@@ -10743,111 +10977,120 @@
                   <a:rPr lang="en-US" b="0" dirty="0">
                     <a:latin typeface="Cambria Math" panose="02040503050406030204" pitchFamily="18" charset="0"/>
                   </a:rPr>
-                  <a:t> Analysis says: </a:t>
+                  <a:t> Analysis says, </a:t>
                 </a:r>
+                <a14:m>
+                  <m:oMath xmlns:m="http://schemas.openxmlformats.org/officeDocument/2006/math">
+                    <m:sSub>
+                      <m:sSubPr>
+                        <m:ctrlPr>
+                          <a:rPr lang="en-US" b="0" i="1" smtClean="0">
+                            <a:latin typeface="Cambria Math" panose="02040503050406030204" pitchFamily="18" charset="0"/>
+                          </a:rPr>
+                        </m:ctrlPr>
+                      </m:sSubPr>
+                      <m:e>
+                        <m:r>
+                          <a:rPr lang="en-US" b="0" i="1" smtClean="0">
+                            <a:latin typeface="Cambria Math" panose="02040503050406030204" pitchFamily="18" charset="0"/>
+                          </a:rPr>
+                          <m:t>𝑥</m:t>
+                        </m:r>
+                      </m:e>
+                      <m:sub>
+                        <m:r>
+                          <a:rPr lang="en-US" b="0" i="1" smtClean="0">
+                            <a:latin typeface="Cambria Math" panose="02040503050406030204" pitchFamily="18" charset="0"/>
+                          </a:rPr>
+                          <m:t>3</m:t>
+                        </m:r>
+                      </m:sub>
+                    </m:sSub>
+                    <m:r>
+                      <a:rPr lang="en-US" b="0" i="1" smtClean="0">
+                        <a:latin typeface="Cambria Math" panose="02040503050406030204" pitchFamily="18" charset="0"/>
+                      </a:rPr>
+                      <m:t>&gt;0, </m:t>
+                    </m:r>
+                    <m:sSub>
+                      <m:sSubPr>
+                        <m:ctrlPr>
+                          <a:rPr lang="en-US" b="0" i="1" smtClean="0">
+                            <a:latin typeface="Cambria Math" panose="02040503050406030204" pitchFamily="18" charset="0"/>
+                          </a:rPr>
+                        </m:ctrlPr>
+                      </m:sSubPr>
+                      <m:e>
+                        <m:r>
+                          <a:rPr lang="en-US" b="0" i="1" smtClean="0">
+                            <a:latin typeface="Cambria Math" panose="02040503050406030204" pitchFamily="18" charset="0"/>
+                          </a:rPr>
+                          <m:t>𝑥</m:t>
+                        </m:r>
+                      </m:e>
+                      <m:sub>
+                        <m:r>
+                          <a:rPr lang="en-US" b="0" i="1" smtClean="0">
+                            <a:latin typeface="Cambria Math" panose="02040503050406030204" pitchFamily="18" charset="0"/>
+                          </a:rPr>
+                          <m:t>1</m:t>
+                        </m:r>
+                      </m:sub>
+                    </m:sSub>
+                    <m:r>
+                      <a:rPr lang="en-US" b="0" i="1" smtClean="0">
+                        <a:latin typeface="Cambria Math" panose="02040503050406030204" pitchFamily="18" charset="0"/>
+                      </a:rPr>
+                      <m:t>=</m:t>
+                    </m:r>
+                    <m:sSub>
+                      <m:sSubPr>
+                        <m:ctrlPr>
+                          <a:rPr lang="en-US" b="0" i="1" smtClean="0">
+                            <a:latin typeface="Cambria Math" panose="02040503050406030204" pitchFamily="18" charset="0"/>
+                          </a:rPr>
+                        </m:ctrlPr>
+                      </m:sSubPr>
+                      <m:e>
+                        <m:r>
+                          <a:rPr lang="en-US" b="0" i="1" smtClean="0">
+                            <a:latin typeface="Cambria Math" panose="02040503050406030204" pitchFamily="18" charset="0"/>
+                          </a:rPr>
+                          <m:t>𝑥</m:t>
+                        </m:r>
+                      </m:e>
+                      <m:sub>
+                        <m:r>
+                          <a:rPr lang="en-US" b="0" i="1" smtClean="0">
+                            <a:latin typeface="Cambria Math" panose="02040503050406030204" pitchFamily="18" charset="0"/>
+                          </a:rPr>
+                          <m:t>2</m:t>
+                        </m:r>
+                      </m:sub>
+                    </m:sSub>
+                    <m:r>
+                      <a:rPr lang="en-US" b="0" i="1" smtClean="0">
+                        <a:latin typeface="Cambria Math" panose="02040503050406030204" pitchFamily="18" charset="0"/>
+                      </a:rPr>
+                      <m:t>=0:</m:t>
+                    </m:r>
+                  </m:oMath>
+                </a14:m>
+                <a:br>
+                  <a:rPr lang="en-US" b="0" i="1" dirty="0">
+                    <a:latin typeface="Cambria Math" panose="02040503050406030204" pitchFamily="18" charset="0"/>
+                  </a:rPr>
+                </a:br>
+                <a:endParaRPr lang="en-US" b="0" i="1" dirty="0">
+                  <a:latin typeface="Cambria Math" panose="02040503050406030204" pitchFamily="18" charset="0"/>
+                </a:endParaRPr>
               </a:p>
               <a:p>
-                <a:pPr/>
                 <a14:m>
                   <m:oMathPara xmlns:m="http://schemas.openxmlformats.org/officeDocument/2006/math">
                     <m:oMathParaPr>
                       <m:jc m:val="centerGroup"/>
                     </m:oMathParaPr>
-                    <m:oMath xmlns:m="http://schemas.openxmlformats.org/officeDocument/2006/math">
-                      <m:sSub>
-                        <m:sSubPr>
-                          <m:ctrlPr>
-                            <a:rPr lang="en-US" b="0" i="1" smtClean="0">
-                              <a:latin typeface="Cambria Math" panose="02040503050406030204" pitchFamily="18" charset="0"/>
-                            </a:rPr>
-                          </m:ctrlPr>
-                        </m:sSubPr>
-                        <m:e>
-                          <m:r>
-                            <a:rPr lang="en-US" b="0" i="1" smtClean="0">
-                              <a:latin typeface="Cambria Math" panose="02040503050406030204" pitchFamily="18" charset="0"/>
-                            </a:rPr>
-                            <m:t>𝑥</m:t>
-                          </m:r>
-                        </m:e>
-                        <m:sub>
-                          <m:r>
-                            <a:rPr lang="en-US" b="0" i="1" smtClean="0">
-                              <a:latin typeface="Cambria Math" panose="02040503050406030204" pitchFamily="18" charset="0"/>
-                            </a:rPr>
-                            <m:t>3</m:t>
-                          </m:r>
-                        </m:sub>
-                      </m:sSub>
-                      <m:r>
-                        <a:rPr lang="en-US" b="0" i="1" smtClean="0">
-                          <a:latin typeface="Cambria Math" panose="02040503050406030204" pitchFamily="18" charset="0"/>
-                        </a:rPr>
-                        <m:t>&gt;0, </m:t>
-                      </m:r>
-                      <m:sSub>
-                        <m:sSubPr>
-                          <m:ctrlPr>
-                            <a:rPr lang="en-US" b="0" i="1" smtClean="0">
-                              <a:latin typeface="Cambria Math" panose="02040503050406030204" pitchFamily="18" charset="0"/>
-                            </a:rPr>
-                          </m:ctrlPr>
-                        </m:sSubPr>
-                        <m:e>
-                          <m:r>
-                            <a:rPr lang="en-US" b="0" i="1" smtClean="0">
-                              <a:latin typeface="Cambria Math" panose="02040503050406030204" pitchFamily="18" charset="0"/>
-                            </a:rPr>
-                            <m:t>𝑥</m:t>
-                          </m:r>
-                        </m:e>
-                        <m:sub>
-                          <m:r>
-                            <a:rPr lang="en-US" b="0" i="1" smtClean="0">
-                              <a:latin typeface="Cambria Math" panose="02040503050406030204" pitchFamily="18" charset="0"/>
-                            </a:rPr>
-                            <m:t>1</m:t>
-                          </m:r>
-                        </m:sub>
-                      </m:sSub>
-                      <m:r>
-                        <a:rPr lang="en-US" b="0" i="1" smtClean="0">
-                          <a:latin typeface="Cambria Math" panose="02040503050406030204" pitchFamily="18" charset="0"/>
-                        </a:rPr>
-                        <m:t>=</m:t>
-                      </m:r>
-                      <m:sSub>
-                        <m:sSubPr>
-                          <m:ctrlPr>
-                            <a:rPr lang="en-US" b="0" i="1" smtClean="0">
-                              <a:latin typeface="Cambria Math" panose="02040503050406030204" pitchFamily="18" charset="0"/>
-                            </a:rPr>
-                          </m:ctrlPr>
-                        </m:sSubPr>
-                        <m:e>
-                          <m:r>
-                            <a:rPr lang="en-US" b="0" i="1" smtClean="0">
-                              <a:latin typeface="Cambria Math" panose="02040503050406030204" pitchFamily="18" charset="0"/>
-                            </a:rPr>
-                            <m:t>𝑥</m:t>
-                          </m:r>
-                        </m:e>
-                        <m:sub>
-                          <m:r>
-                            <a:rPr lang="en-US" b="0" i="1" smtClean="0">
-                              <a:latin typeface="Cambria Math" panose="02040503050406030204" pitchFamily="18" charset="0"/>
-                            </a:rPr>
-                            <m:t>2</m:t>
-                          </m:r>
-                        </m:sub>
-                      </m:sSub>
-                      <m:r>
-                        <a:rPr lang="en-US" b="0" i="1" smtClean="0">
-                          <a:latin typeface="Cambria Math" panose="02040503050406030204" pitchFamily="18" charset="0"/>
-                        </a:rPr>
-                        <m:t>=0:</m:t>
-                      </m:r>
-                    </m:oMath>
                     <m:oMath xmlns:m="http://schemas.openxmlformats.org/officeDocument/2006/math">
                       <m:sSub>
                         <m:sSubPr>
@@ -10961,7 +11204,7 @@
             </p:txBody>
           </p:sp>
         </mc:Choice>
-        <mc:Fallback xmlns="">
+        <mc:Fallback>
           <p:sp>
             <p:nvSpPr>
               <p:cNvPr id="23" name="TextBox 22">
@@ -10979,7 +11222,7 @@
             <p:spPr>
               <a:xfrm>
                 <a:off x="897911" y="3595561"/>
-                <a:ext cx="2975430" cy="1938992"/>
+                <a:ext cx="3711796" cy="1938992"/>
               </a:xfrm>
               <a:prstGeom prst="rect">
                 <a:avLst/>
@@ -10987,7 +11230,7 @@
               <a:blipFill>
                 <a:blip r:embed="rId2"/>
                 <a:stretch>
-                  <a:fillRect l="-2857" t="-4063" b="-5938"/>
+                  <a:fillRect l="-2291" t="-4063" b="-5938"/>
                 </a:stretch>
               </a:blipFill>
               <a:ln>
@@ -11970,8 +12213,8 @@
           </a:p>
         </p:txBody>
       </p:sp>
-      <mc:AlternateContent xmlns:mc="http://schemas.openxmlformats.org/markup-compatibility/2006" xmlns:a14="http://schemas.microsoft.com/office/drawing/2010/main">
-        <mc:Choice Requires="a14">
+      <mc:AlternateContent xmlns:mc="http://schemas.openxmlformats.org/markup-compatibility/2006">
+        <mc:Choice xmlns:a14="http://schemas.microsoft.com/office/drawing/2010/main" Requires="a14">
           <p:sp>
             <p:nvSpPr>
               <p:cNvPr id="23" name="TextBox 22">
@@ -11986,8 +12229,8 @@
             </p:nvSpPr>
             <p:spPr>
               <a:xfrm>
-                <a:off x="924051" y="4069387"/>
-                <a:ext cx="2975430" cy="2093778"/>
+                <a:off x="433633" y="4069387"/>
+                <a:ext cx="3465848" cy="2093778"/>
               </a:xfrm>
               <a:prstGeom prst="rect">
                 <a:avLst/>
@@ -12009,112 +12252,104 @@
                   <a:rPr lang="en-US" b="0" dirty="0">
                     <a:latin typeface="Cambria Math" panose="02040503050406030204" pitchFamily="18" charset="0"/>
                   </a:rPr>
-                  <a:t> Analysis says: </a:t>
+                  <a:t> Analysis says, </a:t>
                 </a:r>
-              </a:p>
-              <a:p>
-                <a:pPr/>
                 <a14:m>
-                  <m:oMathPara xmlns:m="http://schemas.openxmlformats.org/officeDocument/2006/math">
-                    <m:oMathParaPr>
-                      <m:jc m:val="centerGroup"/>
-                    </m:oMathParaPr>
-                    <m:oMath xmlns:m="http://schemas.openxmlformats.org/officeDocument/2006/math">
-                      <m:sSub>
-                        <m:sSubPr>
-                          <m:ctrlPr>
-                            <a:rPr lang="en-US" b="0" i="1" smtClean="0">
-                              <a:latin typeface="Cambria Math" panose="02040503050406030204" pitchFamily="18" charset="0"/>
-                            </a:rPr>
-                          </m:ctrlPr>
-                        </m:sSubPr>
-                        <m:e>
-                          <m:r>
-                            <a:rPr lang="en-US" b="0" i="1" smtClean="0">
-                              <a:latin typeface="Cambria Math" panose="02040503050406030204" pitchFamily="18" charset="0"/>
-                            </a:rPr>
-                            <m:t>𝑥</m:t>
-                          </m:r>
-                        </m:e>
-                        <m:sub>
-                          <m:r>
-                            <a:rPr lang="en-US" b="0" i="1" smtClean="0">
-                              <a:latin typeface="Cambria Math" panose="02040503050406030204" pitchFamily="18" charset="0"/>
-                            </a:rPr>
-                            <m:t>1</m:t>
-                          </m:r>
-                        </m:sub>
-                      </m:sSub>
-                      <m:r>
-                        <a:rPr lang="en-US" b="0" i="1" smtClean="0">
-                          <a:latin typeface="Cambria Math" panose="02040503050406030204" pitchFamily="18" charset="0"/>
-                        </a:rPr>
-                        <m:t>&gt;0, </m:t>
-                      </m:r>
-                      <m:sSub>
-                        <m:sSubPr>
-                          <m:ctrlPr>
-                            <a:rPr lang="en-US" b="0" i="1" smtClean="0">
-                              <a:latin typeface="Cambria Math" panose="02040503050406030204" pitchFamily="18" charset="0"/>
-                            </a:rPr>
-                          </m:ctrlPr>
-                        </m:sSubPr>
-                        <m:e>
-                          <m:r>
-                            <a:rPr lang="en-US" b="0" i="1" smtClean="0">
-                              <a:latin typeface="Cambria Math" panose="02040503050406030204" pitchFamily="18" charset="0"/>
-                            </a:rPr>
-                            <m:t>𝑥</m:t>
-                          </m:r>
-                        </m:e>
-                        <m:sub>
-                          <m:r>
-                            <a:rPr lang="en-US" b="0" i="1" smtClean="0">
-                              <a:latin typeface="Cambria Math" panose="02040503050406030204" pitchFamily="18" charset="0"/>
-                            </a:rPr>
-                            <m:t>2</m:t>
-                          </m:r>
-                        </m:sub>
-                      </m:sSub>
-                      <m:r>
-                        <a:rPr lang="en-US" b="0" i="1" smtClean="0">
-                          <a:latin typeface="Cambria Math" panose="02040503050406030204" pitchFamily="18" charset="0"/>
-                        </a:rPr>
-                        <m:t>=</m:t>
-                      </m:r>
-                      <m:sSub>
-                        <m:sSubPr>
-                          <m:ctrlPr>
-                            <a:rPr lang="en-US" b="0" i="1" smtClean="0">
-                              <a:latin typeface="Cambria Math" panose="02040503050406030204" pitchFamily="18" charset="0"/>
-                            </a:rPr>
-                          </m:ctrlPr>
-                        </m:sSubPr>
-                        <m:e>
-                          <m:r>
-                            <a:rPr lang="en-US" b="0" i="1" smtClean="0">
-                              <a:latin typeface="Cambria Math" panose="02040503050406030204" pitchFamily="18" charset="0"/>
-                            </a:rPr>
-                            <m:t>𝑥</m:t>
-                          </m:r>
-                        </m:e>
-                        <m:sub>
-                          <m:r>
-                            <a:rPr lang="en-US" b="0" i="1" smtClean="0">
-                              <a:latin typeface="Cambria Math" panose="02040503050406030204" pitchFamily="18" charset="0"/>
-                            </a:rPr>
-                            <m:t>3</m:t>
-                          </m:r>
-                        </m:sub>
-                      </m:sSub>
-                      <m:r>
-                        <a:rPr lang="en-US" b="0" i="1" smtClean="0">
-                          <a:latin typeface="Cambria Math" panose="02040503050406030204" pitchFamily="18" charset="0"/>
-                        </a:rPr>
-                        <m:t>=0:</m:t>
-                      </m:r>
-                    </m:oMath>
-                  </m:oMathPara>
+                  <m:oMath xmlns:m="http://schemas.openxmlformats.org/officeDocument/2006/math">
+                    <m:sSub>
+                      <m:sSubPr>
+                        <m:ctrlPr>
+                          <a:rPr lang="en-US" b="0" i="1" smtClean="0">
+                            <a:latin typeface="Cambria Math" panose="02040503050406030204" pitchFamily="18" charset="0"/>
+                          </a:rPr>
+                        </m:ctrlPr>
+                      </m:sSubPr>
+                      <m:e>
+                        <m:r>
+                          <a:rPr lang="en-US" b="0" i="1" smtClean="0">
+                            <a:latin typeface="Cambria Math" panose="02040503050406030204" pitchFamily="18" charset="0"/>
+                          </a:rPr>
+                          <m:t>𝑥</m:t>
+                        </m:r>
+                      </m:e>
+                      <m:sub>
+                        <m:r>
+                          <a:rPr lang="en-US" b="0" i="1" smtClean="0">
+                            <a:latin typeface="Cambria Math" panose="02040503050406030204" pitchFamily="18" charset="0"/>
+                          </a:rPr>
+                          <m:t>1</m:t>
+                        </m:r>
+                      </m:sub>
+                    </m:sSub>
+                    <m:r>
+                      <a:rPr lang="en-US" b="0" i="1" smtClean="0">
+                        <a:latin typeface="Cambria Math" panose="02040503050406030204" pitchFamily="18" charset="0"/>
+                      </a:rPr>
+                      <m:t>&gt;0, </m:t>
+                    </m:r>
+                    <m:sSub>
+                      <m:sSubPr>
+                        <m:ctrlPr>
+                          <a:rPr lang="en-US" b="0" i="1" smtClean="0">
+                            <a:latin typeface="Cambria Math" panose="02040503050406030204" pitchFamily="18" charset="0"/>
+                          </a:rPr>
+                        </m:ctrlPr>
+                      </m:sSubPr>
+                      <m:e>
+                        <m:r>
+                          <a:rPr lang="en-US" b="0" i="1" smtClean="0">
+                            <a:latin typeface="Cambria Math" panose="02040503050406030204" pitchFamily="18" charset="0"/>
+                          </a:rPr>
+                          <m:t>𝑥</m:t>
+                        </m:r>
+                      </m:e>
+                      <m:sub>
+                        <m:r>
+                          <a:rPr lang="en-US" b="0" i="1" smtClean="0">
+                            <a:latin typeface="Cambria Math" panose="02040503050406030204" pitchFamily="18" charset="0"/>
+                          </a:rPr>
+                          <m:t>2</m:t>
+                        </m:r>
+                      </m:sub>
+                    </m:sSub>
+                    <m:r>
+                      <a:rPr lang="en-US" b="0" i="1" smtClean="0">
+                        <a:latin typeface="Cambria Math" panose="02040503050406030204" pitchFamily="18" charset="0"/>
+                      </a:rPr>
+                      <m:t>=</m:t>
+                    </m:r>
+                    <m:sSub>
+                      <m:sSubPr>
+                        <m:ctrlPr>
+                          <a:rPr lang="en-US" b="0" i="1" smtClean="0">
+                            <a:latin typeface="Cambria Math" panose="02040503050406030204" pitchFamily="18" charset="0"/>
+                          </a:rPr>
+                        </m:ctrlPr>
+                      </m:sSubPr>
+                      <m:e>
+                        <m:r>
+                          <a:rPr lang="en-US" b="0" i="1" smtClean="0">
+                            <a:latin typeface="Cambria Math" panose="02040503050406030204" pitchFamily="18" charset="0"/>
+                          </a:rPr>
+                          <m:t>𝑥</m:t>
+                        </m:r>
+                      </m:e>
+                      <m:sub>
+                        <m:r>
+                          <a:rPr lang="en-US" b="0" i="1" smtClean="0">
+                            <a:latin typeface="Cambria Math" panose="02040503050406030204" pitchFamily="18" charset="0"/>
+                          </a:rPr>
+                          <m:t>3</m:t>
+                        </m:r>
+                      </m:sub>
+                    </m:sSub>
+                    <m:r>
+                      <a:rPr lang="en-US" b="0" i="1" smtClean="0">
+                        <a:latin typeface="Cambria Math" panose="02040503050406030204" pitchFamily="18" charset="0"/>
+                      </a:rPr>
+                      <m:t>=0:</m:t>
+                    </m:r>
+                  </m:oMath>
                 </a14:m>
                 <a:br>
                   <a:rPr lang="en-US" b="0" dirty="0"/>
@@ -12124,7 +12359,7 @@
                 </a:br>
                 <a:r>
                   <a:rPr lang="en-US" b="0" dirty="0"/>
-                  <a:t> if</a:t>
+                  <a:t> If</a:t>
                 </a:r>
                 <a14:m>
                   <m:oMath xmlns:m="http://schemas.openxmlformats.org/officeDocument/2006/math">
@@ -12236,15 +12471,28 @@
                 </a:br>
                 <a:r>
                   <a:rPr lang="en-US" b="0" dirty="0"/>
-                  <a:t> small, there will be two steady</a:t>
+                  <a:t> small, there will be two stable and  </a:t>
                 </a:r>
-                <a:br>
-                  <a:rPr lang="en-US" b="0" dirty="0"/>
-                </a:br>
+              </a:p>
+              <a:p>
+                <a:r>
+                  <a:rPr lang="en-US" dirty="0"/>
+                  <a:t> </a:t>
+                </a:r>
                 <a:r>
                   <a:rPr lang="en-US" b="0" dirty="0"/>
-                  <a:t> state solutions.   </a:t>
+                  <a:t>one unstable</a:t>
                 </a:r>
+                <a:r>
+                  <a:rPr lang="en-US" dirty="0"/>
+                  <a:t> </a:t>
+                </a:r>
+                <a:r>
+                  <a:rPr lang="en-US" b="0" dirty="0"/>
+                  <a:t>steady state solutions.   </a:t>
+                </a:r>
+              </a:p>
+              <a:p>
                 <a:br>
                   <a:rPr lang="en-US" b="0" dirty="0"/>
                 </a:br>
@@ -12256,7 +12504,7 @@
             </p:txBody>
           </p:sp>
         </mc:Choice>
-        <mc:Fallback xmlns="">
+        <mc:Fallback>
           <p:sp>
             <p:nvSpPr>
               <p:cNvPr id="23" name="TextBox 22">
@@ -12273,8 +12521,8 @@
             </p:nvSpPr>
             <p:spPr>
               <a:xfrm>
-                <a:off x="924051" y="4069387"/>
-                <a:ext cx="2975430" cy="2093778"/>
+                <a:off x="433633" y="4069387"/>
+                <a:ext cx="3465848" cy="2093778"/>
               </a:xfrm>
               <a:prstGeom prst="rect">
                 <a:avLst/>
@@ -12282,7 +12530,7 @@
               <a:blipFill>
                 <a:blip r:embed="rId2"/>
                 <a:stretch>
-                  <a:fillRect l="-3061" t="-3768" r="-1837" b="-5507"/>
+                  <a:fillRect l="-2452" t="-4058" r="-5954" b="-5507"/>
                 </a:stretch>
               </a:blipFill>
               <a:ln>
@@ -14907,8 +15155,8 @@
           </p:sp>
         </mc:Fallback>
       </mc:AlternateContent>
-      <mc:AlternateContent xmlns:mc="http://schemas.openxmlformats.org/markup-compatibility/2006" xmlns:a14="http://schemas.microsoft.com/office/drawing/2010/main">
-        <mc:Choice Requires="a14">
+      <mc:AlternateContent xmlns:mc="http://schemas.openxmlformats.org/markup-compatibility/2006">
+        <mc:Choice xmlns:a14="http://schemas.microsoft.com/office/drawing/2010/main" Requires="a14">
           <p:sp>
             <p:nvSpPr>
               <p:cNvPr id="28" name="TextBox 27">
@@ -14924,7 +15172,7 @@
             <p:spPr>
               <a:xfrm>
                 <a:off x="897911" y="3595561"/>
-                <a:ext cx="2975430" cy="1938992"/>
+                <a:ext cx="3457482" cy="1938992"/>
               </a:xfrm>
               <a:prstGeom prst="rect">
                 <a:avLst/>
@@ -14946,111 +15194,120 @@
                   <a:rPr lang="en-US" b="0" dirty="0">
                     <a:latin typeface="Cambria Math" panose="02040503050406030204" pitchFamily="18" charset="0"/>
                   </a:rPr>
-                  <a:t> Analysis says: </a:t>
+                  <a:t> Analysis says, </a:t>
                 </a:r>
+                <a14:m>
+                  <m:oMath xmlns:m="http://schemas.openxmlformats.org/officeDocument/2006/math">
+                    <m:sSub>
+                      <m:sSubPr>
+                        <m:ctrlPr>
+                          <a:rPr lang="en-US" b="0" i="1" smtClean="0">
+                            <a:latin typeface="Cambria Math" panose="02040503050406030204" pitchFamily="18" charset="0"/>
+                          </a:rPr>
+                        </m:ctrlPr>
+                      </m:sSubPr>
+                      <m:e>
+                        <m:r>
+                          <a:rPr lang="en-US" b="0" i="1" smtClean="0">
+                            <a:latin typeface="Cambria Math" panose="02040503050406030204" pitchFamily="18" charset="0"/>
+                          </a:rPr>
+                          <m:t>𝑥</m:t>
+                        </m:r>
+                      </m:e>
+                      <m:sub>
+                        <m:r>
+                          <a:rPr lang="en-US" b="0" i="1" smtClean="0">
+                            <a:latin typeface="Cambria Math" panose="02040503050406030204" pitchFamily="18" charset="0"/>
+                          </a:rPr>
+                          <m:t>2</m:t>
+                        </m:r>
+                      </m:sub>
+                    </m:sSub>
+                    <m:r>
+                      <a:rPr lang="en-US" b="0" i="1" smtClean="0">
+                        <a:latin typeface="Cambria Math" panose="02040503050406030204" pitchFamily="18" charset="0"/>
+                      </a:rPr>
+                      <m:t>, </m:t>
+                    </m:r>
+                    <m:sSub>
+                      <m:sSubPr>
+                        <m:ctrlPr>
+                          <a:rPr lang="en-US" b="0" i="1" smtClean="0">
+                            <a:latin typeface="Cambria Math" panose="02040503050406030204" pitchFamily="18" charset="0"/>
+                          </a:rPr>
+                        </m:ctrlPr>
+                      </m:sSubPr>
+                      <m:e>
+                        <m:r>
+                          <a:rPr lang="en-US" b="0" i="1" smtClean="0">
+                            <a:latin typeface="Cambria Math" panose="02040503050406030204" pitchFamily="18" charset="0"/>
+                          </a:rPr>
+                          <m:t>𝑥</m:t>
+                        </m:r>
+                      </m:e>
+                      <m:sub>
+                        <m:r>
+                          <a:rPr lang="en-US" b="0" i="1" smtClean="0">
+                            <a:latin typeface="Cambria Math" panose="02040503050406030204" pitchFamily="18" charset="0"/>
+                          </a:rPr>
+                          <m:t>3</m:t>
+                        </m:r>
+                      </m:sub>
+                    </m:sSub>
+                    <m:r>
+                      <a:rPr lang="en-US" b="0" i="1" smtClean="0">
+                        <a:latin typeface="Cambria Math" panose="02040503050406030204" pitchFamily="18" charset="0"/>
+                      </a:rPr>
+                      <m:t>&gt;0, </m:t>
+                    </m:r>
+                    <m:sSub>
+                      <m:sSubPr>
+                        <m:ctrlPr>
+                          <a:rPr lang="en-US" b="0" i="1" smtClean="0">
+                            <a:latin typeface="Cambria Math" panose="02040503050406030204" pitchFamily="18" charset="0"/>
+                          </a:rPr>
+                        </m:ctrlPr>
+                      </m:sSubPr>
+                      <m:e>
+                        <m:r>
+                          <a:rPr lang="en-US" b="0" i="1" smtClean="0">
+                            <a:latin typeface="Cambria Math" panose="02040503050406030204" pitchFamily="18" charset="0"/>
+                          </a:rPr>
+                          <m:t>𝑥</m:t>
+                        </m:r>
+                      </m:e>
+                      <m:sub>
+                        <m:r>
+                          <a:rPr lang="en-US" b="0" i="1" smtClean="0">
+                            <a:latin typeface="Cambria Math" panose="02040503050406030204" pitchFamily="18" charset="0"/>
+                          </a:rPr>
+                          <m:t>1</m:t>
+                        </m:r>
+                      </m:sub>
+                    </m:sSub>
+                    <m:r>
+                      <a:rPr lang="en-US" b="0" i="1" smtClean="0">
+                        <a:latin typeface="Cambria Math" panose="02040503050406030204" pitchFamily="18" charset="0"/>
+                      </a:rPr>
+                      <m:t>=0:</m:t>
+                    </m:r>
+                  </m:oMath>
+                </a14:m>
+                <a:br>
+                  <a:rPr lang="en-US" b="0" i="1" dirty="0">
+                    <a:latin typeface="Cambria Math" panose="02040503050406030204" pitchFamily="18" charset="0"/>
+                  </a:rPr>
+                </a:br>
+                <a:endParaRPr lang="en-US" b="0" i="1" dirty="0">
+                  <a:latin typeface="Cambria Math" panose="02040503050406030204" pitchFamily="18" charset="0"/>
+                </a:endParaRPr>
               </a:p>
               <a:p>
-                <a:pPr/>
                 <a14:m>
                   <m:oMathPara xmlns:m="http://schemas.openxmlformats.org/officeDocument/2006/math">
                     <m:oMathParaPr>
                       <m:jc m:val="centerGroup"/>
                     </m:oMathParaPr>
-                    <m:oMath xmlns:m="http://schemas.openxmlformats.org/officeDocument/2006/math">
-                      <m:sSub>
-                        <m:sSubPr>
-                          <m:ctrlPr>
-                            <a:rPr lang="en-US" b="0" i="1" smtClean="0">
-                              <a:latin typeface="Cambria Math" panose="02040503050406030204" pitchFamily="18" charset="0"/>
-                            </a:rPr>
-                          </m:ctrlPr>
-                        </m:sSubPr>
-                        <m:e>
-                          <m:r>
-                            <a:rPr lang="en-US" b="0" i="1" smtClean="0">
-                              <a:latin typeface="Cambria Math" panose="02040503050406030204" pitchFamily="18" charset="0"/>
-                            </a:rPr>
-                            <m:t>𝑥</m:t>
-                          </m:r>
-                        </m:e>
-                        <m:sub>
-                          <m:r>
-                            <a:rPr lang="en-US" b="0" i="1" smtClean="0">
-                              <a:latin typeface="Cambria Math" panose="02040503050406030204" pitchFamily="18" charset="0"/>
-                            </a:rPr>
-                            <m:t>2</m:t>
-                          </m:r>
-                        </m:sub>
-                      </m:sSub>
-                      <m:r>
-                        <a:rPr lang="en-US" b="0" i="1" smtClean="0">
-                          <a:latin typeface="Cambria Math" panose="02040503050406030204" pitchFamily="18" charset="0"/>
-                        </a:rPr>
-                        <m:t>, </m:t>
-                      </m:r>
-                      <m:sSub>
-                        <m:sSubPr>
-                          <m:ctrlPr>
-                            <a:rPr lang="en-US" b="0" i="1" smtClean="0">
-                              <a:latin typeface="Cambria Math" panose="02040503050406030204" pitchFamily="18" charset="0"/>
-                            </a:rPr>
-                          </m:ctrlPr>
-                        </m:sSubPr>
-                        <m:e>
-                          <m:r>
-                            <a:rPr lang="en-US" b="0" i="1" smtClean="0">
-                              <a:latin typeface="Cambria Math" panose="02040503050406030204" pitchFamily="18" charset="0"/>
-                            </a:rPr>
-                            <m:t>𝑥</m:t>
-                          </m:r>
-                        </m:e>
-                        <m:sub>
-                          <m:r>
-                            <a:rPr lang="en-US" b="0" i="1" smtClean="0">
-                              <a:latin typeface="Cambria Math" panose="02040503050406030204" pitchFamily="18" charset="0"/>
-                            </a:rPr>
-                            <m:t>3</m:t>
-                          </m:r>
-                        </m:sub>
-                      </m:sSub>
-                      <m:r>
-                        <a:rPr lang="en-US" b="0" i="1" smtClean="0">
-                          <a:latin typeface="Cambria Math" panose="02040503050406030204" pitchFamily="18" charset="0"/>
-                        </a:rPr>
-                        <m:t>&gt;0, </m:t>
-                      </m:r>
-                      <m:sSub>
-                        <m:sSubPr>
-                          <m:ctrlPr>
-                            <a:rPr lang="en-US" b="0" i="1" smtClean="0">
-                              <a:latin typeface="Cambria Math" panose="02040503050406030204" pitchFamily="18" charset="0"/>
-                            </a:rPr>
-                          </m:ctrlPr>
-                        </m:sSubPr>
-                        <m:e>
-                          <m:r>
-                            <a:rPr lang="en-US" b="0" i="1" smtClean="0">
-                              <a:latin typeface="Cambria Math" panose="02040503050406030204" pitchFamily="18" charset="0"/>
-                            </a:rPr>
-                            <m:t>𝑥</m:t>
-                          </m:r>
-                        </m:e>
-                        <m:sub>
-                          <m:r>
-                            <a:rPr lang="en-US" b="0" i="1" smtClean="0">
-                              <a:latin typeface="Cambria Math" panose="02040503050406030204" pitchFamily="18" charset="0"/>
-                            </a:rPr>
-                            <m:t>1</m:t>
-                          </m:r>
-                        </m:sub>
-                      </m:sSub>
-                      <m:r>
-                        <a:rPr lang="en-US" b="0" i="1" smtClean="0">
-                          <a:latin typeface="Cambria Math" panose="02040503050406030204" pitchFamily="18" charset="0"/>
-                        </a:rPr>
-                        <m:t>=0:</m:t>
-                      </m:r>
-                    </m:oMath>
                     <m:oMath xmlns:m="http://schemas.openxmlformats.org/officeDocument/2006/math">
                       <m:sSub>
                         <m:sSubPr>
@@ -15195,7 +15452,7 @@
             </p:txBody>
           </p:sp>
         </mc:Choice>
-        <mc:Fallback xmlns="">
+        <mc:Fallback>
           <p:sp>
             <p:nvSpPr>
               <p:cNvPr id="28" name="TextBox 27">
@@ -15213,7 +15470,7 @@
             <p:spPr>
               <a:xfrm>
                 <a:off x="897911" y="3595561"/>
-                <a:ext cx="2975430" cy="1938992"/>
+                <a:ext cx="3457482" cy="1938992"/>
               </a:xfrm>
               <a:prstGeom prst="rect">
                 <a:avLst/>
@@ -15221,7 +15478,7 @@
               <a:blipFill>
                 <a:blip r:embed="rId7"/>
                 <a:stretch>
-                  <a:fillRect l="-2857" t="-4063" b="-5938"/>
+                  <a:fillRect l="-2460" t="-4063" b="-5938"/>
                 </a:stretch>
               </a:blipFill>
               <a:ln>
@@ -15349,8 +15606,8 @@
           </a:p>
         </p:txBody>
       </p:sp>
-      <mc:AlternateContent xmlns:mc="http://schemas.openxmlformats.org/markup-compatibility/2006">
-        <mc:Choice xmlns:a14="http://schemas.microsoft.com/office/drawing/2010/main" Requires="a14">
+      <mc:AlternateContent xmlns:mc="http://schemas.openxmlformats.org/markup-compatibility/2006" xmlns:a14="http://schemas.microsoft.com/office/drawing/2010/main">
+        <mc:Choice Requires="a14">
           <p:sp>
             <p:nvSpPr>
               <p:cNvPr id="13" name="TextBox 12">
@@ -15658,7 +15915,7 @@
             </p:txBody>
           </p:sp>
         </mc:Choice>
-        <mc:Fallback>
+        <mc:Fallback xmlns="">
           <p:sp>
             <p:nvSpPr>
               <p:cNvPr id="13" name="TextBox 12">
@@ -15703,8 +15960,8 @@
           </p:sp>
         </mc:Fallback>
       </mc:AlternateContent>
-      <mc:AlternateContent xmlns:mc="http://schemas.openxmlformats.org/markup-compatibility/2006">
-        <mc:Choice xmlns:a14="http://schemas.microsoft.com/office/drawing/2010/main" Requires="a14">
+      <mc:AlternateContent xmlns:mc="http://schemas.openxmlformats.org/markup-compatibility/2006" xmlns:a14="http://schemas.microsoft.com/office/drawing/2010/main">
+        <mc:Choice Requires="a14">
           <p:sp>
             <p:nvSpPr>
               <p:cNvPr id="15" name="TextBox 14">
@@ -15872,7 +16129,7 @@
             </p:txBody>
           </p:sp>
         </mc:Choice>
-        <mc:Fallback>
+        <mc:Fallback xmlns="">
           <p:sp>
             <p:nvSpPr>
               <p:cNvPr id="15" name="TextBox 14">
@@ -15917,8 +16174,8 @@
           </p:sp>
         </mc:Fallback>
       </mc:AlternateContent>
-      <mc:AlternateContent xmlns:mc="http://schemas.openxmlformats.org/markup-compatibility/2006">
-        <mc:Choice xmlns:a14="http://schemas.microsoft.com/office/drawing/2010/main" Requires="a14">
+      <mc:AlternateContent xmlns:mc="http://schemas.openxmlformats.org/markup-compatibility/2006" xmlns:a14="http://schemas.microsoft.com/office/drawing/2010/main">
+        <mc:Choice Requires="a14">
           <p:sp>
             <p:nvSpPr>
               <p:cNvPr id="16" name="TextBox 15">
@@ -16006,16 +16263,7 @@
                           </a:solidFill>
                           <a:latin typeface="Cambria Math" panose="02040503050406030204" pitchFamily="18" charset="0"/>
                         </a:rPr>
-                        <m:t>→0</m:t>
-                      </m:r>
-                      <m:r>
-                        <a:rPr lang="en-US" b="0" i="1" smtClean="0">
-                          <a:solidFill>
-                            <a:schemeClr val="tx1"/>
-                          </a:solidFill>
-                          <a:latin typeface="Cambria Math" panose="02040503050406030204" pitchFamily="18" charset="0"/>
-                        </a:rPr>
-                        <m:t> </m:t>
+                        <m:t>→0 </m:t>
                       </m:r>
                     </m:oMath>
                   </m:oMathPara>
@@ -16025,7 +16273,7 @@
             </p:txBody>
           </p:sp>
         </mc:Choice>
-        <mc:Fallback>
+        <mc:Fallback xmlns="">
           <p:sp>
             <p:nvSpPr>
               <p:cNvPr id="16" name="TextBox 15">
@@ -16070,8 +16318,8 @@
           </p:sp>
         </mc:Fallback>
       </mc:AlternateContent>
-      <mc:AlternateContent xmlns:mc="http://schemas.openxmlformats.org/markup-compatibility/2006">
-        <mc:Choice xmlns:a14="http://schemas.microsoft.com/office/drawing/2010/main" Requires="a14">
+      <mc:AlternateContent xmlns:mc="http://schemas.openxmlformats.org/markup-compatibility/2006" xmlns:a14="http://schemas.microsoft.com/office/drawing/2010/main">
+        <mc:Choice Requires="a14">
           <p:sp>
             <p:nvSpPr>
               <p:cNvPr id="20" name="TextBox 19">
@@ -16284,7 +16532,7 @@
             </p:txBody>
           </p:sp>
         </mc:Choice>
-        <mc:Fallback>
+        <mc:Fallback xmlns="">
           <p:sp>
             <p:nvSpPr>
               <p:cNvPr id="20" name="TextBox 19">
@@ -16345,8 +16593,8 @@
             </p:nvSpPr>
             <p:spPr>
               <a:xfrm>
-                <a:off x="897911" y="3595561"/>
-                <a:ext cx="2975430" cy="2234586"/>
+                <a:off x="897910" y="3595561"/>
+                <a:ext cx="3517435" cy="2234586"/>
               </a:xfrm>
               <a:prstGeom prst="rect">
                 <a:avLst/>
@@ -16368,18 +16616,17 @@
                   <a:rPr lang="en-US" b="0" dirty="0">
                     <a:latin typeface="Cambria Math" panose="02040503050406030204" pitchFamily="18" charset="0"/>
                   </a:rPr>
-                  <a:t> Analysis says: </a:t>
+                  <a:t> Analysis says</a:t>
                 </a:r>
-              </a:p>
-              <a:p>
-                <a:pPr/>
                 <a:r>
-                  <a:rPr lang="en-US" dirty="0"/>
-                  <a:t>         </a:t>
+                  <a:rPr lang="en-US" dirty="0">
+                    <a:latin typeface="Cambria Math" panose="02040503050406030204" pitchFamily="18" charset="0"/>
+                  </a:rPr>
+                  <a:t>,</a:t>
                 </a:r>
                 <a:r>
                   <a:rPr lang="en-US" b="0" dirty="0"/>
-                  <a:t>If </a:t>
+                  <a:t> </a:t>
                 </a:r>
                 <a14:m>
                   <m:oMath xmlns:m="http://schemas.openxmlformats.org/officeDocument/2006/math">
@@ -16485,6 +16732,14 @@
                 </a:br>
                 <a:r>
                   <a:rPr lang="en-US" b="0" i="1" dirty="0">
+                    <a:latin typeface="Cambria Math" panose="02040503050406030204" pitchFamily="18" charset="0"/>
+                  </a:rPr>
+                  <a:t>	</a:t>
+                </a:r>
+              </a:p>
+              <a:p>
+                <a:r>
+                  <a:rPr lang="en-US" i="1" dirty="0">
                     <a:latin typeface="Cambria Math" panose="02040503050406030204" pitchFamily="18" charset="0"/>
                   </a:rPr>
                   <a:t>	</a:t>
@@ -16691,8 +16946,8 @@
             </p:nvSpPr>
             <p:spPr>
               <a:xfrm>
-                <a:off x="897911" y="3595561"/>
-                <a:ext cx="2975430" cy="2234586"/>
+                <a:off x="897910" y="3595561"/>
+                <a:ext cx="3517435" cy="2234586"/>
               </a:xfrm>
               <a:prstGeom prst="rect">
                 <a:avLst/>
@@ -16700,7 +16955,7 @@
               <a:blipFill>
                 <a:blip r:embed="rId6"/>
                 <a:stretch>
-                  <a:fillRect l="-2857" t="-3533" b="-5163"/>
+                  <a:fillRect l="-2418" t="-3804" b="-5163"/>
                 </a:stretch>
               </a:blipFill>
               <a:ln>
@@ -16724,8 +16979,8 @@
           </p:sp>
         </mc:Fallback>
       </mc:AlternateContent>
-      <mc:AlternateContent xmlns:mc="http://schemas.openxmlformats.org/markup-compatibility/2006">
-        <mc:Choice xmlns:a14="http://schemas.microsoft.com/office/drawing/2010/main" Requires="a14">
+      <mc:AlternateContent xmlns:mc="http://schemas.openxmlformats.org/markup-compatibility/2006" xmlns:a14="http://schemas.microsoft.com/office/drawing/2010/main">
+        <mc:Choice Requires="a14">
           <p:sp>
             <p:nvSpPr>
               <p:cNvPr id="10" name="TextBox 9">
@@ -16995,7 +17250,7 @@
             </p:txBody>
           </p:sp>
         </mc:Choice>
-        <mc:Fallback>
+        <mc:Fallback xmlns="">
           <p:sp>
             <p:nvSpPr>
               <p:cNvPr id="10" name="TextBox 9">
@@ -17132,175 +17387,2044 @@
           <a:bodyPr/>
           <a:lstStyle/>
           <a:p>
-            <a:endParaRPr lang="en-US"/>
+            <a:r>
+              <a:rPr lang="en-US" dirty="0"/>
+              <a:t>Cooperator and Police</a:t>
+            </a:r>
           </a:p>
         </p:txBody>
       </p:sp>
-      <p:sp>
-        <p:nvSpPr>
-          <p:cNvPr id="3" name="Content Placeholder 2">
-            <a:extLst>
-              <a:ext uri="{FF2B5EF4-FFF2-40B4-BE49-F238E27FC236}">
-                <a16:creationId xmlns:a16="http://schemas.microsoft.com/office/drawing/2014/main" id="{8FE6A46B-D922-4E09-AA47-BA00D0F7D75F}"/>
-              </a:ext>
-            </a:extLst>
-          </p:cNvPr>
-          <p:cNvSpPr>
-            <a:spLocks noGrp="1"/>
-          </p:cNvSpPr>
-          <p:nvPr>
-            <p:ph idx="1"/>
-          </p:nvPr>
-        </p:nvSpPr>
-        <p:spPr/>
-        <p:txBody>
-          <a:bodyPr/>
-          <a:lstStyle/>
-          <a:p>
-            <a:endParaRPr lang="en-US"/>
-          </a:p>
-        </p:txBody>
-      </p:sp>
+      <mc:AlternateContent xmlns:mc="http://schemas.openxmlformats.org/markup-compatibility/2006">
+        <mc:Choice xmlns:a14="http://schemas.microsoft.com/office/drawing/2010/main" Requires="a14">
+          <p:sp>
+            <p:nvSpPr>
+              <p:cNvPr id="4" name="TextBox 3">
+                <a:extLst>
+                  <a:ext uri="{FF2B5EF4-FFF2-40B4-BE49-F238E27FC236}">
+                    <a16:creationId xmlns:a16="http://schemas.microsoft.com/office/drawing/2014/main" id="{F389CFBA-8985-4E04-8331-80F3100E5F58}"/>
+                  </a:ext>
+                </a:extLst>
+              </p:cNvPr>
+              <p:cNvSpPr txBox="1"/>
+              <p:nvPr/>
+            </p:nvSpPr>
+            <p:spPr>
+              <a:xfrm>
+                <a:off x="952051" y="1433486"/>
+                <a:ext cx="3300519" cy="276999"/>
+              </a:xfrm>
+              <a:prstGeom prst="rect">
+                <a:avLst/>
+              </a:prstGeom>
+              <a:noFill/>
+            </p:spPr>
+            <p:txBody>
+              <a:bodyPr wrap="none" lIns="0" tIns="0" rIns="0" bIns="0" rtlCol="0" anchor="b">
+                <a:spAutoFit/>
+              </a:bodyPr>
+              <a:lstStyle/>
+              <a:p>
+                <a:pPr/>
+                <a14:m>
+                  <m:oMathPara xmlns:m="http://schemas.openxmlformats.org/officeDocument/2006/math">
+                    <m:oMathParaPr>
+                      <m:jc m:val="centerGroup"/>
+                    </m:oMathParaPr>
+                    <m:oMath xmlns:m="http://schemas.openxmlformats.org/officeDocument/2006/math">
+                      <m:acc>
+                        <m:accPr>
+                          <m:chr m:val="̇"/>
+                          <m:ctrlPr>
+                            <a:rPr lang="en-US" b="0" i="1" smtClean="0">
+                              <a:solidFill>
+                                <a:srgbClr val="7030A0"/>
+                              </a:solidFill>
+                              <a:latin typeface="Cambria Math" panose="02040503050406030204" pitchFamily="18" charset="0"/>
+                            </a:rPr>
+                          </m:ctrlPr>
+                        </m:accPr>
+                        <m:e>
+                          <m:r>
+                            <a:rPr lang="en-US" b="0" i="1" smtClean="0">
+                              <a:solidFill>
+                                <a:srgbClr val="7030A0"/>
+                              </a:solidFill>
+                              <a:latin typeface="Cambria Math" panose="02040503050406030204" pitchFamily="18" charset="0"/>
+                            </a:rPr>
+                            <m:t>𝑠</m:t>
+                          </m:r>
+                        </m:e>
+                      </m:acc>
+                      <m:r>
+                        <a:rPr lang="en-US" b="0" i="1" smtClean="0">
+                          <a:latin typeface="Cambria Math" panose="02040503050406030204" pitchFamily="18" charset="0"/>
+                        </a:rPr>
+                        <m:t>=</m:t>
+                      </m:r>
+                      <m:r>
+                        <a:rPr lang="en-US" b="0" i="1" smtClean="0">
+                          <a:solidFill>
+                            <a:schemeClr val="tx1"/>
+                          </a:solidFill>
+                          <a:latin typeface="Cambria Math" panose="02040503050406030204" pitchFamily="18" charset="0"/>
+                        </a:rPr>
+                        <m:t>𝑑</m:t>
+                      </m:r>
+                      <m:d>
+                        <m:dPr>
+                          <m:ctrlPr>
+                            <a:rPr lang="en-US" b="0" i="1" smtClean="0">
+                              <a:solidFill>
+                                <a:schemeClr val="tx1"/>
+                              </a:solidFill>
+                              <a:latin typeface="Cambria Math" panose="02040503050406030204" pitchFamily="18" charset="0"/>
+                            </a:rPr>
+                          </m:ctrlPr>
+                        </m:dPr>
+                        <m:e>
+                          <m:sSup>
+                            <m:sSupPr>
+                              <m:ctrlPr>
+                                <a:rPr lang="en-US" b="0" i="1" smtClean="0">
+                                  <a:solidFill>
+                                    <a:schemeClr val="tx1"/>
+                                  </a:solidFill>
+                                  <a:latin typeface="Cambria Math" panose="02040503050406030204" pitchFamily="18" charset="0"/>
+                                </a:rPr>
+                              </m:ctrlPr>
+                            </m:sSupPr>
+                            <m:e>
+                              <m:r>
+                                <a:rPr lang="en-US" b="0" i="1" smtClean="0">
+                                  <a:solidFill>
+                                    <a:schemeClr val="tx1"/>
+                                  </a:solidFill>
+                                  <a:latin typeface="Cambria Math" panose="02040503050406030204" pitchFamily="18" charset="0"/>
+                                </a:rPr>
+                                <m:t>𝑠</m:t>
+                              </m:r>
+                            </m:e>
+                            <m:sup>
+                              <m:r>
+                                <a:rPr lang="en-US" b="0" i="1" smtClean="0">
+                                  <a:solidFill>
+                                    <a:schemeClr val="tx1"/>
+                                  </a:solidFill>
+                                  <a:latin typeface="Cambria Math" panose="02040503050406030204" pitchFamily="18" charset="0"/>
+                                </a:rPr>
+                                <m:t>0</m:t>
+                              </m:r>
+                            </m:sup>
+                          </m:sSup>
+                          <m:r>
+                            <a:rPr lang="en-US" b="0" i="1" smtClean="0">
+                              <a:solidFill>
+                                <a:schemeClr val="tx1"/>
+                              </a:solidFill>
+                              <a:latin typeface="Cambria Math" panose="02040503050406030204" pitchFamily="18" charset="0"/>
+                            </a:rPr>
+                            <m:t>−</m:t>
+                          </m:r>
+                          <m:r>
+                            <a:rPr lang="en-US" b="0" i="1" smtClean="0">
+                              <a:solidFill>
+                                <a:schemeClr val="tx1"/>
+                              </a:solidFill>
+                              <a:latin typeface="Cambria Math" panose="02040503050406030204" pitchFamily="18" charset="0"/>
+                            </a:rPr>
+                            <m:t>𝑠</m:t>
+                          </m:r>
+                        </m:e>
+                      </m:d>
+                      <m:r>
+                        <a:rPr lang="en-US" b="0" i="1" smtClean="0">
+                          <a:solidFill>
+                            <a:schemeClr val="tx1"/>
+                          </a:solidFill>
+                          <a:latin typeface="Cambria Math" panose="02040503050406030204" pitchFamily="18" charset="0"/>
+                        </a:rPr>
+                        <m:t>−</m:t>
+                      </m:r>
+                      <m:d>
+                        <m:dPr>
+                          <m:ctrlPr>
+                            <a:rPr lang="en-US" b="0" i="1" smtClean="0">
+                              <a:solidFill>
+                                <a:schemeClr val="tx1"/>
+                              </a:solidFill>
+                              <a:latin typeface="Cambria Math" panose="02040503050406030204" pitchFamily="18" charset="0"/>
+                            </a:rPr>
+                          </m:ctrlPr>
+                        </m:dPr>
+                        <m:e>
+                          <m:sSub>
+                            <m:sSubPr>
+                              <m:ctrlPr>
+                                <a:rPr lang="en-US" b="0" i="1" smtClean="0">
+                                  <a:solidFill>
+                                    <a:schemeClr val="tx1"/>
+                                  </a:solidFill>
+                                  <a:latin typeface="Cambria Math" panose="02040503050406030204" pitchFamily="18" charset="0"/>
+                                </a:rPr>
+                              </m:ctrlPr>
+                            </m:sSubPr>
+                            <m:e>
+                              <m:r>
+                                <a:rPr lang="en-US" b="0" i="1" smtClean="0">
+                                  <a:solidFill>
+                                    <a:schemeClr val="tx1"/>
+                                  </a:solidFill>
+                                  <a:latin typeface="Cambria Math" panose="02040503050406030204" pitchFamily="18" charset="0"/>
+                                </a:rPr>
+                                <m:t>𝑥</m:t>
+                              </m:r>
+                            </m:e>
+                            <m:sub>
+                              <m:r>
+                                <a:rPr lang="en-US" b="0" i="1" smtClean="0">
+                                  <a:solidFill>
+                                    <a:schemeClr val="tx1"/>
+                                  </a:solidFill>
+                                  <a:latin typeface="Cambria Math" panose="02040503050406030204" pitchFamily="18" charset="0"/>
+                                </a:rPr>
+                                <m:t>1</m:t>
+                              </m:r>
+                            </m:sub>
+                          </m:sSub>
+                          <m:r>
+                            <a:rPr lang="en-US" b="0" i="1" smtClean="0">
+                              <a:solidFill>
+                                <a:schemeClr val="tx1"/>
+                              </a:solidFill>
+                              <a:latin typeface="Cambria Math" panose="02040503050406030204" pitchFamily="18" charset="0"/>
+                            </a:rPr>
+                            <m:t>+</m:t>
+                          </m:r>
+                          <m:sSub>
+                            <m:sSubPr>
+                              <m:ctrlPr>
+                                <a:rPr lang="en-US" b="0" i="1" smtClean="0">
+                                  <a:solidFill>
+                                    <a:schemeClr val="tx1"/>
+                                  </a:solidFill>
+                                  <a:latin typeface="Cambria Math" panose="02040503050406030204" pitchFamily="18" charset="0"/>
+                                </a:rPr>
+                              </m:ctrlPr>
+                            </m:sSubPr>
+                            <m:e>
+                              <m:r>
+                                <a:rPr lang="en-US" b="0" i="1" smtClean="0">
+                                  <a:solidFill>
+                                    <a:schemeClr val="tx1"/>
+                                  </a:solidFill>
+                                  <a:latin typeface="Cambria Math" panose="02040503050406030204" pitchFamily="18" charset="0"/>
+                                </a:rPr>
+                                <m:t>𝑥</m:t>
+                              </m:r>
+                            </m:e>
+                            <m:sub>
+                              <m:r>
+                                <a:rPr lang="en-US" b="0" i="1" smtClean="0">
+                                  <a:solidFill>
+                                    <a:schemeClr val="tx1"/>
+                                  </a:solidFill>
+                                  <a:latin typeface="Cambria Math" panose="02040503050406030204" pitchFamily="18" charset="0"/>
+                                </a:rPr>
+                                <m:t>2</m:t>
+                              </m:r>
+                            </m:sub>
+                          </m:sSub>
+                        </m:e>
+                      </m:d>
+                      <m:r>
+                        <a:rPr lang="en-US" b="0" i="1" smtClean="0">
+                          <a:solidFill>
+                            <a:schemeClr val="tx1"/>
+                          </a:solidFill>
+                          <a:latin typeface="Cambria Math" panose="02040503050406030204" pitchFamily="18" charset="0"/>
+                        </a:rPr>
+                        <m:t>𝑓</m:t>
+                      </m:r>
+                      <m:d>
+                        <m:dPr>
+                          <m:ctrlPr>
+                            <a:rPr lang="en-US" b="0" i="1" smtClean="0">
+                              <a:solidFill>
+                                <a:schemeClr val="tx1"/>
+                              </a:solidFill>
+                              <a:latin typeface="Cambria Math" panose="02040503050406030204" pitchFamily="18" charset="0"/>
+                            </a:rPr>
+                          </m:ctrlPr>
+                        </m:dPr>
+                        <m:e>
+                          <m:r>
+                            <a:rPr lang="en-US" b="0" i="1" smtClean="0">
+                              <a:solidFill>
+                                <a:schemeClr val="tx1"/>
+                              </a:solidFill>
+                              <a:latin typeface="Cambria Math" panose="02040503050406030204" pitchFamily="18" charset="0"/>
+                            </a:rPr>
+                            <m:t>𝑠</m:t>
+                          </m:r>
+                          <m:r>
+                            <a:rPr lang="en-US" b="0" i="1" smtClean="0">
+                              <a:solidFill>
+                                <a:schemeClr val="tx1"/>
+                              </a:solidFill>
+                              <a:latin typeface="Cambria Math" panose="02040503050406030204" pitchFamily="18" charset="0"/>
+                            </a:rPr>
+                            <m:t>,</m:t>
+                          </m:r>
+                          <m:r>
+                            <a:rPr lang="en-US" b="0" i="1" smtClean="0">
+                              <a:solidFill>
+                                <a:schemeClr val="tx1"/>
+                              </a:solidFill>
+                              <a:latin typeface="Cambria Math" panose="02040503050406030204" pitchFamily="18" charset="0"/>
+                            </a:rPr>
+                            <m:t>𝑒</m:t>
+                          </m:r>
+                        </m:e>
+                      </m:d>
+                      <m:r>
+                        <a:rPr lang="en-US" b="0" i="1" smtClean="0">
+                          <a:solidFill>
+                            <a:schemeClr val="tx1"/>
+                          </a:solidFill>
+                          <a:latin typeface="Cambria Math" panose="02040503050406030204" pitchFamily="18" charset="0"/>
+                        </a:rPr>
+                        <m:t> </m:t>
+                      </m:r>
+                    </m:oMath>
+                  </m:oMathPara>
+                </a14:m>
+                <a:endParaRPr lang="en-US" dirty="0"/>
+              </a:p>
+            </p:txBody>
+          </p:sp>
+        </mc:Choice>
+        <mc:Fallback>
+          <p:sp>
+            <p:nvSpPr>
+              <p:cNvPr id="4" name="TextBox 3">
+                <a:extLst>
+                  <a:ext uri="{FF2B5EF4-FFF2-40B4-BE49-F238E27FC236}">
+                    <a16:creationId xmlns:a16="http://schemas.microsoft.com/office/drawing/2014/main" id="{F389CFBA-8985-4E04-8331-80F3100E5F58}"/>
+                  </a:ext>
+                </a:extLst>
+              </p:cNvPr>
+              <p:cNvSpPr txBox="1">
+                <a:spLocks noRot="1" noChangeAspect="1" noMove="1" noResize="1" noEditPoints="1" noAdjustHandles="1" noChangeArrowheads="1" noChangeShapeType="1" noTextEdit="1"/>
+              </p:cNvSpPr>
+              <p:nvPr/>
+            </p:nvSpPr>
+            <p:spPr>
+              <a:xfrm>
+                <a:off x="952051" y="1433486"/>
+                <a:ext cx="3300519" cy="276999"/>
+              </a:xfrm>
+              <a:prstGeom prst="rect">
+                <a:avLst/>
+              </a:prstGeom>
+              <a:blipFill>
+                <a:blip r:embed="rId2"/>
+                <a:stretch>
+                  <a:fillRect l="-554" t="-2174" b="-34783"/>
+                </a:stretch>
+              </a:blipFill>
+            </p:spPr>
+            <p:txBody>
+              <a:bodyPr/>
+              <a:lstStyle/>
+              <a:p>
+                <a:r>
+                  <a:rPr lang="en-US">
+                    <a:noFill/>
+                  </a:rPr>
+                  <a:t> </a:t>
+                </a:r>
+              </a:p>
+            </p:txBody>
+          </p:sp>
+        </mc:Fallback>
+      </mc:AlternateContent>
+      <mc:AlternateContent xmlns:mc="http://schemas.openxmlformats.org/markup-compatibility/2006">
+        <mc:Choice xmlns:a14="http://schemas.microsoft.com/office/drawing/2010/main" Requires="a14">
+          <p:sp>
+            <p:nvSpPr>
+              <p:cNvPr id="5" name="TextBox 4">
+                <a:extLst>
+                  <a:ext uri="{FF2B5EF4-FFF2-40B4-BE49-F238E27FC236}">
+                    <a16:creationId xmlns:a16="http://schemas.microsoft.com/office/drawing/2014/main" id="{E8F16D05-93F7-4165-B02E-9D58EEE26458}"/>
+                  </a:ext>
+                </a:extLst>
+              </p:cNvPr>
+              <p:cNvSpPr txBox="1"/>
+              <p:nvPr/>
+            </p:nvSpPr>
+            <p:spPr>
+              <a:xfrm>
+                <a:off x="978192" y="1790429"/>
+                <a:ext cx="2089098" cy="276999"/>
+              </a:xfrm>
+              <a:prstGeom prst="rect">
+                <a:avLst/>
+              </a:prstGeom>
+              <a:noFill/>
+            </p:spPr>
+            <p:txBody>
+              <a:bodyPr wrap="none" lIns="0" tIns="0" rIns="0" bIns="0" rtlCol="0" anchor="b">
+                <a:spAutoFit/>
+              </a:bodyPr>
+              <a:lstStyle/>
+              <a:p>
+                <a14:m>
+                  <m:oMath xmlns:m="http://schemas.openxmlformats.org/officeDocument/2006/math">
+                    <m:acc>
+                      <m:accPr>
+                        <m:chr m:val="̇"/>
+                        <m:ctrlPr>
+                          <a:rPr lang="en-US" b="0" i="1" smtClean="0">
+                            <a:latin typeface="Cambria Math" panose="02040503050406030204" pitchFamily="18" charset="0"/>
+                          </a:rPr>
+                        </m:ctrlPr>
+                      </m:accPr>
+                      <m:e>
+                        <m:r>
+                          <a:rPr lang="en-US" b="0" i="1" smtClean="0">
+                            <a:solidFill>
+                              <a:srgbClr val="00B050"/>
+                            </a:solidFill>
+                            <a:latin typeface="Cambria Math" panose="02040503050406030204" pitchFamily="18" charset="0"/>
+                          </a:rPr>
+                          <m:t>𝑒</m:t>
+                        </m:r>
+                      </m:e>
+                    </m:acc>
+                    <m:r>
+                      <a:rPr lang="en-US" b="0" i="1" smtClean="0">
+                        <a:latin typeface="Cambria Math" panose="02040503050406030204" pitchFamily="18" charset="0"/>
+                      </a:rPr>
+                      <m:t>=</m:t>
+                    </m:r>
+                    <m:sSub>
+                      <m:sSubPr>
+                        <m:ctrlPr>
+                          <a:rPr lang="en-US" b="0" i="1" smtClean="0">
+                            <a:solidFill>
+                              <a:schemeClr val="tx1"/>
+                            </a:solidFill>
+                            <a:latin typeface="Cambria Math" panose="02040503050406030204" pitchFamily="18" charset="0"/>
+                          </a:rPr>
+                        </m:ctrlPr>
+                      </m:sSubPr>
+                      <m:e>
+                        <m:r>
+                          <a:rPr lang="en-US" b="0" i="1" smtClean="0">
+                            <a:solidFill>
+                              <a:schemeClr val="tx1"/>
+                            </a:solidFill>
+                            <a:latin typeface="Cambria Math" panose="02040503050406030204" pitchFamily="18" charset="0"/>
+                          </a:rPr>
+                          <m:t>𝑞</m:t>
+                        </m:r>
+                      </m:e>
+                      <m:sub>
+                        <m:r>
+                          <a:rPr lang="en-US" b="0" i="1" smtClean="0">
+                            <a:solidFill>
+                              <a:schemeClr val="tx1"/>
+                            </a:solidFill>
+                            <a:latin typeface="Cambria Math" panose="02040503050406030204" pitchFamily="18" charset="0"/>
+                          </a:rPr>
+                          <m:t>1</m:t>
+                        </m:r>
+                      </m:sub>
+                    </m:sSub>
+                    <m:sSub>
+                      <m:sSubPr>
+                        <m:ctrlPr>
+                          <a:rPr lang="en-US" b="0" i="1" smtClean="0">
+                            <a:solidFill>
+                              <a:schemeClr val="tx1"/>
+                            </a:solidFill>
+                            <a:latin typeface="Cambria Math" panose="02040503050406030204" pitchFamily="18" charset="0"/>
+                          </a:rPr>
+                        </m:ctrlPr>
+                      </m:sSubPr>
+                      <m:e>
+                        <m:r>
+                          <a:rPr lang="en-US" b="0" i="1" smtClean="0">
+                            <a:solidFill>
+                              <a:schemeClr val="tx1"/>
+                            </a:solidFill>
+                            <a:latin typeface="Cambria Math" panose="02040503050406030204" pitchFamily="18" charset="0"/>
+                          </a:rPr>
+                          <m:t>𝑥</m:t>
+                        </m:r>
+                      </m:e>
+                      <m:sub>
+                        <m:r>
+                          <a:rPr lang="en-US" b="0" i="1" smtClean="0">
+                            <a:solidFill>
+                              <a:schemeClr val="tx1"/>
+                            </a:solidFill>
+                            <a:latin typeface="Cambria Math" panose="02040503050406030204" pitchFamily="18" charset="0"/>
+                          </a:rPr>
+                          <m:t>1</m:t>
+                        </m:r>
+                      </m:sub>
+                    </m:sSub>
+                    <m:r>
+                      <a:rPr lang="en-US" b="0" i="1" smtClean="0">
+                        <a:solidFill>
+                          <a:schemeClr val="tx1"/>
+                        </a:solidFill>
+                        <a:latin typeface="Cambria Math" panose="02040503050406030204" pitchFamily="18" charset="0"/>
+                      </a:rPr>
+                      <m:t>𝑓</m:t>
+                    </m:r>
+                    <m:d>
+                      <m:dPr>
+                        <m:ctrlPr>
+                          <a:rPr lang="en-US" b="0" i="1" smtClean="0">
+                            <a:solidFill>
+                              <a:schemeClr val="tx1"/>
+                            </a:solidFill>
+                            <a:latin typeface="Cambria Math" panose="02040503050406030204" pitchFamily="18" charset="0"/>
+                          </a:rPr>
+                        </m:ctrlPr>
+                      </m:dPr>
+                      <m:e>
+                        <m:r>
+                          <a:rPr lang="en-US" b="0" i="1" smtClean="0">
+                            <a:solidFill>
+                              <a:schemeClr val="tx1"/>
+                            </a:solidFill>
+                            <a:latin typeface="Cambria Math" panose="02040503050406030204" pitchFamily="18" charset="0"/>
+                          </a:rPr>
+                          <m:t>𝑠</m:t>
+                        </m:r>
+                        <m:r>
+                          <a:rPr lang="en-US" b="0" i="1" smtClean="0">
+                            <a:solidFill>
+                              <a:schemeClr val="tx1"/>
+                            </a:solidFill>
+                            <a:latin typeface="Cambria Math" panose="02040503050406030204" pitchFamily="18" charset="0"/>
+                          </a:rPr>
+                          <m:t>,</m:t>
+                        </m:r>
+                        <m:r>
+                          <a:rPr lang="en-US" b="0" i="1" smtClean="0">
+                            <a:solidFill>
+                              <a:schemeClr val="tx1"/>
+                            </a:solidFill>
+                            <a:latin typeface="Cambria Math" panose="02040503050406030204" pitchFamily="18" charset="0"/>
+                          </a:rPr>
+                          <m:t>𝑒</m:t>
+                        </m:r>
+                      </m:e>
+                    </m:d>
+                    <m:r>
+                      <a:rPr lang="en-US" b="0" i="1" smtClean="0">
+                        <a:solidFill>
+                          <a:schemeClr val="tx1"/>
+                        </a:solidFill>
+                        <a:latin typeface="Cambria Math" panose="02040503050406030204" pitchFamily="18" charset="0"/>
+                      </a:rPr>
+                      <m:t>−</m:t>
+                    </m:r>
+                    <m:r>
+                      <a:rPr lang="en-US" b="0" i="1" smtClean="0">
+                        <a:solidFill>
+                          <a:schemeClr val="tx1"/>
+                        </a:solidFill>
+                        <a:latin typeface="Cambria Math" panose="02040503050406030204" pitchFamily="18" charset="0"/>
+                      </a:rPr>
+                      <m:t>𝑑𝑒</m:t>
+                    </m:r>
+                  </m:oMath>
+                </a14:m>
+                <a:r>
+                  <a:rPr lang="en-US" dirty="0">
+                    <a:solidFill>
+                      <a:schemeClr val="tx1"/>
+                    </a:solidFill>
+                  </a:rPr>
+                  <a:t> </a:t>
+                </a:r>
+                <a:endParaRPr lang="en-US" dirty="0"/>
+              </a:p>
+            </p:txBody>
+          </p:sp>
+        </mc:Choice>
+        <mc:Fallback>
+          <p:sp>
+            <p:nvSpPr>
+              <p:cNvPr id="5" name="TextBox 4">
+                <a:extLst>
+                  <a:ext uri="{FF2B5EF4-FFF2-40B4-BE49-F238E27FC236}">
+                    <a16:creationId xmlns:a16="http://schemas.microsoft.com/office/drawing/2014/main" id="{E8F16D05-93F7-4165-B02E-9D58EEE26458}"/>
+                  </a:ext>
+                </a:extLst>
+              </p:cNvPr>
+              <p:cNvSpPr txBox="1">
+                <a:spLocks noRot="1" noChangeAspect="1" noMove="1" noResize="1" noEditPoints="1" noAdjustHandles="1" noChangeArrowheads="1" noChangeShapeType="1" noTextEdit="1"/>
+              </p:cNvSpPr>
+              <p:nvPr/>
+            </p:nvSpPr>
+            <p:spPr>
+              <a:xfrm>
+                <a:off x="978192" y="1790429"/>
+                <a:ext cx="2089098" cy="276999"/>
+              </a:xfrm>
+              <a:prstGeom prst="rect">
+                <a:avLst/>
+              </a:prstGeom>
+              <a:blipFill>
+                <a:blip r:embed="rId3"/>
+                <a:stretch>
+                  <a:fillRect l="-2915" t="-2222" r="-583" b="-35556"/>
+                </a:stretch>
+              </a:blipFill>
+            </p:spPr>
+            <p:txBody>
+              <a:bodyPr/>
+              <a:lstStyle/>
+              <a:p>
+                <a:r>
+                  <a:rPr lang="en-US">
+                    <a:noFill/>
+                  </a:rPr>
+                  <a:t> </a:t>
+                </a:r>
+              </a:p>
+            </p:txBody>
+          </p:sp>
+        </mc:Fallback>
+      </mc:AlternateContent>
+      <mc:AlternateContent xmlns:mc="http://schemas.openxmlformats.org/markup-compatibility/2006">
+        <mc:Choice xmlns:a14="http://schemas.microsoft.com/office/drawing/2010/main" Requires="a14">
+          <p:sp>
+            <p:nvSpPr>
+              <p:cNvPr id="6" name="TextBox 5">
+                <a:extLst>
+                  <a:ext uri="{FF2B5EF4-FFF2-40B4-BE49-F238E27FC236}">
+                    <a16:creationId xmlns:a16="http://schemas.microsoft.com/office/drawing/2014/main" id="{69037953-E05C-48B4-98F0-946922D2EB12}"/>
+                  </a:ext>
+                </a:extLst>
+              </p:cNvPr>
+              <p:cNvSpPr txBox="1"/>
+              <p:nvPr/>
+            </p:nvSpPr>
+            <p:spPr>
+              <a:xfrm>
+                <a:off x="978192" y="2149916"/>
+                <a:ext cx="2107308" cy="276999"/>
+              </a:xfrm>
+              <a:prstGeom prst="rect">
+                <a:avLst/>
+              </a:prstGeom>
+              <a:noFill/>
+            </p:spPr>
+            <p:txBody>
+              <a:bodyPr wrap="none" lIns="0" tIns="0" rIns="0" bIns="0" rtlCol="0" anchor="b">
+                <a:spAutoFit/>
+              </a:bodyPr>
+              <a:lstStyle/>
+              <a:p>
+                <a:pPr/>
+                <a14:m>
+                  <m:oMathPara xmlns:m="http://schemas.openxmlformats.org/officeDocument/2006/math">
+                    <m:oMathParaPr>
+                      <m:jc m:val="centerGroup"/>
+                    </m:oMathParaPr>
+                    <m:oMath xmlns:m="http://schemas.openxmlformats.org/officeDocument/2006/math">
+                      <m:acc>
+                        <m:accPr>
+                          <m:chr m:val="̇"/>
+                          <m:ctrlPr>
+                            <a:rPr lang="en-US" b="0" i="1" smtClean="0">
+                              <a:latin typeface="Cambria Math" panose="02040503050406030204" pitchFamily="18" charset="0"/>
+                            </a:rPr>
+                          </m:ctrlPr>
+                        </m:accPr>
+                        <m:e>
+                          <m:r>
+                            <a:rPr lang="en-US" b="0" i="1" smtClean="0">
+                              <a:solidFill>
+                                <a:schemeClr val="accent2"/>
+                              </a:solidFill>
+                              <a:latin typeface="Cambria Math" panose="02040503050406030204" pitchFamily="18" charset="0"/>
+                            </a:rPr>
+                            <m:t>𝑡</m:t>
+                          </m:r>
+                        </m:e>
+                      </m:acc>
+                      <m:r>
+                        <a:rPr lang="en-US" b="0" i="1" smtClean="0">
+                          <a:latin typeface="Cambria Math" panose="02040503050406030204" pitchFamily="18" charset="0"/>
+                        </a:rPr>
+                        <m:t>=</m:t>
+                      </m:r>
+                      <m:sSub>
+                        <m:sSubPr>
+                          <m:ctrlPr>
+                            <a:rPr lang="en-US" b="0" i="1" smtClean="0">
+                              <a:solidFill>
+                                <a:schemeClr val="tx1"/>
+                              </a:solidFill>
+                              <a:latin typeface="Cambria Math" panose="02040503050406030204" pitchFamily="18" charset="0"/>
+                            </a:rPr>
+                          </m:ctrlPr>
+                        </m:sSubPr>
+                        <m:e>
+                          <m:r>
+                            <a:rPr lang="en-US" b="0" i="1" smtClean="0">
+                              <a:solidFill>
+                                <a:schemeClr val="tx1"/>
+                              </a:solidFill>
+                              <a:latin typeface="Cambria Math" panose="02040503050406030204" pitchFamily="18" charset="0"/>
+                            </a:rPr>
+                            <m:t>𝑞</m:t>
+                          </m:r>
+                        </m:e>
+                        <m:sub>
+                          <m:r>
+                            <a:rPr lang="en-US" b="0" i="1" smtClean="0">
+                              <a:solidFill>
+                                <a:schemeClr val="tx1"/>
+                              </a:solidFill>
+                              <a:latin typeface="Cambria Math" panose="02040503050406030204" pitchFamily="18" charset="0"/>
+                            </a:rPr>
+                            <m:t>2</m:t>
+                          </m:r>
+                        </m:sub>
+                      </m:sSub>
+                      <m:sSub>
+                        <m:sSubPr>
+                          <m:ctrlPr>
+                            <a:rPr lang="en-US" b="0" i="1" smtClean="0">
+                              <a:solidFill>
+                                <a:schemeClr val="tx1"/>
+                              </a:solidFill>
+                              <a:latin typeface="Cambria Math" panose="02040503050406030204" pitchFamily="18" charset="0"/>
+                            </a:rPr>
+                          </m:ctrlPr>
+                        </m:sSubPr>
+                        <m:e>
+                          <m:r>
+                            <a:rPr lang="en-US" b="0" i="1" smtClean="0">
+                              <a:solidFill>
+                                <a:schemeClr val="tx1"/>
+                              </a:solidFill>
+                              <a:latin typeface="Cambria Math" panose="02040503050406030204" pitchFamily="18" charset="0"/>
+                            </a:rPr>
+                            <m:t>𝑥</m:t>
+                          </m:r>
+                        </m:e>
+                        <m:sub>
+                          <m:r>
+                            <a:rPr lang="en-US" b="0" i="1" smtClean="0">
+                              <a:solidFill>
+                                <a:schemeClr val="tx1"/>
+                              </a:solidFill>
+                              <a:latin typeface="Cambria Math" panose="02040503050406030204" pitchFamily="18" charset="0"/>
+                            </a:rPr>
+                            <m:t>2</m:t>
+                          </m:r>
+                        </m:sub>
+                      </m:sSub>
+                      <m:r>
+                        <a:rPr lang="en-US" b="0" i="1" smtClean="0">
+                          <a:solidFill>
+                            <a:schemeClr val="tx1"/>
+                          </a:solidFill>
+                          <a:latin typeface="Cambria Math" panose="02040503050406030204" pitchFamily="18" charset="0"/>
+                        </a:rPr>
+                        <m:t>𝑓</m:t>
+                      </m:r>
+                      <m:d>
+                        <m:dPr>
+                          <m:ctrlPr>
+                            <a:rPr lang="en-US" b="0" i="1" smtClean="0">
+                              <a:solidFill>
+                                <a:schemeClr val="tx1"/>
+                              </a:solidFill>
+                              <a:latin typeface="Cambria Math" panose="02040503050406030204" pitchFamily="18" charset="0"/>
+                            </a:rPr>
+                          </m:ctrlPr>
+                        </m:dPr>
+                        <m:e>
+                          <m:r>
+                            <a:rPr lang="en-US" b="0" i="1" smtClean="0">
+                              <a:solidFill>
+                                <a:schemeClr val="tx1"/>
+                              </a:solidFill>
+                              <a:latin typeface="Cambria Math" panose="02040503050406030204" pitchFamily="18" charset="0"/>
+                            </a:rPr>
+                            <m:t>𝑠</m:t>
+                          </m:r>
+                          <m:r>
+                            <a:rPr lang="en-US" b="0" i="1" smtClean="0">
+                              <a:solidFill>
+                                <a:schemeClr val="tx1"/>
+                              </a:solidFill>
+                              <a:latin typeface="Cambria Math" panose="02040503050406030204" pitchFamily="18" charset="0"/>
+                            </a:rPr>
+                            <m:t>,</m:t>
+                          </m:r>
+                          <m:r>
+                            <a:rPr lang="en-US" b="0" i="1" smtClean="0">
+                              <a:solidFill>
+                                <a:schemeClr val="tx1"/>
+                              </a:solidFill>
+                              <a:latin typeface="Cambria Math" panose="02040503050406030204" pitchFamily="18" charset="0"/>
+                            </a:rPr>
+                            <m:t>𝑒</m:t>
+                          </m:r>
+                        </m:e>
+                      </m:d>
+                      <m:r>
+                        <a:rPr lang="en-US" b="0" i="1" smtClean="0">
+                          <a:solidFill>
+                            <a:schemeClr val="tx1"/>
+                          </a:solidFill>
+                          <a:latin typeface="Cambria Math" panose="02040503050406030204" pitchFamily="18" charset="0"/>
+                        </a:rPr>
+                        <m:t>−</m:t>
+                      </m:r>
+                      <m:r>
+                        <a:rPr lang="en-US" b="0" i="1" smtClean="0">
+                          <a:solidFill>
+                            <a:schemeClr val="tx1"/>
+                          </a:solidFill>
+                          <a:latin typeface="Cambria Math" panose="02040503050406030204" pitchFamily="18" charset="0"/>
+                        </a:rPr>
+                        <m:t>𝑑𝑡</m:t>
+                      </m:r>
+                      <m:r>
+                        <a:rPr lang="en-US" b="0" i="1" smtClean="0">
+                          <a:solidFill>
+                            <a:schemeClr val="tx1"/>
+                          </a:solidFill>
+                          <a:latin typeface="Cambria Math" panose="02040503050406030204" pitchFamily="18" charset="0"/>
+                        </a:rPr>
+                        <m:t> </m:t>
+                      </m:r>
+                    </m:oMath>
+                  </m:oMathPara>
+                </a14:m>
+                <a:endParaRPr lang="en-US" dirty="0"/>
+              </a:p>
+            </p:txBody>
+          </p:sp>
+        </mc:Choice>
+        <mc:Fallback>
+          <p:sp>
+            <p:nvSpPr>
+              <p:cNvPr id="6" name="TextBox 5">
+                <a:extLst>
+                  <a:ext uri="{FF2B5EF4-FFF2-40B4-BE49-F238E27FC236}">
+                    <a16:creationId xmlns:a16="http://schemas.microsoft.com/office/drawing/2014/main" id="{69037953-E05C-48B4-98F0-946922D2EB12}"/>
+                  </a:ext>
+                </a:extLst>
+              </p:cNvPr>
+              <p:cNvSpPr txBox="1">
+                <a:spLocks noRot="1" noChangeAspect="1" noMove="1" noResize="1" noEditPoints="1" noAdjustHandles="1" noChangeArrowheads="1" noChangeShapeType="1" noTextEdit="1"/>
+              </p:cNvSpPr>
+              <p:nvPr/>
+            </p:nvSpPr>
+            <p:spPr>
+              <a:xfrm>
+                <a:off x="978192" y="2149916"/>
+                <a:ext cx="2107308" cy="276999"/>
+              </a:xfrm>
+              <a:prstGeom prst="rect">
+                <a:avLst/>
+              </a:prstGeom>
+              <a:blipFill>
+                <a:blip r:embed="rId4"/>
+                <a:stretch>
+                  <a:fillRect l="-1734" t="-11111" b="-35556"/>
+                </a:stretch>
+              </a:blipFill>
+            </p:spPr>
+            <p:txBody>
+              <a:bodyPr/>
+              <a:lstStyle/>
+              <a:p>
+                <a:r>
+                  <a:rPr lang="en-US">
+                    <a:noFill/>
+                  </a:rPr>
+                  <a:t> </a:t>
+                </a:r>
+              </a:p>
+            </p:txBody>
+          </p:sp>
+        </mc:Fallback>
+      </mc:AlternateContent>
+      <mc:AlternateContent xmlns:mc="http://schemas.openxmlformats.org/markup-compatibility/2006">
+        <mc:Choice xmlns:a14="http://schemas.microsoft.com/office/drawing/2010/main" Requires="a14">
+          <p:sp>
+            <p:nvSpPr>
+              <p:cNvPr id="7" name="TextBox 6">
+                <a:extLst>
+                  <a:ext uri="{FF2B5EF4-FFF2-40B4-BE49-F238E27FC236}">
+                    <a16:creationId xmlns:a16="http://schemas.microsoft.com/office/drawing/2014/main" id="{DB2530DC-B261-4975-A828-C5740AD1BB9C}"/>
+                  </a:ext>
+                </a:extLst>
+              </p:cNvPr>
+              <p:cNvSpPr txBox="1"/>
+              <p:nvPr/>
+            </p:nvSpPr>
+            <p:spPr>
+              <a:xfrm>
+                <a:off x="978192" y="2506859"/>
+                <a:ext cx="3471143" cy="276999"/>
+              </a:xfrm>
+              <a:prstGeom prst="rect">
+                <a:avLst/>
+              </a:prstGeom>
+              <a:noFill/>
+            </p:spPr>
+            <p:txBody>
+              <a:bodyPr wrap="none" lIns="0" tIns="0" rIns="0" bIns="0" rtlCol="0" anchor="b">
+                <a:spAutoFit/>
+              </a:bodyPr>
+              <a:lstStyle/>
+              <a:p>
+                <a:pPr/>
+                <a14:m>
+                  <m:oMathPara xmlns:m="http://schemas.openxmlformats.org/officeDocument/2006/math">
+                    <m:oMathParaPr>
+                      <m:jc m:val="centerGroup"/>
+                    </m:oMathParaPr>
+                    <m:oMath xmlns:m="http://schemas.openxmlformats.org/officeDocument/2006/math">
+                      <m:acc>
+                        <m:accPr>
+                          <m:chr m:val="̇"/>
+                          <m:ctrlPr>
+                            <a:rPr lang="en-US" b="0" i="1" smtClean="0">
+                              <a:latin typeface="Cambria Math" panose="02040503050406030204" pitchFamily="18" charset="0"/>
+                            </a:rPr>
+                          </m:ctrlPr>
+                        </m:accPr>
+                        <m:e>
+                          <m:sSub>
+                            <m:sSubPr>
+                              <m:ctrlPr>
+                                <a:rPr lang="en-US" b="0" i="1" smtClean="0">
+                                  <a:solidFill>
+                                    <a:srgbClr val="FF0000"/>
+                                  </a:solidFill>
+                                  <a:latin typeface="Cambria Math" panose="02040503050406030204" pitchFamily="18" charset="0"/>
+                                </a:rPr>
+                              </m:ctrlPr>
+                            </m:sSubPr>
+                            <m:e>
+                              <m:r>
+                                <a:rPr lang="en-US" b="0" i="1" smtClean="0">
+                                  <a:solidFill>
+                                    <a:srgbClr val="FF0000"/>
+                                  </a:solidFill>
+                                  <a:latin typeface="Cambria Math" panose="02040503050406030204" pitchFamily="18" charset="0"/>
+                                </a:rPr>
+                                <m:t>𝑥</m:t>
+                              </m:r>
+                            </m:e>
+                            <m:sub>
+                              <m:r>
+                                <a:rPr lang="en-US" b="0" i="1" smtClean="0">
+                                  <a:solidFill>
+                                    <a:srgbClr val="FF0000"/>
+                                  </a:solidFill>
+                                  <a:latin typeface="Cambria Math" panose="02040503050406030204" pitchFamily="18" charset="0"/>
+                                </a:rPr>
+                                <m:t>1</m:t>
+                              </m:r>
+                            </m:sub>
+                          </m:sSub>
+                        </m:e>
+                      </m:acc>
+                      <m:r>
+                        <a:rPr lang="en-US" b="0" i="1" smtClean="0">
+                          <a:latin typeface="Cambria Math" panose="02040503050406030204" pitchFamily="18" charset="0"/>
+                        </a:rPr>
+                        <m:t>=</m:t>
+                      </m:r>
+                      <m:sSub>
+                        <m:sSubPr>
+                          <m:ctrlPr>
+                            <a:rPr lang="en-US" b="0" i="1" smtClean="0">
+                              <a:solidFill>
+                                <a:schemeClr val="tx1"/>
+                              </a:solidFill>
+                              <a:latin typeface="Cambria Math" panose="02040503050406030204" pitchFamily="18" charset="0"/>
+                            </a:rPr>
+                          </m:ctrlPr>
+                        </m:sSubPr>
+                        <m:e>
+                          <m:r>
+                            <a:rPr lang="en-US" b="0" i="1" smtClean="0">
+                              <a:solidFill>
+                                <a:schemeClr val="tx1"/>
+                              </a:solidFill>
+                              <a:latin typeface="Cambria Math" panose="02040503050406030204" pitchFamily="18" charset="0"/>
+                            </a:rPr>
+                            <m:t>𝑥</m:t>
+                          </m:r>
+                        </m:e>
+                        <m:sub>
+                          <m:r>
+                            <a:rPr lang="en-US" b="0" i="1" smtClean="0">
+                              <a:solidFill>
+                                <a:schemeClr val="tx1"/>
+                              </a:solidFill>
+                              <a:latin typeface="Cambria Math" panose="02040503050406030204" pitchFamily="18" charset="0"/>
+                            </a:rPr>
+                            <m:t>1</m:t>
+                          </m:r>
+                        </m:sub>
+                      </m:sSub>
+                      <m:r>
+                        <a:rPr lang="en-US" b="0" i="1" smtClean="0">
+                          <a:solidFill>
+                            <a:schemeClr val="tx1"/>
+                          </a:solidFill>
+                          <a:latin typeface="Cambria Math" panose="02040503050406030204" pitchFamily="18" charset="0"/>
+                        </a:rPr>
+                        <m:t>(</m:t>
+                      </m:r>
+                      <m:d>
+                        <m:dPr>
+                          <m:ctrlPr>
+                            <a:rPr lang="en-US" b="0" i="1" smtClean="0">
+                              <a:solidFill>
+                                <a:schemeClr val="tx1"/>
+                              </a:solidFill>
+                              <a:latin typeface="Cambria Math" panose="02040503050406030204" pitchFamily="18" charset="0"/>
+                            </a:rPr>
+                          </m:ctrlPr>
+                        </m:dPr>
+                        <m:e>
+                          <m:r>
+                            <a:rPr lang="en-US" b="0" i="1" smtClean="0">
+                              <a:solidFill>
+                                <a:schemeClr val="tx1"/>
+                              </a:solidFill>
+                              <a:latin typeface="Cambria Math" panose="02040503050406030204" pitchFamily="18" charset="0"/>
+                            </a:rPr>
+                            <m:t>1−</m:t>
+                          </m:r>
+                          <m:sSub>
+                            <m:sSubPr>
+                              <m:ctrlPr>
+                                <a:rPr lang="en-US" b="0" i="1" smtClean="0">
+                                  <a:solidFill>
+                                    <a:schemeClr val="tx1"/>
+                                  </a:solidFill>
+                                  <a:latin typeface="Cambria Math" panose="02040503050406030204" pitchFamily="18" charset="0"/>
+                                </a:rPr>
+                              </m:ctrlPr>
+                            </m:sSubPr>
+                            <m:e>
+                              <m:r>
+                                <a:rPr lang="en-US" b="0" i="1" smtClean="0">
+                                  <a:solidFill>
+                                    <a:schemeClr val="tx1"/>
+                                  </a:solidFill>
+                                  <a:latin typeface="Cambria Math" panose="02040503050406030204" pitchFamily="18" charset="0"/>
+                                </a:rPr>
+                                <m:t>𝑞</m:t>
+                              </m:r>
+                            </m:e>
+                            <m:sub>
+                              <m:r>
+                                <a:rPr lang="en-US" b="0" i="1" smtClean="0">
+                                  <a:solidFill>
+                                    <a:schemeClr val="tx1"/>
+                                  </a:solidFill>
+                                  <a:latin typeface="Cambria Math" panose="02040503050406030204" pitchFamily="18" charset="0"/>
+                                </a:rPr>
+                                <m:t>1</m:t>
+                              </m:r>
+                            </m:sub>
+                          </m:sSub>
+                        </m:e>
+                      </m:d>
+                      <m:r>
+                        <a:rPr lang="en-US" b="0" i="1" smtClean="0">
+                          <a:solidFill>
+                            <a:schemeClr val="tx1"/>
+                          </a:solidFill>
+                          <a:latin typeface="Cambria Math" panose="02040503050406030204" pitchFamily="18" charset="0"/>
+                        </a:rPr>
+                        <m:t>𝑓</m:t>
+                      </m:r>
+                      <m:d>
+                        <m:dPr>
+                          <m:ctrlPr>
+                            <a:rPr lang="en-US" b="0" i="1" smtClean="0">
+                              <a:solidFill>
+                                <a:schemeClr val="tx1"/>
+                              </a:solidFill>
+                              <a:latin typeface="Cambria Math" panose="02040503050406030204" pitchFamily="18" charset="0"/>
+                            </a:rPr>
+                          </m:ctrlPr>
+                        </m:dPr>
+                        <m:e>
+                          <m:r>
+                            <a:rPr lang="en-US" b="0" i="1" smtClean="0">
+                              <a:solidFill>
+                                <a:schemeClr val="tx1"/>
+                              </a:solidFill>
+                              <a:latin typeface="Cambria Math" panose="02040503050406030204" pitchFamily="18" charset="0"/>
+                            </a:rPr>
+                            <m:t>𝑠</m:t>
+                          </m:r>
+                          <m:r>
+                            <a:rPr lang="en-US" b="0" i="1" smtClean="0">
+                              <a:solidFill>
+                                <a:schemeClr val="tx1"/>
+                              </a:solidFill>
+                              <a:latin typeface="Cambria Math" panose="02040503050406030204" pitchFamily="18" charset="0"/>
+                            </a:rPr>
+                            <m:t>,</m:t>
+                          </m:r>
+                          <m:r>
+                            <a:rPr lang="en-US" b="0" i="1" smtClean="0">
+                              <a:solidFill>
+                                <a:schemeClr val="tx1"/>
+                              </a:solidFill>
+                              <a:latin typeface="Cambria Math" panose="02040503050406030204" pitchFamily="18" charset="0"/>
+                            </a:rPr>
+                            <m:t>𝑒</m:t>
+                          </m:r>
+                        </m:e>
+                      </m:d>
+                      <m:r>
+                        <a:rPr lang="en-US" b="0" i="1" smtClean="0">
+                          <a:solidFill>
+                            <a:schemeClr val="tx1"/>
+                          </a:solidFill>
+                          <a:latin typeface="Cambria Math" panose="02040503050406030204" pitchFamily="18" charset="0"/>
+                        </a:rPr>
+                        <m:t>−</m:t>
+                      </m:r>
+                      <m:r>
+                        <a:rPr lang="en-US" b="0" i="1" smtClean="0">
+                          <a:solidFill>
+                            <a:schemeClr val="tx1"/>
+                          </a:solidFill>
+                          <a:latin typeface="Cambria Math" panose="02040503050406030204" pitchFamily="18" charset="0"/>
+                        </a:rPr>
+                        <m:t>𝑑</m:t>
+                      </m:r>
+                      <m:r>
+                        <a:rPr lang="en-US" b="0" i="1" smtClean="0">
+                          <a:solidFill>
+                            <a:schemeClr val="tx1"/>
+                          </a:solidFill>
+                          <a:latin typeface="Cambria Math" panose="02040503050406030204" pitchFamily="18" charset="0"/>
+                        </a:rPr>
+                        <m:t>−</m:t>
+                      </m:r>
+                      <m:sSub>
+                        <m:sSubPr>
+                          <m:ctrlPr>
+                            <a:rPr lang="en-US" b="0" i="1" smtClean="0">
+                              <a:solidFill>
+                                <a:schemeClr val="tx1"/>
+                              </a:solidFill>
+                              <a:latin typeface="Cambria Math" panose="02040503050406030204" pitchFamily="18" charset="0"/>
+                            </a:rPr>
+                          </m:ctrlPr>
+                        </m:sSubPr>
+                        <m:e>
+                          <m:r>
+                            <a:rPr lang="en-US" b="0" i="1" smtClean="0">
+                              <a:solidFill>
+                                <a:schemeClr val="tx1"/>
+                              </a:solidFill>
+                              <a:latin typeface="Cambria Math" panose="02040503050406030204" pitchFamily="18" charset="0"/>
+                            </a:rPr>
+                            <m:t>𝑘</m:t>
+                          </m:r>
+                        </m:e>
+                        <m:sub>
+                          <m:r>
+                            <a:rPr lang="en-US" b="0" i="1" smtClean="0">
+                              <a:solidFill>
+                                <a:schemeClr val="tx1"/>
+                              </a:solidFill>
+                              <a:latin typeface="Cambria Math" panose="02040503050406030204" pitchFamily="18" charset="0"/>
+                            </a:rPr>
+                            <m:t>1</m:t>
+                          </m:r>
+                        </m:sub>
+                      </m:sSub>
+                      <m:r>
+                        <a:rPr lang="en-US" b="0" i="1" smtClean="0">
+                          <a:solidFill>
+                            <a:schemeClr val="tx1"/>
+                          </a:solidFill>
+                          <a:latin typeface="Cambria Math" panose="02040503050406030204" pitchFamily="18" charset="0"/>
+                        </a:rPr>
+                        <m:t>𝑡</m:t>
+                      </m:r>
+                      <m:r>
+                        <a:rPr lang="en-US" b="0" i="1" smtClean="0">
+                          <a:latin typeface="Cambria Math" panose="02040503050406030204" pitchFamily="18" charset="0"/>
+                        </a:rPr>
+                        <m:t>)</m:t>
+                      </m:r>
+                    </m:oMath>
+                  </m:oMathPara>
+                </a14:m>
+                <a:endParaRPr lang="en-US" dirty="0"/>
+              </a:p>
+            </p:txBody>
+          </p:sp>
+        </mc:Choice>
+        <mc:Fallback>
+          <p:sp>
+            <p:nvSpPr>
+              <p:cNvPr id="7" name="TextBox 6">
+                <a:extLst>
+                  <a:ext uri="{FF2B5EF4-FFF2-40B4-BE49-F238E27FC236}">
+                    <a16:creationId xmlns:a16="http://schemas.microsoft.com/office/drawing/2014/main" id="{DB2530DC-B261-4975-A828-C5740AD1BB9C}"/>
+                  </a:ext>
+                </a:extLst>
+              </p:cNvPr>
+              <p:cNvSpPr txBox="1">
+                <a:spLocks noRot="1" noChangeAspect="1" noMove="1" noResize="1" noEditPoints="1" noAdjustHandles="1" noChangeArrowheads="1" noChangeShapeType="1" noTextEdit="1"/>
+              </p:cNvSpPr>
+              <p:nvPr/>
+            </p:nvSpPr>
+            <p:spPr>
+              <a:xfrm>
+                <a:off x="978192" y="2506859"/>
+                <a:ext cx="3471143" cy="276999"/>
+              </a:xfrm>
+              <a:prstGeom prst="rect">
+                <a:avLst/>
+              </a:prstGeom>
+              <a:blipFill>
+                <a:blip r:embed="rId5"/>
+                <a:stretch>
+                  <a:fillRect l="-526" t="-2174" r="-1930" b="-34783"/>
+                </a:stretch>
+              </a:blipFill>
+            </p:spPr>
+            <p:txBody>
+              <a:bodyPr/>
+              <a:lstStyle/>
+              <a:p>
+                <a:r>
+                  <a:rPr lang="en-US">
+                    <a:noFill/>
+                  </a:rPr>
+                  <a:t> </a:t>
+                </a:r>
+              </a:p>
+            </p:txBody>
+          </p:sp>
+        </mc:Fallback>
+      </mc:AlternateContent>
+      <mc:AlternateContent xmlns:mc="http://schemas.openxmlformats.org/markup-compatibility/2006">
+        <mc:Choice xmlns:a14="http://schemas.microsoft.com/office/drawing/2010/main" Requires="a14">
+          <p:sp>
+            <p:nvSpPr>
+              <p:cNvPr id="8" name="TextBox 7">
+                <a:extLst>
+                  <a:ext uri="{FF2B5EF4-FFF2-40B4-BE49-F238E27FC236}">
+                    <a16:creationId xmlns:a16="http://schemas.microsoft.com/office/drawing/2014/main" id="{F6CE858C-18E9-4292-80F7-6A8A0ADAE59A}"/>
+                  </a:ext>
+                </a:extLst>
+              </p:cNvPr>
+              <p:cNvSpPr txBox="1"/>
+              <p:nvPr/>
+            </p:nvSpPr>
+            <p:spPr>
+              <a:xfrm>
+                <a:off x="952051" y="2850670"/>
+                <a:ext cx="2975430" cy="276999"/>
+              </a:xfrm>
+              <a:prstGeom prst="rect">
+                <a:avLst/>
+              </a:prstGeom>
+              <a:noFill/>
+            </p:spPr>
+            <p:txBody>
+              <a:bodyPr wrap="none" lIns="0" tIns="0" rIns="0" bIns="0" rtlCol="0" anchor="b">
+                <a:spAutoFit/>
+              </a:bodyPr>
+              <a:lstStyle/>
+              <a:p>
+                <a:pPr/>
+                <a14:m>
+                  <m:oMathPara xmlns:m="http://schemas.openxmlformats.org/officeDocument/2006/math">
+                    <m:oMathParaPr>
+                      <m:jc m:val="centerGroup"/>
+                    </m:oMathParaPr>
+                    <m:oMath xmlns:m="http://schemas.openxmlformats.org/officeDocument/2006/math">
+                      <m:acc>
+                        <m:accPr>
+                          <m:chr m:val="̇"/>
+                          <m:ctrlPr>
+                            <a:rPr lang="en-US" b="0" i="1" smtClean="0">
+                              <a:latin typeface="Cambria Math" panose="02040503050406030204" pitchFamily="18" charset="0"/>
+                            </a:rPr>
+                          </m:ctrlPr>
+                        </m:accPr>
+                        <m:e>
+                          <m:sSub>
+                            <m:sSubPr>
+                              <m:ctrlPr>
+                                <a:rPr lang="en-US" b="0" i="1" smtClean="0">
+                                  <a:solidFill>
+                                    <a:schemeClr val="accent1"/>
+                                  </a:solidFill>
+                                  <a:latin typeface="Cambria Math" panose="02040503050406030204" pitchFamily="18" charset="0"/>
+                                </a:rPr>
+                              </m:ctrlPr>
+                            </m:sSubPr>
+                            <m:e>
+                              <m:r>
+                                <a:rPr lang="en-US" b="0" i="1" smtClean="0">
+                                  <a:solidFill>
+                                    <a:schemeClr val="accent1"/>
+                                  </a:solidFill>
+                                  <a:latin typeface="Cambria Math" panose="02040503050406030204" pitchFamily="18" charset="0"/>
+                                </a:rPr>
+                                <m:t>𝑥</m:t>
+                              </m:r>
+                            </m:e>
+                            <m:sub>
+                              <m:r>
+                                <a:rPr lang="en-US" b="0" i="1" smtClean="0">
+                                  <a:solidFill>
+                                    <a:schemeClr val="accent1"/>
+                                  </a:solidFill>
+                                  <a:latin typeface="Cambria Math" panose="02040503050406030204" pitchFamily="18" charset="0"/>
+                                </a:rPr>
+                                <m:t>2</m:t>
+                              </m:r>
+                            </m:sub>
+                          </m:sSub>
+                        </m:e>
+                      </m:acc>
+                      <m:r>
+                        <a:rPr lang="en-US" b="0" i="1" smtClean="0">
+                          <a:latin typeface="Cambria Math" panose="02040503050406030204" pitchFamily="18" charset="0"/>
+                        </a:rPr>
+                        <m:t>=</m:t>
+                      </m:r>
+                      <m:sSub>
+                        <m:sSubPr>
+                          <m:ctrlPr>
+                            <a:rPr lang="en-US" b="0" i="1" smtClean="0">
+                              <a:solidFill>
+                                <a:schemeClr val="tx1"/>
+                              </a:solidFill>
+                              <a:latin typeface="Cambria Math" panose="02040503050406030204" pitchFamily="18" charset="0"/>
+                            </a:rPr>
+                          </m:ctrlPr>
+                        </m:sSubPr>
+                        <m:e>
+                          <m:r>
+                            <a:rPr lang="en-US" b="0" i="1" smtClean="0">
+                              <a:solidFill>
+                                <a:schemeClr val="tx1"/>
+                              </a:solidFill>
+                              <a:latin typeface="Cambria Math" panose="02040503050406030204" pitchFamily="18" charset="0"/>
+                            </a:rPr>
+                            <m:t>𝑥</m:t>
+                          </m:r>
+                        </m:e>
+                        <m:sub>
+                          <m:r>
+                            <a:rPr lang="en-US" b="0" i="1" smtClean="0">
+                              <a:solidFill>
+                                <a:schemeClr val="tx1"/>
+                              </a:solidFill>
+                              <a:latin typeface="Cambria Math" panose="02040503050406030204" pitchFamily="18" charset="0"/>
+                            </a:rPr>
+                            <m:t>2</m:t>
+                          </m:r>
+                        </m:sub>
+                      </m:sSub>
+                      <m:r>
+                        <a:rPr lang="en-US" b="0" i="1" smtClean="0">
+                          <a:solidFill>
+                            <a:schemeClr val="tx1"/>
+                          </a:solidFill>
+                          <a:latin typeface="Cambria Math" panose="02040503050406030204" pitchFamily="18" charset="0"/>
+                        </a:rPr>
+                        <m:t>(</m:t>
+                      </m:r>
+                      <m:d>
+                        <m:dPr>
+                          <m:ctrlPr>
+                            <a:rPr lang="en-US" b="0" i="1" smtClean="0">
+                              <a:solidFill>
+                                <a:schemeClr val="tx1"/>
+                              </a:solidFill>
+                              <a:latin typeface="Cambria Math" panose="02040503050406030204" pitchFamily="18" charset="0"/>
+                            </a:rPr>
+                          </m:ctrlPr>
+                        </m:dPr>
+                        <m:e>
+                          <m:r>
+                            <a:rPr lang="en-US" b="0" i="1" smtClean="0">
+                              <a:solidFill>
+                                <a:schemeClr val="tx1"/>
+                              </a:solidFill>
+                              <a:latin typeface="Cambria Math" panose="02040503050406030204" pitchFamily="18" charset="0"/>
+                            </a:rPr>
+                            <m:t>1−</m:t>
+                          </m:r>
+                          <m:sSub>
+                            <m:sSubPr>
+                              <m:ctrlPr>
+                                <a:rPr lang="en-US" b="0" i="1" smtClean="0">
+                                  <a:solidFill>
+                                    <a:schemeClr val="tx1"/>
+                                  </a:solidFill>
+                                  <a:latin typeface="Cambria Math" panose="02040503050406030204" pitchFamily="18" charset="0"/>
+                                </a:rPr>
+                              </m:ctrlPr>
+                            </m:sSubPr>
+                            <m:e>
+                              <m:r>
+                                <a:rPr lang="en-US" b="0" i="1" smtClean="0">
+                                  <a:solidFill>
+                                    <a:schemeClr val="tx1"/>
+                                  </a:solidFill>
+                                  <a:latin typeface="Cambria Math" panose="02040503050406030204" pitchFamily="18" charset="0"/>
+                                </a:rPr>
+                                <m:t>𝑞</m:t>
+                              </m:r>
+                            </m:e>
+                            <m:sub>
+                              <m:r>
+                                <a:rPr lang="en-US" b="0" i="1" smtClean="0">
+                                  <a:solidFill>
+                                    <a:schemeClr val="tx1"/>
+                                  </a:solidFill>
+                                  <a:latin typeface="Cambria Math" panose="02040503050406030204" pitchFamily="18" charset="0"/>
+                                </a:rPr>
+                                <m:t>2</m:t>
+                              </m:r>
+                            </m:sub>
+                          </m:sSub>
+                        </m:e>
+                      </m:d>
+                      <m:r>
+                        <a:rPr lang="en-US" b="0" i="1" smtClean="0">
+                          <a:solidFill>
+                            <a:schemeClr val="tx1"/>
+                          </a:solidFill>
+                          <a:latin typeface="Cambria Math" panose="02040503050406030204" pitchFamily="18" charset="0"/>
+                        </a:rPr>
+                        <m:t>𝑓</m:t>
+                      </m:r>
+                      <m:d>
+                        <m:dPr>
+                          <m:ctrlPr>
+                            <a:rPr lang="en-US" b="0" i="1" smtClean="0">
+                              <a:solidFill>
+                                <a:schemeClr val="tx1"/>
+                              </a:solidFill>
+                              <a:latin typeface="Cambria Math" panose="02040503050406030204" pitchFamily="18" charset="0"/>
+                            </a:rPr>
+                          </m:ctrlPr>
+                        </m:dPr>
+                        <m:e>
+                          <m:r>
+                            <a:rPr lang="en-US" b="0" i="1" smtClean="0">
+                              <a:solidFill>
+                                <a:schemeClr val="tx1"/>
+                              </a:solidFill>
+                              <a:latin typeface="Cambria Math" panose="02040503050406030204" pitchFamily="18" charset="0"/>
+                            </a:rPr>
+                            <m:t>𝑠</m:t>
+                          </m:r>
+                          <m:r>
+                            <a:rPr lang="en-US" b="0" i="1" smtClean="0">
+                              <a:solidFill>
+                                <a:schemeClr val="tx1"/>
+                              </a:solidFill>
+                              <a:latin typeface="Cambria Math" panose="02040503050406030204" pitchFamily="18" charset="0"/>
+                            </a:rPr>
+                            <m:t>,</m:t>
+                          </m:r>
+                          <m:r>
+                            <a:rPr lang="en-US" b="0" i="1" smtClean="0">
+                              <a:solidFill>
+                                <a:schemeClr val="tx1"/>
+                              </a:solidFill>
+                              <a:latin typeface="Cambria Math" panose="02040503050406030204" pitchFamily="18" charset="0"/>
+                            </a:rPr>
+                            <m:t>𝑒</m:t>
+                          </m:r>
+                        </m:e>
+                      </m:d>
+                      <m:r>
+                        <a:rPr lang="en-US" b="0" i="1" smtClean="0">
+                          <a:solidFill>
+                            <a:schemeClr val="tx1"/>
+                          </a:solidFill>
+                          <a:latin typeface="Cambria Math" panose="02040503050406030204" pitchFamily="18" charset="0"/>
+                        </a:rPr>
+                        <m:t>−</m:t>
+                      </m:r>
+                      <m:r>
+                        <a:rPr lang="en-US" b="0" i="1" smtClean="0">
+                          <a:solidFill>
+                            <a:schemeClr val="tx1"/>
+                          </a:solidFill>
+                          <a:latin typeface="Cambria Math" panose="02040503050406030204" pitchFamily="18" charset="0"/>
+                        </a:rPr>
+                        <m:t>𝑑</m:t>
+                      </m:r>
+                      <m:r>
+                        <a:rPr lang="en-US" b="0" i="1" smtClean="0">
+                          <a:latin typeface="Cambria Math" panose="02040503050406030204" pitchFamily="18" charset="0"/>
+                        </a:rPr>
+                        <m:t>)</m:t>
+                      </m:r>
+                    </m:oMath>
+                  </m:oMathPara>
+                </a14:m>
+                <a:endParaRPr lang="en-US" dirty="0"/>
+              </a:p>
+            </p:txBody>
+          </p:sp>
+        </mc:Choice>
+        <mc:Fallback>
+          <p:sp>
+            <p:nvSpPr>
+              <p:cNvPr id="8" name="TextBox 7">
+                <a:extLst>
+                  <a:ext uri="{FF2B5EF4-FFF2-40B4-BE49-F238E27FC236}">
+                    <a16:creationId xmlns:a16="http://schemas.microsoft.com/office/drawing/2014/main" id="{F6CE858C-18E9-4292-80F7-6A8A0ADAE59A}"/>
+                  </a:ext>
+                </a:extLst>
+              </p:cNvPr>
+              <p:cNvSpPr txBox="1">
+                <a:spLocks noRot="1" noChangeAspect="1" noMove="1" noResize="1" noEditPoints="1" noAdjustHandles="1" noChangeArrowheads="1" noChangeShapeType="1" noTextEdit="1"/>
+              </p:cNvSpPr>
+              <p:nvPr/>
+            </p:nvSpPr>
+            <p:spPr>
+              <a:xfrm>
+                <a:off x="952051" y="2850670"/>
+                <a:ext cx="2975430" cy="276999"/>
+              </a:xfrm>
+              <a:prstGeom prst="rect">
+                <a:avLst/>
+              </a:prstGeom>
+              <a:blipFill>
+                <a:blip r:embed="rId6"/>
+                <a:stretch>
+                  <a:fillRect t="-2222" r="-820" b="-35556"/>
+                </a:stretch>
+              </a:blipFill>
+            </p:spPr>
+            <p:txBody>
+              <a:bodyPr/>
+              <a:lstStyle/>
+              <a:p>
+                <a:r>
+                  <a:rPr lang="en-US">
+                    <a:noFill/>
+                  </a:rPr>
+                  <a:t> </a:t>
+                </a:r>
+              </a:p>
+            </p:txBody>
+          </p:sp>
+        </mc:Fallback>
+      </mc:AlternateContent>
+      <mc:AlternateContent xmlns:mc="http://schemas.openxmlformats.org/markup-compatibility/2006">
+        <mc:Choice xmlns:a14="http://schemas.microsoft.com/office/drawing/2010/main" Requires="a14">
+          <p:sp>
+            <p:nvSpPr>
+              <p:cNvPr id="28" name="Rectangle 27">
+                <a:extLst>
+                  <a:ext uri="{FF2B5EF4-FFF2-40B4-BE49-F238E27FC236}">
+                    <a16:creationId xmlns:a16="http://schemas.microsoft.com/office/drawing/2014/main" id="{9D9C9A13-9B9C-46EA-90A9-9A94B74122EF}"/>
+                  </a:ext>
+                </a:extLst>
+              </p:cNvPr>
+              <p:cNvSpPr/>
+              <p:nvPr/>
+            </p:nvSpPr>
+            <p:spPr>
+              <a:xfrm>
+                <a:off x="952051" y="3551424"/>
+                <a:ext cx="3658049" cy="1909112"/>
+              </a:xfrm>
+              <a:prstGeom prst="rect">
+                <a:avLst/>
+              </a:prstGeom>
+              <a:ln>
+                <a:solidFill>
+                  <a:schemeClr val="tx1"/>
+                </a:solidFill>
+              </a:ln>
+            </p:spPr>
+            <p:txBody>
+              <a:bodyPr wrap="square">
+                <a:spAutoFit/>
+              </a:bodyPr>
+              <a:lstStyle/>
+              <a:p>
+                <a:r>
+                  <a:rPr lang="en-US" dirty="0">
+                    <a:latin typeface="Cambria Math" panose="02040503050406030204" pitchFamily="18" charset="0"/>
+                  </a:rPr>
+                  <a:t> Analysis says,</a:t>
+                </a:r>
+                <a:r>
+                  <a:rPr lang="en-US" dirty="0"/>
+                  <a:t> </a:t>
+                </a:r>
+                <a14:m>
+                  <m:oMath xmlns:m="http://schemas.openxmlformats.org/officeDocument/2006/math">
+                    <m:sSub>
+                      <m:sSubPr>
+                        <m:ctrlPr>
+                          <a:rPr lang="en-US" i="1">
+                            <a:latin typeface="Cambria Math" panose="02040503050406030204" pitchFamily="18" charset="0"/>
+                          </a:rPr>
+                        </m:ctrlPr>
+                      </m:sSubPr>
+                      <m:e>
+                        <m:r>
+                          <a:rPr lang="en-US" i="1">
+                            <a:latin typeface="Cambria Math" panose="02040503050406030204" pitchFamily="18" charset="0"/>
+                          </a:rPr>
+                          <m:t>𝑥</m:t>
+                        </m:r>
+                      </m:e>
+                      <m:sub>
+                        <m:r>
+                          <a:rPr lang="en-US" i="1">
+                            <a:latin typeface="Cambria Math" panose="02040503050406030204" pitchFamily="18" charset="0"/>
+                          </a:rPr>
+                          <m:t>1</m:t>
+                        </m:r>
+                      </m:sub>
+                    </m:sSub>
+                    <m:r>
+                      <a:rPr lang="en-US" i="1">
+                        <a:latin typeface="Cambria Math" panose="02040503050406030204" pitchFamily="18" charset="0"/>
+                      </a:rPr>
+                      <m:t>, </m:t>
+                    </m:r>
+                    <m:sSub>
+                      <m:sSubPr>
+                        <m:ctrlPr>
+                          <a:rPr lang="en-US" i="1">
+                            <a:latin typeface="Cambria Math" panose="02040503050406030204" pitchFamily="18" charset="0"/>
+                          </a:rPr>
+                        </m:ctrlPr>
+                      </m:sSubPr>
+                      <m:e>
+                        <m:r>
+                          <a:rPr lang="en-US" i="1">
+                            <a:latin typeface="Cambria Math" panose="02040503050406030204" pitchFamily="18" charset="0"/>
+                          </a:rPr>
+                          <m:t>𝑥</m:t>
+                        </m:r>
+                      </m:e>
+                      <m:sub>
+                        <m:r>
+                          <a:rPr lang="en-US" b="0" i="1" smtClean="0">
+                            <a:latin typeface="Cambria Math" panose="02040503050406030204" pitchFamily="18" charset="0"/>
+                          </a:rPr>
+                          <m:t>2</m:t>
+                        </m:r>
+                      </m:sub>
+                    </m:sSub>
+                    <m:r>
+                      <a:rPr lang="en-US" i="1">
+                        <a:latin typeface="Cambria Math" panose="02040503050406030204" pitchFamily="18" charset="0"/>
+                      </a:rPr>
+                      <m:t>&gt;0, </m:t>
+                    </m:r>
+                    <m:sSub>
+                      <m:sSubPr>
+                        <m:ctrlPr>
+                          <a:rPr lang="en-US" i="1">
+                            <a:latin typeface="Cambria Math" panose="02040503050406030204" pitchFamily="18" charset="0"/>
+                          </a:rPr>
+                        </m:ctrlPr>
+                      </m:sSubPr>
+                      <m:e>
+                        <m:r>
+                          <a:rPr lang="en-US" i="1">
+                            <a:latin typeface="Cambria Math" panose="02040503050406030204" pitchFamily="18" charset="0"/>
+                          </a:rPr>
+                          <m:t>𝑥</m:t>
+                        </m:r>
+                      </m:e>
+                      <m:sub>
+                        <m:r>
+                          <a:rPr lang="en-US" b="0" i="1" smtClean="0">
+                            <a:latin typeface="Cambria Math" panose="02040503050406030204" pitchFamily="18" charset="0"/>
+                          </a:rPr>
+                          <m:t>3</m:t>
+                        </m:r>
+                      </m:sub>
+                    </m:sSub>
+                    <m:r>
+                      <a:rPr lang="en-US" i="1">
+                        <a:latin typeface="Cambria Math" panose="02040503050406030204" pitchFamily="18" charset="0"/>
+                      </a:rPr>
+                      <m:t>=0:</m:t>
+                    </m:r>
+                  </m:oMath>
+                </a14:m>
+                <a:br>
+                  <a:rPr lang="en-US" i="1" dirty="0">
+                    <a:latin typeface="Cambria Math" panose="02040503050406030204" pitchFamily="18" charset="0"/>
+                  </a:rPr>
+                </a:br>
+                <a:r>
+                  <a:rPr lang="en-US" i="1" dirty="0">
+                    <a:latin typeface="Cambria Math" panose="02040503050406030204" pitchFamily="18" charset="0"/>
+                  </a:rPr>
+                  <a:t>	</a:t>
+                </a:r>
+              </a:p>
+              <a:p>
+                <a:pPr/>
+                <a:r>
+                  <a:rPr lang="en-US" i="1" dirty="0">
+                    <a:latin typeface="Cambria Math" panose="02040503050406030204" pitchFamily="18" charset="0"/>
+                  </a:rPr>
+                  <a:t>	      </a:t>
+                </a:r>
+                <a:r>
+                  <a:rPr lang="en-US" dirty="0">
+                    <a:latin typeface="Cambria Math" panose="02040503050406030204" pitchFamily="18" charset="0"/>
+                  </a:rPr>
+                  <a:t>Requires: </a:t>
+                </a:r>
+                <a:br>
+                  <a:rPr lang="en-US" dirty="0">
+                    <a:latin typeface="Cambria Math" panose="02040503050406030204" pitchFamily="18" charset="0"/>
+                  </a:rPr>
+                </a:br>
+                <a14:m>
+                  <m:oMath xmlns:m="http://schemas.openxmlformats.org/officeDocument/2006/math">
+                    <m:r>
+                      <a:rPr lang="en-US" b="0" i="0" smtClean="0">
+                        <a:latin typeface="Cambria Math" panose="02040503050406030204" pitchFamily="18" charset="0"/>
+                      </a:rPr>
+                      <m:t>  </m:t>
+                    </m:r>
+                    <m:r>
+                      <a:rPr lang="en-US" i="1">
+                        <a:latin typeface="Cambria Math" panose="02040503050406030204" pitchFamily="18" charset="0"/>
+                      </a:rPr>
+                      <m:t>𝑓</m:t>
+                    </m:r>
+                    <m:d>
+                      <m:dPr>
+                        <m:ctrlPr>
+                          <a:rPr lang="en-US" i="1">
+                            <a:latin typeface="Cambria Math" panose="02040503050406030204" pitchFamily="18" charset="0"/>
+                          </a:rPr>
+                        </m:ctrlPr>
+                      </m:dPr>
+                      <m:e>
+                        <m:r>
+                          <a:rPr lang="en-US" i="1">
+                            <a:latin typeface="Cambria Math" panose="02040503050406030204" pitchFamily="18" charset="0"/>
+                          </a:rPr>
+                          <m:t>𝑠</m:t>
+                        </m:r>
+                        <m:r>
+                          <a:rPr lang="en-US" i="1">
+                            <a:latin typeface="Cambria Math" panose="02040503050406030204" pitchFamily="18" charset="0"/>
+                          </a:rPr>
+                          <m:t>,</m:t>
+                        </m:r>
+                        <m:r>
+                          <a:rPr lang="en-US" i="1">
+                            <a:latin typeface="Cambria Math" panose="02040503050406030204" pitchFamily="18" charset="0"/>
+                          </a:rPr>
+                          <m:t>𝑒</m:t>
+                        </m:r>
+                      </m:e>
+                    </m:d>
+                    <m:r>
+                      <a:rPr lang="en-US" i="1">
+                        <a:latin typeface="Cambria Math" panose="02040503050406030204" pitchFamily="18" charset="0"/>
+                      </a:rPr>
+                      <m:t>=</m:t>
+                    </m:r>
+                    <m:f>
+                      <m:fPr>
+                        <m:ctrlPr>
+                          <a:rPr lang="en-US" i="1">
+                            <a:latin typeface="Cambria Math" panose="02040503050406030204" pitchFamily="18" charset="0"/>
+                          </a:rPr>
+                        </m:ctrlPr>
+                      </m:fPr>
+                      <m:num>
+                        <m:r>
+                          <a:rPr lang="en-US" i="1">
+                            <a:latin typeface="Cambria Math" panose="02040503050406030204" pitchFamily="18" charset="0"/>
+                          </a:rPr>
+                          <m:t>𝑑</m:t>
+                        </m:r>
+                      </m:num>
+                      <m:den>
+                        <m:r>
+                          <a:rPr lang="en-US" i="1">
+                            <a:latin typeface="Cambria Math" panose="02040503050406030204" pitchFamily="18" charset="0"/>
+                          </a:rPr>
+                          <m:t>1−</m:t>
+                        </m:r>
+                        <m:sSub>
+                          <m:sSubPr>
+                            <m:ctrlPr>
+                              <a:rPr lang="en-US" i="1">
+                                <a:latin typeface="Cambria Math" panose="02040503050406030204" pitchFamily="18" charset="0"/>
+                              </a:rPr>
+                            </m:ctrlPr>
+                          </m:sSubPr>
+                          <m:e>
+                            <m:r>
+                              <a:rPr lang="en-US" i="1">
+                                <a:latin typeface="Cambria Math" panose="02040503050406030204" pitchFamily="18" charset="0"/>
+                              </a:rPr>
+                              <m:t>𝑞</m:t>
+                            </m:r>
+                          </m:e>
+                          <m:sub>
+                            <m:r>
+                              <a:rPr lang="en-US" b="0" i="1" smtClean="0">
+                                <a:latin typeface="Cambria Math" panose="02040503050406030204" pitchFamily="18" charset="0"/>
+                              </a:rPr>
+                              <m:t>2</m:t>
+                            </m:r>
+                          </m:sub>
+                        </m:sSub>
+                      </m:den>
+                    </m:f>
+                  </m:oMath>
+                </a14:m>
+                <a:r>
+                  <a:rPr lang="en-US" dirty="0">
+                    <a:latin typeface="Cambria Math" panose="02040503050406030204" pitchFamily="18" charset="0"/>
+                  </a:rPr>
+                  <a:t> is sufficiently small</a:t>
+                </a:r>
+              </a:p>
+              <a:p>
+                <a14:m>
+                  <m:oMathPara xmlns:m="http://schemas.openxmlformats.org/officeDocument/2006/math">
+                    <m:oMathParaPr>
+                      <m:jc m:val="centerGroup"/>
+                    </m:oMathParaPr>
+                    <m:oMath xmlns:m="http://schemas.openxmlformats.org/officeDocument/2006/math">
+                      <m:sSub>
+                        <m:sSubPr>
+                          <m:ctrlPr>
+                            <a:rPr lang="en-US" b="0" i="1" smtClean="0">
+                              <a:latin typeface="Cambria Math" panose="02040503050406030204" pitchFamily="18" charset="0"/>
+                            </a:rPr>
+                          </m:ctrlPr>
+                        </m:sSubPr>
+                        <m:e>
+                          <m:r>
+                            <a:rPr lang="en-US" b="0" i="1" smtClean="0">
+                              <a:latin typeface="Cambria Math" panose="02040503050406030204" pitchFamily="18" charset="0"/>
+                            </a:rPr>
+                            <m:t>𝑘</m:t>
+                          </m:r>
+                        </m:e>
+                        <m:sub>
+                          <m:r>
+                            <a:rPr lang="en-US" b="0" i="1" smtClean="0">
+                              <a:latin typeface="Cambria Math" panose="02040503050406030204" pitchFamily="18" charset="0"/>
+                            </a:rPr>
+                            <m:t>1</m:t>
+                          </m:r>
+                        </m:sub>
+                      </m:sSub>
+                      <m:r>
+                        <a:rPr lang="en-US" b="0" i="1" smtClean="0">
+                          <a:latin typeface="Cambria Math" panose="02040503050406030204" pitchFamily="18" charset="0"/>
+                        </a:rPr>
+                        <m:t>&lt;</m:t>
+                      </m:r>
+                      <m:sSub>
+                        <m:sSubPr>
+                          <m:ctrlPr>
+                            <a:rPr lang="en-US" b="0" i="1" smtClean="0">
+                              <a:latin typeface="Cambria Math" panose="02040503050406030204" pitchFamily="18" charset="0"/>
+                            </a:rPr>
+                          </m:ctrlPr>
+                        </m:sSubPr>
+                        <m:e>
+                          <m:r>
+                            <a:rPr lang="en-US" b="0" i="1" smtClean="0">
+                              <a:latin typeface="Cambria Math" panose="02040503050406030204" pitchFamily="18" charset="0"/>
+                            </a:rPr>
+                            <m:t>𝑘</m:t>
+                          </m:r>
+                        </m:e>
+                        <m:sub>
+                          <m:r>
+                            <a:rPr lang="en-US" b="0" i="1" smtClean="0">
+                              <a:latin typeface="Cambria Math" panose="02040503050406030204" pitchFamily="18" charset="0"/>
+                            </a:rPr>
+                            <m:t>3</m:t>
+                          </m:r>
+                        </m:sub>
+                      </m:sSub>
+                      <m:r>
+                        <a:rPr lang="en-US" b="0" i="1" smtClean="0">
+                          <a:latin typeface="Cambria Math" panose="02040503050406030204" pitchFamily="18" charset="0"/>
+                        </a:rPr>
+                        <m:t>, </m:t>
+                      </m:r>
+                      <m:sSub>
+                        <m:sSubPr>
+                          <m:ctrlPr>
+                            <a:rPr lang="en-US" b="0" i="1" smtClean="0">
+                              <a:latin typeface="Cambria Math" panose="02040503050406030204" pitchFamily="18" charset="0"/>
+                            </a:rPr>
+                          </m:ctrlPr>
+                        </m:sSubPr>
+                        <m:e>
+                          <m:r>
+                            <a:rPr lang="en-US" b="0" i="1" smtClean="0">
+                              <a:latin typeface="Cambria Math" panose="02040503050406030204" pitchFamily="18" charset="0"/>
+                            </a:rPr>
+                            <m:t> </m:t>
+                          </m:r>
+                          <m:r>
+                            <a:rPr lang="en-US" b="0" i="1" smtClean="0">
+                              <a:latin typeface="Cambria Math" panose="02040503050406030204" pitchFamily="18" charset="0"/>
+                            </a:rPr>
+                            <m:t>𝑞</m:t>
+                          </m:r>
+                        </m:e>
+                        <m:sub>
+                          <m:r>
+                            <a:rPr lang="en-US" b="0" i="1" smtClean="0">
+                              <a:latin typeface="Cambria Math" panose="02040503050406030204" pitchFamily="18" charset="0"/>
+                            </a:rPr>
+                            <m:t>2</m:t>
+                          </m:r>
+                        </m:sub>
+                      </m:sSub>
+                      <m:r>
+                        <a:rPr lang="en-US" b="0" i="1" smtClean="0">
+                          <a:latin typeface="Cambria Math" panose="02040503050406030204" pitchFamily="18" charset="0"/>
+                        </a:rPr>
+                        <m:t>&gt;</m:t>
+                      </m:r>
+                      <m:sSub>
+                        <m:sSubPr>
+                          <m:ctrlPr>
+                            <a:rPr lang="en-US" b="0" i="1" smtClean="0">
+                              <a:latin typeface="Cambria Math" panose="02040503050406030204" pitchFamily="18" charset="0"/>
+                            </a:rPr>
+                          </m:ctrlPr>
+                        </m:sSubPr>
+                        <m:e>
+                          <m:r>
+                            <a:rPr lang="en-US" b="0" i="1" smtClean="0">
+                              <a:latin typeface="Cambria Math" panose="02040503050406030204" pitchFamily="18" charset="0"/>
+                            </a:rPr>
+                            <m:t>𝑞</m:t>
+                          </m:r>
+                        </m:e>
+                        <m:sub>
+                          <m:r>
+                            <a:rPr lang="en-US" b="0" i="1" smtClean="0">
+                              <a:latin typeface="Cambria Math" panose="02040503050406030204" pitchFamily="18" charset="0"/>
+                            </a:rPr>
+                            <m:t>1</m:t>
+                          </m:r>
+                        </m:sub>
+                      </m:sSub>
+                    </m:oMath>
+                  </m:oMathPara>
+                </a14:m>
+                <a:endParaRPr lang="en-US" dirty="0"/>
+              </a:p>
+              <a:p>
+                <a:endParaRPr lang="en-US" dirty="0"/>
+              </a:p>
+            </p:txBody>
+          </p:sp>
+        </mc:Choice>
+        <mc:Fallback>
+          <p:sp>
+            <p:nvSpPr>
+              <p:cNvPr id="28" name="Rectangle 27">
+                <a:extLst>
+                  <a:ext uri="{FF2B5EF4-FFF2-40B4-BE49-F238E27FC236}">
+                    <a16:creationId xmlns:a16="http://schemas.microsoft.com/office/drawing/2014/main" id="{9D9C9A13-9B9C-46EA-90A9-9A94B74122EF}"/>
+                  </a:ext>
+                </a:extLst>
+              </p:cNvPr>
+              <p:cNvSpPr>
+                <a:spLocks noRot="1" noChangeAspect="1" noMove="1" noResize="1" noEditPoints="1" noAdjustHandles="1" noChangeArrowheads="1" noChangeShapeType="1" noTextEdit="1"/>
+              </p:cNvSpPr>
+              <p:nvPr/>
+            </p:nvSpPr>
+            <p:spPr>
+              <a:xfrm>
+                <a:off x="952051" y="3551424"/>
+                <a:ext cx="3658049" cy="1909112"/>
+              </a:xfrm>
+              <a:prstGeom prst="rect">
+                <a:avLst/>
+              </a:prstGeom>
+              <a:blipFill>
+                <a:blip r:embed="rId7"/>
+                <a:stretch>
+                  <a:fillRect t="-2222"/>
+                </a:stretch>
+              </a:blipFill>
+              <a:ln>
+                <a:solidFill>
+                  <a:schemeClr val="tx1"/>
+                </a:solidFill>
+              </a:ln>
+            </p:spPr>
+            <p:txBody>
+              <a:bodyPr/>
+              <a:lstStyle/>
+              <a:p>
+                <a:r>
+                  <a:rPr lang="en-US">
+                    <a:noFill/>
+                  </a:rPr>
+                  <a:t> </a:t>
+                </a:r>
+              </a:p>
+            </p:txBody>
+          </p:sp>
+        </mc:Fallback>
+      </mc:AlternateContent>
     </p:spTree>
     <p:extLst>
       <p:ext uri="{BB962C8B-B14F-4D97-AF65-F5344CB8AC3E}">
         <p14:creationId xmlns:p14="http://schemas.microsoft.com/office/powerpoint/2010/main" val="3531423447"/>
-      </p:ext>
-    </p:extLst>
-  </p:cSld>
-  <p:clrMapOvr>
-    <a:masterClrMapping/>
-  </p:clrMapOvr>
-</p:sld>
-</file>
-
-<file path=ppt/slides/slide9.xml><?xml version="1.0" encoding="utf-8"?>
-<p:sld xmlns:a="http://schemas.openxmlformats.org/drawingml/2006/main" xmlns:r="http://schemas.openxmlformats.org/officeDocument/2006/relationships" xmlns:p="http://schemas.openxmlformats.org/presentationml/2006/main">
-  <p:cSld>
-    <p:spTree>
-      <p:nvGrpSpPr>
-        <p:cNvPr id="1" name=""/>
-        <p:cNvGrpSpPr/>
-        <p:nvPr/>
-      </p:nvGrpSpPr>
-      <p:grpSpPr>
-        <a:xfrm>
-          <a:off x="0" y="0"/>
-          <a:ext cx="0" cy="0"/>
-          <a:chOff x="0" y="0"/>
-          <a:chExt cx="0" cy="0"/>
-        </a:xfrm>
-      </p:grpSpPr>
-      <p:sp>
-        <p:nvSpPr>
-          <p:cNvPr id="2" name="Title 1">
-            <a:extLst>
-              <a:ext uri="{FF2B5EF4-FFF2-40B4-BE49-F238E27FC236}">
-                <a16:creationId xmlns:a16="http://schemas.microsoft.com/office/drawing/2014/main" id="{77A8C97A-2E5F-499F-860C-69BE8ED54F89}"/>
-              </a:ext>
-            </a:extLst>
-          </p:cNvPr>
-          <p:cNvSpPr>
-            <a:spLocks noGrp="1"/>
-          </p:cNvSpPr>
-          <p:nvPr>
-            <p:ph type="title"/>
-          </p:nvPr>
-        </p:nvSpPr>
-        <p:spPr/>
-        <p:txBody>
-          <a:bodyPr>
-            <a:normAutofit/>
-          </a:bodyPr>
-          <a:lstStyle/>
-          <a:p>
-            <a:r>
-              <a:rPr lang="en-US" sz="3600" b="1" dirty="0"/>
-              <a:t>A stable population of cooperators and policers exists</a:t>
-            </a:r>
-          </a:p>
-        </p:txBody>
-      </p:sp>
-      <p:pic>
-        <p:nvPicPr>
-          <p:cNvPr id="5" name="Picture 4" descr="A close up of text on a white background&#10;&#10;Description generated with high confidence">
-            <a:extLst>
-              <a:ext uri="{FF2B5EF4-FFF2-40B4-BE49-F238E27FC236}">
-                <a16:creationId xmlns:a16="http://schemas.microsoft.com/office/drawing/2014/main" id="{23254A1B-644B-4E0D-9A87-C43BCDBC810D}"/>
-              </a:ext>
-            </a:extLst>
-          </p:cNvPr>
-          <p:cNvPicPr>
-            <a:picLocks noChangeAspect="1"/>
-          </p:cNvPicPr>
-          <p:nvPr/>
-        </p:nvPicPr>
-        <p:blipFill>
-          <a:blip r:embed="rId2">
-            <a:extLst>
-              <a:ext uri="{28A0092B-C50C-407E-A947-70E740481C1C}">
-                <a14:useLocalDpi xmlns:a14="http://schemas.microsoft.com/office/drawing/2010/main" val="0"/>
-              </a:ext>
-            </a:extLst>
-          </a:blip>
-          <a:stretch>
-            <a:fillRect/>
-          </a:stretch>
-        </p:blipFill>
-        <p:spPr>
-          <a:xfrm>
-            <a:off x="2989811" y="1612900"/>
-            <a:ext cx="5788429" cy="4341322"/>
-          </a:xfrm>
-          <a:prstGeom prst="rect">
-            <a:avLst/>
-          </a:prstGeom>
-          <a:ln>
-            <a:solidFill>
-              <a:schemeClr val="tx1"/>
-            </a:solidFill>
-          </a:ln>
-        </p:spPr>
-      </p:pic>
-      <p:sp>
-        <p:nvSpPr>
-          <p:cNvPr id="3" name="TextBox 2">
-            <a:extLst>
-              <a:ext uri="{FF2B5EF4-FFF2-40B4-BE49-F238E27FC236}">
-                <a16:creationId xmlns:a16="http://schemas.microsoft.com/office/drawing/2014/main" id="{3771B25A-7FE9-4E96-ACAD-E862A5C8AB57}"/>
-              </a:ext>
-            </a:extLst>
-          </p:cNvPr>
-          <p:cNvSpPr txBox="1"/>
-          <p:nvPr/>
-        </p:nvSpPr>
-        <p:spPr>
-          <a:xfrm>
-            <a:off x="9174480" y="1321356"/>
-            <a:ext cx="2622898" cy="369332"/>
-          </a:xfrm>
-          <a:prstGeom prst="rect">
-            <a:avLst/>
-          </a:prstGeom>
-          <a:noFill/>
-        </p:spPr>
-        <p:txBody>
-          <a:bodyPr wrap="none" rtlCol="0">
-            <a:spAutoFit/>
-          </a:bodyPr>
-          <a:lstStyle/>
-          <a:p>
-            <a:r>
-              <a:rPr lang="en-US" dirty="0"/>
-              <a:t>(under certain conditions)</a:t>
-            </a:r>
-          </a:p>
-        </p:txBody>
-      </p:sp>
-    </p:spTree>
-    <p:extLst>
-      <p:ext uri="{BB962C8B-B14F-4D97-AF65-F5344CB8AC3E}">
-        <p14:creationId xmlns:p14="http://schemas.microsoft.com/office/powerpoint/2010/main" val="4184590970"/>
       </p:ext>
     </p:extLst>
   </p:cSld>

--- a/Products/AW_fin.pptx
+++ b/Products/AW_fin.pptx
@@ -8,11 +8,9 @@
     <p:sldId id="256" r:id="rId2"/>
     <p:sldId id="258" r:id="rId3"/>
     <p:sldId id="265" r:id="rId4"/>
-    <p:sldId id="267" r:id="rId5"/>
-    <p:sldId id="268" r:id="rId6"/>
-    <p:sldId id="269" r:id="rId7"/>
-    <p:sldId id="271" r:id="rId8"/>
-    <p:sldId id="270" r:id="rId9"/>
+    <p:sldId id="268" r:id="rId5"/>
+    <p:sldId id="269" r:id="rId6"/>
+    <p:sldId id="270" r:id="rId7"/>
   </p:sldIdLst>
   <p:sldSz cx="12192000" cy="6858000"/>
   <p:notesSz cx="6858000" cy="9144000"/>
@@ -266,7 +264,7 @@
           <a:p>
             <a:fld id="{F60B097C-15D3-4C10-907C-9D6BDD5AB733}" type="datetimeFigureOut">
               <a:rPr lang="en-US" smtClean="0"/>
-              <a:t>5/22/2019</a:t>
+              <a:t>5/29/2019</a:t>
             </a:fld>
             <a:endParaRPr lang="en-US"/>
           </a:p>
@@ -464,7 +462,7 @@
           <a:p>
             <a:fld id="{F60B097C-15D3-4C10-907C-9D6BDD5AB733}" type="datetimeFigureOut">
               <a:rPr lang="en-US" smtClean="0"/>
-              <a:t>5/22/2019</a:t>
+              <a:t>5/29/2019</a:t>
             </a:fld>
             <a:endParaRPr lang="en-US"/>
           </a:p>
@@ -672,7 +670,7 @@
           <a:p>
             <a:fld id="{F60B097C-15D3-4C10-907C-9D6BDD5AB733}" type="datetimeFigureOut">
               <a:rPr lang="en-US" smtClean="0"/>
-              <a:t>5/22/2019</a:t>
+              <a:t>5/29/2019</a:t>
             </a:fld>
             <a:endParaRPr lang="en-US"/>
           </a:p>
@@ -870,7 +868,7 @@
           <a:p>
             <a:fld id="{F60B097C-15D3-4C10-907C-9D6BDD5AB733}" type="datetimeFigureOut">
               <a:rPr lang="en-US" smtClean="0"/>
-              <a:t>5/22/2019</a:t>
+              <a:t>5/29/2019</a:t>
             </a:fld>
             <a:endParaRPr lang="en-US"/>
           </a:p>
@@ -1145,7 +1143,7 @@
           <a:p>
             <a:fld id="{F60B097C-15D3-4C10-907C-9D6BDD5AB733}" type="datetimeFigureOut">
               <a:rPr lang="en-US" smtClean="0"/>
-              <a:t>5/22/2019</a:t>
+              <a:t>5/29/2019</a:t>
             </a:fld>
             <a:endParaRPr lang="en-US"/>
           </a:p>
@@ -1410,7 +1408,7 @@
           <a:p>
             <a:fld id="{F60B097C-15D3-4C10-907C-9D6BDD5AB733}" type="datetimeFigureOut">
               <a:rPr lang="en-US" smtClean="0"/>
-              <a:t>5/22/2019</a:t>
+              <a:t>5/29/2019</a:t>
             </a:fld>
             <a:endParaRPr lang="en-US"/>
           </a:p>
@@ -1822,7 +1820,7 @@
           <a:p>
             <a:fld id="{F60B097C-15D3-4C10-907C-9D6BDD5AB733}" type="datetimeFigureOut">
               <a:rPr lang="en-US" smtClean="0"/>
-              <a:t>5/22/2019</a:t>
+              <a:t>5/29/2019</a:t>
             </a:fld>
             <a:endParaRPr lang="en-US"/>
           </a:p>
@@ -1963,7 +1961,7 @@
           <a:p>
             <a:fld id="{F60B097C-15D3-4C10-907C-9D6BDD5AB733}" type="datetimeFigureOut">
               <a:rPr lang="en-US" smtClean="0"/>
-              <a:t>5/22/2019</a:t>
+              <a:t>5/29/2019</a:t>
             </a:fld>
             <a:endParaRPr lang="en-US"/>
           </a:p>
@@ -2076,7 +2074,7 @@
           <a:p>
             <a:fld id="{F60B097C-15D3-4C10-907C-9D6BDD5AB733}" type="datetimeFigureOut">
               <a:rPr lang="en-US" smtClean="0"/>
-              <a:t>5/22/2019</a:t>
+              <a:t>5/29/2019</a:t>
             </a:fld>
             <a:endParaRPr lang="en-US"/>
           </a:p>
@@ -2387,7 +2385,7 @@
           <a:p>
             <a:fld id="{F60B097C-15D3-4C10-907C-9D6BDD5AB733}" type="datetimeFigureOut">
               <a:rPr lang="en-US" smtClean="0"/>
-              <a:t>5/22/2019</a:t>
+              <a:t>5/29/2019</a:t>
             </a:fld>
             <a:endParaRPr lang="en-US"/>
           </a:p>
@@ -2675,7 +2673,7 @@
           <a:p>
             <a:fld id="{F60B097C-15D3-4C10-907C-9D6BDD5AB733}" type="datetimeFigureOut">
               <a:rPr lang="en-US" smtClean="0"/>
-              <a:t>5/22/2019</a:t>
+              <a:t>5/29/2019</a:t>
             </a:fld>
             <a:endParaRPr lang="en-US"/>
           </a:p>
@@ -2916,7 +2914,7 @@
           <a:p>
             <a:fld id="{F60B097C-15D3-4C10-907C-9D6BDD5AB733}" type="datetimeFigureOut">
               <a:rPr lang="en-US" smtClean="0"/>
-              <a:t>5/22/2019</a:t>
+              <a:t>5/29/2019</a:t>
             </a:fld>
             <a:endParaRPr lang="en-US"/>
           </a:p>
@@ -9204,8 +9202,8 @@
           </a:p>
         </p:txBody>
       </p:sp>
-      <mc:AlternateContent xmlns:mc="http://schemas.openxmlformats.org/markup-compatibility/2006">
-        <mc:Choice xmlns:a14="http://schemas.microsoft.com/office/drawing/2010/main" Requires="a14">
+      <mc:AlternateContent xmlns:mc="http://schemas.openxmlformats.org/markup-compatibility/2006" xmlns:a14="http://schemas.microsoft.com/office/drawing/2010/main">
+        <mc:Choice Requires="a14">
           <p:sp>
             <p:nvSpPr>
               <p:cNvPr id="2" name="TextBox 1">
@@ -9234,6 +9232,7 @@
               </a:bodyPr>
               <a:lstStyle/>
               <a:p>
+                <a:pPr/>
                 <a14:m>
                   <m:oMathPara xmlns:m="http://schemas.openxmlformats.org/officeDocument/2006/math">
                     <m:oMathParaPr>
@@ -9385,7 +9384,7 @@
             </p:txBody>
           </p:sp>
         </mc:Choice>
-        <mc:Fallback>
+        <mc:Fallback xmlns="">
           <p:sp>
             <p:nvSpPr>
               <p:cNvPr id="2" name="TextBox 1">
@@ -9476,7 +9475,12 @@
             <p:ph type="title"/>
           </p:nvPr>
         </p:nvSpPr>
-        <p:spPr/>
+        <p:spPr>
+          <a:xfrm>
+            <a:off x="838199" y="47439"/>
+            <a:ext cx="2801601" cy="1325563"/>
+          </a:xfrm>
+        </p:spPr>
         <p:txBody>
           <a:bodyPr/>
           <a:lstStyle/>
@@ -9488,8 +9492,8 @@
           </a:p>
         </p:txBody>
       </p:sp>
-      <mc:AlternateContent xmlns:mc="http://schemas.openxmlformats.org/markup-compatibility/2006" xmlns:a14="http://schemas.microsoft.com/office/drawing/2010/main">
-        <mc:Choice Requires="a14">
+      <mc:AlternateContent xmlns:mc="http://schemas.openxmlformats.org/markup-compatibility/2006">
+        <mc:Choice xmlns:a14="http://schemas.microsoft.com/office/drawing/2010/main" Requires="a14">
           <p:sp>
             <p:nvSpPr>
               <p:cNvPr id="10" name="TextBox 9">
@@ -9504,8 +9508,8 @@
             </p:nvSpPr>
             <p:spPr>
               <a:xfrm>
-                <a:off x="838200" y="1484401"/>
-                <a:ext cx="2801601" cy="276999"/>
+                <a:off x="858740" y="1133297"/>
+                <a:ext cx="2801600" cy="276999"/>
               </a:xfrm>
               <a:prstGeom prst="rect">
                 <a:avLst/>
@@ -9513,7 +9517,7 @@
               <a:noFill/>
             </p:spPr>
             <p:txBody>
-              <a:bodyPr wrap="none" lIns="0" tIns="0" rIns="0" bIns="0" rtlCol="0" anchor="b">
+              <a:bodyPr wrap="square" lIns="0" tIns="0" rIns="0" bIns="0" rtlCol="0" anchor="b">
                 <a:spAutoFit/>
               </a:bodyPr>
               <a:lstStyle/>
@@ -9754,7 +9758,7 @@
             </p:txBody>
           </p:sp>
         </mc:Choice>
-        <mc:Fallback xmlns="">
+        <mc:Fallback>
           <p:sp>
             <p:nvSpPr>
               <p:cNvPr id="10" name="TextBox 9">
@@ -9771,8 +9775,8 @@
             </p:nvSpPr>
             <p:spPr>
               <a:xfrm>
-                <a:off x="838200" y="1484401"/>
-                <a:ext cx="2801601" cy="276999"/>
+                <a:off x="858740" y="1133297"/>
+                <a:ext cx="2801600" cy="276999"/>
               </a:xfrm>
               <a:prstGeom prst="rect">
                 <a:avLst/>
@@ -9799,8 +9803,8 @@
           </p:sp>
         </mc:Fallback>
       </mc:AlternateContent>
-      <mc:AlternateContent xmlns:mc="http://schemas.openxmlformats.org/markup-compatibility/2006" xmlns:a14="http://schemas.microsoft.com/office/drawing/2010/main">
-        <mc:Choice Requires="a14">
+      <mc:AlternateContent xmlns:mc="http://schemas.openxmlformats.org/markup-compatibility/2006">
+        <mc:Choice xmlns:a14="http://schemas.microsoft.com/office/drawing/2010/main" Requires="a14">
           <p:sp>
             <p:nvSpPr>
               <p:cNvPr id="11" name="TextBox 10">
@@ -9815,7 +9819,1453 @@
             </p:nvSpPr>
             <p:spPr>
               <a:xfrm>
-                <a:off x="864341" y="1841344"/>
+                <a:off x="884880" y="1490240"/>
+                <a:ext cx="1348639" cy="276999"/>
+              </a:xfrm>
+              <a:prstGeom prst="rect">
+                <a:avLst/>
+              </a:prstGeom>
+              <a:noFill/>
+            </p:spPr>
+            <p:txBody>
+              <a:bodyPr wrap="square" lIns="0" tIns="0" rIns="0" bIns="0" rtlCol="0" anchor="b">
+                <a:spAutoFit/>
+              </a:bodyPr>
+              <a:lstStyle/>
+              <a:p>
+                <a14:m>
+                  <m:oMath xmlns:m="http://schemas.openxmlformats.org/officeDocument/2006/math">
+                    <m:acc>
+                      <m:accPr>
+                        <m:chr m:val="̇"/>
+                        <m:ctrlPr>
+                          <a:rPr lang="en-US" b="0" i="1" smtClean="0">
+                            <a:latin typeface="Cambria Math" panose="02040503050406030204" pitchFamily="18" charset="0"/>
+                          </a:rPr>
+                        </m:ctrlPr>
+                      </m:accPr>
+                      <m:e>
+                        <m:r>
+                          <a:rPr lang="en-US" b="0" i="1" smtClean="0">
+                            <a:solidFill>
+                              <a:srgbClr val="00B050"/>
+                            </a:solidFill>
+                            <a:latin typeface="Cambria Math" panose="02040503050406030204" pitchFamily="18" charset="0"/>
+                          </a:rPr>
+                          <m:t>𝑒</m:t>
+                        </m:r>
+                      </m:e>
+                    </m:acc>
+                    <m:r>
+                      <a:rPr lang="en-US" b="0" i="1" smtClean="0">
+                        <a:latin typeface="Cambria Math" panose="02040503050406030204" pitchFamily="18" charset="0"/>
+                      </a:rPr>
+                      <m:t>=</m:t>
+                    </m:r>
+                    <m:r>
+                      <a:rPr lang="en-US" b="0" i="1" smtClean="0">
+                        <a:solidFill>
+                          <a:schemeClr val="tx1"/>
+                        </a:solidFill>
+                        <a:latin typeface="Cambria Math" panose="02040503050406030204" pitchFamily="18" charset="0"/>
+                      </a:rPr>
+                      <m:t>−</m:t>
+                    </m:r>
+                    <m:r>
+                      <a:rPr lang="en-US" b="0" i="1" smtClean="0">
+                        <a:solidFill>
+                          <a:schemeClr val="tx1"/>
+                        </a:solidFill>
+                        <a:latin typeface="Cambria Math" panose="02040503050406030204" pitchFamily="18" charset="0"/>
+                      </a:rPr>
+                      <m:t>𝑑𝑒</m:t>
+                    </m:r>
+                    <m:r>
+                      <a:rPr lang="en-US" b="0" i="1" smtClean="0">
+                        <a:solidFill>
+                          <a:schemeClr val="tx1"/>
+                        </a:solidFill>
+                        <a:latin typeface="Cambria Math" panose="02040503050406030204" pitchFamily="18" charset="0"/>
+                      </a:rPr>
+                      <m:t>→0</m:t>
+                    </m:r>
+                  </m:oMath>
+                </a14:m>
+                <a:r>
+                  <a:rPr lang="en-US" dirty="0">
+                    <a:solidFill>
+                      <a:schemeClr val="tx1"/>
+                    </a:solidFill>
+                  </a:rPr>
+                  <a:t> </a:t>
+                </a:r>
+                <a:endParaRPr lang="en-US" dirty="0"/>
+              </a:p>
+            </p:txBody>
+          </p:sp>
+        </mc:Choice>
+        <mc:Fallback>
+          <p:sp>
+            <p:nvSpPr>
+              <p:cNvPr id="11" name="TextBox 10">
+                <a:extLst>
+                  <a:ext uri="{FF2B5EF4-FFF2-40B4-BE49-F238E27FC236}">
+                    <a16:creationId xmlns:a16="http://schemas.microsoft.com/office/drawing/2014/main" id="{8E8C1219-A2D3-4759-9265-AEC9766B74C4}"/>
+                  </a:ext>
+                </a:extLst>
+              </p:cNvPr>
+              <p:cNvSpPr txBox="1">
+                <a:spLocks noRot="1" noChangeAspect="1" noMove="1" noResize="1" noEditPoints="1" noAdjustHandles="1" noChangeArrowheads="1" noChangeShapeType="1" noTextEdit="1"/>
+              </p:cNvSpPr>
+              <p:nvPr/>
+            </p:nvSpPr>
+            <p:spPr>
+              <a:xfrm>
+                <a:off x="884880" y="1490240"/>
+                <a:ext cx="1348639" cy="276999"/>
+              </a:xfrm>
+              <a:prstGeom prst="rect">
+                <a:avLst/>
+              </a:prstGeom>
+              <a:blipFill>
+                <a:blip r:embed="rId3"/>
+                <a:stretch>
+                  <a:fillRect l="-4525" t="-2174" r="-1810" b="-8696"/>
+                </a:stretch>
+              </a:blipFill>
+            </p:spPr>
+            <p:txBody>
+              <a:bodyPr/>
+              <a:lstStyle/>
+              <a:p>
+                <a:r>
+                  <a:rPr lang="en-US">
+                    <a:noFill/>
+                  </a:rPr>
+                  <a:t> </a:t>
+                </a:r>
+              </a:p>
+            </p:txBody>
+          </p:sp>
+        </mc:Fallback>
+      </mc:AlternateContent>
+      <mc:AlternateContent xmlns:mc="http://schemas.openxmlformats.org/markup-compatibility/2006">
+        <mc:Choice xmlns:a14="http://schemas.microsoft.com/office/drawing/2010/main" Requires="a14">
+          <p:sp>
+            <p:nvSpPr>
+              <p:cNvPr id="12" name="TextBox 11">
+                <a:extLst>
+                  <a:ext uri="{FF2B5EF4-FFF2-40B4-BE49-F238E27FC236}">
+                    <a16:creationId xmlns:a16="http://schemas.microsoft.com/office/drawing/2014/main" id="{2BEEF917-1C8C-4785-A852-0550E293EC8E}"/>
+                  </a:ext>
+                </a:extLst>
+              </p:cNvPr>
+              <p:cNvSpPr txBox="1"/>
+              <p:nvPr/>
+            </p:nvSpPr>
+            <p:spPr>
+              <a:xfrm>
+                <a:off x="884880" y="1849727"/>
+                <a:ext cx="2107307" cy="276999"/>
+              </a:xfrm>
+              <a:prstGeom prst="rect">
+                <a:avLst/>
+              </a:prstGeom>
+              <a:noFill/>
+            </p:spPr>
+            <p:txBody>
+              <a:bodyPr wrap="square" lIns="0" tIns="0" rIns="0" bIns="0" rtlCol="0" anchor="b">
+                <a:spAutoFit/>
+              </a:bodyPr>
+              <a:lstStyle/>
+              <a:p>
+                <a:pPr/>
+                <a14:m>
+                  <m:oMathPara xmlns:m="http://schemas.openxmlformats.org/officeDocument/2006/math">
+                    <m:oMathParaPr>
+                      <m:jc m:val="centerGroup"/>
+                    </m:oMathParaPr>
+                    <m:oMath xmlns:m="http://schemas.openxmlformats.org/officeDocument/2006/math">
+                      <m:acc>
+                        <m:accPr>
+                          <m:chr m:val="̇"/>
+                          <m:ctrlPr>
+                            <a:rPr lang="en-US" b="0" i="1" smtClean="0">
+                              <a:latin typeface="Cambria Math" panose="02040503050406030204" pitchFamily="18" charset="0"/>
+                            </a:rPr>
+                          </m:ctrlPr>
+                        </m:accPr>
+                        <m:e>
+                          <m:r>
+                            <a:rPr lang="en-US" b="0" i="1" smtClean="0">
+                              <a:solidFill>
+                                <a:schemeClr val="accent2"/>
+                              </a:solidFill>
+                              <a:latin typeface="Cambria Math" panose="02040503050406030204" pitchFamily="18" charset="0"/>
+                            </a:rPr>
+                            <m:t>𝑡</m:t>
+                          </m:r>
+                        </m:e>
+                      </m:acc>
+                      <m:r>
+                        <a:rPr lang="en-US" b="0" i="1" smtClean="0">
+                          <a:latin typeface="Cambria Math" panose="02040503050406030204" pitchFamily="18" charset="0"/>
+                        </a:rPr>
+                        <m:t>=</m:t>
+                      </m:r>
+                      <m:sSub>
+                        <m:sSubPr>
+                          <m:ctrlPr>
+                            <a:rPr lang="en-US" b="0" i="1" smtClean="0">
+                              <a:solidFill>
+                                <a:schemeClr val="tx1"/>
+                              </a:solidFill>
+                              <a:latin typeface="Cambria Math" panose="02040503050406030204" pitchFamily="18" charset="0"/>
+                            </a:rPr>
+                          </m:ctrlPr>
+                        </m:sSubPr>
+                        <m:e>
+                          <m:r>
+                            <a:rPr lang="en-US" b="0" i="1" smtClean="0">
+                              <a:solidFill>
+                                <a:schemeClr val="tx1"/>
+                              </a:solidFill>
+                              <a:latin typeface="Cambria Math" panose="02040503050406030204" pitchFamily="18" charset="0"/>
+                            </a:rPr>
+                            <m:t>𝑞</m:t>
+                          </m:r>
+                        </m:e>
+                        <m:sub>
+                          <m:r>
+                            <a:rPr lang="en-US" b="0" i="1" smtClean="0">
+                              <a:solidFill>
+                                <a:schemeClr val="tx1"/>
+                              </a:solidFill>
+                              <a:latin typeface="Cambria Math" panose="02040503050406030204" pitchFamily="18" charset="0"/>
+                            </a:rPr>
+                            <m:t>2</m:t>
+                          </m:r>
+                        </m:sub>
+                      </m:sSub>
+                      <m:sSub>
+                        <m:sSubPr>
+                          <m:ctrlPr>
+                            <a:rPr lang="en-US" b="0" i="1" smtClean="0">
+                              <a:solidFill>
+                                <a:schemeClr val="tx1"/>
+                              </a:solidFill>
+                              <a:latin typeface="Cambria Math" panose="02040503050406030204" pitchFamily="18" charset="0"/>
+                            </a:rPr>
+                          </m:ctrlPr>
+                        </m:sSubPr>
+                        <m:e>
+                          <m:r>
+                            <a:rPr lang="en-US" b="0" i="1" smtClean="0">
+                              <a:solidFill>
+                                <a:schemeClr val="tx1"/>
+                              </a:solidFill>
+                              <a:latin typeface="Cambria Math" panose="02040503050406030204" pitchFamily="18" charset="0"/>
+                            </a:rPr>
+                            <m:t>𝑥</m:t>
+                          </m:r>
+                        </m:e>
+                        <m:sub>
+                          <m:r>
+                            <a:rPr lang="en-US" b="0" i="1" smtClean="0">
+                              <a:solidFill>
+                                <a:schemeClr val="tx1"/>
+                              </a:solidFill>
+                              <a:latin typeface="Cambria Math" panose="02040503050406030204" pitchFamily="18" charset="0"/>
+                            </a:rPr>
+                            <m:t>2</m:t>
+                          </m:r>
+                        </m:sub>
+                      </m:sSub>
+                      <m:r>
+                        <a:rPr lang="en-US" b="0" i="1" smtClean="0">
+                          <a:solidFill>
+                            <a:schemeClr val="tx1"/>
+                          </a:solidFill>
+                          <a:latin typeface="Cambria Math" panose="02040503050406030204" pitchFamily="18" charset="0"/>
+                        </a:rPr>
+                        <m:t>𝑓</m:t>
+                      </m:r>
+                      <m:d>
+                        <m:dPr>
+                          <m:ctrlPr>
+                            <a:rPr lang="en-US" b="0" i="1" smtClean="0">
+                              <a:solidFill>
+                                <a:schemeClr val="tx1"/>
+                              </a:solidFill>
+                              <a:latin typeface="Cambria Math" panose="02040503050406030204" pitchFamily="18" charset="0"/>
+                            </a:rPr>
+                          </m:ctrlPr>
+                        </m:dPr>
+                        <m:e>
+                          <m:r>
+                            <a:rPr lang="en-US" b="0" i="1" smtClean="0">
+                              <a:solidFill>
+                                <a:schemeClr val="tx1"/>
+                              </a:solidFill>
+                              <a:latin typeface="Cambria Math" panose="02040503050406030204" pitchFamily="18" charset="0"/>
+                            </a:rPr>
+                            <m:t>𝑠</m:t>
+                          </m:r>
+                          <m:r>
+                            <a:rPr lang="en-US" b="0" i="1" smtClean="0">
+                              <a:solidFill>
+                                <a:schemeClr val="tx1"/>
+                              </a:solidFill>
+                              <a:latin typeface="Cambria Math" panose="02040503050406030204" pitchFamily="18" charset="0"/>
+                            </a:rPr>
+                            <m:t>,</m:t>
+                          </m:r>
+                          <m:r>
+                            <a:rPr lang="en-US" b="0" i="1" smtClean="0">
+                              <a:solidFill>
+                                <a:schemeClr val="tx1"/>
+                              </a:solidFill>
+                              <a:latin typeface="Cambria Math" panose="02040503050406030204" pitchFamily="18" charset="0"/>
+                            </a:rPr>
+                            <m:t>𝑒</m:t>
+                          </m:r>
+                        </m:e>
+                      </m:d>
+                      <m:r>
+                        <a:rPr lang="en-US" b="0" i="1" smtClean="0">
+                          <a:solidFill>
+                            <a:schemeClr val="tx1"/>
+                          </a:solidFill>
+                          <a:latin typeface="Cambria Math" panose="02040503050406030204" pitchFamily="18" charset="0"/>
+                        </a:rPr>
+                        <m:t>−</m:t>
+                      </m:r>
+                      <m:r>
+                        <a:rPr lang="en-US" b="0" i="1" smtClean="0">
+                          <a:solidFill>
+                            <a:schemeClr val="tx1"/>
+                          </a:solidFill>
+                          <a:latin typeface="Cambria Math" panose="02040503050406030204" pitchFamily="18" charset="0"/>
+                        </a:rPr>
+                        <m:t>𝑑𝑡</m:t>
+                      </m:r>
+                      <m:r>
+                        <a:rPr lang="en-US" b="0" i="1" smtClean="0">
+                          <a:solidFill>
+                            <a:schemeClr val="tx1"/>
+                          </a:solidFill>
+                          <a:latin typeface="Cambria Math" panose="02040503050406030204" pitchFamily="18" charset="0"/>
+                        </a:rPr>
+                        <m:t> </m:t>
+                      </m:r>
+                    </m:oMath>
+                  </m:oMathPara>
+                </a14:m>
+                <a:endParaRPr lang="en-US" dirty="0"/>
+              </a:p>
+            </p:txBody>
+          </p:sp>
+        </mc:Choice>
+        <mc:Fallback>
+          <p:sp>
+            <p:nvSpPr>
+              <p:cNvPr id="12" name="TextBox 11">
+                <a:extLst>
+                  <a:ext uri="{FF2B5EF4-FFF2-40B4-BE49-F238E27FC236}">
+                    <a16:creationId xmlns:a16="http://schemas.microsoft.com/office/drawing/2014/main" id="{2BEEF917-1C8C-4785-A852-0550E293EC8E}"/>
+                  </a:ext>
+                </a:extLst>
+              </p:cNvPr>
+              <p:cNvSpPr txBox="1">
+                <a:spLocks noRot="1" noChangeAspect="1" noMove="1" noResize="1" noEditPoints="1" noAdjustHandles="1" noChangeArrowheads="1" noChangeShapeType="1" noTextEdit="1"/>
+              </p:cNvSpPr>
+              <p:nvPr/>
+            </p:nvSpPr>
+            <p:spPr>
+              <a:xfrm>
+                <a:off x="884880" y="1849727"/>
+                <a:ext cx="2107307" cy="276999"/>
+              </a:xfrm>
+              <a:prstGeom prst="rect">
+                <a:avLst/>
+              </a:prstGeom>
+              <a:blipFill>
+                <a:blip r:embed="rId4"/>
+                <a:stretch>
+                  <a:fillRect l="-1734" t="-10870" b="-34783"/>
+                </a:stretch>
+              </a:blipFill>
+            </p:spPr>
+            <p:txBody>
+              <a:bodyPr/>
+              <a:lstStyle/>
+              <a:p>
+                <a:r>
+                  <a:rPr lang="en-US">
+                    <a:noFill/>
+                  </a:rPr>
+                  <a:t> </a:t>
+                </a:r>
+              </a:p>
+            </p:txBody>
+          </p:sp>
+        </mc:Fallback>
+      </mc:AlternateContent>
+      <mc:AlternateContent xmlns:mc="http://schemas.openxmlformats.org/markup-compatibility/2006">
+        <mc:Choice xmlns:a14="http://schemas.microsoft.com/office/drawing/2010/main" Requires="a14">
+          <p:sp>
+            <p:nvSpPr>
+              <p:cNvPr id="14" name="TextBox 13">
+                <a:extLst>
+                  <a:ext uri="{FF2B5EF4-FFF2-40B4-BE49-F238E27FC236}">
+                    <a16:creationId xmlns:a16="http://schemas.microsoft.com/office/drawing/2014/main" id="{63585E9D-716E-4C37-8EE8-F90AC8B7D370}"/>
+                  </a:ext>
+                </a:extLst>
+              </p:cNvPr>
+              <p:cNvSpPr txBox="1"/>
+              <p:nvPr/>
+            </p:nvSpPr>
+            <p:spPr>
+              <a:xfrm>
+                <a:off x="858739" y="2238125"/>
+                <a:ext cx="2975429" cy="276999"/>
+              </a:xfrm>
+              <a:prstGeom prst="rect">
+                <a:avLst/>
+              </a:prstGeom>
+              <a:noFill/>
+            </p:spPr>
+            <p:txBody>
+              <a:bodyPr wrap="square" lIns="0" tIns="0" rIns="0" bIns="0" rtlCol="0" anchor="b">
+                <a:spAutoFit/>
+              </a:bodyPr>
+              <a:lstStyle/>
+              <a:p>
+                <a:pPr/>
+                <a14:m>
+                  <m:oMathPara xmlns:m="http://schemas.openxmlformats.org/officeDocument/2006/math">
+                    <m:oMathParaPr>
+                      <m:jc m:val="centerGroup"/>
+                    </m:oMathParaPr>
+                    <m:oMath xmlns:m="http://schemas.openxmlformats.org/officeDocument/2006/math">
+                      <m:acc>
+                        <m:accPr>
+                          <m:chr m:val="̇"/>
+                          <m:ctrlPr>
+                            <a:rPr lang="en-US" b="0" i="1" smtClean="0">
+                              <a:latin typeface="Cambria Math" panose="02040503050406030204" pitchFamily="18" charset="0"/>
+                            </a:rPr>
+                          </m:ctrlPr>
+                        </m:accPr>
+                        <m:e>
+                          <m:sSub>
+                            <m:sSubPr>
+                              <m:ctrlPr>
+                                <a:rPr lang="en-US" b="0" i="1" smtClean="0">
+                                  <a:solidFill>
+                                    <a:schemeClr val="accent1"/>
+                                  </a:solidFill>
+                                  <a:latin typeface="Cambria Math" panose="02040503050406030204" pitchFamily="18" charset="0"/>
+                                </a:rPr>
+                              </m:ctrlPr>
+                            </m:sSubPr>
+                            <m:e>
+                              <m:r>
+                                <a:rPr lang="en-US" b="0" i="1" smtClean="0">
+                                  <a:solidFill>
+                                    <a:schemeClr val="accent1"/>
+                                  </a:solidFill>
+                                  <a:latin typeface="Cambria Math" panose="02040503050406030204" pitchFamily="18" charset="0"/>
+                                </a:rPr>
+                                <m:t>𝑥</m:t>
+                              </m:r>
+                            </m:e>
+                            <m:sub>
+                              <m:r>
+                                <a:rPr lang="en-US" b="0" i="1" smtClean="0">
+                                  <a:solidFill>
+                                    <a:schemeClr val="accent1"/>
+                                  </a:solidFill>
+                                  <a:latin typeface="Cambria Math" panose="02040503050406030204" pitchFamily="18" charset="0"/>
+                                </a:rPr>
+                                <m:t>2</m:t>
+                              </m:r>
+                            </m:sub>
+                          </m:sSub>
+                        </m:e>
+                      </m:acc>
+                      <m:r>
+                        <a:rPr lang="en-US" b="0" i="1" smtClean="0">
+                          <a:latin typeface="Cambria Math" panose="02040503050406030204" pitchFamily="18" charset="0"/>
+                        </a:rPr>
+                        <m:t>=</m:t>
+                      </m:r>
+                      <m:sSub>
+                        <m:sSubPr>
+                          <m:ctrlPr>
+                            <a:rPr lang="en-US" b="0" i="1" smtClean="0">
+                              <a:solidFill>
+                                <a:schemeClr val="tx1"/>
+                              </a:solidFill>
+                              <a:latin typeface="Cambria Math" panose="02040503050406030204" pitchFamily="18" charset="0"/>
+                            </a:rPr>
+                          </m:ctrlPr>
+                        </m:sSubPr>
+                        <m:e>
+                          <m:r>
+                            <a:rPr lang="en-US" b="0" i="1" smtClean="0">
+                              <a:solidFill>
+                                <a:schemeClr val="tx1"/>
+                              </a:solidFill>
+                              <a:latin typeface="Cambria Math" panose="02040503050406030204" pitchFamily="18" charset="0"/>
+                            </a:rPr>
+                            <m:t>𝑥</m:t>
+                          </m:r>
+                        </m:e>
+                        <m:sub>
+                          <m:r>
+                            <a:rPr lang="en-US" b="0" i="1" smtClean="0">
+                              <a:solidFill>
+                                <a:schemeClr val="tx1"/>
+                              </a:solidFill>
+                              <a:latin typeface="Cambria Math" panose="02040503050406030204" pitchFamily="18" charset="0"/>
+                            </a:rPr>
+                            <m:t>2</m:t>
+                          </m:r>
+                        </m:sub>
+                      </m:sSub>
+                      <m:r>
+                        <a:rPr lang="en-US" b="0" i="1" smtClean="0">
+                          <a:solidFill>
+                            <a:schemeClr val="tx1"/>
+                          </a:solidFill>
+                          <a:latin typeface="Cambria Math" panose="02040503050406030204" pitchFamily="18" charset="0"/>
+                        </a:rPr>
+                        <m:t>(</m:t>
+                      </m:r>
+                      <m:d>
+                        <m:dPr>
+                          <m:ctrlPr>
+                            <a:rPr lang="en-US" b="0" i="1" smtClean="0">
+                              <a:solidFill>
+                                <a:schemeClr val="tx1"/>
+                              </a:solidFill>
+                              <a:latin typeface="Cambria Math" panose="02040503050406030204" pitchFamily="18" charset="0"/>
+                            </a:rPr>
+                          </m:ctrlPr>
+                        </m:dPr>
+                        <m:e>
+                          <m:r>
+                            <a:rPr lang="en-US" b="0" i="1" smtClean="0">
+                              <a:solidFill>
+                                <a:schemeClr val="tx1"/>
+                              </a:solidFill>
+                              <a:latin typeface="Cambria Math" panose="02040503050406030204" pitchFamily="18" charset="0"/>
+                            </a:rPr>
+                            <m:t>1−</m:t>
+                          </m:r>
+                          <m:sSub>
+                            <m:sSubPr>
+                              <m:ctrlPr>
+                                <a:rPr lang="en-US" b="0" i="1" smtClean="0">
+                                  <a:solidFill>
+                                    <a:schemeClr val="tx1"/>
+                                  </a:solidFill>
+                                  <a:latin typeface="Cambria Math" panose="02040503050406030204" pitchFamily="18" charset="0"/>
+                                </a:rPr>
+                              </m:ctrlPr>
+                            </m:sSubPr>
+                            <m:e>
+                              <m:r>
+                                <a:rPr lang="en-US" b="0" i="1" smtClean="0">
+                                  <a:solidFill>
+                                    <a:schemeClr val="tx1"/>
+                                  </a:solidFill>
+                                  <a:latin typeface="Cambria Math" panose="02040503050406030204" pitchFamily="18" charset="0"/>
+                                </a:rPr>
+                                <m:t>𝑞</m:t>
+                              </m:r>
+                            </m:e>
+                            <m:sub>
+                              <m:r>
+                                <a:rPr lang="en-US" b="0" i="1" smtClean="0">
+                                  <a:solidFill>
+                                    <a:schemeClr val="tx1"/>
+                                  </a:solidFill>
+                                  <a:latin typeface="Cambria Math" panose="02040503050406030204" pitchFamily="18" charset="0"/>
+                                </a:rPr>
+                                <m:t>2</m:t>
+                              </m:r>
+                            </m:sub>
+                          </m:sSub>
+                        </m:e>
+                      </m:d>
+                      <m:r>
+                        <a:rPr lang="en-US" b="0" i="1" smtClean="0">
+                          <a:solidFill>
+                            <a:schemeClr val="tx1"/>
+                          </a:solidFill>
+                          <a:latin typeface="Cambria Math" panose="02040503050406030204" pitchFamily="18" charset="0"/>
+                        </a:rPr>
+                        <m:t>𝑓</m:t>
+                      </m:r>
+                      <m:d>
+                        <m:dPr>
+                          <m:ctrlPr>
+                            <a:rPr lang="en-US" b="0" i="1" smtClean="0">
+                              <a:solidFill>
+                                <a:schemeClr val="tx1"/>
+                              </a:solidFill>
+                              <a:latin typeface="Cambria Math" panose="02040503050406030204" pitchFamily="18" charset="0"/>
+                            </a:rPr>
+                          </m:ctrlPr>
+                        </m:dPr>
+                        <m:e>
+                          <m:r>
+                            <a:rPr lang="en-US" b="0" i="1" smtClean="0">
+                              <a:solidFill>
+                                <a:schemeClr val="tx1"/>
+                              </a:solidFill>
+                              <a:latin typeface="Cambria Math" panose="02040503050406030204" pitchFamily="18" charset="0"/>
+                            </a:rPr>
+                            <m:t>𝑠</m:t>
+                          </m:r>
+                          <m:r>
+                            <a:rPr lang="en-US" b="0" i="1" smtClean="0">
+                              <a:solidFill>
+                                <a:schemeClr val="tx1"/>
+                              </a:solidFill>
+                              <a:latin typeface="Cambria Math" panose="02040503050406030204" pitchFamily="18" charset="0"/>
+                            </a:rPr>
+                            <m:t>,</m:t>
+                          </m:r>
+                          <m:r>
+                            <a:rPr lang="en-US" b="0" i="1" smtClean="0">
+                              <a:solidFill>
+                                <a:schemeClr val="tx1"/>
+                              </a:solidFill>
+                              <a:latin typeface="Cambria Math" panose="02040503050406030204" pitchFamily="18" charset="0"/>
+                            </a:rPr>
+                            <m:t>𝑒</m:t>
+                          </m:r>
+                        </m:e>
+                      </m:d>
+                      <m:r>
+                        <a:rPr lang="en-US" b="0" i="1" smtClean="0">
+                          <a:solidFill>
+                            <a:schemeClr val="tx1"/>
+                          </a:solidFill>
+                          <a:latin typeface="Cambria Math" panose="02040503050406030204" pitchFamily="18" charset="0"/>
+                        </a:rPr>
+                        <m:t>−</m:t>
+                      </m:r>
+                      <m:r>
+                        <a:rPr lang="en-US" b="0" i="1" smtClean="0">
+                          <a:solidFill>
+                            <a:schemeClr val="tx1"/>
+                          </a:solidFill>
+                          <a:latin typeface="Cambria Math" panose="02040503050406030204" pitchFamily="18" charset="0"/>
+                        </a:rPr>
+                        <m:t>𝑑</m:t>
+                      </m:r>
+                      <m:r>
+                        <a:rPr lang="en-US" b="0" i="1" smtClean="0">
+                          <a:latin typeface="Cambria Math" panose="02040503050406030204" pitchFamily="18" charset="0"/>
+                        </a:rPr>
+                        <m:t>)</m:t>
+                      </m:r>
+                    </m:oMath>
+                  </m:oMathPara>
+                </a14:m>
+                <a:endParaRPr lang="en-US" dirty="0"/>
+              </a:p>
+            </p:txBody>
+          </p:sp>
+        </mc:Choice>
+        <mc:Fallback>
+          <p:sp>
+            <p:nvSpPr>
+              <p:cNvPr id="14" name="TextBox 13">
+                <a:extLst>
+                  <a:ext uri="{FF2B5EF4-FFF2-40B4-BE49-F238E27FC236}">
+                    <a16:creationId xmlns:a16="http://schemas.microsoft.com/office/drawing/2014/main" id="{63585E9D-716E-4C37-8EE8-F90AC8B7D370}"/>
+                  </a:ext>
+                </a:extLst>
+              </p:cNvPr>
+              <p:cNvSpPr txBox="1">
+                <a:spLocks noRot="1" noChangeAspect="1" noMove="1" noResize="1" noEditPoints="1" noAdjustHandles="1" noChangeArrowheads="1" noChangeShapeType="1" noTextEdit="1"/>
+              </p:cNvSpPr>
+              <p:nvPr/>
+            </p:nvSpPr>
+            <p:spPr>
+              <a:xfrm>
+                <a:off x="858739" y="2238125"/>
+                <a:ext cx="2975429" cy="276999"/>
+              </a:xfrm>
+              <a:prstGeom prst="rect">
+                <a:avLst/>
+              </a:prstGeom>
+              <a:blipFill>
+                <a:blip r:embed="rId5"/>
+                <a:stretch>
+                  <a:fillRect t="-2174" r="-820" b="-34783"/>
+                </a:stretch>
+              </a:blipFill>
+            </p:spPr>
+            <p:txBody>
+              <a:bodyPr/>
+              <a:lstStyle/>
+              <a:p>
+                <a:r>
+                  <a:rPr lang="en-US">
+                    <a:noFill/>
+                  </a:rPr>
+                  <a:t> </a:t>
+                </a:r>
+              </a:p>
+            </p:txBody>
+          </p:sp>
+        </mc:Fallback>
+      </mc:AlternateContent>
+      <mc:AlternateContent xmlns:mc="http://schemas.openxmlformats.org/markup-compatibility/2006">
+        <mc:Choice xmlns:a14="http://schemas.microsoft.com/office/drawing/2010/main" Requires="a14">
+          <p:sp>
+            <p:nvSpPr>
+              <p:cNvPr id="23" name="TextBox 22">
+                <a:extLst>
+                  <a:ext uri="{FF2B5EF4-FFF2-40B4-BE49-F238E27FC236}">
+                    <a16:creationId xmlns:a16="http://schemas.microsoft.com/office/drawing/2014/main" id="{42D65225-FB8E-46AF-BAF0-6176DC42F40D}"/>
+                  </a:ext>
+                </a:extLst>
+              </p:cNvPr>
+              <p:cNvSpPr txBox="1"/>
+              <p:nvPr/>
+            </p:nvSpPr>
+            <p:spPr>
+              <a:xfrm>
+                <a:off x="4156363" y="1133297"/>
+                <a:ext cx="3196244" cy="1723549"/>
+              </a:xfrm>
+              <a:prstGeom prst="rect">
+                <a:avLst/>
+              </a:prstGeom>
+              <a:noFill/>
+              <a:ln>
+                <a:solidFill>
+                  <a:schemeClr val="tx1"/>
+                </a:solidFill>
+              </a:ln>
+            </p:spPr>
+            <p:txBody>
+              <a:bodyPr wrap="square" lIns="0" tIns="0" rIns="0" bIns="0" rtlCol="0">
+                <a:spAutoFit/>
+              </a:bodyPr>
+              <a:lstStyle/>
+              <a:p>
+                <a:r>
+                  <a:rPr lang="en-US" sz="1600" b="0" dirty="0">
+                    <a:latin typeface="Cambria Math" panose="02040503050406030204" pitchFamily="18" charset="0"/>
+                  </a:rPr>
+                  <a:t> Analysis says, for </a:t>
+                </a:r>
+              </a:p>
+              <a:p>
+                <a:r>
+                  <a:rPr lang="en-US" sz="1600" dirty="0">
+                    <a:latin typeface="Cambria Math" panose="02040503050406030204" pitchFamily="18" charset="0"/>
+                  </a:rPr>
+                  <a:t>	</a:t>
+                </a:r>
+                <a14:m>
+                  <m:oMath xmlns:m="http://schemas.openxmlformats.org/officeDocument/2006/math">
+                    <m:sSub>
+                      <m:sSubPr>
+                        <m:ctrlPr>
+                          <a:rPr lang="en-US" sz="1600" b="0" i="1" smtClean="0">
+                            <a:latin typeface="Cambria Math" panose="02040503050406030204" pitchFamily="18" charset="0"/>
+                          </a:rPr>
+                        </m:ctrlPr>
+                      </m:sSubPr>
+                      <m:e>
+                        <m:r>
+                          <a:rPr lang="en-US" sz="1600" b="0" i="1" smtClean="0">
+                            <a:latin typeface="Cambria Math" panose="02040503050406030204" pitchFamily="18" charset="0"/>
+                          </a:rPr>
+                          <m:t>𝑥</m:t>
+                        </m:r>
+                      </m:e>
+                      <m:sub>
+                        <m:r>
+                          <a:rPr lang="en-US" sz="1600" b="0" i="1" smtClean="0">
+                            <a:latin typeface="Cambria Math" panose="02040503050406030204" pitchFamily="18" charset="0"/>
+                          </a:rPr>
+                          <m:t>2</m:t>
+                        </m:r>
+                      </m:sub>
+                    </m:sSub>
+                    <m:r>
+                      <a:rPr lang="en-US" sz="1600" b="0" i="1" smtClean="0">
+                        <a:latin typeface="Cambria Math" panose="02040503050406030204" pitchFamily="18" charset="0"/>
+                      </a:rPr>
+                      <m:t>&gt;0, </m:t>
+                    </m:r>
+                    <m:sSub>
+                      <m:sSubPr>
+                        <m:ctrlPr>
+                          <a:rPr lang="en-US" sz="1600" b="0" i="1" smtClean="0">
+                            <a:latin typeface="Cambria Math" panose="02040503050406030204" pitchFamily="18" charset="0"/>
+                          </a:rPr>
+                        </m:ctrlPr>
+                      </m:sSubPr>
+                      <m:e>
+                        <m:r>
+                          <a:rPr lang="en-US" sz="1600" b="0" i="1" smtClean="0">
+                            <a:latin typeface="Cambria Math" panose="02040503050406030204" pitchFamily="18" charset="0"/>
+                          </a:rPr>
+                          <m:t>𝑥</m:t>
+                        </m:r>
+                      </m:e>
+                      <m:sub>
+                        <m:r>
+                          <a:rPr lang="en-US" sz="1600" b="0" i="1" smtClean="0">
+                            <a:latin typeface="Cambria Math" panose="02040503050406030204" pitchFamily="18" charset="0"/>
+                          </a:rPr>
+                          <m:t>1</m:t>
+                        </m:r>
+                      </m:sub>
+                    </m:sSub>
+                    <m:r>
+                      <a:rPr lang="en-US" sz="1600" b="0" i="1" smtClean="0">
+                        <a:latin typeface="Cambria Math" panose="02040503050406030204" pitchFamily="18" charset="0"/>
+                      </a:rPr>
+                      <m:t>=</m:t>
+                    </m:r>
+                    <m:sSub>
+                      <m:sSubPr>
+                        <m:ctrlPr>
+                          <a:rPr lang="en-US" sz="1600" b="0" i="1" smtClean="0">
+                            <a:latin typeface="Cambria Math" panose="02040503050406030204" pitchFamily="18" charset="0"/>
+                          </a:rPr>
+                        </m:ctrlPr>
+                      </m:sSubPr>
+                      <m:e>
+                        <m:r>
+                          <a:rPr lang="en-US" sz="1600" b="0" i="1" smtClean="0">
+                            <a:latin typeface="Cambria Math" panose="02040503050406030204" pitchFamily="18" charset="0"/>
+                          </a:rPr>
+                          <m:t>𝑥</m:t>
+                        </m:r>
+                      </m:e>
+                      <m:sub>
+                        <m:r>
+                          <a:rPr lang="en-US" sz="1600" b="0" i="1" smtClean="0">
+                            <a:latin typeface="Cambria Math" panose="02040503050406030204" pitchFamily="18" charset="0"/>
+                          </a:rPr>
+                          <m:t>3</m:t>
+                        </m:r>
+                      </m:sub>
+                    </m:sSub>
+                    <m:r>
+                      <a:rPr lang="en-US" sz="1600" b="0" i="1" smtClean="0">
+                        <a:latin typeface="Cambria Math" panose="02040503050406030204" pitchFamily="18" charset="0"/>
+                      </a:rPr>
+                      <m:t>=0:</m:t>
+                    </m:r>
+                  </m:oMath>
+                </a14:m>
+                <a:br>
+                  <a:rPr lang="en-US" sz="1600" b="0" i="1" dirty="0">
+                    <a:latin typeface="Cambria Math" panose="02040503050406030204" pitchFamily="18" charset="0"/>
+                  </a:rPr>
+                </a:br>
+                <a:endParaRPr lang="en-US" sz="1600" b="0" i="1" dirty="0">
+                  <a:latin typeface="Cambria Math" panose="02040503050406030204" pitchFamily="18" charset="0"/>
+                </a:endParaRPr>
+              </a:p>
+              <a:p>
+                <a:pPr/>
+                <a14:m>
+                  <m:oMathPara xmlns:m="http://schemas.openxmlformats.org/officeDocument/2006/math">
+                    <m:oMathParaPr>
+                      <m:jc m:val="centerGroup"/>
+                    </m:oMathParaPr>
+                    <m:oMath xmlns:m="http://schemas.openxmlformats.org/officeDocument/2006/math">
+                      <m:sSub>
+                        <m:sSubPr>
+                          <m:ctrlPr>
+                            <a:rPr lang="en-US" sz="1600" b="0" i="1" smtClean="0">
+                              <a:latin typeface="Cambria Math" panose="02040503050406030204" pitchFamily="18" charset="0"/>
+                            </a:rPr>
+                          </m:ctrlPr>
+                        </m:sSubPr>
+                        <m:e>
+                          <m:r>
+                            <a:rPr lang="en-US" sz="1600" b="0" i="1" smtClean="0">
+                              <a:latin typeface="Cambria Math" panose="02040503050406030204" pitchFamily="18" charset="0"/>
+                            </a:rPr>
+                            <m:t>𝑥</m:t>
+                          </m:r>
+                        </m:e>
+                        <m:sub>
+                          <m:r>
+                            <a:rPr lang="en-US" sz="1600" b="0" i="1" smtClean="0">
+                              <a:latin typeface="Cambria Math" panose="02040503050406030204" pitchFamily="18" charset="0"/>
+                            </a:rPr>
+                            <m:t>1</m:t>
+                          </m:r>
+                        </m:sub>
+                      </m:sSub>
+                      <m:r>
+                        <a:rPr lang="en-US" sz="1600" b="0" i="1" smtClean="0">
+                          <a:latin typeface="Cambria Math" panose="02040503050406030204" pitchFamily="18" charset="0"/>
+                        </a:rPr>
+                        <m:t>=0⇒</m:t>
+                      </m:r>
+                      <m:r>
+                        <a:rPr lang="en-US" sz="1600" b="0" i="1" smtClean="0">
+                          <a:latin typeface="Cambria Math" panose="02040503050406030204" pitchFamily="18" charset="0"/>
+                        </a:rPr>
+                        <m:t>𝑒</m:t>
+                      </m:r>
+                      <m:r>
+                        <a:rPr lang="en-US" sz="1600" b="0" i="1" smtClean="0">
+                          <a:latin typeface="Cambria Math" panose="02040503050406030204" pitchFamily="18" charset="0"/>
+                        </a:rPr>
+                        <m:t>=0</m:t>
+                      </m:r>
+                    </m:oMath>
+                    <m:oMath xmlns:m="http://schemas.openxmlformats.org/officeDocument/2006/math">
+                      <m:r>
+                        <a:rPr lang="en-US" sz="1600" b="0" i="1" smtClean="0">
+                          <a:latin typeface="Cambria Math" panose="02040503050406030204" pitchFamily="18" charset="0"/>
+                        </a:rPr>
+                        <m:t>𝑒</m:t>
+                      </m:r>
+                      <m:r>
+                        <a:rPr lang="en-US" sz="1600" b="0" i="1" smtClean="0">
+                          <a:latin typeface="Cambria Math" panose="02040503050406030204" pitchFamily="18" charset="0"/>
+                        </a:rPr>
+                        <m:t>=0⇒</m:t>
+                      </m:r>
+                      <m:sSub>
+                        <m:sSubPr>
+                          <m:ctrlPr>
+                            <a:rPr lang="en-US" sz="1600" b="0" i="1" smtClean="0">
+                              <a:latin typeface="Cambria Math" panose="02040503050406030204" pitchFamily="18" charset="0"/>
+                            </a:rPr>
+                          </m:ctrlPr>
+                        </m:sSubPr>
+                        <m:e>
+                          <m:r>
+                            <a:rPr lang="en-US" sz="1600" b="0" i="1" smtClean="0">
+                              <a:latin typeface="Cambria Math" panose="02040503050406030204" pitchFamily="18" charset="0"/>
+                            </a:rPr>
+                            <m:t>𝑥</m:t>
+                          </m:r>
+                        </m:e>
+                        <m:sub>
+                          <m:r>
+                            <a:rPr lang="en-US" sz="1600" b="0" i="1" smtClean="0">
+                              <a:latin typeface="Cambria Math" panose="02040503050406030204" pitchFamily="18" charset="0"/>
+                            </a:rPr>
+                            <m:t>2</m:t>
+                          </m:r>
+                        </m:sub>
+                      </m:sSub>
+                      <m:r>
+                        <a:rPr lang="en-US" sz="1600" b="0" i="1" smtClean="0">
+                          <a:latin typeface="Cambria Math" panose="02040503050406030204" pitchFamily="18" charset="0"/>
+                        </a:rPr>
+                        <m:t>=0</m:t>
+                      </m:r>
+                    </m:oMath>
+                  </m:oMathPara>
+                </a14:m>
+                <a:endParaRPr lang="en-US" sz="1600" dirty="0"/>
+              </a:p>
+              <a:p>
+                <a:r>
+                  <a:rPr lang="en-US" sz="1600" b="0" dirty="0"/>
+                  <a:t> Contradiction. Thus a tragedy should occur.</a:t>
+                </a:r>
+                <a:endParaRPr lang="en-US" sz="1600" dirty="0"/>
+              </a:p>
+            </p:txBody>
+          </p:sp>
+        </mc:Choice>
+        <mc:Fallback>
+          <p:sp>
+            <p:nvSpPr>
+              <p:cNvPr id="23" name="TextBox 22">
+                <a:extLst>
+                  <a:ext uri="{FF2B5EF4-FFF2-40B4-BE49-F238E27FC236}">
+                    <a16:creationId xmlns:a16="http://schemas.microsoft.com/office/drawing/2014/main" id="{42D65225-FB8E-46AF-BAF0-6176DC42F40D}"/>
+                  </a:ext>
+                </a:extLst>
+              </p:cNvPr>
+              <p:cNvSpPr txBox="1">
+                <a:spLocks noRot="1" noChangeAspect="1" noMove="1" noResize="1" noEditPoints="1" noAdjustHandles="1" noChangeArrowheads="1" noChangeShapeType="1" noTextEdit="1"/>
+              </p:cNvSpPr>
+              <p:nvPr/>
+            </p:nvSpPr>
+            <p:spPr>
+              <a:xfrm>
+                <a:off x="4156363" y="1133297"/>
+                <a:ext cx="3196244" cy="1723549"/>
+              </a:xfrm>
+              <a:prstGeom prst="rect">
+                <a:avLst/>
+              </a:prstGeom>
+              <a:blipFill>
+                <a:blip r:embed="rId6"/>
+                <a:stretch>
+                  <a:fillRect l="-3802" t="-3860" r="-1141" b="-5614"/>
+                </a:stretch>
+              </a:blipFill>
+              <a:ln>
+                <a:solidFill>
+                  <a:schemeClr val="tx1"/>
+                </a:solidFill>
+              </a:ln>
+            </p:spPr>
+            <p:txBody>
+              <a:bodyPr/>
+              <a:lstStyle/>
+              <a:p>
+                <a:r>
+                  <a:rPr lang="en-US">
+                    <a:noFill/>
+                  </a:rPr>
+                  <a:t> </a:t>
+                </a:r>
+              </a:p>
+            </p:txBody>
+          </p:sp>
+        </mc:Fallback>
+      </mc:AlternateContent>
+      <p:pic>
+        <p:nvPicPr>
+          <p:cNvPr id="4" name="Picture 3" descr="A close up of a mans face&#10;&#10;Description generated with high confidence">
+            <a:extLst>
+              <a:ext uri="{FF2B5EF4-FFF2-40B4-BE49-F238E27FC236}">
+                <a16:creationId xmlns:a16="http://schemas.microsoft.com/office/drawing/2014/main" id="{4C1EFC52-5AF5-46AB-BAA0-258427618765}"/>
+              </a:ext>
+            </a:extLst>
+          </p:cNvPr>
+          <p:cNvPicPr>
+            <a:picLocks noChangeAspect="1"/>
+          </p:cNvPicPr>
+          <p:nvPr/>
+        </p:nvPicPr>
+        <p:blipFill>
+          <a:blip r:embed="rId7">
+            <a:extLst>
+              <a:ext uri="{28A0092B-C50C-407E-A947-70E740481C1C}">
+                <a14:useLocalDpi xmlns:a14="http://schemas.microsoft.com/office/drawing/2010/main" val="0"/>
+              </a:ext>
+            </a:extLst>
+          </a:blip>
+          <a:stretch>
+            <a:fillRect/>
+          </a:stretch>
+        </p:blipFill>
+        <p:spPr>
+          <a:xfrm>
+            <a:off x="7767697" y="664414"/>
+            <a:ext cx="3662301" cy="2746726"/>
+          </a:xfrm>
+          <a:prstGeom prst="rect">
+            <a:avLst/>
+          </a:prstGeom>
+          <a:ln>
+            <a:solidFill>
+              <a:schemeClr val="tx1"/>
+            </a:solidFill>
+          </a:ln>
+        </p:spPr>
+      </p:pic>
+      <p:sp>
+        <p:nvSpPr>
+          <p:cNvPr id="9" name="Title 1">
+            <a:extLst>
+              <a:ext uri="{FF2B5EF4-FFF2-40B4-BE49-F238E27FC236}">
+                <a16:creationId xmlns:a16="http://schemas.microsoft.com/office/drawing/2014/main" id="{9BAC5EC2-8A31-4C65-8838-46E2B5E51071}"/>
+              </a:ext>
+            </a:extLst>
+          </p:cNvPr>
+          <p:cNvSpPr txBox="1">
+            <a:spLocks/>
+          </p:cNvSpPr>
+          <p:nvPr/>
+        </p:nvSpPr>
+        <p:spPr>
+          <a:xfrm>
+            <a:off x="838199" y="3801397"/>
+            <a:ext cx="3318164" cy="740468"/>
+          </a:xfrm>
+          <a:prstGeom prst="rect">
+            <a:avLst/>
+          </a:prstGeom>
+        </p:spPr>
+        <p:txBody>
+          <a:bodyPr vert="horz" lIns="91440" tIns="45720" rIns="91440" bIns="45720" rtlCol="0" anchor="ctr">
+            <a:normAutofit/>
+          </a:bodyPr>
+          <a:lstStyle>
+            <a:lvl1pPr algn="l" defTabSz="914400" rtl="0" eaLnBrk="1" latinLnBrk="0" hangingPunct="1">
+              <a:lnSpc>
+                <a:spcPct val="90000"/>
+              </a:lnSpc>
+              <a:spcBef>
+                <a:spcPct val="0"/>
+              </a:spcBef>
+              <a:buNone/>
+              <a:defRPr sz="4400" kern="1200">
+                <a:solidFill>
+                  <a:schemeClr val="tx1"/>
+                </a:solidFill>
+                <a:latin typeface="+mj-lt"/>
+                <a:ea typeface="+mj-ea"/>
+                <a:cs typeface="+mj-cs"/>
+              </a:defRPr>
+            </a:lvl1pPr>
+          </a:lstStyle>
+          <a:p>
+            <a:r>
+              <a:rPr lang="en-US" dirty="0"/>
+              <a:t>Cheater only </a:t>
+            </a:r>
+          </a:p>
+        </p:txBody>
+      </p:sp>
+      <mc:AlternateContent xmlns:mc="http://schemas.openxmlformats.org/markup-compatibility/2006">
+        <mc:Choice xmlns:a14="http://schemas.microsoft.com/office/drawing/2010/main" Requires="a14">
+          <p:sp>
+            <p:nvSpPr>
+              <p:cNvPr id="13" name="TextBox 12">
+                <a:extLst>
+                  <a:ext uri="{FF2B5EF4-FFF2-40B4-BE49-F238E27FC236}">
+                    <a16:creationId xmlns:a16="http://schemas.microsoft.com/office/drawing/2014/main" id="{55C5352A-2979-4CA1-95A9-B215F82D898A}"/>
+                  </a:ext>
+                </a:extLst>
+              </p:cNvPr>
+              <p:cNvSpPr txBox="1"/>
+              <p:nvPr/>
+            </p:nvSpPr>
+            <p:spPr>
+              <a:xfrm>
+                <a:off x="858739" y="4496924"/>
+                <a:ext cx="2801601" cy="276999"/>
+              </a:xfrm>
+              <a:prstGeom prst="rect">
+                <a:avLst/>
+              </a:prstGeom>
+              <a:noFill/>
+            </p:spPr>
+            <p:txBody>
+              <a:bodyPr wrap="none" lIns="0" tIns="0" rIns="0" bIns="0" rtlCol="0" anchor="b">
+                <a:spAutoFit/>
+              </a:bodyPr>
+              <a:lstStyle/>
+              <a:p>
+                <a:pPr/>
+                <a14:m>
+                  <m:oMathPara xmlns:m="http://schemas.openxmlformats.org/officeDocument/2006/math">
+                    <m:oMathParaPr>
+                      <m:jc m:val="centerGroup"/>
+                    </m:oMathParaPr>
+                    <m:oMath xmlns:m="http://schemas.openxmlformats.org/officeDocument/2006/math">
+                      <m:acc>
+                        <m:accPr>
+                          <m:chr m:val="̇"/>
+                          <m:ctrlPr>
+                            <a:rPr lang="en-US" b="0" i="1" smtClean="0">
+                              <a:solidFill>
+                                <a:srgbClr val="7030A0"/>
+                              </a:solidFill>
+                              <a:latin typeface="Cambria Math" panose="02040503050406030204" pitchFamily="18" charset="0"/>
+                            </a:rPr>
+                          </m:ctrlPr>
+                        </m:accPr>
+                        <m:e>
+                          <m:r>
+                            <a:rPr lang="en-US" b="0" i="1" smtClean="0">
+                              <a:solidFill>
+                                <a:srgbClr val="7030A0"/>
+                              </a:solidFill>
+                              <a:latin typeface="Cambria Math" panose="02040503050406030204" pitchFamily="18" charset="0"/>
+                            </a:rPr>
+                            <m:t>𝑠</m:t>
+                          </m:r>
+                        </m:e>
+                      </m:acc>
+                      <m:r>
+                        <a:rPr lang="en-US" b="0" i="1" smtClean="0">
+                          <a:latin typeface="Cambria Math" panose="02040503050406030204" pitchFamily="18" charset="0"/>
+                        </a:rPr>
+                        <m:t>=</m:t>
+                      </m:r>
+                      <m:r>
+                        <a:rPr lang="en-US" b="0" i="1" smtClean="0">
+                          <a:solidFill>
+                            <a:schemeClr val="tx1"/>
+                          </a:solidFill>
+                          <a:latin typeface="Cambria Math" panose="02040503050406030204" pitchFamily="18" charset="0"/>
+                        </a:rPr>
+                        <m:t>𝑑</m:t>
+                      </m:r>
+                      <m:d>
+                        <m:dPr>
+                          <m:ctrlPr>
+                            <a:rPr lang="en-US" b="0" i="1" smtClean="0">
+                              <a:solidFill>
+                                <a:schemeClr val="tx1"/>
+                              </a:solidFill>
+                              <a:latin typeface="Cambria Math" panose="02040503050406030204" pitchFamily="18" charset="0"/>
+                            </a:rPr>
+                          </m:ctrlPr>
+                        </m:dPr>
+                        <m:e>
+                          <m:sSup>
+                            <m:sSupPr>
+                              <m:ctrlPr>
+                                <a:rPr lang="en-US" b="0" i="1" smtClean="0">
+                                  <a:solidFill>
+                                    <a:schemeClr val="tx1"/>
+                                  </a:solidFill>
+                                  <a:latin typeface="Cambria Math" panose="02040503050406030204" pitchFamily="18" charset="0"/>
+                                </a:rPr>
+                              </m:ctrlPr>
+                            </m:sSupPr>
+                            <m:e>
+                              <m:r>
+                                <a:rPr lang="en-US" b="0" i="1" smtClean="0">
+                                  <a:solidFill>
+                                    <a:schemeClr val="tx1"/>
+                                  </a:solidFill>
+                                  <a:latin typeface="Cambria Math" panose="02040503050406030204" pitchFamily="18" charset="0"/>
+                                </a:rPr>
+                                <m:t>𝑠</m:t>
+                              </m:r>
+                            </m:e>
+                            <m:sup>
+                              <m:r>
+                                <a:rPr lang="en-US" b="0" i="1" smtClean="0">
+                                  <a:solidFill>
+                                    <a:schemeClr val="tx1"/>
+                                  </a:solidFill>
+                                  <a:latin typeface="Cambria Math" panose="02040503050406030204" pitchFamily="18" charset="0"/>
+                                </a:rPr>
+                                <m:t>0</m:t>
+                              </m:r>
+                            </m:sup>
+                          </m:sSup>
+                          <m:r>
+                            <a:rPr lang="en-US" b="0" i="1" smtClean="0">
+                              <a:solidFill>
+                                <a:schemeClr val="tx1"/>
+                              </a:solidFill>
+                              <a:latin typeface="Cambria Math" panose="02040503050406030204" pitchFamily="18" charset="0"/>
+                            </a:rPr>
+                            <m:t>−</m:t>
+                          </m:r>
+                          <m:r>
+                            <a:rPr lang="en-US" b="0" i="1" smtClean="0">
+                              <a:solidFill>
+                                <a:schemeClr val="tx1"/>
+                              </a:solidFill>
+                              <a:latin typeface="Cambria Math" panose="02040503050406030204" pitchFamily="18" charset="0"/>
+                            </a:rPr>
+                            <m:t>𝑠</m:t>
+                          </m:r>
+                        </m:e>
+                      </m:d>
+                      <m:r>
+                        <a:rPr lang="en-US" b="0" i="1" smtClean="0">
+                          <a:solidFill>
+                            <a:schemeClr val="tx1"/>
+                          </a:solidFill>
+                          <a:latin typeface="Cambria Math" panose="02040503050406030204" pitchFamily="18" charset="0"/>
+                        </a:rPr>
+                        <m:t>−</m:t>
+                      </m:r>
+                      <m:d>
+                        <m:dPr>
+                          <m:ctrlPr>
+                            <a:rPr lang="en-US" b="0" i="1" smtClean="0">
+                              <a:solidFill>
+                                <a:schemeClr val="tx1"/>
+                              </a:solidFill>
+                              <a:latin typeface="Cambria Math" panose="02040503050406030204" pitchFamily="18" charset="0"/>
+                            </a:rPr>
+                          </m:ctrlPr>
+                        </m:dPr>
+                        <m:e>
+                          <m:sSub>
+                            <m:sSubPr>
+                              <m:ctrlPr>
+                                <a:rPr lang="en-US" b="0" i="1" smtClean="0">
+                                  <a:solidFill>
+                                    <a:schemeClr val="tx1"/>
+                                  </a:solidFill>
+                                  <a:latin typeface="Cambria Math" panose="02040503050406030204" pitchFamily="18" charset="0"/>
+                                </a:rPr>
+                              </m:ctrlPr>
+                            </m:sSubPr>
+                            <m:e>
+                              <m:r>
+                                <a:rPr lang="en-US" b="0" i="1" smtClean="0">
+                                  <a:solidFill>
+                                    <a:schemeClr val="tx1"/>
+                                  </a:solidFill>
+                                  <a:latin typeface="Cambria Math" panose="02040503050406030204" pitchFamily="18" charset="0"/>
+                                </a:rPr>
+                                <m:t>𝑥</m:t>
+                              </m:r>
+                            </m:e>
+                            <m:sub>
+                              <m:r>
+                                <a:rPr lang="en-US" b="0" i="1" smtClean="0">
+                                  <a:solidFill>
+                                    <a:schemeClr val="tx1"/>
+                                  </a:solidFill>
+                                  <a:latin typeface="Cambria Math" panose="02040503050406030204" pitchFamily="18" charset="0"/>
+                                </a:rPr>
+                                <m:t>3</m:t>
+                              </m:r>
+                            </m:sub>
+                          </m:sSub>
+                        </m:e>
+                      </m:d>
+                      <m:r>
+                        <a:rPr lang="en-US" b="0" i="1" smtClean="0">
+                          <a:solidFill>
+                            <a:schemeClr val="tx1"/>
+                          </a:solidFill>
+                          <a:latin typeface="Cambria Math" panose="02040503050406030204" pitchFamily="18" charset="0"/>
+                        </a:rPr>
+                        <m:t>𝑓</m:t>
+                      </m:r>
+                      <m:d>
+                        <m:dPr>
+                          <m:ctrlPr>
+                            <a:rPr lang="en-US" b="0" i="1" smtClean="0">
+                              <a:solidFill>
+                                <a:schemeClr val="tx1"/>
+                              </a:solidFill>
+                              <a:latin typeface="Cambria Math" panose="02040503050406030204" pitchFamily="18" charset="0"/>
+                            </a:rPr>
+                          </m:ctrlPr>
+                        </m:dPr>
+                        <m:e>
+                          <m:r>
+                            <a:rPr lang="en-US" b="0" i="1" smtClean="0">
+                              <a:solidFill>
+                                <a:schemeClr val="tx1"/>
+                              </a:solidFill>
+                              <a:latin typeface="Cambria Math" panose="02040503050406030204" pitchFamily="18" charset="0"/>
+                            </a:rPr>
+                            <m:t>𝑠</m:t>
+                          </m:r>
+                          <m:r>
+                            <a:rPr lang="en-US" b="0" i="1" smtClean="0">
+                              <a:solidFill>
+                                <a:schemeClr val="tx1"/>
+                              </a:solidFill>
+                              <a:latin typeface="Cambria Math" panose="02040503050406030204" pitchFamily="18" charset="0"/>
+                            </a:rPr>
+                            <m:t>,</m:t>
+                          </m:r>
+                          <m:r>
+                            <a:rPr lang="en-US" b="0" i="1" smtClean="0">
+                              <a:solidFill>
+                                <a:schemeClr val="tx1"/>
+                              </a:solidFill>
+                              <a:latin typeface="Cambria Math" panose="02040503050406030204" pitchFamily="18" charset="0"/>
+                            </a:rPr>
+                            <m:t>𝑒</m:t>
+                          </m:r>
+                        </m:e>
+                      </m:d>
+                      <m:r>
+                        <a:rPr lang="en-US" b="0" i="1" smtClean="0">
+                          <a:solidFill>
+                            <a:schemeClr val="tx1"/>
+                          </a:solidFill>
+                          <a:latin typeface="Cambria Math" panose="02040503050406030204" pitchFamily="18" charset="0"/>
+                        </a:rPr>
+                        <m:t> </m:t>
+                      </m:r>
+                    </m:oMath>
+                  </m:oMathPara>
+                </a14:m>
+                <a:endParaRPr lang="en-US" dirty="0"/>
+              </a:p>
+            </p:txBody>
+          </p:sp>
+        </mc:Choice>
+        <mc:Fallback>
+          <p:sp>
+            <p:nvSpPr>
+              <p:cNvPr id="13" name="TextBox 12">
+                <a:extLst>
+                  <a:ext uri="{FF2B5EF4-FFF2-40B4-BE49-F238E27FC236}">
+                    <a16:creationId xmlns:a16="http://schemas.microsoft.com/office/drawing/2014/main" id="{55C5352A-2979-4CA1-95A9-B215F82D898A}"/>
+                  </a:ext>
+                </a:extLst>
+              </p:cNvPr>
+              <p:cNvSpPr txBox="1">
+                <a:spLocks noRot="1" noChangeAspect="1" noMove="1" noResize="1" noEditPoints="1" noAdjustHandles="1" noChangeArrowheads="1" noChangeShapeType="1" noTextEdit="1"/>
+              </p:cNvSpPr>
+              <p:nvPr/>
+            </p:nvSpPr>
+            <p:spPr>
+              <a:xfrm>
+                <a:off x="858739" y="4496924"/>
+                <a:ext cx="2801601" cy="276999"/>
+              </a:xfrm>
+              <a:prstGeom prst="rect">
+                <a:avLst/>
+              </a:prstGeom>
+              <a:blipFill>
+                <a:blip r:embed="rId8"/>
+                <a:stretch>
+                  <a:fillRect l="-871" t="-4444" b="-35556"/>
+                </a:stretch>
+              </a:blipFill>
+            </p:spPr>
+            <p:txBody>
+              <a:bodyPr/>
+              <a:lstStyle/>
+              <a:p>
+                <a:r>
+                  <a:rPr lang="en-US">
+                    <a:noFill/>
+                  </a:rPr>
+                  <a:t> </a:t>
+                </a:r>
+              </a:p>
+            </p:txBody>
+          </p:sp>
+        </mc:Fallback>
+      </mc:AlternateContent>
+      <mc:AlternateContent xmlns:mc="http://schemas.openxmlformats.org/markup-compatibility/2006">
+        <mc:Choice xmlns:a14="http://schemas.microsoft.com/office/drawing/2010/main" Requires="a14">
+          <p:sp>
+            <p:nvSpPr>
+              <p:cNvPr id="15" name="TextBox 14">
+                <a:extLst>
+                  <a:ext uri="{FF2B5EF4-FFF2-40B4-BE49-F238E27FC236}">
+                    <a16:creationId xmlns:a16="http://schemas.microsoft.com/office/drawing/2014/main" id="{B2807018-4991-40FB-BA02-3B761AC3B7AB}"/>
+                  </a:ext>
+                </a:extLst>
+              </p:cNvPr>
+              <p:cNvSpPr txBox="1"/>
+              <p:nvPr/>
+            </p:nvSpPr>
+            <p:spPr>
+              <a:xfrm>
+                <a:off x="884880" y="4853867"/>
                 <a:ext cx="1348639" cy="276999"/>
               </a:xfrm>
               <a:prstGeom prst="rect">
@@ -9900,13 +11350,13 @@
             </p:txBody>
           </p:sp>
         </mc:Choice>
-        <mc:Fallback xmlns="">
+        <mc:Fallback>
           <p:sp>
             <p:nvSpPr>
-              <p:cNvPr id="11" name="TextBox 10">
+              <p:cNvPr id="15" name="TextBox 14">
                 <a:extLst>
                   <a:ext uri="{FF2B5EF4-FFF2-40B4-BE49-F238E27FC236}">
-                    <a16:creationId xmlns:a16="http://schemas.microsoft.com/office/drawing/2014/main" id="{8E8C1219-A2D3-4759-9265-AEC9766B74C4}"/>
+                    <a16:creationId xmlns:a16="http://schemas.microsoft.com/office/drawing/2014/main" id="{B2807018-4991-40FB-BA02-3B761AC3B7AB}"/>
                   </a:ext>
                 </a:extLst>
               </p:cNvPr>
@@ -9917,16 +11367,16 @@
             </p:nvSpPr>
             <p:spPr>
               <a:xfrm>
-                <a:off x="864341" y="1841344"/>
+                <a:off x="884880" y="4853867"/>
                 <a:ext cx="1348639" cy="276999"/>
               </a:xfrm>
               <a:prstGeom prst="rect">
                 <a:avLst/>
               </a:prstGeom>
               <a:blipFill>
-                <a:blip r:embed="rId3"/>
+                <a:blip r:embed="rId9"/>
                 <a:stretch>
-                  <a:fillRect l="-4525" t="-2222" r="-1357" b="-8889"/>
+                  <a:fillRect l="-4525" t="-2174" r="-1810" b="-8696"/>
                 </a:stretch>
               </a:blipFill>
             </p:spPr>
@@ -9945,14 +11395,14 @@
           </p:sp>
         </mc:Fallback>
       </mc:AlternateContent>
-      <mc:AlternateContent xmlns:mc="http://schemas.openxmlformats.org/markup-compatibility/2006" xmlns:a14="http://schemas.microsoft.com/office/drawing/2010/main">
-        <mc:Choice Requires="a14">
+      <mc:AlternateContent xmlns:mc="http://schemas.openxmlformats.org/markup-compatibility/2006">
+        <mc:Choice xmlns:a14="http://schemas.microsoft.com/office/drawing/2010/main" Requires="a14">
           <p:sp>
             <p:nvSpPr>
-              <p:cNvPr id="12" name="TextBox 11">
+              <p:cNvPr id="16" name="TextBox 15">
                 <a:extLst>
                   <a:ext uri="{FF2B5EF4-FFF2-40B4-BE49-F238E27FC236}">
-                    <a16:creationId xmlns:a16="http://schemas.microsoft.com/office/drawing/2014/main" id="{2BEEF917-1C8C-4785-A852-0550E293EC8E}"/>
+                    <a16:creationId xmlns:a16="http://schemas.microsoft.com/office/drawing/2014/main" id="{20EEA8C6-00DE-4A7F-AE35-A92773539D2C}"/>
                   </a:ext>
                 </a:extLst>
               </p:cNvPr>
@@ -9961,8 +11411,8 @@
             </p:nvSpPr>
             <p:spPr>
               <a:xfrm>
-                <a:off x="864341" y="2200831"/>
-                <a:ext cx="2107308" cy="276999"/>
+                <a:off x="884880" y="5213354"/>
+                <a:ext cx="1356205" cy="276999"/>
               </a:xfrm>
               <a:prstGeom prst="rect">
                 <a:avLst/>
@@ -10009,124 +11459,6 @@
                         </a:rPr>
                         <m:t>=</m:t>
                       </m:r>
-                      <m:sSub>
-                        <m:sSubPr>
-                          <m:ctrlPr>
-                            <a:rPr lang="en-US" b="0" i="1" smtClean="0">
-                              <a:solidFill>
-                                <a:schemeClr val="tx1"/>
-                              </a:solidFill>
-                              <a:latin typeface="Cambria Math" panose="02040503050406030204" pitchFamily="18" charset="0"/>
-                            </a:rPr>
-                          </m:ctrlPr>
-                        </m:sSubPr>
-                        <m:e>
-                          <m:r>
-                            <a:rPr lang="en-US" b="0" i="1" smtClean="0">
-                              <a:solidFill>
-                                <a:schemeClr val="tx1"/>
-                              </a:solidFill>
-                              <a:latin typeface="Cambria Math" panose="02040503050406030204" pitchFamily="18" charset="0"/>
-                            </a:rPr>
-                            <m:t>𝑞</m:t>
-                          </m:r>
-                        </m:e>
-                        <m:sub>
-                          <m:r>
-                            <a:rPr lang="en-US" b="0" i="1" smtClean="0">
-                              <a:solidFill>
-                                <a:schemeClr val="tx1"/>
-                              </a:solidFill>
-                              <a:latin typeface="Cambria Math" panose="02040503050406030204" pitchFamily="18" charset="0"/>
-                            </a:rPr>
-                            <m:t>2</m:t>
-                          </m:r>
-                        </m:sub>
-                      </m:sSub>
-                      <m:sSub>
-                        <m:sSubPr>
-                          <m:ctrlPr>
-                            <a:rPr lang="en-US" b="0" i="1" smtClean="0">
-                              <a:solidFill>
-                                <a:schemeClr val="tx1"/>
-                              </a:solidFill>
-                              <a:latin typeface="Cambria Math" panose="02040503050406030204" pitchFamily="18" charset="0"/>
-                            </a:rPr>
-                          </m:ctrlPr>
-                        </m:sSubPr>
-                        <m:e>
-                          <m:r>
-                            <a:rPr lang="en-US" b="0" i="1" smtClean="0">
-                              <a:solidFill>
-                                <a:schemeClr val="tx1"/>
-                              </a:solidFill>
-                              <a:latin typeface="Cambria Math" panose="02040503050406030204" pitchFamily="18" charset="0"/>
-                            </a:rPr>
-                            <m:t>𝑥</m:t>
-                          </m:r>
-                        </m:e>
-                        <m:sub>
-                          <m:r>
-                            <a:rPr lang="en-US" b="0" i="1" smtClean="0">
-                              <a:solidFill>
-                                <a:schemeClr val="tx1"/>
-                              </a:solidFill>
-                              <a:latin typeface="Cambria Math" panose="02040503050406030204" pitchFamily="18" charset="0"/>
-                            </a:rPr>
-                            <m:t>2</m:t>
-                          </m:r>
-                        </m:sub>
-                      </m:sSub>
-                      <m:r>
-                        <a:rPr lang="en-US" b="0" i="1" smtClean="0">
-                          <a:solidFill>
-                            <a:schemeClr val="tx1"/>
-                          </a:solidFill>
-                          <a:latin typeface="Cambria Math" panose="02040503050406030204" pitchFamily="18" charset="0"/>
-                        </a:rPr>
-                        <m:t>𝑓</m:t>
-                      </m:r>
-                      <m:d>
-                        <m:dPr>
-                          <m:ctrlPr>
-                            <a:rPr lang="en-US" b="0" i="1" smtClean="0">
-                              <a:solidFill>
-                                <a:schemeClr val="tx1"/>
-                              </a:solidFill>
-                              <a:latin typeface="Cambria Math" panose="02040503050406030204" pitchFamily="18" charset="0"/>
-                            </a:rPr>
-                          </m:ctrlPr>
-                        </m:dPr>
-                        <m:e>
-                          <m:r>
-                            <a:rPr lang="en-US" b="0" i="1" smtClean="0">
-                              <a:solidFill>
-                                <a:schemeClr val="tx1"/>
-                              </a:solidFill>
-                              <a:latin typeface="Cambria Math" panose="02040503050406030204" pitchFamily="18" charset="0"/>
-                            </a:rPr>
-                            <m:t>𝑠</m:t>
-                          </m:r>
-                          <m:r>
-                            <a:rPr lang="en-US" b="0" i="1" smtClean="0">
-                              <a:solidFill>
-                                <a:schemeClr val="tx1"/>
-                              </a:solidFill>
-                              <a:latin typeface="Cambria Math" panose="02040503050406030204" pitchFamily="18" charset="0"/>
-                            </a:rPr>
-                            <m:t>,</m:t>
-                          </m:r>
-                          <m:r>
-                            <a:rPr lang="en-US" b="0" i="1" smtClean="0">
-                              <a:solidFill>
-                                <a:schemeClr val="tx1"/>
-                              </a:solidFill>
-                              <a:latin typeface="Cambria Math" panose="02040503050406030204" pitchFamily="18" charset="0"/>
-                            </a:rPr>
-                            <m:t>𝑒</m:t>
-                          </m:r>
-                        </m:e>
-                      </m:d>
                       <m:r>
                         <a:rPr lang="en-US" b="0" i="1" smtClean="0">
                           <a:solidFill>
@@ -10152,7 +11484,7 @@
                           </a:solidFill>
                           <a:latin typeface="Cambria Math" panose="02040503050406030204" pitchFamily="18" charset="0"/>
                         </a:rPr>
-                        <m:t> </m:t>
+                        <m:t>→0 </m:t>
                       </m:r>
                     </m:oMath>
                   </m:oMathPara>
@@ -10162,13 +11494,13 @@
             </p:txBody>
           </p:sp>
         </mc:Choice>
-        <mc:Fallback xmlns="">
+        <mc:Fallback>
           <p:sp>
             <p:nvSpPr>
-              <p:cNvPr id="12" name="TextBox 11">
+              <p:cNvPr id="16" name="TextBox 15">
                 <a:extLst>
                   <a:ext uri="{FF2B5EF4-FFF2-40B4-BE49-F238E27FC236}">
-                    <a16:creationId xmlns:a16="http://schemas.microsoft.com/office/drawing/2014/main" id="{2BEEF917-1C8C-4785-A852-0550E293EC8E}"/>
+                    <a16:creationId xmlns:a16="http://schemas.microsoft.com/office/drawing/2014/main" id="{20EEA8C6-00DE-4A7F-AE35-A92773539D2C}"/>
                   </a:ext>
                 </a:extLst>
               </p:cNvPr>
@@ -10179,16 +11511,16 @@
             </p:nvSpPr>
             <p:spPr>
               <a:xfrm>
-                <a:off x="864341" y="2200831"/>
-                <a:ext cx="2107308" cy="276999"/>
+                <a:off x="884880" y="5213354"/>
+                <a:ext cx="1356205" cy="276999"/>
               </a:xfrm>
               <a:prstGeom prst="rect">
                 <a:avLst/>
               </a:prstGeom>
               <a:blipFill>
-                <a:blip r:embed="rId4"/>
+                <a:blip r:embed="rId10"/>
                 <a:stretch>
-                  <a:fillRect l="-2029" t="-11111" b="-35556"/>
+                  <a:fillRect l="-3139" t="-10870" b="-8696"/>
                 </a:stretch>
               </a:blipFill>
             </p:spPr>
@@ -10207,14 +11539,14 @@
           </p:sp>
         </mc:Fallback>
       </mc:AlternateContent>
-      <mc:AlternateContent xmlns:mc="http://schemas.openxmlformats.org/markup-compatibility/2006" xmlns:a14="http://schemas.microsoft.com/office/drawing/2010/main">
-        <mc:Choice Requires="a14">
+      <mc:AlternateContent xmlns:mc="http://schemas.openxmlformats.org/markup-compatibility/2006">
+        <mc:Choice xmlns:a14="http://schemas.microsoft.com/office/drawing/2010/main" Requires="a14">
           <p:sp>
             <p:nvSpPr>
-              <p:cNvPr id="14" name="TextBox 13">
+              <p:cNvPr id="17" name="TextBox 16">
                 <a:extLst>
                   <a:ext uri="{FF2B5EF4-FFF2-40B4-BE49-F238E27FC236}">
-                    <a16:creationId xmlns:a16="http://schemas.microsoft.com/office/drawing/2014/main" id="{63585E9D-716E-4C37-8EE8-F90AC8B7D370}"/>
+                    <a16:creationId xmlns:a16="http://schemas.microsoft.com/office/drawing/2014/main" id="{BD0678FB-2669-4065-9E12-30ABD36EB21E}"/>
                   </a:ext>
                 </a:extLst>
               </p:cNvPr>
@@ -10223,8 +11555,8 @@
             </p:nvSpPr>
             <p:spPr>
               <a:xfrm>
-                <a:off x="838200" y="2589229"/>
-                <a:ext cx="2975430" cy="276999"/>
+                <a:off x="838199" y="5545488"/>
+                <a:ext cx="2062295" cy="276999"/>
               </a:xfrm>
               <a:prstGeom prst="rect">
                 <a:avLst/>
@@ -10259,7 +11591,7 @@
                               <m:ctrlPr>
                                 <a:rPr lang="en-US" b="0" i="1" smtClean="0">
                                   <a:solidFill>
-                                    <a:schemeClr val="accent1"/>
+                                    <a:srgbClr val="FF00FF"/>
                                   </a:solidFill>
                                   <a:latin typeface="Cambria Math" panose="02040503050406030204" pitchFamily="18" charset="0"/>
                                 </a:rPr>
@@ -10269,7 +11601,7 @@
                               <m:r>
                                 <a:rPr lang="en-US" b="0" i="1" smtClean="0">
                                   <a:solidFill>
-                                    <a:schemeClr val="accent1"/>
+                                    <a:srgbClr val="FF00FF"/>
                                   </a:solidFill>
                                   <a:latin typeface="Cambria Math" panose="02040503050406030204" pitchFamily="18" charset="0"/>
                                 </a:rPr>
@@ -10280,11 +11612,11 @@
                               <m:r>
                                 <a:rPr lang="en-US" b="0" i="1" smtClean="0">
                                   <a:solidFill>
-                                    <a:schemeClr val="accent1"/>
+                                    <a:srgbClr val="FF00FF"/>
                                   </a:solidFill>
                                   <a:latin typeface="Cambria Math" panose="02040503050406030204" pitchFamily="18" charset="0"/>
                                 </a:rPr>
-                                <m:t>2</m:t>
+                                <m:t>3</m:t>
                               </m:r>
                             </m:sub>
                           </m:sSub>
@@ -10326,7 +11658,7 @@
                               </a:solidFill>
                               <a:latin typeface="Cambria Math" panose="02040503050406030204" pitchFamily="18" charset="0"/>
                             </a:rPr>
-                            <m:t>2</m:t>
+                            <m:t>3</m:t>
                           </m:r>
                         </m:sub>
                       </m:sSub>
@@ -10339,63 +11671,6 @@
                         </a:rPr>
                         <m:t>(</m:t>
                       </m:r>
-                      <m:d>
-                        <m:dPr>
-                          <m:ctrlPr>
-                            <a:rPr lang="en-US" b="0" i="1" smtClean="0">
-                              <a:solidFill>
-                                <a:schemeClr val="tx1"/>
-                              </a:solidFill>
-                              <a:latin typeface="Cambria Math" panose="02040503050406030204" pitchFamily="18" charset="0"/>
-                            </a:rPr>
-                          </m:ctrlPr>
-                        </m:dPr>
-                        <m:e>
-                          <m:r>
-                            <a:rPr lang="en-US" b="0" i="1" smtClean="0">
-                              <a:solidFill>
-                                <a:schemeClr val="tx1"/>
-                              </a:solidFill>
-                              <a:latin typeface="Cambria Math" panose="02040503050406030204" pitchFamily="18" charset="0"/>
-                            </a:rPr>
-                            <m:t>1−</m:t>
-                          </m:r>
-                          <m:sSub>
-                            <m:sSubPr>
-                              <m:ctrlPr>
-                                <a:rPr lang="en-US" b="0" i="1" smtClean="0">
-                                  <a:solidFill>
-                                    <a:schemeClr val="tx1"/>
-                                  </a:solidFill>
-                                  <a:latin typeface="Cambria Math" panose="02040503050406030204" pitchFamily="18" charset="0"/>
-                                </a:rPr>
-                              </m:ctrlPr>
-                            </m:sSubPr>
-                            <m:e>
-                              <m:r>
-                                <a:rPr lang="en-US" b="0" i="1" smtClean="0">
-                                  <a:solidFill>
-                                    <a:schemeClr val="tx1"/>
-                                  </a:solidFill>
-                                  <a:latin typeface="Cambria Math" panose="02040503050406030204" pitchFamily="18" charset="0"/>
-                                </a:rPr>
-                                <m:t>𝑞</m:t>
-                              </m:r>
-                            </m:e>
-                            <m:sub>
-                              <m:r>
-                                <a:rPr lang="en-US" b="0" i="1" smtClean="0">
-                                  <a:solidFill>
-                                    <a:schemeClr val="tx1"/>
-                                  </a:solidFill>
-                                  <a:latin typeface="Cambria Math" panose="02040503050406030204" pitchFamily="18" charset="0"/>
-                                </a:rPr>
-                                <m:t>2</m:t>
-                              </m:r>
-                            </m:sub>
-                          </m:sSub>
-                        </m:e>
-                      </m:d>
                       <m:r>
                         <a:rPr lang="en-US" b="0" i="1" smtClean="0">
                           <a:solidFill>
@@ -10478,13 +11753,13 @@
             </p:txBody>
           </p:sp>
         </mc:Choice>
-        <mc:Fallback xmlns="">
+        <mc:Fallback>
           <p:sp>
             <p:nvSpPr>
-              <p:cNvPr id="14" name="TextBox 13">
+              <p:cNvPr id="17" name="TextBox 16">
                 <a:extLst>
                   <a:ext uri="{FF2B5EF4-FFF2-40B4-BE49-F238E27FC236}">
-                    <a16:creationId xmlns:a16="http://schemas.microsoft.com/office/drawing/2014/main" id="{63585E9D-716E-4C37-8EE8-F90AC8B7D370}"/>
+                    <a16:creationId xmlns:a16="http://schemas.microsoft.com/office/drawing/2014/main" id="{BD0678FB-2669-4065-9E12-30ABD36EB21E}"/>
                   </a:ext>
                 </a:extLst>
               </p:cNvPr>
@@ -10495,16 +11770,16 @@
             </p:nvSpPr>
             <p:spPr>
               <a:xfrm>
-                <a:off x="838200" y="2589229"/>
-                <a:ext cx="2975430" cy="276999"/>
+                <a:off x="838199" y="5545488"/>
+                <a:ext cx="2062295" cy="276999"/>
               </a:xfrm>
               <a:prstGeom prst="rect">
                 <a:avLst/>
               </a:prstGeom>
               <a:blipFill>
-                <a:blip r:embed="rId5"/>
+                <a:blip r:embed="rId11"/>
                 <a:stretch>
-                  <a:fillRect t="-2222" r="-615" b="-35556"/>
+                  <a:fillRect l="-885" t="-2222" r="-3540" b="-35556"/>
                 </a:stretch>
               </a:blipFill>
             </p:spPr>
@@ -10527,10 +11802,10 @@
         <mc:Choice xmlns:a14="http://schemas.microsoft.com/office/drawing/2010/main" Requires="a14">
           <p:sp>
             <p:nvSpPr>
-              <p:cNvPr id="23" name="TextBox 22">
+              <p:cNvPr id="18" name="TextBox 17">
                 <a:extLst>
                   <a:ext uri="{FF2B5EF4-FFF2-40B4-BE49-F238E27FC236}">
-                    <a16:creationId xmlns:a16="http://schemas.microsoft.com/office/drawing/2014/main" id="{42D65225-FB8E-46AF-BAF0-6176DC42F40D}"/>
+                    <a16:creationId xmlns:a16="http://schemas.microsoft.com/office/drawing/2014/main" id="{EC88899C-0A74-4ED0-90B9-FE6E54317330}"/>
                   </a:ext>
                 </a:extLst>
               </p:cNvPr>
@@ -10539,8 +11814,8 @@
             </p:nvSpPr>
             <p:spPr>
               <a:xfrm>
-                <a:off x="897910" y="3595561"/>
-                <a:ext cx="3768357" cy="1938992"/>
+                <a:off x="4115897" y="4496924"/>
+                <a:ext cx="3196244" cy="1754326"/>
               </a:xfrm>
               <a:prstGeom prst="rect">
                 <a:avLst/>
@@ -10562,113 +11837,14 @@
                   <a:rPr lang="en-US" b="0" dirty="0">
                     <a:latin typeface="Cambria Math" panose="02040503050406030204" pitchFamily="18" charset="0"/>
                   </a:rPr>
-                  <a:t> Analysis says,  </a:t>
+                  <a:t> </a:t>
                 </a:r>
-                <a14:m>
-                  <m:oMath xmlns:m="http://schemas.openxmlformats.org/officeDocument/2006/math">
-                    <m:sSub>
-                      <m:sSubPr>
-                        <m:ctrlPr>
-                          <a:rPr lang="en-US" b="0" i="1" smtClean="0">
-                            <a:latin typeface="Cambria Math" panose="02040503050406030204" pitchFamily="18" charset="0"/>
-                          </a:rPr>
-                        </m:ctrlPr>
-                      </m:sSubPr>
-                      <m:e>
-                        <m:r>
-                          <a:rPr lang="en-US" b="0" i="1" smtClean="0">
-                            <a:latin typeface="Cambria Math" panose="02040503050406030204" pitchFamily="18" charset="0"/>
-                          </a:rPr>
-                          <m:t>𝑥</m:t>
-                        </m:r>
-                      </m:e>
-                      <m:sub>
-                        <m:r>
-                          <a:rPr lang="en-US" b="0" i="1" smtClean="0">
-                            <a:latin typeface="Cambria Math" panose="02040503050406030204" pitchFamily="18" charset="0"/>
-                          </a:rPr>
-                          <m:t>2</m:t>
-                        </m:r>
-                      </m:sub>
-                    </m:sSub>
-                    <m:r>
-                      <a:rPr lang="en-US" b="0" i="1" smtClean="0">
-                        <a:latin typeface="Cambria Math" panose="02040503050406030204" pitchFamily="18" charset="0"/>
-                      </a:rPr>
-                      <m:t>&gt;0, </m:t>
-                    </m:r>
-                    <m:sSub>
-                      <m:sSubPr>
-                        <m:ctrlPr>
-                          <a:rPr lang="en-US" b="0" i="1" smtClean="0">
-                            <a:latin typeface="Cambria Math" panose="02040503050406030204" pitchFamily="18" charset="0"/>
-                          </a:rPr>
-                        </m:ctrlPr>
-                      </m:sSubPr>
-                      <m:e>
-                        <m:r>
-                          <a:rPr lang="en-US" b="0" i="1" smtClean="0">
-                            <a:latin typeface="Cambria Math" panose="02040503050406030204" pitchFamily="18" charset="0"/>
-                          </a:rPr>
-                          <m:t>𝑥</m:t>
-                        </m:r>
-                      </m:e>
-                      <m:sub>
-                        <m:r>
-                          <a:rPr lang="en-US" b="0" i="1" smtClean="0">
-                            <a:latin typeface="Cambria Math" panose="02040503050406030204" pitchFamily="18" charset="0"/>
-                          </a:rPr>
-                          <m:t>1</m:t>
-                        </m:r>
-                      </m:sub>
-                    </m:sSub>
-                    <m:r>
-                      <a:rPr lang="en-US" b="0" i="1" smtClean="0">
-                        <a:latin typeface="Cambria Math" panose="02040503050406030204" pitchFamily="18" charset="0"/>
-                      </a:rPr>
-                      <m:t>=</m:t>
-                    </m:r>
-                    <m:sSub>
-                      <m:sSubPr>
-                        <m:ctrlPr>
-                          <a:rPr lang="en-US" b="0" i="1" smtClean="0">
-                            <a:latin typeface="Cambria Math" panose="02040503050406030204" pitchFamily="18" charset="0"/>
-                          </a:rPr>
-                        </m:ctrlPr>
-                      </m:sSubPr>
-                      <m:e>
-                        <m:r>
-                          <a:rPr lang="en-US" b="0" i="1" smtClean="0">
-                            <a:latin typeface="Cambria Math" panose="02040503050406030204" pitchFamily="18" charset="0"/>
-                          </a:rPr>
-                          <m:t>𝑥</m:t>
-                        </m:r>
-                      </m:e>
-                      <m:sub>
-                        <m:r>
-                          <a:rPr lang="en-US" b="0" i="1" smtClean="0">
-                            <a:latin typeface="Cambria Math" panose="02040503050406030204" pitchFamily="18" charset="0"/>
-                          </a:rPr>
-                          <m:t>3</m:t>
-                        </m:r>
-                      </m:sub>
-                    </m:sSub>
-                    <m:r>
-                      <a:rPr lang="en-US" b="0" i="1" smtClean="0">
-                        <a:latin typeface="Cambria Math" panose="02040503050406030204" pitchFamily="18" charset="0"/>
-                      </a:rPr>
-                      <m:t>=0:</m:t>
-                    </m:r>
-                  </m:oMath>
-                </a14:m>
-                <a:br>
-                  <a:rPr lang="en-US" b="0" i="1" dirty="0">
+                <a:r>
+                  <a:rPr lang="en-US" sz="1600" b="0" dirty="0">
                     <a:latin typeface="Cambria Math" panose="02040503050406030204" pitchFamily="18" charset="0"/>
                   </a:rPr>
-                </a:br>
-                <a:endParaRPr lang="en-US" b="0" i="1" dirty="0">
-                  <a:latin typeface="Cambria Math" panose="02040503050406030204" pitchFamily="18" charset="0"/>
-                </a:endParaRPr>
+                  <a:t>Analysis says, for </a:t>
+                </a:r>
               </a:p>
               <a:p>
                 <a14:m>
@@ -10680,14 +11856,14 @@
                       <m:sSub>
                         <m:sSubPr>
                           <m:ctrlPr>
-                            <a:rPr lang="en-US" b="0" i="1" smtClean="0">
+                            <a:rPr lang="en-US" sz="1600" b="0" i="1" smtClean="0">
                               <a:latin typeface="Cambria Math" panose="02040503050406030204" pitchFamily="18" charset="0"/>
                             </a:rPr>
                           </m:ctrlPr>
                         </m:sSubPr>
                         <m:e>
                           <m:r>
-                            <a:rPr lang="en-US" b="0" i="1" smtClean="0">
+                            <a:rPr lang="en-US" sz="1600" b="0" i="1" smtClean="0">
                               <a:latin typeface="Cambria Math" panose="02040503050406030204" pitchFamily="18" charset="0"/>
                             </a:rPr>
                             <m:t>𝑥</m:t>
@@ -10695,27 +11871,146 @@
                         </m:e>
                         <m:sub>
                           <m:r>
-                            <a:rPr lang="en-US" b="0" i="1" smtClean="0">
-                              <a:latin typeface="Cambria Math" panose="02040503050406030204" pitchFamily="18" charset="0"/>
-                            </a:rPr>
-                            <m:t>1</m:t>
+                            <a:rPr lang="en-US" sz="1600" b="0" i="1" smtClean="0">
+                              <a:latin typeface="Cambria Math" panose="02040503050406030204" pitchFamily="18" charset="0"/>
+                            </a:rPr>
+                            <m:t>3</m:t>
                           </m:r>
                         </m:sub>
                       </m:sSub>
                       <m:r>
-                        <a:rPr lang="en-US" b="0" i="1" smtClean="0">
+                        <a:rPr lang="en-US" sz="1600" b="0" i="1" smtClean="0">
+                          <a:latin typeface="Cambria Math" panose="02040503050406030204" pitchFamily="18" charset="0"/>
+                        </a:rPr>
+                        <m:t>&gt;0, </m:t>
+                      </m:r>
+                      <m:sSub>
+                        <m:sSubPr>
+                          <m:ctrlPr>
+                            <a:rPr lang="en-US" sz="1600" b="0" i="1" smtClean="0">
+                              <a:latin typeface="Cambria Math" panose="02040503050406030204" pitchFamily="18" charset="0"/>
+                            </a:rPr>
+                          </m:ctrlPr>
+                        </m:sSubPr>
+                        <m:e>
+                          <m:r>
+                            <a:rPr lang="en-US" sz="1600" b="0" i="1" smtClean="0">
+                              <a:latin typeface="Cambria Math" panose="02040503050406030204" pitchFamily="18" charset="0"/>
+                            </a:rPr>
+                            <m:t>𝑥</m:t>
+                          </m:r>
+                        </m:e>
+                        <m:sub>
+                          <m:r>
+                            <a:rPr lang="en-US" sz="1600" b="0" i="1" smtClean="0">
+                              <a:latin typeface="Cambria Math" panose="02040503050406030204" pitchFamily="18" charset="0"/>
+                            </a:rPr>
+                            <m:t>1</m:t>
+                          </m:r>
+                        </m:sub>
+                      </m:sSub>
+                      <m:r>
+                        <a:rPr lang="en-US" sz="1600" b="0" i="1" smtClean="0">
+                          <a:latin typeface="Cambria Math" panose="02040503050406030204" pitchFamily="18" charset="0"/>
+                        </a:rPr>
+                        <m:t>=</m:t>
+                      </m:r>
+                      <m:sSub>
+                        <m:sSubPr>
+                          <m:ctrlPr>
+                            <a:rPr lang="en-US" sz="1600" b="0" i="1" smtClean="0">
+                              <a:latin typeface="Cambria Math" panose="02040503050406030204" pitchFamily="18" charset="0"/>
+                            </a:rPr>
+                          </m:ctrlPr>
+                        </m:sSubPr>
+                        <m:e>
+                          <m:r>
+                            <a:rPr lang="en-US" sz="1600" b="0" i="1" smtClean="0">
+                              <a:latin typeface="Cambria Math" panose="02040503050406030204" pitchFamily="18" charset="0"/>
+                            </a:rPr>
+                            <m:t>𝑥</m:t>
+                          </m:r>
+                        </m:e>
+                        <m:sub>
+                          <m:r>
+                            <a:rPr lang="en-US" sz="1600" b="0" i="1" smtClean="0">
+                              <a:latin typeface="Cambria Math" panose="02040503050406030204" pitchFamily="18" charset="0"/>
+                            </a:rPr>
+                            <m:t>2</m:t>
+                          </m:r>
+                        </m:sub>
+                      </m:sSub>
+                      <m:r>
+                        <a:rPr lang="en-US" sz="1600" b="0" i="1" smtClean="0">
+                          <a:latin typeface="Cambria Math" panose="02040503050406030204" pitchFamily="18" charset="0"/>
+                        </a:rPr>
+                        <m:t>=0:</m:t>
+                      </m:r>
+                    </m:oMath>
+                  </m:oMathPara>
+                </a14:m>
+                <a:br>
+                  <a:rPr lang="en-US" sz="1600" b="0" i="1" dirty="0">
+                    <a:latin typeface="Cambria Math" panose="02040503050406030204" pitchFamily="18" charset="0"/>
+                  </a:rPr>
+                </a:br>
+                <a:endParaRPr lang="en-US" sz="1600" b="0" i="1" dirty="0">
+                  <a:latin typeface="Cambria Math" panose="02040503050406030204" pitchFamily="18" charset="0"/>
+                </a:endParaRPr>
+              </a:p>
+              <a:p>
+                <a:pPr/>
+                <a:endParaRPr lang="en-US" sz="1600" b="0" i="1" dirty="0">
+                  <a:latin typeface="Cambria Math" panose="02040503050406030204" pitchFamily="18" charset="0"/>
+                </a:endParaRPr>
+              </a:p>
+              <a:p>
+                <a:pPr/>
+                <a14:m>
+                  <m:oMathPara xmlns:m="http://schemas.openxmlformats.org/officeDocument/2006/math">
+                    <m:oMathParaPr>
+                      <m:jc m:val="centerGroup"/>
+                    </m:oMathParaPr>
+                    <m:oMath xmlns:m="http://schemas.openxmlformats.org/officeDocument/2006/math">
+                      <m:sSub>
+                        <m:sSubPr>
+                          <m:ctrlPr>
+                            <a:rPr lang="en-US" sz="1600" b="0" i="1" smtClean="0">
+                              <a:latin typeface="Cambria Math" panose="02040503050406030204" pitchFamily="18" charset="0"/>
+                            </a:rPr>
+                          </m:ctrlPr>
+                        </m:sSubPr>
+                        <m:e>
+                          <m:r>
+                            <a:rPr lang="en-US" sz="1600" b="0" i="1" smtClean="0">
+                              <a:latin typeface="Cambria Math" panose="02040503050406030204" pitchFamily="18" charset="0"/>
+                            </a:rPr>
+                            <m:t>𝑥</m:t>
+                          </m:r>
+                        </m:e>
+                        <m:sub>
+                          <m:r>
+                            <a:rPr lang="en-US" sz="1600" b="0" i="1" smtClean="0">
+                              <a:latin typeface="Cambria Math" panose="02040503050406030204" pitchFamily="18" charset="0"/>
+                            </a:rPr>
+                            <m:t>1</m:t>
+                          </m:r>
+                        </m:sub>
+                      </m:sSub>
+                      <m:r>
+                        <a:rPr lang="en-US" sz="1600" b="0" i="1" smtClean="0">
                           <a:latin typeface="Cambria Math" panose="02040503050406030204" pitchFamily="18" charset="0"/>
                         </a:rPr>
                         <m:t>=0⇒</m:t>
                       </m:r>
                       <m:r>
-                        <a:rPr lang="en-US" b="0" i="1" smtClean="0">
+                        <a:rPr lang="en-US" sz="1600" b="0" i="1" smtClean="0">
                           <a:latin typeface="Cambria Math" panose="02040503050406030204" pitchFamily="18" charset="0"/>
                         </a:rPr>
                         <m:t>𝑒</m:t>
                       </m:r>
                       <m:r>
-                        <a:rPr lang="en-US" b="0" i="1" smtClean="0">
+                        <a:rPr lang="en-US" sz="1600" b="0" i="1" smtClean="0">
                           <a:latin typeface="Cambria Math" panose="02040503050406030204" pitchFamily="18" charset="0"/>
                         </a:rPr>
                         <m:t>=0</m:t>
@@ -10723,13 +12018,13 @@
                     </m:oMath>
                     <m:oMath xmlns:m="http://schemas.openxmlformats.org/officeDocument/2006/math">
                       <m:r>
-                        <a:rPr lang="en-US" b="0" i="1" smtClean="0">
+                        <a:rPr lang="en-US" sz="1600" b="0" i="1" smtClean="0">
                           <a:latin typeface="Cambria Math" panose="02040503050406030204" pitchFamily="18" charset="0"/>
                         </a:rPr>
                         <m:t>𝑒</m:t>
                       </m:r>
                       <m:r>
-                        <a:rPr lang="en-US" b="0" i="1" smtClean="0">
+                        <a:rPr lang="en-US" sz="1600" b="0" i="1" smtClean="0">
                           <a:latin typeface="Cambria Math" panose="02040503050406030204" pitchFamily="18" charset="0"/>
                         </a:rPr>
                         <m:t>=0⇒</m:t>
@@ -10737,14 +12032,14 @@
                       <m:sSub>
                         <m:sSubPr>
                           <m:ctrlPr>
-                            <a:rPr lang="en-US" b="0" i="1" smtClean="0">
+                            <a:rPr lang="en-US" sz="1600" b="0" i="1" smtClean="0">
                               <a:latin typeface="Cambria Math" panose="02040503050406030204" pitchFamily="18" charset="0"/>
                             </a:rPr>
                           </m:ctrlPr>
                         </m:sSubPr>
                         <m:e>
                           <m:r>
-                            <a:rPr lang="en-US" b="0" i="1" smtClean="0">
+                            <a:rPr lang="en-US" sz="1600" b="0" i="1" smtClean="0">
                               <a:latin typeface="Cambria Math" panose="02040503050406030204" pitchFamily="18" charset="0"/>
                             </a:rPr>
                             <m:t>𝑥</m:t>
@@ -10752,7 +12047,7 @@
                         </m:e>
                         <m:sub>
                           <m:r>
-                            <a:rPr lang="en-US" b="0" i="1" smtClean="0">
+                            <a:rPr lang="en-US" sz="1600" b="0" i="1" smtClean="0">
                               <a:latin typeface="Cambria Math" panose="02040503050406030204" pitchFamily="18" charset="0"/>
                             </a:rPr>
                             <m:t>2</m:t>
@@ -10760,7 +12055,7 @@
                         </m:sub>
                       </m:sSub>
                       <m:r>
-                        <a:rPr lang="en-US" b="0" i="1" smtClean="0">
+                        <a:rPr lang="en-US" sz="1600" b="0" i="1" smtClean="0">
                           <a:latin typeface="Cambria Math" panose="02040503050406030204" pitchFamily="18" charset="0"/>
                         </a:rPr>
                         <m:t>=0</m:t>
@@ -10768,23 +12063,14 @@
                     </m:oMath>
                   </m:oMathPara>
                 </a14:m>
-                <a:endParaRPr lang="en-US" b="0" dirty="0"/>
-              </a:p>
-              <a:p>
-                <a:endParaRPr lang="en-US" dirty="0"/>
+                <a:endParaRPr lang="en-US" sz="1600" dirty="0"/>
               </a:p>
               <a:p>
                 <a:r>
-                  <a:rPr lang="en-US" b="0" dirty="0"/>
-                  <a:t> Contradiction. </a:t>
+                  <a:rPr lang="en-US" sz="1600" b="0" dirty="0"/>
+                  <a:t> Contradiction. Thus a tragedy should occur.</a:t>
                 </a:r>
-              </a:p>
-              <a:p>
-                <a:r>
-                  <a:rPr lang="en-US" b="0" dirty="0"/>
-                  <a:t> Thus a tragedy should occur.</a:t>
-                </a:r>
-                <a:endParaRPr lang="en-US" dirty="0"/>
+                <a:endParaRPr lang="en-US" sz="1600" dirty="0"/>
               </a:p>
             </p:txBody>
           </p:sp>
@@ -10792,10 +12078,10 @@
         <mc:Fallback>
           <p:sp>
             <p:nvSpPr>
-              <p:cNvPr id="23" name="TextBox 22">
+              <p:cNvPr id="18" name="TextBox 17">
                 <a:extLst>
                   <a:ext uri="{FF2B5EF4-FFF2-40B4-BE49-F238E27FC236}">
-                    <a16:creationId xmlns:a16="http://schemas.microsoft.com/office/drawing/2014/main" id="{42D65225-FB8E-46AF-BAF0-6176DC42F40D}"/>
+                    <a16:creationId xmlns:a16="http://schemas.microsoft.com/office/drawing/2014/main" id="{EC88899C-0A74-4ED0-90B9-FE6E54317330}"/>
                   </a:ext>
                 </a:extLst>
               </p:cNvPr>
@@ -10806,16 +12092,16 @@
             </p:nvSpPr>
             <p:spPr>
               <a:xfrm>
-                <a:off x="897910" y="3595561"/>
-                <a:ext cx="3768357" cy="1938992"/>
+                <a:off x="4115897" y="4496924"/>
+                <a:ext cx="3196244" cy="1754326"/>
               </a:xfrm>
               <a:prstGeom prst="rect">
                 <a:avLst/>
               </a:prstGeom>
               <a:blipFill>
-                <a:blip r:embed="rId6"/>
+                <a:blip r:embed="rId12"/>
                 <a:stretch>
-                  <a:fillRect l="-2258" t="-4063" b="-5938"/>
+                  <a:fillRect l="-3612" t="-2422" r="-1331" b="-5882"/>
                 </a:stretch>
               </a:blipFill>
               <a:ln>
@@ -10841,10 +12127,10 @@
       </mc:AlternateContent>
       <p:pic>
         <p:nvPicPr>
-          <p:cNvPr id="4" name="Picture 3" descr="A close up of a mans face&#10;&#10;Description generated with high confidence">
+          <p:cNvPr id="19" name="Picture 18" descr="A close up of a mans face&#10;&#10;Description generated with high confidence">
             <a:extLst>
               <a:ext uri="{FF2B5EF4-FFF2-40B4-BE49-F238E27FC236}">
-                <a16:creationId xmlns:a16="http://schemas.microsoft.com/office/drawing/2014/main" id="{4C1EFC52-5AF5-46AB-BAA0-258427618765}"/>
+                <a16:creationId xmlns:a16="http://schemas.microsoft.com/office/drawing/2014/main" id="{745C5CE8-7DC0-4BF0-BD6C-AF7A357AAD2B}"/>
               </a:ext>
             </a:extLst>
           </p:cNvPr>
@@ -10854,7 +12140,7 @@
           <p:nvPr/>
         </p:nvPicPr>
         <p:blipFill>
-          <a:blip r:embed="rId7">
+          <a:blip r:embed="rId13">
             <a:extLst>
               <a:ext uri="{28A0092B-C50C-407E-A947-70E740481C1C}">
                 <a14:useLocalDpi xmlns:a14="http://schemas.microsoft.com/office/drawing/2010/main" val="0"/>
@@ -10867,8 +12153,8 @@
         </p:blipFill>
         <p:spPr>
           <a:xfrm>
-            <a:off x="5257800" y="962553"/>
-            <a:ext cx="6096000" cy="4572000"/>
+            <a:off x="7767698" y="3803719"/>
+            <a:ext cx="3662301" cy="2746726"/>
           </a:xfrm>
           <a:prstGeom prst="rect">
             <a:avLst/>
@@ -10933,1281 +12219,6 @@
           <a:p>
             <a:r>
               <a:rPr lang="en-US" dirty="0"/>
-              <a:t>Cheater only </a:t>
-            </a:r>
-          </a:p>
-        </p:txBody>
-      </p:sp>
-      <mc:AlternateContent xmlns:mc="http://schemas.openxmlformats.org/markup-compatibility/2006">
-        <mc:Choice xmlns:a14="http://schemas.microsoft.com/office/drawing/2010/main" Requires="a14">
-          <p:sp>
-            <p:nvSpPr>
-              <p:cNvPr id="23" name="TextBox 22">
-                <a:extLst>
-                  <a:ext uri="{FF2B5EF4-FFF2-40B4-BE49-F238E27FC236}">
-                    <a16:creationId xmlns:a16="http://schemas.microsoft.com/office/drawing/2014/main" id="{42D65225-FB8E-46AF-BAF0-6176DC42F40D}"/>
-                  </a:ext>
-                </a:extLst>
-              </p:cNvPr>
-              <p:cNvSpPr txBox="1"/>
-              <p:nvPr/>
-            </p:nvSpPr>
-            <p:spPr>
-              <a:xfrm>
-                <a:off x="897911" y="3595561"/>
-                <a:ext cx="3711796" cy="1938992"/>
-              </a:xfrm>
-              <a:prstGeom prst="rect">
-                <a:avLst/>
-              </a:prstGeom>
-              <a:noFill/>
-              <a:ln>
-                <a:solidFill>
-                  <a:schemeClr val="tx1"/>
-                </a:solidFill>
-              </a:ln>
-            </p:spPr>
-            <p:txBody>
-              <a:bodyPr wrap="square" lIns="0" tIns="0" rIns="0" bIns="0" rtlCol="0">
-                <a:spAutoFit/>
-              </a:bodyPr>
-              <a:lstStyle/>
-              <a:p>
-                <a:r>
-                  <a:rPr lang="en-US" b="0" dirty="0">
-                    <a:latin typeface="Cambria Math" panose="02040503050406030204" pitchFamily="18" charset="0"/>
-                  </a:rPr>
-                  <a:t> Analysis says, </a:t>
-                </a:r>
-                <a14:m>
-                  <m:oMath xmlns:m="http://schemas.openxmlformats.org/officeDocument/2006/math">
-                    <m:sSub>
-                      <m:sSubPr>
-                        <m:ctrlPr>
-                          <a:rPr lang="en-US" b="0" i="1" smtClean="0">
-                            <a:latin typeface="Cambria Math" panose="02040503050406030204" pitchFamily="18" charset="0"/>
-                          </a:rPr>
-                        </m:ctrlPr>
-                      </m:sSubPr>
-                      <m:e>
-                        <m:r>
-                          <a:rPr lang="en-US" b="0" i="1" smtClean="0">
-                            <a:latin typeface="Cambria Math" panose="02040503050406030204" pitchFamily="18" charset="0"/>
-                          </a:rPr>
-                          <m:t>𝑥</m:t>
-                        </m:r>
-                      </m:e>
-                      <m:sub>
-                        <m:r>
-                          <a:rPr lang="en-US" b="0" i="1" smtClean="0">
-                            <a:latin typeface="Cambria Math" panose="02040503050406030204" pitchFamily="18" charset="0"/>
-                          </a:rPr>
-                          <m:t>3</m:t>
-                        </m:r>
-                      </m:sub>
-                    </m:sSub>
-                    <m:r>
-                      <a:rPr lang="en-US" b="0" i="1" smtClean="0">
-                        <a:latin typeface="Cambria Math" panose="02040503050406030204" pitchFamily="18" charset="0"/>
-                      </a:rPr>
-                      <m:t>&gt;0, </m:t>
-                    </m:r>
-                    <m:sSub>
-                      <m:sSubPr>
-                        <m:ctrlPr>
-                          <a:rPr lang="en-US" b="0" i="1" smtClean="0">
-                            <a:latin typeface="Cambria Math" panose="02040503050406030204" pitchFamily="18" charset="0"/>
-                          </a:rPr>
-                        </m:ctrlPr>
-                      </m:sSubPr>
-                      <m:e>
-                        <m:r>
-                          <a:rPr lang="en-US" b="0" i="1" smtClean="0">
-                            <a:latin typeface="Cambria Math" panose="02040503050406030204" pitchFamily="18" charset="0"/>
-                          </a:rPr>
-                          <m:t>𝑥</m:t>
-                        </m:r>
-                      </m:e>
-                      <m:sub>
-                        <m:r>
-                          <a:rPr lang="en-US" b="0" i="1" smtClean="0">
-                            <a:latin typeface="Cambria Math" panose="02040503050406030204" pitchFamily="18" charset="0"/>
-                          </a:rPr>
-                          <m:t>1</m:t>
-                        </m:r>
-                      </m:sub>
-                    </m:sSub>
-                    <m:r>
-                      <a:rPr lang="en-US" b="0" i="1" smtClean="0">
-                        <a:latin typeface="Cambria Math" panose="02040503050406030204" pitchFamily="18" charset="0"/>
-                      </a:rPr>
-                      <m:t>=</m:t>
-                    </m:r>
-                    <m:sSub>
-                      <m:sSubPr>
-                        <m:ctrlPr>
-                          <a:rPr lang="en-US" b="0" i="1" smtClean="0">
-                            <a:latin typeface="Cambria Math" panose="02040503050406030204" pitchFamily="18" charset="0"/>
-                          </a:rPr>
-                        </m:ctrlPr>
-                      </m:sSubPr>
-                      <m:e>
-                        <m:r>
-                          <a:rPr lang="en-US" b="0" i="1" smtClean="0">
-                            <a:latin typeface="Cambria Math" panose="02040503050406030204" pitchFamily="18" charset="0"/>
-                          </a:rPr>
-                          <m:t>𝑥</m:t>
-                        </m:r>
-                      </m:e>
-                      <m:sub>
-                        <m:r>
-                          <a:rPr lang="en-US" b="0" i="1" smtClean="0">
-                            <a:latin typeface="Cambria Math" panose="02040503050406030204" pitchFamily="18" charset="0"/>
-                          </a:rPr>
-                          <m:t>2</m:t>
-                        </m:r>
-                      </m:sub>
-                    </m:sSub>
-                    <m:r>
-                      <a:rPr lang="en-US" b="0" i="1" smtClean="0">
-                        <a:latin typeface="Cambria Math" panose="02040503050406030204" pitchFamily="18" charset="0"/>
-                      </a:rPr>
-                      <m:t>=0:</m:t>
-                    </m:r>
-                  </m:oMath>
-                </a14:m>
-                <a:br>
-                  <a:rPr lang="en-US" b="0" i="1" dirty="0">
-                    <a:latin typeface="Cambria Math" panose="02040503050406030204" pitchFamily="18" charset="0"/>
-                  </a:rPr>
-                </a:br>
-                <a:endParaRPr lang="en-US" b="0" i="1" dirty="0">
-                  <a:latin typeface="Cambria Math" panose="02040503050406030204" pitchFamily="18" charset="0"/>
-                </a:endParaRPr>
-              </a:p>
-              <a:p>
-                <a14:m>
-                  <m:oMathPara xmlns:m="http://schemas.openxmlformats.org/officeDocument/2006/math">
-                    <m:oMathParaPr>
-                      <m:jc m:val="centerGroup"/>
-                    </m:oMathParaPr>
-                    <m:oMath xmlns:m="http://schemas.openxmlformats.org/officeDocument/2006/math">
-                      <m:sSub>
-                        <m:sSubPr>
-                          <m:ctrlPr>
-                            <a:rPr lang="en-US" b="0" i="1" smtClean="0">
-                              <a:latin typeface="Cambria Math" panose="02040503050406030204" pitchFamily="18" charset="0"/>
-                            </a:rPr>
-                          </m:ctrlPr>
-                        </m:sSubPr>
-                        <m:e>
-                          <m:r>
-                            <a:rPr lang="en-US" b="0" i="1" smtClean="0">
-                              <a:latin typeface="Cambria Math" panose="02040503050406030204" pitchFamily="18" charset="0"/>
-                            </a:rPr>
-                            <m:t>𝑥</m:t>
-                          </m:r>
-                        </m:e>
-                        <m:sub>
-                          <m:r>
-                            <a:rPr lang="en-US" b="0" i="1" smtClean="0">
-                              <a:latin typeface="Cambria Math" panose="02040503050406030204" pitchFamily="18" charset="0"/>
-                            </a:rPr>
-                            <m:t>1</m:t>
-                          </m:r>
-                        </m:sub>
-                      </m:sSub>
-                      <m:r>
-                        <a:rPr lang="en-US" b="0" i="1" smtClean="0">
-                          <a:latin typeface="Cambria Math" panose="02040503050406030204" pitchFamily="18" charset="0"/>
-                        </a:rPr>
-                        <m:t>=0⇒</m:t>
-                      </m:r>
-                      <m:r>
-                        <a:rPr lang="en-US" b="0" i="1" smtClean="0">
-                          <a:latin typeface="Cambria Math" panose="02040503050406030204" pitchFamily="18" charset="0"/>
-                        </a:rPr>
-                        <m:t>𝑒</m:t>
-                      </m:r>
-                      <m:r>
-                        <a:rPr lang="en-US" b="0" i="1" smtClean="0">
-                          <a:latin typeface="Cambria Math" panose="02040503050406030204" pitchFamily="18" charset="0"/>
-                        </a:rPr>
-                        <m:t>=0</m:t>
-                      </m:r>
-                    </m:oMath>
-                    <m:oMath xmlns:m="http://schemas.openxmlformats.org/officeDocument/2006/math">
-                      <m:r>
-                        <a:rPr lang="en-US" b="0" i="1" smtClean="0">
-                          <a:latin typeface="Cambria Math" panose="02040503050406030204" pitchFamily="18" charset="0"/>
-                        </a:rPr>
-                        <m:t>𝑒</m:t>
-                      </m:r>
-                      <m:r>
-                        <a:rPr lang="en-US" b="0" i="1" smtClean="0">
-                          <a:latin typeface="Cambria Math" panose="02040503050406030204" pitchFamily="18" charset="0"/>
-                        </a:rPr>
-                        <m:t>=0⇒</m:t>
-                      </m:r>
-                      <m:sSub>
-                        <m:sSubPr>
-                          <m:ctrlPr>
-                            <a:rPr lang="en-US" b="0" i="1" smtClean="0">
-                              <a:latin typeface="Cambria Math" panose="02040503050406030204" pitchFamily="18" charset="0"/>
-                            </a:rPr>
-                          </m:ctrlPr>
-                        </m:sSubPr>
-                        <m:e>
-                          <m:r>
-                            <a:rPr lang="en-US" b="0" i="1" smtClean="0">
-                              <a:latin typeface="Cambria Math" panose="02040503050406030204" pitchFamily="18" charset="0"/>
-                            </a:rPr>
-                            <m:t>𝑥</m:t>
-                          </m:r>
-                        </m:e>
-                        <m:sub>
-                          <m:r>
-                            <a:rPr lang="en-US" b="0" i="1" smtClean="0">
-                              <a:latin typeface="Cambria Math" panose="02040503050406030204" pitchFamily="18" charset="0"/>
-                            </a:rPr>
-                            <m:t>2</m:t>
-                          </m:r>
-                        </m:sub>
-                      </m:sSub>
-                      <m:r>
-                        <a:rPr lang="en-US" b="0" i="1" smtClean="0">
-                          <a:latin typeface="Cambria Math" panose="02040503050406030204" pitchFamily="18" charset="0"/>
-                        </a:rPr>
-                        <m:t>=0</m:t>
-                      </m:r>
-                    </m:oMath>
-                  </m:oMathPara>
-                </a14:m>
-                <a:endParaRPr lang="en-US" b="0" dirty="0"/>
-              </a:p>
-              <a:p>
-                <a:endParaRPr lang="en-US" dirty="0"/>
-              </a:p>
-              <a:p>
-                <a:r>
-                  <a:rPr lang="en-US" b="0" dirty="0"/>
-                  <a:t> Contradiction. </a:t>
-                </a:r>
-              </a:p>
-              <a:p>
-                <a:r>
-                  <a:rPr lang="en-US" b="0" dirty="0"/>
-                  <a:t> Thus a tragedy should occur.</a:t>
-                </a:r>
-                <a:endParaRPr lang="en-US" dirty="0"/>
-              </a:p>
-            </p:txBody>
-          </p:sp>
-        </mc:Choice>
-        <mc:Fallback>
-          <p:sp>
-            <p:nvSpPr>
-              <p:cNvPr id="23" name="TextBox 22">
-                <a:extLst>
-                  <a:ext uri="{FF2B5EF4-FFF2-40B4-BE49-F238E27FC236}">
-                    <a16:creationId xmlns:a16="http://schemas.microsoft.com/office/drawing/2014/main" id="{42D65225-FB8E-46AF-BAF0-6176DC42F40D}"/>
-                  </a:ext>
-                </a:extLst>
-              </p:cNvPr>
-              <p:cNvSpPr txBox="1">
-                <a:spLocks noRot="1" noChangeAspect="1" noMove="1" noResize="1" noEditPoints="1" noAdjustHandles="1" noChangeArrowheads="1" noChangeShapeType="1" noTextEdit="1"/>
-              </p:cNvSpPr>
-              <p:nvPr/>
-            </p:nvSpPr>
-            <p:spPr>
-              <a:xfrm>
-                <a:off x="897911" y="3595561"/>
-                <a:ext cx="3711796" cy="1938992"/>
-              </a:xfrm>
-              <a:prstGeom prst="rect">
-                <a:avLst/>
-              </a:prstGeom>
-              <a:blipFill>
-                <a:blip r:embed="rId2"/>
-                <a:stretch>
-                  <a:fillRect l="-2291" t="-4063" b="-5938"/>
-                </a:stretch>
-              </a:blipFill>
-              <a:ln>
-                <a:solidFill>
-                  <a:schemeClr val="tx1"/>
-                </a:solidFill>
-              </a:ln>
-            </p:spPr>
-            <p:txBody>
-              <a:bodyPr/>
-              <a:lstStyle/>
-              <a:p>
-                <a:r>
-                  <a:rPr lang="en-US">
-                    <a:noFill/>
-                  </a:rPr>
-                  <a:t> </a:t>
-                </a:r>
-              </a:p>
-            </p:txBody>
-          </p:sp>
-        </mc:Fallback>
-      </mc:AlternateContent>
-      <mc:AlternateContent xmlns:mc="http://schemas.openxmlformats.org/markup-compatibility/2006" xmlns:a14="http://schemas.microsoft.com/office/drawing/2010/main">
-        <mc:Choice Requires="a14">
-          <p:sp>
-            <p:nvSpPr>
-              <p:cNvPr id="9" name="TextBox 8">
-                <a:extLst>
-                  <a:ext uri="{FF2B5EF4-FFF2-40B4-BE49-F238E27FC236}">
-                    <a16:creationId xmlns:a16="http://schemas.microsoft.com/office/drawing/2014/main" id="{2FDC9000-2E49-4A2C-ABDC-B17C4A9B8EA9}"/>
-                  </a:ext>
-                </a:extLst>
-              </p:cNvPr>
-              <p:cNvSpPr txBox="1"/>
-              <p:nvPr/>
-            </p:nvSpPr>
-            <p:spPr>
-              <a:xfrm>
-                <a:off x="897911" y="1471878"/>
-                <a:ext cx="2801601" cy="276999"/>
-              </a:xfrm>
-              <a:prstGeom prst="rect">
-                <a:avLst/>
-              </a:prstGeom>
-              <a:noFill/>
-            </p:spPr>
-            <p:txBody>
-              <a:bodyPr wrap="none" lIns="0" tIns="0" rIns="0" bIns="0" rtlCol="0" anchor="b">
-                <a:spAutoFit/>
-              </a:bodyPr>
-              <a:lstStyle/>
-              <a:p>
-                <a:pPr/>
-                <a14:m>
-                  <m:oMathPara xmlns:m="http://schemas.openxmlformats.org/officeDocument/2006/math">
-                    <m:oMathParaPr>
-                      <m:jc m:val="centerGroup"/>
-                    </m:oMathParaPr>
-                    <m:oMath xmlns:m="http://schemas.openxmlformats.org/officeDocument/2006/math">
-                      <m:acc>
-                        <m:accPr>
-                          <m:chr m:val="̇"/>
-                          <m:ctrlPr>
-                            <a:rPr lang="en-US" b="0" i="1" smtClean="0">
-                              <a:solidFill>
-                                <a:srgbClr val="7030A0"/>
-                              </a:solidFill>
-                              <a:latin typeface="Cambria Math" panose="02040503050406030204" pitchFamily="18" charset="0"/>
-                            </a:rPr>
-                          </m:ctrlPr>
-                        </m:accPr>
-                        <m:e>
-                          <m:r>
-                            <a:rPr lang="en-US" b="0" i="1" smtClean="0">
-                              <a:solidFill>
-                                <a:srgbClr val="7030A0"/>
-                              </a:solidFill>
-                              <a:latin typeface="Cambria Math" panose="02040503050406030204" pitchFamily="18" charset="0"/>
-                            </a:rPr>
-                            <m:t>𝑠</m:t>
-                          </m:r>
-                        </m:e>
-                      </m:acc>
-                      <m:r>
-                        <a:rPr lang="en-US" b="0" i="1" smtClean="0">
-                          <a:latin typeface="Cambria Math" panose="02040503050406030204" pitchFamily="18" charset="0"/>
-                        </a:rPr>
-                        <m:t>=</m:t>
-                      </m:r>
-                      <m:r>
-                        <a:rPr lang="en-US" b="0" i="1" smtClean="0">
-                          <a:solidFill>
-                            <a:schemeClr val="tx1"/>
-                          </a:solidFill>
-                          <a:latin typeface="Cambria Math" panose="02040503050406030204" pitchFamily="18" charset="0"/>
-                        </a:rPr>
-                        <m:t>𝑑</m:t>
-                      </m:r>
-                      <m:d>
-                        <m:dPr>
-                          <m:ctrlPr>
-                            <a:rPr lang="en-US" b="0" i="1" smtClean="0">
-                              <a:solidFill>
-                                <a:schemeClr val="tx1"/>
-                              </a:solidFill>
-                              <a:latin typeface="Cambria Math" panose="02040503050406030204" pitchFamily="18" charset="0"/>
-                            </a:rPr>
-                          </m:ctrlPr>
-                        </m:dPr>
-                        <m:e>
-                          <m:sSup>
-                            <m:sSupPr>
-                              <m:ctrlPr>
-                                <a:rPr lang="en-US" b="0" i="1" smtClean="0">
-                                  <a:solidFill>
-                                    <a:schemeClr val="tx1"/>
-                                  </a:solidFill>
-                                  <a:latin typeface="Cambria Math" panose="02040503050406030204" pitchFamily="18" charset="0"/>
-                                </a:rPr>
-                              </m:ctrlPr>
-                            </m:sSupPr>
-                            <m:e>
-                              <m:r>
-                                <a:rPr lang="en-US" b="0" i="1" smtClean="0">
-                                  <a:solidFill>
-                                    <a:schemeClr val="tx1"/>
-                                  </a:solidFill>
-                                  <a:latin typeface="Cambria Math" panose="02040503050406030204" pitchFamily="18" charset="0"/>
-                                </a:rPr>
-                                <m:t>𝑠</m:t>
-                              </m:r>
-                            </m:e>
-                            <m:sup>
-                              <m:r>
-                                <a:rPr lang="en-US" b="0" i="1" smtClean="0">
-                                  <a:solidFill>
-                                    <a:schemeClr val="tx1"/>
-                                  </a:solidFill>
-                                  <a:latin typeface="Cambria Math" panose="02040503050406030204" pitchFamily="18" charset="0"/>
-                                </a:rPr>
-                                <m:t>0</m:t>
-                              </m:r>
-                            </m:sup>
-                          </m:sSup>
-                          <m:r>
-                            <a:rPr lang="en-US" b="0" i="1" smtClean="0">
-                              <a:solidFill>
-                                <a:schemeClr val="tx1"/>
-                              </a:solidFill>
-                              <a:latin typeface="Cambria Math" panose="02040503050406030204" pitchFamily="18" charset="0"/>
-                            </a:rPr>
-                            <m:t>−</m:t>
-                          </m:r>
-                          <m:r>
-                            <a:rPr lang="en-US" b="0" i="1" smtClean="0">
-                              <a:solidFill>
-                                <a:schemeClr val="tx1"/>
-                              </a:solidFill>
-                              <a:latin typeface="Cambria Math" panose="02040503050406030204" pitchFamily="18" charset="0"/>
-                            </a:rPr>
-                            <m:t>𝑠</m:t>
-                          </m:r>
-                        </m:e>
-                      </m:d>
-                      <m:r>
-                        <a:rPr lang="en-US" b="0" i="1" smtClean="0">
-                          <a:solidFill>
-                            <a:schemeClr val="tx1"/>
-                          </a:solidFill>
-                          <a:latin typeface="Cambria Math" panose="02040503050406030204" pitchFamily="18" charset="0"/>
-                        </a:rPr>
-                        <m:t>−</m:t>
-                      </m:r>
-                      <m:d>
-                        <m:dPr>
-                          <m:ctrlPr>
-                            <a:rPr lang="en-US" b="0" i="1" smtClean="0">
-                              <a:solidFill>
-                                <a:schemeClr val="tx1"/>
-                              </a:solidFill>
-                              <a:latin typeface="Cambria Math" panose="02040503050406030204" pitchFamily="18" charset="0"/>
-                            </a:rPr>
-                          </m:ctrlPr>
-                        </m:dPr>
-                        <m:e>
-                          <m:sSub>
-                            <m:sSubPr>
-                              <m:ctrlPr>
-                                <a:rPr lang="en-US" b="0" i="1" smtClean="0">
-                                  <a:solidFill>
-                                    <a:schemeClr val="tx1"/>
-                                  </a:solidFill>
-                                  <a:latin typeface="Cambria Math" panose="02040503050406030204" pitchFamily="18" charset="0"/>
-                                </a:rPr>
-                              </m:ctrlPr>
-                            </m:sSubPr>
-                            <m:e>
-                              <m:r>
-                                <a:rPr lang="en-US" b="0" i="1" smtClean="0">
-                                  <a:solidFill>
-                                    <a:schemeClr val="tx1"/>
-                                  </a:solidFill>
-                                  <a:latin typeface="Cambria Math" panose="02040503050406030204" pitchFamily="18" charset="0"/>
-                                </a:rPr>
-                                <m:t>𝑥</m:t>
-                              </m:r>
-                            </m:e>
-                            <m:sub>
-                              <m:r>
-                                <a:rPr lang="en-US" b="0" i="1" smtClean="0">
-                                  <a:solidFill>
-                                    <a:schemeClr val="tx1"/>
-                                  </a:solidFill>
-                                  <a:latin typeface="Cambria Math" panose="02040503050406030204" pitchFamily="18" charset="0"/>
-                                </a:rPr>
-                                <m:t>3</m:t>
-                              </m:r>
-                            </m:sub>
-                          </m:sSub>
-                        </m:e>
-                      </m:d>
-                      <m:r>
-                        <a:rPr lang="en-US" b="0" i="1" smtClean="0">
-                          <a:solidFill>
-                            <a:schemeClr val="tx1"/>
-                          </a:solidFill>
-                          <a:latin typeface="Cambria Math" panose="02040503050406030204" pitchFamily="18" charset="0"/>
-                        </a:rPr>
-                        <m:t>𝑓</m:t>
-                      </m:r>
-                      <m:d>
-                        <m:dPr>
-                          <m:ctrlPr>
-                            <a:rPr lang="en-US" b="0" i="1" smtClean="0">
-                              <a:solidFill>
-                                <a:schemeClr val="tx1"/>
-                              </a:solidFill>
-                              <a:latin typeface="Cambria Math" panose="02040503050406030204" pitchFamily="18" charset="0"/>
-                            </a:rPr>
-                          </m:ctrlPr>
-                        </m:dPr>
-                        <m:e>
-                          <m:r>
-                            <a:rPr lang="en-US" b="0" i="1" smtClean="0">
-                              <a:solidFill>
-                                <a:schemeClr val="tx1"/>
-                              </a:solidFill>
-                              <a:latin typeface="Cambria Math" panose="02040503050406030204" pitchFamily="18" charset="0"/>
-                            </a:rPr>
-                            <m:t>𝑠</m:t>
-                          </m:r>
-                          <m:r>
-                            <a:rPr lang="en-US" b="0" i="1" smtClean="0">
-                              <a:solidFill>
-                                <a:schemeClr val="tx1"/>
-                              </a:solidFill>
-                              <a:latin typeface="Cambria Math" panose="02040503050406030204" pitchFamily="18" charset="0"/>
-                            </a:rPr>
-                            <m:t>,</m:t>
-                          </m:r>
-                          <m:r>
-                            <a:rPr lang="en-US" b="0" i="1" smtClean="0">
-                              <a:solidFill>
-                                <a:schemeClr val="tx1"/>
-                              </a:solidFill>
-                              <a:latin typeface="Cambria Math" panose="02040503050406030204" pitchFamily="18" charset="0"/>
-                            </a:rPr>
-                            <m:t>𝑒</m:t>
-                          </m:r>
-                        </m:e>
-                      </m:d>
-                      <m:r>
-                        <a:rPr lang="en-US" b="0" i="1" smtClean="0">
-                          <a:solidFill>
-                            <a:schemeClr val="tx1"/>
-                          </a:solidFill>
-                          <a:latin typeface="Cambria Math" panose="02040503050406030204" pitchFamily="18" charset="0"/>
-                        </a:rPr>
-                        <m:t> </m:t>
-                      </m:r>
-                    </m:oMath>
-                  </m:oMathPara>
-                </a14:m>
-                <a:endParaRPr lang="en-US" dirty="0"/>
-              </a:p>
-            </p:txBody>
-          </p:sp>
-        </mc:Choice>
-        <mc:Fallback xmlns="">
-          <p:sp>
-            <p:nvSpPr>
-              <p:cNvPr id="9" name="TextBox 8">
-                <a:extLst>
-                  <a:ext uri="{FF2B5EF4-FFF2-40B4-BE49-F238E27FC236}">
-                    <a16:creationId xmlns:a16="http://schemas.microsoft.com/office/drawing/2014/main" id="{2FDC9000-2E49-4A2C-ABDC-B17C4A9B8EA9}"/>
-                  </a:ext>
-                </a:extLst>
-              </p:cNvPr>
-              <p:cNvSpPr txBox="1">
-                <a:spLocks noRot="1" noChangeAspect="1" noMove="1" noResize="1" noEditPoints="1" noAdjustHandles="1" noChangeArrowheads="1" noChangeShapeType="1" noTextEdit="1"/>
-              </p:cNvSpPr>
-              <p:nvPr/>
-            </p:nvSpPr>
-            <p:spPr>
-              <a:xfrm>
-                <a:off x="897911" y="1471878"/>
-                <a:ext cx="2801601" cy="276999"/>
-              </a:xfrm>
-              <a:prstGeom prst="rect">
-                <a:avLst/>
-              </a:prstGeom>
-              <a:blipFill>
-                <a:blip r:embed="rId3"/>
-                <a:stretch>
-                  <a:fillRect l="-870" t="-2174" b="-34783"/>
-                </a:stretch>
-              </a:blipFill>
-            </p:spPr>
-            <p:txBody>
-              <a:bodyPr/>
-              <a:lstStyle/>
-              <a:p>
-                <a:r>
-                  <a:rPr lang="en-US">
-                    <a:noFill/>
-                  </a:rPr>
-                  <a:t> </a:t>
-                </a:r>
-              </a:p>
-            </p:txBody>
-          </p:sp>
-        </mc:Fallback>
-      </mc:AlternateContent>
-      <mc:AlternateContent xmlns:mc="http://schemas.openxmlformats.org/markup-compatibility/2006" xmlns:a14="http://schemas.microsoft.com/office/drawing/2010/main">
-        <mc:Choice Requires="a14">
-          <p:sp>
-            <p:nvSpPr>
-              <p:cNvPr id="13" name="TextBox 12">
-                <a:extLst>
-                  <a:ext uri="{FF2B5EF4-FFF2-40B4-BE49-F238E27FC236}">
-                    <a16:creationId xmlns:a16="http://schemas.microsoft.com/office/drawing/2014/main" id="{DAA15C5E-5DC7-42C3-B5A5-6F19C7E4429F}"/>
-                  </a:ext>
-                </a:extLst>
-              </p:cNvPr>
-              <p:cNvSpPr txBox="1"/>
-              <p:nvPr/>
-            </p:nvSpPr>
-            <p:spPr>
-              <a:xfrm>
-                <a:off x="924052" y="1828821"/>
-                <a:ext cx="1348639" cy="276999"/>
-              </a:xfrm>
-              <a:prstGeom prst="rect">
-                <a:avLst/>
-              </a:prstGeom>
-              <a:noFill/>
-            </p:spPr>
-            <p:txBody>
-              <a:bodyPr wrap="none" lIns="0" tIns="0" rIns="0" bIns="0" rtlCol="0" anchor="b">
-                <a:spAutoFit/>
-              </a:bodyPr>
-              <a:lstStyle/>
-              <a:p>
-                <a14:m>
-                  <m:oMath xmlns:m="http://schemas.openxmlformats.org/officeDocument/2006/math">
-                    <m:acc>
-                      <m:accPr>
-                        <m:chr m:val="̇"/>
-                        <m:ctrlPr>
-                          <a:rPr lang="en-US" b="0" i="1" smtClean="0">
-                            <a:latin typeface="Cambria Math" panose="02040503050406030204" pitchFamily="18" charset="0"/>
-                          </a:rPr>
-                        </m:ctrlPr>
-                      </m:accPr>
-                      <m:e>
-                        <m:r>
-                          <a:rPr lang="en-US" b="0" i="1" smtClean="0">
-                            <a:solidFill>
-                              <a:srgbClr val="00B050"/>
-                            </a:solidFill>
-                            <a:latin typeface="Cambria Math" panose="02040503050406030204" pitchFamily="18" charset="0"/>
-                          </a:rPr>
-                          <m:t>𝑒</m:t>
-                        </m:r>
-                      </m:e>
-                    </m:acc>
-                    <m:r>
-                      <a:rPr lang="en-US" b="0" i="1" smtClean="0">
-                        <a:latin typeface="Cambria Math" panose="02040503050406030204" pitchFamily="18" charset="0"/>
-                      </a:rPr>
-                      <m:t>=</m:t>
-                    </m:r>
-                    <m:r>
-                      <a:rPr lang="en-US" b="0" i="1" smtClean="0">
-                        <a:solidFill>
-                          <a:schemeClr val="tx1"/>
-                        </a:solidFill>
-                        <a:latin typeface="Cambria Math" panose="02040503050406030204" pitchFamily="18" charset="0"/>
-                      </a:rPr>
-                      <m:t>−</m:t>
-                    </m:r>
-                    <m:r>
-                      <a:rPr lang="en-US" b="0" i="1" smtClean="0">
-                        <a:solidFill>
-                          <a:schemeClr val="tx1"/>
-                        </a:solidFill>
-                        <a:latin typeface="Cambria Math" panose="02040503050406030204" pitchFamily="18" charset="0"/>
-                      </a:rPr>
-                      <m:t>𝑑𝑒</m:t>
-                    </m:r>
-                    <m:r>
-                      <a:rPr lang="en-US" b="0" i="1" smtClean="0">
-                        <a:solidFill>
-                          <a:schemeClr val="tx1"/>
-                        </a:solidFill>
-                        <a:latin typeface="Cambria Math" panose="02040503050406030204" pitchFamily="18" charset="0"/>
-                      </a:rPr>
-                      <m:t>→0</m:t>
-                    </m:r>
-                  </m:oMath>
-                </a14:m>
-                <a:r>
-                  <a:rPr lang="en-US" dirty="0">
-                    <a:solidFill>
-                      <a:schemeClr val="tx1"/>
-                    </a:solidFill>
-                  </a:rPr>
-                  <a:t> </a:t>
-                </a:r>
-                <a:endParaRPr lang="en-US" dirty="0"/>
-              </a:p>
-            </p:txBody>
-          </p:sp>
-        </mc:Choice>
-        <mc:Fallback xmlns="">
-          <p:sp>
-            <p:nvSpPr>
-              <p:cNvPr id="13" name="TextBox 12">
-                <a:extLst>
-                  <a:ext uri="{FF2B5EF4-FFF2-40B4-BE49-F238E27FC236}">
-                    <a16:creationId xmlns:a16="http://schemas.microsoft.com/office/drawing/2014/main" id="{DAA15C5E-5DC7-42C3-B5A5-6F19C7E4429F}"/>
-                  </a:ext>
-                </a:extLst>
-              </p:cNvPr>
-              <p:cNvSpPr txBox="1">
-                <a:spLocks noRot="1" noChangeAspect="1" noMove="1" noResize="1" noEditPoints="1" noAdjustHandles="1" noChangeArrowheads="1" noChangeShapeType="1" noTextEdit="1"/>
-              </p:cNvSpPr>
-              <p:nvPr/>
-            </p:nvSpPr>
-            <p:spPr>
-              <a:xfrm>
-                <a:off x="924052" y="1828821"/>
-                <a:ext cx="1348639" cy="276999"/>
-              </a:xfrm>
-              <a:prstGeom prst="rect">
-                <a:avLst/>
-              </a:prstGeom>
-              <a:blipFill>
-                <a:blip r:embed="rId4"/>
-                <a:stretch>
-                  <a:fillRect l="-4525" t="-2222" r="-1357" b="-8889"/>
-                </a:stretch>
-              </a:blipFill>
-            </p:spPr>
-            <p:txBody>
-              <a:bodyPr/>
-              <a:lstStyle/>
-              <a:p>
-                <a:r>
-                  <a:rPr lang="en-US">
-                    <a:noFill/>
-                  </a:rPr>
-                  <a:t> </a:t>
-                </a:r>
-              </a:p>
-            </p:txBody>
-          </p:sp>
-        </mc:Fallback>
-      </mc:AlternateContent>
-      <mc:AlternateContent xmlns:mc="http://schemas.openxmlformats.org/markup-compatibility/2006" xmlns:a14="http://schemas.microsoft.com/office/drawing/2010/main">
-        <mc:Choice Requires="a14">
-          <p:sp>
-            <p:nvSpPr>
-              <p:cNvPr id="15" name="TextBox 14">
-                <a:extLst>
-                  <a:ext uri="{FF2B5EF4-FFF2-40B4-BE49-F238E27FC236}">
-                    <a16:creationId xmlns:a16="http://schemas.microsoft.com/office/drawing/2014/main" id="{9E8D9851-37D5-4FA9-B32D-D867282DAA52}"/>
-                  </a:ext>
-                </a:extLst>
-              </p:cNvPr>
-              <p:cNvSpPr txBox="1"/>
-              <p:nvPr/>
-            </p:nvSpPr>
-            <p:spPr>
-              <a:xfrm>
-                <a:off x="924052" y="2188308"/>
-                <a:ext cx="1356205" cy="276999"/>
-              </a:xfrm>
-              <a:prstGeom prst="rect">
-                <a:avLst/>
-              </a:prstGeom>
-              <a:noFill/>
-            </p:spPr>
-            <p:txBody>
-              <a:bodyPr wrap="none" lIns="0" tIns="0" rIns="0" bIns="0" rtlCol="0" anchor="b">
-                <a:spAutoFit/>
-              </a:bodyPr>
-              <a:lstStyle/>
-              <a:p>
-                <a:pPr/>
-                <a14:m>
-                  <m:oMathPara xmlns:m="http://schemas.openxmlformats.org/officeDocument/2006/math">
-                    <m:oMathParaPr>
-                      <m:jc m:val="centerGroup"/>
-                    </m:oMathParaPr>
-                    <m:oMath xmlns:m="http://schemas.openxmlformats.org/officeDocument/2006/math">
-                      <m:acc>
-                        <m:accPr>
-                          <m:chr m:val="̇"/>
-                          <m:ctrlPr>
-                            <a:rPr lang="en-US" b="0" i="1" smtClean="0">
-                              <a:latin typeface="Cambria Math" panose="02040503050406030204" pitchFamily="18" charset="0"/>
-                            </a:rPr>
-                          </m:ctrlPr>
-                        </m:accPr>
-                        <m:e>
-                          <m:r>
-                            <a:rPr lang="en-US" b="0" i="1" smtClean="0">
-                              <a:solidFill>
-                                <a:schemeClr val="accent2"/>
-                              </a:solidFill>
-                              <a:latin typeface="Cambria Math" panose="02040503050406030204" pitchFamily="18" charset="0"/>
-                            </a:rPr>
-                            <m:t>𝑡</m:t>
-                          </m:r>
-                        </m:e>
-                      </m:acc>
-                      <m:r>
-                        <a:rPr lang="en-US" b="0" i="1" smtClean="0">
-                          <a:latin typeface="Cambria Math" panose="02040503050406030204" pitchFamily="18" charset="0"/>
-                        </a:rPr>
-                        <m:t>=</m:t>
-                      </m:r>
-                      <m:r>
-                        <a:rPr lang="en-US" b="0" i="1" smtClean="0">
-                          <a:solidFill>
-                            <a:schemeClr val="tx1"/>
-                          </a:solidFill>
-                          <a:latin typeface="Cambria Math" panose="02040503050406030204" pitchFamily="18" charset="0"/>
-                        </a:rPr>
-                        <m:t>−</m:t>
-                      </m:r>
-                      <m:r>
-                        <a:rPr lang="en-US" b="0" i="1" smtClean="0">
-                          <a:solidFill>
-                            <a:schemeClr val="tx1"/>
-                          </a:solidFill>
-                          <a:latin typeface="Cambria Math" panose="02040503050406030204" pitchFamily="18" charset="0"/>
-                        </a:rPr>
-                        <m:t>𝑑𝑡</m:t>
-                      </m:r>
-                      <m:r>
-                        <a:rPr lang="en-US" b="0" i="1" smtClean="0">
-                          <a:solidFill>
-                            <a:schemeClr val="tx1"/>
-                          </a:solidFill>
-                          <a:latin typeface="Cambria Math" panose="02040503050406030204" pitchFamily="18" charset="0"/>
-                        </a:rPr>
-                        <m:t>→0 </m:t>
-                      </m:r>
-                    </m:oMath>
-                  </m:oMathPara>
-                </a14:m>
-                <a:endParaRPr lang="en-US" dirty="0"/>
-              </a:p>
-            </p:txBody>
-          </p:sp>
-        </mc:Choice>
-        <mc:Fallback xmlns="">
-          <p:sp>
-            <p:nvSpPr>
-              <p:cNvPr id="15" name="TextBox 14">
-                <a:extLst>
-                  <a:ext uri="{FF2B5EF4-FFF2-40B4-BE49-F238E27FC236}">
-                    <a16:creationId xmlns:a16="http://schemas.microsoft.com/office/drawing/2014/main" id="{9E8D9851-37D5-4FA9-B32D-D867282DAA52}"/>
-                  </a:ext>
-                </a:extLst>
-              </p:cNvPr>
-              <p:cNvSpPr txBox="1">
-                <a:spLocks noRot="1" noChangeAspect="1" noMove="1" noResize="1" noEditPoints="1" noAdjustHandles="1" noChangeArrowheads="1" noChangeShapeType="1" noTextEdit="1"/>
-              </p:cNvSpPr>
-              <p:nvPr/>
-            </p:nvSpPr>
-            <p:spPr>
-              <a:xfrm>
-                <a:off x="924052" y="2188308"/>
-                <a:ext cx="1356205" cy="276999"/>
-              </a:xfrm>
-              <a:prstGeom prst="rect">
-                <a:avLst/>
-              </a:prstGeom>
-              <a:blipFill>
-                <a:blip r:embed="rId5"/>
-                <a:stretch>
-                  <a:fillRect l="-3604" t="-11111" b="-8889"/>
-                </a:stretch>
-              </a:blipFill>
-            </p:spPr>
-            <p:txBody>
-              <a:bodyPr/>
-              <a:lstStyle/>
-              <a:p>
-                <a:r>
-                  <a:rPr lang="en-US">
-                    <a:noFill/>
-                  </a:rPr>
-                  <a:t> </a:t>
-                </a:r>
-              </a:p>
-            </p:txBody>
-          </p:sp>
-        </mc:Fallback>
-      </mc:AlternateContent>
-      <mc:AlternateContent xmlns:mc="http://schemas.openxmlformats.org/markup-compatibility/2006" xmlns:a14="http://schemas.microsoft.com/office/drawing/2010/main">
-        <mc:Choice Requires="a14">
-          <p:sp>
-            <p:nvSpPr>
-              <p:cNvPr id="18" name="TextBox 17">
-                <a:extLst>
-                  <a:ext uri="{FF2B5EF4-FFF2-40B4-BE49-F238E27FC236}">
-                    <a16:creationId xmlns:a16="http://schemas.microsoft.com/office/drawing/2014/main" id="{3CFBB878-B5C3-4582-928F-C9F8F6708E24}"/>
-                  </a:ext>
-                </a:extLst>
-              </p:cNvPr>
-              <p:cNvSpPr txBox="1"/>
-              <p:nvPr/>
-            </p:nvSpPr>
-            <p:spPr>
-              <a:xfrm>
-                <a:off x="877371" y="2520442"/>
-                <a:ext cx="2062295" cy="276999"/>
-              </a:xfrm>
-              <a:prstGeom prst="rect">
-                <a:avLst/>
-              </a:prstGeom>
-              <a:noFill/>
-            </p:spPr>
-            <p:txBody>
-              <a:bodyPr wrap="none" lIns="0" tIns="0" rIns="0" bIns="0" rtlCol="0" anchor="b">
-                <a:spAutoFit/>
-              </a:bodyPr>
-              <a:lstStyle/>
-              <a:p>
-                <a:pPr/>
-                <a14:m>
-                  <m:oMathPara xmlns:m="http://schemas.openxmlformats.org/officeDocument/2006/math">
-                    <m:oMathParaPr>
-                      <m:jc m:val="centerGroup"/>
-                    </m:oMathParaPr>
-                    <m:oMath xmlns:m="http://schemas.openxmlformats.org/officeDocument/2006/math">
-                      <m:acc>
-                        <m:accPr>
-                          <m:chr m:val="̇"/>
-                          <m:ctrlPr>
-                            <a:rPr lang="en-US" b="0" i="1" smtClean="0">
-                              <a:latin typeface="Cambria Math" panose="02040503050406030204" pitchFamily="18" charset="0"/>
-                            </a:rPr>
-                          </m:ctrlPr>
-                        </m:accPr>
-                        <m:e>
-                          <m:sSub>
-                            <m:sSubPr>
-                              <m:ctrlPr>
-                                <a:rPr lang="en-US" b="0" i="1" smtClean="0">
-                                  <a:solidFill>
-                                    <a:srgbClr val="FF00FF"/>
-                                  </a:solidFill>
-                                  <a:latin typeface="Cambria Math" panose="02040503050406030204" pitchFamily="18" charset="0"/>
-                                </a:rPr>
-                              </m:ctrlPr>
-                            </m:sSubPr>
-                            <m:e>
-                              <m:r>
-                                <a:rPr lang="en-US" b="0" i="1" smtClean="0">
-                                  <a:solidFill>
-                                    <a:srgbClr val="FF00FF"/>
-                                  </a:solidFill>
-                                  <a:latin typeface="Cambria Math" panose="02040503050406030204" pitchFamily="18" charset="0"/>
-                                </a:rPr>
-                                <m:t>𝑥</m:t>
-                              </m:r>
-                            </m:e>
-                            <m:sub>
-                              <m:r>
-                                <a:rPr lang="en-US" b="0" i="1" smtClean="0">
-                                  <a:solidFill>
-                                    <a:srgbClr val="FF00FF"/>
-                                  </a:solidFill>
-                                  <a:latin typeface="Cambria Math" panose="02040503050406030204" pitchFamily="18" charset="0"/>
-                                </a:rPr>
-                                <m:t>3</m:t>
-                              </m:r>
-                            </m:sub>
-                          </m:sSub>
-                        </m:e>
-                      </m:acc>
-                      <m:r>
-                        <a:rPr lang="en-US" b="0" i="1" smtClean="0">
-                          <a:latin typeface="Cambria Math" panose="02040503050406030204" pitchFamily="18" charset="0"/>
-                        </a:rPr>
-                        <m:t>=</m:t>
-                      </m:r>
-                      <m:sSub>
-                        <m:sSubPr>
-                          <m:ctrlPr>
-                            <a:rPr lang="en-US" b="0" i="1" smtClean="0">
-                              <a:solidFill>
-                                <a:schemeClr val="tx1"/>
-                              </a:solidFill>
-                              <a:latin typeface="Cambria Math" panose="02040503050406030204" pitchFamily="18" charset="0"/>
-                            </a:rPr>
-                          </m:ctrlPr>
-                        </m:sSubPr>
-                        <m:e>
-                          <m:r>
-                            <a:rPr lang="en-US" b="0" i="1" smtClean="0">
-                              <a:solidFill>
-                                <a:schemeClr val="tx1"/>
-                              </a:solidFill>
-                              <a:latin typeface="Cambria Math" panose="02040503050406030204" pitchFamily="18" charset="0"/>
-                            </a:rPr>
-                            <m:t>𝑥</m:t>
-                          </m:r>
-                        </m:e>
-                        <m:sub>
-                          <m:r>
-                            <a:rPr lang="en-US" b="0" i="1" smtClean="0">
-                              <a:solidFill>
-                                <a:schemeClr val="tx1"/>
-                              </a:solidFill>
-                              <a:latin typeface="Cambria Math" panose="02040503050406030204" pitchFamily="18" charset="0"/>
-                            </a:rPr>
-                            <m:t>3</m:t>
-                          </m:r>
-                        </m:sub>
-                      </m:sSub>
-                      <m:r>
-                        <a:rPr lang="en-US" b="0" i="1" smtClean="0">
-                          <a:solidFill>
-                            <a:schemeClr val="tx1"/>
-                          </a:solidFill>
-                          <a:latin typeface="Cambria Math" panose="02040503050406030204" pitchFamily="18" charset="0"/>
-                        </a:rPr>
-                        <m:t>(</m:t>
-                      </m:r>
-                      <m:r>
-                        <a:rPr lang="en-US" b="0" i="1" smtClean="0">
-                          <a:solidFill>
-                            <a:schemeClr val="tx1"/>
-                          </a:solidFill>
-                          <a:latin typeface="Cambria Math" panose="02040503050406030204" pitchFamily="18" charset="0"/>
-                        </a:rPr>
-                        <m:t>𝑓</m:t>
-                      </m:r>
-                      <m:d>
-                        <m:dPr>
-                          <m:ctrlPr>
-                            <a:rPr lang="en-US" b="0" i="1" smtClean="0">
-                              <a:solidFill>
-                                <a:schemeClr val="tx1"/>
-                              </a:solidFill>
-                              <a:latin typeface="Cambria Math" panose="02040503050406030204" pitchFamily="18" charset="0"/>
-                            </a:rPr>
-                          </m:ctrlPr>
-                        </m:dPr>
-                        <m:e>
-                          <m:r>
-                            <a:rPr lang="en-US" b="0" i="1" smtClean="0">
-                              <a:solidFill>
-                                <a:schemeClr val="tx1"/>
-                              </a:solidFill>
-                              <a:latin typeface="Cambria Math" panose="02040503050406030204" pitchFamily="18" charset="0"/>
-                            </a:rPr>
-                            <m:t>𝑠</m:t>
-                          </m:r>
-                          <m:r>
-                            <a:rPr lang="en-US" b="0" i="1" smtClean="0">
-                              <a:solidFill>
-                                <a:schemeClr val="tx1"/>
-                              </a:solidFill>
-                              <a:latin typeface="Cambria Math" panose="02040503050406030204" pitchFamily="18" charset="0"/>
-                            </a:rPr>
-                            <m:t>,</m:t>
-                          </m:r>
-                          <m:r>
-                            <a:rPr lang="en-US" b="0" i="1" smtClean="0">
-                              <a:solidFill>
-                                <a:schemeClr val="tx1"/>
-                              </a:solidFill>
-                              <a:latin typeface="Cambria Math" panose="02040503050406030204" pitchFamily="18" charset="0"/>
-                            </a:rPr>
-                            <m:t>𝑒</m:t>
-                          </m:r>
-                        </m:e>
-                      </m:d>
-                      <m:r>
-                        <a:rPr lang="en-US" b="0" i="1" smtClean="0">
-                          <a:solidFill>
-                            <a:schemeClr val="tx1"/>
-                          </a:solidFill>
-                          <a:latin typeface="Cambria Math" panose="02040503050406030204" pitchFamily="18" charset="0"/>
-                        </a:rPr>
-                        <m:t>−</m:t>
-                      </m:r>
-                      <m:r>
-                        <a:rPr lang="en-US" b="0" i="1" smtClean="0">
-                          <a:solidFill>
-                            <a:schemeClr val="tx1"/>
-                          </a:solidFill>
-                          <a:latin typeface="Cambria Math" panose="02040503050406030204" pitchFamily="18" charset="0"/>
-                        </a:rPr>
-                        <m:t>𝑑</m:t>
-                      </m:r>
-                      <m:r>
-                        <a:rPr lang="en-US" b="0" i="1" smtClean="0">
-                          <a:latin typeface="Cambria Math" panose="02040503050406030204" pitchFamily="18" charset="0"/>
-                        </a:rPr>
-                        <m:t>)</m:t>
-                      </m:r>
-                    </m:oMath>
-                  </m:oMathPara>
-                </a14:m>
-                <a:endParaRPr lang="en-US" dirty="0"/>
-              </a:p>
-            </p:txBody>
-          </p:sp>
-        </mc:Choice>
-        <mc:Fallback xmlns="">
-          <p:sp>
-            <p:nvSpPr>
-              <p:cNvPr id="18" name="TextBox 17">
-                <a:extLst>
-                  <a:ext uri="{FF2B5EF4-FFF2-40B4-BE49-F238E27FC236}">
-                    <a16:creationId xmlns:a16="http://schemas.microsoft.com/office/drawing/2014/main" id="{3CFBB878-B5C3-4582-928F-C9F8F6708E24}"/>
-                  </a:ext>
-                </a:extLst>
-              </p:cNvPr>
-              <p:cNvSpPr txBox="1">
-                <a:spLocks noRot="1" noChangeAspect="1" noMove="1" noResize="1" noEditPoints="1" noAdjustHandles="1" noChangeArrowheads="1" noChangeShapeType="1" noTextEdit="1"/>
-              </p:cNvSpPr>
-              <p:nvPr/>
-            </p:nvSpPr>
-            <p:spPr>
-              <a:xfrm>
-                <a:off x="877371" y="2520442"/>
-                <a:ext cx="2062295" cy="276999"/>
-              </a:xfrm>
-              <a:prstGeom prst="rect">
-                <a:avLst/>
-              </a:prstGeom>
-              <a:blipFill>
-                <a:blip r:embed="rId6"/>
-                <a:stretch>
-                  <a:fillRect l="-1183" t="-2174" r="-3846" b="-34783"/>
-                </a:stretch>
-              </a:blipFill>
-            </p:spPr>
-            <p:txBody>
-              <a:bodyPr/>
-              <a:lstStyle/>
-              <a:p>
-                <a:r>
-                  <a:rPr lang="en-US">
-                    <a:noFill/>
-                  </a:rPr>
-                  <a:t> </a:t>
-                </a:r>
-              </a:p>
-            </p:txBody>
-          </p:sp>
-        </mc:Fallback>
-      </mc:AlternateContent>
-      <p:pic>
-        <p:nvPicPr>
-          <p:cNvPr id="4" name="Picture 3" descr="A close up of a mans face&#10;&#10;Description generated with high confidence">
-            <a:extLst>
-              <a:ext uri="{FF2B5EF4-FFF2-40B4-BE49-F238E27FC236}">
-                <a16:creationId xmlns:a16="http://schemas.microsoft.com/office/drawing/2014/main" id="{B6AE13AB-BEBE-4D6B-BF30-7D27397C54EB}"/>
-              </a:ext>
-            </a:extLst>
-          </p:cNvPr>
-          <p:cNvPicPr>
-            <a:picLocks noChangeAspect="1"/>
-          </p:cNvPicPr>
-          <p:nvPr/>
-        </p:nvPicPr>
-        <p:blipFill>
-          <a:blip r:embed="rId7">
-            <a:extLst>
-              <a:ext uri="{28A0092B-C50C-407E-A947-70E740481C1C}">
-                <a14:useLocalDpi xmlns:a14="http://schemas.microsoft.com/office/drawing/2010/main" val="0"/>
-              </a:ext>
-            </a:extLst>
-          </a:blip>
-          <a:stretch>
-            <a:fillRect/>
-          </a:stretch>
-        </p:blipFill>
-        <p:spPr>
-          <a:xfrm>
-            <a:off x="5444490" y="1027906"/>
-            <a:ext cx="6096000" cy="4572000"/>
-          </a:xfrm>
-          <a:prstGeom prst="rect">
-            <a:avLst/>
-          </a:prstGeom>
-          <a:ln>
-            <a:solidFill>
-              <a:schemeClr val="tx1"/>
-            </a:solidFill>
-          </a:ln>
-        </p:spPr>
-      </p:pic>
-    </p:spTree>
-    <p:extLst>
-      <p:ext uri="{BB962C8B-B14F-4D97-AF65-F5344CB8AC3E}">
-        <p14:creationId xmlns:p14="http://schemas.microsoft.com/office/powerpoint/2010/main" val="1606256137"/>
-      </p:ext>
-    </p:extLst>
-  </p:cSld>
-  <p:clrMapOvr>
-    <a:masterClrMapping/>
-  </p:clrMapOvr>
-</p:sld>
-</file>
-
-<file path=ppt/slides/slide5.xml><?xml version="1.0" encoding="utf-8"?>
-<p:sld xmlns:a="http://schemas.openxmlformats.org/drawingml/2006/main" xmlns:r="http://schemas.openxmlformats.org/officeDocument/2006/relationships" xmlns:p="http://schemas.openxmlformats.org/presentationml/2006/main">
-  <p:cSld>
-    <p:spTree>
-      <p:nvGrpSpPr>
-        <p:cNvPr id="1" name=""/>
-        <p:cNvGrpSpPr/>
-        <p:nvPr/>
-      </p:nvGrpSpPr>
-      <p:grpSpPr>
-        <a:xfrm>
-          <a:off x="0" y="0"/>
-          <a:ext cx="0" cy="0"/>
-          <a:chOff x="0" y="0"/>
-          <a:chExt cx="0" cy="0"/>
-        </a:xfrm>
-      </p:grpSpPr>
-      <p:sp>
-        <p:nvSpPr>
-          <p:cNvPr id="2" name="Title 1">
-            <a:extLst>
-              <a:ext uri="{FF2B5EF4-FFF2-40B4-BE49-F238E27FC236}">
-                <a16:creationId xmlns:a16="http://schemas.microsoft.com/office/drawing/2014/main" id="{EB59D587-CEFC-4935-937D-85FB1C5F1122}"/>
-              </a:ext>
-            </a:extLst>
-          </p:cNvPr>
-          <p:cNvSpPr>
-            <a:spLocks noGrp="1"/>
-          </p:cNvSpPr>
-          <p:nvPr>
-            <p:ph type="title"/>
-          </p:nvPr>
-        </p:nvSpPr>
-        <p:spPr/>
-        <p:txBody>
-          <a:bodyPr/>
-          <a:lstStyle/>
-          <a:p>
-            <a:r>
-              <a:rPr lang="en-US" dirty="0"/>
               <a:t>Cooperator only </a:t>
             </a:r>
           </a:p>
@@ -12230,7 +12241,7 @@
             <p:spPr>
               <a:xfrm>
                 <a:off x="433633" y="4069387"/>
-                <a:ext cx="3465848" cy="2093778"/>
+                <a:ext cx="3465848" cy="2370777"/>
               </a:xfrm>
               <a:prstGeom prst="rect">
                 <a:avLst/>
@@ -12252,104 +12263,111 @@
                   <a:rPr lang="en-US" b="0" dirty="0">
                     <a:latin typeface="Cambria Math" panose="02040503050406030204" pitchFamily="18" charset="0"/>
                   </a:rPr>
-                  <a:t> Analysis says, </a:t>
+                  <a:t> Analysis says, for </a:t>
                 </a:r>
+              </a:p>
+              <a:p>
                 <a14:m>
-                  <m:oMath xmlns:m="http://schemas.openxmlformats.org/officeDocument/2006/math">
-                    <m:sSub>
-                      <m:sSubPr>
-                        <m:ctrlPr>
-                          <a:rPr lang="en-US" b="0" i="1" smtClean="0">
-                            <a:latin typeface="Cambria Math" panose="02040503050406030204" pitchFamily="18" charset="0"/>
-                          </a:rPr>
-                        </m:ctrlPr>
-                      </m:sSubPr>
-                      <m:e>
-                        <m:r>
-                          <a:rPr lang="en-US" b="0" i="1" smtClean="0">
-                            <a:latin typeface="Cambria Math" panose="02040503050406030204" pitchFamily="18" charset="0"/>
-                          </a:rPr>
-                          <m:t>𝑥</m:t>
-                        </m:r>
-                      </m:e>
-                      <m:sub>
-                        <m:r>
-                          <a:rPr lang="en-US" b="0" i="1" smtClean="0">
-                            <a:latin typeface="Cambria Math" panose="02040503050406030204" pitchFamily="18" charset="0"/>
-                          </a:rPr>
-                          <m:t>1</m:t>
-                        </m:r>
-                      </m:sub>
-                    </m:sSub>
-                    <m:r>
-                      <a:rPr lang="en-US" b="0" i="1" smtClean="0">
-                        <a:latin typeface="Cambria Math" panose="02040503050406030204" pitchFamily="18" charset="0"/>
-                      </a:rPr>
-                      <m:t>&gt;0, </m:t>
-                    </m:r>
-                    <m:sSub>
-                      <m:sSubPr>
-                        <m:ctrlPr>
-                          <a:rPr lang="en-US" b="0" i="1" smtClean="0">
-                            <a:latin typeface="Cambria Math" panose="02040503050406030204" pitchFamily="18" charset="0"/>
-                          </a:rPr>
-                        </m:ctrlPr>
-                      </m:sSubPr>
-                      <m:e>
-                        <m:r>
-                          <a:rPr lang="en-US" b="0" i="1" smtClean="0">
-                            <a:latin typeface="Cambria Math" panose="02040503050406030204" pitchFamily="18" charset="0"/>
-                          </a:rPr>
-                          <m:t>𝑥</m:t>
-                        </m:r>
-                      </m:e>
-                      <m:sub>
-                        <m:r>
-                          <a:rPr lang="en-US" b="0" i="1" smtClean="0">
-                            <a:latin typeface="Cambria Math" panose="02040503050406030204" pitchFamily="18" charset="0"/>
-                          </a:rPr>
-                          <m:t>2</m:t>
-                        </m:r>
-                      </m:sub>
-                    </m:sSub>
-                    <m:r>
-                      <a:rPr lang="en-US" b="0" i="1" smtClean="0">
-                        <a:latin typeface="Cambria Math" panose="02040503050406030204" pitchFamily="18" charset="0"/>
-                      </a:rPr>
-                      <m:t>=</m:t>
-                    </m:r>
-                    <m:sSub>
-                      <m:sSubPr>
-                        <m:ctrlPr>
-                          <a:rPr lang="en-US" b="0" i="1" smtClean="0">
-                            <a:latin typeface="Cambria Math" panose="02040503050406030204" pitchFamily="18" charset="0"/>
-                          </a:rPr>
-                        </m:ctrlPr>
-                      </m:sSubPr>
-                      <m:e>
-                        <m:r>
-                          <a:rPr lang="en-US" b="0" i="1" smtClean="0">
-                            <a:latin typeface="Cambria Math" panose="02040503050406030204" pitchFamily="18" charset="0"/>
-                          </a:rPr>
-                          <m:t>𝑥</m:t>
-                        </m:r>
-                      </m:e>
-                      <m:sub>
-                        <m:r>
-                          <a:rPr lang="en-US" b="0" i="1" smtClean="0">
-                            <a:latin typeface="Cambria Math" panose="02040503050406030204" pitchFamily="18" charset="0"/>
-                          </a:rPr>
-                          <m:t>3</m:t>
-                        </m:r>
-                      </m:sub>
-                    </m:sSub>
-                    <m:r>
-                      <a:rPr lang="en-US" b="0" i="1" smtClean="0">
-                        <a:latin typeface="Cambria Math" panose="02040503050406030204" pitchFamily="18" charset="0"/>
-                      </a:rPr>
-                      <m:t>=0:</m:t>
-                    </m:r>
-                  </m:oMath>
+                  <m:oMathPara xmlns:m="http://schemas.openxmlformats.org/officeDocument/2006/math">
+                    <m:oMathParaPr>
+                      <m:jc m:val="centerGroup"/>
+                    </m:oMathParaPr>
+                    <m:oMath xmlns:m="http://schemas.openxmlformats.org/officeDocument/2006/math">
+                      <m:sSub>
+                        <m:sSubPr>
+                          <m:ctrlPr>
+                            <a:rPr lang="en-US" b="0" i="1" smtClean="0">
+                              <a:latin typeface="Cambria Math" panose="02040503050406030204" pitchFamily="18" charset="0"/>
+                            </a:rPr>
+                          </m:ctrlPr>
+                        </m:sSubPr>
+                        <m:e>
+                          <m:r>
+                            <a:rPr lang="en-US" b="0" i="1" smtClean="0">
+                              <a:latin typeface="Cambria Math" panose="02040503050406030204" pitchFamily="18" charset="0"/>
+                            </a:rPr>
+                            <m:t>𝑥</m:t>
+                          </m:r>
+                        </m:e>
+                        <m:sub>
+                          <m:r>
+                            <a:rPr lang="en-US" b="0" i="1" smtClean="0">
+                              <a:latin typeface="Cambria Math" panose="02040503050406030204" pitchFamily="18" charset="0"/>
+                            </a:rPr>
+                            <m:t>1</m:t>
+                          </m:r>
+                        </m:sub>
+                      </m:sSub>
+                      <m:r>
+                        <a:rPr lang="en-US" b="0" i="1" smtClean="0">
+                          <a:latin typeface="Cambria Math" panose="02040503050406030204" pitchFamily="18" charset="0"/>
+                        </a:rPr>
+                        <m:t>&gt;0, </m:t>
+                      </m:r>
+                      <m:sSub>
+                        <m:sSubPr>
+                          <m:ctrlPr>
+                            <a:rPr lang="en-US" b="0" i="1" smtClean="0">
+                              <a:latin typeface="Cambria Math" panose="02040503050406030204" pitchFamily="18" charset="0"/>
+                            </a:rPr>
+                          </m:ctrlPr>
+                        </m:sSubPr>
+                        <m:e>
+                          <m:r>
+                            <a:rPr lang="en-US" b="0" i="1" smtClean="0">
+                              <a:latin typeface="Cambria Math" panose="02040503050406030204" pitchFamily="18" charset="0"/>
+                            </a:rPr>
+                            <m:t>𝑥</m:t>
+                          </m:r>
+                        </m:e>
+                        <m:sub>
+                          <m:r>
+                            <a:rPr lang="en-US" b="0" i="1" smtClean="0">
+                              <a:latin typeface="Cambria Math" panose="02040503050406030204" pitchFamily="18" charset="0"/>
+                            </a:rPr>
+                            <m:t>2</m:t>
+                          </m:r>
+                        </m:sub>
+                      </m:sSub>
+                      <m:r>
+                        <a:rPr lang="en-US" b="0" i="1" smtClean="0">
+                          <a:latin typeface="Cambria Math" panose="02040503050406030204" pitchFamily="18" charset="0"/>
+                        </a:rPr>
+                        <m:t>=</m:t>
+                      </m:r>
+                      <m:sSub>
+                        <m:sSubPr>
+                          <m:ctrlPr>
+                            <a:rPr lang="en-US" b="0" i="1" smtClean="0">
+                              <a:latin typeface="Cambria Math" panose="02040503050406030204" pitchFamily="18" charset="0"/>
+                            </a:rPr>
+                          </m:ctrlPr>
+                        </m:sSubPr>
+                        <m:e>
+                          <m:r>
+                            <a:rPr lang="en-US" b="0" i="1" smtClean="0">
+                              <a:latin typeface="Cambria Math" panose="02040503050406030204" pitchFamily="18" charset="0"/>
+                            </a:rPr>
+                            <m:t>𝑥</m:t>
+                          </m:r>
+                        </m:e>
+                        <m:sub>
+                          <m:r>
+                            <a:rPr lang="en-US" b="0" i="1" smtClean="0">
+                              <a:latin typeface="Cambria Math" panose="02040503050406030204" pitchFamily="18" charset="0"/>
+                            </a:rPr>
+                            <m:t>3</m:t>
+                          </m:r>
+                        </m:sub>
+                      </m:sSub>
+                      <m:r>
+                        <a:rPr lang="en-US" b="0" i="1" smtClean="0">
+                          <a:latin typeface="Cambria Math" panose="02040503050406030204" pitchFamily="18" charset="0"/>
+                        </a:rPr>
+                        <m:t>=0:</m:t>
+                      </m:r>
+                    </m:oMath>
+                  </m:oMathPara>
                 </a14:m>
                 <a:br>
                   <a:rPr lang="en-US" b="0" dirty="0"/>
@@ -12471,7 +12489,7 @@
                 </a:br>
                 <a:r>
                   <a:rPr lang="en-US" b="0" dirty="0"/>
-                  <a:t> small, there will be two stable and  </a:t>
+                  <a:t> small, there will be three steady </a:t>
                 </a:r>
               </a:p>
               <a:p>
@@ -12481,15 +12499,7 @@
                 </a:r>
                 <a:r>
                   <a:rPr lang="en-US" b="0" dirty="0"/>
-                  <a:t>one unstable</a:t>
-                </a:r>
-                <a:r>
-                  <a:rPr lang="en-US" dirty="0"/>
-                  <a:t> </a:t>
-                </a:r>
-                <a:r>
-                  <a:rPr lang="en-US" b="0" dirty="0"/>
-                  <a:t>steady state solutions.   </a:t>
+                  <a:t>state solutions.   </a:t>
                 </a:r>
               </a:p>
               <a:p>
@@ -12522,7 +12532,7 @@
             <p:spPr>
               <a:xfrm>
                 <a:off x="433633" y="4069387"/>
-                <a:ext cx="3465848" cy="2093778"/>
+                <a:ext cx="3465848" cy="2370777"/>
               </a:xfrm>
               <a:prstGeom prst="rect">
                 <a:avLst/>
@@ -12530,7 +12540,7 @@
               <a:blipFill>
                 <a:blip r:embed="rId2"/>
                 <a:stretch>
-                  <a:fillRect l="-2452" t="-4058" r="-5954" b="-5507"/>
+                  <a:fillRect l="-2452" t="-3333" b="-4872"/>
                 </a:stretch>
               </a:blipFill>
               <a:ln>
@@ -13716,7 +13726,7 @@
 </p:sld>
 </file>
 
-<file path=ppt/slides/slide6.xml><?xml version="1.0" encoding="utf-8"?>
+<file path=ppt/slides/slide5.xml><?xml version="1.0" encoding="utf-8"?>
 <p:sld xmlns:a="http://schemas.openxmlformats.org/drawingml/2006/main" xmlns:r="http://schemas.openxmlformats.org/officeDocument/2006/relationships" xmlns:p="http://schemas.openxmlformats.org/presentationml/2006/main">
   <p:cSld>
     <p:spTree>
@@ -15171,8 +15181,8 @@
             </p:nvSpPr>
             <p:spPr>
               <a:xfrm>
-                <a:off x="897911" y="3595561"/>
-                <a:ext cx="3457482" cy="1938992"/>
+                <a:off x="4708742" y="1413689"/>
+                <a:ext cx="3109981" cy="2000548"/>
               </a:xfrm>
               <a:prstGeom prst="rect">
                 <a:avLst/>
@@ -15194,113 +15204,14 @@
                   <a:rPr lang="en-US" b="0" dirty="0">
                     <a:latin typeface="Cambria Math" panose="02040503050406030204" pitchFamily="18" charset="0"/>
                   </a:rPr>
-                  <a:t> Analysis says, </a:t>
+                  <a:t> </a:t>
                 </a:r>
-                <a14:m>
-                  <m:oMath xmlns:m="http://schemas.openxmlformats.org/officeDocument/2006/math">
-                    <m:sSub>
-                      <m:sSubPr>
-                        <m:ctrlPr>
-                          <a:rPr lang="en-US" b="0" i="1" smtClean="0">
-                            <a:latin typeface="Cambria Math" panose="02040503050406030204" pitchFamily="18" charset="0"/>
-                          </a:rPr>
-                        </m:ctrlPr>
-                      </m:sSubPr>
-                      <m:e>
-                        <m:r>
-                          <a:rPr lang="en-US" b="0" i="1" smtClean="0">
-                            <a:latin typeface="Cambria Math" panose="02040503050406030204" pitchFamily="18" charset="0"/>
-                          </a:rPr>
-                          <m:t>𝑥</m:t>
-                        </m:r>
-                      </m:e>
-                      <m:sub>
-                        <m:r>
-                          <a:rPr lang="en-US" b="0" i="1" smtClean="0">
-                            <a:latin typeface="Cambria Math" panose="02040503050406030204" pitchFamily="18" charset="0"/>
-                          </a:rPr>
-                          <m:t>2</m:t>
-                        </m:r>
-                      </m:sub>
-                    </m:sSub>
-                    <m:r>
-                      <a:rPr lang="en-US" b="0" i="1" smtClean="0">
-                        <a:latin typeface="Cambria Math" panose="02040503050406030204" pitchFamily="18" charset="0"/>
-                      </a:rPr>
-                      <m:t>, </m:t>
-                    </m:r>
-                    <m:sSub>
-                      <m:sSubPr>
-                        <m:ctrlPr>
-                          <a:rPr lang="en-US" b="0" i="1" smtClean="0">
-                            <a:latin typeface="Cambria Math" panose="02040503050406030204" pitchFamily="18" charset="0"/>
-                          </a:rPr>
-                        </m:ctrlPr>
-                      </m:sSubPr>
-                      <m:e>
-                        <m:r>
-                          <a:rPr lang="en-US" b="0" i="1" smtClean="0">
-                            <a:latin typeface="Cambria Math" panose="02040503050406030204" pitchFamily="18" charset="0"/>
-                          </a:rPr>
-                          <m:t>𝑥</m:t>
-                        </m:r>
-                      </m:e>
-                      <m:sub>
-                        <m:r>
-                          <a:rPr lang="en-US" b="0" i="1" smtClean="0">
-                            <a:latin typeface="Cambria Math" panose="02040503050406030204" pitchFamily="18" charset="0"/>
-                          </a:rPr>
-                          <m:t>3</m:t>
-                        </m:r>
-                      </m:sub>
-                    </m:sSub>
-                    <m:r>
-                      <a:rPr lang="en-US" b="0" i="1" smtClean="0">
-                        <a:latin typeface="Cambria Math" panose="02040503050406030204" pitchFamily="18" charset="0"/>
-                      </a:rPr>
-                      <m:t>&gt;0, </m:t>
-                    </m:r>
-                    <m:sSub>
-                      <m:sSubPr>
-                        <m:ctrlPr>
-                          <a:rPr lang="en-US" b="0" i="1" smtClean="0">
-                            <a:latin typeface="Cambria Math" panose="02040503050406030204" pitchFamily="18" charset="0"/>
-                          </a:rPr>
-                        </m:ctrlPr>
-                      </m:sSubPr>
-                      <m:e>
-                        <m:r>
-                          <a:rPr lang="en-US" b="0" i="1" smtClean="0">
-                            <a:latin typeface="Cambria Math" panose="02040503050406030204" pitchFamily="18" charset="0"/>
-                          </a:rPr>
-                          <m:t>𝑥</m:t>
-                        </m:r>
-                      </m:e>
-                      <m:sub>
-                        <m:r>
-                          <a:rPr lang="en-US" b="0" i="1" smtClean="0">
-                            <a:latin typeface="Cambria Math" panose="02040503050406030204" pitchFamily="18" charset="0"/>
-                          </a:rPr>
-                          <m:t>1</m:t>
-                        </m:r>
-                      </m:sub>
-                    </m:sSub>
-                    <m:r>
-                      <a:rPr lang="en-US" b="0" i="1" smtClean="0">
-                        <a:latin typeface="Cambria Math" panose="02040503050406030204" pitchFamily="18" charset="0"/>
-                      </a:rPr>
-                      <m:t>=0:</m:t>
-                    </m:r>
-                  </m:oMath>
-                </a14:m>
-                <a:br>
-                  <a:rPr lang="en-US" b="0" i="1" dirty="0">
+                <a:r>
+                  <a:rPr lang="en-US" sz="1600" b="0" dirty="0">
                     <a:latin typeface="Cambria Math" panose="02040503050406030204" pitchFamily="18" charset="0"/>
                   </a:rPr>
-                </a:br>
-                <a:endParaRPr lang="en-US" b="0" i="1" dirty="0">
-                  <a:latin typeface="Cambria Math" panose="02040503050406030204" pitchFamily="18" charset="0"/>
-                </a:endParaRPr>
+                  <a:t>Analysis says, for</a:t>
+                </a:r>
               </a:p>
               <a:p>
                 <a14:m>
@@ -15312,14 +15223,14 @@
                       <m:sSub>
                         <m:sSubPr>
                           <m:ctrlPr>
-                            <a:rPr lang="en-US" b="0" i="1" smtClean="0">
+                            <a:rPr lang="en-US" sz="1600" b="0" i="1" smtClean="0">
                               <a:latin typeface="Cambria Math" panose="02040503050406030204" pitchFamily="18" charset="0"/>
                             </a:rPr>
                           </m:ctrlPr>
                         </m:sSubPr>
                         <m:e>
                           <m:r>
-                            <a:rPr lang="en-US" b="0" i="1" smtClean="0">
+                            <a:rPr lang="en-US" sz="1600" b="0" i="1" smtClean="0">
                               <a:latin typeface="Cambria Math" panose="02040503050406030204" pitchFamily="18" charset="0"/>
                             </a:rPr>
                             <m:t>𝑥</m:t>
@@ -15327,27 +15238,146 @@
                         </m:e>
                         <m:sub>
                           <m:r>
-                            <a:rPr lang="en-US" b="0" i="1" smtClean="0">
-                              <a:latin typeface="Cambria Math" panose="02040503050406030204" pitchFamily="18" charset="0"/>
-                            </a:rPr>
-                            <m:t>1</m:t>
+                            <a:rPr lang="en-US" sz="1600" b="0" i="1" smtClean="0">
+                              <a:latin typeface="Cambria Math" panose="02040503050406030204" pitchFamily="18" charset="0"/>
+                            </a:rPr>
+                            <m:t>2</m:t>
                           </m:r>
                         </m:sub>
                       </m:sSub>
                       <m:r>
-                        <a:rPr lang="en-US" b="0" i="1" smtClean="0">
+                        <a:rPr lang="en-US" sz="1600" b="0" i="1" smtClean="0">
+                          <a:latin typeface="Cambria Math" panose="02040503050406030204" pitchFamily="18" charset="0"/>
+                        </a:rPr>
+                        <m:t>, </m:t>
+                      </m:r>
+                      <m:sSub>
+                        <m:sSubPr>
+                          <m:ctrlPr>
+                            <a:rPr lang="en-US" sz="1600" b="0" i="1" smtClean="0">
+                              <a:latin typeface="Cambria Math" panose="02040503050406030204" pitchFamily="18" charset="0"/>
+                            </a:rPr>
+                          </m:ctrlPr>
+                        </m:sSubPr>
+                        <m:e>
+                          <m:r>
+                            <a:rPr lang="en-US" sz="1600" b="0" i="1" smtClean="0">
+                              <a:latin typeface="Cambria Math" panose="02040503050406030204" pitchFamily="18" charset="0"/>
+                            </a:rPr>
+                            <m:t>𝑥</m:t>
+                          </m:r>
+                        </m:e>
+                        <m:sub>
+                          <m:r>
+                            <a:rPr lang="en-US" sz="1600" b="0" i="1" smtClean="0">
+                              <a:latin typeface="Cambria Math" panose="02040503050406030204" pitchFamily="18" charset="0"/>
+                            </a:rPr>
+                            <m:t>3</m:t>
+                          </m:r>
+                        </m:sub>
+                      </m:sSub>
+                      <m:r>
+                        <a:rPr lang="en-US" sz="1600" b="0" i="1" smtClean="0">
+                          <a:latin typeface="Cambria Math" panose="02040503050406030204" pitchFamily="18" charset="0"/>
+                        </a:rPr>
+                        <m:t>&gt;0, </m:t>
+                      </m:r>
+                      <m:sSub>
+                        <m:sSubPr>
+                          <m:ctrlPr>
+                            <a:rPr lang="en-US" sz="1600" b="0" i="1" smtClean="0">
+                              <a:latin typeface="Cambria Math" panose="02040503050406030204" pitchFamily="18" charset="0"/>
+                            </a:rPr>
+                          </m:ctrlPr>
+                        </m:sSubPr>
+                        <m:e>
+                          <m:r>
+                            <a:rPr lang="en-US" sz="1600" b="0" i="1" smtClean="0">
+                              <a:latin typeface="Cambria Math" panose="02040503050406030204" pitchFamily="18" charset="0"/>
+                            </a:rPr>
+                            <m:t>𝑥</m:t>
+                          </m:r>
+                        </m:e>
+                        <m:sub>
+                          <m:r>
+                            <a:rPr lang="en-US" sz="1600" b="0" i="1" smtClean="0">
+                              <a:latin typeface="Cambria Math" panose="02040503050406030204" pitchFamily="18" charset="0"/>
+                            </a:rPr>
+                            <m:t>1</m:t>
+                          </m:r>
+                        </m:sub>
+                      </m:sSub>
+                      <m:r>
+                        <a:rPr lang="en-US" sz="1600" b="0" i="1" smtClean="0">
+                          <a:latin typeface="Cambria Math" panose="02040503050406030204" pitchFamily="18" charset="0"/>
+                        </a:rPr>
+                        <m:t>=0:</m:t>
+                      </m:r>
+                    </m:oMath>
+                  </m:oMathPara>
+                </a14:m>
+                <a:br>
+                  <a:rPr lang="en-US" sz="1600" b="0" i="1" dirty="0">
+                    <a:latin typeface="Cambria Math" panose="02040503050406030204" pitchFamily="18" charset="0"/>
+                  </a:rPr>
+                </a:br>
+                <a:endParaRPr lang="en-US" sz="1600" b="0" i="1" dirty="0">
+                  <a:latin typeface="Cambria Math" panose="02040503050406030204" pitchFamily="18" charset="0"/>
+                </a:endParaRPr>
+              </a:p>
+              <a:p>
+                <a:pPr/>
+                <a:endParaRPr lang="en-US" sz="1600" b="0" i="1" dirty="0">
+                  <a:latin typeface="Cambria Math" panose="02040503050406030204" pitchFamily="18" charset="0"/>
+                </a:endParaRPr>
+              </a:p>
+              <a:p>
+                <a:pPr/>
+                <a14:m>
+                  <m:oMathPara xmlns:m="http://schemas.openxmlformats.org/officeDocument/2006/math">
+                    <m:oMathParaPr>
+                      <m:jc m:val="centerGroup"/>
+                    </m:oMathParaPr>
+                    <m:oMath xmlns:m="http://schemas.openxmlformats.org/officeDocument/2006/math">
+                      <m:sSub>
+                        <m:sSubPr>
+                          <m:ctrlPr>
+                            <a:rPr lang="en-US" sz="1600" b="0" i="1" smtClean="0">
+                              <a:latin typeface="Cambria Math" panose="02040503050406030204" pitchFamily="18" charset="0"/>
+                            </a:rPr>
+                          </m:ctrlPr>
+                        </m:sSubPr>
+                        <m:e>
+                          <m:r>
+                            <a:rPr lang="en-US" sz="1600" b="0" i="1" smtClean="0">
+                              <a:latin typeface="Cambria Math" panose="02040503050406030204" pitchFamily="18" charset="0"/>
+                            </a:rPr>
+                            <m:t>𝑥</m:t>
+                          </m:r>
+                        </m:e>
+                        <m:sub>
+                          <m:r>
+                            <a:rPr lang="en-US" sz="1600" b="0" i="1" smtClean="0">
+                              <a:latin typeface="Cambria Math" panose="02040503050406030204" pitchFamily="18" charset="0"/>
+                            </a:rPr>
+                            <m:t>1</m:t>
+                          </m:r>
+                        </m:sub>
+                      </m:sSub>
+                      <m:r>
+                        <a:rPr lang="en-US" sz="1600" b="0" i="1" smtClean="0">
                           <a:latin typeface="Cambria Math" panose="02040503050406030204" pitchFamily="18" charset="0"/>
                         </a:rPr>
                         <m:t>=0⇒</m:t>
                       </m:r>
                       <m:r>
-                        <a:rPr lang="en-US" b="0" i="1" smtClean="0">
+                        <a:rPr lang="en-US" sz="1600" b="0" i="1" smtClean="0">
                           <a:latin typeface="Cambria Math" panose="02040503050406030204" pitchFamily="18" charset="0"/>
                         </a:rPr>
                         <m:t>𝑒</m:t>
                       </m:r>
                       <m:r>
-                        <a:rPr lang="en-US" b="0" i="1" smtClean="0">
+                        <a:rPr lang="en-US" sz="1600" b="0" i="1" smtClean="0">
                           <a:latin typeface="Cambria Math" panose="02040503050406030204" pitchFamily="18" charset="0"/>
                         </a:rPr>
                         <m:t>=0</m:t>
@@ -15355,13 +15385,13 @@
                     </m:oMath>
                     <m:oMath xmlns:m="http://schemas.openxmlformats.org/officeDocument/2006/math">
                       <m:r>
-                        <a:rPr lang="en-US" b="0" i="1" smtClean="0">
+                        <a:rPr lang="en-US" sz="1600" b="0" i="1" smtClean="0">
                           <a:latin typeface="Cambria Math" panose="02040503050406030204" pitchFamily="18" charset="0"/>
                         </a:rPr>
                         <m:t>𝑒</m:t>
                       </m:r>
                       <m:r>
-                        <a:rPr lang="en-US" b="0" i="1" smtClean="0">
+                        <a:rPr lang="en-US" sz="1600" b="0" i="1" smtClean="0">
                           <a:latin typeface="Cambria Math" panose="02040503050406030204" pitchFamily="18" charset="0"/>
                         </a:rPr>
                         <m:t>=0⇒</m:t>
@@ -15369,14 +15399,14 @@
                       <m:sSub>
                         <m:sSubPr>
                           <m:ctrlPr>
-                            <a:rPr lang="en-US" b="0" i="1" smtClean="0">
+                            <a:rPr lang="en-US" sz="1600" b="0" i="1" smtClean="0">
                               <a:latin typeface="Cambria Math" panose="02040503050406030204" pitchFamily="18" charset="0"/>
                             </a:rPr>
                           </m:ctrlPr>
                         </m:sSubPr>
                         <m:e>
                           <m:r>
-                            <a:rPr lang="en-US" b="0" i="1" smtClean="0">
+                            <a:rPr lang="en-US" sz="1600" b="0" i="1" smtClean="0">
                               <a:latin typeface="Cambria Math" panose="02040503050406030204" pitchFamily="18" charset="0"/>
                             </a:rPr>
                             <m:t>𝑥</m:t>
@@ -15384,7 +15414,7 @@
                         </m:e>
                         <m:sub>
                           <m:r>
-                            <a:rPr lang="en-US" b="0" i="1" smtClean="0">
+                            <a:rPr lang="en-US" sz="1600" b="0" i="1" smtClean="0">
                               <a:latin typeface="Cambria Math" panose="02040503050406030204" pitchFamily="18" charset="0"/>
                             </a:rPr>
                             <m:t>2</m:t>
@@ -15392,7 +15422,7 @@
                         </m:sub>
                       </m:sSub>
                       <m:r>
-                        <a:rPr lang="en-US" b="0" i="1" smtClean="0">
+                        <a:rPr lang="en-US" sz="1600" b="0" i="1" smtClean="0">
                           <a:latin typeface="Cambria Math" panose="02040503050406030204" pitchFamily="18" charset="0"/>
                         </a:rPr>
                         <m:t>, </m:t>
@@ -15400,14 +15430,14 @@
                       <m:sSub>
                         <m:sSubPr>
                           <m:ctrlPr>
-                            <a:rPr lang="en-US" b="0" i="1" smtClean="0">
+                            <a:rPr lang="en-US" sz="1600" b="0" i="1" smtClean="0">
                               <a:latin typeface="Cambria Math" panose="02040503050406030204" pitchFamily="18" charset="0"/>
                             </a:rPr>
                           </m:ctrlPr>
                         </m:sSubPr>
                         <m:e>
                           <m:r>
-                            <a:rPr lang="en-US" b="0" i="1" smtClean="0">
+                            <a:rPr lang="en-US" sz="1600" b="0" i="1" smtClean="0">
                               <a:latin typeface="Cambria Math" panose="02040503050406030204" pitchFamily="18" charset="0"/>
                             </a:rPr>
                             <m:t>𝑥</m:t>
@@ -15415,7 +15445,7 @@
                         </m:e>
                         <m:sub>
                           <m:r>
-                            <a:rPr lang="en-US" b="0" i="1" smtClean="0">
+                            <a:rPr lang="en-US" sz="1600" b="0" i="1" smtClean="0">
                               <a:latin typeface="Cambria Math" panose="02040503050406030204" pitchFamily="18" charset="0"/>
                             </a:rPr>
                             <m:t>3</m:t>
@@ -15423,7 +15453,7 @@
                         </m:sub>
                       </m:sSub>
                       <m:r>
-                        <a:rPr lang="en-US" b="0" i="1" smtClean="0">
+                        <a:rPr lang="en-US" sz="1600" b="0" i="1" smtClean="0">
                           <a:latin typeface="Cambria Math" panose="02040503050406030204" pitchFamily="18" charset="0"/>
                         </a:rPr>
                         <m:t>=0</m:t>
@@ -15431,23 +15461,27 @@
                     </m:oMath>
                   </m:oMathPara>
                 </a14:m>
-                <a:endParaRPr lang="en-US" b="0" dirty="0"/>
+                <a:endParaRPr lang="en-US" sz="1600" b="0" dirty="0"/>
               </a:p>
               <a:p>
-                <a:endParaRPr lang="en-US" dirty="0"/>
+                <a:endParaRPr lang="en-US" sz="1600" dirty="0"/>
               </a:p>
               <a:p>
                 <a:r>
-                  <a:rPr lang="en-US" b="0" dirty="0"/>
-                  <a:t> Contradiction. </a:t>
+                  <a:rPr lang="en-US" sz="1600" b="0" dirty="0"/>
+                  <a:t> Contradiction. Thus a tragedy should </a:t>
                 </a:r>
               </a:p>
               <a:p>
                 <a:r>
-                  <a:rPr lang="en-US" b="0" dirty="0"/>
-                  <a:t> Thus a tragedy should occur.</a:t>
+                  <a:rPr lang="en-US" sz="1600" dirty="0"/>
+                  <a:t> </a:t>
                 </a:r>
-                <a:endParaRPr lang="en-US" dirty="0"/>
+                <a:r>
+                  <a:rPr lang="en-US" sz="1600" b="0" dirty="0"/>
+                  <a:t>occur.</a:t>
+                </a:r>
+                <a:endParaRPr lang="en-US" sz="1600" dirty="0"/>
               </a:p>
             </p:txBody>
           </p:sp>
@@ -15469,8 +15503,8 @@
             </p:nvSpPr>
             <p:spPr>
               <a:xfrm>
-                <a:off x="897911" y="3595561"/>
-                <a:ext cx="3457482" cy="1938992"/>
+                <a:off x="4708742" y="1413689"/>
+                <a:ext cx="3109981" cy="2000548"/>
               </a:xfrm>
               <a:prstGeom prst="rect">
                 <a:avLst/>
@@ -15478,7 +15512,7 @@
               <a:blipFill>
                 <a:blip r:embed="rId7"/>
                 <a:stretch>
-                  <a:fillRect l="-2460" t="-4063" b="-5938"/>
+                  <a:fillRect l="-2144" t="-2121" r="-3899" b="-4848"/>
                 </a:stretch>
               </a:blipFill>
               <a:ln>
@@ -15530,8 +15564,8 @@
         </p:blipFill>
         <p:spPr>
           <a:xfrm>
-            <a:off x="5583382" y="1027906"/>
-            <a:ext cx="6096000" cy="4572000"/>
+            <a:off x="8225935" y="954956"/>
+            <a:ext cx="3306753" cy="2480065"/>
           </a:xfrm>
           <a:prstGeom prst="rect">
             <a:avLst/>
@@ -15543,77 +15577,69 @@
           </a:ln>
         </p:spPr>
       </p:pic>
-    </p:spTree>
-    <p:extLst>
-      <p:ext uri="{BB962C8B-B14F-4D97-AF65-F5344CB8AC3E}">
-        <p14:creationId xmlns:p14="http://schemas.microsoft.com/office/powerpoint/2010/main" val="2948873348"/>
-      </p:ext>
-    </p:extLst>
-  </p:cSld>
-  <p:clrMapOvr>
-    <a:masterClrMapping/>
-  </p:clrMapOvr>
-</p:sld>
-</file>
-
-<file path=ppt/slides/slide7.xml><?xml version="1.0" encoding="utf-8"?>
-<p:sld xmlns:a="http://schemas.openxmlformats.org/drawingml/2006/main" xmlns:r="http://schemas.openxmlformats.org/officeDocument/2006/relationships" xmlns:p="http://schemas.openxmlformats.org/presentationml/2006/main">
-  <p:cSld>
-    <p:spTree>
-      <p:nvGrpSpPr>
-        <p:cNvPr id="1" name=""/>
-        <p:cNvGrpSpPr/>
-        <p:nvPr/>
-      </p:nvGrpSpPr>
-      <p:grpSpPr>
-        <a:xfrm>
-          <a:off x="0" y="0"/>
-          <a:ext cx="0" cy="0"/>
-          <a:chOff x="0" y="0"/>
-          <a:chExt cx="0" cy="0"/>
-        </a:xfrm>
-      </p:grpSpPr>
       <p:sp>
         <p:nvSpPr>
-          <p:cNvPr id="2" name="Title 1">
+          <p:cNvPr id="10" name="Title 1">
             <a:extLst>
               <a:ext uri="{FF2B5EF4-FFF2-40B4-BE49-F238E27FC236}">
-                <a16:creationId xmlns:a16="http://schemas.microsoft.com/office/drawing/2014/main" id="{EB59D587-CEFC-4935-937D-85FB1C5F1122}"/>
+                <a16:creationId xmlns:a16="http://schemas.microsoft.com/office/drawing/2014/main" id="{717C8A6D-910F-49FD-BB99-7B0BA01866FD}"/>
               </a:ext>
             </a:extLst>
           </p:cNvPr>
-          <p:cNvSpPr>
-            <a:spLocks noGrp="1"/>
+          <p:cNvSpPr txBox="1">
+            <a:spLocks/>
           </p:cNvSpPr>
-          <p:nvPr>
-            <p:ph type="title"/>
-          </p:nvPr>
+          <p:nvPr/>
         </p:nvSpPr>
         <p:spPr>
           <a:xfrm>
-            <a:off x="838200" y="365125"/>
+            <a:off x="838200" y="3237396"/>
             <a:ext cx="10515600" cy="1325563"/>
           </a:xfrm>
+          <a:prstGeom prst="rect">
+            <a:avLst/>
+          </a:prstGeom>
         </p:spPr>
         <p:txBody>
-          <a:bodyPr/>
-          <a:lstStyle/>
+          <a:bodyPr vert="horz" lIns="91440" tIns="45720" rIns="91440" bIns="45720" rtlCol="0" anchor="ctr">
+            <a:normAutofit/>
+          </a:bodyPr>
+          <a:lstStyle>
+            <a:lvl1pPr algn="l" defTabSz="914400" rtl="0" eaLnBrk="1" latinLnBrk="0" hangingPunct="1">
+              <a:lnSpc>
+                <a:spcPct val="90000"/>
+              </a:lnSpc>
+              <a:spcBef>
+                <a:spcPct val="0"/>
+              </a:spcBef>
+              <a:buNone/>
+              <a:defRPr sz="4400" kern="1200">
+                <a:solidFill>
+                  <a:schemeClr val="tx1"/>
+                </a:solidFill>
+                <a:latin typeface="+mj-lt"/>
+                <a:ea typeface="+mj-ea"/>
+                <a:cs typeface="+mj-cs"/>
+              </a:defRPr>
+            </a:lvl1pPr>
+          </a:lstStyle>
           <a:p>
             <a:r>
-              <a:rPr lang="en-US" dirty="0"/>
+              <a:rPr lang="en-US"/>
               <a:t> Cooperator and Cheater </a:t>
             </a:r>
+            <a:endParaRPr lang="en-US" dirty="0"/>
           </a:p>
         </p:txBody>
       </p:sp>
-      <mc:AlternateContent xmlns:mc="http://schemas.openxmlformats.org/markup-compatibility/2006" xmlns:a14="http://schemas.microsoft.com/office/drawing/2010/main">
-        <mc:Choice Requires="a14">
+      <mc:AlternateContent xmlns:mc="http://schemas.openxmlformats.org/markup-compatibility/2006">
+        <mc:Choice xmlns:a14="http://schemas.microsoft.com/office/drawing/2010/main" Requires="a14">
           <p:sp>
             <p:nvSpPr>
-              <p:cNvPr id="13" name="TextBox 12">
+              <p:cNvPr id="11" name="TextBox 10">
                 <a:extLst>
                   <a:ext uri="{FF2B5EF4-FFF2-40B4-BE49-F238E27FC236}">
-                    <a16:creationId xmlns:a16="http://schemas.microsoft.com/office/drawing/2014/main" id="{6B94F657-6785-478A-B04B-B526BFF0837E}"/>
+                    <a16:creationId xmlns:a16="http://schemas.microsoft.com/office/drawing/2014/main" id="{8400873F-E885-48B6-9917-22B5218E8AC1}"/>
                   </a:ext>
                 </a:extLst>
               </p:cNvPr>
@@ -15622,7 +15648,7 @@
             </p:nvSpPr>
             <p:spPr>
               <a:xfrm>
-                <a:off x="1049553" y="1413689"/>
+                <a:off x="1102974" y="4218779"/>
                 <a:ext cx="3365793" cy="276999"/>
               </a:xfrm>
               <a:prstGeom prst="rect">
@@ -15915,13 +15941,13 @@
             </p:txBody>
           </p:sp>
         </mc:Choice>
-        <mc:Fallback xmlns="">
+        <mc:Fallback>
           <p:sp>
             <p:nvSpPr>
-              <p:cNvPr id="13" name="TextBox 12">
+              <p:cNvPr id="11" name="TextBox 10">
                 <a:extLst>
                   <a:ext uri="{FF2B5EF4-FFF2-40B4-BE49-F238E27FC236}">
-                    <a16:creationId xmlns:a16="http://schemas.microsoft.com/office/drawing/2014/main" id="{6B94F657-6785-478A-B04B-B526BFF0837E}"/>
+                    <a16:creationId xmlns:a16="http://schemas.microsoft.com/office/drawing/2014/main" id="{8400873F-E885-48B6-9917-22B5218E8AC1}"/>
                   </a:ext>
                 </a:extLst>
               </p:cNvPr>
@@ -15932,14 +15958,14 @@
             </p:nvSpPr>
             <p:spPr>
               <a:xfrm>
-                <a:off x="1049553" y="1413689"/>
+                <a:off x="1102974" y="4218779"/>
                 <a:ext cx="3365793" cy="276999"/>
               </a:xfrm>
               <a:prstGeom prst="rect">
                 <a:avLst/>
               </a:prstGeom>
               <a:blipFill>
-                <a:blip r:embed="rId2"/>
+                <a:blip r:embed="rId9"/>
                 <a:stretch>
                   <a:fillRect t="-4444" b="-35556"/>
                 </a:stretch>
@@ -15960,14 +15986,14 @@
           </p:sp>
         </mc:Fallback>
       </mc:AlternateContent>
-      <mc:AlternateContent xmlns:mc="http://schemas.openxmlformats.org/markup-compatibility/2006" xmlns:a14="http://schemas.microsoft.com/office/drawing/2010/main">
-        <mc:Choice Requires="a14">
+      <mc:AlternateContent xmlns:mc="http://schemas.openxmlformats.org/markup-compatibility/2006">
+        <mc:Choice xmlns:a14="http://schemas.microsoft.com/office/drawing/2010/main" Requires="a14">
           <p:sp>
             <p:nvSpPr>
-              <p:cNvPr id="15" name="TextBox 14">
+              <p:cNvPr id="12" name="TextBox 11">
                 <a:extLst>
                   <a:ext uri="{FF2B5EF4-FFF2-40B4-BE49-F238E27FC236}">
-                    <a16:creationId xmlns:a16="http://schemas.microsoft.com/office/drawing/2014/main" id="{F950802A-DFC3-4211-89A3-E4277272EEAF}"/>
+                    <a16:creationId xmlns:a16="http://schemas.microsoft.com/office/drawing/2014/main" id="{AB17479E-BD45-4398-A57E-DE8CAE64B055}"/>
                   </a:ext>
                 </a:extLst>
               </p:cNvPr>
@@ -15976,7 +16002,7 @@
             </p:nvSpPr>
             <p:spPr>
               <a:xfrm>
-                <a:off x="1075694" y="1770632"/>
+                <a:off x="1129115" y="4575722"/>
                 <a:ext cx="2089867" cy="276999"/>
               </a:xfrm>
               <a:prstGeom prst="rect">
@@ -16129,13 +16155,13 @@
             </p:txBody>
           </p:sp>
         </mc:Choice>
-        <mc:Fallback xmlns="">
+        <mc:Fallback>
           <p:sp>
             <p:nvSpPr>
-              <p:cNvPr id="15" name="TextBox 14">
+              <p:cNvPr id="12" name="TextBox 11">
                 <a:extLst>
                   <a:ext uri="{FF2B5EF4-FFF2-40B4-BE49-F238E27FC236}">
-                    <a16:creationId xmlns:a16="http://schemas.microsoft.com/office/drawing/2014/main" id="{F950802A-DFC3-4211-89A3-E4277272EEAF}"/>
+                    <a16:creationId xmlns:a16="http://schemas.microsoft.com/office/drawing/2014/main" id="{AB17479E-BD45-4398-A57E-DE8CAE64B055}"/>
                   </a:ext>
                 </a:extLst>
               </p:cNvPr>
@@ -16146,16 +16172,16 @@
             </p:nvSpPr>
             <p:spPr>
               <a:xfrm>
-                <a:off x="1075694" y="1770632"/>
+                <a:off x="1129115" y="4575722"/>
                 <a:ext cx="2089867" cy="276999"/>
               </a:xfrm>
               <a:prstGeom prst="rect">
                 <a:avLst/>
               </a:prstGeom>
               <a:blipFill>
-                <a:blip r:embed="rId3"/>
+                <a:blip r:embed="rId10"/>
                 <a:stretch>
-                  <a:fillRect l="-2915" t="-2174" r="-583" b="-34783"/>
+                  <a:fillRect l="-2915" t="-2222" r="-583" b="-35556"/>
                 </a:stretch>
               </a:blipFill>
             </p:spPr>
@@ -16174,14 +16200,14 @@
           </p:sp>
         </mc:Fallback>
       </mc:AlternateContent>
-      <mc:AlternateContent xmlns:mc="http://schemas.openxmlformats.org/markup-compatibility/2006" xmlns:a14="http://schemas.microsoft.com/office/drawing/2010/main">
-        <mc:Choice Requires="a14">
+      <mc:AlternateContent xmlns:mc="http://schemas.openxmlformats.org/markup-compatibility/2006">
+        <mc:Choice xmlns:a14="http://schemas.microsoft.com/office/drawing/2010/main" Requires="a14">
           <p:sp>
             <p:nvSpPr>
-              <p:cNvPr id="16" name="TextBox 15">
+              <p:cNvPr id="14" name="TextBox 13">
                 <a:extLst>
                   <a:ext uri="{FF2B5EF4-FFF2-40B4-BE49-F238E27FC236}">
-                    <a16:creationId xmlns:a16="http://schemas.microsoft.com/office/drawing/2014/main" id="{E796595B-F1C0-4A49-9CC7-35C5D5914FF8}"/>
+                    <a16:creationId xmlns:a16="http://schemas.microsoft.com/office/drawing/2014/main" id="{B58F2216-9B99-4A95-9E33-989BF654E68F}"/>
                   </a:ext>
                 </a:extLst>
               </p:cNvPr>
@@ -16190,7 +16216,7 @@
             </p:nvSpPr>
             <p:spPr>
               <a:xfrm>
-                <a:off x="1075694" y="2130119"/>
+                <a:off x="1129115" y="4935209"/>
                 <a:ext cx="1356205" cy="276999"/>
               </a:xfrm>
               <a:prstGeom prst="rect">
@@ -16273,13 +16299,13 @@
             </p:txBody>
           </p:sp>
         </mc:Choice>
-        <mc:Fallback xmlns="">
+        <mc:Fallback>
           <p:sp>
             <p:nvSpPr>
-              <p:cNvPr id="16" name="TextBox 15">
+              <p:cNvPr id="14" name="TextBox 13">
                 <a:extLst>
                   <a:ext uri="{FF2B5EF4-FFF2-40B4-BE49-F238E27FC236}">
-                    <a16:creationId xmlns:a16="http://schemas.microsoft.com/office/drawing/2014/main" id="{E796595B-F1C0-4A49-9CC7-35C5D5914FF8}"/>
+                    <a16:creationId xmlns:a16="http://schemas.microsoft.com/office/drawing/2014/main" id="{B58F2216-9B99-4A95-9E33-989BF654E68F}"/>
                   </a:ext>
                 </a:extLst>
               </p:cNvPr>
@@ -16290,16 +16316,16 @@
             </p:nvSpPr>
             <p:spPr>
               <a:xfrm>
-                <a:off x="1075694" y="2130119"/>
+                <a:off x="1129115" y="4935209"/>
                 <a:ext cx="1356205" cy="276999"/>
               </a:xfrm>
               <a:prstGeom prst="rect">
                 <a:avLst/>
               </a:prstGeom>
               <a:blipFill>
-                <a:blip r:embed="rId4"/>
+                <a:blip r:embed="rId11"/>
                 <a:stretch>
-                  <a:fillRect l="-3139" t="-10870" b="-8696"/>
+                  <a:fillRect l="-3139" t="-11111" b="-8889"/>
                 </a:stretch>
               </a:blipFill>
             </p:spPr>
@@ -16318,14 +16344,14 @@
           </p:sp>
         </mc:Fallback>
       </mc:AlternateContent>
-      <mc:AlternateContent xmlns:mc="http://schemas.openxmlformats.org/markup-compatibility/2006" xmlns:a14="http://schemas.microsoft.com/office/drawing/2010/main">
-        <mc:Choice Requires="a14">
+      <mc:AlternateContent xmlns:mc="http://schemas.openxmlformats.org/markup-compatibility/2006">
+        <mc:Choice xmlns:a14="http://schemas.microsoft.com/office/drawing/2010/main" Requires="a14">
           <p:sp>
             <p:nvSpPr>
-              <p:cNvPr id="20" name="TextBox 19">
+              <p:cNvPr id="17" name="TextBox 16">
                 <a:extLst>
                   <a:ext uri="{FF2B5EF4-FFF2-40B4-BE49-F238E27FC236}">
-                    <a16:creationId xmlns:a16="http://schemas.microsoft.com/office/drawing/2014/main" id="{C1F6F25C-586D-493C-BECF-01EDD98F1135}"/>
+                    <a16:creationId xmlns:a16="http://schemas.microsoft.com/office/drawing/2014/main" id="{93A5C3FB-2472-403C-AC2C-F7E04D141FD7}"/>
                   </a:ext>
                 </a:extLst>
               </p:cNvPr>
@@ -16334,7 +16360,7 @@
             </p:nvSpPr>
             <p:spPr>
               <a:xfrm>
-                <a:off x="1022272" y="2841875"/>
+                <a:off x="1075693" y="5646965"/>
                 <a:ext cx="2062295" cy="276999"/>
               </a:xfrm>
               <a:prstGeom prst="rect">
@@ -16532,13 +16558,13 @@
             </p:txBody>
           </p:sp>
         </mc:Choice>
-        <mc:Fallback xmlns="">
+        <mc:Fallback>
           <p:sp>
             <p:nvSpPr>
-              <p:cNvPr id="20" name="TextBox 19">
+              <p:cNvPr id="17" name="TextBox 16">
                 <a:extLst>
                   <a:ext uri="{FF2B5EF4-FFF2-40B4-BE49-F238E27FC236}">
-                    <a16:creationId xmlns:a16="http://schemas.microsoft.com/office/drawing/2014/main" id="{C1F6F25C-586D-493C-BECF-01EDD98F1135}"/>
+                    <a16:creationId xmlns:a16="http://schemas.microsoft.com/office/drawing/2014/main" id="{93A5C3FB-2472-403C-AC2C-F7E04D141FD7}"/>
                   </a:ext>
                 </a:extLst>
               </p:cNvPr>
@@ -16549,16 +16575,16 @@
             </p:nvSpPr>
             <p:spPr>
               <a:xfrm>
-                <a:off x="1022272" y="2841875"/>
+                <a:off x="1075693" y="5646965"/>
                 <a:ext cx="2062295" cy="276999"/>
               </a:xfrm>
               <a:prstGeom prst="rect">
                 <a:avLst/>
               </a:prstGeom>
               <a:blipFill>
-                <a:blip r:embed="rId5"/>
+                <a:blip r:embed="rId12"/>
                 <a:stretch>
-                  <a:fillRect l="-1183" t="-2174" r="-3846" b="-34783"/>
+                  <a:fillRect l="-1180" t="-2174" r="-3540" b="-34783"/>
                 </a:stretch>
               </a:blipFill>
             </p:spPr>
@@ -16581,10 +16607,10 @@
         <mc:Choice xmlns:a14="http://schemas.microsoft.com/office/drawing/2010/main" Requires="a14">
           <p:sp>
             <p:nvSpPr>
-              <p:cNvPr id="28" name="TextBox 27">
+              <p:cNvPr id="19" name="TextBox 18">
                 <a:extLst>
                   <a:ext uri="{FF2B5EF4-FFF2-40B4-BE49-F238E27FC236}">
-                    <a16:creationId xmlns:a16="http://schemas.microsoft.com/office/drawing/2014/main" id="{68C8C5A8-36E3-4D0D-9FDC-6402FDCBEF19}"/>
+                    <a16:creationId xmlns:a16="http://schemas.microsoft.com/office/drawing/2014/main" id="{C80F4A96-7736-4F11-B14F-F0096214FD0A}"/>
                   </a:ext>
                 </a:extLst>
               </p:cNvPr>
@@ -16593,409 +16619,7 @@
             </p:nvSpPr>
             <p:spPr>
               <a:xfrm>
-                <a:off x="897910" y="3595561"/>
-                <a:ext cx="3517435" cy="2234586"/>
-              </a:xfrm>
-              <a:prstGeom prst="rect">
-                <a:avLst/>
-              </a:prstGeom>
-              <a:noFill/>
-              <a:ln>
-                <a:solidFill>
-                  <a:schemeClr val="tx1"/>
-                </a:solidFill>
-              </a:ln>
-            </p:spPr>
-            <p:txBody>
-              <a:bodyPr wrap="square" lIns="0" tIns="0" rIns="0" bIns="0" rtlCol="0">
-                <a:spAutoFit/>
-              </a:bodyPr>
-              <a:lstStyle/>
-              <a:p>
-                <a:r>
-                  <a:rPr lang="en-US" b="0" dirty="0">
-                    <a:latin typeface="Cambria Math" panose="02040503050406030204" pitchFamily="18" charset="0"/>
-                  </a:rPr>
-                  <a:t> Analysis says</a:t>
-                </a:r>
-                <a:r>
-                  <a:rPr lang="en-US" dirty="0">
-                    <a:latin typeface="Cambria Math" panose="02040503050406030204" pitchFamily="18" charset="0"/>
-                  </a:rPr>
-                  <a:t>,</a:t>
-                </a:r>
-                <a:r>
-                  <a:rPr lang="en-US" b="0" dirty="0"/>
-                  <a:t> </a:t>
-                </a:r>
-                <a14:m>
-                  <m:oMath xmlns:m="http://schemas.openxmlformats.org/officeDocument/2006/math">
-                    <m:sSub>
-                      <m:sSubPr>
-                        <m:ctrlPr>
-                          <a:rPr lang="en-US" b="0" i="1" smtClean="0">
-                            <a:latin typeface="Cambria Math" panose="02040503050406030204" pitchFamily="18" charset="0"/>
-                          </a:rPr>
-                        </m:ctrlPr>
-                      </m:sSubPr>
-                      <m:e>
-                        <m:r>
-                          <a:rPr lang="en-US" b="0" i="1" smtClean="0">
-                            <a:latin typeface="Cambria Math" panose="02040503050406030204" pitchFamily="18" charset="0"/>
-                          </a:rPr>
-                          <m:t>𝑥</m:t>
-                        </m:r>
-                      </m:e>
-                      <m:sub>
-                        <m:r>
-                          <a:rPr lang="en-US" b="0" i="1" smtClean="0">
-                            <a:latin typeface="Cambria Math" panose="02040503050406030204" pitchFamily="18" charset="0"/>
-                          </a:rPr>
-                          <m:t>1</m:t>
-                        </m:r>
-                      </m:sub>
-                    </m:sSub>
-                    <m:r>
-                      <a:rPr lang="en-US" b="0" i="1" smtClean="0">
-                        <a:latin typeface="Cambria Math" panose="02040503050406030204" pitchFamily="18" charset="0"/>
-                      </a:rPr>
-                      <m:t>, </m:t>
-                    </m:r>
-                    <m:sSub>
-                      <m:sSubPr>
-                        <m:ctrlPr>
-                          <a:rPr lang="en-US" b="0" i="1" smtClean="0">
-                            <a:latin typeface="Cambria Math" panose="02040503050406030204" pitchFamily="18" charset="0"/>
-                          </a:rPr>
-                        </m:ctrlPr>
-                      </m:sSubPr>
-                      <m:e>
-                        <m:r>
-                          <a:rPr lang="en-US" b="0" i="1" smtClean="0">
-                            <a:latin typeface="Cambria Math" panose="02040503050406030204" pitchFamily="18" charset="0"/>
-                          </a:rPr>
-                          <m:t>𝑥</m:t>
-                        </m:r>
-                      </m:e>
-                      <m:sub>
-                        <m:r>
-                          <a:rPr lang="en-US" b="0" i="1" smtClean="0">
-                            <a:latin typeface="Cambria Math" panose="02040503050406030204" pitchFamily="18" charset="0"/>
-                          </a:rPr>
-                          <m:t>3</m:t>
-                        </m:r>
-                      </m:sub>
-                    </m:sSub>
-                    <m:r>
-                      <a:rPr lang="en-US" b="0" i="1" smtClean="0">
-                        <a:latin typeface="Cambria Math" panose="02040503050406030204" pitchFamily="18" charset="0"/>
-                      </a:rPr>
-                      <m:t>&gt;0, </m:t>
-                    </m:r>
-                    <m:sSub>
-                      <m:sSubPr>
-                        <m:ctrlPr>
-                          <a:rPr lang="en-US" b="0" i="1" smtClean="0">
-                            <a:latin typeface="Cambria Math" panose="02040503050406030204" pitchFamily="18" charset="0"/>
-                          </a:rPr>
-                        </m:ctrlPr>
-                      </m:sSubPr>
-                      <m:e>
-                        <m:r>
-                          <a:rPr lang="en-US" b="0" i="1" smtClean="0">
-                            <a:latin typeface="Cambria Math" panose="02040503050406030204" pitchFamily="18" charset="0"/>
-                          </a:rPr>
-                          <m:t>𝑥</m:t>
-                        </m:r>
-                      </m:e>
-                      <m:sub>
-                        <m:r>
-                          <a:rPr lang="en-US" b="0" i="1" smtClean="0">
-                            <a:latin typeface="Cambria Math" panose="02040503050406030204" pitchFamily="18" charset="0"/>
-                          </a:rPr>
-                          <m:t>2</m:t>
-                        </m:r>
-                      </m:sub>
-                    </m:sSub>
-                    <m:r>
-                      <a:rPr lang="en-US" b="0" i="1" smtClean="0">
-                        <a:latin typeface="Cambria Math" panose="02040503050406030204" pitchFamily="18" charset="0"/>
-                      </a:rPr>
-                      <m:t>=0:</m:t>
-                    </m:r>
-                  </m:oMath>
-                </a14:m>
-                <a:br>
-                  <a:rPr lang="en-US" b="0" i="1" dirty="0">
-                    <a:latin typeface="Cambria Math" panose="02040503050406030204" pitchFamily="18" charset="0"/>
-                  </a:rPr>
-                </a:br>
-                <a:r>
-                  <a:rPr lang="en-US" b="0" i="1" dirty="0">
-                    <a:latin typeface="Cambria Math" panose="02040503050406030204" pitchFamily="18" charset="0"/>
-                  </a:rPr>
-                  <a:t>	</a:t>
-                </a:r>
-              </a:p>
-              <a:p>
-                <a:r>
-                  <a:rPr lang="en-US" i="1" dirty="0">
-                    <a:latin typeface="Cambria Math" panose="02040503050406030204" pitchFamily="18" charset="0"/>
-                  </a:rPr>
-                  <a:t>	</a:t>
-                </a:r>
-                <a:r>
-                  <a:rPr lang="en-US" b="0" dirty="0">
-                    <a:latin typeface="Cambria Math" panose="02040503050406030204" pitchFamily="18" charset="0"/>
-                  </a:rPr>
-                  <a:t>Requires </a:t>
-                </a:r>
-                <a:br>
-                  <a:rPr lang="en-US" b="0" dirty="0">
-                    <a:latin typeface="Cambria Math" panose="02040503050406030204" pitchFamily="18" charset="0"/>
-                  </a:rPr>
-                </a:br>
-                <a14:m>
-                  <m:oMathPara xmlns:m="http://schemas.openxmlformats.org/officeDocument/2006/math">
-                    <m:oMathParaPr>
-                      <m:jc m:val="centerGroup"/>
-                    </m:oMathParaPr>
-                    <m:oMath xmlns:m="http://schemas.openxmlformats.org/officeDocument/2006/math">
-                      <m:r>
-                        <a:rPr lang="en-US" b="0" i="1" smtClean="0">
-                          <a:latin typeface="Cambria Math" panose="02040503050406030204" pitchFamily="18" charset="0"/>
-                        </a:rPr>
-                        <m:t>𝑓</m:t>
-                      </m:r>
-                      <m:d>
-                        <m:dPr>
-                          <m:ctrlPr>
-                            <a:rPr lang="en-US" b="0" i="1" smtClean="0">
-                              <a:latin typeface="Cambria Math" panose="02040503050406030204" pitchFamily="18" charset="0"/>
-                            </a:rPr>
-                          </m:ctrlPr>
-                        </m:dPr>
-                        <m:e>
-                          <m:r>
-                            <a:rPr lang="en-US" b="0" i="1" smtClean="0">
-                              <a:latin typeface="Cambria Math" panose="02040503050406030204" pitchFamily="18" charset="0"/>
-                            </a:rPr>
-                            <m:t>𝑠</m:t>
-                          </m:r>
-                          <m:r>
-                            <a:rPr lang="en-US" b="0" i="1" smtClean="0">
-                              <a:latin typeface="Cambria Math" panose="02040503050406030204" pitchFamily="18" charset="0"/>
-                            </a:rPr>
-                            <m:t>,</m:t>
-                          </m:r>
-                          <m:r>
-                            <a:rPr lang="en-US" b="0" i="1" smtClean="0">
-                              <a:latin typeface="Cambria Math" panose="02040503050406030204" pitchFamily="18" charset="0"/>
-                            </a:rPr>
-                            <m:t>𝑒</m:t>
-                          </m:r>
-                        </m:e>
-                      </m:d>
-                      <m:r>
-                        <a:rPr lang="en-US" b="0" i="1" smtClean="0">
-                          <a:latin typeface="Cambria Math" panose="02040503050406030204" pitchFamily="18" charset="0"/>
-                        </a:rPr>
-                        <m:t>=</m:t>
-                      </m:r>
-                      <m:r>
-                        <a:rPr lang="en-US" b="0" i="1" smtClean="0">
-                          <a:latin typeface="Cambria Math" panose="02040503050406030204" pitchFamily="18" charset="0"/>
-                        </a:rPr>
-                        <m:t>𝑑</m:t>
-                      </m:r>
-                      <m:r>
-                        <a:rPr lang="en-US" b="0" i="1" smtClean="0">
-                          <a:latin typeface="Cambria Math" panose="02040503050406030204" pitchFamily="18" charset="0"/>
-                        </a:rPr>
-                        <m:t>=</m:t>
-                      </m:r>
-                      <m:f>
-                        <m:fPr>
-                          <m:ctrlPr>
-                            <a:rPr lang="en-US" b="0" i="1" smtClean="0">
-                              <a:latin typeface="Cambria Math" panose="02040503050406030204" pitchFamily="18" charset="0"/>
-                            </a:rPr>
-                          </m:ctrlPr>
-                        </m:fPr>
-                        <m:num>
-                          <m:r>
-                            <a:rPr lang="en-US" b="0" i="1" smtClean="0">
-                              <a:latin typeface="Cambria Math" panose="02040503050406030204" pitchFamily="18" charset="0"/>
-                            </a:rPr>
-                            <m:t>𝑑</m:t>
-                          </m:r>
-                        </m:num>
-                        <m:den>
-                          <m:r>
-                            <a:rPr lang="en-US" b="0" i="1" smtClean="0">
-                              <a:latin typeface="Cambria Math" panose="02040503050406030204" pitchFamily="18" charset="0"/>
-                            </a:rPr>
-                            <m:t>1−</m:t>
-                          </m:r>
-                          <m:sSub>
-                            <m:sSubPr>
-                              <m:ctrlPr>
-                                <a:rPr lang="en-US" b="0" i="1" smtClean="0">
-                                  <a:latin typeface="Cambria Math" panose="02040503050406030204" pitchFamily="18" charset="0"/>
-                                </a:rPr>
-                              </m:ctrlPr>
-                            </m:sSubPr>
-                            <m:e>
-                              <m:r>
-                                <a:rPr lang="en-US" b="0" i="1" smtClean="0">
-                                  <a:latin typeface="Cambria Math" panose="02040503050406030204" pitchFamily="18" charset="0"/>
-                                </a:rPr>
-                                <m:t>𝑞</m:t>
-                              </m:r>
-                            </m:e>
-                            <m:sub>
-                              <m:r>
-                                <a:rPr lang="en-US" b="0" i="1" smtClean="0">
-                                  <a:latin typeface="Cambria Math" panose="02040503050406030204" pitchFamily="18" charset="0"/>
-                                </a:rPr>
-                                <m:t>1</m:t>
-                              </m:r>
-                            </m:sub>
-                          </m:sSub>
-                        </m:den>
-                      </m:f>
-                    </m:oMath>
-                  </m:oMathPara>
-                </a14:m>
-                <a:endParaRPr lang="en-US" b="0" dirty="0">
-                  <a:latin typeface="Cambria Math" panose="02040503050406030204" pitchFamily="18" charset="0"/>
-                </a:endParaRPr>
-              </a:p>
-              <a:p>
-                <a:endParaRPr lang="en-US" dirty="0"/>
-              </a:p>
-              <a:p>
-                <a:r>
-                  <a:rPr lang="en-US" b="0" dirty="0"/>
-                  <a:t> Not possible for </a:t>
-                </a:r>
-                <a14:m>
-                  <m:oMath xmlns:m="http://schemas.openxmlformats.org/officeDocument/2006/math">
-                    <m:sSub>
-                      <m:sSubPr>
-                        <m:ctrlPr>
-                          <a:rPr lang="en-US" b="0" i="1" smtClean="0">
-                            <a:latin typeface="Cambria Math" panose="02040503050406030204" pitchFamily="18" charset="0"/>
-                          </a:rPr>
-                        </m:ctrlPr>
-                      </m:sSubPr>
-                      <m:e>
-                        <m:r>
-                          <a:rPr lang="en-US" b="0" i="1" smtClean="0">
-                            <a:latin typeface="Cambria Math" panose="02040503050406030204" pitchFamily="18" charset="0"/>
-                          </a:rPr>
-                          <m:t>𝑞</m:t>
-                        </m:r>
-                      </m:e>
-                      <m:sub>
-                        <m:r>
-                          <a:rPr lang="en-US" b="0" i="1" smtClean="0">
-                            <a:latin typeface="Cambria Math" panose="02040503050406030204" pitchFamily="18" charset="0"/>
-                          </a:rPr>
-                          <m:t>1</m:t>
-                        </m:r>
-                      </m:sub>
-                    </m:sSub>
-                    <m:r>
-                      <a:rPr lang="en-US" b="0" i="1" smtClean="0">
-                        <a:latin typeface="Cambria Math" panose="02040503050406030204" pitchFamily="18" charset="0"/>
-                      </a:rPr>
-                      <m:t>&gt;0</m:t>
-                    </m:r>
-                  </m:oMath>
-                </a14:m>
-                <a:r>
-                  <a:rPr lang="en-US" b="0" dirty="0"/>
-                  <a:t>. </a:t>
-                </a:r>
-              </a:p>
-              <a:p>
-                <a:r>
-                  <a:rPr lang="en-US" b="0" dirty="0"/>
-                  <a:t> Thus a tragedy should occur.</a:t>
-                </a:r>
-                <a:endParaRPr lang="en-US" dirty="0"/>
-              </a:p>
-            </p:txBody>
-          </p:sp>
-        </mc:Choice>
-        <mc:Fallback>
-          <p:sp>
-            <p:nvSpPr>
-              <p:cNvPr id="28" name="TextBox 27">
-                <a:extLst>
-                  <a:ext uri="{FF2B5EF4-FFF2-40B4-BE49-F238E27FC236}">
-                    <a16:creationId xmlns:a16="http://schemas.microsoft.com/office/drawing/2014/main" id="{68C8C5A8-36E3-4D0D-9FDC-6402FDCBEF19}"/>
-                  </a:ext>
-                </a:extLst>
-              </p:cNvPr>
-              <p:cNvSpPr txBox="1">
-                <a:spLocks noRot="1" noChangeAspect="1" noMove="1" noResize="1" noEditPoints="1" noAdjustHandles="1" noChangeArrowheads="1" noChangeShapeType="1" noTextEdit="1"/>
-              </p:cNvSpPr>
-              <p:nvPr/>
-            </p:nvSpPr>
-            <p:spPr>
-              <a:xfrm>
-                <a:off x="897910" y="3595561"/>
-                <a:ext cx="3517435" cy="2234586"/>
-              </a:xfrm>
-              <a:prstGeom prst="rect">
-                <a:avLst/>
-              </a:prstGeom>
-              <a:blipFill>
-                <a:blip r:embed="rId6"/>
-                <a:stretch>
-                  <a:fillRect l="-2418" t="-3804" b="-5163"/>
-                </a:stretch>
-              </a:blipFill>
-              <a:ln>
-                <a:solidFill>
-                  <a:schemeClr val="tx1"/>
-                </a:solidFill>
-              </a:ln>
-            </p:spPr>
-            <p:txBody>
-              <a:bodyPr/>
-              <a:lstStyle/>
-              <a:p>
-                <a:r>
-                  <a:rPr lang="en-US">
-                    <a:noFill/>
-                  </a:rPr>
-                  <a:t> </a:t>
-                </a:r>
-              </a:p>
-            </p:txBody>
-          </p:sp>
-        </mc:Fallback>
-      </mc:AlternateContent>
-      <mc:AlternateContent xmlns:mc="http://schemas.openxmlformats.org/markup-compatibility/2006" xmlns:a14="http://schemas.microsoft.com/office/drawing/2010/main">
-        <mc:Choice Requires="a14">
-          <p:sp>
-            <p:nvSpPr>
-              <p:cNvPr id="10" name="TextBox 9">
-                <a:extLst>
-                  <a:ext uri="{FF2B5EF4-FFF2-40B4-BE49-F238E27FC236}">
-                    <a16:creationId xmlns:a16="http://schemas.microsoft.com/office/drawing/2014/main" id="{7B480DDC-28FE-4542-A9BD-0A6EDD394256}"/>
-                  </a:ext>
-                </a:extLst>
-              </p:cNvPr>
-              <p:cNvSpPr txBox="1"/>
-              <p:nvPr/>
-            </p:nvSpPr>
-            <p:spPr>
-              <a:xfrm>
-                <a:off x="1049553" y="2517450"/>
+                <a:off x="1102974" y="5322540"/>
                 <a:ext cx="2869760" cy="276999"/>
               </a:xfrm>
               <a:prstGeom prst="rect">
@@ -17250,13 +16874,13 @@
             </p:txBody>
           </p:sp>
         </mc:Choice>
-        <mc:Fallback xmlns="">
+        <mc:Fallback>
           <p:sp>
             <p:nvSpPr>
-              <p:cNvPr id="10" name="TextBox 9">
+              <p:cNvPr id="19" name="TextBox 18">
                 <a:extLst>
                   <a:ext uri="{FF2B5EF4-FFF2-40B4-BE49-F238E27FC236}">
-                    <a16:creationId xmlns:a16="http://schemas.microsoft.com/office/drawing/2014/main" id="{7B480DDC-28FE-4542-A9BD-0A6EDD394256}"/>
+                    <a16:creationId xmlns:a16="http://schemas.microsoft.com/office/drawing/2014/main" id="{C80F4A96-7736-4F11-B14F-F0096214FD0A}"/>
                   </a:ext>
                 </a:extLst>
               </p:cNvPr>
@@ -17267,16 +16891,16 @@
             </p:nvSpPr>
             <p:spPr>
               <a:xfrm>
-                <a:off x="1049553" y="2517450"/>
+                <a:off x="1102974" y="5322540"/>
                 <a:ext cx="2869760" cy="276999"/>
               </a:xfrm>
               <a:prstGeom prst="rect">
                 <a:avLst/>
               </a:prstGeom>
               <a:blipFill>
-                <a:blip r:embed="rId7"/>
+                <a:blip r:embed="rId13"/>
                 <a:stretch>
-                  <a:fillRect l="-849" t="-2222" r="-2335" b="-35556"/>
+                  <a:fillRect l="-849" t="-2174" r="-2335" b="-34783"/>
                 </a:stretch>
               </a:blipFill>
             </p:spPr>
@@ -17295,12 +16919,418 @@
           </p:sp>
         </mc:Fallback>
       </mc:AlternateContent>
+      <mc:AlternateContent xmlns:mc="http://schemas.openxmlformats.org/markup-compatibility/2006">
+        <mc:Choice xmlns:a14="http://schemas.microsoft.com/office/drawing/2010/main" Requires="a14">
+          <p:sp>
+            <p:nvSpPr>
+              <p:cNvPr id="21" name="TextBox 20">
+                <a:extLst>
+                  <a:ext uri="{FF2B5EF4-FFF2-40B4-BE49-F238E27FC236}">
+                    <a16:creationId xmlns:a16="http://schemas.microsoft.com/office/drawing/2014/main" id="{A2595625-12F7-4E63-BB28-0623A19D6B9C}"/>
+                  </a:ext>
+                </a:extLst>
+              </p:cNvPr>
+              <p:cNvSpPr txBox="1"/>
+              <p:nvPr/>
+            </p:nvSpPr>
+            <p:spPr>
+              <a:xfrm>
+                <a:off x="4677497" y="4275835"/>
+                <a:ext cx="3141226" cy="2232534"/>
+              </a:xfrm>
+              <a:prstGeom prst="rect">
+                <a:avLst/>
+              </a:prstGeom>
+              <a:noFill/>
+              <a:ln>
+                <a:solidFill>
+                  <a:schemeClr val="tx1"/>
+                </a:solidFill>
+              </a:ln>
+            </p:spPr>
+            <p:txBody>
+              <a:bodyPr wrap="square" lIns="0" tIns="0" rIns="0" bIns="0" rtlCol="0">
+                <a:spAutoFit/>
+              </a:bodyPr>
+              <a:lstStyle/>
+              <a:p>
+                <a:r>
+                  <a:rPr lang="en-US" sz="1600" b="0" dirty="0">
+                    <a:latin typeface="Cambria Math" panose="02040503050406030204" pitchFamily="18" charset="0"/>
+                  </a:rPr>
+                  <a:t> Analysis says</a:t>
+                </a:r>
+                <a:r>
+                  <a:rPr lang="en-US" sz="1600" dirty="0">
+                    <a:latin typeface="Cambria Math" panose="02040503050406030204" pitchFamily="18" charset="0"/>
+                  </a:rPr>
+                  <a:t>, for</a:t>
+                </a:r>
+              </a:p>
+              <a:p>
+                <a14:m>
+                  <m:oMathPara xmlns:m="http://schemas.openxmlformats.org/officeDocument/2006/math">
+                    <m:oMathParaPr>
+                      <m:jc m:val="centerGroup"/>
+                    </m:oMathParaPr>
+                    <m:oMath xmlns:m="http://schemas.openxmlformats.org/officeDocument/2006/math">
+                      <m:sSub>
+                        <m:sSubPr>
+                          <m:ctrlPr>
+                            <a:rPr lang="en-US" sz="1600" b="0" i="1" smtClean="0">
+                              <a:latin typeface="Cambria Math" panose="02040503050406030204" pitchFamily="18" charset="0"/>
+                            </a:rPr>
+                          </m:ctrlPr>
+                        </m:sSubPr>
+                        <m:e>
+                          <m:r>
+                            <a:rPr lang="en-US" sz="1600" b="0" i="1" smtClean="0">
+                              <a:latin typeface="Cambria Math" panose="02040503050406030204" pitchFamily="18" charset="0"/>
+                            </a:rPr>
+                            <m:t>𝑥</m:t>
+                          </m:r>
+                        </m:e>
+                        <m:sub>
+                          <m:r>
+                            <a:rPr lang="en-US" sz="1600" b="0" i="1" smtClean="0">
+                              <a:latin typeface="Cambria Math" panose="02040503050406030204" pitchFamily="18" charset="0"/>
+                            </a:rPr>
+                            <m:t>1</m:t>
+                          </m:r>
+                        </m:sub>
+                      </m:sSub>
+                      <m:r>
+                        <a:rPr lang="en-US" sz="1600" b="0" i="1" smtClean="0">
+                          <a:latin typeface="Cambria Math" panose="02040503050406030204" pitchFamily="18" charset="0"/>
+                        </a:rPr>
+                        <m:t>, </m:t>
+                      </m:r>
+                      <m:sSub>
+                        <m:sSubPr>
+                          <m:ctrlPr>
+                            <a:rPr lang="en-US" sz="1600" b="0" i="1" smtClean="0">
+                              <a:latin typeface="Cambria Math" panose="02040503050406030204" pitchFamily="18" charset="0"/>
+                            </a:rPr>
+                          </m:ctrlPr>
+                        </m:sSubPr>
+                        <m:e>
+                          <m:r>
+                            <a:rPr lang="en-US" sz="1600" b="0" i="1" smtClean="0">
+                              <a:latin typeface="Cambria Math" panose="02040503050406030204" pitchFamily="18" charset="0"/>
+                            </a:rPr>
+                            <m:t>𝑥</m:t>
+                          </m:r>
+                        </m:e>
+                        <m:sub>
+                          <m:r>
+                            <a:rPr lang="en-US" sz="1600" b="0" i="1" smtClean="0">
+                              <a:latin typeface="Cambria Math" panose="02040503050406030204" pitchFamily="18" charset="0"/>
+                            </a:rPr>
+                            <m:t>3</m:t>
+                          </m:r>
+                        </m:sub>
+                      </m:sSub>
+                      <m:r>
+                        <a:rPr lang="en-US" sz="1600" b="0" i="1" smtClean="0">
+                          <a:latin typeface="Cambria Math" panose="02040503050406030204" pitchFamily="18" charset="0"/>
+                        </a:rPr>
+                        <m:t>&gt;0, </m:t>
+                      </m:r>
+                      <m:sSub>
+                        <m:sSubPr>
+                          <m:ctrlPr>
+                            <a:rPr lang="en-US" sz="1600" b="0" i="1" smtClean="0">
+                              <a:latin typeface="Cambria Math" panose="02040503050406030204" pitchFamily="18" charset="0"/>
+                            </a:rPr>
+                          </m:ctrlPr>
+                        </m:sSubPr>
+                        <m:e>
+                          <m:r>
+                            <a:rPr lang="en-US" sz="1600" b="0" i="1" smtClean="0">
+                              <a:latin typeface="Cambria Math" panose="02040503050406030204" pitchFamily="18" charset="0"/>
+                            </a:rPr>
+                            <m:t>𝑥</m:t>
+                          </m:r>
+                        </m:e>
+                        <m:sub>
+                          <m:r>
+                            <a:rPr lang="en-US" sz="1600" b="0" i="1" smtClean="0">
+                              <a:latin typeface="Cambria Math" panose="02040503050406030204" pitchFamily="18" charset="0"/>
+                            </a:rPr>
+                            <m:t>2</m:t>
+                          </m:r>
+                        </m:sub>
+                      </m:sSub>
+                      <m:r>
+                        <a:rPr lang="en-US" sz="1600" b="0" i="1" smtClean="0">
+                          <a:latin typeface="Cambria Math" panose="02040503050406030204" pitchFamily="18" charset="0"/>
+                        </a:rPr>
+                        <m:t>=0:</m:t>
+                      </m:r>
+                    </m:oMath>
+                  </m:oMathPara>
+                </a14:m>
+                <a:br>
+                  <a:rPr lang="en-US" sz="1600" b="0" i="1" dirty="0">
+                    <a:latin typeface="Cambria Math" panose="02040503050406030204" pitchFamily="18" charset="0"/>
+                  </a:rPr>
+                </a:br>
+                <a:r>
+                  <a:rPr lang="en-US" sz="1600" b="0" i="1" dirty="0">
+                    <a:latin typeface="Cambria Math" panose="02040503050406030204" pitchFamily="18" charset="0"/>
+                  </a:rPr>
+                  <a:t>	</a:t>
+                </a:r>
+              </a:p>
+              <a:p>
+                <a:pPr/>
+                <a:r>
+                  <a:rPr lang="en-US" sz="1600" i="1" dirty="0">
+                    <a:latin typeface="Cambria Math" panose="02040503050406030204" pitchFamily="18" charset="0"/>
+                  </a:rPr>
+                  <a:t>	</a:t>
+                </a:r>
+                <a:r>
+                  <a:rPr lang="en-US" sz="1600" b="0" dirty="0">
+                    <a:latin typeface="Cambria Math" panose="02040503050406030204" pitchFamily="18" charset="0"/>
+                  </a:rPr>
+                  <a:t>Requires </a:t>
+                </a:r>
+                <a:br>
+                  <a:rPr lang="en-US" sz="1600" b="0" dirty="0">
+                    <a:latin typeface="Cambria Math" panose="02040503050406030204" pitchFamily="18" charset="0"/>
+                  </a:rPr>
+                </a:br>
+                <a14:m>
+                  <m:oMathPara xmlns:m="http://schemas.openxmlformats.org/officeDocument/2006/math">
+                    <m:oMathParaPr>
+                      <m:jc m:val="centerGroup"/>
+                    </m:oMathParaPr>
+                    <m:oMath xmlns:m="http://schemas.openxmlformats.org/officeDocument/2006/math">
+                      <m:r>
+                        <a:rPr lang="en-US" sz="1600" b="0" i="1" smtClean="0">
+                          <a:latin typeface="Cambria Math" panose="02040503050406030204" pitchFamily="18" charset="0"/>
+                        </a:rPr>
+                        <m:t>𝑓</m:t>
+                      </m:r>
+                      <m:d>
+                        <m:dPr>
+                          <m:ctrlPr>
+                            <a:rPr lang="en-US" sz="1600" b="0" i="1" smtClean="0">
+                              <a:latin typeface="Cambria Math" panose="02040503050406030204" pitchFamily="18" charset="0"/>
+                            </a:rPr>
+                          </m:ctrlPr>
+                        </m:dPr>
+                        <m:e>
+                          <m:r>
+                            <a:rPr lang="en-US" sz="1600" b="0" i="1" smtClean="0">
+                              <a:latin typeface="Cambria Math" panose="02040503050406030204" pitchFamily="18" charset="0"/>
+                            </a:rPr>
+                            <m:t>𝑠</m:t>
+                          </m:r>
+                          <m:r>
+                            <a:rPr lang="en-US" sz="1600" b="0" i="1" smtClean="0">
+                              <a:latin typeface="Cambria Math" panose="02040503050406030204" pitchFamily="18" charset="0"/>
+                            </a:rPr>
+                            <m:t>,</m:t>
+                          </m:r>
+                          <m:r>
+                            <a:rPr lang="en-US" sz="1600" b="0" i="1" smtClean="0">
+                              <a:latin typeface="Cambria Math" panose="02040503050406030204" pitchFamily="18" charset="0"/>
+                            </a:rPr>
+                            <m:t>𝑒</m:t>
+                          </m:r>
+                        </m:e>
+                      </m:d>
+                      <m:r>
+                        <a:rPr lang="en-US" sz="1600" b="0" i="1" smtClean="0">
+                          <a:latin typeface="Cambria Math" panose="02040503050406030204" pitchFamily="18" charset="0"/>
+                        </a:rPr>
+                        <m:t>=</m:t>
+                      </m:r>
+                      <m:r>
+                        <a:rPr lang="en-US" sz="1600" b="0" i="1" smtClean="0">
+                          <a:latin typeface="Cambria Math" panose="02040503050406030204" pitchFamily="18" charset="0"/>
+                        </a:rPr>
+                        <m:t>𝑑</m:t>
+                      </m:r>
+                      <m:r>
+                        <a:rPr lang="en-US" sz="1600" b="0" i="1" smtClean="0">
+                          <a:latin typeface="Cambria Math" panose="02040503050406030204" pitchFamily="18" charset="0"/>
+                        </a:rPr>
+                        <m:t>=</m:t>
+                      </m:r>
+                      <m:f>
+                        <m:fPr>
+                          <m:ctrlPr>
+                            <a:rPr lang="en-US" sz="1600" b="0" i="1" smtClean="0">
+                              <a:latin typeface="Cambria Math" panose="02040503050406030204" pitchFamily="18" charset="0"/>
+                            </a:rPr>
+                          </m:ctrlPr>
+                        </m:fPr>
+                        <m:num>
+                          <m:r>
+                            <a:rPr lang="en-US" sz="1600" b="0" i="1" smtClean="0">
+                              <a:latin typeface="Cambria Math" panose="02040503050406030204" pitchFamily="18" charset="0"/>
+                            </a:rPr>
+                            <m:t>𝑑</m:t>
+                          </m:r>
+                        </m:num>
+                        <m:den>
+                          <m:r>
+                            <a:rPr lang="en-US" sz="1600" b="0" i="1" smtClean="0">
+                              <a:latin typeface="Cambria Math" panose="02040503050406030204" pitchFamily="18" charset="0"/>
+                            </a:rPr>
+                            <m:t>1−</m:t>
+                          </m:r>
+                          <m:sSub>
+                            <m:sSubPr>
+                              <m:ctrlPr>
+                                <a:rPr lang="en-US" sz="1600" b="0" i="1" smtClean="0">
+                                  <a:latin typeface="Cambria Math" panose="02040503050406030204" pitchFamily="18" charset="0"/>
+                                </a:rPr>
+                              </m:ctrlPr>
+                            </m:sSubPr>
+                            <m:e>
+                              <m:r>
+                                <a:rPr lang="en-US" sz="1600" b="0" i="1" smtClean="0">
+                                  <a:latin typeface="Cambria Math" panose="02040503050406030204" pitchFamily="18" charset="0"/>
+                                </a:rPr>
+                                <m:t>𝑞</m:t>
+                              </m:r>
+                            </m:e>
+                            <m:sub>
+                              <m:r>
+                                <a:rPr lang="en-US" sz="1600" b="0" i="1" smtClean="0">
+                                  <a:latin typeface="Cambria Math" panose="02040503050406030204" pitchFamily="18" charset="0"/>
+                                </a:rPr>
+                                <m:t>1</m:t>
+                              </m:r>
+                            </m:sub>
+                          </m:sSub>
+                        </m:den>
+                      </m:f>
+                    </m:oMath>
+                  </m:oMathPara>
+                </a14:m>
+                <a:endParaRPr lang="en-US" sz="1600" b="0" dirty="0">
+                  <a:latin typeface="Cambria Math" panose="02040503050406030204" pitchFamily="18" charset="0"/>
+                </a:endParaRPr>
+              </a:p>
+              <a:p>
+                <a:endParaRPr lang="en-US" sz="1600" dirty="0"/>
+              </a:p>
+              <a:p>
+                <a:r>
+                  <a:rPr lang="en-US" sz="1600" b="0" dirty="0"/>
+                  <a:t> Not possible for </a:t>
+                </a:r>
+                <a14:m>
+                  <m:oMath xmlns:m="http://schemas.openxmlformats.org/officeDocument/2006/math">
+                    <m:sSub>
+                      <m:sSubPr>
+                        <m:ctrlPr>
+                          <a:rPr lang="en-US" sz="1600" b="0" i="1" smtClean="0">
+                            <a:latin typeface="Cambria Math" panose="02040503050406030204" pitchFamily="18" charset="0"/>
+                          </a:rPr>
+                        </m:ctrlPr>
+                      </m:sSubPr>
+                      <m:e>
+                        <m:r>
+                          <a:rPr lang="en-US" sz="1600" b="0" i="1" smtClean="0">
+                            <a:latin typeface="Cambria Math" panose="02040503050406030204" pitchFamily="18" charset="0"/>
+                          </a:rPr>
+                          <m:t>𝑞</m:t>
+                        </m:r>
+                      </m:e>
+                      <m:sub>
+                        <m:r>
+                          <a:rPr lang="en-US" sz="1600" b="0" i="1" smtClean="0">
+                            <a:latin typeface="Cambria Math" panose="02040503050406030204" pitchFamily="18" charset="0"/>
+                          </a:rPr>
+                          <m:t>1</m:t>
+                        </m:r>
+                      </m:sub>
+                    </m:sSub>
+                    <m:r>
+                      <a:rPr lang="en-US" sz="1600" b="0" i="1" smtClean="0">
+                        <a:latin typeface="Cambria Math" panose="02040503050406030204" pitchFamily="18" charset="0"/>
+                      </a:rPr>
+                      <m:t>&gt;0</m:t>
+                    </m:r>
+                  </m:oMath>
+                </a14:m>
+                <a:r>
+                  <a:rPr lang="en-US" sz="1600" b="0" dirty="0"/>
+                  <a:t>. </a:t>
+                </a:r>
+              </a:p>
+              <a:p>
+                <a:r>
+                  <a:rPr lang="en-US" sz="1600" b="0" dirty="0"/>
+                  <a:t> Thus a tragedy should occur.</a:t>
+                </a:r>
+                <a:endParaRPr lang="en-US" sz="1600" dirty="0"/>
+              </a:p>
+            </p:txBody>
+          </p:sp>
+        </mc:Choice>
+        <mc:Fallback>
+          <p:sp>
+            <p:nvSpPr>
+              <p:cNvPr id="21" name="TextBox 20">
+                <a:extLst>
+                  <a:ext uri="{FF2B5EF4-FFF2-40B4-BE49-F238E27FC236}">
+                    <a16:creationId xmlns:a16="http://schemas.microsoft.com/office/drawing/2014/main" id="{A2595625-12F7-4E63-BB28-0623A19D6B9C}"/>
+                  </a:ext>
+                </a:extLst>
+              </p:cNvPr>
+              <p:cNvSpPr txBox="1">
+                <a:spLocks noRot="1" noChangeAspect="1" noMove="1" noResize="1" noEditPoints="1" noAdjustHandles="1" noChangeArrowheads="1" noChangeShapeType="1" noTextEdit="1"/>
+              </p:cNvSpPr>
+              <p:nvPr/>
+            </p:nvSpPr>
+            <p:spPr>
+              <a:xfrm>
+                <a:off x="4677497" y="4275835"/>
+                <a:ext cx="3141226" cy="2232534"/>
+              </a:xfrm>
+              <a:prstGeom prst="rect">
+                <a:avLst/>
+              </a:prstGeom>
+              <a:blipFill>
+                <a:blip r:embed="rId14"/>
+                <a:stretch>
+                  <a:fillRect l="-2317" t="-2710" b="-4336"/>
+                </a:stretch>
+              </a:blipFill>
+              <a:ln>
+                <a:solidFill>
+                  <a:schemeClr val="tx1"/>
+                </a:solidFill>
+              </a:ln>
+            </p:spPr>
+            <p:txBody>
+              <a:bodyPr/>
+              <a:lstStyle/>
+              <a:p>
+                <a:r>
+                  <a:rPr lang="en-US">
+                    <a:noFill/>
+                  </a:rPr>
+                  <a:t> </a:t>
+                </a:r>
+              </a:p>
+            </p:txBody>
+          </p:sp>
+        </mc:Fallback>
+      </mc:AlternateContent>
       <p:pic>
         <p:nvPicPr>
-          <p:cNvPr id="5" name="Picture 4" descr="A close up of a map&#10;&#10;Description generated with high confidence">
+          <p:cNvPr id="22" name="Picture 21" descr="A close up of a map&#10;&#10;Description generated with high confidence">
             <a:extLst>
               <a:ext uri="{FF2B5EF4-FFF2-40B4-BE49-F238E27FC236}">
-                <a16:creationId xmlns:a16="http://schemas.microsoft.com/office/drawing/2014/main" id="{39AB4A8E-15F0-4E1D-9A40-1A959EE4A1C8}"/>
+                <a16:creationId xmlns:a16="http://schemas.microsoft.com/office/drawing/2014/main" id="{E9994DBC-B079-46F3-A57E-5D6AB46ED41A}"/>
               </a:ext>
             </a:extLst>
           </p:cNvPr>
@@ -17310,7 +17340,7 @@
           <p:nvPr/>
         </p:nvPicPr>
         <p:blipFill>
-          <a:blip r:embed="rId8">
+          <a:blip r:embed="rId15">
             <a:extLst>
               <a:ext uri="{28A0092B-C50C-407E-A947-70E740481C1C}">
                 <a14:useLocalDpi xmlns:a14="http://schemas.microsoft.com/office/drawing/2010/main" val="0"/>
@@ -17323,8 +17353,8 @@
         </p:blipFill>
         <p:spPr>
           <a:xfrm>
-            <a:off x="5469153" y="1552188"/>
-            <a:ext cx="6096000" cy="4572000"/>
+            <a:off x="8225935" y="4028303"/>
+            <a:ext cx="3306753" cy="2480065"/>
           </a:xfrm>
           <a:prstGeom prst="rect">
             <a:avLst/>
@@ -17339,7 +17369,7 @@
     </p:spTree>
     <p:extLst>
       <p:ext uri="{BB962C8B-B14F-4D97-AF65-F5344CB8AC3E}">
-        <p14:creationId xmlns:p14="http://schemas.microsoft.com/office/powerpoint/2010/main" val="4043290015"/>
+        <p14:creationId xmlns:p14="http://schemas.microsoft.com/office/powerpoint/2010/main" val="2948873348"/>
       </p:ext>
     </p:extLst>
   </p:cSld>
@@ -17349,7 +17379,7 @@
 </p:sld>
 </file>
 
-<file path=ppt/slides/slide8.xml><?xml version="1.0" encoding="utf-8"?>
+<file path=ppt/slides/slide6.xml><?xml version="1.0" encoding="utf-8"?>
 <p:sld xmlns:a="http://schemas.openxmlformats.org/drawingml/2006/main" xmlns:r="http://schemas.openxmlformats.org/officeDocument/2006/relationships" xmlns:p="http://schemas.openxmlformats.org/presentationml/2006/main">
   <p:cSld>
     <p:spTree>
@@ -17394,8 +17424,8 @@
           </a:p>
         </p:txBody>
       </p:sp>
-      <mc:AlternateContent xmlns:mc="http://schemas.openxmlformats.org/markup-compatibility/2006">
-        <mc:Choice xmlns:a14="http://schemas.microsoft.com/office/drawing/2010/main" Requires="a14">
+      <mc:AlternateContent xmlns:mc="http://schemas.openxmlformats.org/markup-compatibility/2006" xmlns:a14="http://schemas.microsoft.com/office/drawing/2010/main">
+        <mc:Choice Requires="a14">
           <p:sp>
             <p:nvSpPr>
               <p:cNvPr id="4" name="TextBox 3">
@@ -17703,7 +17733,7 @@
             </p:txBody>
           </p:sp>
         </mc:Choice>
-        <mc:Fallback>
+        <mc:Fallback xmlns="">
           <p:sp>
             <p:nvSpPr>
               <p:cNvPr id="4" name="TextBox 3">
@@ -17748,8 +17778,8 @@
           </p:sp>
         </mc:Fallback>
       </mc:AlternateContent>
-      <mc:AlternateContent xmlns:mc="http://schemas.openxmlformats.org/markup-compatibility/2006">
-        <mc:Choice xmlns:a14="http://schemas.microsoft.com/office/drawing/2010/main" Requires="a14">
+      <mc:AlternateContent xmlns:mc="http://schemas.openxmlformats.org/markup-compatibility/2006" xmlns:a14="http://schemas.microsoft.com/office/drawing/2010/main">
+        <mc:Choice Requires="a14">
           <p:sp>
             <p:nvSpPr>
               <p:cNvPr id="5" name="TextBox 4">
@@ -17958,7 +17988,7 @@
             </p:txBody>
           </p:sp>
         </mc:Choice>
-        <mc:Fallback>
+        <mc:Fallback xmlns="">
           <p:sp>
             <p:nvSpPr>
               <p:cNvPr id="5" name="TextBox 4">
@@ -18003,8 +18033,8 @@
           </p:sp>
         </mc:Fallback>
       </mc:AlternateContent>
-      <mc:AlternateContent xmlns:mc="http://schemas.openxmlformats.org/markup-compatibility/2006">
-        <mc:Choice xmlns:a14="http://schemas.microsoft.com/office/drawing/2010/main" Requires="a14">
+      <mc:AlternateContent xmlns:mc="http://schemas.openxmlformats.org/markup-compatibility/2006" xmlns:a14="http://schemas.microsoft.com/office/drawing/2010/main">
+        <mc:Choice Requires="a14">
           <p:sp>
             <p:nvSpPr>
               <p:cNvPr id="6" name="TextBox 5">
@@ -18220,7 +18250,7 @@
             </p:txBody>
           </p:sp>
         </mc:Choice>
-        <mc:Fallback>
+        <mc:Fallback xmlns="">
           <p:sp>
             <p:nvSpPr>
               <p:cNvPr id="6" name="TextBox 5">
@@ -18265,8 +18295,8 @@
           </p:sp>
         </mc:Fallback>
       </mc:AlternateContent>
-      <mc:AlternateContent xmlns:mc="http://schemas.openxmlformats.org/markup-compatibility/2006">
-        <mc:Choice xmlns:a14="http://schemas.microsoft.com/office/drawing/2010/main" Requires="a14">
+      <mc:AlternateContent xmlns:mc="http://schemas.openxmlformats.org/markup-compatibility/2006" xmlns:a14="http://schemas.microsoft.com/office/drawing/2010/main">
+        <mc:Choice Requires="a14">
           <p:sp>
             <p:nvSpPr>
               <p:cNvPr id="7" name="TextBox 6">
@@ -18588,7 +18618,7 @@
             </p:txBody>
           </p:sp>
         </mc:Choice>
-        <mc:Fallback>
+        <mc:Fallback xmlns="">
           <p:sp>
             <p:nvSpPr>
               <p:cNvPr id="7" name="TextBox 6">
@@ -18633,8 +18663,8 @@
           </p:sp>
         </mc:Fallback>
       </mc:AlternateContent>
-      <mc:AlternateContent xmlns:mc="http://schemas.openxmlformats.org/markup-compatibility/2006">
-        <mc:Choice xmlns:a14="http://schemas.microsoft.com/office/drawing/2010/main" Requires="a14">
+      <mc:AlternateContent xmlns:mc="http://schemas.openxmlformats.org/markup-compatibility/2006" xmlns:a14="http://schemas.microsoft.com/office/drawing/2010/main">
+        <mc:Choice Requires="a14">
           <p:sp>
             <p:nvSpPr>
               <p:cNvPr id="8" name="TextBox 7">
@@ -18904,7 +18934,7 @@
             </p:txBody>
           </p:sp>
         </mc:Choice>
-        <mc:Fallback>
+        <mc:Fallback xmlns="">
           <p:sp>
             <p:nvSpPr>
               <p:cNvPr id="8" name="TextBox 7">
@@ -19103,7 +19133,6 @@
                 </a:r>
               </a:p>
               <a:p>
-                <a:pPr/>
                 <a:r>
                   <a:rPr lang="en-US" i="1" dirty="0">
                     <a:latin typeface="Cambria Math" panose="02040503050406030204" pitchFamily="18" charset="0"/>
@@ -19230,6 +19259,7 @@
                 </a:r>
               </a:p>
               <a:p>
+                <a:pPr/>
                 <a14:m>
                   <m:oMathPara xmlns:m="http://schemas.openxmlformats.org/officeDocument/2006/math">
                     <m:oMathParaPr>
@@ -19245,74 +19275,6 @@
                           </m:ctrlPr>
                         </m:sSubPr>
                         <m:e>
-                          <m:r>
-                            <a:rPr lang="en-US" b="0" i="1" smtClean="0">
-                              <a:latin typeface="Cambria Math" panose="02040503050406030204" pitchFamily="18" charset="0"/>
-                            </a:rPr>
-                            <m:t>𝑘</m:t>
-                          </m:r>
-                        </m:e>
-                        <m:sub>
-                          <m:r>
-                            <a:rPr lang="en-US" b="0" i="1" smtClean="0">
-                              <a:latin typeface="Cambria Math" panose="02040503050406030204" pitchFamily="18" charset="0"/>
-                            </a:rPr>
-                            <m:t>1</m:t>
-                          </m:r>
-                        </m:sub>
-                      </m:sSub>
-                      <m:r>
-                        <a:rPr lang="en-US" b="0" i="1" smtClean="0">
-                          <a:latin typeface="Cambria Math" panose="02040503050406030204" pitchFamily="18" charset="0"/>
-                        </a:rPr>
-                        <m:t>&lt;</m:t>
-                      </m:r>
-                      <m:sSub>
-                        <m:sSubPr>
-                          <m:ctrlPr>
-                            <a:rPr lang="en-US" b="0" i="1" smtClean="0">
-                              <a:latin typeface="Cambria Math" panose="02040503050406030204" pitchFamily="18" charset="0"/>
-                            </a:rPr>
-                          </m:ctrlPr>
-                        </m:sSubPr>
-                        <m:e>
-                          <m:r>
-                            <a:rPr lang="en-US" b="0" i="1" smtClean="0">
-                              <a:latin typeface="Cambria Math" panose="02040503050406030204" pitchFamily="18" charset="0"/>
-                            </a:rPr>
-                            <m:t>𝑘</m:t>
-                          </m:r>
-                        </m:e>
-                        <m:sub>
-                          <m:r>
-                            <a:rPr lang="en-US" b="0" i="1" smtClean="0">
-                              <a:latin typeface="Cambria Math" panose="02040503050406030204" pitchFamily="18" charset="0"/>
-                            </a:rPr>
-                            <m:t>3</m:t>
-                          </m:r>
-                        </m:sub>
-                      </m:sSub>
-                      <m:r>
-                        <a:rPr lang="en-US" b="0" i="1" smtClean="0">
-                          <a:latin typeface="Cambria Math" panose="02040503050406030204" pitchFamily="18" charset="0"/>
-                        </a:rPr>
-                        <m:t>, </m:t>
-                      </m:r>
-                      <m:sSub>
-                        <m:sSubPr>
-                          <m:ctrlPr>
-                            <a:rPr lang="en-US" b="0" i="1" smtClean="0">
-                              <a:latin typeface="Cambria Math" panose="02040503050406030204" pitchFamily="18" charset="0"/>
-                            </a:rPr>
-                          </m:ctrlPr>
-                        </m:sSubPr>
-                        <m:e>
-                          <m:r>
-                            <a:rPr lang="en-US" b="0" i="1" smtClean="0">
-                              <a:latin typeface="Cambria Math" panose="02040503050406030204" pitchFamily="18" charset="0"/>
-                            </a:rPr>
-                            <m:t> </m:t>
-                          </m:r>
                           <m:r>
                             <a:rPr lang="en-US" b="0" i="1" smtClean="0">
                               <a:latin typeface="Cambria Math" panose="02040503050406030204" pitchFamily="18" charset="0"/>

--- a/Products/AW_fin.pptx
+++ b/Products/AW_fin.pptx
@@ -11,6 +11,7 @@
     <p:sldId id="268" r:id="rId5"/>
     <p:sldId id="269" r:id="rId6"/>
     <p:sldId id="270" r:id="rId7"/>
+    <p:sldId id="271" r:id="rId8"/>
   </p:sldIdLst>
   <p:sldSz cx="12192000" cy="6858000"/>
   <p:notesSz cx="6858000" cy="9144000"/>
@@ -3754,9 +3755,9 @@
         <p:grpSpPr>
           <a:xfrm>
             <a:off x="464117" y="1369892"/>
-            <a:ext cx="6093229" cy="3541222"/>
+            <a:ext cx="6417686" cy="3541222"/>
             <a:chOff x="464117" y="1369892"/>
-            <a:chExt cx="6093229" cy="3541222"/>
+            <a:chExt cx="6417686" cy="3541222"/>
           </a:xfrm>
         </p:grpSpPr>
         <p:grpSp>
@@ -3774,9 +3775,9 @@
           <p:grpSpPr>
             <a:xfrm>
               <a:off x="464117" y="1369892"/>
-              <a:ext cx="6093229" cy="3541222"/>
+              <a:ext cx="6417686" cy="3541222"/>
               <a:chOff x="482138" y="1388225"/>
-              <a:chExt cx="6093229" cy="3541222"/>
+              <a:chExt cx="6417686" cy="3541222"/>
             </a:xfrm>
           </p:grpSpPr>
           <p:grpSp>
@@ -4229,60 +4230,16 @@
                 <a:p>
                   <a:r>
                     <a:rPr lang="en-US" sz="1400" dirty="0"/>
-                    <a:t>d</a:t>
-                  </a:r>
-                </a:p>
-              </p:txBody>
-            </p:sp>
-            <p:sp>
-              <p:nvSpPr>
-                <p:cNvPr id="65" name="TextBox 64">
-                  <a:extLst>
-                    <a:ext uri="{FF2B5EF4-FFF2-40B4-BE49-F238E27FC236}">
-                      <a16:creationId xmlns:a16="http://schemas.microsoft.com/office/drawing/2014/main" id="{E35BB981-F7BF-4337-B84D-9E13845E4AE6}"/>
-                    </a:ext>
-                  </a:extLst>
-                </p:cNvPr>
-                <p:cNvSpPr txBox="1"/>
-                <p:nvPr/>
-              </p:nvSpPr>
-              <p:spPr>
-                <a:xfrm>
-                  <a:off x="1651113" y="2219396"/>
-                  <a:ext cx="673330" cy="307777"/>
-                </a:xfrm>
-                <a:prstGeom prst="rect">
-                  <a:avLst/>
-                </a:prstGeom>
-                <a:noFill/>
-              </p:spPr>
-              <p:txBody>
-                <a:bodyPr wrap="square" rtlCol="0">
-                  <a:spAutoFit/>
-                </a:bodyPr>
-                <a:lstStyle/>
-                <a:p>
-                  <a:r>
-                    <a:rPr lang="en-US" sz="1400" dirty="0">
-                      <a:solidFill>
-                        <a:srgbClr val="7030A0"/>
-                      </a:solidFill>
-                    </a:rPr>
-                    <a:t>s</a:t>
+                    <a:t>d(s</a:t>
                   </a:r>
                   <a:r>
-                    <a:rPr lang="en-US" sz="1400" baseline="30000" dirty="0">
-                      <a:solidFill>
-                        <a:srgbClr val="7030A0"/>
-                      </a:solidFill>
-                    </a:rPr>
+                    <a:rPr lang="en-US" sz="1400" baseline="30000" dirty="0"/>
                     <a:t>0</a:t>
                   </a:r>
-                  <a:endParaRPr lang="en-US" sz="1400" dirty="0">
-                    <a:solidFill>
-                      <a:srgbClr val="7030A0"/>
-                    </a:solidFill>
-                  </a:endParaRPr>
+                  <a:r>
+                    <a:rPr lang="en-US" sz="1400" dirty="0"/>
+                    <a:t> )</a:t>
+                  </a:r>
                 </a:p>
               </p:txBody>
             </p:sp>
@@ -4301,8 +4258,8 @@
             </p:nvSpPr>
             <p:spPr>
               <a:xfrm>
-                <a:off x="5338850" y="3815335"/>
-                <a:ext cx="673330" cy="307777"/>
+                <a:off x="5338849" y="3815335"/>
+                <a:ext cx="1560975" cy="307777"/>
               </a:xfrm>
               <a:prstGeom prst="rect">
                 <a:avLst/>
@@ -4317,8 +4274,45 @@
               <a:p>
                 <a:r>
                   <a:rPr lang="en-US" sz="1400" dirty="0"/>
-                  <a:t>d</a:t>
+                  <a:t>d(</a:t>
                 </a:r>
+                <a:r>
+                  <a:rPr lang="en-US" sz="1400" dirty="0" err="1"/>
+                  <a:t>s,e,t</a:t>
+                </a:r>
+                <a:r>
+                  <a:rPr lang="en-US" sz="1400" err="1"/>
+                  <a:t>,</a:t>
+                </a:r>
+                <a:r>
+                  <a:rPr lang="en-US" sz="1400"/>
+                  <a:t>x</a:t>
+                </a:r>
+                <a:r>
+                  <a:rPr lang="en-US" sz="1400" baseline="-25000"/>
+                  <a:t>1</a:t>
+                </a:r>
+                <a:r>
+                  <a:rPr lang="en-US" sz="1400"/>
+                  <a:t>,x</a:t>
+                </a:r>
+                <a:r>
+                  <a:rPr lang="en-US" sz="1400" baseline="-25000"/>
+                  <a:t>2</a:t>
+                </a:r>
+                <a:r>
+                  <a:rPr lang="en-US" sz="1400"/>
+                  <a:t>,x</a:t>
+                </a:r>
+                <a:r>
+                  <a:rPr lang="en-US" sz="1400" baseline="-25000"/>
+                  <a:t>3</a:t>
+                </a:r>
+                <a:r>
+                  <a:rPr lang="en-US" sz="1400"/>
+                  <a:t>)</a:t>
+                </a:r>
+                <a:endParaRPr lang="en-US" sz="1400" dirty="0"/>
               </a:p>
             </p:txBody>
           </p:sp>
@@ -9187,7 +9181,7 @@
         </p:nvSpPr>
         <p:spPr>
           <a:xfrm>
-            <a:off x="2216554" y="140698"/>
+            <a:off x="1191503" y="156825"/>
             <a:ext cx="10515600" cy="1325563"/>
           </a:xfrm>
         </p:spPr>
@@ -9197,238 +9191,84 @@
           <a:p>
             <a:r>
               <a:rPr lang="en-US" b="1" dirty="0"/>
-              <a:t>Division of labor in cooperators</a:t>
+              <a:t>Policing to avoid a tragedy of the commons</a:t>
             </a:r>
           </a:p>
         </p:txBody>
       </p:sp>
-      <mc:AlternateContent xmlns:mc="http://schemas.openxmlformats.org/markup-compatibility/2006" xmlns:a14="http://schemas.microsoft.com/office/drawing/2010/main">
-        <mc:Choice Requires="a14">
-          <p:sp>
-            <p:nvSpPr>
-              <p:cNvPr id="2" name="TextBox 1">
-                <a:extLst>
-                  <a:ext uri="{FF2B5EF4-FFF2-40B4-BE49-F238E27FC236}">
-                    <a16:creationId xmlns:a16="http://schemas.microsoft.com/office/drawing/2014/main" id="{14086DAB-715F-4472-A179-C941C2F2049F}"/>
-                  </a:ext>
-                </a:extLst>
-              </p:cNvPr>
-              <p:cNvSpPr txBox="1"/>
-              <p:nvPr/>
-            </p:nvSpPr>
-            <p:spPr>
-              <a:xfrm>
-                <a:off x="6969416" y="4856159"/>
-                <a:ext cx="3778620" cy="646331"/>
-              </a:xfrm>
-              <a:prstGeom prst="rect">
-                <a:avLst/>
-              </a:prstGeom>
-              <a:noFill/>
-            </p:spPr>
-            <p:txBody>
-              <a:bodyPr wrap="square" rtlCol="0">
-                <a:spAutoFit/>
-              </a:bodyPr>
-              <a:lstStyle/>
-              <a:p>
-                <a:pPr/>
-                <a14:m>
-                  <m:oMathPara xmlns:m="http://schemas.openxmlformats.org/officeDocument/2006/math">
-                    <m:oMathParaPr>
-                      <m:jc m:val="centerGroup"/>
-                    </m:oMathParaPr>
-                    <m:oMath xmlns:m="http://schemas.openxmlformats.org/officeDocument/2006/math">
-                      <m:r>
-                        <a:rPr lang="en-US" b="0" i="1" smtClean="0">
-                          <a:latin typeface="Cambria Math" panose="02040503050406030204" pitchFamily="18" charset="0"/>
-                        </a:rPr>
-                        <m:t>𝑓</m:t>
-                      </m:r>
-                      <m:d>
-                        <m:dPr>
-                          <m:ctrlPr>
-                            <a:rPr lang="en-US" b="0" i="1" smtClean="0">
-                              <a:latin typeface="Cambria Math" panose="02040503050406030204" pitchFamily="18" charset="0"/>
-                            </a:rPr>
-                          </m:ctrlPr>
-                        </m:dPr>
-                        <m:e>
-                          <m:r>
-                            <a:rPr lang="en-US" b="0" i="1" smtClean="0">
-                              <a:latin typeface="Cambria Math" panose="02040503050406030204" pitchFamily="18" charset="0"/>
-                            </a:rPr>
-                            <m:t>𝑠</m:t>
-                          </m:r>
-                          <m:r>
-                            <a:rPr lang="en-US" b="0" i="1" smtClean="0">
-                              <a:latin typeface="Cambria Math" panose="02040503050406030204" pitchFamily="18" charset="0"/>
-                            </a:rPr>
-                            <m:t>,</m:t>
-                          </m:r>
-                          <m:r>
-                            <a:rPr lang="en-US" b="0" i="1" smtClean="0">
-                              <a:latin typeface="Cambria Math" panose="02040503050406030204" pitchFamily="18" charset="0"/>
-                            </a:rPr>
-                            <m:t>𝑒</m:t>
-                          </m:r>
-                        </m:e>
-                      </m:d>
-                      <m:r>
-                        <a:rPr lang="en-US" b="0" i="1" smtClean="0">
-                          <a:latin typeface="Cambria Math" panose="02040503050406030204" pitchFamily="18" charset="0"/>
-                        </a:rPr>
-                        <m:t>&gt;0 ∀</m:t>
-                      </m:r>
-                      <m:r>
-                        <a:rPr lang="en-US" b="0" i="1" smtClean="0">
-                          <a:latin typeface="Cambria Math" panose="02040503050406030204" pitchFamily="18" charset="0"/>
-                        </a:rPr>
-                        <m:t>𝑠</m:t>
-                      </m:r>
-                      <m:r>
-                        <a:rPr lang="en-US" b="0" i="1" smtClean="0">
-                          <a:latin typeface="Cambria Math" panose="02040503050406030204" pitchFamily="18" charset="0"/>
-                        </a:rPr>
-                        <m:t>,</m:t>
-                      </m:r>
-                      <m:r>
-                        <a:rPr lang="en-US" b="0" i="1" smtClean="0">
-                          <a:latin typeface="Cambria Math" panose="02040503050406030204" pitchFamily="18" charset="0"/>
-                        </a:rPr>
-                        <m:t>𝑒</m:t>
-                      </m:r>
-                      <m:r>
-                        <a:rPr lang="en-US" b="0" i="1" smtClean="0">
-                          <a:latin typeface="Cambria Math" panose="02040503050406030204" pitchFamily="18" charset="0"/>
-                        </a:rPr>
-                        <m:t>&gt;0</m:t>
-                      </m:r>
-                    </m:oMath>
-                    <m:oMath xmlns:m="http://schemas.openxmlformats.org/officeDocument/2006/math">
-                      <m:r>
-                        <a:rPr lang="en-US" b="0" i="1" smtClean="0">
-                          <a:latin typeface="Cambria Math" panose="02040503050406030204" pitchFamily="18" charset="0"/>
-                        </a:rPr>
-                        <m:t>𝑓</m:t>
-                      </m:r>
-                      <m:d>
-                        <m:dPr>
-                          <m:ctrlPr>
-                            <a:rPr lang="en-US" b="0" i="1" smtClean="0">
-                              <a:latin typeface="Cambria Math" panose="02040503050406030204" pitchFamily="18" charset="0"/>
-                            </a:rPr>
-                          </m:ctrlPr>
-                        </m:dPr>
-                        <m:e>
-                          <m:r>
-                            <a:rPr lang="en-US" b="0" i="1" smtClean="0">
-                              <a:latin typeface="Cambria Math" panose="02040503050406030204" pitchFamily="18" charset="0"/>
-                            </a:rPr>
-                            <m:t>0,</m:t>
-                          </m:r>
-                          <m:r>
-                            <a:rPr lang="en-US" b="0" i="1" smtClean="0">
-                              <a:latin typeface="Cambria Math" panose="02040503050406030204" pitchFamily="18" charset="0"/>
-                            </a:rPr>
-                            <m:t>𝑒</m:t>
-                          </m:r>
-                        </m:e>
-                      </m:d>
-                      <m:r>
-                        <a:rPr lang="en-US" b="0" i="1" smtClean="0">
-                          <a:latin typeface="Cambria Math" panose="02040503050406030204" pitchFamily="18" charset="0"/>
-                        </a:rPr>
-                        <m:t>=</m:t>
-                      </m:r>
-                      <m:r>
-                        <a:rPr lang="en-US" b="0" i="1" smtClean="0">
-                          <a:latin typeface="Cambria Math" panose="02040503050406030204" pitchFamily="18" charset="0"/>
-                        </a:rPr>
-                        <m:t>𝑓</m:t>
-                      </m:r>
-                      <m:d>
-                        <m:dPr>
-                          <m:ctrlPr>
-                            <a:rPr lang="en-US" b="0" i="1" smtClean="0">
-                              <a:latin typeface="Cambria Math" panose="02040503050406030204" pitchFamily="18" charset="0"/>
-                            </a:rPr>
-                          </m:ctrlPr>
-                        </m:dPr>
-                        <m:e>
-                          <m:r>
-                            <a:rPr lang="en-US" b="0" i="1" smtClean="0">
-                              <a:latin typeface="Cambria Math" panose="02040503050406030204" pitchFamily="18" charset="0"/>
-                            </a:rPr>
-                            <m:t>𝑠</m:t>
-                          </m:r>
-                          <m:r>
-                            <a:rPr lang="en-US" b="0" i="1" smtClean="0">
-                              <a:latin typeface="Cambria Math" panose="02040503050406030204" pitchFamily="18" charset="0"/>
-                            </a:rPr>
-                            <m:t>,0</m:t>
-                          </m:r>
-                        </m:e>
-                      </m:d>
-                      <m:r>
-                        <a:rPr lang="en-US" b="0" i="1" smtClean="0">
-                          <a:latin typeface="Cambria Math" panose="02040503050406030204" pitchFamily="18" charset="0"/>
-                        </a:rPr>
-                        <m:t>=0</m:t>
-                      </m:r>
-                    </m:oMath>
-                  </m:oMathPara>
-                </a14:m>
-                <a:endParaRPr lang="en-US" dirty="0"/>
-              </a:p>
-            </p:txBody>
-          </p:sp>
-        </mc:Choice>
-        <mc:Fallback xmlns="">
-          <p:sp>
-            <p:nvSpPr>
-              <p:cNvPr id="2" name="TextBox 1">
-                <a:extLst>
-                  <a:ext uri="{FF2B5EF4-FFF2-40B4-BE49-F238E27FC236}">
-                    <a16:creationId xmlns:a16="http://schemas.microsoft.com/office/drawing/2014/main" id="{14086DAB-715F-4472-A179-C941C2F2049F}"/>
-                  </a:ext>
-                </a:extLst>
-              </p:cNvPr>
-              <p:cNvSpPr txBox="1">
-                <a:spLocks noRot="1" noChangeAspect="1" noMove="1" noResize="1" noEditPoints="1" noAdjustHandles="1" noChangeArrowheads="1" noChangeShapeType="1" noTextEdit="1"/>
-              </p:cNvSpPr>
-              <p:nvPr/>
-            </p:nvSpPr>
-            <p:spPr>
-              <a:xfrm>
-                <a:off x="6969416" y="4856159"/>
-                <a:ext cx="3778620" cy="646331"/>
-              </a:xfrm>
-              <a:prstGeom prst="rect">
-                <a:avLst/>
-              </a:prstGeom>
-              <a:blipFill>
-                <a:blip r:embed="rId8"/>
-                <a:stretch>
-                  <a:fillRect b="-6604"/>
-                </a:stretch>
-              </a:blipFill>
-            </p:spPr>
-            <p:txBody>
-              <a:bodyPr/>
-              <a:lstStyle/>
-              <a:p>
-                <a:r>
-                  <a:rPr lang="en-US">
-                    <a:noFill/>
-                  </a:rPr>
-                  <a:t> </a:t>
-                </a:r>
-              </a:p>
-            </p:txBody>
-          </p:sp>
-        </mc:Fallback>
-      </mc:AlternateContent>
+      <p:sp>
+        <p:nvSpPr>
+          <p:cNvPr id="93" name="Content Placeholder 2">
+            <a:extLst>
+              <a:ext uri="{FF2B5EF4-FFF2-40B4-BE49-F238E27FC236}">
+                <a16:creationId xmlns:a16="http://schemas.microsoft.com/office/drawing/2014/main" id="{4772C51A-22CE-4C8E-87B7-9747CE612620}"/>
+              </a:ext>
+            </a:extLst>
+          </p:cNvPr>
+          <p:cNvSpPr>
+            <a:spLocks noGrp="1"/>
+          </p:cNvSpPr>
+          <p:nvPr>
+            <p:ph idx="1"/>
+          </p:nvPr>
+        </p:nvSpPr>
+        <p:spPr>
+          <a:xfrm>
+            <a:off x="7081235" y="4448732"/>
+            <a:ext cx="4182425" cy="1862755"/>
+          </a:xfrm>
+          <a:ln>
+            <a:solidFill>
+              <a:schemeClr val="tx1"/>
+            </a:solidFill>
+          </a:ln>
+        </p:spPr>
+        <p:txBody>
+          <a:bodyPr>
+            <a:normAutofit fontScale="62500" lnSpcReduction="20000"/>
+          </a:bodyPr>
+          <a:lstStyle/>
+          <a:p>
+            <a:pPr marL="0" indent="0">
+              <a:buNone/>
+            </a:pPr>
+            <a:r>
+              <a:rPr lang="en-US" b="1" dirty="0"/>
+              <a:t>Reproducibility:</a:t>
+            </a:r>
+          </a:p>
+          <a:p>
+            <a:r>
+              <a:rPr lang="en-US" dirty="0"/>
+              <a:t>Readme file: </a:t>
+            </a:r>
+          </a:p>
+          <a:p>
+            <a:pPr marL="457200" lvl="1" indent="0">
+              <a:buNone/>
+            </a:pPr>
+            <a:r>
+              <a:rPr lang="en-US" dirty="0"/>
+              <a:t>Explains the function of each piece of code, as well as describes all other non-figure files</a:t>
+            </a:r>
+          </a:p>
+          <a:p>
+            <a:r>
+              <a:rPr lang="en-US" dirty="0"/>
+              <a:t>Text files with each figure: </a:t>
+            </a:r>
+          </a:p>
+          <a:p>
+            <a:pPr marL="457200" lvl="1" indent="0">
+              <a:buNone/>
+            </a:pPr>
+            <a:r>
+              <a:rPr lang="en-US" dirty="0"/>
+              <a:t>Records the initial condition and parameter values associated with each figure</a:t>
+            </a:r>
+          </a:p>
+        </p:txBody>
+      </p:sp>
     </p:spTree>
     <p:extLst>
       <p:ext uri="{BB962C8B-B14F-4D97-AF65-F5344CB8AC3E}">
@@ -19396,6 +19236,135 @@
 </p:sld>
 </file>
 
+<file path=ppt/slides/slide7.xml><?xml version="1.0" encoding="utf-8"?>
+<p:sld xmlns:a="http://schemas.openxmlformats.org/drawingml/2006/main" xmlns:r="http://schemas.openxmlformats.org/officeDocument/2006/relationships" xmlns:p="http://schemas.openxmlformats.org/presentationml/2006/main">
+  <p:cSld>
+    <p:spTree>
+      <p:nvGrpSpPr>
+        <p:cNvPr id="1" name=""/>
+        <p:cNvGrpSpPr/>
+        <p:nvPr/>
+      </p:nvGrpSpPr>
+      <p:grpSpPr>
+        <a:xfrm>
+          <a:off x="0" y="0"/>
+          <a:ext cx="0" cy="0"/>
+          <a:chOff x="0" y="0"/>
+          <a:chExt cx="0" cy="0"/>
+        </a:xfrm>
+      </p:grpSpPr>
+      <p:sp>
+        <p:nvSpPr>
+          <p:cNvPr id="2" name="Title 1">
+            <a:extLst>
+              <a:ext uri="{FF2B5EF4-FFF2-40B4-BE49-F238E27FC236}">
+                <a16:creationId xmlns:a16="http://schemas.microsoft.com/office/drawing/2014/main" id="{60045A96-676C-4725-9915-5F537E460177}"/>
+              </a:ext>
+            </a:extLst>
+          </p:cNvPr>
+          <p:cNvSpPr>
+            <a:spLocks noGrp="1"/>
+          </p:cNvSpPr>
+          <p:nvPr>
+            <p:ph type="title"/>
+          </p:nvPr>
+        </p:nvSpPr>
+        <p:spPr/>
+        <p:txBody>
+          <a:bodyPr/>
+          <a:lstStyle/>
+          <a:p>
+            <a:r>
+              <a:rPr lang="en-US" dirty="0"/>
+              <a:t>Reproducibility</a:t>
+            </a:r>
+          </a:p>
+        </p:txBody>
+      </p:sp>
+      <p:sp>
+        <p:nvSpPr>
+          <p:cNvPr id="3" name="Content Placeholder 2">
+            <a:extLst>
+              <a:ext uri="{FF2B5EF4-FFF2-40B4-BE49-F238E27FC236}">
+                <a16:creationId xmlns:a16="http://schemas.microsoft.com/office/drawing/2014/main" id="{12309FE7-267F-4027-B647-21B36B5B8FC9}"/>
+              </a:ext>
+            </a:extLst>
+          </p:cNvPr>
+          <p:cNvSpPr>
+            <a:spLocks noGrp="1"/>
+          </p:cNvSpPr>
+          <p:nvPr>
+            <p:ph idx="1"/>
+          </p:nvPr>
+        </p:nvSpPr>
+        <p:spPr>
+          <a:xfrm>
+            <a:off x="838200" y="1825625"/>
+            <a:ext cx="4723015" cy="4201102"/>
+          </a:xfrm>
+          <a:ln>
+            <a:solidFill>
+              <a:schemeClr val="tx1"/>
+            </a:solidFill>
+          </a:ln>
+        </p:spPr>
+        <p:txBody>
+          <a:bodyPr/>
+          <a:lstStyle/>
+          <a:p>
+            <a:pPr marL="0" indent="0">
+              <a:buNone/>
+            </a:pPr>
+            <a:r>
+              <a:rPr lang="en-US" b="1" dirty="0"/>
+              <a:t>Reproducibility:</a:t>
+            </a:r>
+          </a:p>
+          <a:p>
+            <a:r>
+              <a:rPr lang="en-US" dirty="0"/>
+              <a:t>Readme file: </a:t>
+            </a:r>
+          </a:p>
+          <a:p>
+            <a:pPr marL="457200" lvl="1" indent="0">
+              <a:buNone/>
+            </a:pPr>
+            <a:r>
+              <a:rPr lang="en-US" dirty="0"/>
+              <a:t>Explains the function of each piece of code, as well as describes all other non-figure files</a:t>
+            </a:r>
+          </a:p>
+          <a:p>
+            <a:r>
+              <a:rPr lang="en-US" dirty="0"/>
+              <a:t>Text files with each figure: </a:t>
+            </a:r>
+          </a:p>
+          <a:p>
+            <a:pPr marL="457200" lvl="1" indent="0">
+              <a:buNone/>
+            </a:pPr>
+            <a:r>
+              <a:rPr lang="en-US" dirty="0"/>
+              <a:t>Records the initial condition and parameter values associated with each figure</a:t>
+            </a:r>
+          </a:p>
+        </p:txBody>
+      </p:sp>
+    </p:spTree>
+    <p:extLst>
+      <p:ext uri="{BB962C8B-B14F-4D97-AF65-F5344CB8AC3E}">
+        <p14:creationId xmlns:p14="http://schemas.microsoft.com/office/powerpoint/2010/main" val="173251260"/>
+      </p:ext>
+    </p:extLst>
+  </p:cSld>
+  <p:clrMapOvr>
+    <a:masterClrMapping/>
+  </p:clrMapOvr>
+</p:sld>
+</file>
+
 <file path=ppt/theme/theme1.xml><?xml version="1.0" encoding="utf-8"?>
 <a:theme xmlns:a="http://schemas.openxmlformats.org/drawingml/2006/main" name="Office Theme">
   <a:themeElements>

--- a/Products/AW_fin.pptx
+++ b/Products/AW_fin.pptx
@@ -7,11 +7,12 @@
   <p:sldIdLst>
     <p:sldId id="256" r:id="rId2"/>
     <p:sldId id="258" r:id="rId3"/>
-    <p:sldId id="265" r:id="rId4"/>
-    <p:sldId id="268" r:id="rId5"/>
-    <p:sldId id="269" r:id="rId6"/>
-    <p:sldId id="270" r:id="rId7"/>
-    <p:sldId id="271" r:id="rId8"/>
+    <p:sldId id="272" r:id="rId4"/>
+    <p:sldId id="265" r:id="rId5"/>
+    <p:sldId id="268" r:id="rId6"/>
+    <p:sldId id="269" r:id="rId7"/>
+    <p:sldId id="270" r:id="rId8"/>
+    <p:sldId id="271" r:id="rId9"/>
   </p:sldIdLst>
   <p:sldSz cx="12192000" cy="6858000"/>
   <p:notesSz cx="6858000" cy="9144000"/>
@@ -265,7 +266,7 @@
           <a:p>
             <a:fld id="{F60B097C-15D3-4C10-907C-9D6BDD5AB733}" type="datetimeFigureOut">
               <a:rPr lang="en-US" smtClean="0"/>
-              <a:t>5/29/2019</a:t>
+              <a:t>5/31/2019</a:t>
             </a:fld>
             <a:endParaRPr lang="en-US"/>
           </a:p>
@@ -463,7 +464,7 @@
           <a:p>
             <a:fld id="{F60B097C-15D3-4C10-907C-9D6BDD5AB733}" type="datetimeFigureOut">
               <a:rPr lang="en-US" smtClean="0"/>
-              <a:t>5/29/2019</a:t>
+              <a:t>5/31/2019</a:t>
             </a:fld>
             <a:endParaRPr lang="en-US"/>
           </a:p>
@@ -671,7 +672,7 @@
           <a:p>
             <a:fld id="{F60B097C-15D3-4C10-907C-9D6BDD5AB733}" type="datetimeFigureOut">
               <a:rPr lang="en-US" smtClean="0"/>
-              <a:t>5/29/2019</a:t>
+              <a:t>5/31/2019</a:t>
             </a:fld>
             <a:endParaRPr lang="en-US"/>
           </a:p>
@@ -869,7 +870,7 @@
           <a:p>
             <a:fld id="{F60B097C-15D3-4C10-907C-9D6BDD5AB733}" type="datetimeFigureOut">
               <a:rPr lang="en-US" smtClean="0"/>
-              <a:t>5/29/2019</a:t>
+              <a:t>5/31/2019</a:t>
             </a:fld>
             <a:endParaRPr lang="en-US"/>
           </a:p>
@@ -1144,7 +1145,7 @@
           <a:p>
             <a:fld id="{F60B097C-15D3-4C10-907C-9D6BDD5AB733}" type="datetimeFigureOut">
               <a:rPr lang="en-US" smtClean="0"/>
-              <a:t>5/29/2019</a:t>
+              <a:t>5/31/2019</a:t>
             </a:fld>
             <a:endParaRPr lang="en-US"/>
           </a:p>
@@ -1409,7 +1410,7 @@
           <a:p>
             <a:fld id="{F60B097C-15D3-4C10-907C-9D6BDD5AB733}" type="datetimeFigureOut">
               <a:rPr lang="en-US" smtClean="0"/>
-              <a:t>5/29/2019</a:t>
+              <a:t>5/31/2019</a:t>
             </a:fld>
             <a:endParaRPr lang="en-US"/>
           </a:p>
@@ -1821,7 +1822,7 @@
           <a:p>
             <a:fld id="{F60B097C-15D3-4C10-907C-9D6BDD5AB733}" type="datetimeFigureOut">
               <a:rPr lang="en-US" smtClean="0"/>
-              <a:t>5/29/2019</a:t>
+              <a:t>5/31/2019</a:t>
             </a:fld>
             <a:endParaRPr lang="en-US"/>
           </a:p>
@@ -1962,7 +1963,7 @@
           <a:p>
             <a:fld id="{F60B097C-15D3-4C10-907C-9D6BDD5AB733}" type="datetimeFigureOut">
               <a:rPr lang="en-US" smtClean="0"/>
-              <a:t>5/29/2019</a:t>
+              <a:t>5/31/2019</a:t>
             </a:fld>
             <a:endParaRPr lang="en-US"/>
           </a:p>
@@ -2075,7 +2076,7 @@
           <a:p>
             <a:fld id="{F60B097C-15D3-4C10-907C-9D6BDD5AB733}" type="datetimeFigureOut">
               <a:rPr lang="en-US" smtClean="0"/>
-              <a:t>5/29/2019</a:t>
+              <a:t>5/31/2019</a:t>
             </a:fld>
             <a:endParaRPr lang="en-US"/>
           </a:p>
@@ -2386,7 +2387,7 @@
           <a:p>
             <a:fld id="{F60B097C-15D3-4C10-907C-9D6BDD5AB733}" type="datetimeFigureOut">
               <a:rPr lang="en-US" smtClean="0"/>
-              <a:t>5/29/2019</a:t>
+              <a:t>5/31/2019</a:t>
             </a:fld>
             <a:endParaRPr lang="en-US"/>
           </a:p>
@@ -2674,7 +2675,7 @@
           <a:p>
             <a:fld id="{F60B097C-15D3-4C10-907C-9D6BDD5AB733}" type="datetimeFigureOut">
               <a:rPr lang="en-US" smtClean="0"/>
-              <a:t>5/29/2019</a:t>
+              <a:t>5/31/2019</a:t>
             </a:fld>
             <a:endParaRPr lang="en-US"/>
           </a:p>
@@ -2915,7 +2916,7 @@
           <a:p>
             <a:fld id="{F60B097C-15D3-4C10-907C-9D6BDD5AB733}" type="datetimeFigureOut">
               <a:rPr lang="en-US" smtClean="0"/>
-              <a:t>5/29/2019</a:t>
+              <a:t>5/31/2019</a:t>
             </a:fld>
             <a:endParaRPr lang="en-US"/>
           </a:p>
@@ -3420,6 +3421,6128 @@
 </file>
 
 <file path=ppt/slides/slide2.xml><?xml version="1.0" encoding="utf-8"?>
+<p:sld xmlns:a="http://schemas.openxmlformats.org/drawingml/2006/main" xmlns:r="http://schemas.openxmlformats.org/officeDocument/2006/relationships" xmlns:p="http://schemas.openxmlformats.org/presentationml/2006/main">
+  <p:cSld>
+    <p:spTree>
+      <p:nvGrpSpPr>
+        <p:cNvPr id="1" name=""/>
+        <p:cNvGrpSpPr/>
+        <p:nvPr/>
+      </p:nvGrpSpPr>
+      <p:grpSpPr>
+        <a:xfrm>
+          <a:off x="0" y="0"/>
+          <a:ext cx="0" cy="0"/>
+          <a:chOff x="0" y="0"/>
+          <a:chExt cx="0" cy="0"/>
+        </a:xfrm>
+      </p:grpSpPr>
+      <p:sp>
+        <p:nvSpPr>
+          <p:cNvPr id="74" name="Rectangle: Rounded Corners 73">
+            <a:extLst>
+              <a:ext uri="{FF2B5EF4-FFF2-40B4-BE49-F238E27FC236}">
+                <a16:creationId xmlns:a16="http://schemas.microsoft.com/office/drawing/2014/main" id="{48CDC001-EFEB-4FF2-84D7-40F3E3C6D9B8}"/>
+              </a:ext>
+            </a:extLst>
+          </p:cNvPr>
+          <p:cNvSpPr/>
+          <p:nvPr/>
+        </p:nvSpPr>
+        <p:spPr>
+          <a:xfrm>
+            <a:off x="1161528" y="5850347"/>
+            <a:ext cx="528894" cy="216131"/>
+          </a:xfrm>
+          <a:prstGeom prst="roundRect">
+            <a:avLst/>
+          </a:prstGeom>
+          <a:solidFill>
+            <a:schemeClr val="accent5"/>
+          </a:solidFill>
+          <a:ln>
+            <a:solidFill>
+              <a:schemeClr val="accent1"/>
+            </a:solidFill>
+          </a:ln>
+        </p:spPr>
+        <p:style>
+          <a:lnRef idx="2">
+            <a:schemeClr val="accent5">
+              <a:shade val="50000"/>
+            </a:schemeClr>
+          </a:lnRef>
+          <a:fillRef idx="1">
+            <a:schemeClr val="accent5"/>
+          </a:fillRef>
+          <a:effectRef idx="0">
+            <a:schemeClr val="accent5"/>
+          </a:effectRef>
+          <a:fontRef idx="minor">
+            <a:schemeClr val="lt1"/>
+          </a:fontRef>
+        </p:style>
+        <p:txBody>
+          <a:bodyPr rtlCol="0" anchor="ctr"/>
+          <a:lstStyle/>
+          <a:p>
+            <a:pPr algn="ctr"/>
+            <a:endParaRPr lang="en-US"/>
+          </a:p>
+        </p:txBody>
+      </p:sp>
+      <p:sp>
+        <p:nvSpPr>
+          <p:cNvPr id="75" name="Rectangle: Rounded Corners 74">
+            <a:extLst>
+              <a:ext uri="{FF2B5EF4-FFF2-40B4-BE49-F238E27FC236}">
+                <a16:creationId xmlns:a16="http://schemas.microsoft.com/office/drawing/2014/main" id="{F50EEFD9-0F12-4006-890B-6C6C9DB2295E}"/>
+              </a:ext>
+            </a:extLst>
+          </p:cNvPr>
+          <p:cNvSpPr/>
+          <p:nvPr/>
+        </p:nvSpPr>
+        <p:spPr>
+          <a:xfrm>
+            <a:off x="1161528" y="5407992"/>
+            <a:ext cx="528894" cy="216131"/>
+          </a:xfrm>
+          <a:prstGeom prst="roundRect">
+            <a:avLst/>
+          </a:prstGeom>
+          <a:solidFill>
+            <a:srgbClr val="FF0000"/>
+          </a:solidFill>
+          <a:ln>
+            <a:solidFill>
+              <a:srgbClr val="C00000"/>
+            </a:solidFill>
+          </a:ln>
+        </p:spPr>
+        <p:style>
+          <a:lnRef idx="2">
+            <a:schemeClr val="accent5">
+              <a:shade val="50000"/>
+            </a:schemeClr>
+          </a:lnRef>
+          <a:fillRef idx="1">
+            <a:schemeClr val="accent5"/>
+          </a:fillRef>
+          <a:effectRef idx="0">
+            <a:schemeClr val="accent5"/>
+          </a:effectRef>
+          <a:fontRef idx="minor">
+            <a:schemeClr val="lt1"/>
+          </a:fontRef>
+        </p:style>
+        <p:txBody>
+          <a:bodyPr rtlCol="0" anchor="ctr"/>
+          <a:lstStyle/>
+          <a:p>
+            <a:pPr algn="ctr"/>
+            <a:endParaRPr lang="en-US"/>
+          </a:p>
+        </p:txBody>
+      </p:sp>
+      <p:sp>
+        <p:nvSpPr>
+          <p:cNvPr id="76" name="TextBox 75">
+            <a:extLst>
+              <a:ext uri="{FF2B5EF4-FFF2-40B4-BE49-F238E27FC236}">
+                <a16:creationId xmlns:a16="http://schemas.microsoft.com/office/drawing/2014/main" id="{E5720808-5C10-4967-8F2B-E887C9F99C6F}"/>
+              </a:ext>
+            </a:extLst>
+          </p:cNvPr>
+          <p:cNvSpPr txBox="1"/>
+          <p:nvPr/>
+        </p:nvSpPr>
+        <p:spPr>
+          <a:xfrm>
+            <a:off x="1876684" y="6126821"/>
+            <a:ext cx="2730896" cy="369332"/>
+          </a:xfrm>
+          <a:prstGeom prst="rect">
+            <a:avLst/>
+          </a:prstGeom>
+          <a:noFill/>
+        </p:spPr>
+        <p:txBody>
+          <a:bodyPr wrap="square" rtlCol="0">
+            <a:spAutoFit/>
+          </a:bodyPr>
+          <a:lstStyle/>
+          <a:p>
+            <a:r>
+              <a:rPr lang="en-US" dirty="0"/>
+              <a:t>x</a:t>
+            </a:r>
+            <a:r>
+              <a:rPr lang="en-US" baseline="-25000" dirty="0"/>
+              <a:t>3 </a:t>
+            </a:r>
+            <a:r>
+              <a:rPr lang="en-US" dirty="0"/>
+              <a:t>: cheater</a:t>
+            </a:r>
+            <a:r>
+              <a:rPr lang="en-US" baseline="-25000" dirty="0"/>
+              <a:t> </a:t>
+            </a:r>
+            <a:endParaRPr lang="en-US" dirty="0"/>
+          </a:p>
+        </p:txBody>
+      </p:sp>
+      <p:sp>
+        <p:nvSpPr>
+          <p:cNvPr id="77" name="TextBox 76">
+            <a:extLst>
+              <a:ext uri="{FF2B5EF4-FFF2-40B4-BE49-F238E27FC236}">
+                <a16:creationId xmlns:a16="http://schemas.microsoft.com/office/drawing/2014/main" id="{337701AC-CAF0-42F1-9D03-3FE1CA6C7D38}"/>
+              </a:ext>
+            </a:extLst>
+          </p:cNvPr>
+          <p:cNvSpPr txBox="1"/>
+          <p:nvPr/>
+        </p:nvSpPr>
+        <p:spPr>
+          <a:xfrm>
+            <a:off x="1900835" y="5331392"/>
+            <a:ext cx="2730896" cy="369332"/>
+          </a:xfrm>
+          <a:prstGeom prst="rect">
+            <a:avLst/>
+          </a:prstGeom>
+          <a:noFill/>
+        </p:spPr>
+        <p:txBody>
+          <a:bodyPr wrap="square" rtlCol="0">
+            <a:spAutoFit/>
+          </a:bodyPr>
+          <a:lstStyle/>
+          <a:p>
+            <a:r>
+              <a:rPr lang="en-US" dirty="0"/>
+              <a:t>x</a:t>
+            </a:r>
+            <a:r>
+              <a:rPr lang="en-US" baseline="-25000" dirty="0"/>
+              <a:t>1 </a:t>
+            </a:r>
+            <a:r>
+              <a:rPr lang="en-US" dirty="0"/>
+              <a:t>: cooperator</a:t>
+            </a:r>
+            <a:r>
+              <a:rPr lang="en-US" baseline="-25000" dirty="0"/>
+              <a:t> </a:t>
+            </a:r>
+            <a:endParaRPr lang="en-US" dirty="0"/>
+          </a:p>
+        </p:txBody>
+      </p:sp>
+      <p:sp>
+        <p:nvSpPr>
+          <p:cNvPr id="78" name="Rectangle: Rounded Corners 77">
+            <a:extLst>
+              <a:ext uri="{FF2B5EF4-FFF2-40B4-BE49-F238E27FC236}">
+                <a16:creationId xmlns:a16="http://schemas.microsoft.com/office/drawing/2014/main" id="{D3E7A260-6961-4496-AB76-612E5BF29B89}"/>
+              </a:ext>
+            </a:extLst>
+          </p:cNvPr>
+          <p:cNvSpPr/>
+          <p:nvPr/>
+        </p:nvSpPr>
+        <p:spPr>
+          <a:xfrm>
+            <a:off x="1161528" y="6280022"/>
+            <a:ext cx="528894" cy="216131"/>
+          </a:xfrm>
+          <a:prstGeom prst="roundRect">
+            <a:avLst/>
+          </a:prstGeom>
+          <a:noFill/>
+          <a:ln>
+            <a:solidFill>
+              <a:srgbClr val="FF00FF"/>
+            </a:solidFill>
+          </a:ln>
+        </p:spPr>
+        <p:style>
+          <a:lnRef idx="2">
+            <a:schemeClr val="accent5">
+              <a:shade val="50000"/>
+            </a:schemeClr>
+          </a:lnRef>
+          <a:fillRef idx="1">
+            <a:schemeClr val="accent5"/>
+          </a:fillRef>
+          <a:effectRef idx="0">
+            <a:schemeClr val="accent5"/>
+          </a:effectRef>
+          <a:fontRef idx="minor">
+            <a:schemeClr val="lt1"/>
+          </a:fontRef>
+        </p:style>
+        <p:txBody>
+          <a:bodyPr rtlCol="0" anchor="ctr"/>
+          <a:lstStyle/>
+          <a:p>
+            <a:pPr algn="ctr"/>
+            <a:endParaRPr lang="en-US"/>
+          </a:p>
+        </p:txBody>
+      </p:sp>
+      <p:sp>
+        <p:nvSpPr>
+          <p:cNvPr id="79" name="TextBox 78">
+            <a:extLst>
+              <a:ext uri="{FF2B5EF4-FFF2-40B4-BE49-F238E27FC236}">
+                <a16:creationId xmlns:a16="http://schemas.microsoft.com/office/drawing/2014/main" id="{09D75253-6977-485B-828B-7BF80765B7A4}"/>
+              </a:ext>
+            </a:extLst>
+          </p:cNvPr>
+          <p:cNvSpPr txBox="1"/>
+          <p:nvPr/>
+        </p:nvSpPr>
+        <p:spPr>
+          <a:xfrm>
+            <a:off x="1907938" y="5740065"/>
+            <a:ext cx="2730896" cy="369332"/>
+          </a:xfrm>
+          <a:prstGeom prst="rect">
+            <a:avLst/>
+          </a:prstGeom>
+          <a:noFill/>
+        </p:spPr>
+        <p:txBody>
+          <a:bodyPr wrap="square" rtlCol="0">
+            <a:spAutoFit/>
+          </a:bodyPr>
+          <a:lstStyle/>
+          <a:p>
+            <a:r>
+              <a:rPr lang="en-US" dirty="0"/>
+              <a:t>x</a:t>
+            </a:r>
+            <a:r>
+              <a:rPr lang="en-US" baseline="-25000" dirty="0"/>
+              <a:t>2 </a:t>
+            </a:r>
+            <a:r>
+              <a:rPr lang="en-US" dirty="0"/>
+              <a:t>: policer</a:t>
+            </a:r>
+            <a:r>
+              <a:rPr lang="en-US" baseline="-25000" dirty="0"/>
+              <a:t> </a:t>
+            </a:r>
+            <a:endParaRPr lang="en-US" dirty="0"/>
+          </a:p>
+        </p:txBody>
+      </p:sp>
+      <p:grpSp>
+        <p:nvGrpSpPr>
+          <p:cNvPr id="43" name="Group 42">
+            <a:extLst>
+              <a:ext uri="{FF2B5EF4-FFF2-40B4-BE49-F238E27FC236}">
+                <a16:creationId xmlns:a16="http://schemas.microsoft.com/office/drawing/2014/main" id="{7E60780F-5A64-452A-B161-933DDE43071F}"/>
+              </a:ext>
+            </a:extLst>
+          </p:cNvPr>
+          <p:cNvGrpSpPr/>
+          <p:nvPr/>
+        </p:nvGrpSpPr>
+        <p:grpSpPr>
+          <a:xfrm>
+            <a:off x="464117" y="1369892"/>
+            <a:ext cx="6417686" cy="3541222"/>
+            <a:chOff x="464117" y="1369892"/>
+            <a:chExt cx="6417686" cy="3541222"/>
+          </a:xfrm>
+        </p:grpSpPr>
+        <p:grpSp>
+          <p:nvGrpSpPr>
+            <p:cNvPr id="44" name="Group 43">
+              <a:extLst>
+                <a:ext uri="{FF2B5EF4-FFF2-40B4-BE49-F238E27FC236}">
+                  <a16:creationId xmlns:a16="http://schemas.microsoft.com/office/drawing/2014/main" id="{D7A69559-9E2D-466A-9251-AB5920A6075C}"/>
+                </a:ext>
+              </a:extLst>
+            </p:cNvPr>
+            <p:cNvGrpSpPr/>
+            <p:nvPr/>
+          </p:nvGrpSpPr>
+          <p:grpSpPr>
+            <a:xfrm>
+              <a:off x="464117" y="1369892"/>
+              <a:ext cx="6417686" cy="3541222"/>
+              <a:chOff x="482138" y="1388225"/>
+              <a:chExt cx="6417686" cy="3541222"/>
+            </a:xfrm>
+          </p:grpSpPr>
+          <p:grpSp>
+            <p:nvGrpSpPr>
+              <p:cNvPr id="59" name="Group 58">
+                <a:extLst>
+                  <a:ext uri="{FF2B5EF4-FFF2-40B4-BE49-F238E27FC236}">
+                    <a16:creationId xmlns:a16="http://schemas.microsoft.com/office/drawing/2014/main" id="{726C5A7E-10AA-4C4C-A3D6-A5AACEAAFAD3}"/>
+                  </a:ext>
+                </a:extLst>
+              </p:cNvPr>
+              <p:cNvGrpSpPr/>
+              <p:nvPr/>
+            </p:nvGrpSpPr>
+            <p:grpSpPr>
+              <a:xfrm>
+                <a:off x="482138" y="1388225"/>
+                <a:ext cx="5769033" cy="3541222"/>
+                <a:chOff x="482138" y="1388225"/>
+                <a:chExt cx="5769033" cy="3541222"/>
+              </a:xfrm>
+            </p:grpSpPr>
+            <p:grpSp>
+              <p:nvGrpSpPr>
+                <p:cNvPr id="62" name="Group 61">
+                  <a:extLst>
+                    <a:ext uri="{FF2B5EF4-FFF2-40B4-BE49-F238E27FC236}">
+                      <a16:creationId xmlns:a16="http://schemas.microsoft.com/office/drawing/2014/main" id="{3DC009CF-B46F-419E-B8D8-CE1D40F6FCAF}"/>
+                    </a:ext>
+                  </a:extLst>
+                </p:cNvPr>
+                <p:cNvGrpSpPr/>
+                <p:nvPr/>
+              </p:nvGrpSpPr>
+              <p:grpSpPr>
+                <a:xfrm>
+                  <a:off x="482138" y="1388225"/>
+                  <a:ext cx="5769033" cy="3541222"/>
+                  <a:chOff x="482138" y="1388225"/>
+                  <a:chExt cx="5769033" cy="3541222"/>
+                </a:xfrm>
+              </p:grpSpPr>
+              <p:grpSp>
+                <p:nvGrpSpPr>
+                  <p:cNvPr id="66" name="Group 65">
+                    <a:extLst>
+                      <a:ext uri="{FF2B5EF4-FFF2-40B4-BE49-F238E27FC236}">
+                        <a16:creationId xmlns:a16="http://schemas.microsoft.com/office/drawing/2014/main" id="{240BADA3-A9BE-44BF-AEE6-08F510721063}"/>
+                      </a:ext>
+                    </a:extLst>
+                  </p:cNvPr>
+                  <p:cNvGrpSpPr/>
+                  <p:nvPr/>
+                </p:nvGrpSpPr>
+                <p:grpSpPr>
+                  <a:xfrm>
+                    <a:off x="972589" y="1388225"/>
+                    <a:ext cx="4875414" cy="3541222"/>
+                    <a:chOff x="972589" y="1388225"/>
+                    <a:chExt cx="4875414" cy="3541222"/>
+                  </a:xfrm>
+                </p:grpSpPr>
+                <p:sp>
+                  <p:nvSpPr>
+                    <p:cNvPr id="71" name="Rectangle: Rounded Corners 70">
+                      <a:extLst>
+                        <a:ext uri="{FF2B5EF4-FFF2-40B4-BE49-F238E27FC236}">
+                          <a16:creationId xmlns:a16="http://schemas.microsoft.com/office/drawing/2014/main" id="{B8684C59-1C91-4BB6-A0F7-6EFD07D6AC7A}"/>
+                        </a:ext>
+                      </a:extLst>
+                    </p:cNvPr>
+                    <p:cNvSpPr/>
+                    <p:nvPr/>
+                  </p:nvSpPr>
+                  <p:spPr>
+                    <a:xfrm>
+                      <a:off x="972589" y="1388225"/>
+                      <a:ext cx="4788131" cy="3541222"/>
+                    </a:xfrm>
+                    <a:prstGeom prst="roundRect">
+                      <a:avLst/>
+                    </a:prstGeom>
+                    <a:noFill/>
+                    <a:ln>
+                      <a:solidFill>
+                        <a:schemeClr val="tx1"/>
+                      </a:solidFill>
+                    </a:ln>
+                  </p:spPr>
+                  <p:style>
+                    <a:lnRef idx="2">
+                      <a:schemeClr val="accent1">
+                        <a:shade val="50000"/>
+                      </a:schemeClr>
+                    </a:lnRef>
+                    <a:fillRef idx="1">
+                      <a:schemeClr val="accent1"/>
+                    </a:fillRef>
+                    <a:effectRef idx="0">
+                      <a:schemeClr val="accent1"/>
+                    </a:effectRef>
+                    <a:fontRef idx="minor">
+                      <a:schemeClr val="lt1"/>
+                    </a:fontRef>
+                  </p:style>
+                  <p:txBody>
+                    <a:bodyPr rtlCol="0" anchor="ctr"/>
+                    <a:lstStyle/>
+                    <a:p>
+                      <a:pPr algn="ctr"/>
+                      <a:endParaRPr lang="en-US"/>
+                    </a:p>
+                  </p:txBody>
+                </p:sp>
+                <p:sp>
+                  <p:nvSpPr>
+                    <p:cNvPr id="72" name="Rectangle 71">
+                      <a:extLst>
+                        <a:ext uri="{FF2B5EF4-FFF2-40B4-BE49-F238E27FC236}">
+                          <a16:creationId xmlns:a16="http://schemas.microsoft.com/office/drawing/2014/main" id="{CDEECC76-66E1-4FF4-9D2A-43BB00461353}"/>
+                        </a:ext>
+                      </a:extLst>
+                    </p:cNvPr>
+                    <p:cNvSpPr/>
+                    <p:nvPr/>
+                  </p:nvSpPr>
+                  <p:spPr>
+                    <a:xfrm>
+                      <a:off x="972589" y="2011680"/>
+                      <a:ext cx="45719" cy="606829"/>
+                    </a:xfrm>
+                    <a:prstGeom prst="rect">
+                      <a:avLst/>
+                    </a:prstGeom>
+                    <a:solidFill>
+                      <a:schemeClr val="bg1"/>
+                    </a:solidFill>
+                    <a:ln>
+                      <a:solidFill>
+                        <a:schemeClr val="bg1"/>
+                      </a:solidFill>
+                    </a:ln>
+                  </p:spPr>
+                  <p:style>
+                    <a:lnRef idx="2">
+                      <a:schemeClr val="accent1">
+                        <a:shade val="50000"/>
+                      </a:schemeClr>
+                    </a:lnRef>
+                    <a:fillRef idx="1">
+                      <a:schemeClr val="accent1"/>
+                    </a:fillRef>
+                    <a:effectRef idx="0">
+                      <a:schemeClr val="accent1"/>
+                    </a:effectRef>
+                    <a:fontRef idx="minor">
+                      <a:schemeClr val="lt1"/>
+                    </a:fontRef>
+                  </p:style>
+                  <p:txBody>
+                    <a:bodyPr rtlCol="0" anchor="ctr"/>
+                    <a:lstStyle/>
+                    <a:p>
+                      <a:pPr algn="ctr"/>
+                      <a:endParaRPr lang="en-US"/>
+                    </a:p>
+                  </p:txBody>
+                </p:sp>
+                <p:sp>
+                  <p:nvSpPr>
+                    <p:cNvPr id="73" name="Rectangle 72">
+                      <a:extLst>
+                        <a:ext uri="{FF2B5EF4-FFF2-40B4-BE49-F238E27FC236}">
+                          <a16:creationId xmlns:a16="http://schemas.microsoft.com/office/drawing/2014/main" id="{5DD31A2D-2872-4126-9A82-B5212AF9CE74}"/>
+                        </a:ext>
+                      </a:extLst>
+                    </p:cNvPr>
+                    <p:cNvSpPr/>
+                    <p:nvPr/>
+                  </p:nvSpPr>
+                  <p:spPr>
+                    <a:xfrm>
+                      <a:off x="5673436" y="3693621"/>
+                      <a:ext cx="174567" cy="606829"/>
+                    </a:xfrm>
+                    <a:prstGeom prst="rect">
+                      <a:avLst/>
+                    </a:prstGeom>
+                    <a:solidFill>
+                      <a:schemeClr val="bg1"/>
+                    </a:solidFill>
+                    <a:ln>
+                      <a:solidFill>
+                        <a:schemeClr val="bg1"/>
+                      </a:solidFill>
+                    </a:ln>
+                  </p:spPr>
+                  <p:style>
+                    <a:lnRef idx="2">
+                      <a:schemeClr val="accent1">
+                        <a:shade val="50000"/>
+                      </a:schemeClr>
+                    </a:lnRef>
+                    <a:fillRef idx="1">
+                      <a:schemeClr val="accent1"/>
+                    </a:fillRef>
+                    <a:effectRef idx="0">
+                      <a:schemeClr val="accent1"/>
+                    </a:effectRef>
+                    <a:fontRef idx="minor">
+                      <a:schemeClr val="lt1"/>
+                    </a:fontRef>
+                  </p:style>
+                  <p:txBody>
+                    <a:bodyPr rtlCol="0" anchor="ctr"/>
+                    <a:lstStyle/>
+                    <a:p>
+                      <a:pPr algn="ctr"/>
+                      <a:endParaRPr lang="en-US"/>
+                    </a:p>
+                  </p:txBody>
+                </p:sp>
+              </p:grpSp>
+              <p:cxnSp>
+                <p:nvCxnSpPr>
+                  <p:cNvPr id="67" name="Straight Connector 66">
+                    <a:extLst>
+                      <a:ext uri="{FF2B5EF4-FFF2-40B4-BE49-F238E27FC236}">
+                        <a16:creationId xmlns:a16="http://schemas.microsoft.com/office/drawing/2014/main" id="{5C7DDBE7-3885-44AF-8865-DDA83D4B7F7B}"/>
+                      </a:ext>
+                    </a:extLst>
+                  </p:cNvPr>
+                  <p:cNvCxnSpPr>
+                    <a:cxnSpLocks/>
+                  </p:cNvCxnSpPr>
+                  <p:nvPr/>
+                </p:nvCxnSpPr>
+                <p:spPr>
+                  <a:xfrm>
+                    <a:off x="482138" y="2003367"/>
+                    <a:ext cx="490451" cy="0"/>
+                  </a:xfrm>
+                  <a:prstGeom prst="line">
+                    <a:avLst/>
+                  </a:prstGeom>
+                  <a:ln/>
+                </p:spPr>
+                <p:style>
+                  <a:lnRef idx="2">
+                    <a:schemeClr val="dk1"/>
+                  </a:lnRef>
+                  <a:fillRef idx="0">
+                    <a:schemeClr val="dk1"/>
+                  </a:fillRef>
+                  <a:effectRef idx="1">
+                    <a:schemeClr val="dk1"/>
+                  </a:effectRef>
+                  <a:fontRef idx="minor">
+                    <a:schemeClr val="tx1"/>
+                  </a:fontRef>
+                </p:style>
+              </p:cxnSp>
+              <p:cxnSp>
+                <p:nvCxnSpPr>
+                  <p:cNvPr id="68" name="Straight Connector 67">
+                    <a:extLst>
+                      <a:ext uri="{FF2B5EF4-FFF2-40B4-BE49-F238E27FC236}">
+                        <a16:creationId xmlns:a16="http://schemas.microsoft.com/office/drawing/2014/main" id="{41BA2ED9-8BDC-44AA-BA5A-393AC7904D4E}"/>
+                      </a:ext>
+                    </a:extLst>
+                  </p:cNvPr>
+                  <p:cNvCxnSpPr>
+                    <a:cxnSpLocks/>
+                  </p:cNvCxnSpPr>
+                  <p:nvPr/>
+                </p:nvCxnSpPr>
+                <p:spPr>
+                  <a:xfrm>
+                    <a:off x="482138" y="2618509"/>
+                    <a:ext cx="490451" cy="0"/>
+                  </a:xfrm>
+                  <a:prstGeom prst="line">
+                    <a:avLst/>
+                  </a:prstGeom>
+                  <a:ln/>
+                </p:spPr>
+                <p:style>
+                  <a:lnRef idx="2">
+                    <a:schemeClr val="dk1"/>
+                  </a:lnRef>
+                  <a:fillRef idx="0">
+                    <a:schemeClr val="dk1"/>
+                  </a:fillRef>
+                  <a:effectRef idx="1">
+                    <a:schemeClr val="dk1"/>
+                  </a:effectRef>
+                  <a:fontRef idx="minor">
+                    <a:schemeClr val="tx1"/>
+                  </a:fontRef>
+                </p:style>
+              </p:cxnSp>
+              <p:cxnSp>
+                <p:nvCxnSpPr>
+                  <p:cNvPr id="69" name="Straight Connector 68">
+                    <a:extLst>
+                      <a:ext uri="{FF2B5EF4-FFF2-40B4-BE49-F238E27FC236}">
+                        <a16:creationId xmlns:a16="http://schemas.microsoft.com/office/drawing/2014/main" id="{2223E88A-0ED8-4C4A-BBB6-C116610EC13B}"/>
+                      </a:ext>
+                    </a:extLst>
+                  </p:cNvPr>
+                  <p:cNvCxnSpPr>
+                    <a:cxnSpLocks/>
+                  </p:cNvCxnSpPr>
+                  <p:nvPr/>
+                </p:nvCxnSpPr>
+                <p:spPr>
+                  <a:xfrm>
+                    <a:off x="5760720" y="3693621"/>
+                    <a:ext cx="490451" cy="0"/>
+                  </a:xfrm>
+                  <a:prstGeom prst="line">
+                    <a:avLst/>
+                  </a:prstGeom>
+                  <a:ln/>
+                </p:spPr>
+                <p:style>
+                  <a:lnRef idx="2">
+                    <a:schemeClr val="dk1"/>
+                  </a:lnRef>
+                  <a:fillRef idx="0">
+                    <a:schemeClr val="dk1"/>
+                  </a:fillRef>
+                  <a:effectRef idx="1">
+                    <a:schemeClr val="dk1"/>
+                  </a:effectRef>
+                  <a:fontRef idx="minor">
+                    <a:schemeClr val="tx1"/>
+                  </a:fontRef>
+                </p:style>
+              </p:cxnSp>
+              <p:cxnSp>
+                <p:nvCxnSpPr>
+                  <p:cNvPr id="70" name="Straight Connector 69">
+                    <a:extLst>
+                      <a:ext uri="{FF2B5EF4-FFF2-40B4-BE49-F238E27FC236}">
+                        <a16:creationId xmlns:a16="http://schemas.microsoft.com/office/drawing/2014/main" id="{FC924F55-69C6-428D-A02C-89533C31E7FE}"/>
+                      </a:ext>
+                    </a:extLst>
+                  </p:cNvPr>
+                  <p:cNvCxnSpPr>
+                    <a:cxnSpLocks/>
+                  </p:cNvCxnSpPr>
+                  <p:nvPr/>
+                </p:nvCxnSpPr>
+                <p:spPr>
+                  <a:xfrm>
+                    <a:off x="5760720" y="4300450"/>
+                    <a:ext cx="490451" cy="0"/>
+                  </a:xfrm>
+                  <a:prstGeom prst="line">
+                    <a:avLst/>
+                  </a:prstGeom>
+                  <a:ln/>
+                </p:spPr>
+                <p:style>
+                  <a:lnRef idx="2">
+                    <a:schemeClr val="dk1"/>
+                  </a:lnRef>
+                  <a:fillRef idx="0">
+                    <a:schemeClr val="dk1"/>
+                  </a:fillRef>
+                  <a:effectRef idx="1">
+                    <a:schemeClr val="dk1"/>
+                  </a:effectRef>
+                  <a:fontRef idx="minor">
+                    <a:schemeClr val="tx1"/>
+                  </a:fontRef>
+                </p:style>
+              </p:cxnSp>
+            </p:grpSp>
+            <p:cxnSp>
+              <p:nvCxnSpPr>
+                <p:cNvPr id="63" name="Straight Arrow Connector 62">
+                  <a:extLst>
+                    <a:ext uri="{FF2B5EF4-FFF2-40B4-BE49-F238E27FC236}">
+                      <a16:creationId xmlns:a16="http://schemas.microsoft.com/office/drawing/2014/main" id="{E0E050E7-234B-4A3E-BA94-AE884CF07368}"/>
+                    </a:ext>
+                  </a:extLst>
+                </p:cNvPr>
+                <p:cNvCxnSpPr/>
+                <p:nvPr/>
+              </p:nvCxnSpPr>
+              <p:spPr>
+                <a:xfrm>
+                  <a:off x="482138" y="2377441"/>
+                  <a:ext cx="1163781" cy="0"/>
+                </a:xfrm>
+                <a:prstGeom prst="straightConnector1">
+                  <a:avLst/>
+                </a:prstGeom>
+                <a:ln>
+                  <a:solidFill>
+                    <a:srgbClr val="7030A0"/>
+                  </a:solidFill>
+                  <a:tailEnd type="triangle"/>
+                </a:ln>
+              </p:spPr>
+              <p:style>
+                <a:lnRef idx="2">
+                  <a:schemeClr val="dk1"/>
+                </a:lnRef>
+                <a:fillRef idx="0">
+                  <a:schemeClr val="dk1"/>
+                </a:fillRef>
+                <a:effectRef idx="1">
+                  <a:schemeClr val="dk1"/>
+                </a:effectRef>
+                <a:fontRef idx="minor">
+                  <a:schemeClr val="tx1"/>
+                </a:fontRef>
+              </p:style>
+            </p:cxnSp>
+            <p:sp>
+              <p:nvSpPr>
+                <p:cNvPr id="64" name="TextBox 63">
+                  <a:extLst>
+                    <a:ext uri="{FF2B5EF4-FFF2-40B4-BE49-F238E27FC236}">
+                      <a16:creationId xmlns:a16="http://schemas.microsoft.com/office/drawing/2014/main" id="{AC2B29BF-10DF-4358-BB27-E5A3365726D3}"/>
+                    </a:ext>
+                  </a:extLst>
+                </p:cNvPr>
+                <p:cNvSpPr txBox="1"/>
+                <p:nvPr/>
+              </p:nvSpPr>
+              <p:spPr>
+                <a:xfrm>
+                  <a:off x="995448" y="2065508"/>
+                  <a:ext cx="673330" cy="307777"/>
+                </a:xfrm>
+                <a:prstGeom prst="rect">
+                  <a:avLst/>
+                </a:prstGeom>
+                <a:noFill/>
+              </p:spPr>
+              <p:txBody>
+                <a:bodyPr wrap="square" rtlCol="0">
+                  <a:spAutoFit/>
+                </a:bodyPr>
+                <a:lstStyle/>
+                <a:p>
+                  <a:r>
+                    <a:rPr lang="en-US" sz="1400" dirty="0"/>
+                    <a:t>d(s</a:t>
+                  </a:r>
+                  <a:r>
+                    <a:rPr lang="en-US" sz="1400" baseline="30000" dirty="0"/>
+                    <a:t>0</a:t>
+                  </a:r>
+                  <a:r>
+                    <a:rPr lang="en-US" sz="1400" dirty="0"/>
+                    <a:t> )</a:t>
+                  </a:r>
+                </a:p>
+              </p:txBody>
+            </p:sp>
+          </p:grpSp>
+          <p:sp>
+            <p:nvSpPr>
+              <p:cNvPr id="60" name="TextBox 59">
+                <a:extLst>
+                  <a:ext uri="{FF2B5EF4-FFF2-40B4-BE49-F238E27FC236}">
+                    <a16:creationId xmlns:a16="http://schemas.microsoft.com/office/drawing/2014/main" id="{B4640765-CA4D-477F-8BB9-4AE49A7EDD2E}"/>
+                  </a:ext>
+                </a:extLst>
+              </p:cNvPr>
+              <p:cNvSpPr txBox="1"/>
+              <p:nvPr/>
+            </p:nvSpPr>
+            <p:spPr>
+              <a:xfrm>
+                <a:off x="5338849" y="3815335"/>
+                <a:ext cx="1560975" cy="307777"/>
+              </a:xfrm>
+              <a:prstGeom prst="rect">
+                <a:avLst/>
+              </a:prstGeom>
+              <a:noFill/>
+            </p:spPr>
+            <p:txBody>
+              <a:bodyPr wrap="square" rtlCol="0">
+                <a:spAutoFit/>
+              </a:bodyPr>
+              <a:lstStyle/>
+              <a:p>
+                <a:r>
+                  <a:rPr lang="en-US" sz="1400" dirty="0"/>
+                  <a:t>d(</a:t>
+                </a:r>
+                <a:r>
+                  <a:rPr lang="en-US" sz="1400" dirty="0" err="1"/>
+                  <a:t>s,e,t</a:t>
+                </a:r>
+                <a:r>
+                  <a:rPr lang="en-US" sz="1400" err="1"/>
+                  <a:t>,</a:t>
+                </a:r>
+                <a:r>
+                  <a:rPr lang="en-US" sz="1400"/>
+                  <a:t>x</a:t>
+                </a:r>
+                <a:r>
+                  <a:rPr lang="en-US" sz="1400" baseline="-25000"/>
+                  <a:t>1</a:t>
+                </a:r>
+                <a:r>
+                  <a:rPr lang="en-US" sz="1400"/>
+                  <a:t>,x</a:t>
+                </a:r>
+                <a:r>
+                  <a:rPr lang="en-US" sz="1400" baseline="-25000"/>
+                  <a:t>2</a:t>
+                </a:r>
+                <a:r>
+                  <a:rPr lang="en-US" sz="1400"/>
+                  <a:t>,x</a:t>
+                </a:r>
+                <a:r>
+                  <a:rPr lang="en-US" sz="1400" baseline="-25000"/>
+                  <a:t>3</a:t>
+                </a:r>
+                <a:r>
+                  <a:rPr lang="en-US" sz="1400"/>
+                  <a:t>)</a:t>
+                </a:r>
+                <a:endParaRPr lang="en-US" sz="1400" dirty="0"/>
+              </a:p>
+            </p:txBody>
+          </p:sp>
+          <p:cxnSp>
+            <p:nvCxnSpPr>
+              <p:cNvPr id="61" name="Straight Arrow Connector 60">
+                <a:extLst>
+                  <a:ext uri="{FF2B5EF4-FFF2-40B4-BE49-F238E27FC236}">
+                    <a16:creationId xmlns:a16="http://schemas.microsoft.com/office/drawing/2014/main" id="{5DDCF679-5953-4409-A769-2C2EAE7D306D}"/>
+                  </a:ext>
+                </a:extLst>
+              </p:cNvPr>
+              <p:cNvCxnSpPr>
+                <a:cxnSpLocks/>
+              </p:cNvCxnSpPr>
+              <p:nvPr/>
+            </p:nvCxnSpPr>
+            <p:spPr>
+              <a:xfrm>
+                <a:off x="5332615" y="4123113"/>
+                <a:ext cx="1242752" cy="0"/>
+              </a:xfrm>
+              <a:prstGeom prst="straightConnector1">
+                <a:avLst/>
+              </a:prstGeom>
+              <a:ln>
+                <a:tailEnd type="triangle"/>
+              </a:ln>
+            </p:spPr>
+            <p:style>
+              <a:lnRef idx="2">
+                <a:schemeClr val="dk1"/>
+              </a:lnRef>
+              <a:fillRef idx="0">
+                <a:schemeClr val="dk1"/>
+              </a:fillRef>
+              <a:effectRef idx="1">
+                <a:schemeClr val="dk1"/>
+              </a:effectRef>
+              <a:fontRef idx="minor">
+                <a:schemeClr val="tx1"/>
+              </a:fontRef>
+            </p:style>
+          </p:cxnSp>
+        </p:grpSp>
+        <p:sp>
+          <p:nvSpPr>
+            <p:cNvPr id="45" name="Rectangle: Rounded Corners 44">
+              <a:extLst>
+                <a:ext uri="{FF2B5EF4-FFF2-40B4-BE49-F238E27FC236}">
+                  <a16:creationId xmlns:a16="http://schemas.microsoft.com/office/drawing/2014/main" id="{8746BD27-2654-448F-BB8A-36B54FD3C2BB}"/>
+                </a:ext>
+              </a:extLst>
+            </p:cNvPr>
+            <p:cNvSpPr/>
+            <p:nvPr/>
+          </p:nvSpPr>
+          <p:spPr>
+            <a:xfrm>
+              <a:off x="2195684" y="2586745"/>
+              <a:ext cx="528894" cy="216131"/>
+            </a:xfrm>
+            <a:prstGeom prst="roundRect">
+              <a:avLst/>
+            </a:prstGeom>
+            <a:solidFill>
+              <a:schemeClr val="accent5"/>
+            </a:solidFill>
+            <a:ln>
+              <a:solidFill>
+                <a:schemeClr val="accent1"/>
+              </a:solidFill>
+            </a:ln>
+          </p:spPr>
+          <p:style>
+            <a:lnRef idx="2">
+              <a:schemeClr val="accent5">
+                <a:shade val="50000"/>
+              </a:schemeClr>
+            </a:lnRef>
+            <a:fillRef idx="1">
+              <a:schemeClr val="accent5"/>
+            </a:fillRef>
+            <a:effectRef idx="0">
+              <a:schemeClr val="accent5"/>
+            </a:effectRef>
+            <a:fontRef idx="minor">
+              <a:schemeClr val="lt1"/>
+            </a:fontRef>
+          </p:style>
+          <p:txBody>
+            <a:bodyPr rtlCol="0" anchor="ctr"/>
+            <a:lstStyle/>
+            <a:p>
+              <a:pPr algn="ctr"/>
+              <a:endParaRPr lang="en-US" dirty="0"/>
+            </a:p>
+          </p:txBody>
+        </p:sp>
+        <p:sp>
+          <p:nvSpPr>
+            <p:cNvPr id="46" name="Rectangle: Rounded Corners 45">
+              <a:extLst>
+                <a:ext uri="{FF2B5EF4-FFF2-40B4-BE49-F238E27FC236}">
+                  <a16:creationId xmlns:a16="http://schemas.microsoft.com/office/drawing/2014/main" id="{6687FAFE-86CC-4894-8798-72252A1B5DA0}"/>
+                </a:ext>
+              </a:extLst>
+            </p:cNvPr>
+            <p:cNvSpPr/>
+            <p:nvPr/>
+          </p:nvSpPr>
+          <p:spPr>
+            <a:xfrm>
+              <a:off x="1612237" y="3096390"/>
+              <a:ext cx="528894" cy="216131"/>
+            </a:xfrm>
+            <a:prstGeom prst="roundRect">
+              <a:avLst/>
+            </a:prstGeom>
+            <a:solidFill>
+              <a:srgbClr val="FF0000"/>
+            </a:solidFill>
+            <a:ln>
+              <a:solidFill>
+                <a:srgbClr val="C00000"/>
+              </a:solidFill>
+            </a:ln>
+          </p:spPr>
+          <p:style>
+            <a:lnRef idx="2">
+              <a:schemeClr val="accent5">
+                <a:shade val="50000"/>
+              </a:schemeClr>
+            </a:lnRef>
+            <a:fillRef idx="1">
+              <a:schemeClr val="accent5"/>
+            </a:fillRef>
+            <a:effectRef idx="0">
+              <a:schemeClr val="accent5"/>
+            </a:effectRef>
+            <a:fontRef idx="minor">
+              <a:schemeClr val="lt1"/>
+            </a:fontRef>
+          </p:style>
+          <p:txBody>
+            <a:bodyPr rtlCol="0" anchor="ctr"/>
+            <a:lstStyle/>
+            <a:p>
+              <a:pPr algn="ctr"/>
+              <a:endParaRPr lang="en-US"/>
+            </a:p>
+          </p:txBody>
+        </p:sp>
+        <p:sp>
+          <p:nvSpPr>
+            <p:cNvPr id="47" name="Rectangle: Rounded Corners 46">
+              <a:extLst>
+                <a:ext uri="{FF2B5EF4-FFF2-40B4-BE49-F238E27FC236}">
+                  <a16:creationId xmlns:a16="http://schemas.microsoft.com/office/drawing/2014/main" id="{E3F67337-D3BC-43A2-AFC3-3DED07ED63C9}"/>
+                </a:ext>
+              </a:extLst>
+            </p:cNvPr>
+            <p:cNvSpPr/>
+            <p:nvPr/>
+          </p:nvSpPr>
+          <p:spPr>
+            <a:xfrm>
+              <a:off x="4868401" y="2454723"/>
+              <a:ext cx="528894" cy="216131"/>
+            </a:xfrm>
+            <a:prstGeom prst="roundRect">
+              <a:avLst/>
+            </a:prstGeom>
+            <a:solidFill>
+              <a:schemeClr val="accent5"/>
+            </a:solidFill>
+            <a:ln>
+              <a:solidFill>
+                <a:schemeClr val="accent1"/>
+              </a:solidFill>
+            </a:ln>
+          </p:spPr>
+          <p:style>
+            <a:lnRef idx="2">
+              <a:schemeClr val="accent5">
+                <a:shade val="50000"/>
+              </a:schemeClr>
+            </a:lnRef>
+            <a:fillRef idx="1">
+              <a:schemeClr val="accent5"/>
+            </a:fillRef>
+            <a:effectRef idx="0">
+              <a:schemeClr val="accent5"/>
+            </a:effectRef>
+            <a:fontRef idx="minor">
+              <a:schemeClr val="lt1"/>
+            </a:fontRef>
+          </p:style>
+          <p:txBody>
+            <a:bodyPr rtlCol="0" anchor="ctr"/>
+            <a:lstStyle/>
+            <a:p>
+              <a:pPr algn="ctr"/>
+              <a:endParaRPr lang="en-US"/>
+            </a:p>
+          </p:txBody>
+        </p:sp>
+        <p:sp>
+          <p:nvSpPr>
+            <p:cNvPr id="48" name="Rectangle: Rounded Corners 47">
+              <a:extLst>
+                <a:ext uri="{FF2B5EF4-FFF2-40B4-BE49-F238E27FC236}">
+                  <a16:creationId xmlns:a16="http://schemas.microsoft.com/office/drawing/2014/main" id="{561DD06C-8CE6-4962-A6C5-5765568DEDF5}"/>
+                </a:ext>
+              </a:extLst>
+            </p:cNvPr>
+            <p:cNvSpPr/>
+            <p:nvPr/>
+          </p:nvSpPr>
+          <p:spPr>
+            <a:xfrm>
+              <a:off x="1687660" y="4192384"/>
+              <a:ext cx="528894" cy="216131"/>
+            </a:xfrm>
+            <a:prstGeom prst="roundRect">
+              <a:avLst/>
+            </a:prstGeom>
+            <a:solidFill>
+              <a:srgbClr val="FF0000"/>
+            </a:solidFill>
+            <a:ln>
+              <a:solidFill>
+                <a:srgbClr val="C00000"/>
+              </a:solidFill>
+            </a:ln>
+          </p:spPr>
+          <p:style>
+            <a:lnRef idx="2">
+              <a:schemeClr val="accent5">
+                <a:shade val="50000"/>
+              </a:schemeClr>
+            </a:lnRef>
+            <a:fillRef idx="1">
+              <a:schemeClr val="accent5"/>
+            </a:fillRef>
+            <a:effectRef idx="0">
+              <a:schemeClr val="accent5"/>
+            </a:effectRef>
+            <a:fontRef idx="minor">
+              <a:schemeClr val="lt1"/>
+            </a:fontRef>
+          </p:style>
+          <p:txBody>
+            <a:bodyPr rtlCol="0" anchor="ctr"/>
+            <a:lstStyle/>
+            <a:p>
+              <a:pPr algn="ctr"/>
+              <a:endParaRPr lang="en-US" dirty="0"/>
+            </a:p>
+          </p:txBody>
+        </p:sp>
+        <p:sp>
+          <p:nvSpPr>
+            <p:cNvPr id="49" name="Rectangle: Rounded Corners 48">
+              <a:extLst>
+                <a:ext uri="{FF2B5EF4-FFF2-40B4-BE49-F238E27FC236}">
+                  <a16:creationId xmlns:a16="http://schemas.microsoft.com/office/drawing/2014/main" id="{137B2E43-4E8F-4993-B8D8-364FC8E21CAF}"/>
+                </a:ext>
+              </a:extLst>
+            </p:cNvPr>
+            <p:cNvSpPr/>
+            <p:nvPr/>
+          </p:nvSpPr>
+          <p:spPr>
+            <a:xfrm>
+              <a:off x="3459743" y="4346272"/>
+              <a:ext cx="528894" cy="216131"/>
+            </a:xfrm>
+            <a:prstGeom prst="roundRect">
+              <a:avLst/>
+            </a:prstGeom>
+            <a:solidFill>
+              <a:schemeClr val="bg1"/>
+            </a:solidFill>
+            <a:ln>
+              <a:solidFill>
+                <a:srgbClr val="FF00FF"/>
+              </a:solidFill>
+            </a:ln>
+          </p:spPr>
+          <p:style>
+            <a:lnRef idx="2">
+              <a:schemeClr val="accent5">
+                <a:shade val="50000"/>
+              </a:schemeClr>
+            </a:lnRef>
+            <a:fillRef idx="1">
+              <a:schemeClr val="accent5"/>
+            </a:fillRef>
+            <a:effectRef idx="0">
+              <a:schemeClr val="accent5"/>
+            </a:effectRef>
+            <a:fontRef idx="minor">
+              <a:schemeClr val="lt1"/>
+            </a:fontRef>
+          </p:style>
+          <p:txBody>
+            <a:bodyPr rtlCol="0" anchor="ctr"/>
+            <a:lstStyle/>
+            <a:p>
+              <a:pPr algn="ctr"/>
+              <a:endParaRPr lang="en-US"/>
+            </a:p>
+          </p:txBody>
+        </p:sp>
+        <p:sp>
+          <p:nvSpPr>
+            <p:cNvPr id="50" name="Rectangle: Rounded Corners 49">
+              <a:extLst>
+                <a:ext uri="{FF2B5EF4-FFF2-40B4-BE49-F238E27FC236}">
+                  <a16:creationId xmlns:a16="http://schemas.microsoft.com/office/drawing/2014/main" id="{3BA70427-33FF-42F9-904E-05ED38B808E9}"/>
+                </a:ext>
+              </a:extLst>
+            </p:cNvPr>
+            <p:cNvSpPr/>
+            <p:nvPr/>
+          </p:nvSpPr>
+          <p:spPr>
+            <a:xfrm>
+              <a:off x="4488699" y="3861157"/>
+              <a:ext cx="528894" cy="216131"/>
+            </a:xfrm>
+            <a:prstGeom prst="roundRect">
+              <a:avLst/>
+            </a:prstGeom>
+            <a:solidFill>
+              <a:schemeClr val="accent5"/>
+            </a:solidFill>
+            <a:ln>
+              <a:solidFill>
+                <a:schemeClr val="accent1"/>
+              </a:solidFill>
+            </a:ln>
+          </p:spPr>
+          <p:style>
+            <a:lnRef idx="2">
+              <a:schemeClr val="accent5">
+                <a:shade val="50000"/>
+              </a:schemeClr>
+            </a:lnRef>
+            <a:fillRef idx="1">
+              <a:schemeClr val="accent5"/>
+            </a:fillRef>
+            <a:effectRef idx="0">
+              <a:schemeClr val="accent5"/>
+            </a:effectRef>
+            <a:fontRef idx="minor">
+              <a:schemeClr val="lt1"/>
+            </a:fontRef>
+          </p:style>
+          <p:txBody>
+            <a:bodyPr rtlCol="0" anchor="ctr"/>
+            <a:lstStyle/>
+            <a:p>
+              <a:pPr algn="ctr"/>
+              <a:endParaRPr lang="en-US"/>
+            </a:p>
+          </p:txBody>
+        </p:sp>
+        <p:sp>
+          <p:nvSpPr>
+            <p:cNvPr id="51" name="Rectangle: Rounded Corners 50">
+              <a:extLst>
+                <a:ext uri="{FF2B5EF4-FFF2-40B4-BE49-F238E27FC236}">
+                  <a16:creationId xmlns:a16="http://schemas.microsoft.com/office/drawing/2014/main" id="{02F61CDD-6439-4343-9744-AA77E57A6718}"/>
+                </a:ext>
+              </a:extLst>
+            </p:cNvPr>
+            <p:cNvSpPr/>
+            <p:nvPr/>
+          </p:nvSpPr>
+          <p:spPr>
+            <a:xfrm>
+              <a:off x="3246285" y="2843797"/>
+              <a:ext cx="528894" cy="216131"/>
+            </a:xfrm>
+            <a:prstGeom prst="roundRect">
+              <a:avLst/>
+            </a:prstGeom>
+            <a:solidFill>
+              <a:srgbClr val="FF0000"/>
+            </a:solidFill>
+            <a:ln>
+              <a:solidFill>
+                <a:srgbClr val="C00000"/>
+              </a:solidFill>
+            </a:ln>
+          </p:spPr>
+          <p:style>
+            <a:lnRef idx="2">
+              <a:schemeClr val="accent5">
+                <a:shade val="50000"/>
+              </a:schemeClr>
+            </a:lnRef>
+            <a:fillRef idx="1">
+              <a:schemeClr val="accent5"/>
+            </a:fillRef>
+            <a:effectRef idx="0">
+              <a:schemeClr val="accent5"/>
+            </a:effectRef>
+            <a:fontRef idx="minor">
+              <a:schemeClr val="lt1"/>
+            </a:fontRef>
+          </p:style>
+          <p:txBody>
+            <a:bodyPr rtlCol="0" anchor="ctr"/>
+            <a:lstStyle/>
+            <a:p>
+              <a:pPr algn="ctr"/>
+              <a:endParaRPr lang="en-US"/>
+            </a:p>
+          </p:txBody>
+        </p:sp>
+        <p:sp>
+          <p:nvSpPr>
+            <p:cNvPr id="52" name="Rectangle: Rounded Corners 51">
+              <a:extLst>
+                <a:ext uri="{FF2B5EF4-FFF2-40B4-BE49-F238E27FC236}">
+                  <a16:creationId xmlns:a16="http://schemas.microsoft.com/office/drawing/2014/main" id="{87C4DE81-9F49-48E6-9D59-E0C62EB7FBFF}"/>
+                </a:ext>
+              </a:extLst>
+            </p:cNvPr>
+            <p:cNvSpPr/>
+            <p:nvPr/>
+          </p:nvSpPr>
+          <p:spPr>
+            <a:xfrm>
+              <a:off x="4224252" y="3212869"/>
+              <a:ext cx="528894" cy="216131"/>
+            </a:xfrm>
+            <a:prstGeom prst="roundRect">
+              <a:avLst/>
+            </a:prstGeom>
+            <a:solidFill>
+              <a:srgbClr val="FF0000"/>
+            </a:solidFill>
+            <a:ln>
+              <a:solidFill>
+                <a:srgbClr val="C00000"/>
+              </a:solidFill>
+            </a:ln>
+          </p:spPr>
+          <p:style>
+            <a:lnRef idx="2">
+              <a:schemeClr val="accent5">
+                <a:shade val="50000"/>
+              </a:schemeClr>
+            </a:lnRef>
+            <a:fillRef idx="1">
+              <a:schemeClr val="accent5"/>
+            </a:fillRef>
+            <a:effectRef idx="0">
+              <a:schemeClr val="accent5"/>
+            </a:effectRef>
+            <a:fontRef idx="minor">
+              <a:schemeClr val="lt1"/>
+            </a:fontRef>
+          </p:style>
+          <p:txBody>
+            <a:bodyPr rtlCol="0" anchor="ctr"/>
+            <a:lstStyle/>
+            <a:p>
+              <a:pPr algn="ctr"/>
+              <a:endParaRPr lang="en-US"/>
+            </a:p>
+          </p:txBody>
+        </p:sp>
+        <p:sp>
+          <p:nvSpPr>
+            <p:cNvPr id="53" name="Rectangle: Rounded Corners 52">
+              <a:extLst>
+                <a:ext uri="{FF2B5EF4-FFF2-40B4-BE49-F238E27FC236}">
+                  <a16:creationId xmlns:a16="http://schemas.microsoft.com/office/drawing/2014/main" id="{796ADE51-869B-4E0E-9281-EC7325D4D584}"/>
+                </a:ext>
+              </a:extLst>
+            </p:cNvPr>
+            <p:cNvSpPr/>
+            <p:nvPr/>
+          </p:nvSpPr>
+          <p:spPr>
+            <a:xfrm>
+              <a:off x="2620591" y="4077288"/>
+              <a:ext cx="528894" cy="216131"/>
+            </a:xfrm>
+            <a:prstGeom prst="roundRect">
+              <a:avLst/>
+            </a:prstGeom>
+            <a:solidFill>
+              <a:srgbClr val="FF0000"/>
+            </a:solidFill>
+            <a:ln>
+              <a:solidFill>
+                <a:srgbClr val="C00000"/>
+              </a:solidFill>
+            </a:ln>
+          </p:spPr>
+          <p:style>
+            <a:lnRef idx="2">
+              <a:schemeClr val="accent5">
+                <a:shade val="50000"/>
+              </a:schemeClr>
+            </a:lnRef>
+            <a:fillRef idx="1">
+              <a:schemeClr val="accent5"/>
+            </a:fillRef>
+            <a:effectRef idx="0">
+              <a:schemeClr val="accent5"/>
+            </a:effectRef>
+            <a:fontRef idx="minor">
+              <a:schemeClr val="lt1"/>
+            </a:fontRef>
+          </p:style>
+          <p:txBody>
+            <a:bodyPr rtlCol="0" anchor="ctr"/>
+            <a:lstStyle/>
+            <a:p>
+              <a:pPr algn="ctr"/>
+              <a:endParaRPr lang="en-US"/>
+            </a:p>
+          </p:txBody>
+        </p:sp>
+        <p:sp>
+          <p:nvSpPr>
+            <p:cNvPr id="54" name="Rectangle: Rounded Corners 53">
+              <a:extLst>
+                <a:ext uri="{FF2B5EF4-FFF2-40B4-BE49-F238E27FC236}">
+                  <a16:creationId xmlns:a16="http://schemas.microsoft.com/office/drawing/2014/main" id="{E2BCFE25-085A-466F-BA5B-C637F7DFA674}"/>
+                </a:ext>
+              </a:extLst>
+            </p:cNvPr>
+            <p:cNvSpPr/>
+            <p:nvPr/>
+          </p:nvSpPr>
+          <p:spPr>
+            <a:xfrm>
+              <a:off x="4518132" y="4461163"/>
+              <a:ext cx="528894" cy="216131"/>
+            </a:xfrm>
+            <a:prstGeom prst="roundRect">
+              <a:avLst/>
+            </a:prstGeom>
+            <a:solidFill>
+              <a:srgbClr val="FF0000"/>
+            </a:solidFill>
+            <a:ln>
+              <a:solidFill>
+                <a:srgbClr val="C00000"/>
+              </a:solidFill>
+            </a:ln>
+          </p:spPr>
+          <p:style>
+            <a:lnRef idx="2">
+              <a:schemeClr val="accent5">
+                <a:shade val="50000"/>
+              </a:schemeClr>
+            </a:lnRef>
+            <a:fillRef idx="1">
+              <a:schemeClr val="accent5"/>
+            </a:fillRef>
+            <a:effectRef idx="0">
+              <a:schemeClr val="accent5"/>
+            </a:effectRef>
+            <a:fontRef idx="minor">
+              <a:schemeClr val="lt1"/>
+            </a:fontRef>
+          </p:style>
+          <p:txBody>
+            <a:bodyPr rtlCol="0" anchor="ctr"/>
+            <a:lstStyle/>
+            <a:p>
+              <a:pPr algn="ctr"/>
+              <a:endParaRPr lang="en-US"/>
+            </a:p>
+          </p:txBody>
+        </p:sp>
+        <p:sp>
+          <p:nvSpPr>
+            <p:cNvPr id="55" name="Rectangle: Rounded Corners 54">
+              <a:extLst>
+                <a:ext uri="{FF2B5EF4-FFF2-40B4-BE49-F238E27FC236}">
+                  <a16:creationId xmlns:a16="http://schemas.microsoft.com/office/drawing/2014/main" id="{ACA59729-8BAA-491A-A659-FD2E5BA655EF}"/>
+                </a:ext>
+              </a:extLst>
+            </p:cNvPr>
+            <p:cNvSpPr/>
+            <p:nvPr/>
+          </p:nvSpPr>
+          <p:spPr>
+            <a:xfrm>
+              <a:off x="3271224" y="2178577"/>
+              <a:ext cx="528894" cy="216131"/>
+            </a:xfrm>
+            <a:prstGeom prst="roundRect">
+              <a:avLst/>
+            </a:prstGeom>
+            <a:solidFill>
+              <a:srgbClr val="FF0000"/>
+            </a:solidFill>
+            <a:ln>
+              <a:solidFill>
+                <a:srgbClr val="C00000"/>
+              </a:solidFill>
+            </a:ln>
+          </p:spPr>
+          <p:style>
+            <a:lnRef idx="2">
+              <a:schemeClr val="accent5">
+                <a:shade val="50000"/>
+              </a:schemeClr>
+            </a:lnRef>
+            <a:fillRef idx="1">
+              <a:schemeClr val="accent5"/>
+            </a:fillRef>
+            <a:effectRef idx="0">
+              <a:schemeClr val="accent5"/>
+            </a:effectRef>
+            <a:fontRef idx="minor">
+              <a:schemeClr val="lt1"/>
+            </a:fontRef>
+          </p:style>
+          <p:txBody>
+            <a:bodyPr rtlCol="0" anchor="ctr"/>
+            <a:lstStyle/>
+            <a:p>
+              <a:pPr algn="ctr"/>
+              <a:endParaRPr lang="en-US"/>
+            </a:p>
+          </p:txBody>
+        </p:sp>
+        <p:sp>
+          <p:nvSpPr>
+            <p:cNvPr id="56" name="Rectangle: Rounded Corners 55">
+              <a:extLst>
+                <a:ext uri="{FF2B5EF4-FFF2-40B4-BE49-F238E27FC236}">
+                  <a16:creationId xmlns:a16="http://schemas.microsoft.com/office/drawing/2014/main" id="{66A82225-A768-4EAE-B12C-301C9B89A823}"/>
+                </a:ext>
+              </a:extLst>
+            </p:cNvPr>
+            <p:cNvSpPr/>
+            <p:nvPr/>
+          </p:nvSpPr>
+          <p:spPr>
+            <a:xfrm>
+              <a:off x="2132301" y="1716631"/>
+              <a:ext cx="528894" cy="216131"/>
+            </a:xfrm>
+            <a:prstGeom prst="roundRect">
+              <a:avLst/>
+            </a:prstGeom>
+            <a:solidFill>
+              <a:srgbClr val="FF0000"/>
+            </a:solidFill>
+            <a:ln>
+              <a:solidFill>
+                <a:srgbClr val="C00000"/>
+              </a:solidFill>
+            </a:ln>
+          </p:spPr>
+          <p:style>
+            <a:lnRef idx="2">
+              <a:schemeClr val="accent5">
+                <a:shade val="50000"/>
+              </a:schemeClr>
+            </a:lnRef>
+            <a:fillRef idx="1">
+              <a:schemeClr val="accent5"/>
+            </a:fillRef>
+            <a:effectRef idx="0">
+              <a:schemeClr val="accent5"/>
+            </a:effectRef>
+            <a:fontRef idx="minor">
+              <a:schemeClr val="lt1"/>
+            </a:fontRef>
+          </p:style>
+          <p:txBody>
+            <a:bodyPr rtlCol="0" anchor="ctr"/>
+            <a:lstStyle/>
+            <a:p>
+              <a:pPr algn="ctr"/>
+              <a:endParaRPr lang="en-US"/>
+            </a:p>
+          </p:txBody>
+        </p:sp>
+        <p:sp>
+          <p:nvSpPr>
+            <p:cNvPr id="57" name="Rectangle: Rounded Corners 56">
+              <a:extLst>
+                <a:ext uri="{FF2B5EF4-FFF2-40B4-BE49-F238E27FC236}">
+                  <a16:creationId xmlns:a16="http://schemas.microsoft.com/office/drawing/2014/main" id="{1AE38794-4042-44EE-BCAF-8D15F2A596CA}"/>
+                </a:ext>
+              </a:extLst>
+            </p:cNvPr>
+            <p:cNvSpPr/>
+            <p:nvPr/>
+          </p:nvSpPr>
+          <p:spPr>
+            <a:xfrm>
+              <a:off x="4212382" y="1652207"/>
+              <a:ext cx="528894" cy="216131"/>
+            </a:xfrm>
+            <a:prstGeom prst="roundRect">
+              <a:avLst/>
+            </a:prstGeom>
+            <a:solidFill>
+              <a:schemeClr val="bg1"/>
+            </a:solidFill>
+            <a:ln>
+              <a:solidFill>
+                <a:srgbClr val="FF00FF"/>
+              </a:solidFill>
+            </a:ln>
+          </p:spPr>
+          <p:style>
+            <a:lnRef idx="2">
+              <a:schemeClr val="accent5">
+                <a:shade val="50000"/>
+              </a:schemeClr>
+            </a:lnRef>
+            <a:fillRef idx="1">
+              <a:schemeClr val="accent5"/>
+            </a:fillRef>
+            <a:effectRef idx="0">
+              <a:schemeClr val="accent5"/>
+            </a:effectRef>
+            <a:fontRef idx="minor">
+              <a:schemeClr val="lt1"/>
+            </a:fontRef>
+          </p:style>
+          <p:txBody>
+            <a:bodyPr rtlCol="0" anchor="ctr"/>
+            <a:lstStyle/>
+            <a:p>
+              <a:pPr algn="ctr"/>
+              <a:endParaRPr lang="en-US"/>
+            </a:p>
+          </p:txBody>
+        </p:sp>
+        <p:sp>
+          <p:nvSpPr>
+            <p:cNvPr id="58" name="Rectangle: Rounded Corners 57">
+              <a:extLst>
+                <a:ext uri="{FF2B5EF4-FFF2-40B4-BE49-F238E27FC236}">
+                  <a16:creationId xmlns:a16="http://schemas.microsoft.com/office/drawing/2014/main" id="{9D7C4665-B37F-4ABF-B050-0EA11BFF4755}"/>
+                </a:ext>
+              </a:extLst>
+            </p:cNvPr>
+            <p:cNvSpPr/>
+            <p:nvPr/>
+          </p:nvSpPr>
+          <p:spPr>
+            <a:xfrm>
+              <a:off x="2612531" y="3595460"/>
+              <a:ext cx="528894" cy="216131"/>
+            </a:xfrm>
+            <a:prstGeom prst="roundRect">
+              <a:avLst/>
+            </a:prstGeom>
+            <a:solidFill>
+              <a:schemeClr val="bg1"/>
+            </a:solidFill>
+            <a:ln>
+              <a:solidFill>
+                <a:srgbClr val="FF00FF"/>
+              </a:solidFill>
+            </a:ln>
+          </p:spPr>
+          <p:style>
+            <a:lnRef idx="2">
+              <a:schemeClr val="accent5">
+                <a:shade val="50000"/>
+              </a:schemeClr>
+            </a:lnRef>
+            <a:fillRef idx="1">
+              <a:schemeClr val="accent5"/>
+            </a:fillRef>
+            <a:effectRef idx="0">
+              <a:schemeClr val="accent5"/>
+            </a:effectRef>
+            <a:fontRef idx="minor">
+              <a:schemeClr val="lt1"/>
+            </a:fontRef>
+          </p:style>
+          <p:txBody>
+            <a:bodyPr rtlCol="0" anchor="ctr"/>
+            <a:lstStyle/>
+            <a:p>
+              <a:pPr algn="ctr"/>
+              <a:endParaRPr lang="en-US"/>
+            </a:p>
+          </p:txBody>
+        </p:sp>
+      </p:grpSp>
+      <p:sp>
+        <p:nvSpPr>
+          <p:cNvPr id="110" name="Oval 109">
+            <a:extLst>
+              <a:ext uri="{FF2B5EF4-FFF2-40B4-BE49-F238E27FC236}">
+                <a16:creationId xmlns:a16="http://schemas.microsoft.com/office/drawing/2014/main" id="{37ACED6B-B05E-4896-9B7D-637210196EDB}"/>
+              </a:ext>
+            </a:extLst>
+          </p:cNvPr>
+          <p:cNvSpPr/>
+          <p:nvPr/>
+        </p:nvSpPr>
+        <p:spPr>
+          <a:xfrm>
+            <a:off x="1238596" y="2843797"/>
+            <a:ext cx="108066" cy="107220"/>
+          </a:xfrm>
+          <a:prstGeom prst="ellipse">
+            <a:avLst/>
+          </a:prstGeom>
+          <a:solidFill>
+            <a:srgbClr val="7030A0"/>
+          </a:solidFill>
+          <a:ln>
+            <a:solidFill>
+              <a:srgbClr val="7030A0"/>
+            </a:solidFill>
+          </a:ln>
+        </p:spPr>
+        <p:style>
+          <a:lnRef idx="2">
+            <a:schemeClr val="accent1">
+              <a:shade val="50000"/>
+            </a:schemeClr>
+          </a:lnRef>
+          <a:fillRef idx="1">
+            <a:schemeClr val="accent1"/>
+          </a:fillRef>
+          <a:effectRef idx="0">
+            <a:schemeClr val="accent1"/>
+          </a:effectRef>
+          <a:fontRef idx="minor">
+            <a:schemeClr val="lt1"/>
+          </a:fontRef>
+        </p:style>
+        <p:txBody>
+          <a:bodyPr rtlCol="0" anchor="ctr"/>
+          <a:lstStyle/>
+          <a:p>
+            <a:pPr algn="ctr"/>
+            <a:endParaRPr lang="en-US"/>
+          </a:p>
+        </p:txBody>
+      </p:sp>
+      <p:sp>
+        <p:nvSpPr>
+          <p:cNvPr id="111" name="Oval 110">
+            <a:extLst>
+              <a:ext uri="{FF2B5EF4-FFF2-40B4-BE49-F238E27FC236}">
+                <a16:creationId xmlns:a16="http://schemas.microsoft.com/office/drawing/2014/main" id="{342DA177-296A-4E6E-970F-0A073D51AA7D}"/>
+              </a:ext>
+            </a:extLst>
+          </p:cNvPr>
+          <p:cNvSpPr/>
+          <p:nvPr/>
+        </p:nvSpPr>
+        <p:spPr>
+          <a:xfrm>
+            <a:off x="1317909" y="3925092"/>
+            <a:ext cx="108066" cy="107220"/>
+          </a:xfrm>
+          <a:prstGeom prst="ellipse">
+            <a:avLst/>
+          </a:prstGeom>
+          <a:solidFill>
+            <a:srgbClr val="7030A0"/>
+          </a:solidFill>
+          <a:ln>
+            <a:solidFill>
+              <a:srgbClr val="7030A0"/>
+            </a:solidFill>
+          </a:ln>
+        </p:spPr>
+        <p:style>
+          <a:lnRef idx="2">
+            <a:schemeClr val="accent1">
+              <a:shade val="50000"/>
+            </a:schemeClr>
+          </a:lnRef>
+          <a:fillRef idx="1">
+            <a:schemeClr val="accent1"/>
+          </a:fillRef>
+          <a:effectRef idx="0">
+            <a:schemeClr val="accent1"/>
+          </a:effectRef>
+          <a:fontRef idx="minor">
+            <a:schemeClr val="lt1"/>
+          </a:fontRef>
+        </p:style>
+        <p:txBody>
+          <a:bodyPr rtlCol="0" anchor="ctr"/>
+          <a:lstStyle/>
+          <a:p>
+            <a:pPr algn="ctr"/>
+            <a:endParaRPr lang="en-US"/>
+          </a:p>
+        </p:txBody>
+      </p:sp>
+      <p:sp>
+        <p:nvSpPr>
+          <p:cNvPr id="112" name="Oval 111">
+            <a:extLst>
+              <a:ext uri="{FF2B5EF4-FFF2-40B4-BE49-F238E27FC236}">
+                <a16:creationId xmlns:a16="http://schemas.microsoft.com/office/drawing/2014/main" id="{46F9D2C8-751E-4087-AD19-65BEA3599F70}"/>
+              </a:ext>
+            </a:extLst>
+          </p:cNvPr>
+          <p:cNvSpPr/>
+          <p:nvPr/>
+        </p:nvSpPr>
+        <p:spPr>
+          <a:xfrm>
+            <a:off x="3934604" y="1931424"/>
+            <a:ext cx="108066" cy="107220"/>
+          </a:xfrm>
+          <a:prstGeom prst="ellipse">
+            <a:avLst/>
+          </a:prstGeom>
+          <a:solidFill>
+            <a:srgbClr val="7030A0"/>
+          </a:solidFill>
+          <a:ln>
+            <a:solidFill>
+              <a:srgbClr val="7030A0"/>
+            </a:solidFill>
+          </a:ln>
+        </p:spPr>
+        <p:style>
+          <a:lnRef idx="2">
+            <a:schemeClr val="accent1">
+              <a:shade val="50000"/>
+            </a:schemeClr>
+          </a:lnRef>
+          <a:fillRef idx="1">
+            <a:schemeClr val="accent1"/>
+          </a:fillRef>
+          <a:effectRef idx="0">
+            <a:schemeClr val="accent1"/>
+          </a:effectRef>
+          <a:fontRef idx="minor">
+            <a:schemeClr val="lt1"/>
+          </a:fontRef>
+        </p:style>
+        <p:txBody>
+          <a:bodyPr rtlCol="0" anchor="ctr"/>
+          <a:lstStyle/>
+          <a:p>
+            <a:pPr algn="ctr"/>
+            <a:endParaRPr lang="en-US"/>
+          </a:p>
+        </p:txBody>
+      </p:sp>
+      <p:sp>
+        <p:nvSpPr>
+          <p:cNvPr id="113" name="Oval 112">
+            <a:extLst>
+              <a:ext uri="{FF2B5EF4-FFF2-40B4-BE49-F238E27FC236}">
+                <a16:creationId xmlns:a16="http://schemas.microsoft.com/office/drawing/2014/main" id="{4DB07A63-1E0D-4E45-A075-30AA4031FE82}"/>
+              </a:ext>
+            </a:extLst>
+          </p:cNvPr>
+          <p:cNvSpPr/>
+          <p:nvPr/>
+        </p:nvSpPr>
+        <p:spPr>
+          <a:xfrm>
+            <a:off x="3104621" y="1886127"/>
+            <a:ext cx="108066" cy="107220"/>
+          </a:xfrm>
+          <a:prstGeom prst="ellipse">
+            <a:avLst/>
+          </a:prstGeom>
+          <a:solidFill>
+            <a:srgbClr val="7030A0"/>
+          </a:solidFill>
+          <a:ln>
+            <a:solidFill>
+              <a:srgbClr val="7030A0"/>
+            </a:solidFill>
+          </a:ln>
+        </p:spPr>
+        <p:style>
+          <a:lnRef idx="2">
+            <a:schemeClr val="accent1">
+              <a:shade val="50000"/>
+            </a:schemeClr>
+          </a:lnRef>
+          <a:fillRef idx="1">
+            <a:schemeClr val="accent1"/>
+          </a:fillRef>
+          <a:effectRef idx="0">
+            <a:schemeClr val="accent1"/>
+          </a:effectRef>
+          <a:fontRef idx="minor">
+            <a:schemeClr val="lt1"/>
+          </a:fontRef>
+        </p:style>
+        <p:txBody>
+          <a:bodyPr rtlCol="0" anchor="ctr"/>
+          <a:lstStyle/>
+          <a:p>
+            <a:pPr algn="ctr"/>
+            <a:endParaRPr lang="en-US"/>
+          </a:p>
+        </p:txBody>
+      </p:sp>
+      <p:sp>
+        <p:nvSpPr>
+          <p:cNvPr id="114" name="Oval 113">
+            <a:extLst>
+              <a:ext uri="{FF2B5EF4-FFF2-40B4-BE49-F238E27FC236}">
+                <a16:creationId xmlns:a16="http://schemas.microsoft.com/office/drawing/2014/main" id="{A1A389EF-CA9A-4E37-9B62-83496619284D}"/>
+              </a:ext>
+            </a:extLst>
+          </p:cNvPr>
+          <p:cNvSpPr/>
+          <p:nvPr/>
+        </p:nvSpPr>
+        <p:spPr>
+          <a:xfrm>
+            <a:off x="2831005" y="3221631"/>
+            <a:ext cx="108066" cy="107220"/>
+          </a:xfrm>
+          <a:prstGeom prst="ellipse">
+            <a:avLst/>
+          </a:prstGeom>
+          <a:solidFill>
+            <a:srgbClr val="7030A0"/>
+          </a:solidFill>
+          <a:ln>
+            <a:solidFill>
+              <a:srgbClr val="7030A0"/>
+            </a:solidFill>
+          </a:ln>
+        </p:spPr>
+        <p:style>
+          <a:lnRef idx="2">
+            <a:schemeClr val="accent1">
+              <a:shade val="50000"/>
+            </a:schemeClr>
+          </a:lnRef>
+          <a:fillRef idx="1">
+            <a:schemeClr val="accent1"/>
+          </a:fillRef>
+          <a:effectRef idx="0">
+            <a:schemeClr val="accent1"/>
+          </a:effectRef>
+          <a:fontRef idx="minor">
+            <a:schemeClr val="lt1"/>
+          </a:fontRef>
+        </p:style>
+        <p:txBody>
+          <a:bodyPr rtlCol="0" anchor="ctr"/>
+          <a:lstStyle/>
+          <a:p>
+            <a:pPr algn="ctr"/>
+            <a:endParaRPr lang="en-US"/>
+          </a:p>
+        </p:txBody>
+      </p:sp>
+      <p:sp>
+        <p:nvSpPr>
+          <p:cNvPr id="115" name="Oval 114">
+            <a:extLst>
+              <a:ext uri="{FF2B5EF4-FFF2-40B4-BE49-F238E27FC236}">
+                <a16:creationId xmlns:a16="http://schemas.microsoft.com/office/drawing/2014/main" id="{4EAF71E1-A127-4296-AEED-4C21D5040FB2}"/>
+              </a:ext>
+            </a:extLst>
+          </p:cNvPr>
+          <p:cNvSpPr/>
+          <p:nvPr/>
+        </p:nvSpPr>
+        <p:spPr>
+          <a:xfrm>
+            <a:off x="2000596" y="3605797"/>
+            <a:ext cx="108066" cy="107220"/>
+          </a:xfrm>
+          <a:prstGeom prst="ellipse">
+            <a:avLst/>
+          </a:prstGeom>
+          <a:solidFill>
+            <a:srgbClr val="7030A0"/>
+          </a:solidFill>
+          <a:ln>
+            <a:solidFill>
+              <a:srgbClr val="7030A0"/>
+            </a:solidFill>
+          </a:ln>
+        </p:spPr>
+        <p:style>
+          <a:lnRef idx="2">
+            <a:schemeClr val="accent1">
+              <a:shade val="50000"/>
+            </a:schemeClr>
+          </a:lnRef>
+          <a:fillRef idx="1">
+            <a:schemeClr val="accent1"/>
+          </a:fillRef>
+          <a:effectRef idx="0">
+            <a:schemeClr val="accent1"/>
+          </a:effectRef>
+          <a:fontRef idx="minor">
+            <a:schemeClr val="lt1"/>
+          </a:fontRef>
+        </p:style>
+        <p:txBody>
+          <a:bodyPr rtlCol="0" anchor="ctr"/>
+          <a:lstStyle/>
+          <a:p>
+            <a:pPr algn="ctr"/>
+            <a:endParaRPr lang="en-US"/>
+          </a:p>
+        </p:txBody>
+      </p:sp>
+      <p:sp>
+        <p:nvSpPr>
+          <p:cNvPr id="116" name="Oval 115">
+            <a:extLst>
+              <a:ext uri="{FF2B5EF4-FFF2-40B4-BE49-F238E27FC236}">
+                <a16:creationId xmlns:a16="http://schemas.microsoft.com/office/drawing/2014/main" id="{0F13F7F1-76B3-489B-8E74-A6EC44C4BBD0}"/>
+              </a:ext>
+            </a:extLst>
+          </p:cNvPr>
+          <p:cNvSpPr/>
+          <p:nvPr/>
+        </p:nvSpPr>
+        <p:spPr>
+          <a:xfrm>
+            <a:off x="4104316" y="3817872"/>
+            <a:ext cx="108066" cy="107220"/>
+          </a:xfrm>
+          <a:prstGeom prst="ellipse">
+            <a:avLst/>
+          </a:prstGeom>
+          <a:solidFill>
+            <a:srgbClr val="7030A0"/>
+          </a:solidFill>
+          <a:ln>
+            <a:solidFill>
+              <a:srgbClr val="7030A0"/>
+            </a:solidFill>
+          </a:ln>
+        </p:spPr>
+        <p:style>
+          <a:lnRef idx="2">
+            <a:schemeClr val="accent1">
+              <a:shade val="50000"/>
+            </a:schemeClr>
+          </a:lnRef>
+          <a:fillRef idx="1">
+            <a:schemeClr val="accent1"/>
+          </a:fillRef>
+          <a:effectRef idx="0">
+            <a:schemeClr val="accent1"/>
+          </a:effectRef>
+          <a:fontRef idx="minor">
+            <a:schemeClr val="lt1"/>
+          </a:fontRef>
+        </p:style>
+        <p:txBody>
+          <a:bodyPr rtlCol="0" anchor="ctr"/>
+          <a:lstStyle/>
+          <a:p>
+            <a:pPr algn="ctr"/>
+            <a:endParaRPr lang="en-US"/>
+          </a:p>
+        </p:txBody>
+      </p:sp>
+      <p:sp>
+        <p:nvSpPr>
+          <p:cNvPr id="117" name="Oval 116">
+            <a:extLst>
+              <a:ext uri="{FF2B5EF4-FFF2-40B4-BE49-F238E27FC236}">
+                <a16:creationId xmlns:a16="http://schemas.microsoft.com/office/drawing/2014/main" id="{BD7CE436-29E4-47FE-8897-20B765A4DE8A}"/>
+              </a:ext>
+            </a:extLst>
+          </p:cNvPr>
+          <p:cNvSpPr/>
+          <p:nvPr/>
+        </p:nvSpPr>
+        <p:spPr>
+          <a:xfrm>
+            <a:off x="2305396" y="3910597"/>
+            <a:ext cx="108066" cy="107220"/>
+          </a:xfrm>
+          <a:prstGeom prst="ellipse">
+            <a:avLst/>
+          </a:prstGeom>
+          <a:solidFill>
+            <a:srgbClr val="7030A0"/>
+          </a:solidFill>
+          <a:ln>
+            <a:solidFill>
+              <a:srgbClr val="7030A0"/>
+            </a:solidFill>
+          </a:ln>
+        </p:spPr>
+        <p:style>
+          <a:lnRef idx="2">
+            <a:schemeClr val="accent1">
+              <a:shade val="50000"/>
+            </a:schemeClr>
+          </a:lnRef>
+          <a:fillRef idx="1">
+            <a:schemeClr val="accent1"/>
+          </a:fillRef>
+          <a:effectRef idx="0">
+            <a:schemeClr val="accent1"/>
+          </a:effectRef>
+          <a:fontRef idx="minor">
+            <a:schemeClr val="lt1"/>
+          </a:fontRef>
+        </p:style>
+        <p:txBody>
+          <a:bodyPr rtlCol="0" anchor="ctr"/>
+          <a:lstStyle/>
+          <a:p>
+            <a:pPr algn="ctr"/>
+            <a:endParaRPr lang="en-US"/>
+          </a:p>
+        </p:txBody>
+      </p:sp>
+      <p:sp>
+        <p:nvSpPr>
+          <p:cNvPr id="118" name="Oval 117">
+            <a:extLst>
+              <a:ext uri="{FF2B5EF4-FFF2-40B4-BE49-F238E27FC236}">
+                <a16:creationId xmlns:a16="http://schemas.microsoft.com/office/drawing/2014/main" id="{9505ECFA-C54C-40DB-8719-16546A4D95EB}"/>
+              </a:ext>
+            </a:extLst>
+          </p:cNvPr>
+          <p:cNvSpPr/>
+          <p:nvPr/>
+        </p:nvSpPr>
+        <p:spPr>
+          <a:xfrm>
+            <a:off x="3158654" y="4575615"/>
+            <a:ext cx="108066" cy="107220"/>
+          </a:xfrm>
+          <a:prstGeom prst="ellipse">
+            <a:avLst/>
+          </a:prstGeom>
+          <a:solidFill>
+            <a:srgbClr val="7030A0"/>
+          </a:solidFill>
+          <a:ln>
+            <a:solidFill>
+              <a:srgbClr val="7030A0"/>
+            </a:solidFill>
+          </a:ln>
+        </p:spPr>
+        <p:style>
+          <a:lnRef idx="2">
+            <a:schemeClr val="accent1">
+              <a:shade val="50000"/>
+            </a:schemeClr>
+          </a:lnRef>
+          <a:fillRef idx="1">
+            <a:schemeClr val="accent1"/>
+          </a:fillRef>
+          <a:effectRef idx="0">
+            <a:schemeClr val="accent1"/>
+          </a:effectRef>
+          <a:fontRef idx="minor">
+            <a:schemeClr val="lt1"/>
+          </a:fontRef>
+        </p:style>
+        <p:txBody>
+          <a:bodyPr rtlCol="0" anchor="ctr"/>
+          <a:lstStyle/>
+          <a:p>
+            <a:pPr algn="ctr"/>
+            <a:endParaRPr lang="en-US"/>
+          </a:p>
+        </p:txBody>
+      </p:sp>
+      <p:sp>
+        <p:nvSpPr>
+          <p:cNvPr id="119" name="Oval 118">
+            <a:extLst>
+              <a:ext uri="{FF2B5EF4-FFF2-40B4-BE49-F238E27FC236}">
+                <a16:creationId xmlns:a16="http://schemas.microsoft.com/office/drawing/2014/main" id="{46DD7DE2-2471-4ED6-A113-9174033800D6}"/>
+              </a:ext>
+            </a:extLst>
+          </p:cNvPr>
+          <p:cNvSpPr/>
+          <p:nvPr/>
+        </p:nvSpPr>
+        <p:spPr>
+          <a:xfrm>
+            <a:off x="4265630" y="2839040"/>
+            <a:ext cx="108066" cy="107220"/>
+          </a:xfrm>
+          <a:prstGeom prst="ellipse">
+            <a:avLst/>
+          </a:prstGeom>
+          <a:solidFill>
+            <a:srgbClr val="7030A0"/>
+          </a:solidFill>
+          <a:ln>
+            <a:solidFill>
+              <a:srgbClr val="7030A0"/>
+            </a:solidFill>
+          </a:ln>
+        </p:spPr>
+        <p:style>
+          <a:lnRef idx="2">
+            <a:schemeClr val="accent1">
+              <a:shade val="50000"/>
+            </a:schemeClr>
+          </a:lnRef>
+          <a:fillRef idx="1">
+            <a:schemeClr val="accent1"/>
+          </a:fillRef>
+          <a:effectRef idx="0">
+            <a:schemeClr val="accent1"/>
+          </a:effectRef>
+          <a:fontRef idx="minor">
+            <a:schemeClr val="lt1"/>
+          </a:fontRef>
+        </p:style>
+        <p:txBody>
+          <a:bodyPr rtlCol="0" anchor="ctr"/>
+          <a:lstStyle/>
+          <a:p>
+            <a:pPr algn="ctr"/>
+            <a:endParaRPr lang="en-US"/>
+          </a:p>
+        </p:txBody>
+      </p:sp>
+      <p:sp>
+        <p:nvSpPr>
+          <p:cNvPr id="120" name="Oval 119">
+            <a:extLst>
+              <a:ext uri="{FF2B5EF4-FFF2-40B4-BE49-F238E27FC236}">
+                <a16:creationId xmlns:a16="http://schemas.microsoft.com/office/drawing/2014/main" id="{8E7A6781-C9DF-4E63-BE85-146097089EB4}"/>
+              </a:ext>
+            </a:extLst>
+          </p:cNvPr>
+          <p:cNvSpPr/>
+          <p:nvPr/>
+        </p:nvSpPr>
+        <p:spPr>
+          <a:xfrm>
+            <a:off x="3688423" y="2579678"/>
+            <a:ext cx="108066" cy="107220"/>
+          </a:xfrm>
+          <a:prstGeom prst="ellipse">
+            <a:avLst/>
+          </a:prstGeom>
+          <a:solidFill>
+            <a:srgbClr val="7030A0"/>
+          </a:solidFill>
+          <a:ln>
+            <a:solidFill>
+              <a:srgbClr val="7030A0"/>
+            </a:solidFill>
+          </a:ln>
+        </p:spPr>
+        <p:style>
+          <a:lnRef idx="2">
+            <a:schemeClr val="accent1">
+              <a:shade val="50000"/>
+            </a:schemeClr>
+          </a:lnRef>
+          <a:fillRef idx="1">
+            <a:schemeClr val="accent1"/>
+          </a:fillRef>
+          <a:effectRef idx="0">
+            <a:schemeClr val="accent1"/>
+          </a:effectRef>
+          <a:fontRef idx="minor">
+            <a:schemeClr val="lt1"/>
+          </a:fontRef>
+        </p:style>
+        <p:txBody>
+          <a:bodyPr rtlCol="0" anchor="ctr"/>
+          <a:lstStyle/>
+          <a:p>
+            <a:pPr algn="ctr"/>
+            <a:endParaRPr lang="en-US"/>
+          </a:p>
+        </p:txBody>
+      </p:sp>
+      <p:sp>
+        <p:nvSpPr>
+          <p:cNvPr id="121" name="Oval 120">
+            <a:extLst>
+              <a:ext uri="{FF2B5EF4-FFF2-40B4-BE49-F238E27FC236}">
+                <a16:creationId xmlns:a16="http://schemas.microsoft.com/office/drawing/2014/main" id="{CAF5CC51-AC6A-4400-9473-F49BF5C42194}"/>
+              </a:ext>
+            </a:extLst>
+          </p:cNvPr>
+          <p:cNvSpPr/>
+          <p:nvPr/>
+        </p:nvSpPr>
+        <p:spPr>
+          <a:xfrm>
+            <a:off x="5362740" y="1805088"/>
+            <a:ext cx="108066" cy="107220"/>
+          </a:xfrm>
+          <a:prstGeom prst="ellipse">
+            <a:avLst/>
+          </a:prstGeom>
+          <a:solidFill>
+            <a:srgbClr val="7030A0"/>
+          </a:solidFill>
+          <a:ln>
+            <a:solidFill>
+              <a:srgbClr val="7030A0"/>
+            </a:solidFill>
+          </a:ln>
+        </p:spPr>
+        <p:style>
+          <a:lnRef idx="2">
+            <a:schemeClr val="accent1">
+              <a:shade val="50000"/>
+            </a:schemeClr>
+          </a:lnRef>
+          <a:fillRef idx="1">
+            <a:schemeClr val="accent1"/>
+          </a:fillRef>
+          <a:effectRef idx="0">
+            <a:schemeClr val="accent1"/>
+          </a:effectRef>
+          <a:fontRef idx="minor">
+            <a:schemeClr val="lt1"/>
+          </a:fontRef>
+        </p:style>
+        <p:txBody>
+          <a:bodyPr rtlCol="0" anchor="ctr"/>
+          <a:lstStyle/>
+          <a:p>
+            <a:pPr algn="ctr"/>
+            <a:endParaRPr lang="en-US"/>
+          </a:p>
+        </p:txBody>
+      </p:sp>
+      <p:sp>
+        <p:nvSpPr>
+          <p:cNvPr id="122" name="Oval 121">
+            <a:extLst>
+              <a:ext uri="{FF2B5EF4-FFF2-40B4-BE49-F238E27FC236}">
+                <a16:creationId xmlns:a16="http://schemas.microsoft.com/office/drawing/2014/main" id="{63F34392-556E-4580-83B9-E4DFFE2CAA4C}"/>
+              </a:ext>
+            </a:extLst>
+          </p:cNvPr>
+          <p:cNvSpPr/>
+          <p:nvPr/>
+        </p:nvSpPr>
+        <p:spPr>
+          <a:xfrm>
+            <a:off x="4391804" y="2388624"/>
+            <a:ext cx="108066" cy="107220"/>
+          </a:xfrm>
+          <a:prstGeom prst="ellipse">
+            <a:avLst/>
+          </a:prstGeom>
+          <a:solidFill>
+            <a:srgbClr val="7030A0"/>
+          </a:solidFill>
+          <a:ln>
+            <a:solidFill>
+              <a:srgbClr val="7030A0"/>
+            </a:solidFill>
+          </a:ln>
+        </p:spPr>
+        <p:style>
+          <a:lnRef idx="2">
+            <a:schemeClr val="accent1">
+              <a:shade val="50000"/>
+            </a:schemeClr>
+          </a:lnRef>
+          <a:fillRef idx="1">
+            <a:schemeClr val="accent1"/>
+          </a:fillRef>
+          <a:effectRef idx="0">
+            <a:schemeClr val="accent1"/>
+          </a:effectRef>
+          <a:fontRef idx="minor">
+            <a:schemeClr val="lt1"/>
+          </a:fontRef>
+        </p:style>
+        <p:txBody>
+          <a:bodyPr rtlCol="0" anchor="ctr"/>
+          <a:lstStyle/>
+          <a:p>
+            <a:pPr algn="ctr"/>
+            <a:endParaRPr lang="en-US"/>
+          </a:p>
+        </p:txBody>
+      </p:sp>
+      <p:sp>
+        <p:nvSpPr>
+          <p:cNvPr id="123" name="Oval 122">
+            <a:extLst>
+              <a:ext uri="{FF2B5EF4-FFF2-40B4-BE49-F238E27FC236}">
+                <a16:creationId xmlns:a16="http://schemas.microsoft.com/office/drawing/2014/main" id="{2125143E-0E2B-4023-86AA-8E33E0DA3789}"/>
+              </a:ext>
+            </a:extLst>
+          </p:cNvPr>
+          <p:cNvSpPr/>
+          <p:nvPr/>
+        </p:nvSpPr>
+        <p:spPr>
+          <a:xfrm>
+            <a:off x="5515140" y="1957488"/>
+            <a:ext cx="108066" cy="107220"/>
+          </a:xfrm>
+          <a:prstGeom prst="ellipse">
+            <a:avLst/>
+          </a:prstGeom>
+          <a:solidFill>
+            <a:srgbClr val="7030A0"/>
+          </a:solidFill>
+          <a:ln>
+            <a:solidFill>
+              <a:srgbClr val="7030A0"/>
+            </a:solidFill>
+          </a:ln>
+        </p:spPr>
+        <p:style>
+          <a:lnRef idx="2">
+            <a:schemeClr val="accent1">
+              <a:shade val="50000"/>
+            </a:schemeClr>
+          </a:lnRef>
+          <a:fillRef idx="1">
+            <a:schemeClr val="accent1"/>
+          </a:fillRef>
+          <a:effectRef idx="0">
+            <a:schemeClr val="accent1"/>
+          </a:effectRef>
+          <a:fontRef idx="minor">
+            <a:schemeClr val="lt1"/>
+          </a:fontRef>
+        </p:style>
+        <p:txBody>
+          <a:bodyPr rtlCol="0" anchor="ctr"/>
+          <a:lstStyle/>
+          <a:p>
+            <a:pPr algn="ctr"/>
+            <a:endParaRPr lang="en-US"/>
+          </a:p>
+        </p:txBody>
+      </p:sp>
+      <p:sp>
+        <p:nvSpPr>
+          <p:cNvPr id="124" name="Oval 123">
+            <a:extLst>
+              <a:ext uri="{FF2B5EF4-FFF2-40B4-BE49-F238E27FC236}">
+                <a16:creationId xmlns:a16="http://schemas.microsoft.com/office/drawing/2014/main" id="{4668F56F-93B9-4A26-8E20-21D86D9221A9}"/>
+              </a:ext>
+            </a:extLst>
+          </p:cNvPr>
+          <p:cNvSpPr/>
+          <p:nvPr/>
+        </p:nvSpPr>
+        <p:spPr>
+          <a:xfrm>
+            <a:off x="5139856" y="3258911"/>
+            <a:ext cx="108066" cy="107220"/>
+          </a:xfrm>
+          <a:prstGeom prst="ellipse">
+            <a:avLst/>
+          </a:prstGeom>
+          <a:solidFill>
+            <a:srgbClr val="7030A0"/>
+          </a:solidFill>
+          <a:ln>
+            <a:solidFill>
+              <a:srgbClr val="7030A0"/>
+            </a:solidFill>
+          </a:ln>
+        </p:spPr>
+        <p:style>
+          <a:lnRef idx="2">
+            <a:schemeClr val="accent1">
+              <a:shade val="50000"/>
+            </a:schemeClr>
+          </a:lnRef>
+          <a:fillRef idx="1">
+            <a:schemeClr val="accent1"/>
+          </a:fillRef>
+          <a:effectRef idx="0">
+            <a:schemeClr val="accent1"/>
+          </a:effectRef>
+          <a:fontRef idx="minor">
+            <a:schemeClr val="lt1"/>
+          </a:fontRef>
+        </p:style>
+        <p:txBody>
+          <a:bodyPr rtlCol="0" anchor="ctr"/>
+          <a:lstStyle/>
+          <a:p>
+            <a:pPr algn="ctr"/>
+            <a:endParaRPr lang="en-US"/>
+          </a:p>
+        </p:txBody>
+      </p:sp>
+      <p:sp>
+        <p:nvSpPr>
+          <p:cNvPr id="126" name="TextBox 125">
+            <a:extLst>
+              <a:ext uri="{FF2B5EF4-FFF2-40B4-BE49-F238E27FC236}">
+                <a16:creationId xmlns:a16="http://schemas.microsoft.com/office/drawing/2014/main" id="{C2500C0C-0F03-408E-9EC0-BE7F71329364}"/>
+              </a:ext>
+            </a:extLst>
+          </p:cNvPr>
+          <p:cNvSpPr txBox="1"/>
+          <p:nvPr/>
+        </p:nvSpPr>
+        <p:spPr>
+          <a:xfrm>
+            <a:off x="3493773" y="1932580"/>
+            <a:ext cx="264447" cy="584775"/>
+          </a:xfrm>
+          <a:prstGeom prst="rect">
+            <a:avLst/>
+          </a:prstGeom>
+          <a:noFill/>
+        </p:spPr>
+        <p:txBody>
+          <a:bodyPr wrap="square" rtlCol="0">
+            <a:spAutoFit/>
+          </a:bodyPr>
+          <a:lstStyle/>
+          <a:p>
+            <a:r>
+              <a:rPr lang="en-US" sz="1400" b="1" dirty="0">
+                <a:solidFill>
+                  <a:srgbClr val="00B050"/>
+                </a:solidFill>
+                <a:sym typeface="Wingdings" panose="05000000000000000000" pitchFamily="2" charset="2"/>
+              </a:rPr>
+              <a:t></a:t>
+            </a:r>
+            <a:endParaRPr lang="en-US" sz="1400" b="1" dirty="0">
+              <a:solidFill>
+                <a:srgbClr val="00B050"/>
+              </a:solidFill>
+            </a:endParaRPr>
+          </a:p>
+          <a:p>
+            <a:endParaRPr lang="en-US" b="1" dirty="0">
+              <a:solidFill>
+                <a:srgbClr val="00B050"/>
+              </a:solidFill>
+            </a:endParaRPr>
+          </a:p>
+        </p:txBody>
+      </p:sp>
+      <p:sp>
+        <p:nvSpPr>
+          <p:cNvPr id="127" name="TextBox 126">
+            <a:extLst>
+              <a:ext uri="{FF2B5EF4-FFF2-40B4-BE49-F238E27FC236}">
+                <a16:creationId xmlns:a16="http://schemas.microsoft.com/office/drawing/2014/main" id="{74DF1BCC-8466-44DD-B77E-5A79AF5568ED}"/>
+              </a:ext>
+            </a:extLst>
+          </p:cNvPr>
+          <p:cNvSpPr txBox="1"/>
+          <p:nvPr/>
+        </p:nvSpPr>
+        <p:spPr>
+          <a:xfrm>
+            <a:off x="2221487" y="2312868"/>
+            <a:ext cx="264447" cy="584775"/>
+          </a:xfrm>
+          <a:prstGeom prst="rect">
+            <a:avLst/>
+          </a:prstGeom>
+          <a:noFill/>
+        </p:spPr>
+        <p:txBody>
+          <a:bodyPr wrap="square" rtlCol="0">
+            <a:spAutoFit/>
+          </a:bodyPr>
+          <a:lstStyle/>
+          <a:p>
+            <a:r>
+              <a:rPr lang="en-US" sz="1400" b="1" dirty="0">
+                <a:solidFill>
+                  <a:schemeClr val="accent2"/>
+                </a:solidFill>
+                <a:sym typeface="Wingdings 3" panose="05040102010807070707" pitchFamily="18" charset="2"/>
+              </a:rPr>
+              <a:t></a:t>
+            </a:r>
+            <a:endParaRPr lang="en-US" sz="1400" b="1" dirty="0">
+              <a:solidFill>
+                <a:schemeClr val="accent2"/>
+              </a:solidFill>
+            </a:endParaRPr>
+          </a:p>
+          <a:p>
+            <a:endParaRPr lang="en-US" b="1" dirty="0">
+              <a:solidFill>
+                <a:schemeClr val="accent2"/>
+              </a:solidFill>
+            </a:endParaRPr>
+          </a:p>
+        </p:txBody>
+      </p:sp>
+      <p:sp>
+        <p:nvSpPr>
+          <p:cNvPr id="128" name="TextBox 127">
+            <a:extLst>
+              <a:ext uri="{FF2B5EF4-FFF2-40B4-BE49-F238E27FC236}">
+                <a16:creationId xmlns:a16="http://schemas.microsoft.com/office/drawing/2014/main" id="{F7DFE8F7-13F8-4E9E-908A-862F75D488D3}"/>
+              </a:ext>
+            </a:extLst>
+          </p:cNvPr>
+          <p:cNvSpPr txBox="1"/>
+          <p:nvPr/>
+        </p:nvSpPr>
+        <p:spPr>
+          <a:xfrm>
+            <a:off x="4445837" y="2944952"/>
+            <a:ext cx="264447" cy="307777"/>
+          </a:xfrm>
+          <a:prstGeom prst="rect">
+            <a:avLst/>
+          </a:prstGeom>
+          <a:noFill/>
+        </p:spPr>
+        <p:txBody>
+          <a:bodyPr wrap="square" rtlCol="0">
+            <a:spAutoFit/>
+          </a:bodyPr>
+          <a:lstStyle/>
+          <a:p>
+            <a:r>
+              <a:rPr lang="en-US" sz="1400" b="1" dirty="0">
+                <a:solidFill>
+                  <a:srgbClr val="00B050"/>
+                </a:solidFill>
+                <a:sym typeface="Wingdings" panose="05000000000000000000" pitchFamily="2" charset="2"/>
+              </a:rPr>
+              <a:t></a:t>
+            </a:r>
+            <a:endParaRPr lang="en-US" b="1" dirty="0">
+              <a:solidFill>
+                <a:srgbClr val="00B050"/>
+              </a:solidFill>
+            </a:endParaRPr>
+          </a:p>
+        </p:txBody>
+      </p:sp>
+      <p:sp>
+        <p:nvSpPr>
+          <p:cNvPr id="129" name="TextBox 128">
+            <a:extLst>
+              <a:ext uri="{FF2B5EF4-FFF2-40B4-BE49-F238E27FC236}">
+                <a16:creationId xmlns:a16="http://schemas.microsoft.com/office/drawing/2014/main" id="{4C7F88C3-E0B0-4E8D-B6BA-822532F79701}"/>
+              </a:ext>
+            </a:extLst>
+          </p:cNvPr>
+          <p:cNvSpPr txBox="1"/>
+          <p:nvPr/>
+        </p:nvSpPr>
+        <p:spPr>
+          <a:xfrm>
+            <a:off x="4929442" y="2190479"/>
+            <a:ext cx="264447" cy="584775"/>
+          </a:xfrm>
+          <a:prstGeom prst="rect">
+            <a:avLst/>
+          </a:prstGeom>
+          <a:noFill/>
+        </p:spPr>
+        <p:txBody>
+          <a:bodyPr wrap="square" rtlCol="0">
+            <a:spAutoFit/>
+          </a:bodyPr>
+          <a:lstStyle/>
+          <a:p>
+            <a:r>
+              <a:rPr lang="en-US" sz="1400" b="1" dirty="0">
+                <a:solidFill>
+                  <a:schemeClr val="accent2"/>
+                </a:solidFill>
+                <a:sym typeface="Wingdings 3" panose="05040102010807070707" pitchFamily="18" charset="2"/>
+              </a:rPr>
+              <a:t></a:t>
+            </a:r>
+            <a:endParaRPr lang="en-US" sz="1400" b="1" dirty="0">
+              <a:solidFill>
+                <a:schemeClr val="accent2"/>
+              </a:solidFill>
+            </a:endParaRPr>
+          </a:p>
+          <a:p>
+            <a:endParaRPr lang="en-US" b="1" dirty="0">
+              <a:solidFill>
+                <a:schemeClr val="accent2"/>
+              </a:solidFill>
+            </a:endParaRPr>
+          </a:p>
+        </p:txBody>
+      </p:sp>
+      <p:sp>
+        <p:nvSpPr>
+          <p:cNvPr id="130" name="TextBox 129">
+            <a:extLst>
+              <a:ext uri="{FF2B5EF4-FFF2-40B4-BE49-F238E27FC236}">
+                <a16:creationId xmlns:a16="http://schemas.microsoft.com/office/drawing/2014/main" id="{E02D6BD7-762D-4C11-8ED7-02C256A177FD}"/>
+              </a:ext>
+            </a:extLst>
+          </p:cNvPr>
+          <p:cNvSpPr txBox="1"/>
+          <p:nvPr/>
+        </p:nvSpPr>
+        <p:spPr>
+          <a:xfrm>
+            <a:off x="2267627" y="1862851"/>
+            <a:ext cx="264447" cy="307777"/>
+          </a:xfrm>
+          <a:prstGeom prst="rect">
+            <a:avLst/>
+          </a:prstGeom>
+          <a:noFill/>
+        </p:spPr>
+        <p:txBody>
+          <a:bodyPr wrap="square" rtlCol="0">
+            <a:spAutoFit/>
+          </a:bodyPr>
+          <a:lstStyle/>
+          <a:p>
+            <a:r>
+              <a:rPr lang="en-US" sz="1400" b="1" dirty="0">
+                <a:solidFill>
+                  <a:srgbClr val="00B050"/>
+                </a:solidFill>
+                <a:sym typeface="Wingdings" panose="05000000000000000000" pitchFamily="2" charset="2"/>
+              </a:rPr>
+              <a:t></a:t>
+            </a:r>
+            <a:endParaRPr lang="en-US" b="1" dirty="0">
+              <a:solidFill>
+                <a:srgbClr val="00B050"/>
+              </a:solidFill>
+            </a:endParaRPr>
+          </a:p>
+        </p:txBody>
+      </p:sp>
+      <p:sp>
+        <p:nvSpPr>
+          <p:cNvPr id="131" name="TextBox 130">
+            <a:extLst>
+              <a:ext uri="{FF2B5EF4-FFF2-40B4-BE49-F238E27FC236}">
+                <a16:creationId xmlns:a16="http://schemas.microsoft.com/office/drawing/2014/main" id="{28F52369-2E92-4679-AD82-CD5CF18CF847}"/>
+              </a:ext>
+            </a:extLst>
+          </p:cNvPr>
+          <p:cNvSpPr txBox="1"/>
+          <p:nvPr/>
+        </p:nvSpPr>
+        <p:spPr>
+          <a:xfrm>
+            <a:off x="4367646" y="4212443"/>
+            <a:ext cx="264447" cy="307777"/>
+          </a:xfrm>
+          <a:prstGeom prst="rect">
+            <a:avLst/>
+          </a:prstGeom>
+          <a:noFill/>
+        </p:spPr>
+        <p:txBody>
+          <a:bodyPr wrap="square" rtlCol="0">
+            <a:spAutoFit/>
+          </a:bodyPr>
+          <a:lstStyle/>
+          <a:p>
+            <a:r>
+              <a:rPr lang="en-US" sz="1400" b="1" dirty="0">
+                <a:solidFill>
+                  <a:srgbClr val="00B050"/>
+                </a:solidFill>
+                <a:sym typeface="Wingdings" panose="05000000000000000000" pitchFamily="2" charset="2"/>
+              </a:rPr>
+              <a:t></a:t>
+            </a:r>
+            <a:endParaRPr lang="en-US" b="1" dirty="0">
+              <a:solidFill>
+                <a:srgbClr val="00B050"/>
+              </a:solidFill>
+            </a:endParaRPr>
+          </a:p>
+        </p:txBody>
+      </p:sp>
+      <p:sp>
+        <p:nvSpPr>
+          <p:cNvPr id="132" name="TextBox 131">
+            <a:extLst>
+              <a:ext uri="{FF2B5EF4-FFF2-40B4-BE49-F238E27FC236}">
+                <a16:creationId xmlns:a16="http://schemas.microsoft.com/office/drawing/2014/main" id="{432525BC-323B-4668-A599-77DA04C26F14}"/>
+              </a:ext>
+            </a:extLst>
+          </p:cNvPr>
+          <p:cNvSpPr txBox="1"/>
+          <p:nvPr/>
+        </p:nvSpPr>
+        <p:spPr>
+          <a:xfrm>
+            <a:off x="2765189" y="3835695"/>
+            <a:ext cx="264447" cy="307777"/>
+          </a:xfrm>
+          <a:prstGeom prst="rect">
+            <a:avLst/>
+          </a:prstGeom>
+          <a:noFill/>
+        </p:spPr>
+        <p:txBody>
+          <a:bodyPr wrap="square" rtlCol="0">
+            <a:spAutoFit/>
+          </a:bodyPr>
+          <a:lstStyle/>
+          <a:p>
+            <a:r>
+              <a:rPr lang="en-US" sz="1400" b="1" dirty="0">
+                <a:solidFill>
+                  <a:srgbClr val="00B050"/>
+                </a:solidFill>
+                <a:sym typeface="Wingdings" panose="05000000000000000000" pitchFamily="2" charset="2"/>
+              </a:rPr>
+              <a:t></a:t>
+            </a:r>
+            <a:endParaRPr lang="en-US" b="1" dirty="0">
+              <a:solidFill>
+                <a:srgbClr val="00B050"/>
+              </a:solidFill>
+            </a:endParaRPr>
+          </a:p>
+        </p:txBody>
+      </p:sp>
+      <p:sp>
+        <p:nvSpPr>
+          <p:cNvPr id="133" name="TextBox 132">
+            <a:extLst>
+              <a:ext uri="{FF2B5EF4-FFF2-40B4-BE49-F238E27FC236}">
+                <a16:creationId xmlns:a16="http://schemas.microsoft.com/office/drawing/2014/main" id="{463134C2-58B2-44E8-9763-ECAC91777775}"/>
+              </a:ext>
+            </a:extLst>
+          </p:cNvPr>
+          <p:cNvSpPr txBox="1"/>
+          <p:nvPr/>
+        </p:nvSpPr>
+        <p:spPr>
+          <a:xfrm>
+            <a:off x="3073328" y="2625114"/>
+            <a:ext cx="264447" cy="307777"/>
+          </a:xfrm>
+          <a:prstGeom prst="rect">
+            <a:avLst/>
+          </a:prstGeom>
+          <a:noFill/>
+        </p:spPr>
+        <p:txBody>
+          <a:bodyPr wrap="square" rtlCol="0">
+            <a:spAutoFit/>
+          </a:bodyPr>
+          <a:lstStyle/>
+          <a:p>
+            <a:r>
+              <a:rPr lang="en-US" sz="1400" b="1" dirty="0">
+                <a:solidFill>
+                  <a:srgbClr val="00B050"/>
+                </a:solidFill>
+                <a:sym typeface="Wingdings" panose="05000000000000000000" pitchFamily="2" charset="2"/>
+              </a:rPr>
+              <a:t></a:t>
+            </a:r>
+            <a:endParaRPr lang="en-US" b="1" dirty="0">
+              <a:solidFill>
+                <a:srgbClr val="00B050"/>
+              </a:solidFill>
+            </a:endParaRPr>
+          </a:p>
+        </p:txBody>
+      </p:sp>
+      <p:sp>
+        <p:nvSpPr>
+          <p:cNvPr id="134" name="TextBox 133">
+            <a:extLst>
+              <a:ext uri="{FF2B5EF4-FFF2-40B4-BE49-F238E27FC236}">
+                <a16:creationId xmlns:a16="http://schemas.microsoft.com/office/drawing/2014/main" id="{FDD4AD6A-8AFD-4552-A7A1-C755848C0D22}"/>
+              </a:ext>
+            </a:extLst>
+          </p:cNvPr>
+          <p:cNvSpPr txBox="1"/>
+          <p:nvPr/>
+        </p:nvSpPr>
+        <p:spPr>
+          <a:xfrm>
+            <a:off x="1819462" y="2831808"/>
+            <a:ext cx="264447" cy="307777"/>
+          </a:xfrm>
+          <a:prstGeom prst="rect">
+            <a:avLst/>
+          </a:prstGeom>
+          <a:noFill/>
+        </p:spPr>
+        <p:txBody>
+          <a:bodyPr wrap="square" rtlCol="0">
+            <a:spAutoFit/>
+          </a:bodyPr>
+          <a:lstStyle/>
+          <a:p>
+            <a:r>
+              <a:rPr lang="en-US" sz="1400" b="1" dirty="0">
+                <a:solidFill>
+                  <a:srgbClr val="00B050"/>
+                </a:solidFill>
+                <a:sym typeface="Wingdings" panose="05000000000000000000" pitchFamily="2" charset="2"/>
+              </a:rPr>
+              <a:t></a:t>
+            </a:r>
+            <a:endParaRPr lang="en-US" b="1" dirty="0">
+              <a:solidFill>
+                <a:srgbClr val="00B050"/>
+              </a:solidFill>
+            </a:endParaRPr>
+          </a:p>
+        </p:txBody>
+      </p:sp>
+      <p:sp>
+        <p:nvSpPr>
+          <p:cNvPr id="135" name="TextBox 134">
+            <a:extLst>
+              <a:ext uri="{FF2B5EF4-FFF2-40B4-BE49-F238E27FC236}">
+                <a16:creationId xmlns:a16="http://schemas.microsoft.com/office/drawing/2014/main" id="{940BA88D-0BA6-40A0-AE32-3FF2539AA5FA}"/>
+              </a:ext>
+            </a:extLst>
+          </p:cNvPr>
+          <p:cNvSpPr txBox="1"/>
+          <p:nvPr/>
+        </p:nvSpPr>
+        <p:spPr>
+          <a:xfrm>
+            <a:off x="1795723" y="3957011"/>
+            <a:ext cx="264447" cy="307777"/>
+          </a:xfrm>
+          <a:prstGeom prst="rect">
+            <a:avLst/>
+          </a:prstGeom>
+          <a:noFill/>
+        </p:spPr>
+        <p:txBody>
+          <a:bodyPr wrap="square" rtlCol="0">
+            <a:spAutoFit/>
+          </a:bodyPr>
+          <a:lstStyle/>
+          <a:p>
+            <a:r>
+              <a:rPr lang="en-US" sz="1400" b="1" dirty="0">
+                <a:solidFill>
+                  <a:srgbClr val="00B050"/>
+                </a:solidFill>
+                <a:sym typeface="Wingdings" panose="05000000000000000000" pitchFamily="2" charset="2"/>
+              </a:rPr>
+              <a:t></a:t>
+            </a:r>
+            <a:endParaRPr lang="en-US" sz="1400" b="1" dirty="0">
+              <a:solidFill>
+                <a:srgbClr val="00B050"/>
+              </a:solidFill>
+            </a:endParaRPr>
+          </a:p>
+        </p:txBody>
+      </p:sp>
+      <p:sp>
+        <p:nvSpPr>
+          <p:cNvPr id="136" name="TextBox 135">
+            <a:extLst>
+              <a:ext uri="{FF2B5EF4-FFF2-40B4-BE49-F238E27FC236}">
+                <a16:creationId xmlns:a16="http://schemas.microsoft.com/office/drawing/2014/main" id="{036570EA-BB19-4BE1-96E6-4E2780BB9BAE}"/>
+              </a:ext>
+            </a:extLst>
+          </p:cNvPr>
+          <p:cNvSpPr txBox="1"/>
+          <p:nvPr/>
+        </p:nvSpPr>
+        <p:spPr>
+          <a:xfrm>
+            <a:off x="4400715" y="3573236"/>
+            <a:ext cx="264447" cy="307777"/>
+          </a:xfrm>
+          <a:prstGeom prst="rect">
+            <a:avLst/>
+          </a:prstGeom>
+          <a:noFill/>
+        </p:spPr>
+        <p:txBody>
+          <a:bodyPr wrap="square" rtlCol="0">
+            <a:spAutoFit/>
+          </a:bodyPr>
+          <a:lstStyle/>
+          <a:p>
+            <a:r>
+              <a:rPr lang="en-US" sz="1400" b="1" dirty="0">
+                <a:solidFill>
+                  <a:schemeClr val="accent2"/>
+                </a:solidFill>
+                <a:sym typeface="Wingdings 3" panose="05040102010807070707" pitchFamily="18" charset="2"/>
+              </a:rPr>
+              <a:t></a:t>
+            </a:r>
+            <a:endParaRPr lang="en-US" b="1" dirty="0">
+              <a:solidFill>
+                <a:schemeClr val="accent2"/>
+              </a:solidFill>
+            </a:endParaRPr>
+          </a:p>
+        </p:txBody>
+      </p:sp>
+      <p:sp>
+        <p:nvSpPr>
+          <p:cNvPr id="137" name="TextBox 136">
+            <a:extLst>
+              <a:ext uri="{FF2B5EF4-FFF2-40B4-BE49-F238E27FC236}">
+                <a16:creationId xmlns:a16="http://schemas.microsoft.com/office/drawing/2014/main" id="{103AE862-10E6-4104-B507-C41DBEC1DD03}"/>
+              </a:ext>
+            </a:extLst>
+          </p:cNvPr>
+          <p:cNvSpPr txBox="1"/>
+          <p:nvPr/>
+        </p:nvSpPr>
+        <p:spPr>
+          <a:xfrm>
+            <a:off x="1374434" y="1619431"/>
+            <a:ext cx="264447" cy="307777"/>
+          </a:xfrm>
+          <a:prstGeom prst="rect">
+            <a:avLst/>
+          </a:prstGeom>
+          <a:noFill/>
+        </p:spPr>
+        <p:txBody>
+          <a:bodyPr wrap="square" rtlCol="0">
+            <a:spAutoFit/>
+          </a:bodyPr>
+          <a:lstStyle/>
+          <a:p>
+            <a:r>
+              <a:rPr lang="en-US" sz="1400" b="1" dirty="0">
+                <a:solidFill>
+                  <a:srgbClr val="00B050"/>
+                </a:solidFill>
+                <a:sym typeface="Wingdings" panose="05000000000000000000" pitchFamily="2" charset="2"/>
+              </a:rPr>
+              <a:t></a:t>
+            </a:r>
+            <a:endParaRPr lang="en-US" b="1" dirty="0">
+              <a:solidFill>
+                <a:srgbClr val="00B050"/>
+              </a:solidFill>
+            </a:endParaRPr>
+          </a:p>
+        </p:txBody>
+      </p:sp>
+      <p:sp>
+        <p:nvSpPr>
+          <p:cNvPr id="138" name="TextBox 137">
+            <a:extLst>
+              <a:ext uri="{FF2B5EF4-FFF2-40B4-BE49-F238E27FC236}">
+                <a16:creationId xmlns:a16="http://schemas.microsoft.com/office/drawing/2014/main" id="{C1D7295D-C995-467D-92F0-A48E5F836294}"/>
+              </a:ext>
+            </a:extLst>
+          </p:cNvPr>
+          <p:cNvSpPr txBox="1"/>
+          <p:nvPr/>
+        </p:nvSpPr>
+        <p:spPr>
+          <a:xfrm>
+            <a:off x="3437733" y="1530706"/>
+            <a:ext cx="264447" cy="307777"/>
+          </a:xfrm>
+          <a:prstGeom prst="rect">
+            <a:avLst/>
+          </a:prstGeom>
+          <a:noFill/>
+        </p:spPr>
+        <p:txBody>
+          <a:bodyPr wrap="square" rtlCol="0">
+            <a:spAutoFit/>
+          </a:bodyPr>
+          <a:lstStyle/>
+          <a:p>
+            <a:r>
+              <a:rPr lang="en-US" sz="1400" b="1" dirty="0">
+                <a:solidFill>
+                  <a:srgbClr val="00B050"/>
+                </a:solidFill>
+                <a:sym typeface="Wingdings" panose="05000000000000000000" pitchFamily="2" charset="2"/>
+              </a:rPr>
+              <a:t></a:t>
+            </a:r>
+            <a:endParaRPr lang="en-US" b="1" dirty="0">
+              <a:solidFill>
+                <a:srgbClr val="00B050"/>
+              </a:solidFill>
+            </a:endParaRPr>
+          </a:p>
+        </p:txBody>
+      </p:sp>
+      <p:sp>
+        <p:nvSpPr>
+          <p:cNvPr id="139" name="TextBox 138">
+            <a:extLst>
+              <a:ext uri="{FF2B5EF4-FFF2-40B4-BE49-F238E27FC236}">
+                <a16:creationId xmlns:a16="http://schemas.microsoft.com/office/drawing/2014/main" id="{9C98B0D2-3A05-46F2-969C-7CF92FC251DE}"/>
+              </a:ext>
+            </a:extLst>
+          </p:cNvPr>
+          <p:cNvSpPr txBox="1"/>
+          <p:nvPr/>
+        </p:nvSpPr>
+        <p:spPr>
+          <a:xfrm>
+            <a:off x="3402753" y="3405240"/>
+            <a:ext cx="264447" cy="307777"/>
+          </a:xfrm>
+          <a:prstGeom prst="rect">
+            <a:avLst/>
+          </a:prstGeom>
+          <a:noFill/>
+        </p:spPr>
+        <p:txBody>
+          <a:bodyPr wrap="square" rtlCol="0">
+            <a:spAutoFit/>
+          </a:bodyPr>
+          <a:lstStyle/>
+          <a:p>
+            <a:r>
+              <a:rPr lang="en-US" sz="1400" b="1" dirty="0">
+                <a:solidFill>
+                  <a:srgbClr val="00B050"/>
+                </a:solidFill>
+                <a:sym typeface="Wingdings" panose="05000000000000000000" pitchFamily="2" charset="2"/>
+              </a:rPr>
+              <a:t></a:t>
+            </a:r>
+            <a:endParaRPr lang="en-US" b="1" dirty="0">
+              <a:solidFill>
+                <a:srgbClr val="00B050"/>
+              </a:solidFill>
+            </a:endParaRPr>
+          </a:p>
+        </p:txBody>
+      </p:sp>
+      <p:sp>
+        <p:nvSpPr>
+          <p:cNvPr id="140" name="TextBox 139">
+            <a:extLst>
+              <a:ext uri="{FF2B5EF4-FFF2-40B4-BE49-F238E27FC236}">
+                <a16:creationId xmlns:a16="http://schemas.microsoft.com/office/drawing/2014/main" id="{F4172C97-0D86-41E6-B139-623A3E704D70}"/>
+              </a:ext>
+            </a:extLst>
+          </p:cNvPr>
+          <p:cNvSpPr txBox="1"/>
+          <p:nvPr/>
+        </p:nvSpPr>
+        <p:spPr>
+          <a:xfrm>
+            <a:off x="1675515" y="1687900"/>
+            <a:ext cx="264447" cy="307777"/>
+          </a:xfrm>
+          <a:prstGeom prst="rect">
+            <a:avLst/>
+          </a:prstGeom>
+          <a:noFill/>
+        </p:spPr>
+        <p:txBody>
+          <a:bodyPr wrap="square" rtlCol="0">
+            <a:spAutoFit/>
+          </a:bodyPr>
+          <a:lstStyle/>
+          <a:p>
+            <a:r>
+              <a:rPr lang="en-US" sz="1400" b="1" dirty="0">
+                <a:solidFill>
+                  <a:srgbClr val="00B050"/>
+                </a:solidFill>
+                <a:sym typeface="Wingdings" panose="05000000000000000000" pitchFamily="2" charset="2"/>
+              </a:rPr>
+              <a:t></a:t>
+            </a:r>
+            <a:endParaRPr lang="en-US" b="1" dirty="0">
+              <a:solidFill>
+                <a:srgbClr val="00B050"/>
+              </a:solidFill>
+            </a:endParaRPr>
+          </a:p>
+        </p:txBody>
+      </p:sp>
+      <p:sp>
+        <p:nvSpPr>
+          <p:cNvPr id="141" name="TextBox 140">
+            <a:extLst>
+              <a:ext uri="{FF2B5EF4-FFF2-40B4-BE49-F238E27FC236}">
+                <a16:creationId xmlns:a16="http://schemas.microsoft.com/office/drawing/2014/main" id="{6BBBD6D9-5937-4F7B-A57A-C0975BBBCBE2}"/>
+              </a:ext>
+            </a:extLst>
+          </p:cNvPr>
+          <p:cNvSpPr txBox="1"/>
+          <p:nvPr/>
+        </p:nvSpPr>
+        <p:spPr>
+          <a:xfrm>
+            <a:off x="3738814" y="1599175"/>
+            <a:ext cx="264447" cy="307777"/>
+          </a:xfrm>
+          <a:prstGeom prst="rect">
+            <a:avLst/>
+          </a:prstGeom>
+          <a:noFill/>
+        </p:spPr>
+        <p:txBody>
+          <a:bodyPr wrap="square" rtlCol="0">
+            <a:spAutoFit/>
+          </a:bodyPr>
+          <a:lstStyle/>
+          <a:p>
+            <a:r>
+              <a:rPr lang="en-US" sz="1400" b="1" dirty="0">
+                <a:solidFill>
+                  <a:srgbClr val="00B050"/>
+                </a:solidFill>
+                <a:sym typeface="Wingdings" panose="05000000000000000000" pitchFamily="2" charset="2"/>
+              </a:rPr>
+              <a:t></a:t>
+            </a:r>
+            <a:endParaRPr lang="en-US" b="1" dirty="0">
+              <a:solidFill>
+                <a:srgbClr val="00B050"/>
+              </a:solidFill>
+            </a:endParaRPr>
+          </a:p>
+        </p:txBody>
+      </p:sp>
+      <p:sp>
+        <p:nvSpPr>
+          <p:cNvPr id="142" name="TextBox 141">
+            <a:extLst>
+              <a:ext uri="{FF2B5EF4-FFF2-40B4-BE49-F238E27FC236}">
+                <a16:creationId xmlns:a16="http://schemas.microsoft.com/office/drawing/2014/main" id="{1E9A89BD-E013-43B6-8509-ECB266A14141}"/>
+              </a:ext>
+            </a:extLst>
+          </p:cNvPr>
+          <p:cNvSpPr txBox="1"/>
+          <p:nvPr/>
+        </p:nvSpPr>
+        <p:spPr>
+          <a:xfrm>
+            <a:off x="3703834" y="3473709"/>
+            <a:ext cx="264447" cy="584775"/>
+          </a:xfrm>
+          <a:prstGeom prst="rect">
+            <a:avLst/>
+          </a:prstGeom>
+          <a:noFill/>
+        </p:spPr>
+        <p:txBody>
+          <a:bodyPr wrap="square" rtlCol="0">
+            <a:spAutoFit/>
+          </a:bodyPr>
+          <a:lstStyle/>
+          <a:p>
+            <a:r>
+              <a:rPr lang="en-US" sz="1400" b="1" dirty="0">
+                <a:solidFill>
+                  <a:schemeClr val="accent2"/>
+                </a:solidFill>
+                <a:sym typeface="Wingdings 3" panose="05040102010807070707" pitchFamily="18" charset="2"/>
+              </a:rPr>
+              <a:t></a:t>
+            </a:r>
+            <a:endParaRPr lang="en-US" sz="1400" b="1" dirty="0">
+              <a:solidFill>
+                <a:schemeClr val="accent2"/>
+              </a:solidFill>
+            </a:endParaRPr>
+          </a:p>
+          <a:p>
+            <a:endParaRPr lang="en-US" b="1" dirty="0">
+              <a:solidFill>
+                <a:schemeClr val="accent2"/>
+              </a:solidFill>
+            </a:endParaRPr>
+          </a:p>
+        </p:txBody>
+      </p:sp>
+      <p:sp>
+        <p:nvSpPr>
+          <p:cNvPr id="143" name="TextBox 142">
+            <a:extLst>
+              <a:ext uri="{FF2B5EF4-FFF2-40B4-BE49-F238E27FC236}">
+                <a16:creationId xmlns:a16="http://schemas.microsoft.com/office/drawing/2014/main" id="{E5F3C79A-5AE5-4CC1-AC3A-2FB39124FBFF}"/>
+              </a:ext>
+            </a:extLst>
+          </p:cNvPr>
+          <p:cNvSpPr txBox="1"/>
+          <p:nvPr/>
+        </p:nvSpPr>
+        <p:spPr>
+          <a:xfrm>
+            <a:off x="2264524" y="4548382"/>
+            <a:ext cx="264447" cy="307777"/>
+          </a:xfrm>
+          <a:prstGeom prst="rect">
+            <a:avLst/>
+          </a:prstGeom>
+          <a:noFill/>
+        </p:spPr>
+        <p:txBody>
+          <a:bodyPr wrap="square" rtlCol="0">
+            <a:spAutoFit/>
+          </a:bodyPr>
+          <a:lstStyle/>
+          <a:p>
+            <a:r>
+              <a:rPr lang="en-US" sz="1400" b="1" dirty="0">
+                <a:solidFill>
+                  <a:schemeClr val="accent2"/>
+                </a:solidFill>
+                <a:sym typeface="Wingdings 3" panose="05040102010807070707" pitchFamily="18" charset="2"/>
+              </a:rPr>
+              <a:t></a:t>
+            </a:r>
+            <a:endParaRPr lang="en-US" b="1" dirty="0">
+              <a:solidFill>
+                <a:schemeClr val="accent2"/>
+              </a:solidFill>
+            </a:endParaRPr>
+          </a:p>
+        </p:txBody>
+      </p:sp>
+      <p:sp>
+        <p:nvSpPr>
+          <p:cNvPr id="144" name="TextBox 143">
+            <a:extLst>
+              <a:ext uri="{FF2B5EF4-FFF2-40B4-BE49-F238E27FC236}">
+                <a16:creationId xmlns:a16="http://schemas.microsoft.com/office/drawing/2014/main" id="{079071D1-C20F-40D9-9BC9-F6A1F1F79B33}"/>
+              </a:ext>
+            </a:extLst>
+          </p:cNvPr>
+          <p:cNvSpPr txBox="1"/>
+          <p:nvPr/>
+        </p:nvSpPr>
+        <p:spPr>
+          <a:xfrm>
+            <a:off x="1860303" y="2016739"/>
+            <a:ext cx="264447" cy="307777"/>
+          </a:xfrm>
+          <a:prstGeom prst="rect">
+            <a:avLst/>
+          </a:prstGeom>
+          <a:noFill/>
+        </p:spPr>
+        <p:txBody>
+          <a:bodyPr wrap="square" rtlCol="0">
+            <a:spAutoFit/>
+          </a:bodyPr>
+          <a:lstStyle/>
+          <a:p>
+            <a:r>
+              <a:rPr lang="en-US" sz="1400" b="1" dirty="0">
+                <a:solidFill>
+                  <a:schemeClr val="accent2"/>
+                </a:solidFill>
+                <a:sym typeface="Wingdings 3" panose="05040102010807070707" pitchFamily="18" charset="2"/>
+              </a:rPr>
+              <a:t></a:t>
+            </a:r>
+            <a:endParaRPr lang="en-US" b="1" dirty="0">
+              <a:solidFill>
+                <a:schemeClr val="accent2"/>
+              </a:solidFill>
+            </a:endParaRPr>
+          </a:p>
+        </p:txBody>
+      </p:sp>
+      <p:cxnSp>
+        <p:nvCxnSpPr>
+          <p:cNvPr id="145" name="Straight Arrow Connector 144">
+            <a:extLst>
+              <a:ext uri="{FF2B5EF4-FFF2-40B4-BE49-F238E27FC236}">
+                <a16:creationId xmlns:a16="http://schemas.microsoft.com/office/drawing/2014/main" id="{BE31DA19-5612-4BB9-9F34-E4481A160919}"/>
+              </a:ext>
+            </a:extLst>
+          </p:cNvPr>
+          <p:cNvCxnSpPr>
+            <a:cxnSpLocks/>
+          </p:cNvCxnSpPr>
+          <p:nvPr/>
+        </p:nvCxnSpPr>
+        <p:spPr>
+          <a:xfrm flipH="1" flipV="1">
+            <a:off x="2135754" y="1428033"/>
+            <a:ext cx="40104" cy="288598"/>
+          </a:xfrm>
+          <a:prstGeom prst="straightConnector1">
+            <a:avLst/>
+          </a:prstGeom>
+          <a:ln>
+            <a:tailEnd type="triangle"/>
+          </a:ln>
+        </p:spPr>
+        <p:style>
+          <a:lnRef idx="2">
+            <a:schemeClr val="accent6"/>
+          </a:lnRef>
+          <a:fillRef idx="0">
+            <a:schemeClr val="accent6"/>
+          </a:fillRef>
+          <a:effectRef idx="1">
+            <a:schemeClr val="accent6"/>
+          </a:effectRef>
+          <a:fontRef idx="minor">
+            <a:schemeClr val="tx1"/>
+          </a:fontRef>
+        </p:style>
+      </p:cxnSp>
+      <p:cxnSp>
+        <p:nvCxnSpPr>
+          <p:cNvPr id="146" name="Straight Arrow Connector 145">
+            <a:extLst>
+              <a:ext uri="{FF2B5EF4-FFF2-40B4-BE49-F238E27FC236}">
+                <a16:creationId xmlns:a16="http://schemas.microsoft.com/office/drawing/2014/main" id="{6DC04D01-35E6-46F8-BA5A-6891C7DE9F33}"/>
+              </a:ext>
+            </a:extLst>
+          </p:cNvPr>
+          <p:cNvCxnSpPr>
+            <a:cxnSpLocks/>
+          </p:cNvCxnSpPr>
+          <p:nvPr/>
+        </p:nvCxnSpPr>
+        <p:spPr>
+          <a:xfrm flipH="1" flipV="1">
+            <a:off x="3419639" y="1987473"/>
+            <a:ext cx="40104" cy="288598"/>
+          </a:xfrm>
+          <a:prstGeom prst="straightConnector1">
+            <a:avLst/>
+          </a:prstGeom>
+          <a:ln>
+            <a:tailEnd type="triangle"/>
+          </a:ln>
+        </p:spPr>
+        <p:style>
+          <a:lnRef idx="2">
+            <a:schemeClr val="accent6"/>
+          </a:lnRef>
+          <a:fillRef idx="0">
+            <a:schemeClr val="accent6"/>
+          </a:fillRef>
+          <a:effectRef idx="1">
+            <a:schemeClr val="accent6"/>
+          </a:effectRef>
+          <a:fontRef idx="minor">
+            <a:schemeClr val="tx1"/>
+          </a:fontRef>
+        </p:style>
+      </p:cxnSp>
+      <p:cxnSp>
+        <p:nvCxnSpPr>
+          <p:cNvPr id="147" name="Straight Arrow Connector 146">
+            <a:extLst>
+              <a:ext uri="{FF2B5EF4-FFF2-40B4-BE49-F238E27FC236}">
+                <a16:creationId xmlns:a16="http://schemas.microsoft.com/office/drawing/2014/main" id="{8C244448-624F-4A50-81BA-2774C512FF43}"/>
+              </a:ext>
+            </a:extLst>
+          </p:cNvPr>
+          <p:cNvCxnSpPr>
+            <a:cxnSpLocks/>
+            <a:stCxn id="51" idx="1"/>
+          </p:cNvCxnSpPr>
+          <p:nvPr/>
+        </p:nvCxnSpPr>
+        <p:spPr>
+          <a:xfrm flipH="1">
+            <a:off x="3026799" y="2951863"/>
+            <a:ext cx="219486" cy="20369"/>
+          </a:xfrm>
+          <a:prstGeom prst="straightConnector1">
+            <a:avLst/>
+          </a:prstGeom>
+          <a:ln>
+            <a:tailEnd type="triangle"/>
+          </a:ln>
+        </p:spPr>
+        <p:style>
+          <a:lnRef idx="2">
+            <a:schemeClr val="accent6"/>
+          </a:lnRef>
+          <a:fillRef idx="0">
+            <a:schemeClr val="accent6"/>
+          </a:fillRef>
+          <a:effectRef idx="1">
+            <a:schemeClr val="accent6"/>
+          </a:effectRef>
+          <a:fontRef idx="minor">
+            <a:schemeClr val="tx1"/>
+          </a:fontRef>
+        </p:style>
+      </p:cxnSp>
+      <p:cxnSp>
+        <p:nvCxnSpPr>
+          <p:cNvPr id="151" name="Straight Arrow Connector 150">
+            <a:extLst>
+              <a:ext uri="{FF2B5EF4-FFF2-40B4-BE49-F238E27FC236}">
+                <a16:creationId xmlns:a16="http://schemas.microsoft.com/office/drawing/2014/main" id="{658AB67A-9482-4CA3-B015-829B515286BB}"/>
+              </a:ext>
+            </a:extLst>
+          </p:cNvPr>
+          <p:cNvCxnSpPr>
+            <a:cxnSpLocks/>
+          </p:cNvCxnSpPr>
+          <p:nvPr/>
+        </p:nvCxnSpPr>
+        <p:spPr>
+          <a:xfrm flipV="1">
+            <a:off x="2083909" y="3113628"/>
+            <a:ext cx="221487" cy="108003"/>
+          </a:xfrm>
+          <a:prstGeom prst="straightConnector1">
+            <a:avLst/>
+          </a:prstGeom>
+          <a:ln>
+            <a:tailEnd type="triangle"/>
+          </a:ln>
+        </p:spPr>
+        <p:style>
+          <a:lnRef idx="2">
+            <a:schemeClr val="accent6"/>
+          </a:lnRef>
+          <a:fillRef idx="0">
+            <a:schemeClr val="accent6"/>
+          </a:fillRef>
+          <a:effectRef idx="1">
+            <a:schemeClr val="accent6"/>
+          </a:effectRef>
+          <a:fontRef idx="minor">
+            <a:schemeClr val="tx1"/>
+          </a:fontRef>
+        </p:style>
+      </p:cxnSp>
+      <p:cxnSp>
+        <p:nvCxnSpPr>
+          <p:cNvPr id="153" name="Straight Arrow Connector 152">
+            <a:extLst>
+              <a:ext uri="{FF2B5EF4-FFF2-40B4-BE49-F238E27FC236}">
+                <a16:creationId xmlns:a16="http://schemas.microsoft.com/office/drawing/2014/main" id="{485EB6C0-93AE-4CBF-ABE8-0075F11F5799}"/>
+              </a:ext>
+            </a:extLst>
+          </p:cNvPr>
+          <p:cNvCxnSpPr>
+            <a:cxnSpLocks/>
+          </p:cNvCxnSpPr>
+          <p:nvPr/>
+        </p:nvCxnSpPr>
+        <p:spPr>
+          <a:xfrm flipV="1">
+            <a:off x="2014006" y="4085112"/>
+            <a:ext cx="221487" cy="108003"/>
+          </a:xfrm>
+          <a:prstGeom prst="straightConnector1">
+            <a:avLst/>
+          </a:prstGeom>
+          <a:ln>
+            <a:tailEnd type="triangle"/>
+          </a:ln>
+        </p:spPr>
+        <p:style>
+          <a:lnRef idx="2">
+            <a:schemeClr val="accent6"/>
+          </a:lnRef>
+          <a:fillRef idx="0">
+            <a:schemeClr val="accent6"/>
+          </a:fillRef>
+          <a:effectRef idx="1">
+            <a:schemeClr val="accent6"/>
+          </a:effectRef>
+          <a:fontRef idx="minor">
+            <a:schemeClr val="tx1"/>
+          </a:fontRef>
+        </p:style>
+      </p:cxnSp>
+      <p:cxnSp>
+        <p:nvCxnSpPr>
+          <p:cNvPr id="154" name="Straight Arrow Connector 153">
+            <a:extLst>
+              <a:ext uri="{FF2B5EF4-FFF2-40B4-BE49-F238E27FC236}">
+                <a16:creationId xmlns:a16="http://schemas.microsoft.com/office/drawing/2014/main" id="{4718E6F3-72DB-4DA9-B4E9-FF958C9807EA}"/>
+              </a:ext>
+            </a:extLst>
+          </p:cNvPr>
+          <p:cNvCxnSpPr>
+            <a:cxnSpLocks/>
+          </p:cNvCxnSpPr>
+          <p:nvPr/>
+        </p:nvCxnSpPr>
+        <p:spPr>
+          <a:xfrm flipV="1">
+            <a:off x="3074602" y="3925092"/>
+            <a:ext cx="74883" cy="170539"/>
+          </a:xfrm>
+          <a:prstGeom prst="straightConnector1">
+            <a:avLst/>
+          </a:prstGeom>
+          <a:ln>
+            <a:tailEnd type="triangle"/>
+          </a:ln>
+        </p:spPr>
+        <p:style>
+          <a:lnRef idx="2">
+            <a:schemeClr val="accent6"/>
+          </a:lnRef>
+          <a:fillRef idx="0">
+            <a:schemeClr val="accent6"/>
+          </a:fillRef>
+          <a:effectRef idx="1">
+            <a:schemeClr val="accent6"/>
+          </a:effectRef>
+          <a:fontRef idx="minor">
+            <a:schemeClr val="tx1"/>
+          </a:fontRef>
+        </p:style>
+      </p:cxnSp>
+      <p:cxnSp>
+        <p:nvCxnSpPr>
+          <p:cNvPr id="156" name="Straight Arrow Connector 155">
+            <a:extLst>
+              <a:ext uri="{FF2B5EF4-FFF2-40B4-BE49-F238E27FC236}">
+                <a16:creationId xmlns:a16="http://schemas.microsoft.com/office/drawing/2014/main" id="{F59CB73A-5824-478C-B4FB-C9D91BA59DF1}"/>
+              </a:ext>
+            </a:extLst>
+          </p:cNvPr>
+          <p:cNvCxnSpPr>
+            <a:cxnSpLocks/>
+          </p:cNvCxnSpPr>
+          <p:nvPr/>
+        </p:nvCxnSpPr>
+        <p:spPr>
+          <a:xfrm flipV="1">
+            <a:off x="4665150" y="4282117"/>
+            <a:ext cx="86625" cy="249941"/>
+          </a:xfrm>
+          <a:prstGeom prst="straightConnector1">
+            <a:avLst/>
+          </a:prstGeom>
+          <a:ln>
+            <a:tailEnd type="triangle"/>
+          </a:ln>
+        </p:spPr>
+        <p:style>
+          <a:lnRef idx="2">
+            <a:schemeClr val="accent6"/>
+          </a:lnRef>
+          <a:fillRef idx="0">
+            <a:schemeClr val="accent6"/>
+          </a:fillRef>
+          <a:effectRef idx="1">
+            <a:schemeClr val="accent6"/>
+          </a:effectRef>
+          <a:fontRef idx="minor">
+            <a:schemeClr val="tx1"/>
+          </a:fontRef>
+        </p:style>
+      </p:cxnSp>
+      <p:cxnSp>
+        <p:nvCxnSpPr>
+          <p:cNvPr id="158" name="Straight Arrow Connector 157">
+            <a:extLst>
+              <a:ext uri="{FF2B5EF4-FFF2-40B4-BE49-F238E27FC236}">
+                <a16:creationId xmlns:a16="http://schemas.microsoft.com/office/drawing/2014/main" id="{3B4F2154-5BF2-4F21-9B81-30DEFCF33C0A}"/>
+              </a:ext>
+            </a:extLst>
+          </p:cNvPr>
+          <p:cNvCxnSpPr>
+            <a:cxnSpLocks/>
+          </p:cNvCxnSpPr>
+          <p:nvPr/>
+        </p:nvCxnSpPr>
+        <p:spPr>
+          <a:xfrm flipV="1">
+            <a:off x="4433516" y="2973869"/>
+            <a:ext cx="86625" cy="249941"/>
+          </a:xfrm>
+          <a:prstGeom prst="straightConnector1">
+            <a:avLst/>
+          </a:prstGeom>
+          <a:ln>
+            <a:tailEnd type="triangle"/>
+          </a:ln>
+        </p:spPr>
+        <p:style>
+          <a:lnRef idx="2">
+            <a:schemeClr val="accent6"/>
+          </a:lnRef>
+          <a:fillRef idx="0">
+            <a:schemeClr val="accent6"/>
+          </a:fillRef>
+          <a:effectRef idx="1">
+            <a:schemeClr val="accent6"/>
+          </a:effectRef>
+          <a:fontRef idx="minor">
+            <a:schemeClr val="tx1"/>
+          </a:fontRef>
+        </p:style>
+      </p:cxnSp>
+      <p:cxnSp>
+        <p:nvCxnSpPr>
+          <p:cNvPr id="159" name="Straight Arrow Connector 158">
+            <a:extLst>
+              <a:ext uri="{FF2B5EF4-FFF2-40B4-BE49-F238E27FC236}">
+                <a16:creationId xmlns:a16="http://schemas.microsoft.com/office/drawing/2014/main" id="{0BAA3410-D3E4-49BD-A4CE-183B320631E8}"/>
+              </a:ext>
+            </a:extLst>
+          </p:cNvPr>
+          <p:cNvCxnSpPr>
+            <a:cxnSpLocks/>
+          </p:cNvCxnSpPr>
+          <p:nvPr/>
+        </p:nvCxnSpPr>
+        <p:spPr>
+          <a:xfrm flipV="1">
+            <a:off x="4635214" y="3635459"/>
+            <a:ext cx="86625" cy="249941"/>
+          </a:xfrm>
+          <a:prstGeom prst="straightConnector1">
+            <a:avLst/>
+          </a:prstGeom>
+          <a:ln>
+            <a:solidFill>
+              <a:schemeClr val="accent2"/>
+            </a:solidFill>
+            <a:tailEnd type="triangle"/>
+          </a:ln>
+        </p:spPr>
+        <p:style>
+          <a:lnRef idx="2">
+            <a:schemeClr val="accent6"/>
+          </a:lnRef>
+          <a:fillRef idx="0">
+            <a:schemeClr val="accent6"/>
+          </a:fillRef>
+          <a:effectRef idx="1">
+            <a:schemeClr val="accent6"/>
+          </a:effectRef>
+          <a:fontRef idx="minor">
+            <a:schemeClr val="tx1"/>
+          </a:fontRef>
+        </p:style>
+      </p:cxnSp>
+      <p:cxnSp>
+        <p:nvCxnSpPr>
+          <p:cNvPr id="160" name="Straight Arrow Connector 159">
+            <a:extLst>
+              <a:ext uri="{FF2B5EF4-FFF2-40B4-BE49-F238E27FC236}">
+                <a16:creationId xmlns:a16="http://schemas.microsoft.com/office/drawing/2014/main" id="{8CEAFE84-E3C6-4B2C-8242-6D1F60F1A29E}"/>
+              </a:ext>
+            </a:extLst>
+          </p:cNvPr>
+          <p:cNvCxnSpPr>
+            <a:cxnSpLocks/>
+          </p:cNvCxnSpPr>
+          <p:nvPr/>
+        </p:nvCxnSpPr>
+        <p:spPr>
+          <a:xfrm flipH="1" flipV="1">
+            <a:off x="5061665" y="2190479"/>
+            <a:ext cx="132224" cy="298372"/>
+          </a:xfrm>
+          <a:prstGeom prst="straightConnector1">
+            <a:avLst/>
+          </a:prstGeom>
+          <a:ln>
+            <a:solidFill>
+              <a:schemeClr val="accent2"/>
+            </a:solidFill>
+            <a:tailEnd type="triangle"/>
+          </a:ln>
+        </p:spPr>
+        <p:style>
+          <a:lnRef idx="2">
+            <a:schemeClr val="accent6"/>
+          </a:lnRef>
+          <a:fillRef idx="0">
+            <a:schemeClr val="accent6"/>
+          </a:fillRef>
+          <a:effectRef idx="1">
+            <a:schemeClr val="accent6"/>
+          </a:effectRef>
+          <a:fontRef idx="minor">
+            <a:schemeClr val="tx1"/>
+          </a:fontRef>
+        </p:style>
+      </p:cxnSp>
+      <p:cxnSp>
+        <p:nvCxnSpPr>
+          <p:cNvPr id="162" name="Straight Arrow Connector 161">
+            <a:extLst>
+              <a:ext uri="{FF2B5EF4-FFF2-40B4-BE49-F238E27FC236}">
+                <a16:creationId xmlns:a16="http://schemas.microsoft.com/office/drawing/2014/main" id="{8612A399-F94E-4F7F-9921-BE5D79907F7B}"/>
+              </a:ext>
+            </a:extLst>
+          </p:cNvPr>
+          <p:cNvCxnSpPr>
+            <a:cxnSpLocks/>
+          </p:cNvCxnSpPr>
+          <p:nvPr/>
+        </p:nvCxnSpPr>
+        <p:spPr>
+          <a:xfrm flipH="1" flipV="1">
+            <a:off x="2102320" y="2381897"/>
+            <a:ext cx="132224" cy="298372"/>
+          </a:xfrm>
+          <a:prstGeom prst="straightConnector1">
+            <a:avLst/>
+          </a:prstGeom>
+          <a:ln>
+            <a:solidFill>
+              <a:schemeClr val="accent2"/>
+            </a:solidFill>
+            <a:tailEnd type="triangle"/>
+          </a:ln>
+        </p:spPr>
+        <p:style>
+          <a:lnRef idx="2">
+            <a:schemeClr val="accent6"/>
+          </a:lnRef>
+          <a:fillRef idx="0">
+            <a:schemeClr val="accent6"/>
+          </a:fillRef>
+          <a:effectRef idx="1">
+            <a:schemeClr val="accent6"/>
+          </a:effectRef>
+          <a:fontRef idx="minor">
+            <a:schemeClr val="tx1"/>
+          </a:fontRef>
+        </p:style>
+      </p:cxnSp>
+      <mc:AlternateContent xmlns:mc="http://schemas.openxmlformats.org/markup-compatibility/2006" xmlns:a14="http://schemas.microsoft.com/office/drawing/2010/main">
+        <mc:Choice Requires="a14">
+          <p:sp>
+            <p:nvSpPr>
+              <p:cNvPr id="163" name="TextBox 162">
+                <a:extLst>
+                  <a:ext uri="{FF2B5EF4-FFF2-40B4-BE49-F238E27FC236}">
+                    <a16:creationId xmlns:a16="http://schemas.microsoft.com/office/drawing/2014/main" id="{29FF974C-54FF-4A6B-9332-18F8F1732DD9}"/>
+                  </a:ext>
+                </a:extLst>
+              </p:cNvPr>
+              <p:cNvSpPr txBox="1"/>
+              <p:nvPr/>
+            </p:nvSpPr>
+            <p:spPr>
+              <a:xfrm>
+                <a:off x="6943276" y="1833536"/>
+                <a:ext cx="3804760" cy="276999"/>
+              </a:xfrm>
+              <a:prstGeom prst="rect">
+                <a:avLst/>
+              </a:prstGeom>
+              <a:noFill/>
+            </p:spPr>
+            <p:txBody>
+              <a:bodyPr wrap="none" lIns="0" tIns="0" rIns="0" bIns="0" rtlCol="0" anchor="b">
+                <a:spAutoFit/>
+              </a:bodyPr>
+              <a:lstStyle/>
+              <a:p>
+                <a:pPr/>
+                <a14:m>
+                  <m:oMathPara xmlns:m="http://schemas.openxmlformats.org/officeDocument/2006/math">
+                    <m:oMathParaPr>
+                      <m:jc m:val="centerGroup"/>
+                    </m:oMathParaPr>
+                    <m:oMath xmlns:m="http://schemas.openxmlformats.org/officeDocument/2006/math">
+                      <m:acc>
+                        <m:accPr>
+                          <m:chr m:val="̇"/>
+                          <m:ctrlPr>
+                            <a:rPr lang="en-US" b="0" i="1" smtClean="0">
+                              <a:solidFill>
+                                <a:srgbClr val="7030A0"/>
+                              </a:solidFill>
+                              <a:latin typeface="Cambria Math" panose="02040503050406030204" pitchFamily="18" charset="0"/>
+                            </a:rPr>
+                          </m:ctrlPr>
+                        </m:accPr>
+                        <m:e>
+                          <m:r>
+                            <a:rPr lang="en-US" b="0" i="1" smtClean="0">
+                              <a:solidFill>
+                                <a:srgbClr val="7030A0"/>
+                              </a:solidFill>
+                              <a:latin typeface="Cambria Math" panose="02040503050406030204" pitchFamily="18" charset="0"/>
+                            </a:rPr>
+                            <m:t>𝑠</m:t>
+                          </m:r>
+                        </m:e>
+                      </m:acc>
+                      <m:r>
+                        <a:rPr lang="en-US" b="0" i="1" smtClean="0">
+                          <a:latin typeface="Cambria Math" panose="02040503050406030204" pitchFamily="18" charset="0"/>
+                        </a:rPr>
+                        <m:t>=</m:t>
+                      </m:r>
+                      <m:r>
+                        <a:rPr lang="en-US" b="0" i="1" smtClean="0">
+                          <a:solidFill>
+                            <a:schemeClr val="tx1"/>
+                          </a:solidFill>
+                          <a:latin typeface="Cambria Math" panose="02040503050406030204" pitchFamily="18" charset="0"/>
+                        </a:rPr>
+                        <m:t>𝑑</m:t>
+                      </m:r>
+                      <m:d>
+                        <m:dPr>
+                          <m:ctrlPr>
+                            <a:rPr lang="en-US" b="0" i="1" smtClean="0">
+                              <a:solidFill>
+                                <a:schemeClr val="tx1"/>
+                              </a:solidFill>
+                              <a:latin typeface="Cambria Math" panose="02040503050406030204" pitchFamily="18" charset="0"/>
+                            </a:rPr>
+                          </m:ctrlPr>
+                        </m:dPr>
+                        <m:e>
+                          <m:sSup>
+                            <m:sSupPr>
+                              <m:ctrlPr>
+                                <a:rPr lang="en-US" b="0" i="1" smtClean="0">
+                                  <a:solidFill>
+                                    <a:schemeClr val="tx1"/>
+                                  </a:solidFill>
+                                  <a:latin typeface="Cambria Math" panose="02040503050406030204" pitchFamily="18" charset="0"/>
+                                </a:rPr>
+                              </m:ctrlPr>
+                            </m:sSupPr>
+                            <m:e>
+                              <m:r>
+                                <a:rPr lang="en-US" b="0" i="1" smtClean="0">
+                                  <a:solidFill>
+                                    <a:schemeClr val="tx1"/>
+                                  </a:solidFill>
+                                  <a:latin typeface="Cambria Math" panose="02040503050406030204" pitchFamily="18" charset="0"/>
+                                </a:rPr>
+                                <m:t>𝑠</m:t>
+                              </m:r>
+                            </m:e>
+                            <m:sup>
+                              <m:r>
+                                <a:rPr lang="en-US" b="0" i="1" smtClean="0">
+                                  <a:solidFill>
+                                    <a:schemeClr val="tx1"/>
+                                  </a:solidFill>
+                                  <a:latin typeface="Cambria Math" panose="02040503050406030204" pitchFamily="18" charset="0"/>
+                                </a:rPr>
+                                <m:t>0</m:t>
+                              </m:r>
+                            </m:sup>
+                          </m:sSup>
+                          <m:r>
+                            <a:rPr lang="en-US" b="0" i="1" smtClean="0">
+                              <a:solidFill>
+                                <a:schemeClr val="tx1"/>
+                              </a:solidFill>
+                              <a:latin typeface="Cambria Math" panose="02040503050406030204" pitchFamily="18" charset="0"/>
+                            </a:rPr>
+                            <m:t>−</m:t>
+                          </m:r>
+                          <m:r>
+                            <a:rPr lang="en-US" b="0" i="1" smtClean="0">
+                              <a:solidFill>
+                                <a:schemeClr val="tx1"/>
+                              </a:solidFill>
+                              <a:latin typeface="Cambria Math" panose="02040503050406030204" pitchFamily="18" charset="0"/>
+                            </a:rPr>
+                            <m:t>𝑠</m:t>
+                          </m:r>
+                        </m:e>
+                      </m:d>
+                      <m:r>
+                        <a:rPr lang="en-US" b="0" i="1" smtClean="0">
+                          <a:solidFill>
+                            <a:schemeClr val="tx1"/>
+                          </a:solidFill>
+                          <a:latin typeface="Cambria Math" panose="02040503050406030204" pitchFamily="18" charset="0"/>
+                        </a:rPr>
+                        <m:t>−</m:t>
+                      </m:r>
+                      <m:d>
+                        <m:dPr>
+                          <m:ctrlPr>
+                            <a:rPr lang="en-US" b="0" i="1" smtClean="0">
+                              <a:solidFill>
+                                <a:schemeClr val="tx1"/>
+                              </a:solidFill>
+                              <a:latin typeface="Cambria Math" panose="02040503050406030204" pitchFamily="18" charset="0"/>
+                            </a:rPr>
+                          </m:ctrlPr>
+                        </m:dPr>
+                        <m:e>
+                          <m:sSub>
+                            <m:sSubPr>
+                              <m:ctrlPr>
+                                <a:rPr lang="en-US" b="0" i="1" smtClean="0">
+                                  <a:solidFill>
+                                    <a:schemeClr val="tx1"/>
+                                  </a:solidFill>
+                                  <a:latin typeface="Cambria Math" panose="02040503050406030204" pitchFamily="18" charset="0"/>
+                                </a:rPr>
+                              </m:ctrlPr>
+                            </m:sSubPr>
+                            <m:e>
+                              <m:r>
+                                <a:rPr lang="en-US" b="0" i="1" smtClean="0">
+                                  <a:solidFill>
+                                    <a:schemeClr val="tx1"/>
+                                  </a:solidFill>
+                                  <a:latin typeface="Cambria Math" panose="02040503050406030204" pitchFamily="18" charset="0"/>
+                                </a:rPr>
+                                <m:t>𝑥</m:t>
+                              </m:r>
+                            </m:e>
+                            <m:sub>
+                              <m:r>
+                                <a:rPr lang="en-US" b="0" i="1" smtClean="0">
+                                  <a:solidFill>
+                                    <a:schemeClr val="tx1"/>
+                                  </a:solidFill>
+                                  <a:latin typeface="Cambria Math" panose="02040503050406030204" pitchFamily="18" charset="0"/>
+                                </a:rPr>
+                                <m:t>1</m:t>
+                              </m:r>
+                            </m:sub>
+                          </m:sSub>
+                          <m:r>
+                            <a:rPr lang="en-US" b="0" i="1" smtClean="0">
+                              <a:solidFill>
+                                <a:schemeClr val="tx1"/>
+                              </a:solidFill>
+                              <a:latin typeface="Cambria Math" panose="02040503050406030204" pitchFamily="18" charset="0"/>
+                            </a:rPr>
+                            <m:t>+</m:t>
+                          </m:r>
+                          <m:sSub>
+                            <m:sSubPr>
+                              <m:ctrlPr>
+                                <a:rPr lang="en-US" b="0" i="1" smtClean="0">
+                                  <a:solidFill>
+                                    <a:schemeClr val="tx1"/>
+                                  </a:solidFill>
+                                  <a:latin typeface="Cambria Math" panose="02040503050406030204" pitchFamily="18" charset="0"/>
+                                </a:rPr>
+                              </m:ctrlPr>
+                            </m:sSubPr>
+                            <m:e>
+                              <m:r>
+                                <a:rPr lang="en-US" b="0" i="1" smtClean="0">
+                                  <a:solidFill>
+                                    <a:schemeClr val="tx1"/>
+                                  </a:solidFill>
+                                  <a:latin typeface="Cambria Math" panose="02040503050406030204" pitchFamily="18" charset="0"/>
+                                </a:rPr>
+                                <m:t>𝑥</m:t>
+                              </m:r>
+                            </m:e>
+                            <m:sub>
+                              <m:r>
+                                <a:rPr lang="en-US" b="0" i="1" smtClean="0">
+                                  <a:solidFill>
+                                    <a:schemeClr val="tx1"/>
+                                  </a:solidFill>
+                                  <a:latin typeface="Cambria Math" panose="02040503050406030204" pitchFamily="18" charset="0"/>
+                                </a:rPr>
+                                <m:t>2</m:t>
+                              </m:r>
+                            </m:sub>
+                          </m:sSub>
+                          <m:r>
+                            <a:rPr lang="en-US" b="0" i="1" smtClean="0">
+                              <a:solidFill>
+                                <a:schemeClr val="tx1"/>
+                              </a:solidFill>
+                              <a:latin typeface="Cambria Math" panose="02040503050406030204" pitchFamily="18" charset="0"/>
+                            </a:rPr>
+                            <m:t>+</m:t>
+                          </m:r>
+                          <m:sSub>
+                            <m:sSubPr>
+                              <m:ctrlPr>
+                                <a:rPr lang="en-US" b="0" i="1" smtClean="0">
+                                  <a:solidFill>
+                                    <a:schemeClr val="tx1"/>
+                                  </a:solidFill>
+                                  <a:latin typeface="Cambria Math" panose="02040503050406030204" pitchFamily="18" charset="0"/>
+                                </a:rPr>
+                              </m:ctrlPr>
+                            </m:sSubPr>
+                            <m:e>
+                              <m:r>
+                                <a:rPr lang="en-US" b="0" i="1" smtClean="0">
+                                  <a:solidFill>
+                                    <a:schemeClr val="tx1"/>
+                                  </a:solidFill>
+                                  <a:latin typeface="Cambria Math" panose="02040503050406030204" pitchFamily="18" charset="0"/>
+                                </a:rPr>
+                                <m:t>𝑥</m:t>
+                              </m:r>
+                            </m:e>
+                            <m:sub>
+                              <m:r>
+                                <a:rPr lang="en-US" b="0" i="1" smtClean="0">
+                                  <a:solidFill>
+                                    <a:schemeClr val="tx1"/>
+                                  </a:solidFill>
+                                  <a:latin typeface="Cambria Math" panose="02040503050406030204" pitchFamily="18" charset="0"/>
+                                </a:rPr>
+                                <m:t>3</m:t>
+                              </m:r>
+                            </m:sub>
+                          </m:sSub>
+                        </m:e>
+                      </m:d>
+                      <m:r>
+                        <a:rPr lang="en-US" b="0" i="1" smtClean="0">
+                          <a:solidFill>
+                            <a:schemeClr val="tx1"/>
+                          </a:solidFill>
+                          <a:latin typeface="Cambria Math" panose="02040503050406030204" pitchFamily="18" charset="0"/>
+                        </a:rPr>
+                        <m:t>𝑓</m:t>
+                      </m:r>
+                      <m:d>
+                        <m:dPr>
+                          <m:ctrlPr>
+                            <a:rPr lang="en-US" b="0" i="1" smtClean="0">
+                              <a:solidFill>
+                                <a:schemeClr val="tx1"/>
+                              </a:solidFill>
+                              <a:latin typeface="Cambria Math" panose="02040503050406030204" pitchFamily="18" charset="0"/>
+                            </a:rPr>
+                          </m:ctrlPr>
+                        </m:dPr>
+                        <m:e>
+                          <m:r>
+                            <a:rPr lang="en-US" b="0" i="1" smtClean="0">
+                              <a:solidFill>
+                                <a:schemeClr val="tx1"/>
+                              </a:solidFill>
+                              <a:latin typeface="Cambria Math" panose="02040503050406030204" pitchFamily="18" charset="0"/>
+                            </a:rPr>
+                            <m:t>𝑠</m:t>
+                          </m:r>
+                          <m:r>
+                            <a:rPr lang="en-US" b="0" i="1" smtClean="0">
+                              <a:solidFill>
+                                <a:schemeClr val="tx1"/>
+                              </a:solidFill>
+                              <a:latin typeface="Cambria Math" panose="02040503050406030204" pitchFamily="18" charset="0"/>
+                            </a:rPr>
+                            <m:t>,</m:t>
+                          </m:r>
+                          <m:r>
+                            <a:rPr lang="en-US" b="0" i="1" smtClean="0">
+                              <a:solidFill>
+                                <a:schemeClr val="tx1"/>
+                              </a:solidFill>
+                              <a:latin typeface="Cambria Math" panose="02040503050406030204" pitchFamily="18" charset="0"/>
+                            </a:rPr>
+                            <m:t>𝑒</m:t>
+                          </m:r>
+                        </m:e>
+                      </m:d>
+                      <m:r>
+                        <a:rPr lang="en-US" b="0" i="1" smtClean="0">
+                          <a:solidFill>
+                            <a:schemeClr val="tx1"/>
+                          </a:solidFill>
+                          <a:latin typeface="Cambria Math" panose="02040503050406030204" pitchFamily="18" charset="0"/>
+                        </a:rPr>
+                        <m:t> </m:t>
+                      </m:r>
+                    </m:oMath>
+                  </m:oMathPara>
+                </a14:m>
+                <a:endParaRPr lang="en-US" dirty="0"/>
+              </a:p>
+            </p:txBody>
+          </p:sp>
+        </mc:Choice>
+        <mc:Fallback xmlns="">
+          <p:sp>
+            <p:nvSpPr>
+              <p:cNvPr id="163" name="TextBox 162">
+                <a:extLst>
+                  <a:ext uri="{FF2B5EF4-FFF2-40B4-BE49-F238E27FC236}">
+                    <a16:creationId xmlns:a16="http://schemas.microsoft.com/office/drawing/2014/main" id="{29FF974C-54FF-4A6B-9332-18F8F1732DD9}"/>
+                  </a:ext>
+                </a:extLst>
+              </p:cNvPr>
+              <p:cNvSpPr txBox="1">
+                <a:spLocks noRot="1" noChangeAspect="1" noMove="1" noResize="1" noEditPoints="1" noAdjustHandles="1" noChangeArrowheads="1" noChangeShapeType="1" noTextEdit="1"/>
+              </p:cNvSpPr>
+              <p:nvPr/>
+            </p:nvSpPr>
+            <p:spPr>
+              <a:xfrm>
+                <a:off x="6943276" y="1833536"/>
+                <a:ext cx="3804760" cy="276999"/>
+              </a:xfrm>
+              <a:prstGeom prst="rect">
+                <a:avLst/>
+              </a:prstGeom>
+              <a:blipFill>
+                <a:blip r:embed="rId2"/>
+                <a:stretch>
+                  <a:fillRect l="-481" t="-4444" b="-35556"/>
+                </a:stretch>
+              </a:blipFill>
+            </p:spPr>
+            <p:txBody>
+              <a:bodyPr/>
+              <a:lstStyle/>
+              <a:p>
+                <a:r>
+                  <a:rPr lang="en-US">
+                    <a:noFill/>
+                  </a:rPr>
+                  <a:t> </a:t>
+                </a:r>
+              </a:p>
+            </p:txBody>
+          </p:sp>
+        </mc:Fallback>
+      </mc:AlternateContent>
+      <mc:AlternateContent xmlns:mc="http://schemas.openxmlformats.org/markup-compatibility/2006" xmlns:a14="http://schemas.microsoft.com/office/drawing/2010/main">
+        <mc:Choice Requires="a14">
+          <p:sp>
+            <p:nvSpPr>
+              <p:cNvPr id="164" name="TextBox 163">
+                <a:extLst>
+                  <a:ext uri="{FF2B5EF4-FFF2-40B4-BE49-F238E27FC236}">
+                    <a16:creationId xmlns:a16="http://schemas.microsoft.com/office/drawing/2014/main" id="{471671E0-38BF-45B7-BA8B-61B9CF066AB9}"/>
+                  </a:ext>
+                </a:extLst>
+              </p:cNvPr>
+              <p:cNvSpPr txBox="1"/>
+              <p:nvPr/>
+            </p:nvSpPr>
+            <p:spPr>
+              <a:xfrm>
+                <a:off x="6969417" y="2190479"/>
+                <a:ext cx="2089098" cy="276999"/>
+              </a:xfrm>
+              <a:prstGeom prst="rect">
+                <a:avLst/>
+              </a:prstGeom>
+              <a:noFill/>
+            </p:spPr>
+            <p:txBody>
+              <a:bodyPr wrap="none" lIns="0" tIns="0" rIns="0" bIns="0" rtlCol="0" anchor="b">
+                <a:spAutoFit/>
+              </a:bodyPr>
+              <a:lstStyle/>
+              <a:p>
+                <a14:m>
+                  <m:oMath xmlns:m="http://schemas.openxmlformats.org/officeDocument/2006/math">
+                    <m:acc>
+                      <m:accPr>
+                        <m:chr m:val="̇"/>
+                        <m:ctrlPr>
+                          <a:rPr lang="en-US" b="0" i="1" smtClean="0">
+                            <a:latin typeface="Cambria Math" panose="02040503050406030204" pitchFamily="18" charset="0"/>
+                          </a:rPr>
+                        </m:ctrlPr>
+                      </m:accPr>
+                      <m:e>
+                        <m:r>
+                          <a:rPr lang="en-US" b="0" i="1" smtClean="0">
+                            <a:solidFill>
+                              <a:srgbClr val="00B050"/>
+                            </a:solidFill>
+                            <a:latin typeface="Cambria Math" panose="02040503050406030204" pitchFamily="18" charset="0"/>
+                          </a:rPr>
+                          <m:t>𝑒</m:t>
+                        </m:r>
+                      </m:e>
+                    </m:acc>
+                    <m:r>
+                      <a:rPr lang="en-US" b="0" i="1" smtClean="0">
+                        <a:latin typeface="Cambria Math" panose="02040503050406030204" pitchFamily="18" charset="0"/>
+                      </a:rPr>
+                      <m:t>=</m:t>
+                    </m:r>
+                    <m:sSub>
+                      <m:sSubPr>
+                        <m:ctrlPr>
+                          <a:rPr lang="en-US" b="0" i="1" smtClean="0">
+                            <a:solidFill>
+                              <a:schemeClr val="tx1"/>
+                            </a:solidFill>
+                            <a:latin typeface="Cambria Math" panose="02040503050406030204" pitchFamily="18" charset="0"/>
+                          </a:rPr>
+                        </m:ctrlPr>
+                      </m:sSubPr>
+                      <m:e>
+                        <m:r>
+                          <a:rPr lang="en-US" b="0" i="1" smtClean="0">
+                            <a:solidFill>
+                              <a:schemeClr val="tx1"/>
+                            </a:solidFill>
+                            <a:latin typeface="Cambria Math" panose="02040503050406030204" pitchFamily="18" charset="0"/>
+                          </a:rPr>
+                          <m:t>𝑞</m:t>
+                        </m:r>
+                      </m:e>
+                      <m:sub>
+                        <m:r>
+                          <a:rPr lang="en-US" b="0" i="1" smtClean="0">
+                            <a:solidFill>
+                              <a:schemeClr val="tx1"/>
+                            </a:solidFill>
+                            <a:latin typeface="Cambria Math" panose="02040503050406030204" pitchFamily="18" charset="0"/>
+                          </a:rPr>
+                          <m:t>1</m:t>
+                        </m:r>
+                      </m:sub>
+                    </m:sSub>
+                    <m:sSub>
+                      <m:sSubPr>
+                        <m:ctrlPr>
+                          <a:rPr lang="en-US" b="0" i="1" smtClean="0">
+                            <a:solidFill>
+                              <a:schemeClr val="tx1"/>
+                            </a:solidFill>
+                            <a:latin typeface="Cambria Math" panose="02040503050406030204" pitchFamily="18" charset="0"/>
+                          </a:rPr>
+                        </m:ctrlPr>
+                      </m:sSubPr>
+                      <m:e>
+                        <m:r>
+                          <a:rPr lang="en-US" b="0" i="1" smtClean="0">
+                            <a:solidFill>
+                              <a:schemeClr val="tx1"/>
+                            </a:solidFill>
+                            <a:latin typeface="Cambria Math" panose="02040503050406030204" pitchFamily="18" charset="0"/>
+                          </a:rPr>
+                          <m:t>𝑥</m:t>
+                        </m:r>
+                      </m:e>
+                      <m:sub>
+                        <m:r>
+                          <a:rPr lang="en-US" b="0" i="1" smtClean="0">
+                            <a:solidFill>
+                              <a:schemeClr val="tx1"/>
+                            </a:solidFill>
+                            <a:latin typeface="Cambria Math" panose="02040503050406030204" pitchFamily="18" charset="0"/>
+                          </a:rPr>
+                          <m:t>1</m:t>
+                        </m:r>
+                      </m:sub>
+                    </m:sSub>
+                    <m:r>
+                      <a:rPr lang="en-US" b="0" i="1" smtClean="0">
+                        <a:solidFill>
+                          <a:schemeClr val="tx1"/>
+                        </a:solidFill>
+                        <a:latin typeface="Cambria Math" panose="02040503050406030204" pitchFamily="18" charset="0"/>
+                      </a:rPr>
+                      <m:t>𝑓</m:t>
+                    </m:r>
+                    <m:d>
+                      <m:dPr>
+                        <m:ctrlPr>
+                          <a:rPr lang="en-US" b="0" i="1" smtClean="0">
+                            <a:solidFill>
+                              <a:schemeClr val="tx1"/>
+                            </a:solidFill>
+                            <a:latin typeface="Cambria Math" panose="02040503050406030204" pitchFamily="18" charset="0"/>
+                          </a:rPr>
+                        </m:ctrlPr>
+                      </m:dPr>
+                      <m:e>
+                        <m:r>
+                          <a:rPr lang="en-US" b="0" i="1" smtClean="0">
+                            <a:solidFill>
+                              <a:schemeClr val="tx1"/>
+                            </a:solidFill>
+                            <a:latin typeface="Cambria Math" panose="02040503050406030204" pitchFamily="18" charset="0"/>
+                          </a:rPr>
+                          <m:t>𝑠</m:t>
+                        </m:r>
+                        <m:r>
+                          <a:rPr lang="en-US" b="0" i="1" smtClean="0">
+                            <a:solidFill>
+                              <a:schemeClr val="tx1"/>
+                            </a:solidFill>
+                            <a:latin typeface="Cambria Math" panose="02040503050406030204" pitchFamily="18" charset="0"/>
+                          </a:rPr>
+                          <m:t>,</m:t>
+                        </m:r>
+                        <m:r>
+                          <a:rPr lang="en-US" b="0" i="1" smtClean="0">
+                            <a:solidFill>
+                              <a:schemeClr val="tx1"/>
+                            </a:solidFill>
+                            <a:latin typeface="Cambria Math" panose="02040503050406030204" pitchFamily="18" charset="0"/>
+                          </a:rPr>
+                          <m:t>𝑒</m:t>
+                        </m:r>
+                      </m:e>
+                    </m:d>
+                    <m:r>
+                      <a:rPr lang="en-US" b="0" i="1" smtClean="0">
+                        <a:solidFill>
+                          <a:schemeClr val="tx1"/>
+                        </a:solidFill>
+                        <a:latin typeface="Cambria Math" panose="02040503050406030204" pitchFamily="18" charset="0"/>
+                      </a:rPr>
+                      <m:t>−</m:t>
+                    </m:r>
+                    <m:r>
+                      <a:rPr lang="en-US" b="0" i="1" smtClean="0">
+                        <a:solidFill>
+                          <a:schemeClr val="tx1"/>
+                        </a:solidFill>
+                        <a:latin typeface="Cambria Math" panose="02040503050406030204" pitchFamily="18" charset="0"/>
+                      </a:rPr>
+                      <m:t>𝑑𝑒</m:t>
+                    </m:r>
+                  </m:oMath>
+                </a14:m>
+                <a:r>
+                  <a:rPr lang="en-US" dirty="0">
+                    <a:solidFill>
+                      <a:schemeClr val="tx1"/>
+                    </a:solidFill>
+                  </a:rPr>
+                  <a:t> </a:t>
+                </a:r>
+                <a:endParaRPr lang="en-US" dirty="0"/>
+              </a:p>
+            </p:txBody>
+          </p:sp>
+        </mc:Choice>
+        <mc:Fallback xmlns="">
+          <p:sp>
+            <p:nvSpPr>
+              <p:cNvPr id="164" name="TextBox 163">
+                <a:extLst>
+                  <a:ext uri="{FF2B5EF4-FFF2-40B4-BE49-F238E27FC236}">
+                    <a16:creationId xmlns:a16="http://schemas.microsoft.com/office/drawing/2014/main" id="{471671E0-38BF-45B7-BA8B-61B9CF066AB9}"/>
+                  </a:ext>
+                </a:extLst>
+              </p:cNvPr>
+              <p:cNvSpPr txBox="1">
+                <a:spLocks noRot="1" noChangeAspect="1" noMove="1" noResize="1" noEditPoints="1" noAdjustHandles="1" noChangeArrowheads="1" noChangeShapeType="1" noTextEdit="1"/>
+              </p:cNvSpPr>
+              <p:nvPr/>
+            </p:nvSpPr>
+            <p:spPr>
+              <a:xfrm>
+                <a:off x="6969417" y="2190479"/>
+                <a:ext cx="2089098" cy="276999"/>
+              </a:xfrm>
+              <a:prstGeom prst="rect">
+                <a:avLst/>
+              </a:prstGeom>
+              <a:blipFill>
+                <a:blip r:embed="rId3"/>
+                <a:stretch>
+                  <a:fillRect l="-2915" t="-2174" r="-583" b="-34783"/>
+                </a:stretch>
+              </a:blipFill>
+            </p:spPr>
+            <p:txBody>
+              <a:bodyPr/>
+              <a:lstStyle/>
+              <a:p>
+                <a:r>
+                  <a:rPr lang="en-US">
+                    <a:noFill/>
+                  </a:rPr>
+                  <a:t> </a:t>
+                </a:r>
+              </a:p>
+            </p:txBody>
+          </p:sp>
+        </mc:Fallback>
+      </mc:AlternateContent>
+      <mc:AlternateContent xmlns:mc="http://schemas.openxmlformats.org/markup-compatibility/2006" xmlns:a14="http://schemas.microsoft.com/office/drawing/2010/main">
+        <mc:Choice Requires="a14">
+          <p:sp>
+            <p:nvSpPr>
+              <p:cNvPr id="165" name="TextBox 164">
+                <a:extLst>
+                  <a:ext uri="{FF2B5EF4-FFF2-40B4-BE49-F238E27FC236}">
+                    <a16:creationId xmlns:a16="http://schemas.microsoft.com/office/drawing/2014/main" id="{38475251-AB7C-4EE4-92A5-60BE0249BFD5}"/>
+                  </a:ext>
+                </a:extLst>
+              </p:cNvPr>
+              <p:cNvSpPr txBox="1"/>
+              <p:nvPr/>
+            </p:nvSpPr>
+            <p:spPr>
+              <a:xfrm>
+                <a:off x="6969417" y="2549966"/>
+                <a:ext cx="2107308" cy="276999"/>
+              </a:xfrm>
+              <a:prstGeom prst="rect">
+                <a:avLst/>
+              </a:prstGeom>
+              <a:noFill/>
+            </p:spPr>
+            <p:txBody>
+              <a:bodyPr wrap="none" lIns="0" tIns="0" rIns="0" bIns="0" rtlCol="0" anchor="b">
+                <a:spAutoFit/>
+              </a:bodyPr>
+              <a:lstStyle/>
+              <a:p>
+                <a:pPr/>
+                <a14:m>
+                  <m:oMathPara xmlns:m="http://schemas.openxmlformats.org/officeDocument/2006/math">
+                    <m:oMathParaPr>
+                      <m:jc m:val="centerGroup"/>
+                    </m:oMathParaPr>
+                    <m:oMath xmlns:m="http://schemas.openxmlformats.org/officeDocument/2006/math">
+                      <m:acc>
+                        <m:accPr>
+                          <m:chr m:val="̇"/>
+                          <m:ctrlPr>
+                            <a:rPr lang="en-US" b="0" i="1" smtClean="0">
+                              <a:latin typeface="Cambria Math" panose="02040503050406030204" pitchFamily="18" charset="0"/>
+                            </a:rPr>
+                          </m:ctrlPr>
+                        </m:accPr>
+                        <m:e>
+                          <m:r>
+                            <a:rPr lang="en-US" b="0" i="1" smtClean="0">
+                              <a:solidFill>
+                                <a:schemeClr val="accent2"/>
+                              </a:solidFill>
+                              <a:latin typeface="Cambria Math" panose="02040503050406030204" pitchFamily="18" charset="0"/>
+                            </a:rPr>
+                            <m:t>𝑡</m:t>
+                          </m:r>
+                        </m:e>
+                      </m:acc>
+                      <m:r>
+                        <a:rPr lang="en-US" b="0" i="1" smtClean="0">
+                          <a:latin typeface="Cambria Math" panose="02040503050406030204" pitchFamily="18" charset="0"/>
+                        </a:rPr>
+                        <m:t>=</m:t>
+                      </m:r>
+                      <m:sSub>
+                        <m:sSubPr>
+                          <m:ctrlPr>
+                            <a:rPr lang="en-US" b="0" i="1" smtClean="0">
+                              <a:solidFill>
+                                <a:schemeClr val="tx1"/>
+                              </a:solidFill>
+                              <a:latin typeface="Cambria Math" panose="02040503050406030204" pitchFamily="18" charset="0"/>
+                            </a:rPr>
+                          </m:ctrlPr>
+                        </m:sSubPr>
+                        <m:e>
+                          <m:r>
+                            <a:rPr lang="en-US" b="0" i="1" smtClean="0">
+                              <a:solidFill>
+                                <a:schemeClr val="tx1"/>
+                              </a:solidFill>
+                              <a:latin typeface="Cambria Math" panose="02040503050406030204" pitchFamily="18" charset="0"/>
+                            </a:rPr>
+                            <m:t>𝑞</m:t>
+                          </m:r>
+                        </m:e>
+                        <m:sub>
+                          <m:r>
+                            <a:rPr lang="en-US" b="0" i="1" smtClean="0">
+                              <a:solidFill>
+                                <a:schemeClr val="tx1"/>
+                              </a:solidFill>
+                              <a:latin typeface="Cambria Math" panose="02040503050406030204" pitchFamily="18" charset="0"/>
+                            </a:rPr>
+                            <m:t>2</m:t>
+                          </m:r>
+                        </m:sub>
+                      </m:sSub>
+                      <m:sSub>
+                        <m:sSubPr>
+                          <m:ctrlPr>
+                            <a:rPr lang="en-US" b="0" i="1" smtClean="0">
+                              <a:solidFill>
+                                <a:schemeClr val="tx1"/>
+                              </a:solidFill>
+                              <a:latin typeface="Cambria Math" panose="02040503050406030204" pitchFamily="18" charset="0"/>
+                            </a:rPr>
+                          </m:ctrlPr>
+                        </m:sSubPr>
+                        <m:e>
+                          <m:r>
+                            <a:rPr lang="en-US" b="0" i="1" smtClean="0">
+                              <a:solidFill>
+                                <a:schemeClr val="tx1"/>
+                              </a:solidFill>
+                              <a:latin typeface="Cambria Math" panose="02040503050406030204" pitchFamily="18" charset="0"/>
+                            </a:rPr>
+                            <m:t>𝑥</m:t>
+                          </m:r>
+                        </m:e>
+                        <m:sub>
+                          <m:r>
+                            <a:rPr lang="en-US" b="0" i="1" smtClean="0">
+                              <a:solidFill>
+                                <a:schemeClr val="tx1"/>
+                              </a:solidFill>
+                              <a:latin typeface="Cambria Math" panose="02040503050406030204" pitchFamily="18" charset="0"/>
+                            </a:rPr>
+                            <m:t>2</m:t>
+                          </m:r>
+                        </m:sub>
+                      </m:sSub>
+                      <m:r>
+                        <a:rPr lang="en-US" b="0" i="1" smtClean="0">
+                          <a:solidFill>
+                            <a:schemeClr val="tx1"/>
+                          </a:solidFill>
+                          <a:latin typeface="Cambria Math" panose="02040503050406030204" pitchFamily="18" charset="0"/>
+                        </a:rPr>
+                        <m:t>𝑓</m:t>
+                      </m:r>
+                      <m:d>
+                        <m:dPr>
+                          <m:ctrlPr>
+                            <a:rPr lang="en-US" b="0" i="1" smtClean="0">
+                              <a:solidFill>
+                                <a:schemeClr val="tx1"/>
+                              </a:solidFill>
+                              <a:latin typeface="Cambria Math" panose="02040503050406030204" pitchFamily="18" charset="0"/>
+                            </a:rPr>
+                          </m:ctrlPr>
+                        </m:dPr>
+                        <m:e>
+                          <m:r>
+                            <a:rPr lang="en-US" b="0" i="1" smtClean="0">
+                              <a:solidFill>
+                                <a:schemeClr val="tx1"/>
+                              </a:solidFill>
+                              <a:latin typeface="Cambria Math" panose="02040503050406030204" pitchFamily="18" charset="0"/>
+                            </a:rPr>
+                            <m:t>𝑠</m:t>
+                          </m:r>
+                          <m:r>
+                            <a:rPr lang="en-US" b="0" i="1" smtClean="0">
+                              <a:solidFill>
+                                <a:schemeClr val="tx1"/>
+                              </a:solidFill>
+                              <a:latin typeface="Cambria Math" panose="02040503050406030204" pitchFamily="18" charset="0"/>
+                            </a:rPr>
+                            <m:t>,</m:t>
+                          </m:r>
+                          <m:r>
+                            <a:rPr lang="en-US" b="0" i="1" smtClean="0">
+                              <a:solidFill>
+                                <a:schemeClr val="tx1"/>
+                              </a:solidFill>
+                              <a:latin typeface="Cambria Math" panose="02040503050406030204" pitchFamily="18" charset="0"/>
+                            </a:rPr>
+                            <m:t>𝑒</m:t>
+                          </m:r>
+                        </m:e>
+                      </m:d>
+                      <m:r>
+                        <a:rPr lang="en-US" b="0" i="1" smtClean="0">
+                          <a:solidFill>
+                            <a:schemeClr val="tx1"/>
+                          </a:solidFill>
+                          <a:latin typeface="Cambria Math" panose="02040503050406030204" pitchFamily="18" charset="0"/>
+                        </a:rPr>
+                        <m:t>−</m:t>
+                      </m:r>
+                      <m:r>
+                        <a:rPr lang="en-US" b="0" i="1" smtClean="0">
+                          <a:solidFill>
+                            <a:schemeClr val="tx1"/>
+                          </a:solidFill>
+                          <a:latin typeface="Cambria Math" panose="02040503050406030204" pitchFamily="18" charset="0"/>
+                        </a:rPr>
+                        <m:t>𝑑𝑡</m:t>
+                      </m:r>
+                      <m:r>
+                        <a:rPr lang="en-US" b="0" i="1" smtClean="0">
+                          <a:solidFill>
+                            <a:schemeClr val="tx1"/>
+                          </a:solidFill>
+                          <a:latin typeface="Cambria Math" panose="02040503050406030204" pitchFamily="18" charset="0"/>
+                        </a:rPr>
+                        <m:t> </m:t>
+                      </m:r>
+                    </m:oMath>
+                  </m:oMathPara>
+                </a14:m>
+                <a:endParaRPr lang="en-US" dirty="0"/>
+              </a:p>
+            </p:txBody>
+          </p:sp>
+        </mc:Choice>
+        <mc:Fallback xmlns="">
+          <p:sp>
+            <p:nvSpPr>
+              <p:cNvPr id="165" name="TextBox 164">
+                <a:extLst>
+                  <a:ext uri="{FF2B5EF4-FFF2-40B4-BE49-F238E27FC236}">
+                    <a16:creationId xmlns:a16="http://schemas.microsoft.com/office/drawing/2014/main" id="{38475251-AB7C-4EE4-92A5-60BE0249BFD5}"/>
+                  </a:ext>
+                </a:extLst>
+              </p:cNvPr>
+              <p:cNvSpPr txBox="1">
+                <a:spLocks noRot="1" noChangeAspect="1" noMove="1" noResize="1" noEditPoints="1" noAdjustHandles="1" noChangeArrowheads="1" noChangeShapeType="1" noTextEdit="1"/>
+              </p:cNvSpPr>
+              <p:nvPr/>
+            </p:nvSpPr>
+            <p:spPr>
+              <a:xfrm>
+                <a:off x="6969417" y="2549966"/>
+                <a:ext cx="2107308" cy="276999"/>
+              </a:xfrm>
+              <a:prstGeom prst="rect">
+                <a:avLst/>
+              </a:prstGeom>
+              <a:blipFill>
+                <a:blip r:embed="rId4"/>
+                <a:stretch>
+                  <a:fillRect l="-1734" t="-10870" b="-34783"/>
+                </a:stretch>
+              </a:blipFill>
+            </p:spPr>
+            <p:txBody>
+              <a:bodyPr/>
+              <a:lstStyle/>
+              <a:p>
+                <a:r>
+                  <a:rPr lang="en-US">
+                    <a:noFill/>
+                  </a:rPr>
+                  <a:t> </a:t>
+                </a:r>
+              </a:p>
+            </p:txBody>
+          </p:sp>
+        </mc:Fallback>
+      </mc:AlternateContent>
+      <mc:AlternateContent xmlns:mc="http://schemas.openxmlformats.org/markup-compatibility/2006" xmlns:a14="http://schemas.microsoft.com/office/drawing/2010/main">
+        <mc:Choice Requires="a14">
+          <p:sp>
+            <p:nvSpPr>
+              <p:cNvPr id="166" name="TextBox 165">
+                <a:extLst>
+                  <a:ext uri="{FF2B5EF4-FFF2-40B4-BE49-F238E27FC236}">
+                    <a16:creationId xmlns:a16="http://schemas.microsoft.com/office/drawing/2014/main" id="{CA77803C-8CE2-4D7C-9110-0792A681923A}"/>
+                  </a:ext>
+                </a:extLst>
+              </p:cNvPr>
+              <p:cNvSpPr txBox="1"/>
+              <p:nvPr/>
+            </p:nvSpPr>
+            <p:spPr>
+              <a:xfrm>
+                <a:off x="6969417" y="2906909"/>
+                <a:ext cx="3471143" cy="276999"/>
+              </a:xfrm>
+              <a:prstGeom prst="rect">
+                <a:avLst/>
+              </a:prstGeom>
+              <a:noFill/>
+            </p:spPr>
+            <p:txBody>
+              <a:bodyPr wrap="none" lIns="0" tIns="0" rIns="0" bIns="0" rtlCol="0" anchor="b">
+                <a:spAutoFit/>
+              </a:bodyPr>
+              <a:lstStyle/>
+              <a:p>
+                <a:pPr/>
+                <a14:m>
+                  <m:oMathPara xmlns:m="http://schemas.openxmlformats.org/officeDocument/2006/math">
+                    <m:oMathParaPr>
+                      <m:jc m:val="centerGroup"/>
+                    </m:oMathParaPr>
+                    <m:oMath xmlns:m="http://schemas.openxmlformats.org/officeDocument/2006/math">
+                      <m:acc>
+                        <m:accPr>
+                          <m:chr m:val="̇"/>
+                          <m:ctrlPr>
+                            <a:rPr lang="en-US" b="0" i="1" smtClean="0">
+                              <a:latin typeface="Cambria Math" panose="02040503050406030204" pitchFamily="18" charset="0"/>
+                            </a:rPr>
+                          </m:ctrlPr>
+                        </m:accPr>
+                        <m:e>
+                          <m:sSub>
+                            <m:sSubPr>
+                              <m:ctrlPr>
+                                <a:rPr lang="en-US" b="0" i="1" smtClean="0">
+                                  <a:solidFill>
+                                    <a:srgbClr val="FF0000"/>
+                                  </a:solidFill>
+                                  <a:latin typeface="Cambria Math" panose="02040503050406030204" pitchFamily="18" charset="0"/>
+                                </a:rPr>
+                              </m:ctrlPr>
+                            </m:sSubPr>
+                            <m:e>
+                              <m:r>
+                                <a:rPr lang="en-US" b="0" i="1" smtClean="0">
+                                  <a:solidFill>
+                                    <a:srgbClr val="FF0000"/>
+                                  </a:solidFill>
+                                  <a:latin typeface="Cambria Math" panose="02040503050406030204" pitchFamily="18" charset="0"/>
+                                </a:rPr>
+                                <m:t>𝑥</m:t>
+                              </m:r>
+                            </m:e>
+                            <m:sub>
+                              <m:r>
+                                <a:rPr lang="en-US" b="0" i="1" smtClean="0">
+                                  <a:solidFill>
+                                    <a:srgbClr val="FF0000"/>
+                                  </a:solidFill>
+                                  <a:latin typeface="Cambria Math" panose="02040503050406030204" pitchFamily="18" charset="0"/>
+                                </a:rPr>
+                                <m:t>1</m:t>
+                              </m:r>
+                            </m:sub>
+                          </m:sSub>
+                        </m:e>
+                      </m:acc>
+                      <m:r>
+                        <a:rPr lang="en-US" b="0" i="1" smtClean="0">
+                          <a:latin typeface="Cambria Math" panose="02040503050406030204" pitchFamily="18" charset="0"/>
+                        </a:rPr>
+                        <m:t>=</m:t>
+                      </m:r>
+                      <m:sSub>
+                        <m:sSubPr>
+                          <m:ctrlPr>
+                            <a:rPr lang="en-US" b="0" i="1" smtClean="0">
+                              <a:solidFill>
+                                <a:schemeClr val="tx1"/>
+                              </a:solidFill>
+                              <a:latin typeface="Cambria Math" panose="02040503050406030204" pitchFamily="18" charset="0"/>
+                            </a:rPr>
+                          </m:ctrlPr>
+                        </m:sSubPr>
+                        <m:e>
+                          <m:r>
+                            <a:rPr lang="en-US" b="0" i="1" smtClean="0">
+                              <a:solidFill>
+                                <a:schemeClr val="tx1"/>
+                              </a:solidFill>
+                              <a:latin typeface="Cambria Math" panose="02040503050406030204" pitchFamily="18" charset="0"/>
+                            </a:rPr>
+                            <m:t>𝑥</m:t>
+                          </m:r>
+                        </m:e>
+                        <m:sub>
+                          <m:r>
+                            <a:rPr lang="en-US" b="0" i="1" smtClean="0">
+                              <a:solidFill>
+                                <a:schemeClr val="tx1"/>
+                              </a:solidFill>
+                              <a:latin typeface="Cambria Math" panose="02040503050406030204" pitchFamily="18" charset="0"/>
+                            </a:rPr>
+                            <m:t>1</m:t>
+                          </m:r>
+                        </m:sub>
+                      </m:sSub>
+                      <m:r>
+                        <a:rPr lang="en-US" b="0" i="1" smtClean="0">
+                          <a:solidFill>
+                            <a:schemeClr val="tx1"/>
+                          </a:solidFill>
+                          <a:latin typeface="Cambria Math" panose="02040503050406030204" pitchFamily="18" charset="0"/>
+                        </a:rPr>
+                        <m:t>(</m:t>
+                      </m:r>
+                      <m:d>
+                        <m:dPr>
+                          <m:ctrlPr>
+                            <a:rPr lang="en-US" b="0" i="1" smtClean="0">
+                              <a:solidFill>
+                                <a:schemeClr val="tx1"/>
+                              </a:solidFill>
+                              <a:latin typeface="Cambria Math" panose="02040503050406030204" pitchFamily="18" charset="0"/>
+                            </a:rPr>
+                          </m:ctrlPr>
+                        </m:dPr>
+                        <m:e>
+                          <m:r>
+                            <a:rPr lang="en-US" b="0" i="1" smtClean="0">
+                              <a:solidFill>
+                                <a:schemeClr val="tx1"/>
+                              </a:solidFill>
+                              <a:latin typeface="Cambria Math" panose="02040503050406030204" pitchFamily="18" charset="0"/>
+                            </a:rPr>
+                            <m:t>1−</m:t>
+                          </m:r>
+                          <m:sSub>
+                            <m:sSubPr>
+                              <m:ctrlPr>
+                                <a:rPr lang="en-US" b="0" i="1" smtClean="0">
+                                  <a:solidFill>
+                                    <a:schemeClr val="tx1"/>
+                                  </a:solidFill>
+                                  <a:latin typeface="Cambria Math" panose="02040503050406030204" pitchFamily="18" charset="0"/>
+                                </a:rPr>
+                              </m:ctrlPr>
+                            </m:sSubPr>
+                            <m:e>
+                              <m:r>
+                                <a:rPr lang="en-US" b="0" i="1" smtClean="0">
+                                  <a:solidFill>
+                                    <a:schemeClr val="tx1"/>
+                                  </a:solidFill>
+                                  <a:latin typeface="Cambria Math" panose="02040503050406030204" pitchFamily="18" charset="0"/>
+                                </a:rPr>
+                                <m:t>𝑞</m:t>
+                              </m:r>
+                            </m:e>
+                            <m:sub>
+                              <m:r>
+                                <a:rPr lang="en-US" b="0" i="1" smtClean="0">
+                                  <a:solidFill>
+                                    <a:schemeClr val="tx1"/>
+                                  </a:solidFill>
+                                  <a:latin typeface="Cambria Math" panose="02040503050406030204" pitchFamily="18" charset="0"/>
+                                </a:rPr>
+                                <m:t>1</m:t>
+                              </m:r>
+                            </m:sub>
+                          </m:sSub>
+                        </m:e>
+                      </m:d>
+                      <m:r>
+                        <a:rPr lang="en-US" b="0" i="1" smtClean="0">
+                          <a:solidFill>
+                            <a:schemeClr val="tx1"/>
+                          </a:solidFill>
+                          <a:latin typeface="Cambria Math" panose="02040503050406030204" pitchFamily="18" charset="0"/>
+                        </a:rPr>
+                        <m:t>𝑓</m:t>
+                      </m:r>
+                      <m:d>
+                        <m:dPr>
+                          <m:ctrlPr>
+                            <a:rPr lang="en-US" b="0" i="1" smtClean="0">
+                              <a:solidFill>
+                                <a:schemeClr val="tx1"/>
+                              </a:solidFill>
+                              <a:latin typeface="Cambria Math" panose="02040503050406030204" pitchFamily="18" charset="0"/>
+                            </a:rPr>
+                          </m:ctrlPr>
+                        </m:dPr>
+                        <m:e>
+                          <m:r>
+                            <a:rPr lang="en-US" b="0" i="1" smtClean="0">
+                              <a:solidFill>
+                                <a:schemeClr val="tx1"/>
+                              </a:solidFill>
+                              <a:latin typeface="Cambria Math" panose="02040503050406030204" pitchFamily="18" charset="0"/>
+                            </a:rPr>
+                            <m:t>𝑠</m:t>
+                          </m:r>
+                          <m:r>
+                            <a:rPr lang="en-US" b="0" i="1" smtClean="0">
+                              <a:solidFill>
+                                <a:schemeClr val="tx1"/>
+                              </a:solidFill>
+                              <a:latin typeface="Cambria Math" panose="02040503050406030204" pitchFamily="18" charset="0"/>
+                            </a:rPr>
+                            <m:t>,</m:t>
+                          </m:r>
+                          <m:r>
+                            <a:rPr lang="en-US" b="0" i="1" smtClean="0">
+                              <a:solidFill>
+                                <a:schemeClr val="tx1"/>
+                              </a:solidFill>
+                              <a:latin typeface="Cambria Math" panose="02040503050406030204" pitchFamily="18" charset="0"/>
+                            </a:rPr>
+                            <m:t>𝑒</m:t>
+                          </m:r>
+                        </m:e>
+                      </m:d>
+                      <m:r>
+                        <a:rPr lang="en-US" b="0" i="1" smtClean="0">
+                          <a:solidFill>
+                            <a:schemeClr val="tx1"/>
+                          </a:solidFill>
+                          <a:latin typeface="Cambria Math" panose="02040503050406030204" pitchFamily="18" charset="0"/>
+                        </a:rPr>
+                        <m:t>−</m:t>
+                      </m:r>
+                      <m:r>
+                        <a:rPr lang="en-US" b="0" i="1" smtClean="0">
+                          <a:solidFill>
+                            <a:schemeClr val="tx1"/>
+                          </a:solidFill>
+                          <a:latin typeface="Cambria Math" panose="02040503050406030204" pitchFamily="18" charset="0"/>
+                        </a:rPr>
+                        <m:t>𝑑</m:t>
+                      </m:r>
+                      <m:r>
+                        <a:rPr lang="en-US" b="0" i="1" smtClean="0">
+                          <a:solidFill>
+                            <a:schemeClr val="tx1"/>
+                          </a:solidFill>
+                          <a:latin typeface="Cambria Math" panose="02040503050406030204" pitchFamily="18" charset="0"/>
+                        </a:rPr>
+                        <m:t>−</m:t>
+                      </m:r>
+                      <m:sSub>
+                        <m:sSubPr>
+                          <m:ctrlPr>
+                            <a:rPr lang="en-US" b="0" i="1" smtClean="0">
+                              <a:solidFill>
+                                <a:schemeClr val="tx1"/>
+                              </a:solidFill>
+                              <a:latin typeface="Cambria Math" panose="02040503050406030204" pitchFamily="18" charset="0"/>
+                            </a:rPr>
+                          </m:ctrlPr>
+                        </m:sSubPr>
+                        <m:e>
+                          <m:r>
+                            <a:rPr lang="en-US" b="0" i="1" smtClean="0">
+                              <a:solidFill>
+                                <a:schemeClr val="tx1"/>
+                              </a:solidFill>
+                              <a:latin typeface="Cambria Math" panose="02040503050406030204" pitchFamily="18" charset="0"/>
+                            </a:rPr>
+                            <m:t>𝑘</m:t>
+                          </m:r>
+                        </m:e>
+                        <m:sub>
+                          <m:r>
+                            <a:rPr lang="en-US" b="0" i="1" smtClean="0">
+                              <a:solidFill>
+                                <a:schemeClr val="tx1"/>
+                              </a:solidFill>
+                              <a:latin typeface="Cambria Math" panose="02040503050406030204" pitchFamily="18" charset="0"/>
+                            </a:rPr>
+                            <m:t>1</m:t>
+                          </m:r>
+                        </m:sub>
+                      </m:sSub>
+                      <m:r>
+                        <a:rPr lang="en-US" b="0" i="1" smtClean="0">
+                          <a:solidFill>
+                            <a:schemeClr val="tx1"/>
+                          </a:solidFill>
+                          <a:latin typeface="Cambria Math" panose="02040503050406030204" pitchFamily="18" charset="0"/>
+                        </a:rPr>
+                        <m:t>𝑡</m:t>
+                      </m:r>
+                      <m:r>
+                        <a:rPr lang="en-US" b="0" i="1" smtClean="0">
+                          <a:latin typeface="Cambria Math" panose="02040503050406030204" pitchFamily="18" charset="0"/>
+                        </a:rPr>
+                        <m:t>)</m:t>
+                      </m:r>
+                    </m:oMath>
+                  </m:oMathPara>
+                </a14:m>
+                <a:endParaRPr lang="en-US" dirty="0"/>
+              </a:p>
+            </p:txBody>
+          </p:sp>
+        </mc:Choice>
+        <mc:Fallback xmlns="">
+          <p:sp>
+            <p:nvSpPr>
+              <p:cNvPr id="166" name="TextBox 165">
+                <a:extLst>
+                  <a:ext uri="{FF2B5EF4-FFF2-40B4-BE49-F238E27FC236}">
+                    <a16:creationId xmlns:a16="http://schemas.microsoft.com/office/drawing/2014/main" id="{CA77803C-8CE2-4D7C-9110-0792A681923A}"/>
+                  </a:ext>
+                </a:extLst>
+              </p:cNvPr>
+              <p:cNvSpPr txBox="1">
+                <a:spLocks noRot="1" noChangeAspect="1" noMove="1" noResize="1" noEditPoints="1" noAdjustHandles="1" noChangeArrowheads="1" noChangeShapeType="1" noTextEdit="1"/>
+              </p:cNvSpPr>
+              <p:nvPr/>
+            </p:nvSpPr>
+            <p:spPr>
+              <a:xfrm>
+                <a:off x="6969417" y="2906909"/>
+                <a:ext cx="3471143" cy="276999"/>
+              </a:xfrm>
+              <a:prstGeom prst="rect">
+                <a:avLst/>
+              </a:prstGeom>
+              <a:blipFill>
+                <a:blip r:embed="rId5"/>
+                <a:stretch>
+                  <a:fillRect l="-526" t="-2222" r="-1930" b="-35556"/>
+                </a:stretch>
+              </a:blipFill>
+            </p:spPr>
+            <p:txBody>
+              <a:bodyPr/>
+              <a:lstStyle/>
+              <a:p>
+                <a:r>
+                  <a:rPr lang="en-US">
+                    <a:noFill/>
+                  </a:rPr>
+                  <a:t> </a:t>
+                </a:r>
+              </a:p>
+            </p:txBody>
+          </p:sp>
+        </mc:Fallback>
+      </mc:AlternateContent>
+      <p:sp>
+        <p:nvSpPr>
+          <p:cNvPr id="167" name="TextBox 166">
+            <a:extLst>
+              <a:ext uri="{FF2B5EF4-FFF2-40B4-BE49-F238E27FC236}">
+                <a16:creationId xmlns:a16="http://schemas.microsoft.com/office/drawing/2014/main" id="{84043BD2-9FF9-4017-AB12-882EF6A4C92C}"/>
+              </a:ext>
+            </a:extLst>
+          </p:cNvPr>
+          <p:cNvSpPr txBox="1"/>
+          <p:nvPr/>
+        </p:nvSpPr>
+        <p:spPr>
+          <a:xfrm>
+            <a:off x="5640080" y="2973721"/>
+            <a:ext cx="65" cy="276999"/>
+          </a:xfrm>
+          <a:prstGeom prst="rect">
+            <a:avLst/>
+          </a:prstGeom>
+          <a:noFill/>
+        </p:spPr>
+        <p:txBody>
+          <a:bodyPr wrap="none" lIns="0" tIns="0" rIns="0" bIns="0" rtlCol="0">
+            <a:spAutoFit/>
+          </a:bodyPr>
+          <a:lstStyle/>
+          <a:p>
+            <a:endParaRPr lang="en-US" dirty="0"/>
+          </a:p>
+        </p:txBody>
+      </p:sp>
+      <mc:AlternateContent xmlns:mc="http://schemas.openxmlformats.org/markup-compatibility/2006" xmlns:a14="http://schemas.microsoft.com/office/drawing/2010/main">
+        <mc:Choice Requires="a14">
+          <p:sp>
+            <p:nvSpPr>
+              <p:cNvPr id="168" name="TextBox 167">
+                <a:extLst>
+                  <a:ext uri="{FF2B5EF4-FFF2-40B4-BE49-F238E27FC236}">
+                    <a16:creationId xmlns:a16="http://schemas.microsoft.com/office/drawing/2014/main" id="{3345DE02-9304-4291-9B34-566199DE6175}"/>
+                  </a:ext>
+                </a:extLst>
+              </p:cNvPr>
+              <p:cNvSpPr txBox="1"/>
+              <p:nvPr/>
+            </p:nvSpPr>
+            <p:spPr>
+              <a:xfrm>
+                <a:off x="6943276" y="3250720"/>
+                <a:ext cx="2975430" cy="276999"/>
+              </a:xfrm>
+              <a:prstGeom prst="rect">
+                <a:avLst/>
+              </a:prstGeom>
+              <a:noFill/>
+            </p:spPr>
+            <p:txBody>
+              <a:bodyPr wrap="none" lIns="0" tIns="0" rIns="0" bIns="0" rtlCol="0" anchor="b">
+                <a:spAutoFit/>
+              </a:bodyPr>
+              <a:lstStyle/>
+              <a:p>
+                <a:pPr/>
+                <a14:m>
+                  <m:oMathPara xmlns:m="http://schemas.openxmlformats.org/officeDocument/2006/math">
+                    <m:oMathParaPr>
+                      <m:jc m:val="centerGroup"/>
+                    </m:oMathParaPr>
+                    <m:oMath xmlns:m="http://schemas.openxmlformats.org/officeDocument/2006/math">
+                      <m:acc>
+                        <m:accPr>
+                          <m:chr m:val="̇"/>
+                          <m:ctrlPr>
+                            <a:rPr lang="en-US" b="0" i="1" smtClean="0">
+                              <a:latin typeface="Cambria Math" panose="02040503050406030204" pitchFamily="18" charset="0"/>
+                            </a:rPr>
+                          </m:ctrlPr>
+                        </m:accPr>
+                        <m:e>
+                          <m:sSub>
+                            <m:sSubPr>
+                              <m:ctrlPr>
+                                <a:rPr lang="en-US" b="0" i="1" smtClean="0">
+                                  <a:solidFill>
+                                    <a:schemeClr val="accent1"/>
+                                  </a:solidFill>
+                                  <a:latin typeface="Cambria Math" panose="02040503050406030204" pitchFamily="18" charset="0"/>
+                                </a:rPr>
+                              </m:ctrlPr>
+                            </m:sSubPr>
+                            <m:e>
+                              <m:r>
+                                <a:rPr lang="en-US" b="0" i="1" smtClean="0">
+                                  <a:solidFill>
+                                    <a:schemeClr val="accent1"/>
+                                  </a:solidFill>
+                                  <a:latin typeface="Cambria Math" panose="02040503050406030204" pitchFamily="18" charset="0"/>
+                                </a:rPr>
+                                <m:t>𝑥</m:t>
+                              </m:r>
+                            </m:e>
+                            <m:sub>
+                              <m:r>
+                                <a:rPr lang="en-US" b="0" i="1" smtClean="0">
+                                  <a:solidFill>
+                                    <a:schemeClr val="accent1"/>
+                                  </a:solidFill>
+                                  <a:latin typeface="Cambria Math" panose="02040503050406030204" pitchFamily="18" charset="0"/>
+                                </a:rPr>
+                                <m:t>2</m:t>
+                              </m:r>
+                            </m:sub>
+                          </m:sSub>
+                        </m:e>
+                      </m:acc>
+                      <m:r>
+                        <a:rPr lang="en-US" b="0" i="1" smtClean="0">
+                          <a:latin typeface="Cambria Math" panose="02040503050406030204" pitchFamily="18" charset="0"/>
+                        </a:rPr>
+                        <m:t>=</m:t>
+                      </m:r>
+                      <m:sSub>
+                        <m:sSubPr>
+                          <m:ctrlPr>
+                            <a:rPr lang="en-US" b="0" i="1" smtClean="0">
+                              <a:solidFill>
+                                <a:schemeClr val="tx1"/>
+                              </a:solidFill>
+                              <a:latin typeface="Cambria Math" panose="02040503050406030204" pitchFamily="18" charset="0"/>
+                            </a:rPr>
+                          </m:ctrlPr>
+                        </m:sSubPr>
+                        <m:e>
+                          <m:r>
+                            <a:rPr lang="en-US" b="0" i="1" smtClean="0">
+                              <a:solidFill>
+                                <a:schemeClr val="tx1"/>
+                              </a:solidFill>
+                              <a:latin typeface="Cambria Math" panose="02040503050406030204" pitchFamily="18" charset="0"/>
+                            </a:rPr>
+                            <m:t>𝑥</m:t>
+                          </m:r>
+                        </m:e>
+                        <m:sub>
+                          <m:r>
+                            <a:rPr lang="en-US" b="0" i="1" smtClean="0">
+                              <a:solidFill>
+                                <a:schemeClr val="tx1"/>
+                              </a:solidFill>
+                              <a:latin typeface="Cambria Math" panose="02040503050406030204" pitchFamily="18" charset="0"/>
+                            </a:rPr>
+                            <m:t>2</m:t>
+                          </m:r>
+                        </m:sub>
+                      </m:sSub>
+                      <m:r>
+                        <a:rPr lang="en-US" b="0" i="1" smtClean="0">
+                          <a:solidFill>
+                            <a:schemeClr val="tx1"/>
+                          </a:solidFill>
+                          <a:latin typeface="Cambria Math" panose="02040503050406030204" pitchFamily="18" charset="0"/>
+                        </a:rPr>
+                        <m:t>(</m:t>
+                      </m:r>
+                      <m:d>
+                        <m:dPr>
+                          <m:ctrlPr>
+                            <a:rPr lang="en-US" b="0" i="1" smtClean="0">
+                              <a:solidFill>
+                                <a:schemeClr val="tx1"/>
+                              </a:solidFill>
+                              <a:latin typeface="Cambria Math" panose="02040503050406030204" pitchFamily="18" charset="0"/>
+                            </a:rPr>
+                          </m:ctrlPr>
+                        </m:dPr>
+                        <m:e>
+                          <m:r>
+                            <a:rPr lang="en-US" b="0" i="1" smtClean="0">
+                              <a:solidFill>
+                                <a:schemeClr val="tx1"/>
+                              </a:solidFill>
+                              <a:latin typeface="Cambria Math" panose="02040503050406030204" pitchFamily="18" charset="0"/>
+                            </a:rPr>
+                            <m:t>1−</m:t>
+                          </m:r>
+                          <m:sSub>
+                            <m:sSubPr>
+                              <m:ctrlPr>
+                                <a:rPr lang="en-US" b="0" i="1" smtClean="0">
+                                  <a:solidFill>
+                                    <a:schemeClr val="tx1"/>
+                                  </a:solidFill>
+                                  <a:latin typeface="Cambria Math" panose="02040503050406030204" pitchFamily="18" charset="0"/>
+                                </a:rPr>
+                              </m:ctrlPr>
+                            </m:sSubPr>
+                            <m:e>
+                              <m:r>
+                                <a:rPr lang="en-US" b="0" i="1" smtClean="0">
+                                  <a:solidFill>
+                                    <a:schemeClr val="tx1"/>
+                                  </a:solidFill>
+                                  <a:latin typeface="Cambria Math" panose="02040503050406030204" pitchFamily="18" charset="0"/>
+                                </a:rPr>
+                                <m:t>𝑞</m:t>
+                              </m:r>
+                            </m:e>
+                            <m:sub>
+                              <m:r>
+                                <a:rPr lang="en-US" b="0" i="1" smtClean="0">
+                                  <a:solidFill>
+                                    <a:schemeClr val="tx1"/>
+                                  </a:solidFill>
+                                  <a:latin typeface="Cambria Math" panose="02040503050406030204" pitchFamily="18" charset="0"/>
+                                </a:rPr>
+                                <m:t>2</m:t>
+                              </m:r>
+                            </m:sub>
+                          </m:sSub>
+                        </m:e>
+                      </m:d>
+                      <m:r>
+                        <a:rPr lang="en-US" b="0" i="1" smtClean="0">
+                          <a:solidFill>
+                            <a:schemeClr val="tx1"/>
+                          </a:solidFill>
+                          <a:latin typeface="Cambria Math" panose="02040503050406030204" pitchFamily="18" charset="0"/>
+                        </a:rPr>
+                        <m:t>𝑓</m:t>
+                      </m:r>
+                      <m:d>
+                        <m:dPr>
+                          <m:ctrlPr>
+                            <a:rPr lang="en-US" b="0" i="1" smtClean="0">
+                              <a:solidFill>
+                                <a:schemeClr val="tx1"/>
+                              </a:solidFill>
+                              <a:latin typeface="Cambria Math" panose="02040503050406030204" pitchFamily="18" charset="0"/>
+                            </a:rPr>
+                          </m:ctrlPr>
+                        </m:dPr>
+                        <m:e>
+                          <m:r>
+                            <a:rPr lang="en-US" b="0" i="1" smtClean="0">
+                              <a:solidFill>
+                                <a:schemeClr val="tx1"/>
+                              </a:solidFill>
+                              <a:latin typeface="Cambria Math" panose="02040503050406030204" pitchFamily="18" charset="0"/>
+                            </a:rPr>
+                            <m:t>𝑠</m:t>
+                          </m:r>
+                          <m:r>
+                            <a:rPr lang="en-US" b="0" i="1" smtClean="0">
+                              <a:solidFill>
+                                <a:schemeClr val="tx1"/>
+                              </a:solidFill>
+                              <a:latin typeface="Cambria Math" panose="02040503050406030204" pitchFamily="18" charset="0"/>
+                            </a:rPr>
+                            <m:t>,</m:t>
+                          </m:r>
+                          <m:r>
+                            <a:rPr lang="en-US" b="0" i="1" smtClean="0">
+                              <a:solidFill>
+                                <a:schemeClr val="tx1"/>
+                              </a:solidFill>
+                              <a:latin typeface="Cambria Math" panose="02040503050406030204" pitchFamily="18" charset="0"/>
+                            </a:rPr>
+                            <m:t>𝑒</m:t>
+                          </m:r>
+                        </m:e>
+                      </m:d>
+                      <m:r>
+                        <a:rPr lang="en-US" b="0" i="1" smtClean="0">
+                          <a:solidFill>
+                            <a:schemeClr val="tx1"/>
+                          </a:solidFill>
+                          <a:latin typeface="Cambria Math" panose="02040503050406030204" pitchFamily="18" charset="0"/>
+                        </a:rPr>
+                        <m:t>−</m:t>
+                      </m:r>
+                      <m:r>
+                        <a:rPr lang="en-US" b="0" i="1" smtClean="0">
+                          <a:solidFill>
+                            <a:schemeClr val="tx1"/>
+                          </a:solidFill>
+                          <a:latin typeface="Cambria Math" panose="02040503050406030204" pitchFamily="18" charset="0"/>
+                        </a:rPr>
+                        <m:t>𝑑</m:t>
+                      </m:r>
+                      <m:r>
+                        <a:rPr lang="en-US" b="0" i="1" smtClean="0">
+                          <a:latin typeface="Cambria Math" panose="02040503050406030204" pitchFamily="18" charset="0"/>
+                        </a:rPr>
+                        <m:t>)</m:t>
+                      </m:r>
+                    </m:oMath>
+                  </m:oMathPara>
+                </a14:m>
+                <a:endParaRPr lang="en-US" dirty="0"/>
+              </a:p>
+            </p:txBody>
+          </p:sp>
+        </mc:Choice>
+        <mc:Fallback xmlns="">
+          <p:sp>
+            <p:nvSpPr>
+              <p:cNvPr id="168" name="TextBox 167">
+                <a:extLst>
+                  <a:ext uri="{FF2B5EF4-FFF2-40B4-BE49-F238E27FC236}">
+                    <a16:creationId xmlns:a16="http://schemas.microsoft.com/office/drawing/2014/main" id="{3345DE02-9304-4291-9B34-566199DE6175}"/>
+                  </a:ext>
+                </a:extLst>
+              </p:cNvPr>
+              <p:cNvSpPr txBox="1">
+                <a:spLocks noRot="1" noChangeAspect="1" noMove="1" noResize="1" noEditPoints="1" noAdjustHandles="1" noChangeArrowheads="1" noChangeShapeType="1" noTextEdit="1"/>
+              </p:cNvSpPr>
+              <p:nvPr/>
+            </p:nvSpPr>
+            <p:spPr>
+              <a:xfrm>
+                <a:off x="6943276" y="3250720"/>
+                <a:ext cx="2975430" cy="276999"/>
+              </a:xfrm>
+              <a:prstGeom prst="rect">
+                <a:avLst/>
+              </a:prstGeom>
+              <a:blipFill>
+                <a:blip r:embed="rId6"/>
+                <a:stretch>
+                  <a:fillRect t="-2174" r="-820" b="-34783"/>
+                </a:stretch>
+              </a:blipFill>
+            </p:spPr>
+            <p:txBody>
+              <a:bodyPr/>
+              <a:lstStyle/>
+              <a:p>
+                <a:r>
+                  <a:rPr lang="en-US">
+                    <a:noFill/>
+                  </a:rPr>
+                  <a:t> </a:t>
+                </a:r>
+              </a:p>
+            </p:txBody>
+          </p:sp>
+        </mc:Fallback>
+      </mc:AlternateContent>
+      <mc:AlternateContent xmlns:mc="http://schemas.openxmlformats.org/markup-compatibility/2006" xmlns:a14="http://schemas.microsoft.com/office/drawing/2010/main">
+        <mc:Choice Requires="a14">
+          <p:sp>
+            <p:nvSpPr>
+              <p:cNvPr id="169" name="TextBox 168">
+                <a:extLst>
+                  <a:ext uri="{FF2B5EF4-FFF2-40B4-BE49-F238E27FC236}">
+                    <a16:creationId xmlns:a16="http://schemas.microsoft.com/office/drawing/2014/main" id="{FB9E8E5B-C9D5-48FD-BD1A-A32B8A52A025}"/>
+                  </a:ext>
+                </a:extLst>
+              </p:cNvPr>
+              <p:cNvSpPr txBox="1"/>
+              <p:nvPr/>
+            </p:nvSpPr>
+            <p:spPr>
+              <a:xfrm>
+                <a:off x="6969416" y="3621929"/>
+                <a:ext cx="2726708" cy="276999"/>
+              </a:xfrm>
+              <a:prstGeom prst="rect">
+                <a:avLst/>
+              </a:prstGeom>
+              <a:noFill/>
+            </p:spPr>
+            <p:txBody>
+              <a:bodyPr wrap="none" lIns="0" tIns="0" rIns="0" bIns="0" rtlCol="0" anchor="b">
+                <a:spAutoFit/>
+              </a:bodyPr>
+              <a:lstStyle/>
+              <a:p>
+                <a:pPr/>
+                <a14:m>
+                  <m:oMathPara xmlns:m="http://schemas.openxmlformats.org/officeDocument/2006/math">
+                    <m:oMathParaPr>
+                      <m:jc m:val="centerGroup"/>
+                    </m:oMathParaPr>
+                    <m:oMath xmlns:m="http://schemas.openxmlformats.org/officeDocument/2006/math">
+                      <m:acc>
+                        <m:accPr>
+                          <m:chr m:val="̇"/>
+                          <m:ctrlPr>
+                            <a:rPr lang="en-US" b="0" i="1" smtClean="0">
+                              <a:latin typeface="Cambria Math" panose="02040503050406030204" pitchFamily="18" charset="0"/>
+                            </a:rPr>
+                          </m:ctrlPr>
+                        </m:accPr>
+                        <m:e>
+                          <m:sSub>
+                            <m:sSubPr>
+                              <m:ctrlPr>
+                                <a:rPr lang="en-US" b="0" i="1" smtClean="0">
+                                  <a:solidFill>
+                                    <a:srgbClr val="FF00FF"/>
+                                  </a:solidFill>
+                                  <a:latin typeface="Cambria Math" panose="02040503050406030204" pitchFamily="18" charset="0"/>
+                                </a:rPr>
+                              </m:ctrlPr>
+                            </m:sSubPr>
+                            <m:e>
+                              <m:r>
+                                <a:rPr lang="en-US" b="0" i="1" smtClean="0">
+                                  <a:solidFill>
+                                    <a:srgbClr val="FF00FF"/>
+                                  </a:solidFill>
+                                  <a:latin typeface="Cambria Math" panose="02040503050406030204" pitchFamily="18" charset="0"/>
+                                </a:rPr>
+                                <m:t>𝑥</m:t>
+                              </m:r>
+                            </m:e>
+                            <m:sub>
+                              <m:r>
+                                <a:rPr lang="en-US" b="0" i="1" smtClean="0">
+                                  <a:solidFill>
+                                    <a:srgbClr val="FF00FF"/>
+                                  </a:solidFill>
+                                  <a:latin typeface="Cambria Math" panose="02040503050406030204" pitchFamily="18" charset="0"/>
+                                </a:rPr>
+                                <m:t>3</m:t>
+                              </m:r>
+                            </m:sub>
+                          </m:sSub>
+                        </m:e>
+                      </m:acc>
+                      <m:r>
+                        <a:rPr lang="en-US" b="0" i="1" smtClean="0">
+                          <a:latin typeface="Cambria Math" panose="02040503050406030204" pitchFamily="18" charset="0"/>
+                        </a:rPr>
+                        <m:t>=</m:t>
+                      </m:r>
+                      <m:sSub>
+                        <m:sSubPr>
+                          <m:ctrlPr>
+                            <a:rPr lang="en-US" b="0" i="1" smtClean="0">
+                              <a:solidFill>
+                                <a:schemeClr val="tx1"/>
+                              </a:solidFill>
+                              <a:latin typeface="Cambria Math" panose="02040503050406030204" pitchFamily="18" charset="0"/>
+                            </a:rPr>
+                          </m:ctrlPr>
+                        </m:sSubPr>
+                        <m:e>
+                          <m:r>
+                            <a:rPr lang="en-US" b="0" i="1" smtClean="0">
+                              <a:solidFill>
+                                <a:schemeClr val="tx1"/>
+                              </a:solidFill>
+                              <a:latin typeface="Cambria Math" panose="02040503050406030204" pitchFamily="18" charset="0"/>
+                            </a:rPr>
+                            <m:t>𝑥</m:t>
+                          </m:r>
+                        </m:e>
+                        <m:sub>
+                          <m:r>
+                            <a:rPr lang="en-US" b="0" i="1" smtClean="0">
+                              <a:solidFill>
+                                <a:schemeClr val="tx1"/>
+                              </a:solidFill>
+                              <a:latin typeface="Cambria Math" panose="02040503050406030204" pitchFamily="18" charset="0"/>
+                            </a:rPr>
+                            <m:t>3</m:t>
+                          </m:r>
+                        </m:sub>
+                      </m:sSub>
+                      <m:r>
+                        <a:rPr lang="en-US" b="0" i="1" smtClean="0">
+                          <a:solidFill>
+                            <a:schemeClr val="tx1"/>
+                          </a:solidFill>
+                          <a:latin typeface="Cambria Math" panose="02040503050406030204" pitchFamily="18" charset="0"/>
+                        </a:rPr>
+                        <m:t>(</m:t>
+                      </m:r>
+                      <m:r>
+                        <a:rPr lang="en-US" b="0" i="1" smtClean="0">
+                          <a:solidFill>
+                            <a:schemeClr val="tx1"/>
+                          </a:solidFill>
+                          <a:latin typeface="Cambria Math" panose="02040503050406030204" pitchFamily="18" charset="0"/>
+                        </a:rPr>
+                        <m:t>𝑓</m:t>
+                      </m:r>
+                      <m:d>
+                        <m:dPr>
+                          <m:ctrlPr>
+                            <a:rPr lang="en-US" b="0" i="1" smtClean="0">
+                              <a:solidFill>
+                                <a:schemeClr val="tx1"/>
+                              </a:solidFill>
+                              <a:latin typeface="Cambria Math" panose="02040503050406030204" pitchFamily="18" charset="0"/>
+                            </a:rPr>
+                          </m:ctrlPr>
+                        </m:dPr>
+                        <m:e>
+                          <m:r>
+                            <a:rPr lang="en-US" b="0" i="1" smtClean="0">
+                              <a:solidFill>
+                                <a:schemeClr val="tx1"/>
+                              </a:solidFill>
+                              <a:latin typeface="Cambria Math" panose="02040503050406030204" pitchFamily="18" charset="0"/>
+                            </a:rPr>
+                            <m:t>𝑠</m:t>
+                          </m:r>
+                          <m:r>
+                            <a:rPr lang="en-US" b="0" i="1" smtClean="0">
+                              <a:solidFill>
+                                <a:schemeClr val="tx1"/>
+                              </a:solidFill>
+                              <a:latin typeface="Cambria Math" panose="02040503050406030204" pitchFamily="18" charset="0"/>
+                            </a:rPr>
+                            <m:t>,</m:t>
+                          </m:r>
+                          <m:r>
+                            <a:rPr lang="en-US" b="0" i="1" smtClean="0">
+                              <a:solidFill>
+                                <a:schemeClr val="tx1"/>
+                              </a:solidFill>
+                              <a:latin typeface="Cambria Math" panose="02040503050406030204" pitchFamily="18" charset="0"/>
+                            </a:rPr>
+                            <m:t>𝑒</m:t>
+                          </m:r>
+                        </m:e>
+                      </m:d>
+                      <m:r>
+                        <a:rPr lang="en-US" b="0" i="1" smtClean="0">
+                          <a:solidFill>
+                            <a:schemeClr val="tx1"/>
+                          </a:solidFill>
+                          <a:latin typeface="Cambria Math" panose="02040503050406030204" pitchFamily="18" charset="0"/>
+                        </a:rPr>
+                        <m:t>−</m:t>
+                      </m:r>
+                      <m:r>
+                        <a:rPr lang="en-US" b="0" i="1" smtClean="0">
+                          <a:solidFill>
+                            <a:schemeClr val="tx1"/>
+                          </a:solidFill>
+                          <a:latin typeface="Cambria Math" panose="02040503050406030204" pitchFamily="18" charset="0"/>
+                        </a:rPr>
+                        <m:t>𝑑</m:t>
+                      </m:r>
+                      <m:r>
+                        <a:rPr lang="en-US" b="0" i="1" smtClean="0">
+                          <a:solidFill>
+                            <a:schemeClr val="tx1"/>
+                          </a:solidFill>
+                          <a:latin typeface="Cambria Math" panose="02040503050406030204" pitchFamily="18" charset="0"/>
+                        </a:rPr>
+                        <m:t>−</m:t>
+                      </m:r>
+                      <m:sSub>
+                        <m:sSubPr>
+                          <m:ctrlPr>
+                            <a:rPr lang="en-US" b="0" i="1" smtClean="0">
+                              <a:solidFill>
+                                <a:schemeClr val="tx1"/>
+                              </a:solidFill>
+                              <a:latin typeface="Cambria Math" panose="02040503050406030204" pitchFamily="18" charset="0"/>
+                            </a:rPr>
+                          </m:ctrlPr>
+                        </m:sSubPr>
+                        <m:e>
+                          <m:r>
+                            <a:rPr lang="en-US" b="0" i="1" smtClean="0">
+                              <a:solidFill>
+                                <a:schemeClr val="tx1"/>
+                              </a:solidFill>
+                              <a:latin typeface="Cambria Math" panose="02040503050406030204" pitchFamily="18" charset="0"/>
+                            </a:rPr>
+                            <m:t>𝑘</m:t>
+                          </m:r>
+                        </m:e>
+                        <m:sub>
+                          <m:r>
+                            <a:rPr lang="en-US" b="0" i="1" smtClean="0">
+                              <a:solidFill>
+                                <a:schemeClr val="tx1"/>
+                              </a:solidFill>
+                              <a:latin typeface="Cambria Math" panose="02040503050406030204" pitchFamily="18" charset="0"/>
+                            </a:rPr>
+                            <m:t>2</m:t>
+                          </m:r>
+                        </m:sub>
+                      </m:sSub>
+                      <m:r>
+                        <a:rPr lang="en-US" b="0" i="1" smtClean="0">
+                          <a:solidFill>
+                            <a:schemeClr val="tx1"/>
+                          </a:solidFill>
+                          <a:latin typeface="Cambria Math" panose="02040503050406030204" pitchFamily="18" charset="0"/>
+                        </a:rPr>
+                        <m:t>𝑡</m:t>
+                      </m:r>
+                      <m:r>
+                        <a:rPr lang="en-US" b="0" i="1" smtClean="0">
+                          <a:latin typeface="Cambria Math" panose="02040503050406030204" pitchFamily="18" charset="0"/>
+                        </a:rPr>
+                        <m:t>)</m:t>
+                      </m:r>
+                    </m:oMath>
+                  </m:oMathPara>
+                </a14:m>
+                <a:endParaRPr lang="en-US" dirty="0"/>
+              </a:p>
+            </p:txBody>
+          </p:sp>
+        </mc:Choice>
+        <mc:Fallback xmlns="">
+          <p:sp>
+            <p:nvSpPr>
+              <p:cNvPr id="169" name="TextBox 168">
+                <a:extLst>
+                  <a:ext uri="{FF2B5EF4-FFF2-40B4-BE49-F238E27FC236}">
+                    <a16:creationId xmlns:a16="http://schemas.microsoft.com/office/drawing/2014/main" id="{FB9E8E5B-C9D5-48FD-BD1A-A32B8A52A025}"/>
+                  </a:ext>
+                </a:extLst>
+              </p:cNvPr>
+              <p:cNvSpPr txBox="1">
+                <a:spLocks noRot="1" noChangeAspect="1" noMove="1" noResize="1" noEditPoints="1" noAdjustHandles="1" noChangeArrowheads="1" noChangeShapeType="1" noTextEdit="1"/>
+              </p:cNvSpPr>
+              <p:nvPr/>
+            </p:nvSpPr>
+            <p:spPr>
+              <a:xfrm>
+                <a:off x="6969416" y="3621929"/>
+                <a:ext cx="2726708" cy="276999"/>
+              </a:xfrm>
+              <a:prstGeom prst="rect">
+                <a:avLst/>
+              </a:prstGeom>
+              <a:blipFill>
+                <a:blip r:embed="rId7"/>
+                <a:stretch>
+                  <a:fillRect t="-2174" r="-1563" b="-34783"/>
+                </a:stretch>
+              </a:blipFill>
+            </p:spPr>
+            <p:txBody>
+              <a:bodyPr/>
+              <a:lstStyle/>
+              <a:p>
+                <a:r>
+                  <a:rPr lang="en-US">
+                    <a:noFill/>
+                  </a:rPr>
+                  <a:t> </a:t>
+                </a:r>
+              </a:p>
+            </p:txBody>
+          </p:sp>
+        </mc:Fallback>
+      </mc:AlternateContent>
+      <p:sp>
+        <p:nvSpPr>
+          <p:cNvPr id="171" name="Title 1">
+            <a:extLst>
+              <a:ext uri="{FF2B5EF4-FFF2-40B4-BE49-F238E27FC236}">
+                <a16:creationId xmlns:a16="http://schemas.microsoft.com/office/drawing/2014/main" id="{C015EF68-DCDB-4E24-A6C7-956D70D1E266}"/>
+              </a:ext>
+            </a:extLst>
+          </p:cNvPr>
+          <p:cNvSpPr>
+            <a:spLocks noGrp="1"/>
+          </p:cNvSpPr>
+          <p:nvPr>
+            <p:ph type="title"/>
+          </p:nvPr>
+        </p:nvSpPr>
+        <p:spPr>
+          <a:xfrm>
+            <a:off x="1191503" y="156825"/>
+            <a:ext cx="10515600" cy="1325563"/>
+          </a:xfrm>
+        </p:spPr>
+        <p:txBody>
+          <a:bodyPr/>
+          <a:lstStyle/>
+          <a:p>
+            <a:r>
+              <a:rPr lang="en-US" b="1" dirty="0"/>
+              <a:t>Policing to avoid a tragedy of the commons</a:t>
+            </a:r>
+          </a:p>
+        </p:txBody>
+      </p:sp>
+      <p:sp>
+        <p:nvSpPr>
+          <p:cNvPr id="93" name="Content Placeholder 2">
+            <a:extLst>
+              <a:ext uri="{FF2B5EF4-FFF2-40B4-BE49-F238E27FC236}">
+                <a16:creationId xmlns:a16="http://schemas.microsoft.com/office/drawing/2014/main" id="{4772C51A-22CE-4C8E-87B7-9747CE612620}"/>
+              </a:ext>
+            </a:extLst>
+          </p:cNvPr>
+          <p:cNvSpPr>
+            <a:spLocks noGrp="1"/>
+          </p:cNvSpPr>
+          <p:nvPr>
+            <p:ph idx="1"/>
+          </p:nvPr>
+        </p:nvSpPr>
+        <p:spPr>
+          <a:xfrm>
+            <a:off x="7081235" y="4448732"/>
+            <a:ext cx="4182425" cy="1862755"/>
+          </a:xfrm>
+          <a:ln>
+            <a:solidFill>
+              <a:schemeClr val="tx1"/>
+            </a:solidFill>
+          </a:ln>
+        </p:spPr>
+        <p:txBody>
+          <a:bodyPr>
+            <a:normAutofit fontScale="62500" lnSpcReduction="20000"/>
+          </a:bodyPr>
+          <a:lstStyle/>
+          <a:p>
+            <a:pPr marL="0" indent="0">
+              <a:buNone/>
+            </a:pPr>
+            <a:r>
+              <a:rPr lang="en-US" b="1" dirty="0"/>
+              <a:t>Reproducibility:</a:t>
+            </a:r>
+          </a:p>
+          <a:p>
+            <a:r>
+              <a:rPr lang="en-US" dirty="0"/>
+              <a:t>Readme file: </a:t>
+            </a:r>
+          </a:p>
+          <a:p>
+            <a:pPr marL="457200" lvl="1" indent="0">
+              <a:buNone/>
+            </a:pPr>
+            <a:r>
+              <a:rPr lang="en-US" dirty="0"/>
+              <a:t>Explains the function of each piece of code, as well as describes all other non-figure files</a:t>
+            </a:r>
+          </a:p>
+          <a:p>
+            <a:r>
+              <a:rPr lang="en-US" dirty="0"/>
+              <a:t>Text files with each figure: </a:t>
+            </a:r>
+          </a:p>
+          <a:p>
+            <a:pPr marL="457200" lvl="1" indent="0">
+              <a:buNone/>
+            </a:pPr>
+            <a:r>
+              <a:rPr lang="en-US" dirty="0"/>
+              <a:t>Records the initial condition and parameter values associated with each figure</a:t>
+            </a:r>
+          </a:p>
+        </p:txBody>
+      </p:sp>
+      <p:sp>
+        <p:nvSpPr>
+          <p:cNvPr id="92" name="TextBox 91">
+            <a:extLst>
+              <a:ext uri="{FF2B5EF4-FFF2-40B4-BE49-F238E27FC236}">
+                <a16:creationId xmlns:a16="http://schemas.microsoft.com/office/drawing/2014/main" id="{6136C19F-7E7A-438B-8E5B-AE036AAA4880}"/>
+              </a:ext>
+            </a:extLst>
+          </p:cNvPr>
+          <p:cNvSpPr txBox="1"/>
+          <p:nvPr/>
+        </p:nvSpPr>
+        <p:spPr>
+          <a:xfrm>
+            <a:off x="3960120" y="5743614"/>
+            <a:ext cx="1896363" cy="369332"/>
+          </a:xfrm>
+          <a:prstGeom prst="rect">
+            <a:avLst/>
+          </a:prstGeom>
+          <a:noFill/>
+        </p:spPr>
+        <p:txBody>
+          <a:bodyPr wrap="square" rtlCol="0">
+            <a:spAutoFit/>
+          </a:bodyPr>
+          <a:lstStyle/>
+          <a:p>
+            <a:r>
+              <a:rPr lang="en-US" sz="1400" b="1" dirty="0">
+                <a:solidFill>
+                  <a:srgbClr val="00B050"/>
+                </a:solidFill>
+                <a:sym typeface="Wingdings" panose="05000000000000000000" pitchFamily="2" charset="2"/>
+              </a:rPr>
+              <a:t>     </a:t>
+            </a:r>
+            <a:r>
+              <a:rPr lang="en-US" dirty="0">
+                <a:sym typeface="Wingdings" panose="05000000000000000000" pitchFamily="2" charset="2"/>
+              </a:rPr>
+              <a:t>enzyme</a:t>
+            </a:r>
+            <a:endParaRPr lang="en-US" b="1" dirty="0">
+              <a:solidFill>
+                <a:srgbClr val="00B050"/>
+              </a:solidFill>
+            </a:endParaRPr>
+          </a:p>
+        </p:txBody>
+      </p:sp>
+      <p:sp>
+        <p:nvSpPr>
+          <p:cNvPr id="94" name="TextBox 93">
+            <a:extLst>
+              <a:ext uri="{FF2B5EF4-FFF2-40B4-BE49-F238E27FC236}">
+                <a16:creationId xmlns:a16="http://schemas.microsoft.com/office/drawing/2014/main" id="{4076F8AE-B03D-4B63-99FB-9843007DB534}"/>
+              </a:ext>
+            </a:extLst>
+          </p:cNvPr>
+          <p:cNvSpPr txBox="1"/>
+          <p:nvPr/>
+        </p:nvSpPr>
+        <p:spPr>
+          <a:xfrm>
+            <a:off x="3960120" y="5346772"/>
+            <a:ext cx="1896363" cy="369332"/>
+          </a:xfrm>
+          <a:prstGeom prst="rect">
+            <a:avLst/>
+          </a:prstGeom>
+          <a:noFill/>
+        </p:spPr>
+        <p:txBody>
+          <a:bodyPr wrap="square" rtlCol="0">
+            <a:spAutoFit/>
+          </a:bodyPr>
+          <a:lstStyle/>
+          <a:p>
+            <a:r>
+              <a:rPr lang="en-US" sz="1400" b="1" dirty="0">
+                <a:solidFill>
+                  <a:srgbClr val="00B050"/>
+                </a:solidFill>
+                <a:sym typeface="Wingdings" panose="05000000000000000000" pitchFamily="2" charset="2"/>
+              </a:rPr>
+              <a:t>        </a:t>
+            </a:r>
+            <a:r>
+              <a:rPr lang="en-US" dirty="0">
+                <a:sym typeface="Wingdings" panose="05000000000000000000" pitchFamily="2" charset="2"/>
+              </a:rPr>
+              <a:t>substrate</a:t>
+            </a:r>
+            <a:endParaRPr lang="en-US" dirty="0"/>
+          </a:p>
+        </p:txBody>
+      </p:sp>
+      <p:sp>
+        <p:nvSpPr>
+          <p:cNvPr id="96" name="Oval 95">
+            <a:extLst>
+              <a:ext uri="{FF2B5EF4-FFF2-40B4-BE49-F238E27FC236}">
+                <a16:creationId xmlns:a16="http://schemas.microsoft.com/office/drawing/2014/main" id="{B49A3479-C3D7-48D6-8AC3-43F3AF83D1CC}"/>
+              </a:ext>
+            </a:extLst>
+          </p:cNvPr>
+          <p:cNvSpPr/>
+          <p:nvPr/>
+        </p:nvSpPr>
+        <p:spPr>
+          <a:xfrm rot="9669957">
+            <a:off x="4078790" y="5473380"/>
+            <a:ext cx="108066" cy="107220"/>
+          </a:xfrm>
+          <a:prstGeom prst="ellipse">
+            <a:avLst/>
+          </a:prstGeom>
+          <a:solidFill>
+            <a:srgbClr val="7030A0"/>
+          </a:solidFill>
+          <a:ln>
+            <a:solidFill>
+              <a:srgbClr val="7030A0"/>
+            </a:solidFill>
+          </a:ln>
+        </p:spPr>
+        <p:style>
+          <a:lnRef idx="2">
+            <a:schemeClr val="accent1">
+              <a:shade val="50000"/>
+            </a:schemeClr>
+          </a:lnRef>
+          <a:fillRef idx="1">
+            <a:schemeClr val="accent1"/>
+          </a:fillRef>
+          <a:effectRef idx="0">
+            <a:schemeClr val="accent1"/>
+          </a:effectRef>
+          <a:fontRef idx="minor">
+            <a:schemeClr val="lt1"/>
+          </a:fontRef>
+        </p:style>
+        <p:txBody>
+          <a:bodyPr rtlCol="0" anchor="ctr"/>
+          <a:lstStyle/>
+          <a:p>
+            <a:pPr algn="ctr"/>
+            <a:endParaRPr lang="en-US"/>
+          </a:p>
+        </p:txBody>
+      </p:sp>
+      <p:sp>
+        <p:nvSpPr>
+          <p:cNvPr id="97" name="TextBox 96">
+            <a:extLst>
+              <a:ext uri="{FF2B5EF4-FFF2-40B4-BE49-F238E27FC236}">
+                <a16:creationId xmlns:a16="http://schemas.microsoft.com/office/drawing/2014/main" id="{593E52F8-5CAB-41D4-8598-E679EF322F0D}"/>
+              </a:ext>
+            </a:extLst>
+          </p:cNvPr>
+          <p:cNvSpPr txBox="1"/>
+          <p:nvPr/>
+        </p:nvSpPr>
+        <p:spPr>
+          <a:xfrm>
+            <a:off x="3934604" y="6109605"/>
+            <a:ext cx="1896363" cy="369332"/>
+          </a:xfrm>
+          <a:prstGeom prst="rect">
+            <a:avLst/>
+          </a:prstGeom>
+          <a:noFill/>
+        </p:spPr>
+        <p:txBody>
+          <a:bodyPr wrap="square" rtlCol="0">
+            <a:spAutoFit/>
+          </a:bodyPr>
+          <a:lstStyle/>
+          <a:p>
+            <a:r>
+              <a:rPr lang="en-US" sz="1400" b="1" dirty="0">
+                <a:solidFill>
+                  <a:schemeClr val="accent2"/>
+                </a:solidFill>
+                <a:sym typeface="Wingdings 3" panose="05040102010807070707" pitchFamily="18" charset="2"/>
+              </a:rPr>
+              <a:t></a:t>
+            </a:r>
+            <a:r>
+              <a:rPr lang="en-US" sz="1400" b="1" dirty="0">
+                <a:solidFill>
+                  <a:srgbClr val="00B050"/>
+                </a:solidFill>
+                <a:sym typeface="Wingdings" panose="05000000000000000000" pitchFamily="2" charset="2"/>
+              </a:rPr>
+              <a:t>     </a:t>
+            </a:r>
+            <a:r>
+              <a:rPr lang="en-US" dirty="0">
+                <a:sym typeface="Wingdings" panose="05000000000000000000" pitchFamily="2" charset="2"/>
+              </a:rPr>
+              <a:t>toxin</a:t>
+            </a:r>
+            <a:endParaRPr lang="en-US" b="1" dirty="0">
+              <a:solidFill>
+                <a:srgbClr val="00B050"/>
+              </a:solidFill>
+            </a:endParaRPr>
+          </a:p>
+        </p:txBody>
+      </p:sp>
+    </p:spTree>
+    <p:extLst>
+      <p:ext uri="{BB962C8B-B14F-4D97-AF65-F5344CB8AC3E}">
+        <p14:creationId xmlns:p14="http://schemas.microsoft.com/office/powerpoint/2010/main" val="3240919078"/>
+      </p:ext>
+    </p:extLst>
+  </p:cSld>
+  <p:clrMapOvr>
+    <a:masterClrMapping/>
+  </p:clrMapOvr>
+</p:sld>
+</file>
+
+<file path=ppt/slides/slide3.xml><?xml version="1.0" encoding="utf-8"?>
 <p:sld xmlns:a="http://schemas.openxmlformats.org/drawingml/2006/main" xmlns:r="http://schemas.openxmlformats.org/officeDocument/2006/relationships" xmlns:p="http://schemas.openxmlformats.org/presentationml/2006/main">
   <p:cSld>
     <p:spTree>
@@ -9272,7 +15395,7 @@
     </p:spTree>
     <p:extLst>
       <p:ext uri="{BB962C8B-B14F-4D97-AF65-F5344CB8AC3E}">
-        <p14:creationId xmlns:p14="http://schemas.microsoft.com/office/powerpoint/2010/main" val="3240919078"/>
+        <p14:creationId xmlns:p14="http://schemas.microsoft.com/office/powerpoint/2010/main" val="2002057974"/>
       </p:ext>
     </p:extLst>
   </p:cSld>
@@ -9282,7 +15405,7 @@
 </p:sld>
 </file>
 
-<file path=ppt/slides/slide3.xml><?xml version="1.0" encoding="utf-8"?>
+<file path=ppt/slides/slide4.xml><?xml version="1.0" encoding="utf-8"?>
 <p:sld xmlns:a="http://schemas.openxmlformats.org/drawingml/2006/main" xmlns:r="http://schemas.openxmlformats.org/officeDocument/2006/relationships" xmlns:p="http://schemas.openxmlformats.org/presentationml/2006/main">
   <p:cSld>
     <p:spTree>
@@ -9332,8 +15455,8 @@
           </a:p>
         </p:txBody>
       </p:sp>
-      <mc:AlternateContent xmlns:mc="http://schemas.openxmlformats.org/markup-compatibility/2006">
-        <mc:Choice xmlns:a14="http://schemas.microsoft.com/office/drawing/2010/main" Requires="a14">
+      <mc:AlternateContent xmlns:mc="http://schemas.openxmlformats.org/markup-compatibility/2006" xmlns:a14="http://schemas.microsoft.com/office/drawing/2010/main">
+        <mc:Choice Requires="a14">
           <p:sp>
             <p:nvSpPr>
               <p:cNvPr id="10" name="TextBox 9">
@@ -9598,7 +15721,7 @@
             </p:txBody>
           </p:sp>
         </mc:Choice>
-        <mc:Fallback>
+        <mc:Fallback xmlns="">
           <p:sp>
             <p:nvSpPr>
               <p:cNvPr id="10" name="TextBox 9">
@@ -9643,8 +15766,8 @@
           </p:sp>
         </mc:Fallback>
       </mc:AlternateContent>
-      <mc:AlternateContent xmlns:mc="http://schemas.openxmlformats.org/markup-compatibility/2006">
-        <mc:Choice xmlns:a14="http://schemas.microsoft.com/office/drawing/2010/main" Requires="a14">
+      <mc:AlternateContent xmlns:mc="http://schemas.openxmlformats.org/markup-compatibility/2006" xmlns:a14="http://schemas.microsoft.com/office/drawing/2010/main">
+        <mc:Choice Requires="a14">
           <p:sp>
             <p:nvSpPr>
               <p:cNvPr id="11" name="TextBox 10">
@@ -9744,7 +15867,7 @@
             </p:txBody>
           </p:sp>
         </mc:Choice>
-        <mc:Fallback>
+        <mc:Fallback xmlns="">
           <p:sp>
             <p:nvSpPr>
               <p:cNvPr id="11" name="TextBox 10">
@@ -9789,8 +15912,8 @@
           </p:sp>
         </mc:Fallback>
       </mc:AlternateContent>
-      <mc:AlternateContent xmlns:mc="http://schemas.openxmlformats.org/markup-compatibility/2006">
-        <mc:Choice xmlns:a14="http://schemas.microsoft.com/office/drawing/2010/main" Requires="a14">
+      <mc:AlternateContent xmlns:mc="http://schemas.openxmlformats.org/markup-compatibility/2006" xmlns:a14="http://schemas.microsoft.com/office/drawing/2010/main">
+        <mc:Choice Requires="a14">
           <p:sp>
             <p:nvSpPr>
               <p:cNvPr id="12" name="TextBox 11">
@@ -10006,7 +16129,7 @@
             </p:txBody>
           </p:sp>
         </mc:Choice>
-        <mc:Fallback>
+        <mc:Fallback xmlns="">
           <p:sp>
             <p:nvSpPr>
               <p:cNvPr id="12" name="TextBox 11">
@@ -10051,8 +16174,8 @@
           </p:sp>
         </mc:Fallback>
       </mc:AlternateContent>
-      <mc:AlternateContent xmlns:mc="http://schemas.openxmlformats.org/markup-compatibility/2006">
-        <mc:Choice xmlns:a14="http://schemas.microsoft.com/office/drawing/2010/main" Requires="a14">
+      <mc:AlternateContent xmlns:mc="http://schemas.openxmlformats.org/markup-compatibility/2006" xmlns:a14="http://schemas.microsoft.com/office/drawing/2010/main">
+        <mc:Choice Requires="a14">
           <p:sp>
             <p:nvSpPr>
               <p:cNvPr id="14" name="TextBox 13">
@@ -10322,7 +16445,7 @@
             </p:txBody>
           </p:sp>
         </mc:Choice>
-        <mc:Fallback>
+        <mc:Fallback xmlns="">
           <p:sp>
             <p:nvSpPr>
               <p:cNvPr id="14" name="TextBox 13">
@@ -10367,8 +16490,8 @@
           </p:sp>
         </mc:Fallback>
       </mc:AlternateContent>
-      <mc:AlternateContent xmlns:mc="http://schemas.openxmlformats.org/markup-compatibility/2006">
-        <mc:Choice xmlns:a14="http://schemas.microsoft.com/office/drawing/2010/main" Requires="a14">
+      <mc:AlternateContent xmlns:mc="http://schemas.openxmlformats.org/markup-compatibility/2006" xmlns:a14="http://schemas.microsoft.com/office/drawing/2010/main">
+        <mc:Choice Requires="a14">
           <p:sp>
             <p:nvSpPr>
               <p:cNvPr id="23" name="TextBox 22">
@@ -10633,7 +16756,7 @@
             </p:txBody>
           </p:sp>
         </mc:Choice>
-        <mc:Fallback>
+        <mc:Fallback xmlns="">
           <p:sp>
             <p:nvSpPr>
               <p:cNvPr id="23" name="TextBox 22">
@@ -10778,8 +16901,8 @@
           </a:p>
         </p:txBody>
       </p:sp>
-      <mc:AlternateContent xmlns:mc="http://schemas.openxmlformats.org/markup-compatibility/2006">
-        <mc:Choice xmlns:a14="http://schemas.microsoft.com/office/drawing/2010/main" Requires="a14">
+      <mc:AlternateContent xmlns:mc="http://schemas.openxmlformats.org/markup-compatibility/2006" xmlns:a14="http://schemas.microsoft.com/office/drawing/2010/main">
+        <mc:Choice Requires="a14">
           <p:sp>
             <p:nvSpPr>
               <p:cNvPr id="13" name="TextBox 12">
@@ -11044,7 +17167,7 @@
             </p:txBody>
           </p:sp>
         </mc:Choice>
-        <mc:Fallback>
+        <mc:Fallback xmlns="">
           <p:sp>
             <p:nvSpPr>
               <p:cNvPr id="13" name="TextBox 12">
@@ -11089,8 +17212,8 @@
           </p:sp>
         </mc:Fallback>
       </mc:AlternateContent>
-      <mc:AlternateContent xmlns:mc="http://schemas.openxmlformats.org/markup-compatibility/2006">
-        <mc:Choice xmlns:a14="http://schemas.microsoft.com/office/drawing/2010/main" Requires="a14">
+      <mc:AlternateContent xmlns:mc="http://schemas.openxmlformats.org/markup-compatibility/2006" xmlns:a14="http://schemas.microsoft.com/office/drawing/2010/main">
+        <mc:Choice Requires="a14">
           <p:sp>
             <p:nvSpPr>
               <p:cNvPr id="15" name="TextBox 14">
@@ -11190,7 +17313,7 @@
             </p:txBody>
           </p:sp>
         </mc:Choice>
-        <mc:Fallback>
+        <mc:Fallback xmlns="">
           <p:sp>
             <p:nvSpPr>
               <p:cNvPr id="15" name="TextBox 14">
@@ -11235,8 +17358,8 @@
           </p:sp>
         </mc:Fallback>
       </mc:AlternateContent>
-      <mc:AlternateContent xmlns:mc="http://schemas.openxmlformats.org/markup-compatibility/2006">
-        <mc:Choice xmlns:a14="http://schemas.microsoft.com/office/drawing/2010/main" Requires="a14">
+      <mc:AlternateContent xmlns:mc="http://schemas.openxmlformats.org/markup-compatibility/2006" xmlns:a14="http://schemas.microsoft.com/office/drawing/2010/main">
+        <mc:Choice Requires="a14">
           <p:sp>
             <p:nvSpPr>
               <p:cNvPr id="16" name="TextBox 15">
@@ -11334,7 +17457,7 @@
             </p:txBody>
           </p:sp>
         </mc:Choice>
-        <mc:Fallback>
+        <mc:Fallback xmlns="">
           <p:sp>
             <p:nvSpPr>
               <p:cNvPr id="16" name="TextBox 15">
@@ -11379,8 +17502,8 @@
           </p:sp>
         </mc:Fallback>
       </mc:AlternateContent>
-      <mc:AlternateContent xmlns:mc="http://schemas.openxmlformats.org/markup-compatibility/2006">
-        <mc:Choice xmlns:a14="http://schemas.microsoft.com/office/drawing/2010/main" Requires="a14">
+      <mc:AlternateContent xmlns:mc="http://schemas.openxmlformats.org/markup-compatibility/2006" xmlns:a14="http://schemas.microsoft.com/office/drawing/2010/main">
+        <mc:Choice Requires="a14">
           <p:sp>
             <p:nvSpPr>
               <p:cNvPr id="17" name="TextBox 16">
@@ -11593,7 +17716,7 @@
             </p:txBody>
           </p:sp>
         </mc:Choice>
-        <mc:Fallback>
+        <mc:Fallback xmlns="">
           <p:sp>
             <p:nvSpPr>
               <p:cNvPr id="17" name="TextBox 16">
@@ -11638,8 +17761,8 @@
           </p:sp>
         </mc:Fallback>
       </mc:AlternateContent>
-      <mc:AlternateContent xmlns:mc="http://schemas.openxmlformats.org/markup-compatibility/2006">
-        <mc:Choice xmlns:a14="http://schemas.microsoft.com/office/drawing/2010/main" Requires="a14">
+      <mc:AlternateContent xmlns:mc="http://schemas.openxmlformats.org/markup-compatibility/2006" xmlns:a14="http://schemas.microsoft.com/office/drawing/2010/main">
+        <mc:Choice Requires="a14">
           <p:sp>
             <p:nvSpPr>
               <p:cNvPr id="18" name="TextBox 17">
@@ -11687,6 +17810,7 @@
                 </a:r>
               </a:p>
               <a:p>
+                <a:pPr/>
                 <a14:m>
                   <m:oMathPara xmlns:m="http://schemas.openxmlformats.org/officeDocument/2006/math">
                     <m:oMathParaPr>
@@ -11799,7 +17923,6 @@
                 </a:endParaRPr>
               </a:p>
               <a:p>
-                <a:pPr/>
                 <a:endParaRPr lang="en-US" sz="1600" b="0" i="1" dirty="0">
                   <a:latin typeface="Cambria Math" panose="02040503050406030204" pitchFamily="18" charset="0"/>
                 </a:endParaRPr>
@@ -11915,7 +18038,7 @@
             </p:txBody>
           </p:sp>
         </mc:Choice>
-        <mc:Fallback>
+        <mc:Fallback xmlns="">
           <p:sp>
             <p:nvSpPr>
               <p:cNvPr id="18" name="TextBox 17">
@@ -12019,7 +18142,7 @@
 </p:sld>
 </file>
 
-<file path=ppt/slides/slide4.xml><?xml version="1.0" encoding="utf-8"?>
+<file path=ppt/slides/slide5.xml><?xml version="1.0" encoding="utf-8"?>
 <p:sld xmlns:a="http://schemas.openxmlformats.org/drawingml/2006/main" xmlns:r="http://schemas.openxmlformats.org/officeDocument/2006/relationships" xmlns:p="http://schemas.openxmlformats.org/presentationml/2006/main">
   <p:cSld>
     <p:spTree>
@@ -12064,8 +18187,8 @@
           </a:p>
         </p:txBody>
       </p:sp>
-      <mc:AlternateContent xmlns:mc="http://schemas.openxmlformats.org/markup-compatibility/2006">
-        <mc:Choice xmlns:a14="http://schemas.microsoft.com/office/drawing/2010/main" Requires="a14">
+      <mc:AlternateContent xmlns:mc="http://schemas.openxmlformats.org/markup-compatibility/2006" xmlns:a14="http://schemas.microsoft.com/office/drawing/2010/main">
+        <mc:Choice Requires="a14">
           <p:sp>
             <p:nvSpPr>
               <p:cNvPr id="23" name="TextBox 22">
@@ -12107,6 +18230,7 @@
                 </a:r>
               </a:p>
               <a:p>
+                <a:pPr/>
                 <a14:m>
                   <m:oMathPara xmlns:m="http://schemas.openxmlformats.org/officeDocument/2006/math">
                     <m:oMathParaPr>
@@ -12348,13 +18472,21 @@
                 </a:br>
                 <a:r>
                   <a:rPr lang="en-US" b="0" dirty="0"/>
-                  <a:t> One stable, one unstable.</a:t>
+                  <a:t> </a:t>
+                </a:r>
+                <a:r>
+                  <a:rPr lang="en-US" dirty="0"/>
+                  <a:t>Two</a:t>
+                </a:r>
+                <a:r>
+                  <a:rPr lang="en-US" b="0" dirty="0"/>
+                  <a:t> stable, one unstable.</a:t>
                 </a:r>
               </a:p>
             </p:txBody>
           </p:sp>
         </mc:Choice>
-        <mc:Fallback>
+        <mc:Fallback xmlns="">
           <p:sp>
             <p:nvSpPr>
               <p:cNvPr id="23" name="TextBox 22">
@@ -13566,7 +19698,7 @@
 </p:sld>
 </file>
 
-<file path=ppt/slides/slide5.xml><?xml version="1.0" encoding="utf-8"?>
+<file path=ppt/slides/slide6.xml><?xml version="1.0" encoding="utf-8"?>
 <p:sld xmlns:a="http://schemas.openxmlformats.org/drawingml/2006/main" xmlns:r="http://schemas.openxmlformats.org/officeDocument/2006/relationships" xmlns:p="http://schemas.openxmlformats.org/presentationml/2006/main">
   <p:cSld>
     <p:spTree>
@@ -15005,8 +21137,8 @@
           </p:sp>
         </mc:Fallback>
       </mc:AlternateContent>
-      <mc:AlternateContent xmlns:mc="http://schemas.openxmlformats.org/markup-compatibility/2006">
-        <mc:Choice xmlns:a14="http://schemas.microsoft.com/office/drawing/2010/main" Requires="a14">
+      <mc:AlternateContent xmlns:mc="http://schemas.openxmlformats.org/markup-compatibility/2006" xmlns:a14="http://schemas.microsoft.com/office/drawing/2010/main">
+        <mc:Choice Requires="a14">
           <p:sp>
             <p:nvSpPr>
               <p:cNvPr id="28" name="TextBox 27">
@@ -15054,6 +21186,7 @@
                 </a:r>
               </a:p>
               <a:p>
+                <a:pPr/>
                 <a14:m>
                   <m:oMathPara xmlns:m="http://schemas.openxmlformats.org/officeDocument/2006/math">
                     <m:oMathParaPr>
@@ -15166,7 +21299,6 @@
                 </a:endParaRPr>
               </a:p>
               <a:p>
-                <a:pPr/>
                 <a:endParaRPr lang="en-US" sz="1600" b="0" i="1" dirty="0">
                   <a:latin typeface="Cambria Math" panose="02040503050406030204" pitchFamily="18" charset="0"/>
                 </a:endParaRPr>
@@ -15326,7 +21458,7 @@
             </p:txBody>
           </p:sp>
         </mc:Choice>
-        <mc:Fallback>
+        <mc:Fallback xmlns="">
           <p:sp>
             <p:nvSpPr>
               <p:cNvPr id="28" name="TextBox 27">
@@ -15472,8 +21604,8 @@
           </a:p>
         </p:txBody>
       </p:sp>
-      <mc:AlternateContent xmlns:mc="http://schemas.openxmlformats.org/markup-compatibility/2006">
-        <mc:Choice xmlns:a14="http://schemas.microsoft.com/office/drawing/2010/main" Requires="a14">
+      <mc:AlternateContent xmlns:mc="http://schemas.openxmlformats.org/markup-compatibility/2006" xmlns:a14="http://schemas.microsoft.com/office/drawing/2010/main">
+        <mc:Choice Requires="a14">
           <p:sp>
             <p:nvSpPr>
               <p:cNvPr id="11" name="TextBox 10">
@@ -15781,7 +21913,7 @@
             </p:txBody>
           </p:sp>
         </mc:Choice>
-        <mc:Fallback>
+        <mc:Fallback xmlns="">
           <p:sp>
             <p:nvSpPr>
               <p:cNvPr id="11" name="TextBox 10">
@@ -15826,8 +21958,8 @@
           </p:sp>
         </mc:Fallback>
       </mc:AlternateContent>
-      <mc:AlternateContent xmlns:mc="http://schemas.openxmlformats.org/markup-compatibility/2006">
-        <mc:Choice xmlns:a14="http://schemas.microsoft.com/office/drawing/2010/main" Requires="a14">
+      <mc:AlternateContent xmlns:mc="http://schemas.openxmlformats.org/markup-compatibility/2006" xmlns:a14="http://schemas.microsoft.com/office/drawing/2010/main">
+        <mc:Choice Requires="a14">
           <p:sp>
             <p:nvSpPr>
               <p:cNvPr id="12" name="TextBox 11">
@@ -15995,7 +22127,7 @@
             </p:txBody>
           </p:sp>
         </mc:Choice>
-        <mc:Fallback>
+        <mc:Fallback xmlns="">
           <p:sp>
             <p:nvSpPr>
               <p:cNvPr id="12" name="TextBox 11">
@@ -16040,8 +22172,8 @@
           </p:sp>
         </mc:Fallback>
       </mc:AlternateContent>
-      <mc:AlternateContent xmlns:mc="http://schemas.openxmlformats.org/markup-compatibility/2006">
-        <mc:Choice xmlns:a14="http://schemas.microsoft.com/office/drawing/2010/main" Requires="a14">
+      <mc:AlternateContent xmlns:mc="http://schemas.openxmlformats.org/markup-compatibility/2006" xmlns:a14="http://schemas.microsoft.com/office/drawing/2010/main">
+        <mc:Choice Requires="a14">
           <p:sp>
             <p:nvSpPr>
               <p:cNvPr id="14" name="TextBox 13">
@@ -16139,7 +22271,7 @@
             </p:txBody>
           </p:sp>
         </mc:Choice>
-        <mc:Fallback>
+        <mc:Fallback xmlns="">
           <p:sp>
             <p:nvSpPr>
               <p:cNvPr id="14" name="TextBox 13">
@@ -16184,8 +22316,8 @@
           </p:sp>
         </mc:Fallback>
       </mc:AlternateContent>
-      <mc:AlternateContent xmlns:mc="http://schemas.openxmlformats.org/markup-compatibility/2006">
-        <mc:Choice xmlns:a14="http://schemas.microsoft.com/office/drawing/2010/main" Requires="a14">
+      <mc:AlternateContent xmlns:mc="http://schemas.openxmlformats.org/markup-compatibility/2006" xmlns:a14="http://schemas.microsoft.com/office/drawing/2010/main">
+        <mc:Choice Requires="a14">
           <p:sp>
             <p:nvSpPr>
               <p:cNvPr id="17" name="TextBox 16">
@@ -16398,7 +22530,7 @@
             </p:txBody>
           </p:sp>
         </mc:Choice>
-        <mc:Fallback>
+        <mc:Fallback xmlns="">
           <p:sp>
             <p:nvSpPr>
               <p:cNvPr id="17" name="TextBox 16">
@@ -16443,8 +22575,8 @@
           </p:sp>
         </mc:Fallback>
       </mc:AlternateContent>
-      <mc:AlternateContent xmlns:mc="http://schemas.openxmlformats.org/markup-compatibility/2006">
-        <mc:Choice xmlns:a14="http://schemas.microsoft.com/office/drawing/2010/main" Requires="a14">
+      <mc:AlternateContent xmlns:mc="http://schemas.openxmlformats.org/markup-compatibility/2006" xmlns:a14="http://schemas.microsoft.com/office/drawing/2010/main">
+        <mc:Choice Requires="a14">
           <p:sp>
             <p:nvSpPr>
               <p:cNvPr id="19" name="TextBox 18">
@@ -16714,7 +22846,7 @@
             </p:txBody>
           </p:sp>
         </mc:Choice>
-        <mc:Fallback>
+        <mc:Fallback xmlns="">
           <p:sp>
             <p:nvSpPr>
               <p:cNvPr id="19" name="TextBox 18">
@@ -16759,8 +22891,8 @@
           </p:sp>
         </mc:Fallback>
       </mc:AlternateContent>
-      <mc:AlternateContent xmlns:mc="http://schemas.openxmlformats.org/markup-compatibility/2006">
-        <mc:Choice xmlns:a14="http://schemas.microsoft.com/office/drawing/2010/main" Requires="a14">
+      <mc:AlternateContent xmlns:mc="http://schemas.openxmlformats.org/markup-compatibility/2006" xmlns:a14="http://schemas.microsoft.com/office/drawing/2010/main">
+        <mc:Choice Requires="a14">
           <p:sp>
             <p:nvSpPr>
               <p:cNvPr id="21" name="TextBox 20">
@@ -16808,6 +22940,7 @@
                 </a:r>
               </a:p>
               <a:p>
+                <a:pPr/>
                 <a14:m>
                   <m:oMathPara xmlns:m="http://schemas.openxmlformats.org/officeDocument/2006/math">
                     <m:oMathParaPr>
@@ -17115,7 +23248,7 @@
             </p:txBody>
           </p:sp>
         </mc:Choice>
-        <mc:Fallback>
+        <mc:Fallback xmlns="">
           <p:sp>
             <p:nvSpPr>
               <p:cNvPr id="21" name="TextBox 20">
@@ -17219,7 +23352,7 @@
 </p:sld>
 </file>
 
-<file path=ppt/slides/slide6.xml><?xml version="1.0" encoding="utf-8"?>
+<file path=ppt/slides/slide7.xml><?xml version="1.0" encoding="utf-8"?>
 <p:sld xmlns:a="http://schemas.openxmlformats.org/drawingml/2006/main" xmlns:r="http://schemas.openxmlformats.org/officeDocument/2006/relationships" xmlns:p="http://schemas.openxmlformats.org/presentationml/2006/main">
   <p:cSld>
     <p:spTree>
@@ -18819,8 +24952,8 @@
           </p:sp>
         </mc:Fallback>
       </mc:AlternateContent>
-      <mc:AlternateContent xmlns:mc="http://schemas.openxmlformats.org/markup-compatibility/2006">
-        <mc:Choice xmlns:a14="http://schemas.microsoft.com/office/drawing/2010/main" Requires="a14">
+      <mc:AlternateContent xmlns:mc="http://schemas.openxmlformats.org/markup-compatibility/2006" xmlns:a14="http://schemas.microsoft.com/office/drawing/2010/main">
+        <mc:Choice Requires="a14">
           <p:sp>
             <p:nvSpPr>
               <p:cNvPr id="28" name="Rectangle 27">
@@ -19173,7 +25306,7 @@
             </p:txBody>
           </p:sp>
         </mc:Choice>
-        <mc:Fallback>
+        <mc:Fallback xmlns="">
           <p:sp>
             <p:nvSpPr>
               <p:cNvPr id="28" name="Rectangle 27">
@@ -19236,7 +25369,7 @@
 </p:sld>
 </file>
 
-<file path=ppt/slides/slide7.xml><?xml version="1.0" encoding="utf-8"?>
+<file path=ppt/slides/slide8.xml><?xml version="1.0" encoding="utf-8"?>
 <p:sld xmlns:a="http://schemas.openxmlformats.org/drawingml/2006/main" xmlns:r="http://schemas.openxmlformats.org/officeDocument/2006/relationships" xmlns:p="http://schemas.openxmlformats.org/presentationml/2006/main">
   <p:cSld>
     <p:spTree>

--- a/Products/AW_fin.pptx
+++ b/Products/AW_fin.pptx
@@ -264,7 +264,7 @@
           <a:p>
             <a:fld id="{F60B097C-15D3-4C10-907C-9D6BDD5AB733}" type="datetimeFigureOut">
               <a:rPr lang="en-US" smtClean="0"/>
-              <a:t>5/31/2019</a:t>
+              <a:t>6/4/2019</a:t>
             </a:fld>
             <a:endParaRPr lang="en-US"/>
           </a:p>
@@ -462,7 +462,7 @@
           <a:p>
             <a:fld id="{F60B097C-15D3-4C10-907C-9D6BDD5AB733}" type="datetimeFigureOut">
               <a:rPr lang="en-US" smtClean="0"/>
-              <a:t>5/31/2019</a:t>
+              <a:t>6/4/2019</a:t>
             </a:fld>
             <a:endParaRPr lang="en-US"/>
           </a:p>
@@ -670,7 +670,7 @@
           <a:p>
             <a:fld id="{F60B097C-15D3-4C10-907C-9D6BDD5AB733}" type="datetimeFigureOut">
               <a:rPr lang="en-US" smtClean="0"/>
-              <a:t>5/31/2019</a:t>
+              <a:t>6/4/2019</a:t>
             </a:fld>
             <a:endParaRPr lang="en-US"/>
           </a:p>
@@ -868,7 +868,7 @@
           <a:p>
             <a:fld id="{F60B097C-15D3-4C10-907C-9D6BDD5AB733}" type="datetimeFigureOut">
               <a:rPr lang="en-US" smtClean="0"/>
-              <a:t>5/31/2019</a:t>
+              <a:t>6/4/2019</a:t>
             </a:fld>
             <a:endParaRPr lang="en-US"/>
           </a:p>
@@ -1143,7 +1143,7 @@
           <a:p>
             <a:fld id="{F60B097C-15D3-4C10-907C-9D6BDD5AB733}" type="datetimeFigureOut">
               <a:rPr lang="en-US" smtClean="0"/>
-              <a:t>5/31/2019</a:t>
+              <a:t>6/4/2019</a:t>
             </a:fld>
             <a:endParaRPr lang="en-US"/>
           </a:p>
@@ -1408,7 +1408,7 @@
           <a:p>
             <a:fld id="{F60B097C-15D3-4C10-907C-9D6BDD5AB733}" type="datetimeFigureOut">
               <a:rPr lang="en-US" smtClean="0"/>
-              <a:t>5/31/2019</a:t>
+              <a:t>6/4/2019</a:t>
             </a:fld>
             <a:endParaRPr lang="en-US"/>
           </a:p>
@@ -1820,7 +1820,7 @@
           <a:p>
             <a:fld id="{F60B097C-15D3-4C10-907C-9D6BDD5AB733}" type="datetimeFigureOut">
               <a:rPr lang="en-US" smtClean="0"/>
-              <a:t>5/31/2019</a:t>
+              <a:t>6/4/2019</a:t>
             </a:fld>
             <a:endParaRPr lang="en-US"/>
           </a:p>
@@ -1961,7 +1961,7 @@
           <a:p>
             <a:fld id="{F60B097C-15D3-4C10-907C-9D6BDD5AB733}" type="datetimeFigureOut">
               <a:rPr lang="en-US" smtClean="0"/>
-              <a:t>5/31/2019</a:t>
+              <a:t>6/4/2019</a:t>
             </a:fld>
             <a:endParaRPr lang="en-US"/>
           </a:p>
@@ -2074,7 +2074,7 @@
           <a:p>
             <a:fld id="{F60B097C-15D3-4C10-907C-9D6BDD5AB733}" type="datetimeFigureOut">
               <a:rPr lang="en-US" smtClean="0"/>
-              <a:t>5/31/2019</a:t>
+              <a:t>6/4/2019</a:t>
             </a:fld>
             <a:endParaRPr lang="en-US"/>
           </a:p>
@@ -2385,7 +2385,7 @@
           <a:p>
             <a:fld id="{F60B097C-15D3-4C10-907C-9D6BDD5AB733}" type="datetimeFigureOut">
               <a:rPr lang="en-US" smtClean="0"/>
-              <a:t>5/31/2019</a:t>
+              <a:t>6/4/2019</a:t>
             </a:fld>
             <a:endParaRPr lang="en-US"/>
           </a:p>
@@ -2673,7 +2673,7 @@
           <a:p>
             <a:fld id="{F60B097C-15D3-4C10-907C-9D6BDD5AB733}" type="datetimeFigureOut">
               <a:rPr lang="en-US" smtClean="0"/>
-              <a:t>5/31/2019</a:t>
+              <a:t>6/4/2019</a:t>
             </a:fld>
             <a:endParaRPr lang="en-US"/>
           </a:p>
@@ -2914,7 +2914,7 @@
           <a:p>
             <a:fld id="{F60B097C-15D3-4C10-907C-9D6BDD5AB733}" type="datetimeFigureOut">
               <a:rPr lang="en-US" smtClean="0"/>
-              <a:t>5/31/2019</a:t>
+              <a:t>6/4/2019</a:t>
             </a:fld>
             <a:endParaRPr lang="en-US"/>
           </a:p>
@@ -7196,7 +7196,7 @@
         </p:nvCxnSpPr>
         <p:spPr>
           <a:xfrm flipH="1" flipV="1">
-            <a:off x="5061665" y="2190479"/>
+            <a:off x="5150634" y="2172557"/>
             <a:ext cx="132224" cy="298372"/>
           </a:xfrm>
           <a:prstGeom prst="straightConnector1">
@@ -8898,8 +8898,8 @@
           </p:sp>
         </mc:Fallback>
       </mc:AlternateContent>
-      <mc:AlternateContent xmlns:mc="http://schemas.openxmlformats.org/markup-compatibility/2006" xmlns:a14="http://schemas.microsoft.com/office/drawing/2010/main">
-        <mc:Choice Requires="a14">
+      <mc:AlternateContent xmlns:mc="http://schemas.openxmlformats.org/markup-compatibility/2006">
+        <mc:Choice xmlns:a14="http://schemas.microsoft.com/office/drawing/2010/main" Requires="a14">
           <p:sp>
             <p:nvSpPr>
               <p:cNvPr id="169" name="TextBox 168">
@@ -9137,7 +9137,7 @@
                               </a:solidFill>
                               <a:latin typeface="Cambria Math" panose="02040503050406030204" pitchFamily="18" charset="0"/>
                             </a:rPr>
-                            <m:t>2</m:t>
+                            <m:t>3</m:t>
                           </m:r>
                         </m:sub>
                       </m:sSub>
@@ -9164,7 +9164,7 @@
             </p:txBody>
           </p:sp>
         </mc:Choice>
-        <mc:Fallback xmlns="">
+        <mc:Fallback>
           <p:sp>
             <p:nvSpPr>
               <p:cNvPr id="169" name="TextBox 168">
@@ -9238,82 +9238,6 @@
             <a:r>
               <a:rPr lang="en-US" b="1" dirty="0"/>
               <a:t>Policing to avoid a tragedy of the commons</a:t>
-            </a:r>
-          </a:p>
-        </p:txBody>
-      </p:sp>
-      <p:sp>
-        <p:nvSpPr>
-          <p:cNvPr id="93" name="Content Placeholder 2">
-            <a:extLst>
-              <a:ext uri="{FF2B5EF4-FFF2-40B4-BE49-F238E27FC236}">
-                <a16:creationId xmlns:a16="http://schemas.microsoft.com/office/drawing/2014/main" id="{4772C51A-22CE-4C8E-87B7-9747CE612620}"/>
-              </a:ext>
-            </a:extLst>
-          </p:cNvPr>
-          <p:cNvSpPr>
-            <a:spLocks noGrp="1"/>
-          </p:cNvSpPr>
-          <p:nvPr>
-            <p:ph idx="1"/>
-          </p:nvPr>
-        </p:nvSpPr>
-        <p:spPr>
-          <a:xfrm>
-            <a:off x="7081235" y="4448732"/>
-            <a:ext cx="4182425" cy="1862755"/>
-          </a:xfrm>
-          <a:ln w="38100">
-            <a:solidFill>
-              <a:schemeClr val="tx1">
-                <a:lumMod val="50000"/>
-                <a:lumOff val="50000"/>
-              </a:schemeClr>
-            </a:solidFill>
-          </a:ln>
-        </p:spPr>
-        <p:txBody>
-          <a:bodyPr>
-            <a:normAutofit fontScale="62500" lnSpcReduction="20000"/>
-          </a:bodyPr>
-          <a:lstStyle/>
-          <a:p>
-            <a:pPr marL="0" indent="0">
-              <a:buNone/>
-            </a:pPr>
-            <a:r>
-              <a:rPr lang="en-US" b="1" dirty="0"/>
-              <a:t>Reproducibility:</a:t>
-            </a:r>
-          </a:p>
-          <a:p>
-            <a:r>
-              <a:rPr lang="en-US" dirty="0"/>
-              <a:t>Readme file: </a:t>
-            </a:r>
-          </a:p>
-          <a:p>
-            <a:pPr marL="457200" lvl="1" indent="0">
-              <a:buNone/>
-            </a:pPr>
-            <a:r>
-              <a:rPr lang="en-US" dirty="0"/>
-              <a:t>Explains the function of each piece of code, as well as describes all other non-figure files</a:t>
-            </a:r>
-          </a:p>
-          <a:p>
-            <a:r>
-              <a:rPr lang="en-US" dirty="0"/>
-              <a:t>Text files with each figure: </a:t>
-            </a:r>
-          </a:p>
-          <a:p>
-            <a:pPr marL="457200" lvl="1" indent="0">
-              <a:buNone/>
-            </a:pPr>
-            <a:r>
-              <a:rPr lang="en-US" dirty="0"/>
-              <a:t>Records the initial condition and parameter values associated with each figure</a:t>
             </a:r>
           </a:p>
         </p:txBody>
@@ -9560,6 +9484,47 @@
           <a:chExt cx="0" cy="0"/>
         </a:xfrm>
       </p:grpSpPr>
+      <p:pic>
+        <p:nvPicPr>
+          <p:cNvPr id="5" name="Picture 4" descr="A close up of a mans face&#10;&#10;Description generated with high confidence">
+            <a:extLst>
+              <a:ext uri="{FF2B5EF4-FFF2-40B4-BE49-F238E27FC236}">
+                <a16:creationId xmlns:a16="http://schemas.microsoft.com/office/drawing/2014/main" id="{BAA0B1B5-1C34-44A0-9939-89BFD14E08EA}"/>
+              </a:ext>
+            </a:extLst>
+          </p:cNvPr>
+          <p:cNvPicPr>
+            <a:picLocks noChangeAspect="1"/>
+          </p:cNvPicPr>
+          <p:nvPr/>
+        </p:nvPicPr>
+        <p:blipFill>
+          <a:blip r:embed="rId2">
+            <a:extLst>
+              <a:ext uri="{28A0092B-C50C-407E-A947-70E740481C1C}">
+                <a14:useLocalDpi xmlns:a14="http://schemas.microsoft.com/office/drawing/2010/main" val="0"/>
+              </a:ext>
+            </a:extLst>
+          </a:blip>
+          <a:stretch>
+            <a:fillRect/>
+          </a:stretch>
+        </p:blipFill>
+        <p:spPr>
+          <a:xfrm>
+            <a:off x="7976642" y="3324809"/>
+            <a:ext cx="3336875" cy="2502656"/>
+          </a:xfrm>
+          <a:prstGeom prst="rect">
+            <a:avLst/>
+          </a:prstGeom>
+          <a:ln>
+            <a:solidFill>
+              <a:schemeClr val="tx1"/>
+            </a:solidFill>
+          </a:ln>
+        </p:spPr>
+      </p:pic>
       <p:sp>
         <p:nvSpPr>
           <p:cNvPr id="2" name="Title 1">
@@ -9593,8 +9558,8 @@
           </a:p>
         </p:txBody>
       </p:sp>
-      <mc:AlternateContent xmlns:mc="http://schemas.openxmlformats.org/markup-compatibility/2006">
-        <mc:Choice xmlns:a14="http://schemas.microsoft.com/office/drawing/2010/main" Requires="a14">
+      <mc:AlternateContent xmlns:mc="http://schemas.openxmlformats.org/markup-compatibility/2006" xmlns:a14="http://schemas.microsoft.com/office/drawing/2010/main">
+        <mc:Choice Requires="a14">
           <p:sp>
             <p:nvSpPr>
               <p:cNvPr id="10" name="TextBox 9">
@@ -9859,7 +9824,7 @@
             </p:txBody>
           </p:sp>
         </mc:Choice>
-        <mc:Fallback>
+        <mc:Fallback xmlns="">
           <p:sp>
             <p:nvSpPr>
               <p:cNvPr id="10" name="TextBox 9">
@@ -9883,7 +9848,7 @@
                 <a:avLst/>
               </a:prstGeom>
               <a:blipFill>
-                <a:blip r:embed="rId2"/>
+                <a:blip r:embed="rId3"/>
                 <a:stretch>
                   <a:fillRect l="-870" t="-4444" b="-35556"/>
                 </a:stretch>
@@ -9904,8 +9869,8 @@
           </p:sp>
         </mc:Fallback>
       </mc:AlternateContent>
-      <mc:AlternateContent xmlns:mc="http://schemas.openxmlformats.org/markup-compatibility/2006">
-        <mc:Choice xmlns:a14="http://schemas.microsoft.com/office/drawing/2010/main" Requires="a14">
+      <mc:AlternateContent xmlns:mc="http://schemas.openxmlformats.org/markup-compatibility/2006" xmlns:a14="http://schemas.microsoft.com/office/drawing/2010/main">
+        <mc:Choice Requires="a14">
           <p:sp>
             <p:nvSpPr>
               <p:cNvPr id="11" name="TextBox 10">
@@ -10005,7 +9970,7 @@
             </p:txBody>
           </p:sp>
         </mc:Choice>
-        <mc:Fallback>
+        <mc:Fallback xmlns="">
           <p:sp>
             <p:nvSpPr>
               <p:cNvPr id="11" name="TextBox 10">
@@ -10029,7 +9994,7 @@
                 <a:avLst/>
               </a:prstGeom>
               <a:blipFill>
-                <a:blip r:embed="rId3"/>
+                <a:blip r:embed="rId4"/>
                 <a:stretch>
                   <a:fillRect l="-4525" t="-2174" r="-1357" b="-8696"/>
                 </a:stretch>
@@ -10050,8 +10015,8 @@
           </p:sp>
         </mc:Fallback>
       </mc:AlternateContent>
-      <mc:AlternateContent xmlns:mc="http://schemas.openxmlformats.org/markup-compatibility/2006">
-        <mc:Choice xmlns:a14="http://schemas.microsoft.com/office/drawing/2010/main" Requires="a14">
+      <mc:AlternateContent xmlns:mc="http://schemas.openxmlformats.org/markup-compatibility/2006" xmlns:a14="http://schemas.microsoft.com/office/drawing/2010/main">
+        <mc:Choice Requires="a14">
           <p:sp>
             <p:nvSpPr>
               <p:cNvPr id="12" name="TextBox 11">
@@ -10267,7 +10232,7 @@
             </p:txBody>
           </p:sp>
         </mc:Choice>
-        <mc:Fallback>
+        <mc:Fallback xmlns="">
           <p:sp>
             <p:nvSpPr>
               <p:cNvPr id="12" name="TextBox 11">
@@ -10291,7 +10256,7 @@
                 <a:avLst/>
               </a:prstGeom>
               <a:blipFill>
-                <a:blip r:embed="rId4"/>
+                <a:blip r:embed="rId5"/>
                 <a:stretch>
                   <a:fillRect l="-2029" t="-10870" b="-34783"/>
                 </a:stretch>
@@ -10312,8 +10277,8 @@
           </p:sp>
         </mc:Fallback>
       </mc:AlternateContent>
-      <mc:AlternateContent xmlns:mc="http://schemas.openxmlformats.org/markup-compatibility/2006">
-        <mc:Choice xmlns:a14="http://schemas.microsoft.com/office/drawing/2010/main" Requires="a14">
+      <mc:AlternateContent xmlns:mc="http://schemas.openxmlformats.org/markup-compatibility/2006" xmlns:a14="http://schemas.microsoft.com/office/drawing/2010/main">
+        <mc:Choice Requires="a14">
           <p:sp>
             <p:nvSpPr>
               <p:cNvPr id="14" name="TextBox 13">
@@ -10583,7 +10548,7 @@
             </p:txBody>
           </p:sp>
         </mc:Choice>
-        <mc:Fallback>
+        <mc:Fallback xmlns="">
           <p:sp>
             <p:nvSpPr>
               <p:cNvPr id="14" name="TextBox 13">
@@ -10607,7 +10572,7 @@
                 <a:avLst/>
               </a:prstGeom>
               <a:blipFill>
-                <a:blip r:embed="rId5"/>
+                <a:blip r:embed="rId6"/>
                 <a:stretch>
                   <a:fillRect t="-2222" r="-613" b="-35556"/>
                 </a:stretch>
@@ -10643,7 +10608,7 @@
           <p:nvPr/>
         </p:nvPicPr>
         <p:blipFill>
-          <a:blip r:embed="rId6">
+          <a:blip r:embed="rId7">
             <a:extLst>
               <a:ext uri="{28A0092B-C50C-407E-A947-70E740481C1C}">
                 <a14:useLocalDpi xmlns:a14="http://schemas.microsoft.com/office/drawing/2010/main" val="0"/>
@@ -10723,8 +10688,8 @@
           </a:p>
         </p:txBody>
       </p:sp>
-      <mc:AlternateContent xmlns:mc="http://schemas.openxmlformats.org/markup-compatibility/2006">
-        <mc:Choice xmlns:a14="http://schemas.microsoft.com/office/drawing/2010/main" Requires="a14">
+      <mc:AlternateContent xmlns:mc="http://schemas.openxmlformats.org/markup-compatibility/2006" xmlns:a14="http://schemas.microsoft.com/office/drawing/2010/main">
+        <mc:Choice Requires="a14">
           <p:sp>
             <p:nvSpPr>
               <p:cNvPr id="13" name="TextBox 12">
@@ -10989,7 +10954,7 @@
             </p:txBody>
           </p:sp>
         </mc:Choice>
-        <mc:Fallback>
+        <mc:Fallback xmlns="">
           <p:sp>
             <p:nvSpPr>
               <p:cNvPr id="13" name="TextBox 12">
@@ -11013,7 +10978,7 @@
                 <a:avLst/>
               </a:prstGeom>
               <a:blipFill>
-                <a:blip r:embed="rId7"/>
+                <a:blip r:embed="rId8"/>
                 <a:stretch>
                   <a:fillRect l="-870" t="-4444" b="-35556"/>
                 </a:stretch>
@@ -11034,8 +10999,8 @@
           </p:sp>
         </mc:Fallback>
       </mc:AlternateContent>
-      <mc:AlternateContent xmlns:mc="http://schemas.openxmlformats.org/markup-compatibility/2006">
-        <mc:Choice xmlns:a14="http://schemas.microsoft.com/office/drawing/2010/main" Requires="a14">
+      <mc:AlternateContent xmlns:mc="http://schemas.openxmlformats.org/markup-compatibility/2006" xmlns:a14="http://schemas.microsoft.com/office/drawing/2010/main">
+        <mc:Choice Requires="a14">
           <p:sp>
             <p:nvSpPr>
               <p:cNvPr id="15" name="TextBox 14">
@@ -11135,7 +11100,7 @@
             </p:txBody>
           </p:sp>
         </mc:Choice>
-        <mc:Fallback>
+        <mc:Fallback xmlns="">
           <p:sp>
             <p:nvSpPr>
               <p:cNvPr id="15" name="TextBox 14">
@@ -11159,7 +11124,7 @@
                 <a:avLst/>
               </a:prstGeom>
               <a:blipFill>
-                <a:blip r:embed="rId8"/>
+                <a:blip r:embed="rId9"/>
                 <a:stretch>
                   <a:fillRect l="-4505" t="-2174" r="-1351" b="-8696"/>
                 </a:stretch>
@@ -11180,8 +11145,8 @@
           </p:sp>
         </mc:Fallback>
       </mc:AlternateContent>
-      <mc:AlternateContent xmlns:mc="http://schemas.openxmlformats.org/markup-compatibility/2006">
-        <mc:Choice xmlns:a14="http://schemas.microsoft.com/office/drawing/2010/main" Requires="a14">
+      <mc:AlternateContent xmlns:mc="http://schemas.openxmlformats.org/markup-compatibility/2006" xmlns:a14="http://schemas.microsoft.com/office/drawing/2010/main">
+        <mc:Choice Requires="a14">
           <p:sp>
             <p:nvSpPr>
               <p:cNvPr id="16" name="TextBox 15">
@@ -11279,7 +11244,7 @@
             </p:txBody>
           </p:sp>
         </mc:Choice>
-        <mc:Fallback>
+        <mc:Fallback xmlns="">
           <p:sp>
             <p:nvSpPr>
               <p:cNvPr id="16" name="TextBox 15">
@@ -11303,7 +11268,7 @@
                 <a:avLst/>
               </a:prstGeom>
               <a:blipFill>
-                <a:blip r:embed="rId9"/>
+                <a:blip r:embed="rId10"/>
                 <a:stretch>
                   <a:fillRect l="-3139" t="-10870" b="-8696"/>
                 </a:stretch>
@@ -11324,8 +11289,8 @@
           </p:sp>
         </mc:Fallback>
       </mc:AlternateContent>
-      <mc:AlternateContent xmlns:mc="http://schemas.openxmlformats.org/markup-compatibility/2006">
-        <mc:Choice xmlns:a14="http://schemas.microsoft.com/office/drawing/2010/main" Requires="a14">
+      <mc:AlternateContent xmlns:mc="http://schemas.openxmlformats.org/markup-compatibility/2006" xmlns:a14="http://schemas.microsoft.com/office/drawing/2010/main">
+        <mc:Choice Requires="a14">
           <p:sp>
             <p:nvSpPr>
               <p:cNvPr id="17" name="TextBox 16">
@@ -11538,7 +11503,7 @@
             </p:txBody>
           </p:sp>
         </mc:Choice>
-        <mc:Fallback>
+        <mc:Fallback xmlns="">
           <p:sp>
             <p:nvSpPr>
               <p:cNvPr id="17" name="TextBox 16">
@@ -11562,7 +11527,7 @@
                 <a:avLst/>
               </a:prstGeom>
               <a:blipFill>
-                <a:blip r:embed="rId10"/>
+                <a:blip r:embed="rId11"/>
                 <a:stretch>
                   <a:fillRect l="-1183" t="-2222" r="-3846" b="-35556"/>
                 </a:stretch>
@@ -11598,7 +11563,7 @@
           <p:nvPr/>
         </p:nvPicPr>
         <p:blipFill>
-          <a:blip r:embed="rId11">
+          <a:blip r:embed="rId12">
             <a:extLst>
               <a:ext uri="{28A0092B-C50C-407E-A947-70E740481C1C}">
                 <a14:useLocalDpi xmlns:a14="http://schemas.microsoft.com/office/drawing/2010/main" val="0"/>
@@ -11612,47 +11577,6 @@
         <p:spPr>
           <a:xfrm>
             <a:off x="4305116" y="3324809"/>
-            <a:ext cx="3199859" cy="2399894"/>
-          </a:xfrm>
-          <a:prstGeom prst="rect">
-            <a:avLst/>
-          </a:prstGeom>
-          <a:ln>
-            <a:solidFill>
-              <a:schemeClr val="tx1"/>
-            </a:solidFill>
-          </a:ln>
-        </p:spPr>
-      </p:pic>
-      <p:pic>
-        <p:nvPicPr>
-          <p:cNvPr id="20" name="Picture 19" descr="A close up of a mans face&#10;&#10;Description generated with high confidence">
-            <a:extLst>
-              <a:ext uri="{FF2B5EF4-FFF2-40B4-BE49-F238E27FC236}">
-                <a16:creationId xmlns:a16="http://schemas.microsoft.com/office/drawing/2014/main" id="{017665ED-8F58-4E9C-A708-7AB462BA15F5}"/>
-              </a:ext>
-            </a:extLst>
-          </p:cNvPr>
-          <p:cNvPicPr>
-            <a:picLocks noChangeAspect="1"/>
-          </p:cNvPicPr>
-          <p:nvPr/>
-        </p:nvPicPr>
-        <p:blipFill>
-          <a:blip r:embed="rId12">
-            <a:extLst>
-              <a:ext uri="{28A0092B-C50C-407E-A947-70E740481C1C}">
-                <a14:useLocalDpi xmlns:a14="http://schemas.microsoft.com/office/drawing/2010/main" val="0"/>
-              </a:ext>
-            </a:extLst>
-          </a:blip>
-          <a:stretch>
-            <a:fillRect/>
-          </a:stretch>
-        </p:blipFill>
-        <p:spPr>
-          <a:xfrm>
-            <a:off x="7997458" y="3324809"/>
             <a:ext cx="3199859" cy="2399894"/>
           </a:xfrm>
           <a:prstGeom prst="rect">
@@ -11719,8 +11643,8 @@
           </a:p>
         </p:txBody>
       </p:sp>
-      <mc:AlternateContent xmlns:mc="http://schemas.openxmlformats.org/markup-compatibility/2006">
-        <mc:Choice xmlns:a14="http://schemas.microsoft.com/office/drawing/2010/main" Requires="a14">
+      <mc:AlternateContent xmlns:mc="http://schemas.openxmlformats.org/markup-compatibility/2006" xmlns:a14="http://schemas.microsoft.com/office/drawing/2010/main">
+        <mc:Choice Requires="a14">
           <p:sp>
             <p:nvSpPr>
               <p:cNvPr id="24" name="TextBox 23">
@@ -12028,7 +11952,7 @@
             </p:txBody>
           </p:sp>
         </mc:Choice>
-        <mc:Fallback>
+        <mc:Fallback xmlns="">
           <p:sp>
             <p:nvSpPr>
               <p:cNvPr id="24" name="TextBox 23">
@@ -12073,8 +11997,8 @@
           </p:sp>
         </mc:Fallback>
       </mc:AlternateContent>
-      <mc:AlternateContent xmlns:mc="http://schemas.openxmlformats.org/markup-compatibility/2006">
-        <mc:Choice xmlns:a14="http://schemas.microsoft.com/office/drawing/2010/main" Requires="a14">
+      <mc:AlternateContent xmlns:mc="http://schemas.openxmlformats.org/markup-compatibility/2006" xmlns:a14="http://schemas.microsoft.com/office/drawing/2010/main">
+        <mc:Choice Requires="a14">
           <p:sp>
             <p:nvSpPr>
               <p:cNvPr id="25" name="TextBox 24">
@@ -12174,7 +12098,7 @@
             </p:txBody>
           </p:sp>
         </mc:Choice>
-        <mc:Fallback>
+        <mc:Fallback xmlns="">
           <p:sp>
             <p:nvSpPr>
               <p:cNvPr id="25" name="TextBox 24">
@@ -12219,8 +12143,8 @@
           </p:sp>
         </mc:Fallback>
       </mc:AlternateContent>
-      <mc:AlternateContent xmlns:mc="http://schemas.openxmlformats.org/markup-compatibility/2006">
-        <mc:Choice xmlns:a14="http://schemas.microsoft.com/office/drawing/2010/main" Requires="a14">
+      <mc:AlternateContent xmlns:mc="http://schemas.openxmlformats.org/markup-compatibility/2006" xmlns:a14="http://schemas.microsoft.com/office/drawing/2010/main">
+        <mc:Choice Requires="a14">
           <p:sp>
             <p:nvSpPr>
               <p:cNvPr id="26" name="TextBox 25">
@@ -12436,7 +12360,7 @@
             </p:txBody>
           </p:sp>
         </mc:Choice>
-        <mc:Fallback>
+        <mc:Fallback xmlns="">
           <p:sp>
             <p:nvSpPr>
               <p:cNvPr id="26" name="TextBox 25">
@@ -12481,8 +12405,8 @@
           </p:sp>
         </mc:Fallback>
       </mc:AlternateContent>
-      <mc:AlternateContent xmlns:mc="http://schemas.openxmlformats.org/markup-compatibility/2006">
-        <mc:Choice xmlns:a14="http://schemas.microsoft.com/office/drawing/2010/main" Requires="a14">
+      <mc:AlternateContent xmlns:mc="http://schemas.openxmlformats.org/markup-compatibility/2006" xmlns:a14="http://schemas.microsoft.com/office/drawing/2010/main">
+        <mc:Choice Requires="a14">
           <p:sp>
             <p:nvSpPr>
               <p:cNvPr id="27" name="TextBox 26">
@@ -12752,7 +12676,7 @@
             </p:txBody>
           </p:sp>
         </mc:Choice>
-        <mc:Fallback>
+        <mc:Fallback xmlns="">
           <p:sp>
             <p:nvSpPr>
               <p:cNvPr id="27" name="TextBox 26">
@@ -13036,7 +12960,7 @@
                               </a:solidFill>
                               <a:latin typeface="Cambria Math" panose="02040503050406030204" pitchFamily="18" charset="0"/>
                             </a:rPr>
-                            <m:t>2</m:t>
+                            <m:t>3</m:t>
                           </m:r>
                         </m:sub>
                       </m:sSub>
@@ -13108,8 +13032,8 @@
           </p:sp>
         </mc:Fallback>
       </mc:AlternateContent>
-      <mc:AlternateContent xmlns:mc="http://schemas.openxmlformats.org/markup-compatibility/2006">
-        <mc:Choice xmlns:a14="http://schemas.microsoft.com/office/drawing/2010/main" Requires="a14">
+      <mc:AlternateContent xmlns:mc="http://schemas.openxmlformats.org/markup-compatibility/2006" xmlns:a14="http://schemas.microsoft.com/office/drawing/2010/main">
+        <mc:Choice Requires="a14">
           <p:sp>
             <p:nvSpPr>
               <p:cNvPr id="34" name="TextBox 33">
@@ -13303,7 +13227,7 @@
             </p:txBody>
           </p:sp>
         </mc:Choice>
-        <mc:Fallback>
+        <mc:Fallback xmlns="">
           <p:sp>
             <p:nvSpPr>
               <p:cNvPr id="34" name="TextBox 33">
@@ -13416,8 +13340,8 @@
           </a:p>
         </p:txBody>
       </p:sp>
-      <mc:AlternateContent xmlns:mc="http://schemas.openxmlformats.org/markup-compatibility/2006">
-        <mc:Choice xmlns:a14="http://schemas.microsoft.com/office/drawing/2010/main" Requires="a14">
+      <mc:AlternateContent xmlns:mc="http://schemas.openxmlformats.org/markup-compatibility/2006" xmlns:a14="http://schemas.microsoft.com/office/drawing/2010/main">
+        <mc:Choice Requires="a14">
           <p:sp>
             <p:nvSpPr>
               <p:cNvPr id="23" name="TextBox 22">
@@ -13605,7 +13529,7 @@
             </p:txBody>
           </p:sp>
         </mc:Choice>
-        <mc:Fallback>
+        <mc:Fallback xmlns="">
           <p:sp>
             <p:nvSpPr>
               <p:cNvPr id="23" name="TextBox 22">
@@ -13655,8 +13579,8 @@
           </p:sp>
         </mc:Fallback>
       </mc:AlternateContent>
-      <mc:AlternateContent xmlns:mc="http://schemas.openxmlformats.org/markup-compatibility/2006">
-        <mc:Choice xmlns:a14="http://schemas.microsoft.com/office/drawing/2010/main" Requires="a14">
+      <mc:AlternateContent xmlns:mc="http://schemas.openxmlformats.org/markup-compatibility/2006" xmlns:a14="http://schemas.microsoft.com/office/drawing/2010/main">
+        <mc:Choice Requires="a14">
           <p:sp>
             <p:nvSpPr>
               <p:cNvPr id="10" name="TextBox 9">
@@ -13921,7 +13845,7 @@
             </p:txBody>
           </p:sp>
         </mc:Choice>
-        <mc:Fallback>
+        <mc:Fallback xmlns="">
           <p:sp>
             <p:nvSpPr>
               <p:cNvPr id="10" name="TextBox 9">
@@ -13966,8 +13890,8 @@
           </p:sp>
         </mc:Fallback>
       </mc:AlternateContent>
-      <mc:AlternateContent xmlns:mc="http://schemas.openxmlformats.org/markup-compatibility/2006">
-        <mc:Choice xmlns:a14="http://schemas.microsoft.com/office/drawing/2010/main" Requires="a14">
+      <mc:AlternateContent xmlns:mc="http://schemas.openxmlformats.org/markup-compatibility/2006" xmlns:a14="http://schemas.microsoft.com/office/drawing/2010/main">
+        <mc:Choice Requires="a14">
           <p:sp>
             <p:nvSpPr>
               <p:cNvPr id="11" name="TextBox 10">
@@ -14176,7 +14100,7 @@
             </p:txBody>
           </p:sp>
         </mc:Choice>
-        <mc:Fallback>
+        <mc:Fallback xmlns="">
           <p:sp>
             <p:nvSpPr>
               <p:cNvPr id="11" name="TextBox 10">
@@ -14221,8 +14145,8 @@
           </p:sp>
         </mc:Fallback>
       </mc:AlternateContent>
-      <mc:AlternateContent xmlns:mc="http://schemas.openxmlformats.org/markup-compatibility/2006">
-        <mc:Choice xmlns:a14="http://schemas.microsoft.com/office/drawing/2010/main" Requires="a14">
+      <mc:AlternateContent xmlns:mc="http://schemas.openxmlformats.org/markup-compatibility/2006" xmlns:a14="http://schemas.microsoft.com/office/drawing/2010/main">
+        <mc:Choice Requires="a14">
           <p:sp>
             <p:nvSpPr>
               <p:cNvPr id="12" name="TextBox 11">
@@ -14320,7 +14244,7 @@
             </p:txBody>
           </p:sp>
         </mc:Choice>
-        <mc:Fallback>
+        <mc:Fallback xmlns="">
           <p:sp>
             <p:nvSpPr>
               <p:cNvPr id="12" name="TextBox 11">
@@ -14365,8 +14289,8 @@
           </p:sp>
         </mc:Fallback>
       </mc:AlternateContent>
-      <mc:AlternateContent xmlns:mc="http://schemas.openxmlformats.org/markup-compatibility/2006">
-        <mc:Choice xmlns:a14="http://schemas.microsoft.com/office/drawing/2010/main" Requires="a14">
+      <mc:AlternateContent xmlns:mc="http://schemas.openxmlformats.org/markup-compatibility/2006" xmlns:a14="http://schemas.microsoft.com/office/drawing/2010/main">
+        <mc:Choice Requires="a14">
           <p:sp>
             <p:nvSpPr>
               <p:cNvPr id="14" name="TextBox 13">
@@ -14636,7 +14560,7 @@
             </p:txBody>
           </p:sp>
         </mc:Choice>
-        <mc:Fallback>
+        <mc:Fallback xmlns="">
           <p:sp>
             <p:nvSpPr>
               <p:cNvPr id="14" name="TextBox 13">
@@ -14763,8 +14687,8 @@
           </a:ln>
         </p:spPr>
       </p:pic>
-      <mc:AlternateContent xmlns:mc="http://schemas.openxmlformats.org/markup-compatibility/2006">
-        <mc:Choice xmlns:a14="http://schemas.microsoft.com/office/drawing/2010/main" Requires="a14">
+      <mc:AlternateContent xmlns:mc="http://schemas.openxmlformats.org/markup-compatibility/2006" xmlns:a14="http://schemas.microsoft.com/office/drawing/2010/main">
+        <mc:Choice Requires="a14">
           <p:sp>
             <p:nvSpPr>
               <p:cNvPr id="13" name="TextBox 12">
@@ -15072,7 +14996,7 @@
             </p:txBody>
           </p:sp>
         </mc:Choice>
-        <mc:Fallback>
+        <mc:Fallback xmlns="">
           <p:sp>
             <p:nvSpPr>
               <p:cNvPr id="13" name="TextBox 12">
@@ -15117,8 +15041,8 @@
           </p:sp>
         </mc:Fallback>
       </mc:AlternateContent>
-      <mc:AlternateContent xmlns:mc="http://schemas.openxmlformats.org/markup-compatibility/2006">
-        <mc:Choice xmlns:a14="http://schemas.microsoft.com/office/drawing/2010/main" Requires="a14">
+      <mc:AlternateContent xmlns:mc="http://schemas.openxmlformats.org/markup-compatibility/2006" xmlns:a14="http://schemas.microsoft.com/office/drawing/2010/main">
+        <mc:Choice Requires="a14">
           <p:sp>
             <p:nvSpPr>
               <p:cNvPr id="15" name="TextBox 14">
@@ -15286,7 +15210,7 @@
             </p:txBody>
           </p:sp>
         </mc:Choice>
-        <mc:Fallback>
+        <mc:Fallback xmlns="">
           <p:sp>
             <p:nvSpPr>
               <p:cNvPr id="15" name="TextBox 14">
@@ -15331,8 +15255,8 @@
           </p:sp>
         </mc:Fallback>
       </mc:AlternateContent>
-      <mc:AlternateContent xmlns:mc="http://schemas.openxmlformats.org/markup-compatibility/2006">
-        <mc:Choice xmlns:a14="http://schemas.microsoft.com/office/drawing/2010/main" Requires="a14">
+      <mc:AlternateContent xmlns:mc="http://schemas.openxmlformats.org/markup-compatibility/2006" xmlns:a14="http://schemas.microsoft.com/office/drawing/2010/main">
+        <mc:Choice Requires="a14">
           <p:sp>
             <p:nvSpPr>
               <p:cNvPr id="16" name="TextBox 15">
@@ -15430,7 +15354,7 @@
             </p:txBody>
           </p:sp>
         </mc:Choice>
-        <mc:Fallback>
+        <mc:Fallback xmlns="">
           <p:sp>
             <p:nvSpPr>
               <p:cNvPr id="16" name="TextBox 15">
@@ -15475,8 +15399,8 @@
           </p:sp>
         </mc:Fallback>
       </mc:AlternateContent>
-      <mc:AlternateContent xmlns:mc="http://schemas.openxmlformats.org/markup-compatibility/2006">
-        <mc:Choice xmlns:a14="http://schemas.microsoft.com/office/drawing/2010/main" Requires="a14">
+      <mc:AlternateContent xmlns:mc="http://schemas.openxmlformats.org/markup-compatibility/2006" xmlns:a14="http://schemas.microsoft.com/office/drawing/2010/main">
+        <mc:Choice Requires="a14">
           <p:sp>
             <p:nvSpPr>
               <p:cNvPr id="17" name="TextBox 16">
@@ -15689,7 +15613,7 @@
             </p:txBody>
           </p:sp>
         </mc:Choice>
-        <mc:Fallback>
+        <mc:Fallback xmlns="">
           <p:sp>
             <p:nvSpPr>
               <p:cNvPr id="17" name="TextBox 16">
@@ -15734,8 +15658,8 @@
           </p:sp>
         </mc:Fallback>
       </mc:AlternateContent>
-      <mc:AlternateContent xmlns:mc="http://schemas.openxmlformats.org/markup-compatibility/2006">
-        <mc:Choice xmlns:a14="http://schemas.microsoft.com/office/drawing/2010/main" Requires="a14">
+      <mc:AlternateContent xmlns:mc="http://schemas.openxmlformats.org/markup-compatibility/2006" xmlns:a14="http://schemas.microsoft.com/office/drawing/2010/main">
+        <mc:Choice Requires="a14">
           <p:sp>
             <p:nvSpPr>
               <p:cNvPr id="18" name="TextBox 17">
@@ -16005,7 +15929,7 @@
             </p:txBody>
           </p:sp>
         </mc:Choice>
-        <mc:Fallback>
+        <mc:Fallback xmlns="">
           <p:sp>
             <p:nvSpPr>
               <p:cNvPr id="18" name="TextBox 17">
@@ -16050,8 +15974,8 @@
           </p:sp>
         </mc:Fallback>
       </mc:AlternateContent>
-      <mc:AlternateContent xmlns:mc="http://schemas.openxmlformats.org/markup-compatibility/2006">
-        <mc:Choice xmlns:a14="http://schemas.microsoft.com/office/drawing/2010/main" Requires="a14">
+      <mc:AlternateContent xmlns:mc="http://schemas.openxmlformats.org/markup-compatibility/2006" xmlns:a14="http://schemas.microsoft.com/office/drawing/2010/main">
+        <mc:Choice Requires="a14">
           <p:sp>
             <p:nvSpPr>
               <p:cNvPr id="19" name="TextBox 18">
@@ -16302,7 +16226,7 @@
             </p:txBody>
           </p:sp>
         </mc:Choice>
-        <mc:Fallback>
+        <mc:Fallback xmlns="">
           <p:sp>
             <p:nvSpPr>
               <p:cNvPr id="19" name="TextBox 18">
@@ -16510,8 +16434,8 @@
           </a:p>
         </p:txBody>
       </p:sp>
-      <mc:AlternateContent xmlns:mc="http://schemas.openxmlformats.org/markup-compatibility/2006">
-        <mc:Choice xmlns:a14="http://schemas.microsoft.com/office/drawing/2010/main" Requires="a14">
+      <mc:AlternateContent xmlns:mc="http://schemas.openxmlformats.org/markup-compatibility/2006" xmlns:a14="http://schemas.microsoft.com/office/drawing/2010/main">
+        <mc:Choice Requires="a14">
           <p:sp>
             <p:nvSpPr>
               <p:cNvPr id="4" name="TextBox 3">
@@ -16819,7 +16743,7 @@
             </p:txBody>
           </p:sp>
         </mc:Choice>
-        <mc:Fallback>
+        <mc:Fallback xmlns="">
           <p:sp>
             <p:nvSpPr>
               <p:cNvPr id="4" name="TextBox 3">
@@ -16864,8 +16788,8 @@
           </p:sp>
         </mc:Fallback>
       </mc:AlternateContent>
-      <mc:AlternateContent xmlns:mc="http://schemas.openxmlformats.org/markup-compatibility/2006">
-        <mc:Choice xmlns:a14="http://schemas.microsoft.com/office/drawing/2010/main" Requires="a14">
+      <mc:AlternateContent xmlns:mc="http://schemas.openxmlformats.org/markup-compatibility/2006" xmlns:a14="http://schemas.microsoft.com/office/drawing/2010/main">
+        <mc:Choice Requires="a14">
           <p:sp>
             <p:nvSpPr>
               <p:cNvPr id="5" name="TextBox 4">
@@ -17074,7 +16998,7 @@
             </p:txBody>
           </p:sp>
         </mc:Choice>
-        <mc:Fallback>
+        <mc:Fallback xmlns="">
           <p:sp>
             <p:nvSpPr>
               <p:cNvPr id="5" name="TextBox 4">
@@ -17119,8 +17043,8 @@
           </p:sp>
         </mc:Fallback>
       </mc:AlternateContent>
-      <mc:AlternateContent xmlns:mc="http://schemas.openxmlformats.org/markup-compatibility/2006">
-        <mc:Choice xmlns:a14="http://schemas.microsoft.com/office/drawing/2010/main" Requires="a14">
+      <mc:AlternateContent xmlns:mc="http://schemas.openxmlformats.org/markup-compatibility/2006" xmlns:a14="http://schemas.microsoft.com/office/drawing/2010/main">
+        <mc:Choice Requires="a14">
           <p:sp>
             <p:nvSpPr>
               <p:cNvPr id="6" name="TextBox 5">
@@ -17336,7 +17260,7 @@
             </p:txBody>
           </p:sp>
         </mc:Choice>
-        <mc:Fallback>
+        <mc:Fallback xmlns="">
           <p:sp>
             <p:nvSpPr>
               <p:cNvPr id="6" name="TextBox 5">
@@ -17381,8 +17305,8 @@
           </p:sp>
         </mc:Fallback>
       </mc:AlternateContent>
-      <mc:AlternateContent xmlns:mc="http://schemas.openxmlformats.org/markup-compatibility/2006">
-        <mc:Choice xmlns:a14="http://schemas.microsoft.com/office/drawing/2010/main" Requires="a14">
+      <mc:AlternateContent xmlns:mc="http://schemas.openxmlformats.org/markup-compatibility/2006" xmlns:a14="http://schemas.microsoft.com/office/drawing/2010/main">
+        <mc:Choice Requires="a14">
           <p:sp>
             <p:nvSpPr>
               <p:cNvPr id="7" name="TextBox 6">
@@ -17704,7 +17628,7 @@
             </p:txBody>
           </p:sp>
         </mc:Choice>
-        <mc:Fallback>
+        <mc:Fallback xmlns="">
           <p:sp>
             <p:nvSpPr>
               <p:cNvPr id="7" name="TextBox 6">
@@ -17749,8 +17673,8 @@
           </p:sp>
         </mc:Fallback>
       </mc:AlternateContent>
-      <mc:AlternateContent xmlns:mc="http://schemas.openxmlformats.org/markup-compatibility/2006">
-        <mc:Choice xmlns:a14="http://schemas.microsoft.com/office/drawing/2010/main" Requires="a14">
+      <mc:AlternateContent xmlns:mc="http://schemas.openxmlformats.org/markup-compatibility/2006" xmlns:a14="http://schemas.microsoft.com/office/drawing/2010/main">
+        <mc:Choice Requires="a14">
           <p:sp>
             <p:nvSpPr>
               <p:cNvPr id="8" name="TextBox 7">
@@ -18020,7 +17944,7 @@
             </p:txBody>
           </p:sp>
         </mc:Choice>
-        <mc:Fallback>
+        <mc:Fallback xmlns="">
           <p:sp>
             <p:nvSpPr>
               <p:cNvPr id="8" name="TextBox 7">
@@ -18081,8 +18005,8 @@
             </p:nvSpPr>
             <p:spPr>
               <a:xfrm>
-                <a:off x="3894694" y="827153"/>
-                <a:ext cx="3143512" cy="2186111"/>
+                <a:off x="3889494" y="844114"/>
+                <a:ext cx="2992964" cy="2463110"/>
               </a:xfrm>
               <a:prstGeom prst="rect">
                 <a:avLst/>
@@ -18114,6 +18038,7 @@
                 </a:endParaRPr>
               </a:p>
               <a:p>
+                <a:pPr algn="ctr"/>
                 <a:r>
                   <a:rPr lang="en-US" i="1" dirty="0">
                     <a:latin typeface="Cambria Math" panose="02040503050406030204" pitchFamily="18" charset="0"/>
@@ -18242,91 +18167,88 @@
                   <a:rPr lang="en-US" dirty="0">
                     <a:latin typeface="Cambria Math" panose="02040503050406030204" pitchFamily="18" charset="0"/>
                   </a:rPr>
-                  <a:t> is sufficiently </a:t>
+                  <a:t> is sufficiently small and </a:t>
                 </a:r>
               </a:p>
               <a:p>
-                <a:r>
-                  <a:rPr lang="en-US" dirty="0">
-                    <a:latin typeface="Cambria Math" panose="02040503050406030204" pitchFamily="18" charset="0"/>
-                  </a:rPr>
-                  <a:t>              small and </a:t>
-                </a:r>
+                <a:pPr algn="ctr"/>
                 <a14:m>
-                  <m:oMath xmlns:m="http://schemas.openxmlformats.org/officeDocument/2006/math">
-                    <m:sSub>
-                      <m:sSubPr>
-                        <m:ctrlPr>
-                          <a:rPr lang="en-US" b="0" i="1" smtClean="0">
-                            <a:latin typeface="Cambria Math" panose="02040503050406030204" pitchFamily="18" charset="0"/>
-                          </a:rPr>
-                        </m:ctrlPr>
-                      </m:sSubPr>
-                      <m:e>
-                        <m:r>
-                          <a:rPr lang="en-US" b="0" i="1" smtClean="0">
-                            <a:latin typeface="Cambria Math" panose="02040503050406030204" pitchFamily="18" charset="0"/>
-                          </a:rPr>
-                          <m:t>𝑞</m:t>
-                        </m:r>
-                      </m:e>
-                      <m:sub>
-                        <m:r>
-                          <a:rPr lang="en-US" b="0" i="1" smtClean="0">
-                            <a:latin typeface="Cambria Math" panose="02040503050406030204" pitchFamily="18" charset="0"/>
-                          </a:rPr>
-                          <m:t>2</m:t>
-                        </m:r>
-                      </m:sub>
-                    </m:sSub>
-                    <m:r>
-                      <a:rPr lang="en-US" b="0" i="1" smtClean="0">
-                        <a:latin typeface="Cambria Math" panose="02040503050406030204" pitchFamily="18" charset="0"/>
-                      </a:rPr>
-                      <m:t>&gt;</m:t>
-                    </m:r>
-                    <m:sSub>
-                      <m:sSubPr>
-                        <m:ctrlPr>
-                          <a:rPr lang="en-US" b="0" i="1" smtClean="0">
-                            <a:latin typeface="Cambria Math" panose="02040503050406030204" pitchFamily="18" charset="0"/>
-                          </a:rPr>
-                        </m:ctrlPr>
-                      </m:sSubPr>
-                      <m:e>
-                        <m:r>
-                          <a:rPr lang="en-US" b="0" i="1" smtClean="0">
-                            <a:latin typeface="Cambria Math" panose="02040503050406030204" pitchFamily="18" charset="0"/>
-                          </a:rPr>
-                          <m:t>𝑞</m:t>
-                        </m:r>
-                      </m:e>
-                      <m:sub>
-                        <m:r>
-                          <a:rPr lang="en-US" b="0" i="1" smtClean="0">
-                            <a:latin typeface="Cambria Math" panose="02040503050406030204" pitchFamily="18" charset="0"/>
-                          </a:rPr>
-                          <m:t>1</m:t>
-                        </m:r>
-                      </m:sub>
-                    </m:sSub>
-                  </m:oMath>
+                  <m:oMathPara xmlns:m="http://schemas.openxmlformats.org/officeDocument/2006/math">
+                    <m:oMathParaPr>
+                      <m:jc m:val="centerGroup"/>
+                    </m:oMathParaPr>
+                    <m:oMath xmlns:m="http://schemas.openxmlformats.org/officeDocument/2006/math">
+                      <m:sSub>
+                        <m:sSubPr>
+                          <m:ctrlPr>
+                            <a:rPr lang="en-US" b="0" i="1" smtClean="0">
+                              <a:latin typeface="Cambria Math" panose="02040503050406030204" pitchFamily="18" charset="0"/>
+                            </a:rPr>
+                          </m:ctrlPr>
+                        </m:sSubPr>
+                        <m:e>
+                          <m:r>
+                            <a:rPr lang="en-US" b="0" i="1" smtClean="0">
+                              <a:latin typeface="Cambria Math" panose="02040503050406030204" pitchFamily="18" charset="0"/>
+                            </a:rPr>
+                            <m:t>𝑞</m:t>
+                          </m:r>
+                        </m:e>
+                        <m:sub>
+                          <m:r>
+                            <a:rPr lang="en-US" b="0" i="1" smtClean="0">
+                              <a:latin typeface="Cambria Math" panose="02040503050406030204" pitchFamily="18" charset="0"/>
+                            </a:rPr>
+                            <m:t>2</m:t>
+                          </m:r>
+                        </m:sub>
+                      </m:sSub>
+                      <m:r>
+                        <a:rPr lang="en-US" b="0" i="1" smtClean="0">
+                          <a:latin typeface="Cambria Math" panose="02040503050406030204" pitchFamily="18" charset="0"/>
+                        </a:rPr>
+                        <m:t>&gt;</m:t>
+                      </m:r>
+                      <m:sSub>
+                        <m:sSubPr>
+                          <m:ctrlPr>
+                            <a:rPr lang="en-US" b="0" i="1" smtClean="0">
+                              <a:latin typeface="Cambria Math" panose="02040503050406030204" pitchFamily="18" charset="0"/>
+                            </a:rPr>
+                          </m:ctrlPr>
+                        </m:sSubPr>
+                        <m:e>
+                          <m:r>
+                            <a:rPr lang="en-US" b="0" i="1" smtClean="0">
+                              <a:latin typeface="Cambria Math" panose="02040503050406030204" pitchFamily="18" charset="0"/>
+                            </a:rPr>
+                            <m:t>𝑞</m:t>
+                          </m:r>
+                        </m:e>
+                        <m:sub>
+                          <m:r>
+                            <a:rPr lang="en-US" b="0" i="1" smtClean="0">
+                              <a:latin typeface="Cambria Math" panose="02040503050406030204" pitchFamily="18" charset="0"/>
+                            </a:rPr>
+                            <m:t>1</m:t>
+                          </m:r>
+                        </m:sub>
+                      </m:sSub>
+                    </m:oMath>
+                  </m:oMathPara>
                 </a14:m>
                 <a:endParaRPr lang="en-US" dirty="0"/>
               </a:p>
               <a:p>
-                <a:pPr/>
                 <a:endParaRPr lang="en-US" dirty="0"/>
               </a:p>
               <a:p>
-                <a:pPr/>
                 <a:r>
                   <a:rPr lang="en-US" dirty="0"/>
                   <a:t>Two additional steady states; </a:t>
                 </a:r>
               </a:p>
               <a:p>
-                <a:pPr/>
                 <a:r>
                   <a:rPr lang="en-US" dirty="0"/>
                   <a:t>one stable, one unstable.</a:t>
@@ -18352,8 +18274,8 @@
             </p:nvSpPr>
             <p:spPr>
               <a:xfrm>
-                <a:off x="3894694" y="827153"/>
-                <a:ext cx="3143512" cy="2186111"/>
+                <a:off x="3889494" y="844114"/>
+                <a:ext cx="2992964" cy="2463110"/>
               </a:xfrm>
               <a:prstGeom prst="rect">
                 <a:avLst/>
@@ -18361,7 +18283,7 @@
               <a:blipFill>
                 <a:blip r:embed="rId7"/>
                 <a:stretch>
-                  <a:fillRect l="-1544" t="-1944" r="-1544" b="-3333"/>
+                  <a:fillRect l="-1420" t="-1474" b="-2457"/>
                 </a:stretch>
               </a:blipFill>
               <a:ln>
@@ -18385,88 +18307,6 @@
           </p:sp>
         </mc:Fallback>
       </mc:AlternateContent>
-      <p:pic>
-        <p:nvPicPr>
-          <p:cNvPr id="9" name="Picture 8" descr="A screenshot of a cell phone&#10;&#10;Description generated with high confidence">
-            <a:extLst>
-              <a:ext uri="{FF2B5EF4-FFF2-40B4-BE49-F238E27FC236}">
-                <a16:creationId xmlns:a16="http://schemas.microsoft.com/office/drawing/2014/main" id="{C4C61BDB-2B12-40D5-86B3-B32A8D4A4635}"/>
-              </a:ext>
-            </a:extLst>
-          </p:cNvPr>
-          <p:cNvPicPr>
-            <a:picLocks noChangeAspect="1"/>
-          </p:cNvPicPr>
-          <p:nvPr/>
-        </p:nvPicPr>
-        <p:blipFill>
-          <a:blip r:embed="rId8">
-            <a:extLst>
-              <a:ext uri="{28A0092B-C50C-407E-A947-70E740481C1C}">
-                <a14:useLocalDpi xmlns:a14="http://schemas.microsoft.com/office/drawing/2010/main" val="0"/>
-              </a:ext>
-            </a:extLst>
-          </a:blip>
-          <a:stretch>
-            <a:fillRect/>
-          </a:stretch>
-        </p:blipFill>
-        <p:spPr>
-          <a:xfrm>
-            <a:off x="7089203" y="115475"/>
-            <a:ext cx="3653477" cy="2740108"/>
-          </a:xfrm>
-          <a:prstGeom prst="rect">
-            <a:avLst/>
-          </a:prstGeom>
-          <a:ln>
-            <a:solidFill>
-              <a:schemeClr val="tx1"/>
-            </a:solidFill>
-          </a:ln>
-        </p:spPr>
-      </p:pic>
-      <p:pic>
-        <p:nvPicPr>
-          <p:cNvPr id="11" name="Picture 10" descr="A screenshot of a cell phone&#10;&#10;Description generated with very high confidence">
-            <a:extLst>
-              <a:ext uri="{FF2B5EF4-FFF2-40B4-BE49-F238E27FC236}">
-                <a16:creationId xmlns:a16="http://schemas.microsoft.com/office/drawing/2014/main" id="{765C6F87-E915-4C0B-9635-5B72CD064E33}"/>
-              </a:ext>
-            </a:extLst>
-          </p:cNvPr>
-          <p:cNvPicPr>
-            <a:picLocks noChangeAspect="1"/>
-          </p:cNvPicPr>
-          <p:nvPr/>
-        </p:nvPicPr>
-        <p:blipFill>
-          <a:blip r:embed="rId9">
-            <a:extLst>
-              <a:ext uri="{28A0092B-C50C-407E-A947-70E740481C1C}">
-                <a14:useLocalDpi xmlns:a14="http://schemas.microsoft.com/office/drawing/2010/main" val="0"/>
-              </a:ext>
-            </a:extLst>
-          </a:blip>
-          <a:stretch>
-            <a:fillRect/>
-          </a:stretch>
-        </p:blipFill>
-        <p:spPr>
-          <a:xfrm>
-            <a:off x="9759142" y="1829949"/>
-            <a:ext cx="2315323" cy="1736492"/>
-          </a:xfrm>
-          <a:prstGeom prst="rect">
-            <a:avLst/>
-          </a:prstGeom>
-          <a:ln>
-            <a:solidFill>
-              <a:schemeClr val="tx1"/>
-            </a:solidFill>
-          </a:ln>
-        </p:spPr>
-      </p:pic>
       <p:sp>
         <p:nvSpPr>
           <p:cNvPr id="14" name="Title 1">
@@ -18521,8 +18361,8 @@
           </a:p>
         </p:txBody>
       </p:sp>
-      <mc:AlternateContent xmlns:mc="http://schemas.openxmlformats.org/markup-compatibility/2006">
-        <mc:Choice xmlns:a14="http://schemas.microsoft.com/office/drawing/2010/main" Requires="a14">
+      <mc:AlternateContent xmlns:mc="http://schemas.openxmlformats.org/markup-compatibility/2006" xmlns:a14="http://schemas.microsoft.com/office/drawing/2010/main">
+        <mc:Choice Requires="a14">
           <p:sp>
             <p:nvSpPr>
               <p:cNvPr id="15" name="TextBox 14">
@@ -18873,7 +18713,7 @@
             </p:txBody>
           </p:sp>
         </mc:Choice>
-        <mc:Fallback>
+        <mc:Fallback xmlns="">
           <p:sp>
             <p:nvSpPr>
               <p:cNvPr id="15" name="TextBox 14">
@@ -18918,8 +18758,8 @@
           </p:sp>
         </mc:Fallback>
       </mc:AlternateContent>
-      <mc:AlternateContent xmlns:mc="http://schemas.openxmlformats.org/markup-compatibility/2006">
-        <mc:Choice xmlns:a14="http://schemas.microsoft.com/office/drawing/2010/main" Requires="a14">
+      <mc:AlternateContent xmlns:mc="http://schemas.openxmlformats.org/markup-compatibility/2006" xmlns:a14="http://schemas.microsoft.com/office/drawing/2010/main">
+        <mc:Choice Requires="a14">
           <p:sp>
             <p:nvSpPr>
               <p:cNvPr id="16" name="TextBox 15">
@@ -19128,7 +18968,7 @@
             </p:txBody>
           </p:sp>
         </mc:Choice>
-        <mc:Fallback>
+        <mc:Fallback xmlns="">
           <p:sp>
             <p:nvSpPr>
               <p:cNvPr id="16" name="TextBox 15">
@@ -19173,8 +19013,8 @@
           </p:sp>
         </mc:Fallback>
       </mc:AlternateContent>
-      <mc:AlternateContent xmlns:mc="http://schemas.openxmlformats.org/markup-compatibility/2006">
-        <mc:Choice xmlns:a14="http://schemas.microsoft.com/office/drawing/2010/main" Requires="a14">
+      <mc:AlternateContent xmlns:mc="http://schemas.openxmlformats.org/markup-compatibility/2006" xmlns:a14="http://schemas.microsoft.com/office/drawing/2010/main">
+        <mc:Choice Requires="a14">
           <p:sp>
             <p:nvSpPr>
               <p:cNvPr id="17" name="TextBox 16">
@@ -19390,7 +19230,7 @@
             </p:txBody>
           </p:sp>
         </mc:Choice>
-        <mc:Fallback>
+        <mc:Fallback xmlns="">
           <p:sp>
             <p:nvSpPr>
               <p:cNvPr id="17" name="TextBox 16">
@@ -19435,8 +19275,8 @@
           </p:sp>
         </mc:Fallback>
       </mc:AlternateContent>
-      <mc:AlternateContent xmlns:mc="http://schemas.openxmlformats.org/markup-compatibility/2006">
-        <mc:Choice xmlns:a14="http://schemas.microsoft.com/office/drawing/2010/main" Requires="a14">
+      <mc:AlternateContent xmlns:mc="http://schemas.openxmlformats.org/markup-compatibility/2006" xmlns:a14="http://schemas.microsoft.com/office/drawing/2010/main">
+        <mc:Choice Requires="a14">
           <p:sp>
             <p:nvSpPr>
               <p:cNvPr id="18" name="TextBox 17">
@@ -19758,7 +19598,7 @@
             </p:txBody>
           </p:sp>
         </mc:Choice>
-        <mc:Fallback>
+        <mc:Fallback xmlns="">
           <p:sp>
             <p:nvSpPr>
               <p:cNvPr id="18" name="TextBox 17">
@@ -19803,8 +19643,8 @@
           </p:sp>
         </mc:Fallback>
       </mc:AlternateContent>
-      <mc:AlternateContent xmlns:mc="http://schemas.openxmlformats.org/markup-compatibility/2006">
-        <mc:Choice xmlns:a14="http://schemas.microsoft.com/office/drawing/2010/main" Requires="a14">
+      <mc:AlternateContent xmlns:mc="http://schemas.openxmlformats.org/markup-compatibility/2006" xmlns:a14="http://schemas.microsoft.com/office/drawing/2010/main">
+        <mc:Choice Requires="a14">
           <p:sp>
             <p:nvSpPr>
               <p:cNvPr id="19" name="TextBox 18">
@@ -20074,7 +19914,7 @@
             </p:txBody>
           </p:sp>
         </mc:Choice>
-        <mc:Fallback>
+        <mc:Fallback xmlns="">
           <p:sp>
             <p:nvSpPr>
               <p:cNvPr id="19" name="TextBox 18">
@@ -20358,7 +20198,7 @@
                               </a:solidFill>
                               <a:latin typeface="Cambria Math" panose="02040503050406030204" pitchFamily="18" charset="0"/>
                             </a:rPr>
-                            <m:t>2</m:t>
+                            <m:t>3</m:t>
                           </m:r>
                         </m:sub>
                       </m:sSub>
@@ -20444,7 +20284,7 @@
         </p:nvSpPr>
         <p:spPr>
           <a:xfrm>
-            <a:off x="3502173" y="5620528"/>
+            <a:off x="3596986" y="5356661"/>
             <a:ext cx="2279453" cy="923330"/>
           </a:xfrm>
           <a:prstGeom prst="rect">
@@ -20471,11 +20311,9 @@
             <a:endParaRPr lang="en-US" dirty="0"/>
           </a:p>
           <a:p>
-            <a:pPr/>
             <a:endParaRPr lang="en-US" dirty="0"/>
           </a:p>
           <a:p>
-            <a:pPr/>
             <a:r>
               <a:rPr lang="en-US" dirty="0"/>
               <a:t>No classical solutions.</a:t>
@@ -20565,6 +20403,88 @@
           </a:ln>
         </p:spPr>
       </p:pic>
+      <p:pic>
+        <p:nvPicPr>
+          <p:cNvPr id="10" name="Picture 9" descr="A close up of a logo&#10;&#10;Description generated with high confidence">
+            <a:extLst>
+              <a:ext uri="{FF2B5EF4-FFF2-40B4-BE49-F238E27FC236}">
+                <a16:creationId xmlns:a16="http://schemas.microsoft.com/office/drawing/2014/main" id="{BA7382C4-AB87-4412-BCD6-710075C2B526}"/>
+              </a:ext>
+            </a:extLst>
+          </p:cNvPr>
+          <p:cNvPicPr>
+            <a:picLocks noChangeAspect="1"/>
+          </p:cNvPicPr>
+          <p:nvPr/>
+        </p:nvPicPr>
+        <p:blipFill>
+          <a:blip r:embed="rId18">
+            <a:extLst>
+              <a:ext uri="{28A0092B-C50C-407E-A947-70E740481C1C}">
+                <a14:useLocalDpi xmlns:a14="http://schemas.microsoft.com/office/drawing/2010/main" val="0"/>
+              </a:ext>
+            </a:extLst>
+          </a:blip>
+          <a:stretch>
+            <a:fillRect/>
+          </a:stretch>
+        </p:blipFill>
+        <p:spPr>
+          <a:xfrm>
+            <a:off x="6979275" y="245977"/>
+            <a:ext cx="3812556" cy="2859417"/>
+          </a:xfrm>
+          <a:prstGeom prst="rect">
+            <a:avLst/>
+          </a:prstGeom>
+          <a:ln>
+            <a:solidFill>
+              <a:schemeClr val="tx1"/>
+            </a:solidFill>
+          </a:ln>
+        </p:spPr>
+      </p:pic>
+      <p:pic>
+        <p:nvPicPr>
+          <p:cNvPr id="13" name="Picture 12" descr="A screenshot of a cell phone&#10;&#10;Description generated with very high confidence">
+            <a:extLst>
+              <a:ext uri="{FF2B5EF4-FFF2-40B4-BE49-F238E27FC236}">
+                <a16:creationId xmlns:a16="http://schemas.microsoft.com/office/drawing/2014/main" id="{DEDB5218-1CB5-4FC6-8A6E-B50D0FE9EC42}"/>
+              </a:ext>
+            </a:extLst>
+          </p:cNvPr>
+          <p:cNvPicPr>
+            <a:picLocks noChangeAspect="1"/>
+          </p:cNvPicPr>
+          <p:nvPr/>
+        </p:nvPicPr>
+        <p:blipFill>
+          <a:blip r:embed="rId19">
+            <a:extLst>
+              <a:ext uri="{28A0092B-C50C-407E-A947-70E740481C1C}">
+                <a14:useLocalDpi xmlns:a14="http://schemas.microsoft.com/office/drawing/2010/main" val="0"/>
+              </a:ext>
+            </a:extLst>
+          </a:blip>
+          <a:stretch>
+            <a:fillRect/>
+          </a:stretch>
+        </p:blipFill>
+        <p:spPr>
+          <a:xfrm>
+            <a:off x="9803472" y="2148937"/>
+            <a:ext cx="2304872" cy="1728654"/>
+          </a:xfrm>
+          <a:prstGeom prst="rect">
+            <a:avLst/>
+          </a:prstGeom>
+          <a:ln>
+            <a:solidFill>
+              <a:schemeClr val="tx1"/>
+            </a:solidFill>
+          </a:ln>
+        </p:spPr>
+      </p:pic>
     </p:spTree>
     <p:extLst>
       <p:ext uri="{BB962C8B-B14F-4D97-AF65-F5344CB8AC3E}">
@@ -20613,8 +20533,8 @@
         </p:nvSpPr>
         <p:spPr>
           <a:xfrm>
-            <a:off x="1112697" y="1281261"/>
-            <a:ext cx="4182425" cy="3897246"/>
+            <a:off x="4279064" y="947650"/>
+            <a:ext cx="3633871" cy="4547063"/>
           </a:xfrm>
           <a:ln w="38100">
             <a:solidFill>
@@ -20631,12 +20551,9 @@
           </a:bodyPr>
           <a:lstStyle/>
           <a:p>
-            <a:pPr marL="0" indent="0">
-              <a:buNone/>
-            </a:pPr>
             <a:r>
-              <a:rPr lang="en-US" sz="2000" b="1" dirty="0"/>
-              <a:t>Reproducibility:</a:t>
+              <a:rPr lang="en-US" sz="2000" dirty="0"/>
+              <a:t>Actually commented my code for once.</a:t>
             </a:r>
           </a:p>
           <a:p>
@@ -20656,14 +20573,14 @@
             <a:pPr lvl="1"/>
             <a:r>
               <a:rPr lang="en-US" sz="2000" dirty="0"/>
-              <a:t>Describes all other non-figure files</a:t>
+              <a:t>describes all other non-figure files</a:t>
             </a:r>
           </a:p>
           <a:p>
             <a:pPr lvl="1"/>
             <a:r>
               <a:rPr lang="en-US" sz="2000" dirty="0"/>
-              <a:t>Explains system for naming files</a:t>
+              <a:t>records system for naming files</a:t>
             </a:r>
           </a:p>
           <a:p>
@@ -20697,8 +20614,8 @@
         </p:nvSpPr>
         <p:spPr>
           <a:xfrm>
-            <a:off x="6261046" y="1822973"/>
-            <a:ext cx="4182425" cy="2813821"/>
+            <a:off x="8295320" y="947650"/>
+            <a:ext cx="3633871" cy="3265802"/>
           </a:xfrm>
           <a:prstGeom prst="rect">
             <a:avLst/>
@@ -20714,7 +20631,7 @@
         </p:spPr>
         <p:txBody>
           <a:bodyPr vert="horz" lIns="91440" tIns="45720" rIns="91440" bIns="45720" rtlCol="0">
-            <a:normAutofit lnSpcReduction="10000"/>
+            <a:normAutofit/>
           </a:bodyPr>
           <a:lstStyle>
             <a:lvl1pPr marL="228600" indent="-228600" algn="l" defTabSz="914400" rtl="0" eaLnBrk="1" latinLnBrk="0" hangingPunct="1">
@@ -20881,16 +20798,6 @@
             </a:lvl9pPr>
           </a:lstStyle>
           <a:p>
-            <a:pPr marL="0" indent="0">
-              <a:buFont typeface="Arial" panose="020B0604020202020204" pitchFamily="34" charset="0"/>
-              <a:buNone/>
-            </a:pPr>
-            <a:r>
-              <a:rPr lang="en-US" sz="2000" b="1" dirty="0"/>
-              <a:t>Next steps:</a:t>
-            </a:r>
-          </a:p>
-          <a:p>
             <a:r>
               <a:rPr lang="en-US" sz="2000" dirty="0"/>
               <a:t>Finalize rigorous analysis of what occurs at steady states when cheater introduced. </a:t>
@@ -20920,6 +20827,370 @@
               <a:rPr lang="en-US" sz="2000" dirty="0"/>
               <a:t>Take the nap </a:t>
             </a:r>
+          </a:p>
+        </p:txBody>
+      </p:sp>
+      <p:sp>
+        <p:nvSpPr>
+          <p:cNvPr id="4" name="Content Placeholder 2">
+            <a:extLst>
+              <a:ext uri="{FF2B5EF4-FFF2-40B4-BE49-F238E27FC236}">
+                <a16:creationId xmlns:a16="http://schemas.microsoft.com/office/drawing/2014/main" id="{89B3CF3C-5BB5-45C5-9D32-6C038A9837F9}"/>
+              </a:ext>
+            </a:extLst>
+          </p:cNvPr>
+          <p:cNvSpPr txBox="1">
+            <a:spLocks/>
+          </p:cNvSpPr>
+          <p:nvPr/>
+        </p:nvSpPr>
+        <p:spPr>
+          <a:xfrm>
+            <a:off x="262809" y="947650"/>
+            <a:ext cx="3633871" cy="5335787"/>
+          </a:xfrm>
+          <a:prstGeom prst="rect">
+            <a:avLst/>
+          </a:prstGeom>
+          <a:ln w="38100">
+            <a:solidFill>
+              <a:schemeClr val="tx1">
+                <a:lumMod val="50000"/>
+                <a:lumOff val="50000"/>
+              </a:schemeClr>
+            </a:solidFill>
+          </a:ln>
+        </p:spPr>
+        <p:txBody>
+          <a:bodyPr vert="horz" lIns="91440" tIns="45720" rIns="91440" bIns="45720" rtlCol="0">
+            <a:noAutofit/>
+          </a:bodyPr>
+          <a:lstStyle>
+            <a:lvl1pPr marL="228600" indent="-228600" algn="l" defTabSz="914400" rtl="0" eaLnBrk="1" latinLnBrk="0" hangingPunct="1">
+              <a:lnSpc>
+                <a:spcPct val="90000"/>
+              </a:lnSpc>
+              <a:spcBef>
+                <a:spcPts val="1000"/>
+              </a:spcBef>
+              <a:buFont typeface="Arial" panose="020B0604020202020204" pitchFamily="34" charset="0"/>
+              <a:buChar char="•"/>
+              <a:defRPr sz="2800" kern="1200">
+                <a:solidFill>
+                  <a:schemeClr val="tx1"/>
+                </a:solidFill>
+                <a:latin typeface="+mn-lt"/>
+                <a:ea typeface="+mn-ea"/>
+                <a:cs typeface="+mn-cs"/>
+              </a:defRPr>
+            </a:lvl1pPr>
+            <a:lvl2pPr marL="685800" indent="-228600" algn="l" defTabSz="914400" rtl="0" eaLnBrk="1" latinLnBrk="0" hangingPunct="1">
+              <a:lnSpc>
+                <a:spcPct val="90000"/>
+              </a:lnSpc>
+              <a:spcBef>
+                <a:spcPts val="500"/>
+              </a:spcBef>
+              <a:buFont typeface="Arial" panose="020B0604020202020204" pitchFamily="34" charset="0"/>
+              <a:buChar char="•"/>
+              <a:defRPr sz="2400" kern="1200">
+                <a:solidFill>
+                  <a:schemeClr val="tx1"/>
+                </a:solidFill>
+                <a:latin typeface="+mn-lt"/>
+                <a:ea typeface="+mn-ea"/>
+                <a:cs typeface="+mn-cs"/>
+              </a:defRPr>
+            </a:lvl2pPr>
+            <a:lvl3pPr marL="1143000" indent="-228600" algn="l" defTabSz="914400" rtl="0" eaLnBrk="1" latinLnBrk="0" hangingPunct="1">
+              <a:lnSpc>
+                <a:spcPct val="90000"/>
+              </a:lnSpc>
+              <a:spcBef>
+                <a:spcPts val="500"/>
+              </a:spcBef>
+              <a:buFont typeface="Arial" panose="020B0604020202020204" pitchFamily="34" charset="0"/>
+              <a:buChar char="•"/>
+              <a:defRPr sz="2000" kern="1200">
+                <a:solidFill>
+                  <a:schemeClr val="tx1"/>
+                </a:solidFill>
+                <a:latin typeface="+mn-lt"/>
+                <a:ea typeface="+mn-ea"/>
+                <a:cs typeface="+mn-cs"/>
+              </a:defRPr>
+            </a:lvl3pPr>
+            <a:lvl4pPr marL="1600200" indent="-228600" algn="l" defTabSz="914400" rtl="0" eaLnBrk="1" latinLnBrk="0" hangingPunct="1">
+              <a:lnSpc>
+                <a:spcPct val="90000"/>
+              </a:lnSpc>
+              <a:spcBef>
+                <a:spcPts val="500"/>
+              </a:spcBef>
+              <a:buFont typeface="Arial" panose="020B0604020202020204" pitchFamily="34" charset="0"/>
+              <a:buChar char="•"/>
+              <a:defRPr sz="1800" kern="1200">
+                <a:solidFill>
+                  <a:schemeClr val="tx1"/>
+                </a:solidFill>
+                <a:latin typeface="+mn-lt"/>
+                <a:ea typeface="+mn-ea"/>
+                <a:cs typeface="+mn-cs"/>
+              </a:defRPr>
+            </a:lvl4pPr>
+            <a:lvl5pPr marL="2057400" indent="-228600" algn="l" defTabSz="914400" rtl="0" eaLnBrk="1" latinLnBrk="0" hangingPunct="1">
+              <a:lnSpc>
+                <a:spcPct val="90000"/>
+              </a:lnSpc>
+              <a:spcBef>
+                <a:spcPts val="500"/>
+              </a:spcBef>
+              <a:buFont typeface="Arial" panose="020B0604020202020204" pitchFamily="34" charset="0"/>
+              <a:buChar char="•"/>
+              <a:defRPr sz="1800" kern="1200">
+                <a:solidFill>
+                  <a:schemeClr val="tx1"/>
+                </a:solidFill>
+                <a:latin typeface="+mn-lt"/>
+                <a:ea typeface="+mn-ea"/>
+                <a:cs typeface="+mn-cs"/>
+              </a:defRPr>
+            </a:lvl5pPr>
+            <a:lvl6pPr marL="2514600" indent="-228600" algn="l" defTabSz="914400" rtl="0" eaLnBrk="1" latinLnBrk="0" hangingPunct="1">
+              <a:lnSpc>
+                <a:spcPct val="90000"/>
+              </a:lnSpc>
+              <a:spcBef>
+                <a:spcPts val="500"/>
+              </a:spcBef>
+              <a:buFont typeface="Arial" panose="020B0604020202020204" pitchFamily="34" charset="0"/>
+              <a:buChar char="•"/>
+              <a:defRPr sz="1800" kern="1200">
+                <a:solidFill>
+                  <a:schemeClr val="tx1"/>
+                </a:solidFill>
+                <a:latin typeface="+mn-lt"/>
+                <a:ea typeface="+mn-ea"/>
+                <a:cs typeface="+mn-cs"/>
+              </a:defRPr>
+            </a:lvl6pPr>
+            <a:lvl7pPr marL="2971800" indent="-228600" algn="l" defTabSz="914400" rtl="0" eaLnBrk="1" latinLnBrk="0" hangingPunct="1">
+              <a:lnSpc>
+                <a:spcPct val="90000"/>
+              </a:lnSpc>
+              <a:spcBef>
+                <a:spcPts val="500"/>
+              </a:spcBef>
+              <a:buFont typeface="Arial" panose="020B0604020202020204" pitchFamily="34" charset="0"/>
+              <a:buChar char="•"/>
+              <a:defRPr sz="1800" kern="1200">
+                <a:solidFill>
+                  <a:schemeClr val="tx1"/>
+                </a:solidFill>
+                <a:latin typeface="+mn-lt"/>
+                <a:ea typeface="+mn-ea"/>
+                <a:cs typeface="+mn-cs"/>
+              </a:defRPr>
+            </a:lvl7pPr>
+            <a:lvl8pPr marL="3429000" indent="-228600" algn="l" defTabSz="914400" rtl="0" eaLnBrk="1" latinLnBrk="0" hangingPunct="1">
+              <a:lnSpc>
+                <a:spcPct val="90000"/>
+              </a:lnSpc>
+              <a:spcBef>
+                <a:spcPts val="500"/>
+              </a:spcBef>
+              <a:buFont typeface="Arial" panose="020B0604020202020204" pitchFamily="34" charset="0"/>
+              <a:buChar char="•"/>
+              <a:defRPr sz="1800" kern="1200">
+                <a:solidFill>
+                  <a:schemeClr val="tx1"/>
+                </a:solidFill>
+                <a:latin typeface="+mn-lt"/>
+                <a:ea typeface="+mn-ea"/>
+                <a:cs typeface="+mn-cs"/>
+              </a:defRPr>
+            </a:lvl8pPr>
+            <a:lvl9pPr marL="3886200" indent="-228600" algn="l" defTabSz="914400" rtl="0" eaLnBrk="1" latinLnBrk="0" hangingPunct="1">
+              <a:lnSpc>
+                <a:spcPct val="90000"/>
+              </a:lnSpc>
+              <a:spcBef>
+                <a:spcPts val="500"/>
+              </a:spcBef>
+              <a:buFont typeface="Arial" panose="020B0604020202020204" pitchFamily="34" charset="0"/>
+              <a:buChar char="•"/>
+              <a:defRPr sz="1800" kern="1200">
+                <a:solidFill>
+                  <a:schemeClr val="tx1"/>
+                </a:solidFill>
+                <a:latin typeface="+mn-lt"/>
+                <a:ea typeface="+mn-ea"/>
+                <a:cs typeface="+mn-cs"/>
+              </a:defRPr>
+            </a:lvl9pPr>
+          </a:lstStyle>
+          <a:p>
+            <a:r>
+              <a:rPr lang="en-US" sz="2000" dirty="0"/>
+              <a:t>The power of doing mathematical analysis before numerical simulations.</a:t>
+            </a:r>
+          </a:p>
+          <a:p>
+            <a:r>
+              <a:rPr lang="en-US" sz="2000" dirty="0"/>
+              <a:t>Coding best practices:</a:t>
+            </a:r>
+          </a:p>
+          <a:p>
+            <a:pPr lvl="1"/>
+            <a:r>
+              <a:rPr lang="en-US" sz="2000" dirty="0"/>
+              <a:t>So, maybe I’m finally convinced of the importance of commenting code and not using silly variable names.</a:t>
+            </a:r>
+          </a:p>
+          <a:p>
+            <a:r>
+              <a:rPr lang="en-US" sz="2000" dirty="0"/>
+              <a:t>Having a workflow (AKA a roadmap of goals) increased my productivity by narrowing my focus to the immediate steps.</a:t>
+            </a:r>
+          </a:p>
+          <a:p>
+            <a:r>
+              <a:rPr lang="en-US" sz="2000" dirty="0"/>
+              <a:t>Sometimes what you set out to prove is different from what you find.</a:t>
+            </a:r>
+          </a:p>
+          <a:p>
+            <a:endParaRPr lang="en-US" sz="2000" dirty="0"/>
+          </a:p>
+          <a:p>
+            <a:endParaRPr lang="en-US" sz="2000" dirty="0"/>
+          </a:p>
+          <a:p>
+            <a:endParaRPr lang="en-US" sz="2000" dirty="0"/>
+          </a:p>
+          <a:p>
+            <a:endParaRPr lang="en-US" sz="2000" dirty="0"/>
+          </a:p>
+        </p:txBody>
+      </p:sp>
+      <p:sp>
+        <p:nvSpPr>
+          <p:cNvPr id="2" name="TextBox 1">
+            <a:extLst>
+              <a:ext uri="{FF2B5EF4-FFF2-40B4-BE49-F238E27FC236}">
+                <a16:creationId xmlns:a16="http://schemas.microsoft.com/office/drawing/2014/main" id="{96C4B274-4CAC-4756-8A10-37207CB6C563}"/>
+              </a:ext>
+            </a:extLst>
+          </p:cNvPr>
+          <p:cNvSpPr txBox="1"/>
+          <p:nvPr/>
+        </p:nvSpPr>
+        <p:spPr>
+          <a:xfrm>
+            <a:off x="403804" y="312953"/>
+            <a:ext cx="3351880" cy="523220"/>
+          </a:xfrm>
+          <a:prstGeom prst="rect">
+            <a:avLst/>
+          </a:prstGeom>
+          <a:noFill/>
+        </p:spPr>
+        <p:txBody>
+          <a:bodyPr wrap="none" rtlCol="0">
+            <a:spAutoFit/>
+          </a:bodyPr>
+          <a:lstStyle/>
+          <a:p>
+            <a:r>
+              <a:rPr lang="en-US" sz="2800" b="1" dirty="0">
+                <a:latin typeface="+mj-lt"/>
+              </a:rPr>
+              <a:t>Useful things I learned</a:t>
+            </a:r>
+            <a:endParaRPr lang="en-US" b="1" dirty="0">
+              <a:latin typeface="+mj-lt"/>
+            </a:endParaRPr>
+          </a:p>
+        </p:txBody>
+      </p:sp>
+      <p:sp>
+        <p:nvSpPr>
+          <p:cNvPr id="7" name="TextBox 6">
+            <a:extLst>
+              <a:ext uri="{FF2B5EF4-FFF2-40B4-BE49-F238E27FC236}">
+                <a16:creationId xmlns:a16="http://schemas.microsoft.com/office/drawing/2014/main" id="{98D09B9F-27C2-4573-B89E-A486182630E3}"/>
+              </a:ext>
+            </a:extLst>
+          </p:cNvPr>
+          <p:cNvSpPr txBox="1"/>
+          <p:nvPr/>
+        </p:nvSpPr>
+        <p:spPr>
+          <a:xfrm>
+            <a:off x="4279064" y="312953"/>
+            <a:ext cx="2305888" cy="523220"/>
+          </a:xfrm>
+          <a:prstGeom prst="rect">
+            <a:avLst/>
+          </a:prstGeom>
+          <a:noFill/>
+        </p:spPr>
+        <p:txBody>
+          <a:bodyPr wrap="none" rtlCol="0">
+            <a:spAutoFit/>
+          </a:bodyPr>
+          <a:lstStyle/>
+          <a:p>
+            <a:r>
+              <a:rPr lang="en-US" sz="2800" b="1" dirty="0">
+                <a:latin typeface="+mj-lt"/>
+              </a:rPr>
+              <a:t>Reproducibility</a:t>
+            </a:r>
+            <a:endParaRPr lang="en-US" b="1" dirty="0">
+              <a:latin typeface="+mj-lt"/>
+            </a:endParaRPr>
+          </a:p>
+        </p:txBody>
+      </p:sp>
+      <p:sp>
+        <p:nvSpPr>
+          <p:cNvPr id="8" name="TextBox 7">
+            <a:extLst>
+              <a:ext uri="{FF2B5EF4-FFF2-40B4-BE49-F238E27FC236}">
+                <a16:creationId xmlns:a16="http://schemas.microsoft.com/office/drawing/2014/main" id="{09FA8997-709D-4126-8CC1-4A6713FD61EB}"/>
+              </a:ext>
+            </a:extLst>
+          </p:cNvPr>
+          <p:cNvSpPr txBox="1"/>
+          <p:nvPr/>
+        </p:nvSpPr>
+        <p:spPr>
+          <a:xfrm>
+            <a:off x="8295320" y="312953"/>
+            <a:ext cx="1687513" cy="523220"/>
+          </a:xfrm>
+          <a:prstGeom prst="rect">
+            <a:avLst/>
+          </a:prstGeom>
+          <a:noFill/>
+        </p:spPr>
+        <p:txBody>
+          <a:bodyPr wrap="none" rtlCol="0">
+            <a:spAutoFit/>
+          </a:bodyPr>
+          <a:lstStyle/>
+          <a:p>
+            <a:r>
+              <a:rPr lang="en-US" sz="2800" b="1" dirty="0">
+                <a:latin typeface="+mj-lt"/>
+              </a:rPr>
+              <a:t>Next Steps</a:t>
+            </a:r>
+            <a:endParaRPr lang="en-US" b="1" dirty="0">
+              <a:latin typeface="+mj-lt"/>
+            </a:endParaRPr>
           </a:p>
         </p:txBody>
       </p:sp>

--- a/Products/AW_fin.pptx
+++ b/Products/AW_fin.pptx
@@ -264,7 +264,7 @@
           <a:p>
             <a:fld id="{F60B097C-15D3-4C10-907C-9D6BDD5AB733}" type="datetimeFigureOut">
               <a:rPr lang="en-US" smtClean="0"/>
-              <a:t>6/4/2019</a:t>
+              <a:t>6/8/2019</a:t>
             </a:fld>
             <a:endParaRPr lang="en-US"/>
           </a:p>
@@ -462,7 +462,7 @@
           <a:p>
             <a:fld id="{F60B097C-15D3-4C10-907C-9D6BDD5AB733}" type="datetimeFigureOut">
               <a:rPr lang="en-US" smtClean="0"/>
-              <a:t>6/4/2019</a:t>
+              <a:t>6/8/2019</a:t>
             </a:fld>
             <a:endParaRPr lang="en-US"/>
           </a:p>
@@ -670,7 +670,7 @@
           <a:p>
             <a:fld id="{F60B097C-15D3-4C10-907C-9D6BDD5AB733}" type="datetimeFigureOut">
               <a:rPr lang="en-US" smtClean="0"/>
-              <a:t>6/4/2019</a:t>
+              <a:t>6/8/2019</a:t>
             </a:fld>
             <a:endParaRPr lang="en-US"/>
           </a:p>
@@ -868,7 +868,7 @@
           <a:p>
             <a:fld id="{F60B097C-15D3-4C10-907C-9D6BDD5AB733}" type="datetimeFigureOut">
               <a:rPr lang="en-US" smtClean="0"/>
-              <a:t>6/4/2019</a:t>
+              <a:t>6/8/2019</a:t>
             </a:fld>
             <a:endParaRPr lang="en-US"/>
           </a:p>
@@ -1143,7 +1143,7 @@
           <a:p>
             <a:fld id="{F60B097C-15D3-4C10-907C-9D6BDD5AB733}" type="datetimeFigureOut">
               <a:rPr lang="en-US" smtClean="0"/>
-              <a:t>6/4/2019</a:t>
+              <a:t>6/8/2019</a:t>
             </a:fld>
             <a:endParaRPr lang="en-US"/>
           </a:p>
@@ -1408,7 +1408,7 @@
           <a:p>
             <a:fld id="{F60B097C-15D3-4C10-907C-9D6BDD5AB733}" type="datetimeFigureOut">
               <a:rPr lang="en-US" smtClean="0"/>
-              <a:t>6/4/2019</a:t>
+              <a:t>6/8/2019</a:t>
             </a:fld>
             <a:endParaRPr lang="en-US"/>
           </a:p>
@@ -1820,7 +1820,7 @@
           <a:p>
             <a:fld id="{F60B097C-15D3-4C10-907C-9D6BDD5AB733}" type="datetimeFigureOut">
               <a:rPr lang="en-US" smtClean="0"/>
-              <a:t>6/4/2019</a:t>
+              <a:t>6/8/2019</a:t>
             </a:fld>
             <a:endParaRPr lang="en-US"/>
           </a:p>
@@ -1961,7 +1961,7 @@
           <a:p>
             <a:fld id="{F60B097C-15D3-4C10-907C-9D6BDD5AB733}" type="datetimeFigureOut">
               <a:rPr lang="en-US" smtClean="0"/>
-              <a:t>6/4/2019</a:t>
+              <a:t>6/8/2019</a:t>
             </a:fld>
             <a:endParaRPr lang="en-US"/>
           </a:p>
@@ -2074,7 +2074,7 @@
           <a:p>
             <a:fld id="{F60B097C-15D3-4C10-907C-9D6BDD5AB733}" type="datetimeFigureOut">
               <a:rPr lang="en-US" smtClean="0"/>
-              <a:t>6/4/2019</a:t>
+              <a:t>6/8/2019</a:t>
             </a:fld>
             <a:endParaRPr lang="en-US"/>
           </a:p>
@@ -2385,7 +2385,7 @@
           <a:p>
             <a:fld id="{F60B097C-15D3-4C10-907C-9D6BDD5AB733}" type="datetimeFigureOut">
               <a:rPr lang="en-US" smtClean="0"/>
-              <a:t>6/4/2019</a:t>
+              <a:t>6/8/2019</a:t>
             </a:fld>
             <a:endParaRPr lang="en-US"/>
           </a:p>
@@ -2673,7 +2673,7 @@
           <a:p>
             <a:fld id="{F60B097C-15D3-4C10-907C-9D6BDD5AB733}" type="datetimeFigureOut">
               <a:rPr lang="en-US" smtClean="0"/>
-              <a:t>6/4/2019</a:t>
+              <a:t>6/8/2019</a:t>
             </a:fld>
             <a:endParaRPr lang="en-US"/>
           </a:p>
@@ -2914,7 +2914,7 @@
           <a:p>
             <a:fld id="{F60B097C-15D3-4C10-907C-9D6BDD5AB733}" type="datetimeFigureOut">
               <a:rPr lang="en-US" smtClean="0"/>
-              <a:t>6/4/2019</a:t>
+              <a:t>6/8/2019</a:t>
             </a:fld>
             <a:endParaRPr lang="en-US"/>
           </a:p>
@@ -8898,8 +8898,8 @@
           </p:sp>
         </mc:Fallback>
       </mc:AlternateContent>
-      <mc:AlternateContent xmlns:mc="http://schemas.openxmlformats.org/markup-compatibility/2006">
-        <mc:Choice xmlns:a14="http://schemas.microsoft.com/office/drawing/2010/main" Requires="a14">
+      <mc:AlternateContent xmlns:mc="http://schemas.openxmlformats.org/markup-compatibility/2006" xmlns:a14="http://schemas.microsoft.com/office/drawing/2010/main">
+        <mc:Choice Requires="a14">
           <p:sp>
             <p:nvSpPr>
               <p:cNvPr id="169" name="TextBox 168">
@@ -9164,7 +9164,7 @@
             </p:txBody>
           </p:sp>
         </mc:Choice>
-        <mc:Fallback>
+        <mc:Fallback xmlns="">
           <p:sp>
             <p:nvSpPr>
               <p:cNvPr id="169" name="TextBox 168">
@@ -12721,8 +12721,8 @@
           </p:sp>
         </mc:Fallback>
       </mc:AlternateContent>
-      <mc:AlternateContent xmlns:mc="http://schemas.openxmlformats.org/markup-compatibility/2006">
-        <mc:Choice xmlns:a14="http://schemas.microsoft.com/office/drawing/2010/main" Requires="a14">
+      <mc:AlternateContent xmlns:mc="http://schemas.openxmlformats.org/markup-compatibility/2006" xmlns:a14="http://schemas.microsoft.com/office/drawing/2010/main">
+        <mc:Choice Requires="a14">
           <p:sp>
             <p:nvSpPr>
               <p:cNvPr id="28" name="TextBox 27">
@@ -12987,7 +12987,7 @@
             </p:txBody>
           </p:sp>
         </mc:Choice>
-        <mc:Fallback>
+        <mc:Fallback xmlns="">
           <p:sp>
             <p:nvSpPr>
               <p:cNvPr id="28" name="TextBox 27">
@@ -17989,8 +17989,8 @@
           </p:sp>
         </mc:Fallback>
       </mc:AlternateContent>
-      <mc:AlternateContent xmlns:mc="http://schemas.openxmlformats.org/markup-compatibility/2006">
-        <mc:Choice xmlns:a14="http://schemas.microsoft.com/office/drawing/2010/main" Requires="a14">
+      <mc:AlternateContent xmlns:mc="http://schemas.openxmlformats.org/markup-compatibility/2006" xmlns:a14="http://schemas.microsoft.com/office/drawing/2010/main">
+        <mc:Choice Requires="a14">
           <p:sp>
             <p:nvSpPr>
               <p:cNvPr id="28" name="Rectangle 27">
@@ -18257,7 +18257,7 @@
             </p:txBody>
           </p:sp>
         </mc:Choice>
-        <mc:Fallback>
+        <mc:Fallback xmlns="">
           <p:sp>
             <p:nvSpPr>
               <p:cNvPr id="28" name="Rectangle 27">
@@ -19959,8 +19959,8 @@
           </p:sp>
         </mc:Fallback>
       </mc:AlternateContent>
-      <mc:AlternateContent xmlns:mc="http://schemas.openxmlformats.org/markup-compatibility/2006">
-        <mc:Choice xmlns:a14="http://schemas.microsoft.com/office/drawing/2010/main" Requires="a14">
+      <mc:AlternateContent xmlns:mc="http://schemas.openxmlformats.org/markup-compatibility/2006" xmlns:a14="http://schemas.microsoft.com/office/drawing/2010/main">
+        <mc:Choice Requires="a14">
           <p:sp>
             <p:nvSpPr>
               <p:cNvPr id="20" name="TextBox 19">
@@ -20225,7 +20225,7 @@
             </p:txBody>
           </p:sp>
         </mc:Choice>
-        <mc:Fallback>
+        <mc:Fallback xmlns="">
           <p:sp>
             <p:nvSpPr>
               <p:cNvPr id="20" name="TextBox 19">
@@ -20846,8 +20846,8 @@
         </p:nvSpPr>
         <p:spPr>
           <a:xfrm>
-            <a:off x="262809" y="947650"/>
-            <a:ext cx="3633871" cy="5335787"/>
+            <a:off x="262809" y="947651"/>
+            <a:ext cx="3633871" cy="5112908"/>
           </a:xfrm>
           <a:prstGeom prst="rect">
             <a:avLst/>
@@ -21051,7 +21051,7 @@
           <a:p>
             <a:r>
               <a:rPr lang="en-US" sz="2000" dirty="0"/>
-              <a:t>Having a workflow (AKA a roadmap of goals) increased my productivity by narrowing my focus to the immediate steps.</a:t>
+              <a:t>Having a workflow increased my productivity by narrowing my focus to the immediate steps.</a:t>
             </a:r>
           </a:p>
           <a:p>
@@ -21059,9 +21059,6 @@
               <a:rPr lang="en-US" sz="2000" dirty="0"/>
               <a:t>Sometimes what you set out to prove is different from what you find.</a:t>
             </a:r>
-          </a:p>
-          <a:p>
-            <a:endParaRPr lang="en-US" sz="2000" dirty="0"/>
           </a:p>
           <a:p>
             <a:endParaRPr lang="en-US" sz="2000" dirty="0"/>
@@ -21088,7 +21085,7 @@
         </p:nvSpPr>
         <p:spPr>
           <a:xfrm>
-            <a:off x="403804" y="312953"/>
+            <a:off x="262809" y="312953"/>
             <a:ext cx="3351880" cy="523220"/>
           </a:xfrm>
           <a:prstGeom prst="rect">
